--- a/git_python_kurs.pptx
+++ b/git_python_kurs.pptx
@@ -1,6 +1,6 @@
 
 <file path=ppt/presentation.xml><?xml version="1.0" encoding="utf-8"?>
-<p:presentation xmlns:a="http://schemas.openxmlformats.org/drawingml/2006/main" xmlns:r="http://schemas.openxmlformats.org/officeDocument/2006/relationships" xmlns:mc="http://schemas.openxmlformats.org/markup-compatibility/2006" xmlns:mv="urn:schemas-microsoft-com:mac:vml" xmlns:p="http://schemas.openxmlformats.org/presentationml/2006/main" mc:Ignorable="mv" mc:PreserveAttributes="mv:*" saveSubsetFonts="1" autoCompressPictures="0">
+<p:presentation xmlns:a="http://schemas.openxmlformats.org/drawingml/2006/main" xmlns:r="http://schemas.openxmlformats.org/officeDocument/2006/relationships" xmlns:p="http://schemas.openxmlformats.org/presentationml/2006/main" saveSubsetFonts="1" autoCompressPictures="0">
   <p:sldMasterIdLst>
     <p:sldMasterId id="2147483648" r:id="rId1"/>
   </p:sldMasterIdLst>
@@ -10,8 +10,13 @@
     <p:sldId id="257" r:id="rId4"/>
     <p:sldId id="258" r:id="rId5"/>
     <p:sldId id="262" r:id="rId6"/>
-    <p:sldId id="260" r:id="rId7"/>
-    <p:sldId id="259" r:id="rId8"/>
+    <p:sldId id="263" r:id="rId7"/>
+    <p:sldId id="264" r:id="rId8"/>
+    <p:sldId id="265" r:id="rId9"/>
+    <p:sldId id="266" r:id="rId10"/>
+    <p:sldId id="267" r:id="rId11"/>
+    <p:sldId id="268" r:id="rId12"/>
+    <p:sldId id="269" r:id="rId13"/>
   </p:sldIdLst>
   <p:sldSz cx="9144000" cy="6858000" type="screen4x3"/>
   <p:notesSz cx="6858000" cy="9144000"/>
@@ -114,7 +119,7 @@
 </file>
 
 <file path=ppt/slideLayouts/slideLayout1.xml><?xml version="1.0" encoding="utf-8"?>
-<p:sldLayout xmlns:a="http://schemas.openxmlformats.org/drawingml/2006/main" xmlns:r="http://schemas.openxmlformats.org/officeDocument/2006/relationships" xmlns:mc="http://schemas.openxmlformats.org/markup-compatibility/2006" xmlns:mv="urn:schemas-microsoft-com:mac:vml" xmlns:p="http://schemas.openxmlformats.org/presentationml/2006/main" mc:Ignorable="mv" mc:PreserveAttributes="mv:*" type="title" preserve="1">
+<p:sldLayout xmlns:a="http://schemas.openxmlformats.org/drawingml/2006/main" xmlns:r="http://schemas.openxmlformats.org/officeDocument/2006/relationships" xmlns:p="http://schemas.openxmlformats.org/presentationml/2006/main" type="title" preserve="1">
   <p:cSld name="Title Slide">
     <p:spTree>
       <p:nvGrpSpPr>
@@ -294,7 +299,7 @@
           <a:p>
             <a:fld id="{7AB4D525-FEA6-4C46-A836-18AB099A0B80}" type="datetimeFigureOut">
               <a:rPr lang="en-US" smtClean="0"/>
-              <a:t>1/30/15</a:t>
+              <a:t>2/9/15</a:t>
             </a:fld>
             <a:endParaRPr lang="en-US"/>
           </a:p>
@@ -336,7 +341,7 @@
           <a:p>
             <a:fld id="{4F754926-63EB-4746-BA1D-DEED820DE9EA}" type="slidenum">
               <a:rPr lang="en-US" smtClean="0"/>
-              <a:t>‹#›</a:t>
+              <a:t>‹Nr.›</a:t>
             </a:fld>
             <a:endParaRPr lang="en-US"/>
           </a:p>
@@ -351,7 +356,7 @@
 </file>
 
 <file path=ppt/slideLayouts/slideLayout10.xml><?xml version="1.0" encoding="utf-8"?>
-<p:sldLayout xmlns:a="http://schemas.openxmlformats.org/drawingml/2006/main" xmlns:r="http://schemas.openxmlformats.org/officeDocument/2006/relationships" xmlns:mc="http://schemas.openxmlformats.org/markup-compatibility/2006" xmlns:mv="urn:schemas-microsoft-com:mac:vml" xmlns:p="http://schemas.openxmlformats.org/presentationml/2006/main" mc:Ignorable="mv" mc:PreserveAttributes="mv:*" type="vertTx" preserve="1">
+<p:sldLayout xmlns:a="http://schemas.openxmlformats.org/drawingml/2006/main" xmlns:r="http://schemas.openxmlformats.org/officeDocument/2006/relationships" xmlns:p="http://schemas.openxmlformats.org/presentationml/2006/main" type="vertTx" preserve="1">
   <p:cSld name="Title and Vertical Text">
     <p:spTree>
       <p:nvGrpSpPr>
@@ -459,7 +464,7 @@
           <a:p>
             <a:fld id="{7AB4D525-FEA6-4C46-A836-18AB099A0B80}" type="datetimeFigureOut">
               <a:rPr lang="en-US" smtClean="0"/>
-              <a:t>1/30/15</a:t>
+              <a:t>2/9/15</a:t>
             </a:fld>
             <a:endParaRPr lang="en-US"/>
           </a:p>
@@ -501,7 +506,7 @@
           <a:p>
             <a:fld id="{4F754926-63EB-4746-BA1D-DEED820DE9EA}" type="slidenum">
               <a:rPr lang="en-US" smtClean="0"/>
-              <a:t>‹#›</a:t>
+              <a:t>‹Nr.›</a:t>
             </a:fld>
             <a:endParaRPr lang="en-US"/>
           </a:p>
@@ -516,7 +521,7 @@
 </file>
 
 <file path=ppt/slideLayouts/slideLayout11.xml><?xml version="1.0" encoding="utf-8"?>
-<p:sldLayout xmlns:a="http://schemas.openxmlformats.org/drawingml/2006/main" xmlns:r="http://schemas.openxmlformats.org/officeDocument/2006/relationships" xmlns:mc="http://schemas.openxmlformats.org/markup-compatibility/2006" xmlns:mv="urn:schemas-microsoft-com:mac:vml" xmlns:p="http://schemas.openxmlformats.org/presentationml/2006/main" mc:Ignorable="mv" mc:PreserveAttributes="mv:*" type="vertTitleAndTx" preserve="1">
+<p:sldLayout xmlns:a="http://schemas.openxmlformats.org/drawingml/2006/main" xmlns:r="http://schemas.openxmlformats.org/officeDocument/2006/relationships" xmlns:p="http://schemas.openxmlformats.org/presentationml/2006/main" type="vertTitleAndTx" preserve="1">
   <p:cSld name="Vertical Title and Text">
     <p:spTree>
       <p:nvGrpSpPr>
@@ -634,7 +639,7 @@
           <a:p>
             <a:fld id="{7AB4D525-FEA6-4C46-A836-18AB099A0B80}" type="datetimeFigureOut">
               <a:rPr lang="en-US" smtClean="0"/>
-              <a:t>1/30/15</a:t>
+              <a:t>2/9/15</a:t>
             </a:fld>
             <a:endParaRPr lang="en-US"/>
           </a:p>
@@ -676,7 +681,7 @@
           <a:p>
             <a:fld id="{4F754926-63EB-4746-BA1D-DEED820DE9EA}" type="slidenum">
               <a:rPr lang="en-US" smtClean="0"/>
-              <a:t>‹#›</a:t>
+              <a:t>‹Nr.›</a:t>
             </a:fld>
             <a:endParaRPr lang="en-US"/>
           </a:p>
@@ -691,7 +696,7 @@
 </file>
 
 <file path=ppt/slideLayouts/slideLayout2.xml><?xml version="1.0" encoding="utf-8"?>
-<p:sldLayout xmlns:a="http://schemas.openxmlformats.org/drawingml/2006/main" xmlns:r="http://schemas.openxmlformats.org/officeDocument/2006/relationships" xmlns:mc="http://schemas.openxmlformats.org/markup-compatibility/2006" xmlns:mv="urn:schemas-microsoft-com:mac:vml" xmlns:p="http://schemas.openxmlformats.org/presentationml/2006/main" mc:Ignorable="mv" mc:PreserveAttributes="mv:*" type="obj" preserve="1">
+<p:sldLayout xmlns:a="http://schemas.openxmlformats.org/drawingml/2006/main" xmlns:r="http://schemas.openxmlformats.org/officeDocument/2006/relationships" xmlns:p="http://schemas.openxmlformats.org/presentationml/2006/main" type="obj" preserve="1">
   <p:cSld name="Title and Content">
     <p:spTree>
       <p:nvGrpSpPr>
@@ -799,7 +804,7 @@
           <a:p>
             <a:fld id="{7AB4D525-FEA6-4C46-A836-18AB099A0B80}" type="datetimeFigureOut">
               <a:rPr lang="en-US" smtClean="0"/>
-              <a:t>1/30/15</a:t>
+              <a:t>2/9/15</a:t>
             </a:fld>
             <a:endParaRPr lang="en-US"/>
           </a:p>
@@ -841,7 +846,7 @@
           <a:p>
             <a:fld id="{4F754926-63EB-4746-BA1D-DEED820DE9EA}" type="slidenum">
               <a:rPr lang="en-US" smtClean="0"/>
-              <a:t>‹#›</a:t>
+              <a:t>‹Nr.›</a:t>
             </a:fld>
             <a:endParaRPr lang="en-US"/>
           </a:p>
@@ -856,7 +861,7 @@
 </file>
 
 <file path=ppt/slideLayouts/slideLayout3.xml><?xml version="1.0" encoding="utf-8"?>
-<p:sldLayout xmlns:a="http://schemas.openxmlformats.org/drawingml/2006/main" xmlns:r="http://schemas.openxmlformats.org/officeDocument/2006/relationships" xmlns:mc="http://schemas.openxmlformats.org/markup-compatibility/2006" xmlns:mv="urn:schemas-microsoft-com:mac:vml" xmlns:p="http://schemas.openxmlformats.org/presentationml/2006/main" mc:Ignorable="mv" mc:PreserveAttributes="mv:*" type="secHead" preserve="1">
+<p:sldLayout xmlns:a="http://schemas.openxmlformats.org/drawingml/2006/main" xmlns:r="http://schemas.openxmlformats.org/officeDocument/2006/relationships" xmlns:p="http://schemas.openxmlformats.org/presentationml/2006/main" type="secHead" preserve="1">
   <p:cSld name="Section Header">
     <p:spTree>
       <p:nvGrpSpPr>
@@ -1040,7 +1045,7 @@
           <a:p>
             <a:fld id="{7AB4D525-FEA6-4C46-A836-18AB099A0B80}" type="datetimeFigureOut">
               <a:rPr lang="en-US" smtClean="0"/>
-              <a:t>1/30/15</a:t>
+              <a:t>2/9/15</a:t>
             </a:fld>
             <a:endParaRPr lang="en-US"/>
           </a:p>
@@ -1082,7 +1087,7 @@
           <a:p>
             <a:fld id="{4F754926-63EB-4746-BA1D-DEED820DE9EA}" type="slidenum">
               <a:rPr lang="en-US" smtClean="0"/>
-              <a:t>‹#›</a:t>
+              <a:t>‹Nr.›</a:t>
             </a:fld>
             <a:endParaRPr lang="en-US"/>
           </a:p>
@@ -1097,7 +1102,7 @@
 </file>
 
 <file path=ppt/slideLayouts/slideLayout4.xml><?xml version="1.0" encoding="utf-8"?>
-<p:sldLayout xmlns:a="http://schemas.openxmlformats.org/drawingml/2006/main" xmlns:r="http://schemas.openxmlformats.org/officeDocument/2006/relationships" xmlns:mc="http://schemas.openxmlformats.org/markup-compatibility/2006" xmlns:mv="urn:schemas-microsoft-com:mac:vml" xmlns:p="http://schemas.openxmlformats.org/presentationml/2006/main" mc:Ignorable="mv" mc:PreserveAttributes="mv:*" type="twoObj" preserve="1">
+<p:sldLayout xmlns:a="http://schemas.openxmlformats.org/drawingml/2006/main" xmlns:r="http://schemas.openxmlformats.org/officeDocument/2006/relationships" xmlns:p="http://schemas.openxmlformats.org/presentationml/2006/main" type="twoObj" preserve="1">
   <p:cSld name="Two Content">
     <p:spTree>
       <p:nvGrpSpPr>
@@ -1323,7 +1328,7 @@
           <a:p>
             <a:fld id="{7AB4D525-FEA6-4C46-A836-18AB099A0B80}" type="datetimeFigureOut">
               <a:rPr lang="en-US" smtClean="0"/>
-              <a:t>1/30/15</a:t>
+              <a:t>2/9/15</a:t>
             </a:fld>
             <a:endParaRPr lang="en-US"/>
           </a:p>
@@ -1365,7 +1370,7 @@
           <a:p>
             <a:fld id="{4F754926-63EB-4746-BA1D-DEED820DE9EA}" type="slidenum">
               <a:rPr lang="en-US" smtClean="0"/>
-              <a:t>‹#›</a:t>
+              <a:t>‹Nr.›</a:t>
             </a:fld>
             <a:endParaRPr lang="en-US"/>
           </a:p>
@@ -1380,7 +1385,7 @@
 </file>
 
 <file path=ppt/slideLayouts/slideLayout5.xml><?xml version="1.0" encoding="utf-8"?>
-<p:sldLayout xmlns:a="http://schemas.openxmlformats.org/drawingml/2006/main" xmlns:r="http://schemas.openxmlformats.org/officeDocument/2006/relationships" xmlns:mc="http://schemas.openxmlformats.org/markup-compatibility/2006" xmlns:mv="urn:schemas-microsoft-com:mac:vml" xmlns:p="http://schemas.openxmlformats.org/presentationml/2006/main" mc:Ignorable="mv" mc:PreserveAttributes="mv:*" type="twoTxTwoObj" preserve="1">
+<p:sldLayout xmlns:a="http://schemas.openxmlformats.org/drawingml/2006/main" xmlns:r="http://schemas.openxmlformats.org/officeDocument/2006/relationships" xmlns:p="http://schemas.openxmlformats.org/presentationml/2006/main" type="twoTxTwoObj" preserve="1">
   <p:cSld name="Comparison">
     <p:spTree>
       <p:nvGrpSpPr>
@@ -1740,7 +1745,7 @@
           <a:p>
             <a:fld id="{7AB4D525-FEA6-4C46-A836-18AB099A0B80}" type="datetimeFigureOut">
               <a:rPr lang="en-US" smtClean="0"/>
-              <a:t>1/30/15</a:t>
+              <a:t>2/9/15</a:t>
             </a:fld>
             <a:endParaRPr lang="en-US"/>
           </a:p>
@@ -1782,7 +1787,7 @@
           <a:p>
             <a:fld id="{4F754926-63EB-4746-BA1D-DEED820DE9EA}" type="slidenum">
               <a:rPr lang="en-US" smtClean="0"/>
-              <a:t>‹#›</a:t>
+              <a:t>‹Nr.›</a:t>
             </a:fld>
             <a:endParaRPr lang="en-US"/>
           </a:p>
@@ -1797,7 +1802,7 @@
 </file>
 
 <file path=ppt/slideLayouts/slideLayout6.xml><?xml version="1.0" encoding="utf-8"?>
-<p:sldLayout xmlns:a="http://schemas.openxmlformats.org/drawingml/2006/main" xmlns:r="http://schemas.openxmlformats.org/officeDocument/2006/relationships" xmlns:mc="http://schemas.openxmlformats.org/markup-compatibility/2006" xmlns:mv="urn:schemas-microsoft-com:mac:vml" xmlns:p="http://schemas.openxmlformats.org/presentationml/2006/main" mc:Ignorable="mv" mc:PreserveAttributes="mv:*" type="titleOnly" preserve="1">
+<p:sldLayout xmlns:a="http://schemas.openxmlformats.org/drawingml/2006/main" xmlns:r="http://schemas.openxmlformats.org/officeDocument/2006/relationships" xmlns:p="http://schemas.openxmlformats.org/presentationml/2006/main" type="titleOnly" preserve="1">
   <p:cSld name="Title Only">
     <p:spTree>
       <p:nvGrpSpPr>
@@ -1853,7 +1858,7 @@
           <a:p>
             <a:fld id="{7AB4D525-FEA6-4C46-A836-18AB099A0B80}" type="datetimeFigureOut">
               <a:rPr lang="en-US" smtClean="0"/>
-              <a:t>1/30/15</a:t>
+              <a:t>2/9/15</a:t>
             </a:fld>
             <a:endParaRPr lang="en-US"/>
           </a:p>
@@ -1895,7 +1900,7 @@
           <a:p>
             <a:fld id="{4F754926-63EB-4746-BA1D-DEED820DE9EA}" type="slidenum">
               <a:rPr lang="en-US" smtClean="0"/>
-              <a:t>‹#›</a:t>
+              <a:t>‹Nr.›</a:t>
             </a:fld>
             <a:endParaRPr lang="en-US"/>
           </a:p>
@@ -1910,7 +1915,7 @@
 </file>
 
 <file path=ppt/slideLayouts/slideLayout7.xml><?xml version="1.0" encoding="utf-8"?>
-<p:sldLayout xmlns:a="http://schemas.openxmlformats.org/drawingml/2006/main" xmlns:r="http://schemas.openxmlformats.org/officeDocument/2006/relationships" xmlns:mc="http://schemas.openxmlformats.org/markup-compatibility/2006" xmlns:mv="urn:schemas-microsoft-com:mac:vml" xmlns:p="http://schemas.openxmlformats.org/presentationml/2006/main" mc:Ignorable="mv" mc:PreserveAttributes="mv:*" type="blank" preserve="1">
+<p:sldLayout xmlns:a="http://schemas.openxmlformats.org/drawingml/2006/main" xmlns:r="http://schemas.openxmlformats.org/officeDocument/2006/relationships" xmlns:p="http://schemas.openxmlformats.org/presentationml/2006/main" type="blank" preserve="1">
   <p:cSld name="Blank">
     <p:spTree>
       <p:nvGrpSpPr>
@@ -1943,7 +1948,7 @@
           <a:p>
             <a:fld id="{7AB4D525-FEA6-4C46-A836-18AB099A0B80}" type="datetimeFigureOut">
               <a:rPr lang="en-US" smtClean="0"/>
-              <a:t>1/30/15</a:t>
+              <a:t>2/9/15</a:t>
             </a:fld>
             <a:endParaRPr lang="en-US"/>
           </a:p>
@@ -1985,7 +1990,7 @@
           <a:p>
             <a:fld id="{4F754926-63EB-4746-BA1D-DEED820DE9EA}" type="slidenum">
               <a:rPr lang="en-US" smtClean="0"/>
-              <a:t>‹#›</a:t>
+              <a:t>‹Nr.›</a:t>
             </a:fld>
             <a:endParaRPr lang="en-US"/>
           </a:p>
@@ -2000,7 +2005,7 @@
 </file>
 
 <file path=ppt/slideLayouts/slideLayout8.xml><?xml version="1.0" encoding="utf-8"?>
-<p:sldLayout xmlns:a="http://schemas.openxmlformats.org/drawingml/2006/main" xmlns:r="http://schemas.openxmlformats.org/officeDocument/2006/relationships" xmlns:mc="http://schemas.openxmlformats.org/markup-compatibility/2006" xmlns:mv="urn:schemas-microsoft-com:mac:vml" xmlns:p="http://schemas.openxmlformats.org/presentationml/2006/main" mc:Ignorable="mv" mc:PreserveAttributes="mv:*" type="objTx" preserve="1">
+<p:sldLayout xmlns:a="http://schemas.openxmlformats.org/drawingml/2006/main" xmlns:r="http://schemas.openxmlformats.org/officeDocument/2006/relationships" xmlns:p="http://schemas.openxmlformats.org/presentationml/2006/main" type="objTx" preserve="1">
   <p:cSld name="Content with Caption">
     <p:spTree>
       <p:nvGrpSpPr>
@@ -2215,7 +2220,7 @@
           <a:p>
             <a:fld id="{7AB4D525-FEA6-4C46-A836-18AB099A0B80}" type="datetimeFigureOut">
               <a:rPr lang="en-US" smtClean="0"/>
-              <a:t>1/30/15</a:t>
+              <a:t>2/9/15</a:t>
             </a:fld>
             <a:endParaRPr lang="en-US"/>
           </a:p>
@@ -2257,7 +2262,7 @@
           <a:p>
             <a:fld id="{4F754926-63EB-4746-BA1D-DEED820DE9EA}" type="slidenum">
               <a:rPr lang="en-US" smtClean="0"/>
-              <a:t>‹#›</a:t>
+              <a:t>‹Nr.›</a:t>
             </a:fld>
             <a:endParaRPr lang="en-US"/>
           </a:p>
@@ -2272,7 +2277,7 @@
 </file>
 
 <file path=ppt/slideLayouts/slideLayout9.xml><?xml version="1.0" encoding="utf-8"?>
-<p:sldLayout xmlns:a="http://schemas.openxmlformats.org/drawingml/2006/main" xmlns:r="http://schemas.openxmlformats.org/officeDocument/2006/relationships" xmlns:mc="http://schemas.openxmlformats.org/markup-compatibility/2006" xmlns:mv="urn:schemas-microsoft-com:mac:vml" xmlns:p="http://schemas.openxmlformats.org/presentationml/2006/main" mc:Ignorable="mv" mc:PreserveAttributes="mv:*" type="picTx" preserve="1">
+<p:sldLayout xmlns:a="http://schemas.openxmlformats.org/drawingml/2006/main" xmlns:r="http://schemas.openxmlformats.org/officeDocument/2006/relationships" xmlns:p="http://schemas.openxmlformats.org/presentationml/2006/main" type="picTx" preserve="1">
   <p:cSld name="Picture with Caption">
     <p:spTree>
       <p:nvGrpSpPr>
@@ -2463,7 +2468,7 @@
           <a:p>
             <a:fld id="{7AB4D525-FEA6-4C46-A836-18AB099A0B80}" type="datetimeFigureOut">
               <a:rPr lang="en-US" smtClean="0"/>
-              <a:t>1/30/15</a:t>
+              <a:t>2/9/15</a:t>
             </a:fld>
             <a:endParaRPr lang="en-US"/>
           </a:p>
@@ -2505,7 +2510,7 @@
           <a:p>
             <a:fld id="{4F754926-63EB-4746-BA1D-DEED820DE9EA}" type="slidenum">
               <a:rPr lang="en-US" smtClean="0"/>
-              <a:t>‹#›</a:t>
+              <a:t>‹Nr.›</a:t>
             </a:fld>
             <a:endParaRPr lang="en-US"/>
           </a:p>
@@ -2520,7 +2525,7 @@
 </file>
 
 <file path=ppt/slideMasters/slideMaster1.xml><?xml version="1.0" encoding="utf-8"?>
-<p:sldMaster xmlns:a="http://schemas.openxmlformats.org/drawingml/2006/main" xmlns:r="http://schemas.openxmlformats.org/officeDocument/2006/relationships" xmlns:mc="http://schemas.openxmlformats.org/markup-compatibility/2006" xmlns:mv="urn:schemas-microsoft-com:mac:vml" xmlns:p="http://schemas.openxmlformats.org/presentationml/2006/main" mc:Ignorable="mv" mc:PreserveAttributes="mv:*">
+<p:sldMaster xmlns:a="http://schemas.openxmlformats.org/drawingml/2006/main" xmlns:r="http://schemas.openxmlformats.org/officeDocument/2006/relationships" xmlns:p="http://schemas.openxmlformats.org/presentationml/2006/main">
   <p:cSld>
     <p:bg>
       <p:bgRef idx="1001">
@@ -2671,7 +2676,7 @@
           <a:p>
             <a:fld id="{7AB4D525-FEA6-4C46-A836-18AB099A0B80}" type="datetimeFigureOut">
               <a:rPr lang="en-US" smtClean="0"/>
-              <a:t>1/30/15</a:t>
+              <a:t>2/9/15</a:t>
             </a:fld>
             <a:endParaRPr lang="en-US"/>
           </a:p>
@@ -2749,7 +2754,7 @@
           <a:p>
             <a:fld id="{4F754926-63EB-4746-BA1D-DEED820DE9EA}" type="slidenum">
               <a:rPr lang="en-US" smtClean="0"/>
-              <a:t>‹#›</a:t>
+              <a:t>‹Nr.›</a:t>
             </a:fld>
             <a:endParaRPr lang="en-US"/>
           </a:p>
@@ -3025,7 +3030,7 @@
 </file>
 
 <file path=ppt/slides/slide1.xml><?xml version="1.0" encoding="utf-8"?>
-<p:sld xmlns:a="http://schemas.openxmlformats.org/drawingml/2006/main" xmlns:r="http://schemas.openxmlformats.org/officeDocument/2006/relationships" xmlns:mc="http://schemas.openxmlformats.org/markup-compatibility/2006" xmlns:mv="urn:schemas-microsoft-com:mac:vml" xmlns:p="http://schemas.openxmlformats.org/presentationml/2006/main" mc:Ignorable="mv" mc:PreserveAttributes="mv:*">
+<p:sld xmlns:a="http://schemas.openxmlformats.org/drawingml/2006/main" xmlns:r="http://schemas.openxmlformats.org/officeDocument/2006/relationships" xmlns:p="http://schemas.openxmlformats.org/presentationml/2006/main">
   <p:cSld>
     <p:spTree>
       <p:nvGrpSpPr>
@@ -3163,11 +3168,7 @@
           <a:p>
             <a:r>
               <a:rPr lang="en-US" dirty="0" smtClean="0"/>
-              <a:t>What is version control?  What are version VCS (Version </a:t>
-            </a:r>
-            <a:r>
-              <a:rPr lang="en-US" dirty="0" smtClean="0"/>
-              <a:t>Control Systems)?</a:t>
+              <a:t>What is version control?  What are version VCS (Version Control Systems)?</a:t>
             </a:r>
             <a:br>
               <a:rPr lang="en-US" dirty="0" smtClean="0"/>
@@ -3177,15 +3178,7 @@
           <a:p>
             <a:r>
               <a:rPr lang="en-US" dirty="0" smtClean="0"/>
-              <a:t>	-&gt;software to automatically </a:t>
-            </a:r>
-            <a:r>
-              <a:rPr lang="en-US" dirty="0" smtClean="0"/>
-              <a:t>manage, save and restore changes to a 	set of files</a:t>
-            </a:r>
-            <a:r>
-              <a:rPr lang="en-US" dirty="0" smtClean="0"/>
-              <a:t> </a:t>
+              <a:t>	-&gt;software to automatically manage, save and restore changes to a 	set of files </a:t>
             </a:r>
           </a:p>
         </p:txBody>
@@ -3223,8 +3216,8 @@
 </p:sld>
 </file>
 
-<file path=ppt/slides/slide2.xml><?xml version="1.0" encoding="utf-8"?>
-<p:sld xmlns:a="http://schemas.openxmlformats.org/drawingml/2006/main" xmlns:r="http://schemas.openxmlformats.org/officeDocument/2006/relationships" xmlns:mc="http://schemas.openxmlformats.org/markup-compatibility/2006" xmlns:mv="urn:schemas-microsoft-com:mac:vml" xmlns:p="http://schemas.openxmlformats.org/presentationml/2006/main" mc:Ignorable="mv" mc:PreserveAttributes="mv:*">
+<file path=ppt/slides/slide10.xml><?xml version="1.0" encoding="utf-8"?>
+<p:sld xmlns:a="http://schemas.openxmlformats.org/drawingml/2006/main" xmlns:r="http://schemas.openxmlformats.org/officeDocument/2006/relationships" xmlns:p="http://schemas.openxmlformats.org/presentationml/2006/main">
   <p:cSld>
     <p:spTree>
       <p:nvGrpSpPr>
@@ -3248,8 +3241,8 @@
         </p:nvSpPr>
         <p:spPr>
           <a:xfrm>
-            <a:off x="715316" y="0"/>
-            <a:ext cx="7474322" cy="6463309"/>
+            <a:off x="581000" y="932188"/>
+            <a:ext cx="5593818" cy="369332"/>
           </a:xfrm>
           <a:prstGeom prst="rect">
             <a:avLst/>
@@ -3262,231 +3255,29 @@
           </a:bodyPr>
           <a:lstStyle/>
           <a:p>
-            <a:pPr marL="342900" indent="-342900"/>
-            <a:r>
-              <a:rPr lang="en-US" dirty="0" smtClean="0"/>
-              <a:t>Important terms</a:t>
-            </a:r>
-          </a:p>
-          <a:p>
-            <a:pPr marL="342900" indent="-342900"/>
-            <a:endParaRPr lang="en-US" dirty="0" smtClean="0"/>
-          </a:p>
-          <a:p>
-            <a:pPr marL="342900" indent="-342900">
-              <a:buFont typeface="Arial"/>
-              <a:buChar char="•"/>
-            </a:pPr>
-            <a:r>
-              <a:rPr lang="en-US" dirty="0" smtClean="0"/>
-              <a:t>Repository: </a:t>
-            </a:r>
-            <a:br>
-              <a:rPr lang="en-US" dirty="0" smtClean="0"/>
-            </a:br>
-            <a:r>
-              <a:rPr lang="en-US" dirty="0" smtClean="0"/>
-              <a:t>a set of files that the VCS knows about (may be in different folders),</a:t>
-            </a:r>
-            <a:br>
-              <a:rPr lang="en-US" dirty="0" smtClean="0"/>
-            </a:br>
-            <a:r>
-              <a:rPr lang="en-US" dirty="0" smtClean="0"/>
-              <a:t>	</a:t>
-            </a:r>
-            <a:r>
-              <a:rPr lang="en-US" i="1" dirty="0" smtClean="0"/>
-              <a:t>i.e. paper manuscript and graphics files</a:t>
-            </a:r>
-          </a:p>
-          <a:p>
-            <a:pPr marL="342900" indent="-342900"/>
-            <a:endParaRPr lang="en-US" dirty="0" smtClean="0"/>
-          </a:p>
-          <a:p>
-            <a:pPr marL="342900" indent="-342900">
-              <a:buFont typeface="Arial"/>
-              <a:buChar char="•"/>
-            </a:pPr>
-            <a:r>
-              <a:rPr lang="en-US" dirty="0" err="1" smtClean="0"/>
-              <a:t>Changeset</a:t>
-            </a:r>
-            <a:r>
-              <a:rPr lang="en-US" dirty="0" smtClean="0"/>
-              <a:t>: </a:t>
-            </a:r>
-            <a:br>
-              <a:rPr lang="en-US" dirty="0" smtClean="0"/>
-            </a:br>
-            <a:r>
-              <a:rPr lang="en-US" dirty="0" smtClean="0"/>
-              <a:t>a set of modifications or ‘</a:t>
-            </a:r>
-            <a:r>
-              <a:rPr lang="en-US" dirty="0" err="1" smtClean="0"/>
-              <a:t>diffs</a:t>
-            </a:r>
-            <a:r>
-              <a:rPr lang="en-US" dirty="0" smtClean="0"/>
-              <a:t>’ to the repository (changes to files, adding/deleting files/folders),</a:t>
-            </a:r>
-            <a:br>
-              <a:rPr lang="en-US" dirty="0" smtClean="0"/>
-            </a:br>
-            <a:r>
-              <a:rPr lang="en-US" dirty="0" smtClean="0"/>
-              <a:t>	 </a:t>
-            </a:r>
-            <a:r>
-              <a:rPr lang="en-US" i="1" dirty="0" smtClean="0"/>
-              <a:t>i.e. adding a paragraph to the manuscript and replacing a 	graphics files</a:t>
-            </a:r>
-          </a:p>
-          <a:p>
-            <a:pPr marL="342900" indent="-342900">
-              <a:buFont typeface="Arial"/>
-              <a:buChar char="•"/>
-            </a:pPr>
-            <a:endParaRPr lang="en-US" dirty="0" smtClean="0"/>
-          </a:p>
-          <a:p>
-            <a:pPr marL="342900" indent="-342900">
-              <a:buFont typeface="Arial"/>
-              <a:buChar char="•"/>
-            </a:pPr>
-            <a:r>
-              <a:rPr lang="en-US" dirty="0" smtClean="0"/>
-              <a:t>S</a:t>
-            </a:r>
-            <a:r>
-              <a:rPr lang="en-US" dirty="0" smtClean="0"/>
-              <a:t>napshot:</a:t>
-            </a:r>
-            <a:br>
-              <a:rPr lang="en-US" dirty="0" smtClean="0"/>
-            </a:br>
-            <a:r>
-              <a:rPr lang="en-US" dirty="0" smtClean="0"/>
-              <a:t>one state of the repository,</a:t>
-            </a:r>
-            <a:br>
-              <a:rPr lang="en-US" dirty="0" smtClean="0"/>
-            </a:br>
-            <a:r>
-              <a:rPr lang="en-US" dirty="0" smtClean="0"/>
-              <a:t>	 </a:t>
-            </a:r>
-            <a:r>
-              <a:rPr lang="en-US" i="1" dirty="0" smtClean="0"/>
-              <a:t>i.e. my paper on March 12, 2012, 8:26 PM)</a:t>
-            </a:r>
-            <a:endParaRPr lang="en-US" dirty="0" smtClean="0"/>
-          </a:p>
-          <a:p>
-            <a:pPr marL="342900" indent="-342900">
-              <a:buFont typeface="Arial"/>
-              <a:buChar char="•"/>
-            </a:pPr>
-            <a:endParaRPr lang="en-US" dirty="0" smtClean="0"/>
-          </a:p>
-          <a:p>
-            <a:pPr marL="342900" indent="-342900">
-              <a:buFont typeface="Arial"/>
-              <a:buChar char="•"/>
-            </a:pPr>
-            <a:r>
-              <a:rPr lang="en-US" dirty="0" smtClean="0"/>
-              <a:t>Commit:</a:t>
-            </a:r>
-            <a:br>
-              <a:rPr lang="en-US" dirty="0" smtClean="0"/>
-            </a:br>
-            <a:r>
-              <a:rPr lang="en-US" dirty="0" smtClean="0"/>
-              <a:t>An instruction to the VCS that the repository has changed, as detailed by a </a:t>
-            </a:r>
-            <a:r>
-              <a:rPr lang="en-US" dirty="0" err="1" smtClean="0"/>
-              <a:t>changeset</a:t>
-            </a:r>
-            <a:r>
-              <a:rPr lang="en-US" dirty="0" smtClean="0"/>
-              <a:t> or snapshot</a:t>
-            </a:r>
-          </a:p>
-          <a:p>
-            <a:pPr marL="342900" indent="-342900">
-              <a:buFont typeface="Arial"/>
-              <a:buChar char="•"/>
-            </a:pPr>
-            <a:endParaRPr lang="en-US" i="1" dirty="0" smtClean="0"/>
-          </a:p>
-          <a:p>
-            <a:pPr marL="342900" indent="-342900"/>
-            <a:r>
-              <a:rPr lang="en-US" i="1" dirty="0" smtClean="0"/>
-              <a:t>	</a:t>
-            </a:r>
-            <a:r>
-              <a:rPr lang="en-US" dirty="0" smtClean="0"/>
-              <a:t>(</a:t>
-            </a:r>
-            <a:r>
-              <a:rPr lang="en-US" dirty="0" err="1" smtClean="0"/>
-              <a:t>Changeset</a:t>
-            </a:r>
-            <a:r>
-              <a:rPr lang="en-US" dirty="0" smtClean="0"/>
-              <a:t>/Snapshot/Commit are used somewhat synonymous)</a:t>
-            </a:r>
-          </a:p>
-          <a:p>
-            <a:pPr marL="342900" indent="-342900">
-              <a:buFont typeface="Arial"/>
-              <a:buChar char="•"/>
-            </a:pPr>
-            <a:endParaRPr lang="en-US" dirty="0" smtClean="0"/>
-          </a:p>
-          <a:p>
-            <a:pPr marL="342900" indent="-342900">
-              <a:buFont typeface="Arial"/>
-              <a:buChar char="•"/>
-            </a:pPr>
-            <a:r>
-              <a:rPr lang="en-US" dirty="0"/>
-              <a:t>W</a:t>
-            </a:r>
-            <a:r>
-              <a:rPr lang="en-US" dirty="0" smtClean="0"/>
-              <a:t>orking directory: </a:t>
-            </a:r>
-            <a:br>
-              <a:rPr lang="en-US" dirty="0" smtClean="0"/>
-            </a:br>
-            <a:r>
-              <a:rPr lang="en-US" dirty="0" smtClean="0"/>
-              <a:t>top-level directory of the repository, abbreviated as </a:t>
-            </a:r>
-            <a:r>
-              <a:rPr lang="en-US" dirty="0" err="1" smtClean="0"/>
-              <a:t>workdir</a:t>
-            </a:r>
-            <a:endParaRPr lang="en-US" dirty="0" smtClean="0"/>
+            <a:r>
+              <a:rPr lang="en-US" dirty="0" smtClean="0"/>
+              <a:t>Merging 2</a:t>
+            </a:r>
           </a:p>
         </p:txBody>
       </p:sp>
     </p:spTree>
+    <p:extLst>
+      <p:ext uri="{BB962C8B-B14F-4D97-AF65-F5344CB8AC3E}">
+        <p14:creationId xmlns:p14="http://schemas.microsoft.com/office/powerpoint/2010/main" val="3388594987"/>
+      </p:ext>
+    </p:extLst>
   </p:cSld>
   <p:clrMapOvr>
     <a:masterClrMapping/>
   </p:clrMapOvr>
+  <p:transition xmlns:p14="http://schemas.microsoft.com/office/powerpoint/2010/main"/>
 </p:sld>
 </file>
 
-<file path=ppt/slides/slide3.xml><?xml version="1.0" encoding="utf-8"?>
-<p:sld xmlns:a="http://schemas.openxmlformats.org/drawingml/2006/main" xmlns:r="http://schemas.openxmlformats.org/officeDocument/2006/relationships" xmlns:mc="http://schemas.openxmlformats.org/markup-compatibility/2006" xmlns:mv="urn:schemas-microsoft-com:mac:vml" xmlns:p="http://schemas.openxmlformats.org/presentationml/2006/main" mc:Ignorable="mv" mc:PreserveAttributes="mv:*">
+<file path=ppt/slides/slide11.xml><?xml version="1.0" encoding="utf-8"?>
+<p:sld xmlns:a="http://schemas.openxmlformats.org/drawingml/2006/main" xmlns:r="http://schemas.openxmlformats.org/officeDocument/2006/relationships" xmlns:p="http://schemas.openxmlformats.org/presentationml/2006/main">
   <p:cSld>
     <p:spTree>
       <p:nvGrpSpPr>
@@ -3510,8 +3301,8 @@
         </p:nvSpPr>
         <p:spPr>
           <a:xfrm>
-            <a:off x="1880248" y="233588"/>
-            <a:ext cx="6250996" cy="646331"/>
+            <a:off x="581000" y="932188"/>
+            <a:ext cx="5593818" cy="369332"/>
           </a:xfrm>
           <a:prstGeom prst="rect">
             <a:avLst/>
@@ -3526,185 +3317,27 @@
           <a:p>
             <a:r>
               <a:rPr lang="en-US" dirty="0" smtClean="0"/>
-              <a:t>How do VCS work?  -  1. </a:t>
-            </a:r>
-            <a:r>
-              <a:rPr lang="en-US" dirty="0" smtClean="0"/>
-              <a:t>Tracking and logging modifications</a:t>
-            </a:r>
-          </a:p>
-          <a:p>
-            <a:endParaRPr lang="en-US" dirty="0" smtClean="0"/>
-          </a:p>
-        </p:txBody>
-      </p:sp>
-      <p:sp>
-        <p:nvSpPr>
-          <p:cNvPr id="3" name="TextBox 2"/>
-          <p:cNvSpPr txBox="1"/>
-          <p:nvPr/>
-        </p:nvSpPr>
-        <p:spPr>
-          <a:xfrm>
-            <a:off x="218974" y="1065746"/>
-            <a:ext cx="8685979" cy="4801315"/>
-          </a:xfrm>
-          <a:prstGeom prst="rect">
-            <a:avLst/>
-          </a:prstGeom>
-          <a:noFill/>
-        </p:spPr>
-        <p:txBody>
-          <a:bodyPr wrap="square" rtlCol="0">
-            <a:spAutoFit/>
-          </a:bodyPr>
-          <a:lstStyle/>
-          <a:p>
-            <a:pPr>
-              <a:buFont typeface="Arial"/>
-              <a:buChar char="•"/>
-            </a:pPr>
-            <a:r>
-              <a:rPr lang="en-US" dirty="0" smtClean="0"/>
-              <a:t>When ‘initializing’ a repository, the VCS creates a folder (the VCS database, often hidden) in the </a:t>
-            </a:r>
-            <a:r>
-              <a:rPr lang="en-US" dirty="0" err="1" smtClean="0"/>
-              <a:t>workdir</a:t>
-            </a:r>
-            <a:r>
-              <a:rPr lang="en-US" dirty="0" smtClean="0"/>
-              <a:t> and copies all initial files to it</a:t>
-            </a:r>
-          </a:p>
-          <a:p>
-            <a:pPr>
-              <a:buFont typeface="Arial"/>
-              <a:buChar char="•"/>
-            </a:pPr>
-            <a:endParaRPr lang="en-US" dirty="0" smtClean="0"/>
-          </a:p>
-          <a:p>
-            <a:pPr>
-              <a:buFont typeface="Arial"/>
-              <a:buChar char="•"/>
-            </a:pPr>
-            <a:endParaRPr lang="en-US" dirty="0" smtClean="0"/>
-          </a:p>
-          <a:p>
-            <a:pPr>
-              <a:buFont typeface="Arial"/>
-              <a:buChar char="•"/>
-            </a:pPr>
-            <a:endParaRPr lang="en-US" dirty="0"/>
-          </a:p>
-          <a:p>
-            <a:pPr>
-              <a:buFont typeface="Arial"/>
-              <a:buChar char="•"/>
-            </a:pPr>
-            <a:endParaRPr lang="en-US" dirty="0" smtClean="0"/>
-          </a:p>
-          <a:p>
-            <a:pPr>
-              <a:buFont typeface="Arial"/>
-              <a:buChar char="•"/>
-            </a:pPr>
-            <a:endParaRPr lang="en-US" dirty="0" smtClean="0"/>
-          </a:p>
-          <a:p>
-            <a:pPr>
-              <a:buFont typeface="Arial"/>
-              <a:buChar char="•"/>
-            </a:pPr>
-            <a:r>
-              <a:rPr lang="en-US" dirty="0" smtClean="0"/>
-              <a:t>User makes changes and tells VCS about them (‘committing’)</a:t>
-            </a:r>
-          </a:p>
-          <a:p>
-            <a:pPr>
-              <a:buFont typeface="Arial"/>
-              <a:buChar char="•"/>
-            </a:pPr>
-            <a:endParaRPr lang="en-US" dirty="0" smtClean="0"/>
-          </a:p>
-          <a:p>
-            <a:pPr>
-              <a:buFont typeface="Arial"/>
-              <a:buChar char="•"/>
-            </a:pPr>
-            <a:r>
-              <a:rPr lang="en-US" dirty="0" smtClean="0"/>
-              <a:t>VCS copies changed files from </a:t>
-            </a:r>
-            <a:r>
-              <a:rPr lang="en-US" dirty="0" err="1" smtClean="0"/>
-              <a:t>workdir</a:t>
-            </a:r>
-            <a:r>
-              <a:rPr lang="en-US" dirty="0" smtClean="0"/>
-              <a:t> to  database (either as ‘</a:t>
-            </a:r>
-            <a:r>
-              <a:rPr lang="en-US" dirty="0" err="1" smtClean="0"/>
-              <a:t>diffs’/changeset</a:t>
-            </a:r>
-            <a:r>
-              <a:rPr lang="en-US" dirty="0" smtClean="0"/>
-              <a:t> or as complete files/snapshot ) and assigns a unique identifier/version number to them</a:t>
-            </a:r>
-          </a:p>
-          <a:p>
-            <a:pPr>
-              <a:buFont typeface="Arial"/>
-              <a:buChar char="•"/>
-            </a:pPr>
-            <a:endParaRPr lang="en-US" dirty="0" smtClean="0"/>
-          </a:p>
-          <a:p>
-            <a:pPr>
-              <a:buFont typeface="Arial"/>
-              <a:buChar char="•"/>
-            </a:pPr>
-            <a:r>
-              <a:rPr lang="en-US" dirty="0" smtClean="0"/>
-              <a:t>And so on..</a:t>
-            </a:r>
-          </a:p>
-          <a:p>
-            <a:endParaRPr lang="en-US" dirty="0" smtClean="0"/>
-          </a:p>
-          <a:p>
-            <a:endParaRPr lang="en-US" dirty="0" smtClean="0"/>
-          </a:p>
-          <a:p>
-            <a:pPr>
-              <a:buFont typeface="Arial"/>
-              <a:buChar char="•"/>
-            </a:pPr>
-            <a:endParaRPr lang="en-US" dirty="0" smtClean="0"/>
-          </a:p>
-          <a:p>
-            <a:pPr>
-              <a:buFont typeface="Arial"/>
-              <a:buChar char="•"/>
-            </a:pPr>
-            <a:endParaRPr lang="en-US" dirty="0" smtClean="0"/>
+              <a:t>Merging 3</a:t>
+            </a:r>
           </a:p>
         </p:txBody>
       </p:sp>
     </p:spTree>
+    <p:extLst>
+      <p:ext uri="{BB962C8B-B14F-4D97-AF65-F5344CB8AC3E}">
+        <p14:creationId xmlns:p14="http://schemas.microsoft.com/office/powerpoint/2010/main" val="1708097681"/>
+      </p:ext>
+    </p:extLst>
   </p:cSld>
   <p:clrMapOvr>
     <a:masterClrMapping/>
   </p:clrMapOvr>
-  <p:transition/>
+  <p:transition xmlns:p14="http://schemas.microsoft.com/office/powerpoint/2010/main"/>
 </p:sld>
 </file>
 
-<file path=ppt/slides/slide4.xml><?xml version="1.0" encoding="utf-8"?>
-<p:sld xmlns:a="http://schemas.openxmlformats.org/drawingml/2006/main" xmlns:r="http://schemas.openxmlformats.org/officeDocument/2006/relationships" xmlns:mc="http://schemas.openxmlformats.org/markup-compatibility/2006" xmlns:mv="urn:schemas-microsoft-com:mac:vml" xmlns:p="http://schemas.openxmlformats.org/presentationml/2006/main" mc:Ignorable="mv" mc:PreserveAttributes="mv:*">
+<file path=ppt/slides/slide12.xml><?xml version="1.0" encoding="utf-8"?>
+<p:sld xmlns:a="http://schemas.openxmlformats.org/drawingml/2006/main" xmlns:r="http://schemas.openxmlformats.org/officeDocument/2006/relationships" xmlns:p="http://schemas.openxmlformats.org/presentationml/2006/main">
   <p:cSld>
     <p:spTree>
       <p:nvGrpSpPr>
@@ -3722,14 +3355,14 @@
       </p:grpSpPr>
       <p:sp>
         <p:nvSpPr>
-          <p:cNvPr id="3" name="TextBox 2"/>
+          <p:cNvPr id="4" name="TextBox 3"/>
           <p:cNvSpPr txBox="1"/>
           <p:nvPr/>
         </p:nvSpPr>
         <p:spPr>
           <a:xfrm>
-            <a:off x="1340112" y="233588"/>
-            <a:ext cx="6250996" cy="369332"/>
+            <a:off x="581000" y="932188"/>
+            <a:ext cx="5593818" cy="369332"/>
           </a:xfrm>
           <a:prstGeom prst="rect">
             <a:avLst/>
@@ -3744,157 +3377,27 @@
           <a:p>
             <a:r>
               <a:rPr lang="en-US" dirty="0" smtClean="0"/>
-              <a:t>How do VCS work?  -  1. </a:t>
-            </a:r>
-            <a:r>
-              <a:rPr lang="en-US" dirty="0" smtClean="0"/>
-              <a:t>Tracking and logging modifications</a:t>
-            </a:r>
-          </a:p>
-        </p:txBody>
-      </p:sp>
-      <p:sp>
-        <p:nvSpPr>
-          <p:cNvPr id="6" name="Rectangle 5"/>
-          <p:cNvSpPr/>
-          <p:nvPr/>
-        </p:nvSpPr>
-        <p:spPr>
-          <a:xfrm>
-            <a:off x="350358" y="1767006"/>
-            <a:ext cx="8072851" cy="2308324"/>
-          </a:xfrm>
-          <a:prstGeom prst="rect">
-            <a:avLst/>
-          </a:prstGeom>
-        </p:spPr>
-        <p:txBody>
-          <a:bodyPr wrap="square">
-            <a:spAutoFit/>
-          </a:bodyPr>
-          <a:lstStyle/>
-          <a:p>
-            <a:pPr>
-              <a:buFont typeface="Arial"/>
-              <a:buChar char="•"/>
-            </a:pPr>
-            <a:r>
-              <a:rPr lang="en-US" dirty="0" smtClean="0"/>
-              <a:t>The VCS can now restore the repository to any of the </a:t>
-            </a:r>
-            <a:r>
-              <a:rPr lang="en-US" dirty="0" err="1" smtClean="0"/>
-              <a:t>commited</a:t>
-            </a:r>
-            <a:r>
-              <a:rPr lang="en-US" dirty="0" smtClean="0"/>
-              <a:t> versions</a:t>
-            </a:r>
-            <a:br>
-              <a:rPr lang="en-US" dirty="0" smtClean="0"/>
-            </a:br>
-            <a:r>
-              <a:rPr lang="en-US" dirty="0" smtClean="0"/>
-              <a:t>	(by copying the database entry belonging to the version number to the </a:t>
-            </a:r>
-            <a:r>
-              <a:rPr lang="en-US" dirty="0" err="1" smtClean="0"/>
-              <a:t>workdir</a:t>
-            </a:r>
-            <a:r>
-              <a:rPr lang="en-US" dirty="0" smtClean="0"/>
-              <a:t>) </a:t>
-            </a:r>
-          </a:p>
-          <a:p>
-            <a:pPr>
-              <a:buFont typeface="Arial"/>
-              <a:buChar char="•"/>
-            </a:pPr>
-            <a:endParaRPr lang="en-US" dirty="0" smtClean="0"/>
-          </a:p>
-          <a:p>
-            <a:pPr>
-              <a:buFont typeface="Arial"/>
-              <a:buChar char="•"/>
-            </a:pPr>
-            <a:endParaRPr lang="en-US" dirty="0" smtClean="0"/>
-          </a:p>
-          <a:p>
-            <a:pPr>
-              <a:buFont typeface="Arial"/>
-              <a:buChar char="•"/>
-            </a:pPr>
-            <a:endParaRPr lang="en-US" dirty="0" smtClean="0"/>
-          </a:p>
-          <a:p>
-            <a:pPr>
-              <a:buFont typeface="Arial"/>
-              <a:buChar char="•"/>
-            </a:pPr>
-            <a:endParaRPr lang="en-US" dirty="0" smtClean="0"/>
-          </a:p>
-          <a:p>
-            <a:pPr>
-              <a:buFont typeface="Arial"/>
-              <a:buChar char="•"/>
-            </a:pPr>
-            <a:r>
-              <a:rPr lang="en-US" dirty="0" smtClean="0"/>
-              <a:t>The VCS can also report differences between any two arbitrary version numbers</a:t>
-            </a:r>
-            <a:br>
-              <a:rPr lang="en-US" dirty="0" smtClean="0"/>
-            </a:br>
-            <a:r>
-              <a:rPr lang="en-US" dirty="0" smtClean="0"/>
-              <a:t>	(by running a ‘diff’ between the two corresponding database entries)</a:t>
-            </a:r>
-            <a:endParaRPr lang="en-US" dirty="0" smtClean="0"/>
-          </a:p>
-        </p:txBody>
-      </p:sp>
-      <p:sp>
-        <p:nvSpPr>
-          <p:cNvPr id="7" name="TextBox 6"/>
-          <p:cNvSpPr txBox="1"/>
-          <p:nvPr/>
-        </p:nvSpPr>
-        <p:spPr>
-          <a:xfrm>
-            <a:off x="350358" y="5927297"/>
-            <a:ext cx="8072851" cy="369332"/>
-          </a:xfrm>
-          <a:prstGeom prst="rect">
-            <a:avLst/>
-          </a:prstGeom>
-          <a:noFill/>
-        </p:spPr>
-        <p:txBody>
-          <a:bodyPr wrap="square" rtlCol="0">
-            <a:spAutoFit/>
-          </a:bodyPr>
-          <a:lstStyle/>
-          <a:p>
-            <a:r>
-              <a:rPr lang="en-US" dirty="0" smtClean="0"/>
-              <a:t>That’s everything for use case 1 (Tracking and logging modifications)….   Pretty simple  </a:t>
-            </a:r>
-            <a:endParaRPr lang="en-US" dirty="0"/>
+              <a:t>Recommended workflow 1</a:t>
+            </a:r>
           </a:p>
         </p:txBody>
       </p:sp>
     </p:spTree>
+    <p:extLst>
+      <p:ext uri="{BB962C8B-B14F-4D97-AF65-F5344CB8AC3E}">
+        <p14:creationId xmlns:p14="http://schemas.microsoft.com/office/powerpoint/2010/main" val="1703534084"/>
+      </p:ext>
+    </p:extLst>
   </p:cSld>
   <p:clrMapOvr>
     <a:masterClrMapping/>
   </p:clrMapOvr>
-  <p:transition/>
+  <p:transition xmlns:p14="http://schemas.microsoft.com/office/powerpoint/2010/main"/>
 </p:sld>
 </file>
 
-<file path=ppt/slides/slide5.xml><?xml version="1.0" encoding="utf-8"?>
-<p:sld xmlns:a="http://schemas.openxmlformats.org/drawingml/2006/main" xmlns:r="http://schemas.openxmlformats.org/officeDocument/2006/relationships" xmlns:mc="http://schemas.openxmlformats.org/markup-compatibility/2006" xmlns:mv="urn:schemas-microsoft-com:mac:vml" xmlns:p="http://schemas.openxmlformats.org/presentationml/2006/main" mc:Ignorable="mv" mc:PreserveAttributes="mv:*">
+<file path=ppt/slides/slide2.xml><?xml version="1.0" encoding="utf-8"?>
+<p:sld xmlns:a="http://schemas.openxmlformats.org/drawingml/2006/main" xmlns:r="http://schemas.openxmlformats.org/officeDocument/2006/relationships" xmlns:p="http://schemas.openxmlformats.org/presentationml/2006/main">
   <p:cSld>
     <p:spTree>
       <p:nvGrpSpPr>
@@ -3912,14 +3415,14 @@
       </p:grpSpPr>
       <p:sp>
         <p:nvSpPr>
-          <p:cNvPr id="3" name="TextBox 2"/>
+          <p:cNvPr id="4" name="TextBox 3"/>
           <p:cNvSpPr txBox="1"/>
           <p:nvPr/>
         </p:nvSpPr>
         <p:spPr>
           <a:xfrm>
-            <a:off x="1340112" y="0"/>
-            <a:ext cx="6250996" cy="646331"/>
+            <a:off x="715316" y="0"/>
+            <a:ext cx="7474322" cy="6463309"/>
           </a:xfrm>
           <a:prstGeom prst="rect">
             <a:avLst/>
@@ -3932,180 +3435,214 @@
           </a:bodyPr>
           <a:lstStyle/>
           <a:p>
-            <a:r>
-              <a:rPr lang="en-US" dirty="0" smtClean="0"/>
-              <a:t>How do VCS work?  -  2. </a:t>
-            </a:r>
-            <a:r>
-              <a:rPr lang="en-US" dirty="0" smtClean="0"/>
-              <a:t>Backup of a complete project history</a:t>
-            </a:r>
-          </a:p>
-          <a:p>
+            <a:pPr marL="342900" indent="-342900"/>
+            <a:r>
+              <a:rPr lang="en-US" dirty="0" smtClean="0"/>
+              <a:t>Important terms</a:t>
+            </a:r>
+          </a:p>
+          <a:p>
+            <a:pPr marL="342900" indent="-342900"/>
             <a:endParaRPr lang="en-US" dirty="0" smtClean="0"/>
           </a:p>
-        </p:txBody>
-      </p:sp>
-      <p:sp>
-        <p:nvSpPr>
-          <p:cNvPr id="4" name="TextBox 3"/>
-          <p:cNvSpPr txBox="1"/>
-          <p:nvPr/>
-        </p:nvSpPr>
-        <p:spPr>
-          <a:xfrm>
-            <a:off x="248170" y="646331"/>
-            <a:ext cx="8895829" cy="923330"/>
-          </a:xfrm>
-          <a:prstGeom prst="rect">
-            <a:avLst/>
-          </a:prstGeom>
-          <a:noFill/>
-        </p:spPr>
-        <p:txBody>
-          <a:bodyPr wrap="square" rtlCol="0">
-            <a:spAutoFit/>
-          </a:bodyPr>
-          <a:lstStyle/>
-          <a:p>
-            <a:pPr>
+          <a:p>
+            <a:pPr marL="342900" indent="-342900">
               <a:buFont typeface="Arial"/>
               <a:buChar char="•"/>
             </a:pPr>
             <a:r>
               <a:rPr lang="en-US" dirty="0" smtClean="0"/>
-              <a:t>Backup: usually means copying files to a different hard drive or server</a:t>
-            </a:r>
-          </a:p>
-          <a:p>
-            <a:pPr>
+              <a:t>Repository: </a:t>
+            </a:r>
+            <a:br>
+              <a:rPr lang="en-US" dirty="0" smtClean="0"/>
+            </a:br>
+            <a:r>
+              <a:rPr lang="en-US" dirty="0" smtClean="0"/>
+              <a:t>a set of files that the VCS knows about (may be in different folders),</a:t>
+            </a:r>
+            <a:br>
+              <a:rPr lang="en-US" dirty="0" smtClean="0"/>
+            </a:br>
+            <a:r>
+              <a:rPr lang="en-US" dirty="0" smtClean="0"/>
+              <a:t>	</a:t>
+            </a:r>
+            <a:r>
+              <a:rPr lang="en-US" i="1" dirty="0" smtClean="0"/>
+              <a:t>i.e. paper manuscript and graphics files</a:t>
+            </a:r>
+          </a:p>
+          <a:p>
+            <a:pPr marL="342900" indent="-342900"/>
+            <a:endParaRPr lang="en-US" dirty="0" smtClean="0"/>
+          </a:p>
+          <a:p>
+            <a:pPr marL="342900" indent="-342900">
+              <a:buFont typeface="Arial"/>
+              <a:buChar char="•"/>
+            </a:pPr>
+            <a:r>
+              <a:rPr lang="en-US" dirty="0" err="1" smtClean="0"/>
+              <a:t>Changeset</a:t>
+            </a:r>
+            <a:r>
+              <a:rPr lang="en-US" dirty="0" smtClean="0"/>
+              <a:t>: </a:t>
+            </a:r>
+            <a:br>
+              <a:rPr lang="en-US" dirty="0" smtClean="0"/>
+            </a:br>
+            <a:r>
+              <a:rPr lang="en-US" dirty="0" smtClean="0"/>
+              <a:t>a set of modifications or ‘</a:t>
+            </a:r>
+            <a:r>
+              <a:rPr lang="en-US" dirty="0" err="1" smtClean="0"/>
+              <a:t>diffs</a:t>
+            </a:r>
+            <a:r>
+              <a:rPr lang="en-US" dirty="0" smtClean="0"/>
+              <a:t>’ to the repository (changes to files, adding/deleting files/folders),</a:t>
+            </a:r>
+            <a:br>
+              <a:rPr lang="en-US" dirty="0" smtClean="0"/>
+            </a:br>
+            <a:r>
+              <a:rPr lang="en-US" dirty="0" smtClean="0"/>
+              <a:t>	 </a:t>
+            </a:r>
+            <a:r>
+              <a:rPr lang="en-US" i="1" dirty="0" smtClean="0"/>
+              <a:t>i.e. adding a paragraph to the manuscript and replacing a 	graphics files</a:t>
+            </a:r>
+          </a:p>
+          <a:p>
+            <a:pPr marL="342900" indent="-342900">
               <a:buFont typeface="Arial"/>
               <a:buChar char="•"/>
             </a:pPr>
             <a:endParaRPr lang="en-US" dirty="0" smtClean="0"/>
           </a:p>
           <a:p>
-            <a:pPr>
+            <a:pPr marL="342900" indent="-342900">
               <a:buFont typeface="Arial"/>
               <a:buChar char="•"/>
             </a:pPr>
             <a:r>
               <a:rPr lang="en-US" dirty="0" smtClean="0"/>
-              <a:t>Backup using VCS: the complete </a:t>
+              <a:t>Snapshot:</a:t>
+            </a:r>
+            <a:br>
+              <a:rPr lang="en-US" dirty="0" smtClean="0"/>
+            </a:br>
+            <a:r>
+              <a:rPr lang="en-US" dirty="0" smtClean="0"/>
+              <a:t>one state of the repository,</a:t>
+            </a:r>
+            <a:br>
+              <a:rPr lang="en-US" dirty="0" smtClean="0"/>
+            </a:br>
+            <a:r>
+              <a:rPr lang="en-US" dirty="0" smtClean="0"/>
+              <a:t>	 </a:t>
+            </a:r>
+            <a:r>
+              <a:rPr lang="en-US" i="1" dirty="0" smtClean="0"/>
+              <a:t>i.e. my paper on March 12, 2012, 8:26 PM)</a:t>
+            </a:r>
+            <a:endParaRPr lang="en-US" dirty="0" smtClean="0"/>
+          </a:p>
+          <a:p>
+            <a:pPr marL="342900" indent="-342900">
+              <a:buFont typeface="Arial"/>
+              <a:buChar char="•"/>
+            </a:pPr>
+            <a:endParaRPr lang="en-US" dirty="0" smtClean="0"/>
+          </a:p>
+          <a:p>
+            <a:pPr marL="342900" indent="-342900">
+              <a:buFont typeface="Arial"/>
+              <a:buChar char="•"/>
+            </a:pPr>
+            <a:r>
+              <a:rPr lang="en-US" dirty="0" smtClean="0"/>
+              <a:t>Commit:</a:t>
+            </a:r>
+            <a:br>
+              <a:rPr lang="en-US" dirty="0" smtClean="0"/>
+            </a:br>
+            <a:r>
+              <a:rPr lang="en-US" dirty="0" smtClean="0"/>
+              <a:t>An instruction to the VCS that the repository has changed, as detailed by a </a:t>
+            </a:r>
+            <a:r>
+              <a:rPr lang="en-US" dirty="0" err="1" smtClean="0"/>
+              <a:t>changeset</a:t>
+            </a:r>
+            <a:r>
+              <a:rPr lang="en-US" dirty="0" smtClean="0"/>
+              <a:t> or snapshot</a:t>
+            </a:r>
+          </a:p>
+          <a:p>
+            <a:pPr marL="342900" indent="-342900">
+              <a:buFont typeface="Arial"/>
+              <a:buChar char="•"/>
+            </a:pPr>
+            <a:endParaRPr lang="en-US" i="1" dirty="0" smtClean="0"/>
+          </a:p>
+          <a:p>
+            <a:pPr marL="342900" indent="-342900"/>
+            <a:r>
+              <a:rPr lang="en-US" i="1" dirty="0" smtClean="0"/>
+              <a:t>	</a:t>
+            </a:r>
+            <a:r>
+              <a:rPr lang="en-US" dirty="0" smtClean="0"/>
+              <a:t>(</a:t>
+            </a:r>
+            <a:r>
+              <a:rPr lang="en-US" dirty="0" err="1" smtClean="0"/>
+              <a:t>Changeset</a:t>
+            </a:r>
+            <a:r>
+              <a:rPr lang="en-US" dirty="0" smtClean="0"/>
+              <a:t>/Snapshot/Commit are used somewhat synonymous)</a:t>
+            </a:r>
+          </a:p>
+          <a:p>
+            <a:pPr marL="342900" indent="-342900">
+              <a:buFont typeface="Arial"/>
+              <a:buChar char="•"/>
+            </a:pPr>
+            <a:endParaRPr lang="en-US" dirty="0" smtClean="0"/>
+          </a:p>
+          <a:p>
+            <a:pPr marL="342900" indent="-342900">
+              <a:buFont typeface="Arial"/>
+              <a:buChar char="•"/>
+            </a:pPr>
+            <a:r>
+              <a:rPr lang="en-US" dirty="0"/>
+              <a:t>W</a:t>
+            </a:r>
+            <a:r>
+              <a:rPr lang="en-US" dirty="0" smtClean="0"/>
+              <a:t>orking directory: </a:t>
+            </a:r>
+            <a:br>
+              <a:rPr lang="en-US" dirty="0" smtClean="0"/>
+            </a:br>
+            <a:r>
+              <a:rPr lang="en-US" dirty="0" smtClean="0"/>
+              <a:t>top-level directory of the repository, abbreviated as </a:t>
             </a:r>
             <a:r>
               <a:rPr lang="en-US" dirty="0" err="1" smtClean="0"/>
               <a:t>workdir</a:t>
             </a:r>
-            <a:r>
-              <a:rPr lang="en-US" dirty="0" smtClean="0"/>
-              <a:t> (current files + VCS database) is copied to a server</a:t>
-            </a:r>
-            <a:endParaRPr lang="en-US" dirty="0"/>
-          </a:p>
-        </p:txBody>
-      </p:sp>
-      <p:sp>
-        <p:nvSpPr>
-          <p:cNvPr id="6" name="TextBox 5"/>
-          <p:cNvSpPr txBox="1"/>
-          <p:nvPr/>
-        </p:nvSpPr>
-        <p:spPr>
-          <a:xfrm>
-            <a:off x="248170" y="3868803"/>
-            <a:ext cx="8612988" cy="1754327"/>
-          </a:xfrm>
-          <a:prstGeom prst="rect">
-            <a:avLst/>
-          </a:prstGeom>
-          <a:noFill/>
-        </p:spPr>
-        <p:txBody>
-          <a:bodyPr wrap="square" rtlCol="0">
-            <a:spAutoFit/>
-          </a:bodyPr>
-          <a:lstStyle/>
-          <a:p>
-            <a:r>
-              <a:rPr lang="en-US" dirty="0" smtClean="0"/>
-              <a:t>Slight complication: commits to </a:t>
-            </a:r>
-            <a:r>
-              <a:rPr lang="en-US" dirty="0" err="1" smtClean="0"/>
-              <a:t>workdir</a:t>
-            </a:r>
-            <a:r>
-              <a:rPr lang="en-US" dirty="0" smtClean="0"/>
-              <a:t> and backup to server are not necessarily synced</a:t>
-            </a:r>
-          </a:p>
-          <a:p>
             <a:endParaRPr lang="en-US" dirty="0" smtClean="0"/>
-          </a:p>
-          <a:p>
-            <a:r>
-              <a:rPr lang="en-US" dirty="0" smtClean="0"/>
-              <a:t>-&gt; Every time a backup is made:</a:t>
-            </a:r>
-          </a:p>
-          <a:p>
-            <a:pPr marL="342900" indent="342900">
-              <a:buFont typeface="+mj-lt"/>
-              <a:buAutoNum type="arabicPeriod"/>
-            </a:pPr>
-            <a:r>
-              <a:rPr lang="en-US" dirty="0" smtClean="0"/>
-              <a:t>The VCS determines which version numbers exist in the </a:t>
-            </a:r>
-            <a:r>
-              <a:rPr lang="en-US" dirty="0" err="1" smtClean="0"/>
-              <a:t>workdir</a:t>
-            </a:r>
-            <a:r>
-              <a:rPr lang="en-US" dirty="0" smtClean="0"/>
-              <a:t> but not on the server</a:t>
-            </a:r>
-          </a:p>
-          <a:p>
-            <a:pPr marL="342900" indent="342900">
-              <a:buFont typeface="+mj-lt"/>
-              <a:buAutoNum type="arabicPeriod"/>
-            </a:pPr>
-            <a:r>
-              <a:rPr lang="en-US" dirty="0" smtClean="0"/>
-              <a:t>Only the database entries belonging to these are copied to the server		</a:t>
-            </a:r>
-            <a:endParaRPr lang="en-US" dirty="0"/>
-          </a:p>
-        </p:txBody>
-      </p:sp>
-      <p:sp>
-        <p:nvSpPr>
-          <p:cNvPr id="7" name="Rectangle 6"/>
-          <p:cNvSpPr/>
-          <p:nvPr/>
-        </p:nvSpPr>
-        <p:spPr>
-          <a:xfrm>
-            <a:off x="493410" y="5888503"/>
-            <a:ext cx="8046585" cy="369332"/>
-          </a:xfrm>
-          <a:prstGeom prst="rect">
-            <a:avLst/>
-          </a:prstGeom>
-        </p:spPr>
-        <p:txBody>
-          <a:bodyPr wrap="square">
-            <a:spAutoFit/>
-          </a:bodyPr>
-          <a:lstStyle/>
-          <a:p>
-            <a:r>
-              <a:rPr lang="en-US" dirty="0" smtClean="0"/>
-              <a:t>That’s everything for use case 2 (Backing up)….   Pretty simple  </a:t>
-            </a:r>
-            <a:endParaRPr lang="en-US" dirty="0"/>
           </a:p>
         </p:txBody>
       </p:sp>
@@ -4114,12 +3651,11 @@
   <p:clrMapOvr>
     <a:masterClrMapping/>
   </p:clrMapOvr>
-  <p:transition/>
 </p:sld>
 </file>
 
-<file path=ppt/slides/slide6.xml><?xml version="1.0" encoding="utf-8"?>
-<p:sld xmlns:a="http://schemas.openxmlformats.org/drawingml/2006/main" xmlns:r="http://schemas.openxmlformats.org/officeDocument/2006/relationships" xmlns:mc="http://schemas.openxmlformats.org/markup-compatibility/2006" xmlns:mv="urn:schemas-microsoft-com:mac:vml" xmlns:p="http://schemas.openxmlformats.org/presentationml/2006/main" mc:Ignorable="mv" mc:PreserveAttributes="mv:*">
+<file path=ppt/slides/slide3.xml><?xml version="1.0" encoding="utf-8"?>
+<p:sld xmlns:a="http://schemas.openxmlformats.org/drawingml/2006/main" xmlns:r="http://schemas.openxmlformats.org/officeDocument/2006/relationships" xmlns:p="http://schemas.openxmlformats.org/presentationml/2006/main">
   <p:cSld>
     <p:spTree>
       <p:nvGrpSpPr>
@@ -4137,14 +3673,14 @@
       </p:grpSpPr>
       <p:sp>
         <p:nvSpPr>
-          <p:cNvPr id="3" name="TextBox 2"/>
+          <p:cNvPr id="4" name="TextBox 3"/>
           <p:cNvSpPr txBox="1"/>
           <p:nvPr/>
         </p:nvSpPr>
         <p:spPr>
           <a:xfrm>
-            <a:off x="715315" y="0"/>
-            <a:ext cx="8087449" cy="646331"/>
+            <a:off x="1880248" y="233588"/>
+            <a:ext cx="6250996" cy="646331"/>
           </a:xfrm>
           <a:prstGeom prst="rect">
             <a:avLst/>
@@ -4159,37 +3695,24 @@
           <a:p>
             <a:r>
               <a:rPr lang="en-US" dirty="0" smtClean="0"/>
-              <a:t>How do VCS work?  -  3. </a:t>
-            </a:r>
-            <a:r>
-              <a:rPr lang="en-US" dirty="0" smtClean="0"/>
-              <a:t>Collaboration of 2-∞ people on the same project</a:t>
-            </a:r>
-          </a:p>
-          <a:p>
-            <a:pPr algn="ctr"/>
-            <a:r>
-              <a:rPr lang="en-US" sz="1400" dirty="0" smtClean="0"/>
-              <a:t>(and things get complicated…)</a:t>
-            </a:r>
-            <a:r>
-              <a:rPr lang="en-US" dirty="0" smtClean="0"/>
-              <a:t> </a:t>
-            </a:r>
+              <a:t>How do VCS work?  -  1. Tracking and logging modifications</a:t>
+            </a:r>
+          </a:p>
+          <a:p>
             <a:endParaRPr lang="en-US" dirty="0" smtClean="0"/>
           </a:p>
         </p:txBody>
       </p:sp>
       <p:sp>
         <p:nvSpPr>
-          <p:cNvPr id="5" name="TextBox 4"/>
+          <p:cNvPr id="3" name="TextBox 2"/>
           <p:cNvSpPr txBox="1"/>
           <p:nvPr/>
         </p:nvSpPr>
         <p:spPr>
           <a:xfrm>
-            <a:off x="335761" y="1328532"/>
-            <a:ext cx="8808239" cy="923330"/>
+            <a:off x="218974" y="1065746"/>
+            <a:ext cx="8685979" cy="4801315"/>
           </a:xfrm>
           <a:prstGeom prst="rect">
             <a:avLst/>
@@ -4208,7 +3731,15 @@
             </a:pPr>
             <a:r>
               <a:rPr lang="en-US" dirty="0" smtClean="0"/>
-              <a:t>The basic problem: no more linear project history</a:t>
+              <a:t>When ‘initializing’ a repository, the VCS creates a folder (the VCS database, often hidden) in the </a:t>
+            </a:r>
+            <a:r>
+              <a:rPr lang="en-US" dirty="0" err="1" smtClean="0"/>
+              <a:t>workdir</a:t>
+            </a:r>
+            <a:r>
+              <a:rPr lang="en-US" dirty="0" smtClean="0"/>
+              <a:t> and copies all initial files to it</a:t>
             </a:r>
           </a:p>
           <a:p>
@@ -4223,11 +3754,108 @@
               <a:buFont typeface="Arial"/>
               <a:buChar char="•"/>
             </a:pPr>
-            <a:r>
-              <a:rPr lang="en-US" dirty="0" smtClean="0"/>
-              <a:t>Let’s assume: 2 developers (Alice and Bob) work on a project backed up on the same server</a:t>
-            </a:r>
+            <a:endParaRPr lang="en-US" dirty="0" smtClean="0"/>
+          </a:p>
+          <a:p>
+            <a:pPr>
+              <a:buFont typeface="Arial"/>
+              <a:buChar char="•"/>
+            </a:pPr>
             <a:endParaRPr lang="en-US" dirty="0"/>
+          </a:p>
+          <a:p>
+            <a:pPr>
+              <a:buFont typeface="Arial"/>
+              <a:buChar char="•"/>
+            </a:pPr>
+            <a:endParaRPr lang="en-US" dirty="0" smtClean="0"/>
+          </a:p>
+          <a:p>
+            <a:pPr>
+              <a:buFont typeface="Arial"/>
+              <a:buChar char="•"/>
+            </a:pPr>
+            <a:endParaRPr lang="en-US" dirty="0" smtClean="0"/>
+          </a:p>
+          <a:p>
+            <a:pPr>
+              <a:buFont typeface="Arial"/>
+              <a:buChar char="•"/>
+            </a:pPr>
+            <a:r>
+              <a:rPr lang="en-US" dirty="0" smtClean="0"/>
+              <a:t>User makes changes and tells VCS about them (‘committing’)</a:t>
+            </a:r>
+          </a:p>
+          <a:p>
+            <a:pPr>
+              <a:buFont typeface="Arial"/>
+              <a:buChar char="•"/>
+            </a:pPr>
+            <a:endParaRPr lang="en-US" dirty="0" smtClean="0"/>
+          </a:p>
+          <a:p>
+            <a:pPr>
+              <a:buFont typeface="Arial"/>
+              <a:buChar char="•"/>
+            </a:pPr>
+            <a:r>
+              <a:rPr lang="en-US" dirty="0" smtClean="0"/>
+              <a:t>VCS copies changed files from </a:t>
+            </a:r>
+            <a:r>
+              <a:rPr lang="en-US" dirty="0" err="1" smtClean="0"/>
+              <a:t>workdir</a:t>
+            </a:r>
+            <a:r>
+              <a:rPr lang="en-US" dirty="0" smtClean="0"/>
+              <a:t> to  database (either as ‘</a:t>
+            </a:r>
+            <a:r>
+              <a:rPr lang="en-US" dirty="0" err="1" smtClean="0"/>
+              <a:t>diffs’/changeset</a:t>
+            </a:r>
+            <a:r>
+              <a:rPr lang="en-US" dirty="0" smtClean="0"/>
+              <a:t> or as complete files/snapshot ) and assigns a unique identifier/version number to them</a:t>
+            </a:r>
+          </a:p>
+          <a:p>
+            <a:pPr>
+              <a:buFont typeface="Arial"/>
+              <a:buChar char="•"/>
+            </a:pPr>
+            <a:endParaRPr lang="en-US" dirty="0" smtClean="0"/>
+          </a:p>
+          <a:p>
+            <a:pPr>
+              <a:buFont typeface="Arial"/>
+              <a:buChar char="•"/>
+            </a:pPr>
+            <a:r>
+              <a:rPr lang="en-US" dirty="0" smtClean="0"/>
+              <a:t>And so on..</a:t>
+            </a:r>
+          </a:p>
+          <a:p>
+            <a:endParaRPr lang="en-US" dirty="0" smtClean="0"/>
+          </a:p>
+          <a:p>
+            <a:endParaRPr lang="en-US" dirty="0" smtClean="0"/>
+          </a:p>
+          <a:p>
+            <a:pPr>
+              <a:buFont typeface="Arial"/>
+              <a:buChar char="•"/>
+            </a:pPr>
+            <a:endParaRPr lang="en-US" dirty="0" smtClean="0"/>
+          </a:p>
+          <a:p>
+            <a:pPr>
+              <a:buFont typeface="Arial"/>
+              <a:buChar char="•"/>
+            </a:pPr>
+            <a:endParaRPr lang="en-US" dirty="0" smtClean="0"/>
           </a:p>
         </p:txBody>
       </p:sp>
@@ -4236,12 +3864,12 @@
   <p:clrMapOvr>
     <a:masterClrMapping/>
   </p:clrMapOvr>
-  <p:transition/>
+  <p:transition xmlns:p14="http://schemas.microsoft.com/office/powerpoint/2010/main"/>
 </p:sld>
 </file>
 
-<file path=ppt/slides/slide7.xml><?xml version="1.0" encoding="utf-8"?>
-<p:sld xmlns:a="http://schemas.openxmlformats.org/drawingml/2006/main" xmlns:r="http://schemas.openxmlformats.org/officeDocument/2006/relationships" xmlns:mc="http://schemas.openxmlformats.org/markup-compatibility/2006" xmlns:mv="urn:schemas-microsoft-com:mac:vml" xmlns:p="http://schemas.openxmlformats.org/presentationml/2006/main" mc:Ignorable="mv" mc:PreserveAttributes="mv:*">
+<file path=ppt/slides/slide4.xml><?xml version="1.0" encoding="utf-8"?>
+<p:sld xmlns:a="http://schemas.openxmlformats.org/drawingml/2006/main" xmlns:r="http://schemas.openxmlformats.org/officeDocument/2006/relationships" xmlns:p="http://schemas.openxmlformats.org/presentationml/2006/main">
   <p:cSld>
     <p:spTree>
       <p:nvGrpSpPr>
@@ -4259,14 +3887,14 @@
       </p:grpSpPr>
       <p:sp>
         <p:nvSpPr>
-          <p:cNvPr id="4" name="TextBox 3"/>
+          <p:cNvPr id="3" name="TextBox 2"/>
           <p:cNvSpPr txBox="1"/>
           <p:nvPr/>
         </p:nvSpPr>
         <p:spPr>
           <a:xfrm>
-            <a:off x="581000" y="932188"/>
-            <a:ext cx="5593818" cy="923330"/>
+            <a:off x="1340112" y="233588"/>
+            <a:ext cx="6250996" cy="369332"/>
           </a:xfrm>
           <a:prstGeom prst="rect">
             <a:avLst/>
@@ -4281,26 +3909,138 @@
           <a:p>
             <a:r>
               <a:rPr lang="en-US" dirty="0" smtClean="0"/>
-              <a:t>Web hosting of repositories</a:t>
-            </a:r>
-          </a:p>
-          <a:p>
+              <a:t>How do VCS work?  -  1. Tracking and logging modifications</a:t>
+            </a:r>
+          </a:p>
+        </p:txBody>
+      </p:sp>
+      <p:sp>
+        <p:nvSpPr>
+          <p:cNvPr id="6" name="Rectangle 5"/>
+          <p:cNvSpPr/>
+          <p:nvPr/>
+        </p:nvSpPr>
+        <p:spPr>
+          <a:xfrm>
+            <a:off x="350358" y="1767006"/>
+            <a:ext cx="8072851" cy="2308324"/>
+          </a:xfrm>
+          <a:prstGeom prst="rect">
+            <a:avLst/>
+          </a:prstGeom>
+        </p:spPr>
+        <p:txBody>
+          <a:bodyPr wrap="square">
+            <a:spAutoFit/>
+          </a:bodyPr>
+          <a:lstStyle/>
+          <a:p>
+            <a:pPr>
+              <a:buFont typeface="Arial"/>
+              <a:buChar char="•"/>
+            </a:pPr>
+            <a:r>
+              <a:rPr lang="en-US" dirty="0" smtClean="0"/>
+              <a:t>The VCS can now restore the repository to any of the </a:t>
+            </a:r>
+            <a:r>
+              <a:rPr lang="en-US" dirty="0" err="1" smtClean="0"/>
+              <a:t>commited</a:t>
+            </a:r>
+            <a:r>
+              <a:rPr lang="en-US" dirty="0" smtClean="0"/>
+              <a:t> versions</a:t>
+            </a:r>
+            <a:br>
+              <a:rPr lang="en-US" dirty="0" smtClean="0"/>
+            </a:br>
+            <a:r>
+              <a:rPr lang="en-US" dirty="0" smtClean="0"/>
+              <a:t>	(by copying the database entry belonging to the version number to the </a:t>
+            </a:r>
+            <a:r>
+              <a:rPr lang="en-US" dirty="0" err="1" smtClean="0"/>
+              <a:t>workdir</a:t>
+            </a:r>
+            <a:r>
+              <a:rPr lang="en-US" dirty="0" smtClean="0"/>
+              <a:t>) </a:t>
+            </a:r>
+          </a:p>
+          <a:p>
+            <a:pPr>
+              <a:buFont typeface="Arial"/>
+              <a:buChar char="•"/>
+            </a:pPr>
             <a:endParaRPr lang="en-US" dirty="0" smtClean="0"/>
           </a:p>
           <a:p>
-            <a:r>
-              <a:rPr lang="en-US" dirty="0" err="1" smtClean="0"/>
-              <a:t>Github</a:t>
-            </a:r>
-            <a:r>
-              <a:rPr lang="en-US" dirty="0" smtClean="0"/>
-              <a:t> + </a:t>
-            </a:r>
-            <a:r>
-              <a:rPr lang="en-US" dirty="0" err="1" smtClean="0"/>
-              <a:t>bitbucket</a:t>
-            </a:r>
+            <a:pPr>
+              <a:buFont typeface="Arial"/>
+              <a:buChar char="•"/>
+            </a:pPr>
             <a:endParaRPr lang="en-US" dirty="0" smtClean="0"/>
+          </a:p>
+          <a:p>
+            <a:pPr>
+              <a:buFont typeface="Arial"/>
+              <a:buChar char="•"/>
+            </a:pPr>
+            <a:endParaRPr lang="en-US" dirty="0" smtClean="0"/>
+          </a:p>
+          <a:p>
+            <a:pPr>
+              <a:buFont typeface="Arial"/>
+              <a:buChar char="•"/>
+            </a:pPr>
+            <a:endParaRPr lang="en-US" dirty="0" smtClean="0"/>
+          </a:p>
+          <a:p>
+            <a:pPr>
+              <a:buFont typeface="Arial"/>
+              <a:buChar char="•"/>
+            </a:pPr>
+            <a:r>
+              <a:rPr lang="en-US" dirty="0" smtClean="0"/>
+              <a:t>The VCS can also report differences between any two arbitrary version numbers</a:t>
+            </a:r>
+            <a:br>
+              <a:rPr lang="en-US" dirty="0" smtClean="0"/>
+            </a:br>
+            <a:r>
+              <a:rPr lang="en-US" dirty="0" smtClean="0"/>
+              <a:t>	(by running a ‘diff’ between the two corresponding database entries)</a:t>
+            </a:r>
+          </a:p>
+        </p:txBody>
+      </p:sp>
+      <p:sp>
+        <p:nvSpPr>
+          <p:cNvPr id="7" name="TextBox 6"/>
+          <p:cNvSpPr txBox="1"/>
+          <p:nvPr/>
+        </p:nvSpPr>
+        <p:spPr>
+          <a:xfrm>
+            <a:off x="350358" y="5927297"/>
+            <a:ext cx="8072851" cy="369332"/>
+          </a:xfrm>
+          <a:prstGeom prst="rect">
+            <a:avLst/>
+          </a:prstGeom>
+          <a:noFill/>
+        </p:spPr>
+        <p:txBody>
+          <a:bodyPr wrap="square" rtlCol="0">
+            <a:spAutoFit/>
+          </a:bodyPr>
+          <a:lstStyle/>
+          <a:p>
+            <a:r>
+              <a:rPr lang="en-US" dirty="0" smtClean="0"/>
+              <a:t>That’s everything for use case 1 (Tracking and logging modifications)….   Pretty simple  </a:t>
+            </a:r>
+            <a:endParaRPr lang="en-US" dirty="0"/>
           </a:p>
         </p:txBody>
       </p:sp>
@@ -4309,7 +4049,729 @@
   <p:clrMapOvr>
     <a:masterClrMapping/>
   </p:clrMapOvr>
-  <p:transition/>
+  <p:transition xmlns:p14="http://schemas.microsoft.com/office/powerpoint/2010/main"/>
+</p:sld>
+</file>
+
+<file path=ppt/slides/slide5.xml><?xml version="1.0" encoding="utf-8"?>
+<p:sld xmlns:a="http://schemas.openxmlformats.org/drawingml/2006/main" xmlns:r="http://schemas.openxmlformats.org/officeDocument/2006/relationships" xmlns:p="http://schemas.openxmlformats.org/presentationml/2006/main">
+  <p:cSld>
+    <p:spTree>
+      <p:nvGrpSpPr>
+        <p:cNvPr id="1" name=""/>
+        <p:cNvGrpSpPr/>
+        <p:nvPr/>
+      </p:nvGrpSpPr>
+      <p:grpSpPr>
+        <a:xfrm>
+          <a:off x="0" y="0"/>
+          <a:ext cx="0" cy="0"/>
+          <a:chOff x="0" y="0"/>
+          <a:chExt cx="0" cy="0"/>
+        </a:xfrm>
+      </p:grpSpPr>
+      <p:sp>
+        <p:nvSpPr>
+          <p:cNvPr id="3" name="TextBox 2"/>
+          <p:cNvSpPr txBox="1"/>
+          <p:nvPr/>
+        </p:nvSpPr>
+        <p:spPr>
+          <a:xfrm>
+            <a:off x="1340112" y="0"/>
+            <a:ext cx="6250996" cy="646331"/>
+          </a:xfrm>
+          <a:prstGeom prst="rect">
+            <a:avLst/>
+          </a:prstGeom>
+          <a:noFill/>
+        </p:spPr>
+        <p:txBody>
+          <a:bodyPr wrap="square" rtlCol="0">
+            <a:spAutoFit/>
+          </a:bodyPr>
+          <a:lstStyle/>
+          <a:p>
+            <a:r>
+              <a:rPr lang="en-US" dirty="0" smtClean="0"/>
+              <a:t>How do VCS work?  -  2. Backup of a complete project history</a:t>
+            </a:r>
+          </a:p>
+          <a:p>
+            <a:endParaRPr lang="en-US" dirty="0" smtClean="0"/>
+          </a:p>
+        </p:txBody>
+      </p:sp>
+      <p:sp>
+        <p:nvSpPr>
+          <p:cNvPr id="4" name="TextBox 3"/>
+          <p:cNvSpPr txBox="1"/>
+          <p:nvPr/>
+        </p:nvSpPr>
+        <p:spPr>
+          <a:xfrm>
+            <a:off x="248170" y="646331"/>
+            <a:ext cx="8895829" cy="923330"/>
+          </a:xfrm>
+          <a:prstGeom prst="rect">
+            <a:avLst/>
+          </a:prstGeom>
+          <a:noFill/>
+        </p:spPr>
+        <p:txBody>
+          <a:bodyPr wrap="square" rtlCol="0">
+            <a:spAutoFit/>
+          </a:bodyPr>
+          <a:lstStyle/>
+          <a:p>
+            <a:pPr>
+              <a:buFont typeface="Arial"/>
+              <a:buChar char="•"/>
+            </a:pPr>
+            <a:r>
+              <a:rPr lang="en-US" dirty="0" smtClean="0"/>
+              <a:t>Backup: usually means copying files to a different hard drive or server</a:t>
+            </a:r>
+          </a:p>
+          <a:p>
+            <a:pPr>
+              <a:buFont typeface="Arial"/>
+              <a:buChar char="•"/>
+            </a:pPr>
+            <a:endParaRPr lang="en-US" dirty="0" smtClean="0"/>
+          </a:p>
+          <a:p>
+            <a:pPr>
+              <a:buFont typeface="Arial"/>
+              <a:buChar char="•"/>
+            </a:pPr>
+            <a:r>
+              <a:rPr lang="en-US" dirty="0" smtClean="0"/>
+              <a:t>Backup using VCS: the complete </a:t>
+            </a:r>
+            <a:r>
+              <a:rPr lang="en-US" dirty="0" err="1" smtClean="0"/>
+              <a:t>workdir</a:t>
+            </a:r>
+            <a:r>
+              <a:rPr lang="en-US" dirty="0" smtClean="0"/>
+              <a:t> (current files + VCS database) is copied to a server</a:t>
+            </a:r>
+            <a:endParaRPr lang="en-US" dirty="0"/>
+          </a:p>
+        </p:txBody>
+      </p:sp>
+      <p:sp>
+        <p:nvSpPr>
+          <p:cNvPr id="6" name="TextBox 5"/>
+          <p:cNvSpPr txBox="1"/>
+          <p:nvPr/>
+        </p:nvSpPr>
+        <p:spPr>
+          <a:xfrm>
+            <a:off x="248170" y="3868803"/>
+            <a:ext cx="8612988" cy="1754327"/>
+          </a:xfrm>
+          <a:prstGeom prst="rect">
+            <a:avLst/>
+          </a:prstGeom>
+          <a:noFill/>
+        </p:spPr>
+        <p:txBody>
+          <a:bodyPr wrap="square" rtlCol="0">
+            <a:spAutoFit/>
+          </a:bodyPr>
+          <a:lstStyle/>
+          <a:p>
+            <a:r>
+              <a:rPr lang="en-US" dirty="0" smtClean="0"/>
+              <a:t>Slight complication: commits to </a:t>
+            </a:r>
+            <a:r>
+              <a:rPr lang="en-US" dirty="0" err="1" smtClean="0"/>
+              <a:t>workdir</a:t>
+            </a:r>
+            <a:r>
+              <a:rPr lang="en-US" dirty="0" smtClean="0"/>
+              <a:t> and backup to server are not necessarily synced</a:t>
+            </a:r>
+          </a:p>
+          <a:p>
+            <a:endParaRPr lang="en-US" dirty="0" smtClean="0"/>
+          </a:p>
+          <a:p>
+            <a:r>
+              <a:rPr lang="en-US" dirty="0" smtClean="0"/>
+              <a:t>-&gt; Every time a backup is made:</a:t>
+            </a:r>
+          </a:p>
+          <a:p>
+            <a:pPr marL="342900" indent="342900">
+              <a:buFont typeface="+mj-lt"/>
+              <a:buAutoNum type="arabicPeriod"/>
+            </a:pPr>
+            <a:r>
+              <a:rPr lang="en-US" dirty="0" smtClean="0"/>
+              <a:t>The VCS determines which version numbers exist in the </a:t>
+            </a:r>
+            <a:r>
+              <a:rPr lang="en-US" dirty="0" err="1" smtClean="0"/>
+              <a:t>workdir</a:t>
+            </a:r>
+            <a:r>
+              <a:rPr lang="en-US" dirty="0" smtClean="0"/>
+              <a:t> but not on the server</a:t>
+            </a:r>
+          </a:p>
+          <a:p>
+            <a:pPr marL="342900" indent="342900">
+              <a:buFont typeface="+mj-lt"/>
+              <a:buAutoNum type="arabicPeriod"/>
+            </a:pPr>
+            <a:r>
+              <a:rPr lang="en-US" dirty="0" smtClean="0"/>
+              <a:t>Only the database entries belonging to these are copied to the server		</a:t>
+            </a:r>
+            <a:endParaRPr lang="en-US" dirty="0"/>
+          </a:p>
+        </p:txBody>
+      </p:sp>
+      <p:sp>
+        <p:nvSpPr>
+          <p:cNvPr id="7" name="Rectangle 6"/>
+          <p:cNvSpPr/>
+          <p:nvPr/>
+        </p:nvSpPr>
+        <p:spPr>
+          <a:xfrm>
+            <a:off x="493410" y="5888503"/>
+            <a:ext cx="8046585" cy="369332"/>
+          </a:xfrm>
+          <a:prstGeom prst="rect">
+            <a:avLst/>
+          </a:prstGeom>
+        </p:spPr>
+        <p:txBody>
+          <a:bodyPr wrap="square">
+            <a:spAutoFit/>
+          </a:bodyPr>
+          <a:lstStyle/>
+          <a:p>
+            <a:r>
+              <a:rPr lang="en-US" dirty="0" smtClean="0"/>
+              <a:t>That’s everything for use case 2 (Backing up)….   Pretty simple  </a:t>
+            </a:r>
+            <a:endParaRPr lang="en-US" dirty="0"/>
+          </a:p>
+        </p:txBody>
+      </p:sp>
+    </p:spTree>
+  </p:cSld>
+  <p:clrMapOvr>
+    <a:masterClrMapping/>
+  </p:clrMapOvr>
+  <p:transition xmlns:p14="http://schemas.microsoft.com/office/powerpoint/2010/main"/>
+</p:sld>
+</file>
+
+<file path=ppt/slides/slide6.xml><?xml version="1.0" encoding="utf-8"?>
+<p:sld xmlns:a="http://schemas.openxmlformats.org/drawingml/2006/main" xmlns:r="http://schemas.openxmlformats.org/officeDocument/2006/relationships" xmlns:p="http://schemas.openxmlformats.org/presentationml/2006/main">
+  <p:cSld>
+    <p:spTree>
+      <p:nvGrpSpPr>
+        <p:cNvPr id="1" name=""/>
+        <p:cNvGrpSpPr/>
+        <p:nvPr/>
+      </p:nvGrpSpPr>
+      <p:grpSpPr>
+        <a:xfrm>
+          <a:off x="0" y="0"/>
+          <a:ext cx="0" cy="0"/>
+          <a:chOff x="0" y="0"/>
+          <a:chExt cx="0" cy="0"/>
+        </a:xfrm>
+      </p:grpSpPr>
+      <p:sp>
+        <p:nvSpPr>
+          <p:cNvPr id="3" name="TextBox 2"/>
+          <p:cNvSpPr txBox="1"/>
+          <p:nvPr/>
+        </p:nvSpPr>
+        <p:spPr>
+          <a:xfrm>
+            <a:off x="715315" y="0"/>
+            <a:ext cx="8087449" cy="646331"/>
+          </a:xfrm>
+          <a:prstGeom prst="rect">
+            <a:avLst/>
+          </a:prstGeom>
+          <a:noFill/>
+        </p:spPr>
+        <p:txBody>
+          <a:bodyPr wrap="square" rtlCol="0">
+            <a:spAutoFit/>
+          </a:bodyPr>
+          <a:lstStyle/>
+          <a:p>
+            <a:r>
+              <a:rPr lang="en-US" dirty="0" smtClean="0"/>
+              <a:t>How do VCS work?  -  3. Collaboration of 2-∞ people on the same project</a:t>
+            </a:r>
+          </a:p>
+          <a:p>
+            <a:pPr algn="ctr"/>
+            <a:r>
+              <a:rPr lang="en-US" sz="1400" dirty="0" smtClean="0"/>
+              <a:t>(and things get complicated…)</a:t>
+            </a:r>
+            <a:r>
+              <a:rPr lang="en-US" dirty="0" smtClean="0"/>
+              <a:t> </a:t>
+            </a:r>
+          </a:p>
+        </p:txBody>
+      </p:sp>
+      <p:sp>
+        <p:nvSpPr>
+          <p:cNvPr id="5" name="TextBox 4"/>
+          <p:cNvSpPr txBox="1"/>
+          <p:nvPr/>
+        </p:nvSpPr>
+        <p:spPr>
+          <a:xfrm>
+            <a:off x="335761" y="1328532"/>
+            <a:ext cx="8808239" cy="1754327"/>
+          </a:xfrm>
+          <a:prstGeom prst="rect">
+            <a:avLst/>
+          </a:prstGeom>
+          <a:noFill/>
+        </p:spPr>
+        <p:txBody>
+          <a:bodyPr wrap="square" rtlCol="0">
+            <a:spAutoFit/>
+          </a:bodyPr>
+          <a:lstStyle/>
+          <a:p>
+            <a:pPr>
+              <a:buFont typeface="Arial"/>
+              <a:buChar char="•"/>
+            </a:pPr>
+            <a:r>
+              <a:rPr lang="en-US" dirty="0" smtClean="0"/>
+              <a:t>The basic problem: no more linear project history</a:t>
+            </a:r>
+          </a:p>
+          <a:p>
+            <a:pPr>
+              <a:buFont typeface="Arial"/>
+              <a:buChar char="•"/>
+            </a:pPr>
+            <a:endParaRPr lang="en-US" dirty="0" smtClean="0"/>
+          </a:p>
+          <a:p>
+            <a:pPr>
+              <a:buFont typeface="Arial"/>
+              <a:buChar char="•"/>
+            </a:pPr>
+            <a:r>
+              <a:rPr lang="en-US" dirty="0" smtClean="0"/>
+              <a:t>Let’s assume: 2 developers (Alice and Bob) work on a project backed up on the same server</a:t>
+            </a:r>
+          </a:p>
+          <a:p>
+            <a:pPr>
+              <a:buFont typeface="Arial"/>
+              <a:buChar char="•"/>
+            </a:pPr>
+            <a:endParaRPr lang="en-US" dirty="0" smtClean="0"/>
+          </a:p>
+          <a:p>
+            <a:pPr>
+              <a:buFont typeface="Arial"/>
+              <a:buChar char="•"/>
+            </a:pPr>
+            <a:r>
+              <a:rPr lang="en-US" dirty="0" smtClean="0"/>
+              <a:t>Both A+B make commits to the project on their local machine</a:t>
+            </a:r>
+          </a:p>
+          <a:p>
+            <a:r>
+              <a:rPr lang="en-US" dirty="0" smtClean="0"/>
+              <a:t>(but eventually all </a:t>
+            </a:r>
+            <a:r>
+              <a:rPr lang="en-US" dirty="0" err="1" smtClean="0"/>
+              <a:t>changesets</a:t>
+            </a:r>
+            <a:r>
+              <a:rPr lang="en-US" dirty="0" smtClean="0"/>
+              <a:t> should be combined in the same </a:t>
+            </a:r>
+            <a:r>
+              <a:rPr lang="en-US" dirty="0" err="1" smtClean="0"/>
+              <a:t>workdir</a:t>
+            </a:r>
+            <a:r>
+              <a:rPr lang="en-US" dirty="0" smtClean="0"/>
+              <a:t>)</a:t>
+            </a:r>
+            <a:endParaRPr lang="en-US" dirty="0"/>
+          </a:p>
+        </p:txBody>
+      </p:sp>
+      <p:sp>
+        <p:nvSpPr>
+          <p:cNvPr id="4" name="TextBox 3"/>
+          <p:cNvSpPr txBox="1"/>
+          <p:nvPr/>
+        </p:nvSpPr>
+        <p:spPr>
+          <a:xfrm>
+            <a:off x="335761" y="5314129"/>
+            <a:ext cx="8014457" cy="923330"/>
+          </a:xfrm>
+          <a:prstGeom prst="rect">
+            <a:avLst/>
+          </a:prstGeom>
+          <a:noFill/>
+        </p:spPr>
+        <p:txBody>
+          <a:bodyPr wrap="square" rtlCol="0">
+            <a:spAutoFit/>
+          </a:bodyPr>
+          <a:lstStyle/>
+          <a:p>
+            <a:pPr>
+              <a:buFont typeface="Arial"/>
+              <a:buChar char="•"/>
+            </a:pPr>
+            <a:r>
+              <a:rPr lang="en-US" dirty="0" smtClean="0"/>
+              <a:t>The commit history is ‘diverged’ or ‘branched’</a:t>
+            </a:r>
+          </a:p>
+          <a:p>
+            <a:pPr>
+              <a:buFont typeface="Arial"/>
+              <a:buChar char="•"/>
+            </a:pPr>
+            <a:endParaRPr lang="en-US" dirty="0" smtClean="0"/>
+          </a:p>
+          <a:p>
+            <a:pPr>
+              <a:buFont typeface="Arial"/>
+              <a:buChar char="•"/>
+            </a:pPr>
+            <a:r>
+              <a:rPr lang="en-US" dirty="0" smtClean="0"/>
+              <a:t>To manage this, a VCS can perform two operations: ‘branching’ and ‘merging’  </a:t>
+            </a:r>
+            <a:endParaRPr lang="en-US" dirty="0"/>
+          </a:p>
+        </p:txBody>
+      </p:sp>
+    </p:spTree>
+    <p:extLst>
+      <p:ext uri="{BB962C8B-B14F-4D97-AF65-F5344CB8AC3E}">
+        <p14:creationId xmlns:p14="http://schemas.microsoft.com/office/powerpoint/2010/main" val="653782836"/>
+      </p:ext>
+    </p:extLst>
+  </p:cSld>
+  <p:clrMapOvr>
+    <a:masterClrMapping/>
+  </p:clrMapOvr>
+  <p:transition xmlns:p14="http://schemas.microsoft.com/office/powerpoint/2010/main"/>
+</p:sld>
+</file>
+
+<file path=ppt/slides/slide7.xml><?xml version="1.0" encoding="utf-8"?>
+<p:sld xmlns:a="http://schemas.openxmlformats.org/drawingml/2006/main" xmlns:r="http://schemas.openxmlformats.org/officeDocument/2006/relationships" xmlns:p="http://schemas.openxmlformats.org/presentationml/2006/main">
+  <p:cSld>
+    <p:spTree>
+      <p:nvGrpSpPr>
+        <p:cNvPr id="1" name=""/>
+        <p:cNvGrpSpPr/>
+        <p:nvPr/>
+      </p:nvGrpSpPr>
+      <p:grpSpPr>
+        <a:xfrm>
+          <a:off x="0" y="0"/>
+          <a:ext cx="0" cy="0"/>
+          <a:chOff x="0" y="0"/>
+          <a:chExt cx="0" cy="0"/>
+        </a:xfrm>
+      </p:grpSpPr>
+      <p:sp>
+        <p:nvSpPr>
+          <p:cNvPr id="4" name="TextBox 3"/>
+          <p:cNvSpPr txBox="1"/>
+          <p:nvPr/>
+        </p:nvSpPr>
+        <p:spPr>
+          <a:xfrm>
+            <a:off x="581000" y="932188"/>
+            <a:ext cx="8221764" cy="2031325"/>
+          </a:xfrm>
+          <a:prstGeom prst="rect">
+            <a:avLst/>
+          </a:prstGeom>
+          <a:noFill/>
+        </p:spPr>
+        <p:txBody>
+          <a:bodyPr wrap="square" rtlCol="0">
+            <a:spAutoFit/>
+          </a:bodyPr>
+          <a:lstStyle/>
+          <a:p>
+            <a:pPr>
+              <a:buFont typeface="Arial"/>
+              <a:buChar char="•"/>
+            </a:pPr>
+            <a:r>
+              <a:rPr lang="en-US" dirty="0" smtClean="0"/>
+              <a:t>A ‘branch’ is a </a:t>
+            </a:r>
+            <a:r>
+              <a:rPr lang="en-US" dirty="0" err="1" smtClean="0"/>
+              <a:t>wdsflk</a:t>
+            </a:r>
+            <a:endParaRPr lang="en-US" dirty="0" smtClean="0"/>
+          </a:p>
+          <a:p>
+            <a:pPr>
+              <a:buFont typeface="Arial"/>
+              <a:buChar char="•"/>
+            </a:pPr>
+            <a:endParaRPr lang="en-US" dirty="0" smtClean="0"/>
+          </a:p>
+          <a:p>
+            <a:pPr>
+              <a:buFont typeface="Arial"/>
+              <a:buChar char="•"/>
+            </a:pPr>
+            <a:r>
+              <a:rPr lang="en-US" dirty="0" smtClean="0"/>
+              <a:t>An arbitrary number of branches can exist (and also backed up to the server), e.g. Alice’s and Bob’s changes </a:t>
+            </a:r>
+          </a:p>
+          <a:p>
+            <a:pPr>
+              <a:buFont typeface="Arial"/>
+              <a:buChar char="•"/>
+            </a:pPr>
+            <a:endParaRPr lang="en-US" dirty="0" smtClean="0"/>
+          </a:p>
+          <a:p>
+            <a:pPr>
+              <a:buFont typeface="Arial"/>
+              <a:buChar char="•"/>
+            </a:pPr>
+            <a:r>
+              <a:rPr lang="en-US" dirty="0" smtClean="0"/>
+              <a:t>The VCS can set the files in the </a:t>
+            </a:r>
+            <a:r>
+              <a:rPr lang="en-US" dirty="0" err="1" smtClean="0"/>
+              <a:t>workdir</a:t>
+            </a:r>
+            <a:r>
+              <a:rPr lang="en-US" dirty="0" smtClean="0"/>
+              <a:t> to any of the branch commits (e.g. Bob can see Alice’s work without changing his own)</a:t>
+            </a:r>
+          </a:p>
+        </p:txBody>
+      </p:sp>
+      <p:sp>
+        <p:nvSpPr>
+          <p:cNvPr id="3" name="TextBox 2"/>
+          <p:cNvSpPr txBox="1"/>
+          <p:nvPr/>
+        </p:nvSpPr>
+        <p:spPr>
+          <a:xfrm>
+            <a:off x="715315" y="0"/>
+            <a:ext cx="8087449" cy="369332"/>
+          </a:xfrm>
+          <a:prstGeom prst="rect">
+            <a:avLst/>
+          </a:prstGeom>
+          <a:noFill/>
+        </p:spPr>
+        <p:txBody>
+          <a:bodyPr wrap="square" rtlCol="0">
+            <a:spAutoFit/>
+          </a:bodyPr>
+          <a:lstStyle/>
+          <a:p>
+            <a:r>
+              <a:rPr lang="en-US" dirty="0" smtClean="0"/>
+              <a:t>How do VCS work?  -  3. Collaboration of 2-∞ people on the same project</a:t>
+            </a:r>
+          </a:p>
+        </p:txBody>
+      </p:sp>
+    </p:spTree>
+    <p:extLst>
+      <p:ext uri="{BB962C8B-B14F-4D97-AF65-F5344CB8AC3E}">
+        <p14:creationId xmlns:p14="http://schemas.microsoft.com/office/powerpoint/2010/main" val="502525717"/>
+      </p:ext>
+    </p:extLst>
+  </p:cSld>
+  <p:clrMapOvr>
+    <a:masterClrMapping/>
+  </p:clrMapOvr>
+  <p:transition xmlns:p14="http://schemas.microsoft.com/office/powerpoint/2010/main"/>
+</p:sld>
+</file>
+
+<file path=ppt/slides/slide8.xml><?xml version="1.0" encoding="utf-8"?>
+<p:sld xmlns:a="http://schemas.openxmlformats.org/drawingml/2006/main" xmlns:r="http://schemas.openxmlformats.org/officeDocument/2006/relationships" xmlns:p="http://schemas.openxmlformats.org/presentationml/2006/main">
+  <p:cSld>
+    <p:spTree>
+      <p:nvGrpSpPr>
+        <p:cNvPr id="1" name=""/>
+        <p:cNvGrpSpPr/>
+        <p:nvPr/>
+      </p:nvGrpSpPr>
+      <p:grpSpPr>
+        <a:xfrm>
+          <a:off x="0" y="0"/>
+          <a:ext cx="0" cy="0"/>
+          <a:chOff x="0" y="0"/>
+          <a:chExt cx="0" cy="0"/>
+        </a:xfrm>
+      </p:grpSpPr>
+      <p:sp>
+        <p:nvSpPr>
+          <p:cNvPr id="4" name="TextBox 3"/>
+          <p:cNvSpPr txBox="1"/>
+          <p:nvPr/>
+        </p:nvSpPr>
+        <p:spPr>
+          <a:xfrm>
+            <a:off x="581000" y="932188"/>
+            <a:ext cx="5593818" cy="369332"/>
+          </a:xfrm>
+          <a:prstGeom prst="rect">
+            <a:avLst/>
+          </a:prstGeom>
+          <a:noFill/>
+        </p:spPr>
+        <p:txBody>
+          <a:bodyPr wrap="square" rtlCol="0">
+            <a:spAutoFit/>
+          </a:bodyPr>
+          <a:lstStyle/>
+          <a:p>
+            <a:r>
+              <a:rPr lang="en-US" dirty="0" smtClean="0"/>
+              <a:t>Branching 2</a:t>
+            </a:r>
+          </a:p>
+        </p:txBody>
+      </p:sp>
+      <p:sp>
+        <p:nvSpPr>
+          <p:cNvPr id="3" name="TextBox 2"/>
+          <p:cNvSpPr txBox="1"/>
+          <p:nvPr/>
+        </p:nvSpPr>
+        <p:spPr>
+          <a:xfrm>
+            <a:off x="715315" y="0"/>
+            <a:ext cx="8087449" cy="369332"/>
+          </a:xfrm>
+          <a:prstGeom prst="rect">
+            <a:avLst/>
+          </a:prstGeom>
+          <a:noFill/>
+        </p:spPr>
+        <p:txBody>
+          <a:bodyPr wrap="square" rtlCol="0">
+            <a:spAutoFit/>
+          </a:bodyPr>
+          <a:lstStyle/>
+          <a:p>
+            <a:r>
+              <a:rPr lang="en-US" dirty="0" smtClean="0"/>
+              <a:t>How do VCS work?  -  3. Collaboration of 2-∞ people on the same project</a:t>
+            </a:r>
+          </a:p>
+        </p:txBody>
+      </p:sp>
+    </p:spTree>
+    <p:extLst>
+      <p:ext uri="{BB962C8B-B14F-4D97-AF65-F5344CB8AC3E}">
+        <p14:creationId xmlns:p14="http://schemas.microsoft.com/office/powerpoint/2010/main" val="2278185650"/>
+      </p:ext>
+    </p:extLst>
+  </p:cSld>
+  <p:clrMapOvr>
+    <a:masterClrMapping/>
+  </p:clrMapOvr>
+  <p:transition xmlns:p14="http://schemas.microsoft.com/office/powerpoint/2010/main"/>
+</p:sld>
+</file>
+
+<file path=ppt/slides/slide9.xml><?xml version="1.0" encoding="utf-8"?>
+<p:sld xmlns:a="http://schemas.openxmlformats.org/drawingml/2006/main" xmlns:r="http://schemas.openxmlformats.org/officeDocument/2006/relationships" xmlns:p="http://schemas.openxmlformats.org/presentationml/2006/main">
+  <p:cSld>
+    <p:spTree>
+      <p:nvGrpSpPr>
+        <p:cNvPr id="1" name=""/>
+        <p:cNvGrpSpPr/>
+        <p:nvPr/>
+      </p:nvGrpSpPr>
+      <p:grpSpPr>
+        <a:xfrm>
+          <a:off x="0" y="0"/>
+          <a:ext cx="0" cy="0"/>
+          <a:chOff x="0" y="0"/>
+          <a:chExt cx="0" cy="0"/>
+        </a:xfrm>
+      </p:grpSpPr>
+      <p:sp>
+        <p:nvSpPr>
+          <p:cNvPr id="4" name="TextBox 3"/>
+          <p:cNvSpPr txBox="1"/>
+          <p:nvPr/>
+        </p:nvSpPr>
+        <p:spPr>
+          <a:xfrm>
+            <a:off x="581000" y="932188"/>
+            <a:ext cx="5593818" cy="369332"/>
+          </a:xfrm>
+          <a:prstGeom prst="rect">
+            <a:avLst/>
+          </a:prstGeom>
+          <a:noFill/>
+        </p:spPr>
+        <p:txBody>
+          <a:bodyPr wrap="square" rtlCol="0">
+            <a:spAutoFit/>
+          </a:bodyPr>
+          <a:lstStyle/>
+          <a:p>
+            <a:r>
+              <a:rPr lang="en-US" dirty="0" smtClean="0"/>
+              <a:t>Merging 1</a:t>
+            </a:r>
+          </a:p>
+        </p:txBody>
+      </p:sp>
+    </p:spTree>
+    <p:extLst>
+      <p:ext uri="{BB962C8B-B14F-4D97-AF65-F5344CB8AC3E}">
+        <p14:creationId xmlns:p14="http://schemas.microsoft.com/office/powerpoint/2010/main" val="2864348573"/>
+      </p:ext>
+    </p:extLst>
+  </p:cSld>
+  <p:clrMapOvr>
+    <a:masterClrMapping/>
+  </p:clrMapOvr>
+  <p:transition xmlns:p14="http://schemas.microsoft.com/office/powerpoint/2010/main"/>
 </p:sld>
 </file>
 

--- a/git_python_kurs.pptx
+++ b/git_python_kurs.pptx
@@ -1,6 +1,6 @@
 
 <file path=ppt/presentation.xml><?xml version="1.0" encoding="utf-8"?>
-<p:presentation xmlns:a="http://schemas.openxmlformats.org/drawingml/2006/main" xmlns:r="http://schemas.openxmlformats.org/officeDocument/2006/relationships" xmlns:p="http://schemas.openxmlformats.org/presentationml/2006/main" saveSubsetFonts="1" autoCompressPictures="0">
+<p:presentation xmlns:a="http://schemas.openxmlformats.org/drawingml/2006/main" xmlns:r="http://schemas.openxmlformats.org/officeDocument/2006/relationships" xmlns:mc="http://schemas.openxmlformats.org/markup-compatibility/2006" xmlns:mv="urn:schemas-microsoft-com:mac:vml" xmlns:p="http://schemas.openxmlformats.org/presentationml/2006/main" mc:Ignorable="mv" mc:PreserveAttributes="mv:*" saveSubsetFonts="1" autoCompressPictures="0">
   <p:sldMasterIdLst>
     <p:sldMasterId id="2147483648" r:id="rId1"/>
   </p:sldMasterIdLst>
@@ -11,12 +11,13 @@
     <p:sldId id="258" r:id="rId5"/>
     <p:sldId id="262" r:id="rId6"/>
     <p:sldId id="263" r:id="rId7"/>
-    <p:sldId id="264" r:id="rId8"/>
-    <p:sldId id="265" r:id="rId9"/>
-    <p:sldId id="266" r:id="rId10"/>
-    <p:sldId id="267" r:id="rId11"/>
-    <p:sldId id="268" r:id="rId12"/>
-    <p:sldId id="269" r:id="rId13"/>
+    <p:sldId id="270" r:id="rId8"/>
+    <p:sldId id="264" r:id="rId9"/>
+    <p:sldId id="265" r:id="rId10"/>
+    <p:sldId id="266" r:id="rId11"/>
+    <p:sldId id="267" r:id="rId12"/>
+    <p:sldId id="268" r:id="rId13"/>
+    <p:sldId id="269" r:id="rId14"/>
   </p:sldIdLst>
   <p:sldSz cx="9144000" cy="6858000" type="screen4x3"/>
   <p:notesSz cx="6858000" cy="9144000"/>
@@ -119,7 +120,7 @@
 </file>
 
 <file path=ppt/slideLayouts/slideLayout1.xml><?xml version="1.0" encoding="utf-8"?>
-<p:sldLayout xmlns:a="http://schemas.openxmlformats.org/drawingml/2006/main" xmlns:r="http://schemas.openxmlformats.org/officeDocument/2006/relationships" xmlns:p="http://schemas.openxmlformats.org/presentationml/2006/main" type="title" preserve="1">
+<p:sldLayout xmlns:a="http://schemas.openxmlformats.org/drawingml/2006/main" xmlns:r="http://schemas.openxmlformats.org/officeDocument/2006/relationships" xmlns:mc="http://schemas.openxmlformats.org/markup-compatibility/2006" xmlns:mv="urn:schemas-microsoft-com:mac:vml" xmlns:p="http://schemas.openxmlformats.org/presentationml/2006/main" mc:Ignorable="mv" mc:PreserveAttributes="mv:*" type="title" preserve="1">
   <p:cSld name="Title Slide">
     <p:spTree>
       <p:nvGrpSpPr>
@@ -299,7 +300,8 @@
           <a:p>
             <a:fld id="{7AB4D525-FEA6-4C46-A836-18AB099A0B80}" type="datetimeFigureOut">
               <a:rPr lang="en-US" smtClean="0"/>
-              <a:t>2/9/15</a:t>
+              <a:pPr/>
+              <a:t>2/10/15</a:t>
             </a:fld>
             <a:endParaRPr lang="en-US"/>
           </a:p>
@@ -341,7 +343,8 @@
           <a:p>
             <a:fld id="{4F754926-63EB-4746-BA1D-DEED820DE9EA}" type="slidenum">
               <a:rPr lang="en-US" smtClean="0"/>
-              <a:t>‹Nr.›</a:t>
+              <a:pPr/>
+              <a:t>‹#›</a:t>
             </a:fld>
             <a:endParaRPr lang="en-US"/>
           </a:p>
@@ -356,7 +359,7 @@
 </file>
 
 <file path=ppt/slideLayouts/slideLayout10.xml><?xml version="1.0" encoding="utf-8"?>
-<p:sldLayout xmlns:a="http://schemas.openxmlformats.org/drawingml/2006/main" xmlns:r="http://schemas.openxmlformats.org/officeDocument/2006/relationships" xmlns:p="http://schemas.openxmlformats.org/presentationml/2006/main" type="vertTx" preserve="1">
+<p:sldLayout xmlns:a="http://schemas.openxmlformats.org/drawingml/2006/main" xmlns:r="http://schemas.openxmlformats.org/officeDocument/2006/relationships" xmlns:mc="http://schemas.openxmlformats.org/markup-compatibility/2006" xmlns:mv="urn:schemas-microsoft-com:mac:vml" xmlns:p="http://schemas.openxmlformats.org/presentationml/2006/main" mc:Ignorable="mv" mc:PreserveAttributes="mv:*" type="vertTx" preserve="1">
   <p:cSld name="Title and Vertical Text">
     <p:spTree>
       <p:nvGrpSpPr>
@@ -464,7 +467,8 @@
           <a:p>
             <a:fld id="{7AB4D525-FEA6-4C46-A836-18AB099A0B80}" type="datetimeFigureOut">
               <a:rPr lang="en-US" smtClean="0"/>
-              <a:t>2/9/15</a:t>
+              <a:pPr/>
+              <a:t>2/10/15</a:t>
             </a:fld>
             <a:endParaRPr lang="en-US"/>
           </a:p>
@@ -506,7 +510,8 @@
           <a:p>
             <a:fld id="{4F754926-63EB-4746-BA1D-DEED820DE9EA}" type="slidenum">
               <a:rPr lang="en-US" smtClean="0"/>
-              <a:t>‹Nr.›</a:t>
+              <a:pPr/>
+              <a:t>‹#›</a:t>
             </a:fld>
             <a:endParaRPr lang="en-US"/>
           </a:p>
@@ -521,7 +526,7 @@
 </file>
 
 <file path=ppt/slideLayouts/slideLayout11.xml><?xml version="1.0" encoding="utf-8"?>
-<p:sldLayout xmlns:a="http://schemas.openxmlformats.org/drawingml/2006/main" xmlns:r="http://schemas.openxmlformats.org/officeDocument/2006/relationships" xmlns:p="http://schemas.openxmlformats.org/presentationml/2006/main" type="vertTitleAndTx" preserve="1">
+<p:sldLayout xmlns:a="http://schemas.openxmlformats.org/drawingml/2006/main" xmlns:r="http://schemas.openxmlformats.org/officeDocument/2006/relationships" xmlns:mc="http://schemas.openxmlformats.org/markup-compatibility/2006" xmlns:mv="urn:schemas-microsoft-com:mac:vml" xmlns:p="http://schemas.openxmlformats.org/presentationml/2006/main" mc:Ignorable="mv" mc:PreserveAttributes="mv:*" type="vertTitleAndTx" preserve="1">
   <p:cSld name="Vertical Title and Text">
     <p:spTree>
       <p:nvGrpSpPr>
@@ -639,7 +644,8 @@
           <a:p>
             <a:fld id="{7AB4D525-FEA6-4C46-A836-18AB099A0B80}" type="datetimeFigureOut">
               <a:rPr lang="en-US" smtClean="0"/>
-              <a:t>2/9/15</a:t>
+              <a:pPr/>
+              <a:t>2/10/15</a:t>
             </a:fld>
             <a:endParaRPr lang="en-US"/>
           </a:p>
@@ -681,7 +687,8 @@
           <a:p>
             <a:fld id="{4F754926-63EB-4746-BA1D-DEED820DE9EA}" type="slidenum">
               <a:rPr lang="en-US" smtClean="0"/>
-              <a:t>‹Nr.›</a:t>
+              <a:pPr/>
+              <a:t>‹#›</a:t>
             </a:fld>
             <a:endParaRPr lang="en-US"/>
           </a:p>
@@ -696,7 +703,7 @@
 </file>
 
 <file path=ppt/slideLayouts/slideLayout2.xml><?xml version="1.0" encoding="utf-8"?>
-<p:sldLayout xmlns:a="http://schemas.openxmlformats.org/drawingml/2006/main" xmlns:r="http://schemas.openxmlformats.org/officeDocument/2006/relationships" xmlns:p="http://schemas.openxmlformats.org/presentationml/2006/main" type="obj" preserve="1">
+<p:sldLayout xmlns:a="http://schemas.openxmlformats.org/drawingml/2006/main" xmlns:r="http://schemas.openxmlformats.org/officeDocument/2006/relationships" xmlns:mc="http://schemas.openxmlformats.org/markup-compatibility/2006" xmlns:mv="urn:schemas-microsoft-com:mac:vml" xmlns:p="http://schemas.openxmlformats.org/presentationml/2006/main" mc:Ignorable="mv" mc:PreserveAttributes="mv:*" type="obj" preserve="1">
   <p:cSld name="Title and Content">
     <p:spTree>
       <p:nvGrpSpPr>
@@ -804,7 +811,8 @@
           <a:p>
             <a:fld id="{7AB4D525-FEA6-4C46-A836-18AB099A0B80}" type="datetimeFigureOut">
               <a:rPr lang="en-US" smtClean="0"/>
-              <a:t>2/9/15</a:t>
+              <a:pPr/>
+              <a:t>2/10/15</a:t>
             </a:fld>
             <a:endParaRPr lang="en-US"/>
           </a:p>
@@ -846,7 +854,8 @@
           <a:p>
             <a:fld id="{4F754926-63EB-4746-BA1D-DEED820DE9EA}" type="slidenum">
               <a:rPr lang="en-US" smtClean="0"/>
-              <a:t>‹Nr.›</a:t>
+              <a:pPr/>
+              <a:t>‹#›</a:t>
             </a:fld>
             <a:endParaRPr lang="en-US"/>
           </a:p>
@@ -861,7 +870,7 @@
 </file>
 
 <file path=ppt/slideLayouts/slideLayout3.xml><?xml version="1.0" encoding="utf-8"?>
-<p:sldLayout xmlns:a="http://schemas.openxmlformats.org/drawingml/2006/main" xmlns:r="http://schemas.openxmlformats.org/officeDocument/2006/relationships" xmlns:p="http://schemas.openxmlformats.org/presentationml/2006/main" type="secHead" preserve="1">
+<p:sldLayout xmlns:a="http://schemas.openxmlformats.org/drawingml/2006/main" xmlns:r="http://schemas.openxmlformats.org/officeDocument/2006/relationships" xmlns:mc="http://schemas.openxmlformats.org/markup-compatibility/2006" xmlns:mv="urn:schemas-microsoft-com:mac:vml" xmlns:p="http://schemas.openxmlformats.org/presentationml/2006/main" mc:Ignorable="mv" mc:PreserveAttributes="mv:*" type="secHead" preserve="1">
   <p:cSld name="Section Header">
     <p:spTree>
       <p:nvGrpSpPr>
@@ -1045,7 +1054,8 @@
           <a:p>
             <a:fld id="{7AB4D525-FEA6-4C46-A836-18AB099A0B80}" type="datetimeFigureOut">
               <a:rPr lang="en-US" smtClean="0"/>
-              <a:t>2/9/15</a:t>
+              <a:pPr/>
+              <a:t>2/10/15</a:t>
             </a:fld>
             <a:endParaRPr lang="en-US"/>
           </a:p>
@@ -1087,7 +1097,8 @@
           <a:p>
             <a:fld id="{4F754926-63EB-4746-BA1D-DEED820DE9EA}" type="slidenum">
               <a:rPr lang="en-US" smtClean="0"/>
-              <a:t>‹Nr.›</a:t>
+              <a:pPr/>
+              <a:t>‹#›</a:t>
             </a:fld>
             <a:endParaRPr lang="en-US"/>
           </a:p>
@@ -1102,7 +1113,7 @@
 </file>
 
 <file path=ppt/slideLayouts/slideLayout4.xml><?xml version="1.0" encoding="utf-8"?>
-<p:sldLayout xmlns:a="http://schemas.openxmlformats.org/drawingml/2006/main" xmlns:r="http://schemas.openxmlformats.org/officeDocument/2006/relationships" xmlns:p="http://schemas.openxmlformats.org/presentationml/2006/main" type="twoObj" preserve="1">
+<p:sldLayout xmlns:a="http://schemas.openxmlformats.org/drawingml/2006/main" xmlns:r="http://schemas.openxmlformats.org/officeDocument/2006/relationships" xmlns:mc="http://schemas.openxmlformats.org/markup-compatibility/2006" xmlns:mv="urn:schemas-microsoft-com:mac:vml" xmlns:p="http://schemas.openxmlformats.org/presentationml/2006/main" mc:Ignorable="mv" mc:PreserveAttributes="mv:*" type="twoObj" preserve="1">
   <p:cSld name="Two Content">
     <p:spTree>
       <p:nvGrpSpPr>
@@ -1328,7 +1339,8 @@
           <a:p>
             <a:fld id="{7AB4D525-FEA6-4C46-A836-18AB099A0B80}" type="datetimeFigureOut">
               <a:rPr lang="en-US" smtClean="0"/>
-              <a:t>2/9/15</a:t>
+              <a:pPr/>
+              <a:t>2/10/15</a:t>
             </a:fld>
             <a:endParaRPr lang="en-US"/>
           </a:p>
@@ -1370,7 +1382,8 @@
           <a:p>
             <a:fld id="{4F754926-63EB-4746-BA1D-DEED820DE9EA}" type="slidenum">
               <a:rPr lang="en-US" smtClean="0"/>
-              <a:t>‹Nr.›</a:t>
+              <a:pPr/>
+              <a:t>‹#›</a:t>
             </a:fld>
             <a:endParaRPr lang="en-US"/>
           </a:p>
@@ -1385,7 +1398,7 @@
 </file>
 
 <file path=ppt/slideLayouts/slideLayout5.xml><?xml version="1.0" encoding="utf-8"?>
-<p:sldLayout xmlns:a="http://schemas.openxmlformats.org/drawingml/2006/main" xmlns:r="http://schemas.openxmlformats.org/officeDocument/2006/relationships" xmlns:p="http://schemas.openxmlformats.org/presentationml/2006/main" type="twoTxTwoObj" preserve="1">
+<p:sldLayout xmlns:a="http://schemas.openxmlformats.org/drawingml/2006/main" xmlns:r="http://schemas.openxmlformats.org/officeDocument/2006/relationships" xmlns:mc="http://schemas.openxmlformats.org/markup-compatibility/2006" xmlns:mv="urn:schemas-microsoft-com:mac:vml" xmlns:p="http://schemas.openxmlformats.org/presentationml/2006/main" mc:Ignorable="mv" mc:PreserveAttributes="mv:*" type="twoTxTwoObj" preserve="1">
   <p:cSld name="Comparison">
     <p:spTree>
       <p:nvGrpSpPr>
@@ -1745,7 +1758,8 @@
           <a:p>
             <a:fld id="{7AB4D525-FEA6-4C46-A836-18AB099A0B80}" type="datetimeFigureOut">
               <a:rPr lang="en-US" smtClean="0"/>
-              <a:t>2/9/15</a:t>
+              <a:pPr/>
+              <a:t>2/10/15</a:t>
             </a:fld>
             <a:endParaRPr lang="en-US"/>
           </a:p>
@@ -1787,7 +1801,8 @@
           <a:p>
             <a:fld id="{4F754926-63EB-4746-BA1D-DEED820DE9EA}" type="slidenum">
               <a:rPr lang="en-US" smtClean="0"/>
-              <a:t>‹Nr.›</a:t>
+              <a:pPr/>
+              <a:t>‹#›</a:t>
             </a:fld>
             <a:endParaRPr lang="en-US"/>
           </a:p>
@@ -1802,7 +1817,7 @@
 </file>
 
 <file path=ppt/slideLayouts/slideLayout6.xml><?xml version="1.0" encoding="utf-8"?>
-<p:sldLayout xmlns:a="http://schemas.openxmlformats.org/drawingml/2006/main" xmlns:r="http://schemas.openxmlformats.org/officeDocument/2006/relationships" xmlns:p="http://schemas.openxmlformats.org/presentationml/2006/main" type="titleOnly" preserve="1">
+<p:sldLayout xmlns:a="http://schemas.openxmlformats.org/drawingml/2006/main" xmlns:r="http://schemas.openxmlformats.org/officeDocument/2006/relationships" xmlns:mc="http://schemas.openxmlformats.org/markup-compatibility/2006" xmlns:mv="urn:schemas-microsoft-com:mac:vml" xmlns:p="http://schemas.openxmlformats.org/presentationml/2006/main" mc:Ignorable="mv" mc:PreserveAttributes="mv:*" type="titleOnly" preserve="1">
   <p:cSld name="Title Only">
     <p:spTree>
       <p:nvGrpSpPr>
@@ -1858,7 +1873,8 @@
           <a:p>
             <a:fld id="{7AB4D525-FEA6-4C46-A836-18AB099A0B80}" type="datetimeFigureOut">
               <a:rPr lang="en-US" smtClean="0"/>
-              <a:t>2/9/15</a:t>
+              <a:pPr/>
+              <a:t>2/10/15</a:t>
             </a:fld>
             <a:endParaRPr lang="en-US"/>
           </a:p>
@@ -1900,7 +1916,8 @@
           <a:p>
             <a:fld id="{4F754926-63EB-4746-BA1D-DEED820DE9EA}" type="slidenum">
               <a:rPr lang="en-US" smtClean="0"/>
-              <a:t>‹Nr.›</a:t>
+              <a:pPr/>
+              <a:t>‹#›</a:t>
             </a:fld>
             <a:endParaRPr lang="en-US"/>
           </a:p>
@@ -1915,7 +1932,7 @@
 </file>
 
 <file path=ppt/slideLayouts/slideLayout7.xml><?xml version="1.0" encoding="utf-8"?>
-<p:sldLayout xmlns:a="http://schemas.openxmlformats.org/drawingml/2006/main" xmlns:r="http://schemas.openxmlformats.org/officeDocument/2006/relationships" xmlns:p="http://schemas.openxmlformats.org/presentationml/2006/main" type="blank" preserve="1">
+<p:sldLayout xmlns:a="http://schemas.openxmlformats.org/drawingml/2006/main" xmlns:r="http://schemas.openxmlformats.org/officeDocument/2006/relationships" xmlns:mc="http://schemas.openxmlformats.org/markup-compatibility/2006" xmlns:mv="urn:schemas-microsoft-com:mac:vml" xmlns:p="http://schemas.openxmlformats.org/presentationml/2006/main" mc:Ignorable="mv" mc:PreserveAttributes="mv:*" type="blank" preserve="1">
   <p:cSld name="Blank">
     <p:spTree>
       <p:nvGrpSpPr>
@@ -1948,7 +1965,8 @@
           <a:p>
             <a:fld id="{7AB4D525-FEA6-4C46-A836-18AB099A0B80}" type="datetimeFigureOut">
               <a:rPr lang="en-US" smtClean="0"/>
-              <a:t>2/9/15</a:t>
+              <a:pPr/>
+              <a:t>2/10/15</a:t>
             </a:fld>
             <a:endParaRPr lang="en-US"/>
           </a:p>
@@ -1990,7 +2008,8 @@
           <a:p>
             <a:fld id="{4F754926-63EB-4746-BA1D-DEED820DE9EA}" type="slidenum">
               <a:rPr lang="en-US" smtClean="0"/>
-              <a:t>‹Nr.›</a:t>
+              <a:pPr/>
+              <a:t>‹#›</a:t>
             </a:fld>
             <a:endParaRPr lang="en-US"/>
           </a:p>
@@ -2005,7 +2024,7 @@
 </file>
 
 <file path=ppt/slideLayouts/slideLayout8.xml><?xml version="1.0" encoding="utf-8"?>
-<p:sldLayout xmlns:a="http://schemas.openxmlformats.org/drawingml/2006/main" xmlns:r="http://schemas.openxmlformats.org/officeDocument/2006/relationships" xmlns:p="http://schemas.openxmlformats.org/presentationml/2006/main" type="objTx" preserve="1">
+<p:sldLayout xmlns:a="http://schemas.openxmlformats.org/drawingml/2006/main" xmlns:r="http://schemas.openxmlformats.org/officeDocument/2006/relationships" xmlns:mc="http://schemas.openxmlformats.org/markup-compatibility/2006" xmlns:mv="urn:schemas-microsoft-com:mac:vml" xmlns:p="http://schemas.openxmlformats.org/presentationml/2006/main" mc:Ignorable="mv" mc:PreserveAttributes="mv:*" type="objTx" preserve="1">
   <p:cSld name="Content with Caption">
     <p:spTree>
       <p:nvGrpSpPr>
@@ -2220,7 +2239,8 @@
           <a:p>
             <a:fld id="{7AB4D525-FEA6-4C46-A836-18AB099A0B80}" type="datetimeFigureOut">
               <a:rPr lang="en-US" smtClean="0"/>
-              <a:t>2/9/15</a:t>
+              <a:pPr/>
+              <a:t>2/10/15</a:t>
             </a:fld>
             <a:endParaRPr lang="en-US"/>
           </a:p>
@@ -2262,7 +2282,8 @@
           <a:p>
             <a:fld id="{4F754926-63EB-4746-BA1D-DEED820DE9EA}" type="slidenum">
               <a:rPr lang="en-US" smtClean="0"/>
-              <a:t>‹Nr.›</a:t>
+              <a:pPr/>
+              <a:t>‹#›</a:t>
             </a:fld>
             <a:endParaRPr lang="en-US"/>
           </a:p>
@@ -2277,7 +2298,7 @@
 </file>
 
 <file path=ppt/slideLayouts/slideLayout9.xml><?xml version="1.0" encoding="utf-8"?>
-<p:sldLayout xmlns:a="http://schemas.openxmlformats.org/drawingml/2006/main" xmlns:r="http://schemas.openxmlformats.org/officeDocument/2006/relationships" xmlns:p="http://schemas.openxmlformats.org/presentationml/2006/main" type="picTx" preserve="1">
+<p:sldLayout xmlns:a="http://schemas.openxmlformats.org/drawingml/2006/main" xmlns:r="http://schemas.openxmlformats.org/officeDocument/2006/relationships" xmlns:mc="http://schemas.openxmlformats.org/markup-compatibility/2006" xmlns:mv="urn:schemas-microsoft-com:mac:vml" xmlns:p="http://schemas.openxmlformats.org/presentationml/2006/main" mc:Ignorable="mv" mc:PreserveAttributes="mv:*" type="picTx" preserve="1">
   <p:cSld name="Picture with Caption">
     <p:spTree>
       <p:nvGrpSpPr>
@@ -2468,7 +2489,8 @@
           <a:p>
             <a:fld id="{7AB4D525-FEA6-4C46-A836-18AB099A0B80}" type="datetimeFigureOut">
               <a:rPr lang="en-US" smtClean="0"/>
-              <a:t>2/9/15</a:t>
+              <a:pPr/>
+              <a:t>2/10/15</a:t>
             </a:fld>
             <a:endParaRPr lang="en-US"/>
           </a:p>
@@ -2510,7 +2532,8 @@
           <a:p>
             <a:fld id="{4F754926-63EB-4746-BA1D-DEED820DE9EA}" type="slidenum">
               <a:rPr lang="en-US" smtClean="0"/>
-              <a:t>‹Nr.›</a:t>
+              <a:pPr/>
+              <a:t>‹#›</a:t>
             </a:fld>
             <a:endParaRPr lang="en-US"/>
           </a:p>
@@ -2525,7 +2548,7 @@
 </file>
 
 <file path=ppt/slideMasters/slideMaster1.xml><?xml version="1.0" encoding="utf-8"?>
-<p:sldMaster xmlns:a="http://schemas.openxmlformats.org/drawingml/2006/main" xmlns:r="http://schemas.openxmlformats.org/officeDocument/2006/relationships" xmlns:p="http://schemas.openxmlformats.org/presentationml/2006/main">
+<p:sldMaster xmlns:a="http://schemas.openxmlformats.org/drawingml/2006/main" xmlns:r="http://schemas.openxmlformats.org/officeDocument/2006/relationships" xmlns:mc="http://schemas.openxmlformats.org/markup-compatibility/2006" xmlns:mv="urn:schemas-microsoft-com:mac:vml" xmlns:p="http://schemas.openxmlformats.org/presentationml/2006/main" mc:Ignorable="mv" mc:PreserveAttributes="mv:*">
   <p:cSld>
     <p:bg>
       <p:bgRef idx="1001">
@@ -2676,7 +2699,8 @@
           <a:p>
             <a:fld id="{7AB4D525-FEA6-4C46-A836-18AB099A0B80}" type="datetimeFigureOut">
               <a:rPr lang="en-US" smtClean="0"/>
-              <a:t>2/9/15</a:t>
+              <a:pPr/>
+              <a:t>2/10/15</a:t>
             </a:fld>
             <a:endParaRPr lang="en-US"/>
           </a:p>
@@ -2754,7 +2778,8 @@
           <a:p>
             <a:fld id="{4F754926-63EB-4746-BA1D-DEED820DE9EA}" type="slidenum">
               <a:rPr lang="en-US" smtClean="0"/>
-              <a:t>‹Nr.›</a:t>
+              <a:pPr/>
+              <a:t>‹#›</a:t>
             </a:fld>
             <a:endParaRPr lang="en-US"/>
           </a:p>
@@ -3030,7 +3055,7 @@
 </file>
 
 <file path=ppt/slides/slide1.xml><?xml version="1.0" encoding="utf-8"?>
-<p:sld xmlns:a="http://schemas.openxmlformats.org/drawingml/2006/main" xmlns:r="http://schemas.openxmlformats.org/officeDocument/2006/relationships" xmlns:p="http://schemas.openxmlformats.org/presentationml/2006/main">
+<p:sld xmlns:a="http://schemas.openxmlformats.org/drawingml/2006/main" xmlns:r="http://schemas.openxmlformats.org/officeDocument/2006/relationships" xmlns:mc="http://schemas.openxmlformats.org/markup-compatibility/2006" xmlns:mv="urn:schemas-microsoft-com:mac:vml" xmlns:p="http://schemas.openxmlformats.org/presentationml/2006/main" mc:Ignorable="mv" mc:PreserveAttributes="mv:*">
   <p:cSld>
     <p:spTree>
       <p:nvGrpSpPr>
@@ -3217,7 +3242,7 @@
 </file>
 
 <file path=ppt/slides/slide10.xml><?xml version="1.0" encoding="utf-8"?>
-<p:sld xmlns:a="http://schemas.openxmlformats.org/drawingml/2006/main" xmlns:r="http://schemas.openxmlformats.org/officeDocument/2006/relationships" xmlns:p="http://schemas.openxmlformats.org/presentationml/2006/main">
+<p:sld xmlns:a="http://schemas.openxmlformats.org/drawingml/2006/main" xmlns:r="http://schemas.openxmlformats.org/officeDocument/2006/relationships" xmlns:mc="http://schemas.openxmlformats.org/markup-compatibility/2006" xmlns:mv="urn:schemas-microsoft-com:mac:vml" xmlns:p="http://schemas.openxmlformats.org/presentationml/2006/main" mc:Ignorable="mv" mc:PreserveAttributes="mv:*">
   <p:cSld>
     <p:spTree>
       <p:nvGrpSpPr>
@@ -3257,7 +3282,7 @@
           <a:p>
             <a:r>
               <a:rPr lang="en-US" dirty="0" smtClean="0"/>
-              <a:t>Merging 2</a:t>
+              <a:t>Merging 1</a:t>
             </a:r>
           </a:p>
         </p:txBody>
@@ -3265,19 +3290,19 @@
     </p:spTree>
     <p:extLst>
       <p:ext uri="{BB962C8B-B14F-4D97-AF65-F5344CB8AC3E}">
-        <p14:creationId xmlns:p14="http://schemas.microsoft.com/office/powerpoint/2010/main" val="3388594987"/>
+        <p14:creationId xmlns:p14="http://schemas.microsoft.com/office/powerpoint/2010/main" xmlns:p="http://schemas.openxmlformats.org/presentationml/2006/main" xmlns:r="http://schemas.openxmlformats.org/officeDocument/2006/relationships" xmlns:a="http://schemas.openxmlformats.org/drawingml/2006/main" xmlns="" val="2864348573"/>
       </p:ext>
     </p:extLst>
   </p:cSld>
   <p:clrMapOvr>
     <a:masterClrMapping/>
   </p:clrMapOvr>
-  <p:transition xmlns:p14="http://schemas.microsoft.com/office/powerpoint/2010/main"/>
+  <p:transition/>
 </p:sld>
 </file>
 
 <file path=ppt/slides/slide11.xml><?xml version="1.0" encoding="utf-8"?>
-<p:sld xmlns:a="http://schemas.openxmlformats.org/drawingml/2006/main" xmlns:r="http://schemas.openxmlformats.org/officeDocument/2006/relationships" xmlns:p="http://schemas.openxmlformats.org/presentationml/2006/main">
+<p:sld xmlns:a="http://schemas.openxmlformats.org/drawingml/2006/main" xmlns:r="http://schemas.openxmlformats.org/officeDocument/2006/relationships" xmlns:mc="http://schemas.openxmlformats.org/markup-compatibility/2006" xmlns:mv="urn:schemas-microsoft-com:mac:vml" xmlns:p="http://schemas.openxmlformats.org/presentationml/2006/main" mc:Ignorable="mv" mc:PreserveAttributes="mv:*">
   <p:cSld>
     <p:spTree>
       <p:nvGrpSpPr>
@@ -3317,7 +3342,7 @@
           <a:p>
             <a:r>
               <a:rPr lang="en-US" dirty="0" smtClean="0"/>
-              <a:t>Merging 3</a:t>
+              <a:t>Merging 2</a:t>
             </a:r>
           </a:p>
         </p:txBody>
@@ -3325,19 +3350,19 @@
     </p:spTree>
     <p:extLst>
       <p:ext uri="{BB962C8B-B14F-4D97-AF65-F5344CB8AC3E}">
-        <p14:creationId xmlns:p14="http://schemas.microsoft.com/office/powerpoint/2010/main" val="1708097681"/>
+        <p14:creationId xmlns:p14="http://schemas.microsoft.com/office/powerpoint/2010/main" xmlns:p="http://schemas.openxmlformats.org/presentationml/2006/main" xmlns:r="http://schemas.openxmlformats.org/officeDocument/2006/relationships" xmlns:a="http://schemas.openxmlformats.org/drawingml/2006/main" xmlns="" val="3388594987"/>
       </p:ext>
     </p:extLst>
   </p:cSld>
   <p:clrMapOvr>
     <a:masterClrMapping/>
   </p:clrMapOvr>
-  <p:transition xmlns:p14="http://schemas.microsoft.com/office/powerpoint/2010/main"/>
+  <p:transition/>
 </p:sld>
 </file>
 
 <file path=ppt/slides/slide12.xml><?xml version="1.0" encoding="utf-8"?>
-<p:sld xmlns:a="http://schemas.openxmlformats.org/drawingml/2006/main" xmlns:r="http://schemas.openxmlformats.org/officeDocument/2006/relationships" xmlns:p="http://schemas.openxmlformats.org/presentationml/2006/main">
+<p:sld xmlns:a="http://schemas.openxmlformats.org/drawingml/2006/main" xmlns:r="http://schemas.openxmlformats.org/officeDocument/2006/relationships" xmlns:mc="http://schemas.openxmlformats.org/markup-compatibility/2006" xmlns:mv="urn:schemas-microsoft-com:mac:vml" xmlns:p="http://schemas.openxmlformats.org/presentationml/2006/main" mc:Ignorable="mv" mc:PreserveAttributes="mv:*">
   <p:cSld>
     <p:spTree>
       <p:nvGrpSpPr>
@@ -3377,7 +3402,7 @@
           <a:p>
             <a:r>
               <a:rPr lang="en-US" dirty="0" smtClean="0"/>
-              <a:t>Recommended workflow 1</a:t>
+              <a:t>Merging 3</a:t>
             </a:r>
           </a:p>
         </p:txBody>
@@ -3385,19 +3410,19 @@
     </p:spTree>
     <p:extLst>
       <p:ext uri="{BB962C8B-B14F-4D97-AF65-F5344CB8AC3E}">
-        <p14:creationId xmlns:p14="http://schemas.microsoft.com/office/powerpoint/2010/main" val="1703534084"/>
+        <p14:creationId xmlns:p14="http://schemas.microsoft.com/office/powerpoint/2010/main" xmlns:p="http://schemas.openxmlformats.org/presentationml/2006/main" xmlns:r="http://schemas.openxmlformats.org/officeDocument/2006/relationships" xmlns:a="http://schemas.openxmlformats.org/drawingml/2006/main" xmlns="" val="1708097681"/>
       </p:ext>
     </p:extLst>
   </p:cSld>
   <p:clrMapOvr>
     <a:masterClrMapping/>
   </p:clrMapOvr>
-  <p:transition xmlns:p14="http://schemas.microsoft.com/office/powerpoint/2010/main"/>
+  <p:transition/>
 </p:sld>
 </file>
 
-<file path=ppt/slides/slide2.xml><?xml version="1.0" encoding="utf-8"?>
-<p:sld xmlns:a="http://schemas.openxmlformats.org/drawingml/2006/main" xmlns:r="http://schemas.openxmlformats.org/officeDocument/2006/relationships" xmlns:p="http://schemas.openxmlformats.org/presentationml/2006/main">
+<file path=ppt/slides/slide13.xml><?xml version="1.0" encoding="utf-8"?>
+<p:sld xmlns:a="http://schemas.openxmlformats.org/drawingml/2006/main" xmlns:r="http://schemas.openxmlformats.org/officeDocument/2006/relationships" xmlns:mc="http://schemas.openxmlformats.org/markup-compatibility/2006" xmlns:mv="urn:schemas-microsoft-com:mac:vml" xmlns:p="http://schemas.openxmlformats.org/presentationml/2006/main" mc:Ignorable="mv" mc:PreserveAttributes="mv:*">
   <p:cSld>
     <p:spTree>
       <p:nvGrpSpPr>
@@ -3421,8 +3446,8 @@
         </p:nvSpPr>
         <p:spPr>
           <a:xfrm>
-            <a:off x="715316" y="0"/>
-            <a:ext cx="7474322" cy="6463309"/>
+            <a:off x="581000" y="932188"/>
+            <a:ext cx="5593818" cy="369332"/>
           </a:xfrm>
           <a:prstGeom prst="rect">
             <a:avLst/>
@@ -3435,227 +3460,29 @@
           </a:bodyPr>
           <a:lstStyle/>
           <a:p>
-            <a:pPr marL="342900" indent="-342900"/>
-            <a:r>
-              <a:rPr lang="en-US" dirty="0" smtClean="0"/>
-              <a:t>Important terms</a:t>
-            </a:r>
-          </a:p>
-          <a:p>
-            <a:pPr marL="342900" indent="-342900"/>
-            <a:endParaRPr lang="en-US" dirty="0" smtClean="0"/>
-          </a:p>
-          <a:p>
-            <a:pPr marL="342900" indent="-342900">
-              <a:buFont typeface="Arial"/>
-              <a:buChar char="•"/>
-            </a:pPr>
-            <a:r>
-              <a:rPr lang="en-US" dirty="0" smtClean="0"/>
-              <a:t>Repository: </a:t>
-            </a:r>
-            <a:br>
-              <a:rPr lang="en-US" dirty="0" smtClean="0"/>
-            </a:br>
-            <a:r>
-              <a:rPr lang="en-US" dirty="0" smtClean="0"/>
-              <a:t>a set of files that the VCS knows about (may be in different folders),</a:t>
-            </a:r>
-            <a:br>
-              <a:rPr lang="en-US" dirty="0" smtClean="0"/>
-            </a:br>
-            <a:r>
-              <a:rPr lang="en-US" dirty="0" smtClean="0"/>
-              <a:t>	</a:t>
-            </a:r>
-            <a:r>
-              <a:rPr lang="en-US" i="1" dirty="0" smtClean="0"/>
-              <a:t>i.e. paper manuscript and graphics files</a:t>
-            </a:r>
-          </a:p>
-          <a:p>
-            <a:pPr marL="342900" indent="-342900"/>
-            <a:endParaRPr lang="en-US" dirty="0" smtClean="0"/>
-          </a:p>
-          <a:p>
-            <a:pPr marL="342900" indent="-342900">
-              <a:buFont typeface="Arial"/>
-              <a:buChar char="•"/>
-            </a:pPr>
-            <a:r>
-              <a:rPr lang="en-US" dirty="0" err="1" smtClean="0"/>
-              <a:t>Changeset</a:t>
-            </a:r>
-            <a:r>
-              <a:rPr lang="en-US" dirty="0" smtClean="0"/>
-              <a:t>: </a:t>
-            </a:r>
-            <a:br>
-              <a:rPr lang="en-US" dirty="0" smtClean="0"/>
-            </a:br>
-            <a:r>
-              <a:rPr lang="en-US" dirty="0" smtClean="0"/>
-              <a:t>a set of modifications or ‘</a:t>
-            </a:r>
-            <a:r>
-              <a:rPr lang="en-US" dirty="0" err="1" smtClean="0"/>
-              <a:t>diffs</a:t>
-            </a:r>
-            <a:r>
-              <a:rPr lang="en-US" dirty="0" smtClean="0"/>
-              <a:t>’ to the repository (changes to files, adding/deleting files/folders),</a:t>
-            </a:r>
-            <a:br>
-              <a:rPr lang="en-US" dirty="0" smtClean="0"/>
-            </a:br>
-            <a:r>
-              <a:rPr lang="en-US" dirty="0" smtClean="0"/>
-              <a:t>	 </a:t>
-            </a:r>
-            <a:r>
-              <a:rPr lang="en-US" i="1" dirty="0" smtClean="0"/>
-              <a:t>i.e. adding a paragraph to the manuscript and replacing a 	graphics files</a:t>
-            </a:r>
-          </a:p>
-          <a:p>
-            <a:pPr marL="342900" indent="-342900">
-              <a:buFont typeface="Arial"/>
-              <a:buChar char="•"/>
-            </a:pPr>
-            <a:endParaRPr lang="en-US" dirty="0" smtClean="0"/>
-          </a:p>
-          <a:p>
-            <a:pPr marL="342900" indent="-342900">
-              <a:buFont typeface="Arial"/>
-              <a:buChar char="•"/>
-            </a:pPr>
-            <a:r>
-              <a:rPr lang="en-US" dirty="0" smtClean="0"/>
-              <a:t>Snapshot:</a:t>
-            </a:r>
-            <a:br>
-              <a:rPr lang="en-US" dirty="0" smtClean="0"/>
-            </a:br>
-            <a:r>
-              <a:rPr lang="en-US" dirty="0" smtClean="0"/>
-              <a:t>one state of the repository,</a:t>
-            </a:r>
-            <a:br>
-              <a:rPr lang="en-US" dirty="0" smtClean="0"/>
-            </a:br>
-            <a:r>
-              <a:rPr lang="en-US" dirty="0" smtClean="0"/>
-              <a:t>	 </a:t>
-            </a:r>
-            <a:r>
-              <a:rPr lang="en-US" i="1" dirty="0" smtClean="0"/>
-              <a:t>i.e. my paper on March 12, 2012, 8:26 PM)</a:t>
-            </a:r>
-            <a:endParaRPr lang="en-US" dirty="0" smtClean="0"/>
-          </a:p>
-          <a:p>
-            <a:pPr marL="342900" indent="-342900">
-              <a:buFont typeface="Arial"/>
-              <a:buChar char="•"/>
-            </a:pPr>
-            <a:endParaRPr lang="en-US" dirty="0" smtClean="0"/>
-          </a:p>
-          <a:p>
-            <a:pPr marL="342900" indent="-342900">
-              <a:buFont typeface="Arial"/>
-              <a:buChar char="•"/>
-            </a:pPr>
-            <a:r>
-              <a:rPr lang="en-US" dirty="0" smtClean="0"/>
-              <a:t>Commit:</a:t>
-            </a:r>
-            <a:br>
-              <a:rPr lang="en-US" dirty="0" smtClean="0"/>
-            </a:br>
-            <a:r>
-              <a:rPr lang="en-US" dirty="0" smtClean="0"/>
-              <a:t>An instruction to the VCS that the repository has changed, as detailed by a </a:t>
-            </a:r>
-            <a:r>
-              <a:rPr lang="en-US" dirty="0" err="1" smtClean="0"/>
-              <a:t>changeset</a:t>
-            </a:r>
-            <a:r>
-              <a:rPr lang="en-US" dirty="0" smtClean="0"/>
-              <a:t> or snapshot</a:t>
-            </a:r>
-          </a:p>
-          <a:p>
-            <a:pPr marL="342900" indent="-342900">
-              <a:buFont typeface="Arial"/>
-              <a:buChar char="•"/>
-            </a:pPr>
-            <a:endParaRPr lang="en-US" i="1" dirty="0" smtClean="0"/>
-          </a:p>
-          <a:p>
-            <a:pPr marL="342900" indent="-342900"/>
-            <a:r>
-              <a:rPr lang="en-US" i="1" dirty="0" smtClean="0"/>
-              <a:t>	</a:t>
-            </a:r>
-            <a:r>
-              <a:rPr lang="en-US" dirty="0" smtClean="0"/>
-              <a:t>(</a:t>
-            </a:r>
-            <a:r>
-              <a:rPr lang="en-US" dirty="0" err="1" smtClean="0"/>
-              <a:t>Changeset</a:t>
-            </a:r>
-            <a:r>
-              <a:rPr lang="en-US" dirty="0" smtClean="0"/>
-              <a:t>/Snapshot/Commit are used somewhat synonymous)</a:t>
-            </a:r>
-          </a:p>
-          <a:p>
-            <a:pPr marL="342900" indent="-342900">
-              <a:buFont typeface="Arial"/>
-              <a:buChar char="•"/>
-            </a:pPr>
-            <a:endParaRPr lang="en-US" dirty="0" smtClean="0"/>
-          </a:p>
-          <a:p>
-            <a:pPr marL="342900" indent="-342900">
-              <a:buFont typeface="Arial"/>
-              <a:buChar char="•"/>
-            </a:pPr>
-            <a:r>
-              <a:rPr lang="en-US" dirty="0"/>
-              <a:t>W</a:t>
-            </a:r>
-            <a:r>
-              <a:rPr lang="en-US" dirty="0" smtClean="0"/>
-              <a:t>orking directory: </a:t>
-            </a:r>
-            <a:br>
-              <a:rPr lang="en-US" dirty="0" smtClean="0"/>
-            </a:br>
-            <a:r>
-              <a:rPr lang="en-US" dirty="0" smtClean="0"/>
-              <a:t>top-level directory of the repository, abbreviated as </a:t>
-            </a:r>
-            <a:r>
-              <a:rPr lang="en-US" dirty="0" err="1" smtClean="0"/>
-              <a:t>workdir</a:t>
-            </a:r>
-            <a:endParaRPr lang="en-US" dirty="0" smtClean="0"/>
+            <a:r>
+              <a:rPr lang="en-US" dirty="0" smtClean="0"/>
+              <a:t>Recommended workflow 1</a:t>
+            </a:r>
           </a:p>
         </p:txBody>
       </p:sp>
     </p:spTree>
+    <p:extLst>
+      <p:ext uri="{BB962C8B-B14F-4D97-AF65-F5344CB8AC3E}">
+        <p14:creationId xmlns:p14="http://schemas.microsoft.com/office/powerpoint/2010/main" xmlns:p="http://schemas.openxmlformats.org/presentationml/2006/main" xmlns:r="http://schemas.openxmlformats.org/officeDocument/2006/relationships" xmlns:a="http://schemas.openxmlformats.org/drawingml/2006/main" xmlns="" val="1703534084"/>
+      </p:ext>
+    </p:extLst>
   </p:cSld>
   <p:clrMapOvr>
     <a:masterClrMapping/>
   </p:clrMapOvr>
+  <p:transition/>
 </p:sld>
 </file>
 
-<file path=ppt/slides/slide3.xml><?xml version="1.0" encoding="utf-8"?>
-<p:sld xmlns:a="http://schemas.openxmlformats.org/drawingml/2006/main" xmlns:r="http://schemas.openxmlformats.org/officeDocument/2006/relationships" xmlns:p="http://schemas.openxmlformats.org/presentationml/2006/main">
+<file path=ppt/slides/slide2.xml><?xml version="1.0" encoding="utf-8"?>
+<p:sld xmlns:a="http://schemas.openxmlformats.org/drawingml/2006/main" xmlns:r="http://schemas.openxmlformats.org/officeDocument/2006/relationships" xmlns:mc="http://schemas.openxmlformats.org/markup-compatibility/2006" xmlns:mv="urn:schemas-microsoft-com:mac:vml" xmlns:p="http://schemas.openxmlformats.org/presentationml/2006/main" mc:Ignorable="mv" mc:PreserveAttributes="mv:*">
   <p:cSld>
     <p:spTree>
       <p:nvGrpSpPr>
@@ -3679,8 +3506,8 @@
         </p:nvSpPr>
         <p:spPr>
           <a:xfrm>
-            <a:off x="1880248" y="233588"/>
-            <a:ext cx="6250996" cy="646331"/>
+            <a:off x="715316" y="0"/>
+            <a:ext cx="7474322" cy="6463309"/>
           </a:xfrm>
           <a:prstGeom prst="rect">
             <a:avLst/>
@@ -3693,168 +3520,213 @@
           </a:bodyPr>
           <a:lstStyle/>
           <a:p>
-            <a:r>
-              <a:rPr lang="en-US" dirty="0" smtClean="0"/>
-              <a:t>How do VCS work?  -  1. Tracking and logging modifications</a:t>
-            </a:r>
-          </a:p>
-          <a:p>
+            <a:pPr marL="342900" indent="-342900"/>
+            <a:r>
+              <a:rPr lang="en-US" dirty="0" smtClean="0"/>
+              <a:t>Important terms</a:t>
+            </a:r>
+          </a:p>
+          <a:p>
+            <a:pPr marL="342900" indent="-342900"/>
             <a:endParaRPr lang="en-US" dirty="0" smtClean="0"/>
           </a:p>
-        </p:txBody>
-      </p:sp>
-      <p:sp>
-        <p:nvSpPr>
-          <p:cNvPr id="3" name="TextBox 2"/>
-          <p:cNvSpPr txBox="1"/>
-          <p:nvPr/>
-        </p:nvSpPr>
-        <p:spPr>
-          <a:xfrm>
-            <a:off x="218974" y="1065746"/>
-            <a:ext cx="8685979" cy="4801315"/>
-          </a:xfrm>
-          <a:prstGeom prst="rect">
-            <a:avLst/>
-          </a:prstGeom>
-          <a:noFill/>
-        </p:spPr>
-        <p:txBody>
-          <a:bodyPr wrap="square" rtlCol="0">
-            <a:spAutoFit/>
-          </a:bodyPr>
-          <a:lstStyle/>
-          <a:p>
-            <a:pPr>
+          <a:p>
+            <a:pPr marL="342900" indent="-342900">
               <a:buFont typeface="Arial"/>
               <a:buChar char="•"/>
             </a:pPr>
             <a:r>
               <a:rPr lang="en-US" dirty="0" smtClean="0"/>
-              <a:t>When ‘initializing’ a repository, the VCS creates a folder (the VCS database, often hidden) in the </a:t>
+              <a:t>Repository: </a:t>
+            </a:r>
+            <a:br>
+              <a:rPr lang="en-US" dirty="0" smtClean="0"/>
+            </a:br>
+            <a:r>
+              <a:rPr lang="en-US" dirty="0" smtClean="0"/>
+              <a:t>a set of files that the VCS knows about (may be in different folders),</a:t>
+            </a:r>
+            <a:br>
+              <a:rPr lang="en-US" dirty="0" smtClean="0"/>
+            </a:br>
+            <a:r>
+              <a:rPr lang="en-US" dirty="0" smtClean="0"/>
+              <a:t>	</a:t>
+            </a:r>
+            <a:r>
+              <a:rPr lang="en-US" i="1" dirty="0" smtClean="0"/>
+              <a:t>i.e. paper manuscript and graphics files</a:t>
+            </a:r>
+          </a:p>
+          <a:p>
+            <a:pPr marL="342900" indent="-342900"/>
+            <a:endParaRPr lang="en-US" dirty="0" smtClean="0"/>
+          </a:p>
+          <a:p>
+            <a:pPr marL="342900" indent="-342900">
+              <a:buFont typeface="Arial"/>
+              <a:buChar char="•"/>
+            </a:pPr>
+            <a:r>
+              <a:rPr lang="en-US" dirty="0" err="1" smtClean="0"/>
+              <a:t>Changeset</a:t>
+            </a:r>
+            <a:r>
+              <a:rPr lang="en-US" dirty="0" smtClean="0"/>
+              <a:t>: </a:t>
+            </a:r>
+            <a:br>
+              <a:rPr lang="en-US" dirty="0" smtClean="0"/>
+            </a:br>
+            <a:r>
+              <a:rPr lang="en-US" dirty="0" smtClean="0"/>
+              <a:t>a set of modifications or ‘</a:t>
+            </a:r>
+            <a:r>
+              <a:rPr lang="en-US" dirty="0" err="1" smtClean="0"/>
+              <a:t>diffs</a:t>
+            </a:r>
+            <a:r>
+              <a:rPr lang="en-US" dirty="0" smtClean="0"/>
+              <a:t>’ to the repository (changes to files, adding/deleting files/folders),</a:t>
+            </a:r>
+            <a:br>
+              <a:rPr lang="en-US" dirty="0" smtClean="0"/>
+            </a:br>
+            <a:r>
+              <a:rPr lang="en-US" dirty="0" smtClean="0"/>
+              <a:t>	 </a:t>
+            </a:r>
+            <a:r>
+              <a:rPr lang="en-US" i="1" dirty="0" smtClean="0"/>
+              <a:t>i.e. adding a paragraph to the manuscript and replacing a 	graphics files</a:t>
+            </a:r>
+          </a:p>
+          <a:p>
+            <a:pPr marL="342900" indent="-342900">
+              <a:buFont typeface="Arial"/>
+              <a:buChar char="•"/>
+            </a:pPr>
+            <a:endParaRPr lang="en-US" dirty="0" smtClean="0"/>
+          </a:p>
+          <a:p>
+            <a:pPr marL="342900" indent="-342900">
+              <a:buFont typeface="Arial"/>
+              <a:buChar char="•"/>
+            </a:pPr>
+            <a:r>
+              <a:rPr lang="en-US" dirty="0" smtClean="0"/>
+              <a:t>Snapshot:</a:t>
+            </a:r>
+            <a:br>
+              <a:rPr lang="en-US" dirty="0" smtClean="0"/>
+            </a:br>
+            <a:r>
+              <a:rPr lang="en-US" dirty="0" smtClean="0"/>
+              <a:t>one state of the repository,</a:t>
+            </a:r>
+            <a:br>
+              <a:rPr lang="en-US" dirty="0" smtClean="0"/>
+            </a:br>
+            <a:r>
+              <a:rPr lang="en-US" dirty="0" smtClean="0"/>
+              <a:t>	 </a:t>
+            </a:r>
+            <a:r>
+              <a:rPr lang="en-US" i="1" dirty="0" smtClean="0"/>
+              <a:t>i.e. my paper on March 12, 2012, 8:26 PM)</a:t>
+            </a:r>
+            <a:endParaRPr lang="en-US" dirty="0" smtClean="0"/>
+          </a:p>
+          <a:p>
+            <a:pPr marL="342900" indent="-342900">
+              <a:buFont typeface="Arial"/>
+              <a:buChar char="•"/>
+            </a:pPr>
+            <a:endParaRPr lang="en-US" dirty="0" smtClean="0"/>
+          </a:p>
+          <a:p>
+            <a:pPr marL="342900" indent="-342900">
+              <a:buFont typeface="Arial"/>
+              <a:buChar char="•"/>
+            </a:pPr>
+            <a:r>
+              <a:rPr lang="en-US" dirty="0" smtClean="0"/>
+              <a:t>Commit:</a:t>
+            </a:r>
+            <a:br>
+              <a:rPr lang="en-US" dirty="0" smtClean="0"/>
+            </a:br>
+            <a:r>
+              <a:rPr lang="en-US" dirty="0" smtClean="0"/>
+              <a:t>An instruction to the VCS that the repository has changed, as detailed by a </a:t>
+            </a:r>
+            <a:r>
+              <a:rPr lang="en-US" dirty="0" err="1" smtClean="0"/>
+              <a:t>changeset</a:t>
+            </a:r>
+            <a:r>
+              <a:rPr lang="en-US" dirty="0" smtClean="0"/>
+              <a:t> or snapshot</a:t>
+            </a:r>
+          </a:p>
+          <a:p>
+            <a:pPr marL="342900" indent="-342900">
+              <a:buFont typeface="Arial"/>
+              <a:buChar char="•"/>
+            </a:pPr>
+            <a:endParaRPr lang="en-US" i="1" dirty="0" smtClean="0"/>
+          </a:p>
+          <a:p>
+            <a:pPr marL="342900" indent="-342900"/>
+            <a:r>
+              <a:rPr lang="en-US" i="1" dirty="0" smtClean="0"/>
+              <a:t>	</a:t>
+            </a:r>
+            <a:r>
+              <a:rPr lang="en-US" dirty="0" smtClean="0"/>
+              <a:t>(</a:t>
+            </a:r>
+            <a:r>
+              <a:rPr lang="en-US" dirty="0" err="1" smtClean="0"/>
+              <a:t>Changeset</a:t>
+            </a:r>
+            <a:r>
+              <a:rPr lang="en-US" dirty="0" smtClean="0"/>
+              <a:t>/Snapshot/Commit are used somewhat synonymous)</a:t>
+            </a:r>
+          </a:p>
+          <a:p>
+            <a:pPr marL="342900" indent="-342900">
+              <a:buFont typeface="Arial"/>
+              <a:buChar char="•"/>
+            </a:pPr>
+            <a:endParaRPr lang="en-US" dirty="0" smtClean="0"/>
+          </a:p>
+          <a:p>
+            <a:pPr marL="342900" indent="-342900">
+              <a:buFont typeface="Arial"/>
+              <a:buChar char="•"/>
+            </a:pPr>
+            <a:r>
+              <a:rPr lang="en-US" dirty="0"/>
+              <a:t>W</a:t>
+            </a:r>
+            <a:r>
+              <a:rPr lang="en-US" dirty="0" smtClean="0"/>
+              <a:t>orking directory: </a:t>
+            </a:r>
+            <a:br>
+              <a:rPr lang="en-US" dirty="0" smtClean="0"/>
+            </a:br>
+            <a:r>
+              <a:rPr lang="en-US" dirty="0" smtClean="0"/>
+              <a:t>top-level directory of the repository, abbreviated as </a:t>
             </a:r>
             <a:r>
               <a:rPr lang="en-US" dirty="0" err="1" smtClean="0"/>
               <a:t>workdir</a:t>
             </a:r>
-            <a:r>
-              <a:rPr lang="en-US" dirty="0" smtClean="0"/>
-              <a:t> and copies all initial files to it</a:t>
-            </a:r>
-          </a:p>
-          <a:p>
-            <a:pPr>
-              <a:buFont typeface="Arial"/>
-              <a:buChar char="•"/>
-            </a:pPr>
-            <a:endParaRPr lang="en-US" dirty="0" smtClean="0"/>
-          </a:p>
-          <a:p>
-            <a:pPr>
-              <a:buFont typeface="Arial"/>
-              <a:buChar char="•"/>
-            </a:pPr>
-            <a:endParaRPr lang="en-US" dirty="0" smtClean="0"/>
-          </a:p>
-          <a:p>
-            <a:pPr>
-              <a:buFont typeface="Arial"/>
-              <a:buChar char="•"/>
-            </a:pPr>
-            <a:endParaRPr lang="en-US" dirty="0"/>
-          </a:p>
-          <a:p>
-            <a:pPr>
-              <a:buFont typeface="Arial"/>
-              <a:buChar char="•"/>
-            </a:pPr>
-            <a:endParaRPr lang="en-US" dirty="0" smtClean="0"/>
-          </a:p>
-          <a:p>
-            <a:pPr>
-              <a:buFont typeface="Arial"/>
-              <a:buChar char="•"/>
-            </a:pPr>
-            <a:endParaRPr lang="en-US" dirty="0" smtClean="0"/>
-          </a:p>
-          <a:p>
-            <a:pPr>
-              <a:buFont typeface="Arial"/>
-              <a:buChar char="•"/>
-            </a:pPr>
-            <a:r>
-              <a:rPr lang="en-US" dirty="0" smtClean="0"/>
-              <a:t>User makes changes and tells VCS about them (‘committing’)</a:t>
-            </a:r>
-          </a:p>
-          <a:p>
-            <a:pPr>
-              <a:buFont typeface="Arial"/>
-              <a:buChar char="•"/>
-            </a:pPr>
-            <a:endParaRPr lang="en-US" dirty="0" smtClean="0"/>
-          </a:p>
-          <a:p>
-            <a:pPr>
-              <a:buFont typeface="Arial"/>
-              <a:buChar char="•"/>
-            </a:pPr>
-            <a:r>
-              <a:rPr lang="en-US" dirty="0" smtClean="0"/>
-              <a:t>VCS copies changed files from </a:t>
-            </a:r>
-            <a:r>
-              <a:rPr lang="en-US" dirty="0" err="1" smtClean="0"/>
-              <a:t>workdir</a:t>
-            </a:r>
-            <a:r>
-              <a:rPr lang="en-US" dirty="0" smtClean="0"/>
-              <a:t> to  database (either as ‘</a:t>
-            </a:r>
-            <a:r>
-              <a:rPr lang="en-US" dirty="0" err="1" smtClean="0"/>
-              <a:t>diffs’/changeset</a:t>
-            </a:r>
-            <a:r>
-              <a:rPr lang="en-US" dirty="0" smtClean="0"/>
-              <a:t> or as complete files/snapshot ) and assigns a unique identifier/version number to them</a:t>
-            </a:r>
-          </a:p>
-          <a:p>
-            <a:pPr>
-              <a:buFont typeface="Arial"/>
-              <a:buChar char="•"/>
-            </a:pPr>
-            <a:endParaRPr lang="en-US" dirty="0" smtClean="0"/>
-          </a:p>
-          <a:p>
-            <a:pPr>
-              <a:buFont typeface="Arial"/>
-              <a:buChar char="•"/>
-            </a:pPr>
-            <a:r>
-              <a:rPr lang="en-US" dirty="0" smtClean="0"/>
-              <a:t>And so on..</a:t>
-            </a:r>
-          </a:p>
-          <a:p>
-            <a:endParaRPr lang="en-US" dirty="0" smtClean="0"/>
-          </a:p>
-          <a:p>
-            <a:endParaRPr lang="en-US" dirty="0" smtClean="0"/>
-          </a:p>
-          <a:p>
-            <a:pPr>
-              <a:buFont typeface="Arial"/>
-              <a:buChar char="•"/>
-            </a:pPr>
-            <a:endParaRPr lang="en-US" dirty="0" smtClean="0"/>
-          </a:p>
-          <a:p>
-            <a:pPr>
-              <a:buFont typeface="Arial"/>
-              <a:buChar char="•"/>
-            </a:pPr>
             <a:endParaRPr lang="en-US" dirty="0" smtClean="0"/>
           </a:p>
         </p:txBody>
@@ -3864,12 +3736,11 @@
   <p:clrMapOvr>
     <a:masterClrMapping/>
   </p:clrMapOvr>
-  <p:transition xmlns:p14="http://schemas.microsoft.com/office/powerpoint/2010/main"/>
 </p:sld>
 </file>
 
-<file path=ppt/slides/slide4.xml><?xml version="1.0" encoding="utf-8"?>
-<p:sld xmlns:a="http://schemas.openxmlformats.org/drawingml/2006/main" xmlns:r="http://schemas.openxmlformats.org/officeDocument/2006/relationships" xmlns:p="http://schemas.openxmlformats.org/presentationml/2006/main">
+<file path=ppt/slides/slide3.xml><?xml version="1.0" encoding="utf-8"?>
+<p:sld xmlns:a="http://schemas.openxmlformats.org/drawingml/2006/main" xmlns:r="http://schemas.openxmlformats.org/officeDocument/2006/relationships" xmlns:mc="http://schemas.openxmlformats.org/markup-compatibility/2006" xmlns:mv="urn:schemas-microsoft-com:mac:vml" xmlns:p="http://schemas.openxmlformats.org/presentationml/2006/main" mc:Ignorable="mv" mc:PreserveAttributes="mv:*">
   <p:cSld>
     <p:spTree>
       <p:nvGrpSpPr>
@@ -3887,14 +3758,14 @@
       </p:grpSpPr>
       <p:sp>
         <p:nvSpPr>
-          <p:cNvPr id="3" name="TextBox 2"/>
+          <p:cNvPr id="4" name="TextBox 3"/>
           <p:cNvSpPr txBox="1"/>
           <p:nvPr/>
         </p:nvSpPr>
         <p:spPr>
           <a:xfrm>
-            <a:off x="1340112" y="233588"/>
-            <a:ext cx="6250996" cy="369332"/>
+            <a:off x="1880248" y="233588"/>
+            <a:ext cx="6250996" cy="646331"/>
           </a:xfrm>
           <a:prstGeom prst="rect">
             <a:avLst/>
@@ -3912,118 +3783,21 @@
               <a:t>How do VCS work?  -  1. Tracking and logging modifications</a:t>
             </a:r>
           </a:p>
-        </p:txBody>
-      </p:sp>
-      <p:sp>
-        <p:nvSpPr>
-          <p:cNvPr id="6" name="Rectangle 5"/>
-          <p:cNvSpPr/>
+          <a:p>
+            <a:endParaRPr lang="en-US" dirty="0" smtClean="0"/>
+          </a:p>
+        </p:txBody>
+      </p:sp>
+      <p:sp>
+        <p:nvSpPr>
+          <p:cNvPr id="3" name="TextBox 2"/>
+          <p:cNvSpPr txBox="1"/>
           <p:nvPr/>
         </p:nvSpPr>
         <p:spPr>
           <a:xfrm>
-            <a:off x="350358" y="1767006"/>
-            <a:ext cx="8072851" cy="2308324"/>
-          </a:xfrm>
-          <a:prstGeom prst="rect">
-            <a:avLst/>
-          </a:prstGeom>
-        </p:spPr>
-        <p:txBody>
-          <a:bodyPr wrap="square">
-            <a:spAutoFit/>
-          </a:bodyPr>
-          <a:lstStyle/>
-          <a:p>
-            <a:pPr>
-              <a:buFont typeface="Arial"/>
-              <a:buChar char="•"/>
-            </a:pPr>
-            <a:r>
-              <a:rPr lang="en-US" dirty="0" smtClean="0"/>
-              <a:t>The VCS can now restore the repository to any of the </a:t>
-            </a:r>
-            <a:r>
-              <a:rPr lang="en-US" dirty="0" err="1" smtClean="0"/>
-              <a:t>commited</a:t>
-            </a:r>
-            <a:r>
-              <a:rPr lang="en-US" dirty="0" smtClean="0"/>
-              <a:t> versions</a:t>
-            </a:r>
-            <a:br>
-              <a:rPr lang="en-US" dirty="0" smtClean="0"/>
-            </a:br>
-            <a:r>
-              <a:rPr lang="en-US" dirty="0" smtClean="0"/>
-              <a:t>	(by copying the database entry belonging to the version number to the </a:t>
-            </a:r>
-            <a:r>
-              <a:rPr lang="en-US" dirty="0" err="1" smtClean="0"/>
-              <a:t>workdir</a:t>
-            </a:r>
-            <a:r>
-              <a:rPr lang="en-US" dirty="0" smtClean="0"/>
-              <a:t>) </a:t>
-            </a:r>
-          </a:p>
-          <a:p>
-            <a:pPr>
-              <a:buFont typeface="Arial"/>
-              <a:buChar char="•"/>
-            </a:pPr>
-            <a:endParaRPr lang="en-US" dirty="0" smtClean="0"/>
-          </a:p>
-          <a:p>
-            <a:pPr>
-              <a:buFont typeface="Arial"/>
-              <a:buChar char="•"/>
-            </a:pPr>
-            <a:endParaRPr lang="en-US" dirty="0" smtClean="0"/>
-          </a:p>
-          <a:p>
-            <a:pPr>
-              <a:buFont typeface="Arial"/>
-              <a:buChar char="•"/>
-            </a:pPr>
-            <a:endParaRPr lang="en-US" dirty="0" smtClean="0"/>
-          </a:p>
-          <a:p>
-            <a:pPr>
-              <a:buFont typeface="Arial"/>
-              <a:buChar char="•"/>
-            </a:pPr>
-            <a:endParaRPr lang="en-US" dirty="0" smtClean="0"/>
-          </a:p>
-          <a:p>
-            <a:pPr>
-              <a:buFont typeface="Arial"/>
-              <a:buChar char="•"/>
-            </a:pPr>
-            <a:r>
-              <a:rPr lang="en-US" dirty="0" smtClean="0"/>
-              <a:t>The VCS can also report differences between any two arbitrary version numbers</a:t>
-            </a:r>
-            <a:br>
-              <a:rPr lang="en-US" dirty="0" smtClean="0"/>
-            </a:br>
-            <a:r>
-              <a:rPr lang="en-US" dirty="0" smtClean="0"/>
-              <a:t>	(by running a ‘diff’ between the two corresponding database entries)</a:t>
-            </a:r>
-          </a:p>
-        </p:txBody>
-      </p:sp>
-      <p:sp>
-        <p:nvSpPr>
-          <p:cNvPr id="7" name="TextBox 6"/>
-          <p:cNvSpPr txBox="1"/>
-          <p:nvPr/>
-        </p:nvSpPr>
-        <p:spPr>
-          <a:xfrm>
-            <a:off x="350358" y="5927297"/>
-            <a:ext cx="8072851" cy="369332"/>
+            <a:off x="218974" y="1065746"/>
+            <a:ext cx="8685979" cy="4801315"/>
           </a:xfrm>
           <a:prstGeom prst="rect">
             <a:avLst/>
@@ -4036,11 +3810,175 @@
           </a:bodyPr>
           <a:lstStyle/>
           <a:p>
-            <a:r>
-              <a:rPr lang="en-US" dirty="0" smtClean="0"/>
-              <a:t>That’s everything for use case 1 (Tracking and logging modifications)….   Pretty simple  </a:t>
-            </a:r>
+            <a:pPr>
+              <a:buFont typeface="Arial"/>
+              <a:buChar char="•"/>
+            </a:pPr>
+            <a:r>
+              <a:rPr lang="en-US" dirty="0" smtClean="0"/>
+              <a:t>When ‘initializing’ a repository, the VCS creates a folder (the VCS database, often hidden) in the </a:t>
+            </a:r>
+            <a:r>
+              <a:rPr lang="en-US" dirty="0" err="1" smtClean="0"/>
+              <a:t>workdir</a:t>
+            </a:r>
+            <a:r>
+              <a:rPr lang="en-US" dirty="0" smtClean="0"/>
+              <a:t> and copies all initial files to it</a:t>
+            </a:r>
+          </a:p>
+          <a:p>
+            <a:pPr>
+              <a:buFont typeface="Arial"/>
+              <a:buChar char="•"/>
+            </a:pPr>
+            <a:endParaRPr lang="en-US" dirty="0" smtClean="0"/>
+          </a:p>
+          <a:p>
+            <a:pPr>
+              <a:buFont typeface="Arial"/>
+              <a:buChar char="•"/>
+            </a:pPr>
+            <a:endParaRPr lang="en-US" dirty="0" smtClean="0"/>
+          </a:p>
+          <a:p>
+            <a:pPr>
+              <a:buFont typeface="Arial"/>
+              <a:buChar char="•"/>
+            </a:pPr>
             <a:endParaRPr lang="en-US" dirty="0"/>
+          </a:p>
+          <a:p>
+            <a:pPr>
+              <a:buFont typeface="Arial"/>
+              <a:buChar char="•"/>
+            </a:pPr>
+            <a:endParaRPr lang="en-US" dirty="0" smtClean="0"/>
+          </a:p>
+          <a:p>
+            <a:pPr>
+              <a:buFont typeface="Arial"/>
+              <a:buChar char="•"/>
+            </a:pPr>
+            <a:endParaRPr lang="en-US" dirty="0" smtClean="0"/>
+          </a:p>
+          <a:p>
+            <a:pPr>
+              <a:buFont typeface="Arial"/>
+              <a:buChar char="•"/>
+            </a:pPr>
+            <a:r>
+              <a:rPr lang="en-US" dirty="0" smtClean="0"/>
+              <a:t>User makes changes and tells VCS about them (‘committing’)</a:t>
+            </a:r>
+          </a:p>
+          <a:p>
+            <a:pPr>
+              <a:buFont typeface="Arial"/>
+              <a:buChar char="•"/>
+            </a:pPr>
+            <a:endParaRPr lang="en-US" dirty="0" smtClean="0"/>
+          </a:p>
+          <a:p>
+            <a:pPr>
+              <a:buFont typeface="Arial"/>
+              <a:buChar char="•"/>
+            </a:pPr>
+            <a:r>
+              <a:rPr lang="en-US" dirty="0" smtClean="0"/>
+              <a:t>VCS </a:t>
+            </a:r>
+            <a:r>
+              <a:rPr lang="en-US" dirty="0" smtClean="0"/>
+              <a:t>copies* </a:t>
+            </a:r>
+            <a:r>
+              <a:rPr lang="en-US" dirty="0" smtClean="0"/>
+              <a:t>changed files from </a:t>
+            </a:r>
+            <a:r>
+              <a:rPr lang="en-US" dirty="0" err="1" smtClean="0"/>
+              <a:t>workdir</a:t>
+            </a:r>
+            <a:r>
+              <a:rPr lang="en-US" dirty="0" smtClean="0"/>
+              <a:t> to  database (either as ‘</a:t>
+            </a:r>
+            <a:r>
+              <a:rPr lang="en-US" dirty="0" err="1" smtClean="0"/>
+              <a:t>diffs’/changeset</a:t>
+            </a:r>
+            <a:r>
+              <a:rPr lang="en-US" dirty="0" smtClean="0"/>
+              <a:t> or as complete files/snapshot ) and assigns a unique identifier/version number to them</a:t>
+            </a:r>
+          </a:p>
+          <a:p>
+            <a:pPr>
+              <a:buFont typeface="Arial"/>
+              <a:buChar char="•"/>
+            </a:pPr>
+            <a:endParaRPr lang="en-US" dirty="0" smtClean="0"/>
+          </a:p>
+          <a:p>
+            <a:pPr>
+              <a:buFont typeface="Arial"/>
+              <a:buChar char="•"/>
+            </a:pPr>
+            <a:r>
+              <a:rPr lang="en-US" dirty="0" smtClean="0"/>
+              <a:t>And so on..</a:t>
+            </a:r>
+          </a:p>
+          <a:p>
+            <a:endParaRPr lang="en-US" dirty="0" smtClean="0"/>
+          </a:p>
+          <a:p>
+            <a:endParaRPr lang="en-US" dirty="0" smtClean="0"/>
+          </a:p>
+          <a:p>
+            <a:pPr>
+              <a:buFont typeface="Arial"/>
+              <a:buChar char="•"/>
+            </a:pPr>
+            <a:endParaRPr lang="en-US" dirty="0" smtClean="0"/>
+          </a:p>
+          <a:p>
+            <a:pPr>
+              <a:buFont typeface="Arial"/>
+              <a:buChar char="•"/>
+            </a:pPr>
+            <a:endParaRPr lang="en-US" dirty="0" smtClean="0"/>
+          </a:p>
+        </p:txBody>
+      </p:sp>
+      <p:sp>
+        <p:nvSpPr>
+          <p:cNvPr id="5" name="TextBox 4"/>
+          <p:cNvSpPr txBox="1"/>
+          <p:nvPr/>
+        </p:nvSpPr>
+        <p:spPr>
+          <a:xfrm>
+            <a:off x="218974" y="6359361"/>
+            <a:ext cx="8160441" cy="338554"/>
+          </a:xfrm>
+          <a:prstGeom prst="rect">
+            <a:avLst/>
+          </a:prstGeom>
+          <a:noFill/>
+        </p:spPr>
+        <p:txBody>
+          <a:bodyPr wrap="square" rtlCol="0">
+            <a:spAutoFit/>
+          </a:bodyPr>
+          <a:lstStyle/>
+          <a:p>
+            <a:r>
+              <a:rPr lang="en-US" sz="1600" i="1" dirty="0" smtClean="0"/>
+              <a:t>*a lot of optimization/compression is done to save disk space</a:t>
+            </a:r>
+            <a:endParaRPr lang="en-US" sz="1600" i="1" dirty="0"/>
           </a:p>
         </p:txBody>
       </p:sp>
@@ -4049,12 +3987,12 @@
   <p:clrMapOvr>
     <a:masterClrMapping/>
   </p:clrMapOvr>
-  <p:transition xmlns:p14="http://schemas.microsoft.com/office/powerpoint/2010/main"/>
+  <p:transition/>
 </p:sld>
 </file>
 
-<file path=ppt/slides/slide5.xml><?xml version="1.0" encoding="utf-8"?>
-<p:sld xmlns:a="http://schemas.openxmlformats.org/drawingml/2006/main" xmlns:r="http://schemas.openxmlformats.org/officeDocument/2006/relationships" xmlns:p="http://schemas.openxmlformats.org/presentationml/2006/main">
+<file path=ppt/slides/slide4.xml><?xml version="1.0" encoding="utf-8"?>
+<p:sld xmlns:a="http://schemas.openxmlformats.org/drawingml/2006/main" xmlns:r="http://schemas.openxmlformats.org/officeDocument/2006/relationships" xmlns:mc="http://schemas.openxmlformats.org/markup-compatibility/2006" xmlns:mv="urn:schemas-microsoft-com:mac:vml" xmlns:p="http://schemas.openxmlformats.org/presentationml/2006/main" mc:Ignorable="mv" mc:PreserveAttributes="mv:*">
   <p:cSld>
     <p:spTree>
       <p:nvGrpSpPr>
@@ -4078,8 +4016,8 @@
         </p:nvSpPr>
         <p:spPr>
           <a:xfrm>
-            <a:off x="1340112" y="0"/>
-            <a:ext cx="6250996" cy="646331"/>
+            <a:off x="1340112" y="233588"/>
+            <a:ext cx="6250996" cy="369332"/>
           </a:xfrm>
           <a:prstGeom prst="rect">
             <a:avLst/>
@@ -4094,24 +4032,121 @@
           <a:p>
             <a:r>
               <a:rPr lang="en-US" dirty="0" smtClean="0"/>
-              <a:t>How do VCS work?  -  2. Backup of a complete project history</a:t>
-            </a:r>
-          </a:p>
-          <a:p>
+              <a:t>How do VCS work?  -  1. Tracking and logging modifications</a:t>
+            </a:r>
+          </a:p>
+        </p:txBody>
+      </p:sp>
+      <p:sp>
+        <p:nvSpPr>
+          <p:cNvPr id="6" name="Rectangle 5"/>
+          <p:cNvSpPr/>
+          <p:nvPr/>
+        </p:nvSpPr>
+        <p:spPr>
+          <a:xfrm>
+            <a:off x="350358" y="1767006"/>
+            <a:ext cx="8072851" cy="2308324"/>
+          </a:xfrm>
+          <a:prstGeom prst="rect">
+            <a:avLst/>
+          </a:prstGeom>
+        </p:spPr>
+        <p:txBody>
+          <a:bodyPr wrap="square">
+            <a:spAutoFit/>
+          </a:bodyPr>
+          <a:lstStyle/>
+          <a:p>
+            <a:pPr>
+              <a:buFont typeface="Arial"/>
+              <a:buChar char="•"/>
+            </a:pPr>
+            <a:r>
+              <a:rPr lang="en-US" dirty="0" smtClean="0"/>
+              <a:t>The VCS can now restore the repository to any of the </a:t>
+            </a:r>
+            <a:r>
+              <a:rPr lang="en-US" dirty="0" err="1" smtClean="0"/>
+              <a:t>commited</a:t>
+            </a:r>
+            <a:r>
+              <a:rPr lang="en-US" dirty="0" smtClean="0"/>
+              <a:t> versions</a:t>
+            </a:r>
+            <a:br>
+              <a:rPr lang="en-US" dirty="0" smtClean="0"/>
+            </a:br>
+            <a:r>
+              <a:rPr lang="en-US" dirty="0" smtClean="0"/>
+              <a:t>	(by copying the database entry belonging to the version number to the </a:t>
+            </a:r>
+            <a:r>
+              <a:rPr lang="en-US" dirty="0" err="1" smtClean="0"/>
+              <a:t>workdir</a:t>
+            </a:r>
+            <a:r>
+              <a:rPr lang="en-US" dirty="0" smtClean="0"/>
+              <a:t>) </a:t>
+            </a:r>
+          </a:p>
+          <a:p>
+            <a:pPr>
+              <a:buFont typeface="Arial"/>
+              <a:buChar char="•"/>
+            </a:pPr>
             <a:endParaRPr lang="en-US" dirty="0" smtClean="0"/>
           </a:p>
-        </p:txBody>
-      </p:sp>
-      <p:sp>
-        <p:nvSpPr>
-          <p:cNvPr id="4" name="TextBox 3"/>
+          <a:p>
+            <a:pPr>
+              <a:buFont typeface="Arial"/>
+              <a:buChar char="•"/>
+            </a:pPr>
+            <a:endParaRPr lang="en-US" dirty="0" smtClean="0"/>
+          </a:p>
+          <a:p>
+            <a:pPr>
+              <a:buFont typeface="Arial"/>
+              <a:buChar char="•"/>
+            </a:pPr>
+            <a:endParaRPr lang="en-US" dirty="0" smtClean="0"/>
+          </a:p>
+          <a:p>
+            <a:pPr>
+              <a:buFont typeface="Arial"/>
+              <a:buChar char="•"/>
+            </a:pPr>
+            <a:endParaRPr lang="en-US" dirty="0" smtClean="0"/>
+          </a:p>
+          <a:p>
+            <a:pPr>
+              <a:buFont typeface="Arial"/>
+              <a:buChar char="•"/>
+            </a:pPr>
+            <a:r>
+              <a:rPr lang="en-US" dirty="0" smtClean="0"/>
+              <a:t>The VCS can also report differences between any two arbitrary version numbers</a:t>
+            </a:r>
+            <a:br>
+              <a:rPr lang="en-US" dirty="0" smtClean="0"/>
+            </a:br>
+            <a:r>
+              <a:rPr lang="en-US" dirty="0" smtClean="0"/>
+              <a:t>	(by running a ‘diff’ between the two corresponding database entries)</a:t>
+            </a:r>
+          </a:p>
+        </p:txBody>
+      </p:sp>
+      <p:sp>
+        <p:nvSpPr>
+          <p:cNvPr id="7" name="TextBox 6"/>
           <p:cNvSpPr txBox="1"/>
           <p:nvPr/>
         </p:nvSpPr>
         <p:spPr>
           <a:xfrm>
-            <a:off x="248170" y="646331"/>
-            <a:ext cx="8895829" cy="923330"/>
+            <a:off x="350358" y="5927297"/>
+            <a:ext cx="8072851" cy="369332"/>
           </a:xfrm>
           <a:prstGeom prst="rect">
             <a:avLst/>
@@ -4124,142 +4159,9 @@
           </a:bodyPr>
           <a:lstStyle/>
           <a:p>
-            <a:pPr>
-              <a:buFont typeface="Arial"/>
-              <a:buChar char="•"/>
-            </a:pPr>
-            <a:r>
-              <a:rPr lang="en-US" dirty="0" smtClean="0"/>
-              <a:t>Backup: usually means copying files to a different hard drive or server</a:t>
-            </a:r>
-          </a:p>
-          <a:p>
-            <a:pPr>
-              <a:buFont typeface="Arial"/>
-              <a:buChar char="•"/>
-            </a:pPr>
-            <a:endParaRPr lang="en-US" dirty="0" smtClean="0"/>
-          </a:p>
-          <a:p>
-            <a:pPr>
-              <a:buFont typeface="Arial"/>
-              <a:buChar char="•"/>
-            </a:pPr>
-            <a:r>
-              <a:rPr lang="en-US" dirty="0" smtClean="0"/>
-              <a:t>Backup using VCS: the complete </a:t>
-            </a:r>
-            <a:r>
-              <a:rPr lang="en-US" dirty="0" err="1" smtClean="0"/>
-              <a:t>workdir</a:t>
-            </a:r>
-            <a:r>
-              <a:rPr lang="en-US" dirty="0" smtClean="0"/>
-              <a:t> (current files + VCS database) is copied to a server</a:t>
-            </a:r>
-            <a:endParaRPr lang="en-US" dirty="0"/>
-          </a:p>
-        </p:txBody>
-      </p:sp>
-      <p:sp>
-        <p:nvSpPr>
-          <p:cNvPr id="6" name="TextBox 5"/>
-          <p:cNvSpPr txBox="1"/>
-          <p:nvPr/>
-        </p:nvSpPr>
-        <p:spPr>
-          <a:xfrm>
-            <a:off x="248170" y="3868803"/>
-            <a:ext cx="8612988" cy="1754327"/>
-          </a:xfrm>
-          <a:prstGeom prst="rect">
-            <a:avLst/>
-          </a:prstGeom>
-          <a:noFill/>
-        </p:spPr>
-        <p:txBody>
-          <a:bodyPr wrap="square" rtlCol="0">
-            <a:spAutoFit/>
-          </a:bodyPr>
-          <a:lstStyle/>
-          <a:p>
-            <a:r>
-              <a:rPr lang="en-US" dirty="0" smtClean="0"/>
-              <a:t>Slight complication: commits to </a:t>
-            </a:r>
-            <a:r>
-              <a:rPr lang="en-US" dirty="0" err="1" smtClean="0"/>
-              <a:t>workdir</a:t>
-            </a:r>
-            <a:r>
-              <a:rPr lang="en-US" dirty="0" smtClean="0"/>
-              <a:t> and backup to server are not necessarily synced</a:t>
-            </a:r>
-          </a:p>
-          <a:p>
-            <a:endParaRPr lang="en-US" dirty="0" smtClean="0"/>
-          </a:p>
-          <a:p>
-            <a:r>
-              <a:rPr lang="en-US" dirty="0" smtClean="0"/>
-              <a:t>-&gt; Every time a backup is made:</a:t>
-            </a:r>
-          </a:p>
-          <a:p>
-            <a:pPr marL="342900" indent="342900">
-              <a:buFont typeface="+mj-lt"/>
-              <a:buAutoNum type="arabicPeriod"/>
-            </a:pPr>
-            <a:r>
-              <a:rPr lang="en-US" dirty="0" smtClean="0"/>
-              <a:t>The VCS determines which version numbers exist in the </a:t>
-            </a:r>
-            <a:r>
-              <a:rPr lang="en-US" dirty="0" err="1" smtClean="0"/>
-              <a:t>workdir</a:t>
-            </a:r>
-            <a:r>
-              <a:rPr lang="en-US" dirty="0" smtClean="0"/>
-              <a:t> but not on the server</a:t>
-            </a:r>
-          </a:p>
-          <a:p>
-            <a:pPr marL="342900" indent="342900">
-              <a:buFont typeface="+mj-lt"/>
-              <a:buAutoNum type="arabicPeriod"/>
-            </a:pPr>
-            <a:r>
-              <a:rPr lang="en-US" dirty="0" smtClean="0"/>
-              <a:t>Only the database entries belonging to these are copied to the server		</a:t>
-            </a:r>
-            <a:endParaRPr lang="en-US" dirty="0"/>
-          </a:p>
-        </p:txBody>
-      </p:sp>
-      <p:sp>
-        <p:nvSpPr>
-          <p:cNvPr id="7" name="Rectangle 6"/>
-          <p:cNvSpPr/>
-          <p:nvPr/>
-        </p:nvSpPr>
-        <p:spPr>
-          <a:xfrm>
-            <a:off x="493410" y="5888503"/>
-            <a:ext cx="8046585" cy="369332"/>
-          </a:xfrm>
-          <a:prstGeom prst="rect">
-            <a:avLst/>
-          </a:prstGeom>
-        </p:spPr>
-        <p:txBody>
-          <a:bodyPr wrap="square">
-            <a:spAutoFit/>
-          </a:bodyPr>
-          <a:lstStyle/>
-          <a:p>
-            <a:r>
-              <a:rPr lang="en-US" dirty="0" smtClean="0"/>
-              <a:t>That’s everything for use case 2 (Backing up)….   Pretty simple  </a:t>
+            <a:r>
+              <a:rPr lang="en-US" dirty="0" smtClean="0"/>
+              <a:t>That’s everything for use case 1 (Tracking and logging modifications)….   Pretty simple  </a:t>
             </a:r>
             <a:endParaRPr lang="en-US" dirty="0"/>
           </a:p>
@@ -4270,12 +4172,12 @@
   <p:clrMapOvr>
     <a:masterClrMapping/>
   </p:clrMapOvr>
-  <p:transition xmlns:p14="http://schemas.microsoft.com/office/powerpoint/2010/main"/>
+  <p:transition/>
 </p:sld>
 </file>
 
-<file path=ppt/slides/slide6.xml><?xml version="1.0" encoding="utf-8"?>
-<p:sld xmlns:a="http://schemas.openxmlformats.org/drawingml/2006/main" xmlns:r="http://schemas.openxmlformats.org/officeDocument/2006/relationships" xmlns:p="http://schemas.openxmlformats.org/presentationml/2006/main">
+<file path=ppt/slides/slide5.xml><?xml version="1.0" encoding="utf-8"?>
+<p:sld xmlns:a="http://schemas.openxmlformats.org/drawingml/2006/main" xmlns:r="http://schemas.openxmlformats.org/officeDocument/2006/relationships" xmlns:mc="http://schemas.openxmlformats.org/markup-compatibility/2006" xmlns:mv="urn:schemas-microsoft-com:mac:vml" xmlns:p="http://schemas.openxmlformats.org/presentationml/2006/main" mc:Ignorable="mv" mc:PreserveAttributes="mv:*">
   <p:cSld>
     <p:spTree>
       <p:nvGrpSpPr>
@@ -4299,8 +4201,8 @@
         </p:nvSpPr>
         <p:spPr>
           <a:xfrm>
-            <a:off x="715315" y="0"/>
-            <a:ext cx="8087449" cy="646331"/>
+            <a:off x="1340112" y="0"/>
+            <a:ext cx="6250996" cy="646331"/>
           </a:xfrm>
           <a:prstGeom prst="rect">
             <a:avLst/>
@@ -4315,32 +4217,24 @@
           <a:p>
             <a:r>
               <a:rPr lang="en-US" dirty="0" smtClean="0"/>
-              <a:t>How do VCS work?  -  3. Collaboration of 2-∞ people on the same project</a:t>
-            </a:r>
-          </a:p>
-          <a:p>
-            <a:pPr algn="ctr"/>
-            <a:r>
-              <a:rPr lang="en-US" sz="1400" dirty="0" smtClean="0"/>
-              <a:t>(and things get complicated…)</a:t>
-            </a:r>
-            <a:r>
-              <a:rPr lang="en-US" dirty="0" smtClean="0"/>
-              <a:t> </a:t>
-            </a:r>
-          </a:p>
-        </p:txBody>
-      </p:sp>
-      <p:sp>
-        <p:nvSpPr>
-          <p:cNvPr id="5" name="TextBox 4"/>
+              <a:t>How do VCS work?  -  2. Backup of a complete project history</a:t>
+            </a:r>
+          </a:p>
+          <a:p>
+            <a:endParaRPr lang="en-US" dirty="0" smtClean="0"/>
+          </a:p>
+        </p:txBody>
+      </p:sp>
+      <p:sp>
+        <p:nvSpPr>
+          <p:cNvPr id="4" name="TextBox 3"/>
           <p:cNvSpPr txBox="1"/>
           <p:nvPr/>
         </p:nvSpPr>
         <p:spPr>
           <a:xfrm>
-            <a:off x="335761" y="1328532"/>
-            <a:ext cx="8808239" cy="1754327"/>
+            <a:off x="248170" y="646331"/>
+            <a:ext cx="8895829" cy="923330"/>
           </a:xfrm>
           <a:prstGeom prst="rect">
             <a:avLst/>
@@ -4359,7 +4253,7 @@
             </a:pPr>
             <a:r>
               <a:rPr lang="en-US" dirty="0" smtClean="0"/>
-              <a:t>The basic problem: no more linear project history</a:t>
+              <a:t>Backup: usually means copying files to a different hard drive or server</a:t>
             </a:r>
           </a:p>
           <a:p>
@@ -4376,38 +4270,7 @@
             </a:pPr>
             <a:r>
               <a:rPr lang="en-US" dirty="0" smtClean="0"/>
-              <a:t>Let’s assume: 2 developers (Alice and Bob) work on a project backed up on the same server</a:t>
-            </a:r>
-          </a:p>
-          <a:p>
-            <a:pPr>
-              <a:buFont typeface="Arial"/>
-              <a:buChar char="•"/>
-            </a:pPr>
-            <a:endParaRPr lang="en-US" dirty="0" smtClean="0"/>
-          </a:p>
-          <a:p>
-            <a:pPr>
-              <a:buFont typeface="Arial"/>
-              <a:buChar char="•"/>
-            </a:pPr>
-            <a:r>
-              <a:rPr lang="en-US" dirty="0" smtClean="0"/>
-              <a:t>Both A+B make commits to the project on their local machine</a:t>
-            </a:r>
-          </a:p>
-          <a:p>
-            <a:r>
-              <a:rPr lang="en-US" dirty="0" smtClean="0"/>
-              <a:t>(but eventually all </a:t>
-            </a:r>
-            <a:r>
-              <a:rPr lang="en-US" dirty="0" err="1" smtClean="0"/>
-              <a:t>changesets</a:t>
-            </a:r>
-            <a:r>
-              <a:rPr lang="en-US" dirty="0" smtClean="0"/>
-              <a:t> should be combined in the same </a:t>
+              <a:t>Backup using VCS: the complete </a:t>
             </a:r>
             <a:r>
               <a:rPr lang="en-US" dirty="0" err="1" smtClean="0"/>
@@ -4415,7 +4278,7 @@
             </a:r>
             <a:r>
               <a:rPr lang="en-US" dirty="0" smtClean="0"/>
-              <a:t>)</a:t>
+              <a:t> (current files + VCS database) is copied to a server</a:t>
             </a:r>
             <a:endParaRPr lang="en-US" dirty="0"/>
           </a:p>
@@ -4423,14 +4286,14 @@
       </p:sp>
       <p:sp>
         <p:nvSpPr>
-          <p:cNvPr id="4" name="TextBox 3"/>
+          <p:cNvPr id="6" name="TextBox 5"/>
           <p:cNvSpPr txBox="1"/>
           <p:nvPr/>
         </p:nvSpPr>
         <p:spPr>
           <a:xfrm>
-            <a:off x="335761" y="5314129"/>
-            <a:ext cx="8014457" cy="923330"/>
+            <a:off x="248170" y="3868803"/>
+            <a:ext cx="8612988" cy="1754327"/>
           </a:xfrm>
           <a:prstGeom prst="rect">
             <a:avLst/>
@@ -4443,13 +4306,91 @@
           </a:bodyPr>
           <a:lstStyle/>
           <a:p>
+            <a:r>
+              <a:rPr lang="en-US" dirty="0" smtClean="0"/>
+              <a:t>Slight complication: commits to </a:t>
+            </a:r>
+            <a:r>
+              <a:rPr lang="en-US" dirty="0" err="1" smtClean="0"/>
+              <a:t>workdir</a:t>
+            </a:r>
+            <a:r>
+              <a:rPr lang="en-US" dirty="0" smtClean="0"/>
+              <a:t> and backup to server are not necessarily synced</a:t>
+            </a:r>
+          </a:p>
+          <a:p>
+            <a:endParaRPr lang="en-US" dirty="0" smtClean="0"/>
+          </a:p>
+          <a:p>
+            <a:r>
+              <a:rPr lang="en-US" dirty="0" smtClean="0"/>
+              <a:t>-&gt; Every time a backup is made:</a:t>
+            </a:r>
+          </a:p>
+          <a:p>
+            <a:pPr marL="342900" indent="342900">
+              <a:buFont typeface="+mj-lt"/>
+              <a:buAutoNum type="arabicPeriod"/>
+            </a:pPr>
+            <a:r>
+              <a:rPr lang="en-US" dirty="0" smtClean="0"/>
+              <a:t>The VCS determines which version numbers exist in the </a:t>
+            </a:r>
+            <a:r>
+              <a:rPr lang="en-US" dirty="0" err="1" smtClean="0"/>
+              <a:t>workdir</a:t>
+            </a:r>
+            <a:r>
+              <a:rPr lang="en-US" dirty="0" smtClean="0"/>
+              <a:t> but not on the server</a:t>
+            </a:r>
+          </a:p>
+          <a:p>
+            <a:pPr marL="342900" indent="342900">
+              <a:buFont typeface="+mj-lt"/>
+              <a:buAutoNum type="arabicPeriod"/>
+            </a:pPr>
+            <a:r>
+              <a:rPr lang="en-US" dirty="0" smtClean="0"/>
+              <a:t>Only the database entries belonging to these are copied to the server		</a:t>
+            </a:r>
+            <a:endParaRPr lang="en-US" dirty="0"/>
+          </a:p>
+        </p:txBody>
+      </p:sp>
+      <p:sp>
+        <p:nvSpPr>
+          <p:cNvPr id="7" name="Rectangle 6"/>
+          <p:cNvSpPr/>
+          <p:nvPr/>
+        </p:nvSpPr>
+        <p:spPr>
+          <a:xfrm>
+            <a:off x="248170" y="5888503"/>
+            <a:ext cx="8046585" cy="646331"/>
+          </a:xfrm>
+          <a:prstGeom prst="rect">
+            <a:avLst/>
+          </a:prstGeom>
+        </p:spPr>
+        <p:txBody>
+          <a:bodyPr wrap="square">
+            <a:spAutoFit/>
+          </a:bodyPr>
+          <a:lstStyle/>
+          <a:p>
             <a:pPr>
               <a:buFont typeface="Arial"/>
               <a:buChar char="•"/>
             </a:pPr>
             <a:r>
               <a:rPr lang="en-US" dirty="0" smtClean="0"/>
-              <a:t>The commit history is ‘diverged’ or ‘branched’</a:t>
+              <a:t>That’s everything for use case 2 (Backing up)….   Pretty </a:t>
+            </a:r>
+            <a:r>
+              <a:rPr lang="en-US" dirty="0" smtClean="0"/>
+              <a:t>simple</a:t>
             </a:r>
           </a:p>
           <a:p>
@@ -4457,37 +4398,29 @@
               <a:buFont typeface="Arial"/>
               <a:buChar char="•"/>
             </a:pPr>
-            <a:endParaRPr lang="en-US" dirty="0" smtClean="0"/>
-          </a:p>
-          <a:p>
-            <a:pPr>
-              <a:buFont typeface="Arial"/>
-              <a:buChar char="•"/>
-            </a:pPr>
-            <a:r>
-              <a:rPr lang="en-US" dirty="0" smtClean="0"/>
-              <a:t>To manage this, a VCS can perform two operations: ‘branching’ and ‘merging’  </a:t>
+            <a:r>
+              <a:rPr lang="en-US" dirty="0" smtClean="0"/>
+              <a:t>Note that often the server copy is called the ‘master’</a:t>
+            </a:r>
+            <a:r>
+              <a:rPr lang="en-US" dirty="0" smtClean="0"/>
+              <a:t>  </a:t>
             </a:r>
             <a:endParaRPr lang="en-US" dirty="0"/>
           </a:p>
         </p:txBody>
       </p:sp>
     </p:spTree>
-    <p:extLst>
-      <p:ext uri="{BB962C8B-B14F-4D97-AF65-F5344CB8AC3E}">
-        <p14:creationId xmlns:p14="http://schemas.microsoft.com/office/powerpoint/2010/main" val="653782836"/>
-      </p:ext>
-    </p:extLst>
   </p:cSld>
   <p:clrMapOvr>
     <a:masterClrMapping/>
   </p:clrMapOvr>
-  <p:transition xmlns:p14="http://schemas.microsoft.com/office/powerpoint/2010/main"/>
+  <p:transition/>
 </p:sld>
 </file>
 
-<file path=ppt/slides/slide7.xml><?xml version="1.0" encoding="utf-8"?>
-<p:sld xmlns:a="http://schemas.openxmlformats.org/drawingml/2006/main" xmlns:r="http://schemas.openxmlformats.org/officeDocument/2006/relationships" xmlns:p="http://schemas.openxmlformats.org/presentationml/2006/main">
+<file path=ppt/slides/slide6.xml><?xml version="1.0" encoding="utf-8"?>
+<p:sld xmlns:a="http://schemas.openxmlformats.org/drawingml/2006/main" xmlns:r="http://schemas.openxmlformats.org/officeDocument/2006/relationships" xmlns:mc="http://schemas.openxmlformats.org/markup-compatibility/2006" xmlns:mv="urn:schemas-microsoft-com:mac:vml" xmlns:p="http://schemas.openxmlformats.org/presentationml/2006/main" mc:Ignorable="mv" mc:PreserveAttributes="mv:*">
   <p:cSld>
     <p:spTree>
       <p:nvGrpSpPr>
@@ -4505,14 +4438,14 @@
       </p:grpSpPr>
       <p:sp>
         <p:nvSpPr>
-          <p:cNvPr id="4" name="TextBox 3"/>
+          <p:cNvPr id="3" name="TextBox 2"/>
           <p:cNvSpPr txBox="1"/>
           <p:nvPr/>
         </p:nvSpPr>
         <p:spPr>
           <a:xfrm>
-            <a:off x="581000" y="932188"/>
-            <a:ext cx="8221764" cy="2031325"/>
+            <a:off x="715315" y="0"/>
+            <a:ext cx="8087449" cy="646331"/>
           </a:xfrm>
           <a:prstGeom prst="rect">
             <a:avLst/>
@@ -4525,74 +4458,34 @@
           </a:bodyPr>
           <a:lstStyle/>
           <a:p>
-            <a:pPr>
-              <a:buFont typeface="Arial"/>
-              <a:buChar char="•"/>
-            </a:pPr>
-            <a:r>
-              <a:rPr lang="en-US" dirty="0" smtClean="0"/>
-              <a:t>A ‘branch’ is a </a:t>
-            </a:r>
-            <a:r>
-              <a:rPr lang="en-US" dirty="0" err="1" smtClean="0"/>
-              <a:t>wdsflk</a:t>
-            </a:r>
-            <a:endParaRPr lang="en-US" dirty="0" smtClean="0"/>
-          </a:p>
-          <a:p>
-            <a:pPr>
-              <a:buFont typeface="Arial"/>
-              <a:buChar char="•"/>
-            </a:pPr>
-            <a:endParaRPr lang="en-US" dirty="0" smtClean="0"/>
-          </a:p>
-          <a:p>
-            <a:pPr>
-              <a:buFont typeface="Arial"/>
-              <a:buChar char="•"/>
-            </a:pPr>
-            <a:r>
-              <a:rPr lang="en-US" dirty="0" smtClean="0"/>
-              <a:t>An arbitrary number of branches can exist (and also backed up to the server), e.g. Alice’s and Bob’s changes </a:t>
-            </a:r>
-          </a:p>
-          <a:p>
-            <a:pPr>
-              <a:buFont typeface="Arial"/>
-              <a:buChar char="•"/>
-            </a:pPr>
-            <a:endParaRPr lang="en-US" dirty="0" smtClean="0"/>
-          </a:p>
-          <a:p>
-            <a:pPr>
-              <a:buFont typeface="Arial"/>
-              <a:buChar char="•"/>
-            </a:pPr>
-            <a:r>
-              <a:rPr lang="en-US" dirty="0" smtClean="0"/>
-              <a:t>The VCS can set the files in the </a:t>
-            </a:r>
-            <a:r>
-              <a:rPr lang="en-US" dirty="0" err="1" smtClean="0"/>
-              <a:t>workdir</a:t>
-            </a:r>
-            <a:r>
-              <a:rPr lang="en-US" dirty="0" smtClean="0"/>
-              <a:t> to any of the branch commits (e.g. Bob can see Alice’s work without changing his own)</a:t>
-            </a:r>
-          </a:p>
-        </p:txBody>
-      </p:sp>
-      <p:sp>
-        <p:nvSpPr>
-          <p:cNvPr id="3" name="TextBox 2"/>
+            <a:r>
+              <a:rPr lang="en-US" dirty="0" smtClean="0"/>
+              <a:t>How do VCS work?  -  3. Collaboration of 2-∞ people on the same project</a:t>
+            </a:r>
+          </a:p>
+          <a:p>
+            <a:pPr algn="ctr"/>
+            <a:r>
+              <a:rPr lang="en-US" sz="1400" dirty="0" smtClean="0"/>
+              <a:t>(and things get complicated…)</a:t>
+            </a:r>
+            <a:r>
+              <a:rPr lang="en-US" dirty="0" smtClean="0"/>
+              <a:t> </a:t>
+            </a:r>
+          </a:p>
+        </p:txBody>
+      </p:sp>
+      <p:sp>
+        <p:nvSpPr>
+          <p:cNvPr id="6" name="TextBox 5"/>
           <p:cNvSpPr txBox="1"/>
           <p:nvPr/>
         </p:nvSpPr>
         <p:spPr>
           <a:xfrm>
-            <a:off x="715315" y="0"/>
-            <a:ext cx="8087449" cy="369332"/>
+            <a:off x="423350" y="1251959"/>
+            <a:ext cx="7766287" cy="923330"/>
           </a:xfrm>
           <a:prstGeom prst="rect">
             <a:avLst/>
@@ -4607,27 +4500,129 @@
           <a:p>
             <a:r>
               <a:rPr lang="en-US" dirty="0" smtClean="0"/>
-              <a:t>How do VCS work?  -  3. Collaboration of 2-∞ people on the same project</a:t>
-            </a:r>
+              <a:t>Definition of collaboration in this context:</a:t>
+            </a:r>
+          </a:p>
+          <a:p>
+            <a:r>
+              <a:rPr lang="en-US" dirty="0" smtClean="0"/>
+              <a:t>	-&gt; several users simultaneously modify the repository (changing/adding/	</a:t>
+            </a:r>
+            <a:r>
+              <a:rPr lang="en-US" dirty="0" smtClean="0"/>
+              <a:t>	</a:t>
+            </a:r>
+            <a:r>
+              <a:rPr lang="en-US" dirty="0" smtClean="0"/>
+              <a:t>deleting files)</a:t>
+            </a:r>
+            <a:endParaRPr lang="en-US" dirty="0"/>
+          </a:p>
+        </p:txBody>
+      </p:sp>
+      <p:sp>
+        <p:nvSpPr>
+          <p:cNvPr id="7" name="TextBox 6"/>
+          <p:cNvSpPr txBox="1"/>
+          <p:nvPr/>
+        </p:nvSpPr>
+        <p:spPr>
+          <a:xfrm>
+            <a:off x="423350" y="2700862"/>
+            <a:ext cx="8175039" cy="1754327"/>
+          </a:xfrm>
+          <a:prstGeom prst="rect">
+            <a:avLst/>
+          </a:prstGeom>
+          <a:noFill/>
+        </p:spPr>
+        <p:txBody>
+          <a:bodyPr wrap="square" rtlCol="0">
+            <a:spAutoFit/>
+          </a:bodyPr>
+          <a:lstStyle/>
+          <a:p>
+            <a:r>
+              <a:rPr lang="en-US" dirty="0" smtClean="0"/>
+              <a:t>This necessitates two things:</a:t>
+            </a:r>
+          </a:p>
+          <a:p>
+            <a:pPr marL="342900" indent="-342900">
+              <a:buFont typeface="+mj-lt"/>
+              <a:buAutoNum type="arabicPeriod"/>
+            </a:pPr>
+            <a:r>
+              <a:rPr lang="en-US" dirty="0" smtClean="0"/>
+              <a:t>Users can work on an isolated version of the repository without interfering with others (or changing the master repository)</a:t>
+            </a:r>
+          </a:p>
+          <a:p>
+            <a:pPr marL="342900" indent="-342900">
+              <a:buFont typeface="+mj-lt"/>
+              <a:buAutoNum type="arabicPeriod"/>
+            </a:pPr>
+            <a:endParaRPr lang="en-US" dirty="0" smtClean="0"/>
+          </a:p>
+          <a:p>
+            <a:pPr marL="342900" indent="-342900">
+              <a:buFont typeface="+mj-lt"/>
+              <a:buAutoNum type="arabicPeriod"/>
+            </a:pPr>
+            <a:r>
+              <a:rPr lang="en-US" dirty="0" smtClean="0"/>
+              <a:t>When the time has come, users can easily combine the different changes they made into the master repository</a:t>
+            </a:r>
+            <a:endParaRPr lang="en-US" dirty="0"/>
+          </a:p>
+        </p:txBody>
+      </p:sp>
+      <p:sp>
+        <p:nvSpPr>
+          <p:cNvPr id="8" name="TextBox 7"/>
+          <p:cNvSpPr txBox="1"/>
+          <p:nvPr/>
+        </p:nvSpPr>
+        <p:spPr>
+          <a:xfrm>
+            <a:off x="218974" y="5357927"/>
+            <a:ext cx="8379415" cy="369332"/>
+          </a:xfrm>
+          <a:prstGeom prst="rect">
+            <a:avLst/>
+          </a:prstGeom>
+          <a:noFill/>
+        </p:spPr>
+        <p:txBody>
+          <a:bodyPr wrap="square" rtlCol="0">
+            <a:spAutoFit/>
+          </a:bodyPr>
+          <a:lstStyle/>
+          <a:p>
+            <a:r>
+              <a:rPr lang="en-US" dirty="0" smtClean="0"/>
+              <a:t>To allow for this, VCS support operations called ‘branching’ (1) and ‘merging’ (2)</a:t>
+            </a:r>
+            <a:endParaRPr lang="en-US" dirty="0"/>
           </a:p>
         </p:txBody>
       </p:sp>
     </p:spTree>
     <p:extLst>
       <p:ext uri="{BB962C8B-B14F-4D97-AF65-F5344CB8AC3E}">
-        <p14:creationId xmlns:p14="http://schemas.microsoft.com/office/powerpoint/2010/main" val="502525717"/>
+        <p14:creationId xmlns:p14="http://schemas.microsoft.com/office/powerpoint/2010/main" xmlns:p="http://schemas.openxmlformats.org/presentationml/2006/main" xmlns:r="http://schemas.openxmlformats.org/officeDocument/2006/relationships" xmlns:a="http://schemas.openxmlformats.org/drawingml/2006/main" xmlns="" val="653782836"/>
       </p:ext>
     </p:extLst>
   </p:cSld>
   <p:clrMapOvr>
     <a:masterClrMapping/>
   </p:clrMapOvr>
-  <p:transition xmlns:p14="http://schemas.microsoft.com/office/powerpoint/2010/main"/>
+  <p:transition/>
 </p:sld>
 </file>
 
-<file path=ppt/slides/slide8.xml><?xml version="1.0" encoding="utf-8"?>
-<p:sld xmlns:a="http://schemas.openxmlformats.org/drawingml/2006/main" xmlns:r="http://schemas.openxmlformats.org/officeDocument/2006/relationships" xmlns:p="http://schemas.openxmlformats.org/presentationml/2006/main">
+<file path=ppt/slides/slide7.xml><?xml version="1.0" encoding="utf-8"?>
+<p:sld xmlns:a="http://schemas.openxmlformats.org/drawingml/2006/main" xmlns:r="http://schemas.openxmlformats.org/officeDocument/2006/relationships" xmlns:mc="http://schemas.openxmlformats.org/markup-compatibility/2006" xmlns:mv="urn:schemas-microsoft-com:mac:vml" xmlns:p="http://schemas.openxmlformats.org/presentationml/2006/main" mc:Ignorable="mv" mc:PreserveAttributes="mv:*">
   <p:cSld>
     <p:spTree>
       <p:nvGrpSpPr>
@@ -4645,14 +4640,14 @@
       </p:grpSpPr>
       <p:sp>
         <p:nvSpPr>
-          <p:cNvPr id="4" name="TextBox 3"/>
+          <p:cNvPr id="3" name="TextBox 2"/>
           <p:cNvSpPr txBox="1"/>
           <p:nvPr/>
         </p:nvSpPr>
         <p:spPr>
           <a:xfrm>
-            <a:off x="581000" y="932188"/>
-            <a:ext cx="5593818" cy="369332"/>
+            <a:off x="715315" y="0"/>
+            <a:ext cx="8087449" cy="646331"/>
           </a:xfrm>
           <a:prstGeom prst="rect">
             <a:avLst/>
@@ -4667,21 +4662,32 @@
           <a:p>
             <a:r>
               <a:rPr lang="en-US" dirty="0" smtClean="0"/>
-              <a:t>Branching 2</a:t>
-            </a:r>
-          </a:p>
-        </p:txBody>
-      </p:sp>
-      <p:sp>
-        <p:nvSpPr>
-          <p:cNvPr id="3" name="TextBox 2"/>
+              <a:t>How do VCS work?  -  3. Collaboration of 2-∞ people on the same project</a:t>
+            </a:r>
+          </a:p>
+          <a:p>
+            <a:pPr algn="ctr"/>
+            <a:r>
+              <a:rPr lang="en-US" sz="1400" dirty="0" smtClean="0"/>
+              <a:t>(and things get complicated…)</a:t>
+            </a:r>
+            <a:r>
+              <a:rPr lang="en-US" dirty="0" smtClean="0"/>
+              <a:t> </a:t>
+            </a:r>
+          </a:p>
+        </p:txBody>
+      </p:sp>
+      <p:sp>
+        <p:nvSpPr>
+          <p:cNvPr id="5" name="TextBox 4"/>
           <p:cNvSpPr txBox="1"/>
           <p:nvPr/>
         </p:nvSpPr>
         <p:spPr>
           <a:xfrm>
-            <a:off x="715315" y="0"/>
-            <a:ext cx="8087449" cy="369332"/>
+            <a:off x="335761" y="1328532"/>
+            <a:ext cx="8808239" cy="1754327"/>
           </a:xfrm>
           <a:prstGeom prst="rect">
             <a:avLst/>
@@ -4694,9 +4700,107 @@
           </a:bodyPr>
           <a:lstStyle/>
           <a:p>
-            <a:r>
-              <a:rPr lang="en-US" dirty="0" smtClean="0"/>
-              <a:t>How do VCS work?  -  3. Collaboration of 2-∞ people on the same project</a:t>
+            <a:pPr>
+              <a:buFont typeface="Arial"/>
+              <a:buChar char="•"/>
+            </a:pPr>
+            <a:r>
+              <a:rPr lang="en-US" dirty="0" smtClean="0"/>
+              <a:t>The basic problem: no more linear project history</a:t>
+            </a:r>
+          </a:p>
+          <a:p>
+            <a:pPr>
+              <a:buFont typeface="Arial"/>
+              <a:buChar char="•"/>
+            </a:pPr>
+            <a:endParaRPr lang="en-US" dirty="0" smtClean="0"/>
+          </a:p>
+          <a:p>
+            <a:pPr>
+              <a:buFont typeface="Arial"/>
+              <a:buChar char="•"/>
+            </a:pPr>
+            <a:r>
+              <a:rPr lang="en-US" dirty="0" smtClean="0"/>
+              <a:t>Let’s assume: 2 developers (Alice and Bob) work on a project backed up on the same server</a:t>
+            </a:r>
+          </a:p>
+          <a:p>
+            <a:pPr>
+              <a:buFont typeface="Arial"/>
+              <a:buChar char="•"/>
+            </a:pPr>
+            <a:endParaRPr lang="en-US" dirty="0" smtClean="0"/>
+          </a:p>
+          <a:p>
+            <a:pPr>
+              <a:buFont typeface="Arial"/>
+              <a:buChar char="•"/>
+            </a:pPr>
+            <a:r>
+              <a:rPr lang="en-US" dirty="0" smtClean="0"/>
+              <a:t>Both A+B make commits to the project on their local machine</a:t>
+            </a:r>
+          </a:p>
+          <a:p>
+            <a:r>
+              <a:rPr lang="en-US" dirty="0" smtClean="0"/>
+              <a:t>(but eventually all </a:t>
+            </a:r>
+            <a:r>
+              <a:rPr lang="en-US" dirty="0" err="1" smtClean="0"/>
+              <a:t>changesets</a:t>
+            </a:r>
+            <a:r>
+              <a:rPr lang="en-US" dirty="0" smtClean="0"/>
+              <a:t> should be combined in the same </a:t>
+            </a:r>
+            <a:r>
+              <a:rPr lang="en-US" dirty="0" err="1" smtClean="0"/>
+              <a:t>workdir</a:t>
+            </a:r>
+            <a:r>
+              <a:rPr lang="en-US" dirty="0" smtClean="0"/>
+              <a:t>)</a:t>
+            </a:r>
+            <a:endParaRPr lang="en-US" dirty="0"/>
+          </a:p>
+        </p:txBody>
+      </p:sp>
+      <p:sp>
+        <p:nvSpPr>
+          <p:cNvPr id="4" name="TextBox 3"/>
+          <p:cNvSpPr txBox="1"/>
+          <p:nvPr/>
+        </p:nvSpPr>
+        <p:spPr>
+          <a:xfrm>
+            <a:off x="335761" y="5683461"/>
+            <a:ext cx="8014457" cy="369332"/>
+          </a:xfrm>
+          <a:prstGeom prst="rect">
+            <a:avLst/>
+          </a:prstGeom>
+          <a:noFill/>
+        </p:spPr>
+        <p:txBody>
+          <a:bodyPr wrap="square" rtlCol="0">
+            <a:spAutoFit/>
+          </a:bodyPr>
+          <a:lstStyle/>
+          <a:p>
+            <a:pPr>
+              <a:buFont typeface="Arial"/>
+              <a:buChar char="•"/>
+            </a:pPr>
+            <a:r>
+              <a:rPr lang="en-US" dirty="0" smtClean="0"/>
+              <a:t>The commit history is ‘diverged’ or ‘branched</a:t>
+            </a:r>
+            <a:r>
+              <a:rPr lang="en-US" dirty="0" smtClean="0"/>
+              <a:t>’</a:t>
             </a:r>
           </a:p>
         </p:txBody>
@@ -4704,19 +4808,19 @@
     </p:spTree>
     <p:extLst>
       <p:ext uri="{BB962C8B-B14F-4D97-AF65-F5344CB8AC3E}">
-        <p14:creationId xmlns:p14="http://schemas.microsoft.com/office/powerpoint/2010/main" val="2278185650"/>
+        <p14:creationId xmlns:p14="http://schemas.microsoft.com/office/powerpoint/2010/main" xmlns:p="http://schemas.openxmlformats.org/presentationml/2006/main" xmlns:r="http://schemas.openxmlformats.org/officeDocument/2006/relationships" xmlns:a="http://schemas.openxmlformats.org/drawingml/2006/main" xmlns="" val="653782836"/>
       </p:ext>
     </p:extLst>
   </p:cSld>
   <p:clrMapOvr>
     <a:masterClrMapping/>
   </p:clrMapOvr>
-  <p:transition xmlns:p14="http://schemas.microsoft.com/office/powerpoint/2010/main"/>
+  <p:transition/>
 </p:sld>
 </file>
 
-<file path=ppt/slides/slide9.xml><?xml version="1.0" encoding="utf-8"?>
-<p:sld xmlns:a="http://schemas.openxmlformats.org/drawingml/2006/main" xmlns:r="http://schemas.openxmlformats.org/officeDocument/2006/relationships" xmlns:p="http://schemas.openxmlformats.org/presentationml/2006/main">
+<file path=ppt/slides/slide8.xml><?xml version="1.0" encoding="utf-8"?>
+<p:sld xmlns:a="http://schemas.openxmlformats.org/drawingml/2006/main" xmlns:r="http://schemas.openxmlformats.org/officeDocument/2006/relationships" xmlns:mc="http://schemas.openxmlformats.org/markup-compatibility/2006" xmlns:mv="urn:schemas-microsoft-com:mac:vml" xmlns:p="http://schemas.openxmlformats.org/presentationml/2006/main" mc:Ignorable="mv" mc:PreserveAttributes="mv:*">
   <p:cSld>
     <p:spTree>
       <p:nvGrpSpPr>
@@ -4741,7 +4845,7 @@
         <p:spPr>
           <a:xfrm>
             <a:off x="581000" y="932188"/>
-            <a:ext cx="5593818" cy="369332"/>
+            <a:ext cx="8221764" cy="2031325"/>
           </a:xfrm>
           <a:prstGeom prst="rect">
             <a:avLst/>
@@ -4754,24 +4858,340 @@
           </a:bodyPr>
           <a:lstStyle/>
           <a:p>
-            <a:r>
-              <a:rPr lang="en-US" dirty="0" smtClean="0"/>
-              <a:t>Merging 1</a:t>
-            </a:r>
+            <a:pPr>
+              <a:buFont typeface="Arial"/>
+              <a:buChar char="•"/>
+            </a:pPr>
+            <a:r>
+              <a:rPr lang="en-US" dirty="0" smtClean="0"/>
+              <a:t>A ‘branch’ is</a:t>
+            </a:r>
+            <a:r>
+              <a:rPr lang="en-US" dirty="0" smtClean="0"/>
+              <a:t> </a:t>
+            </a:r>
+            <a:r>
+              <a:rPr lang="en-US" dirty="0" smtClean="0"/>
+              <a:t>essentially a complete copy of the whole repository</a:t>
+            </a:r>
+            <a:endParaRPr lang="en-US" dirty="0" smtClean="0"/>
+          </a:p>
+          <a:p>
+            <a:pPr>
+              <a:buFont typeface="Arial"/>
+              <a:buChar char="•"/>
+            </a:pPr>
+            <a:endParaRPr lang="en-US" dirty="0" smtClean="0"/>
+          </a:p>
+          <a:p>
+            <a:pPr>
+              <a:buFont typeface="Arial"/>
+              <a:buChar char="•"/>
+            </a:pPr>
+            <a:r>
+              <a:rPr lang="en-US" dirty="0" smtClean="0"/>
+              <a:t>An arbitrary number of branches can exist (and also backed up to the server), e.g. Alice’s and Bob’s changes </a:t>
+            </a:r>
+          </a:p>
+          <a:p>
+            <a:pPr>
+              <a:buFont typeface="Arial"/>
+              <a:buChar char="•"/>
+            </a:pPr>
+            <a:endParaRPr lang="en-US" dirty="0" smtClean="0"/>
+          </a:p>
+          <a:p>
+            <a:pPr>
+              <a:buFont typeface="Arial"/>
+              <a:buChar char="•"/>
+            </a:pPr>
+            <a:r>
+              <a:rPr lang="en-US" dirty="0" smtClean="0"/>
+              <a:t>The VCS can set the files in the </a:t>
+            </a:r>
+            <a:r>
+              <a:rPr lang="en-US" dirty="0" err="1" smtClean="0"/>
+              <a:t>workdir</a:t>
+            </a:r>
+            <a:r>
+              <a:rPr lang="en-US" dirty="0" smtClean="0"/>
+              <a:t> to any of the branch commits (e.g. Bob can see Alice’s work without changing his own)</a:t>
+            </a:r>
+          </a:p>
+        </p:txBody>
+      </p:sp>
+      <p:sp>
+        <p:nvSpPr>
+          <p:cNvPr id="3" name="TextBox 2"/>
+          <p:cNvSpPr txBox="1"/>
+          <p:nvPr/>
+        </p:nvSpPr>
+        <p:spPr>
+          <a:xfrm>
+            <a:off x="715315" y="0"/>
+            <a:ext cx="8087449" cy="369332"/>
+          </a:xfrm>
+          <a:prstGeom prst="rect">
+            <a:avLst/>
+          </a:prstGeom>
+          <a:noFill/>
+        </p:spPr>
+        <p:txBody>
+          <a:bodyPr wrap="square" rtlCol="0">
+            <a:spAutoFit/>
+          </a:bodyPr>
+          <a:lstStyle/>
+          <a:p>
+            <a:r>
+              <a:rPr lang="en-US" dirty="0" smtClean="0"/>
+              <a:t>How do VCS work?  -  3. Collaboration of 2-∞ people on the same project</a:t>
+            </a:r>
+          </a:p>
+        </p:txBody>
+      </p:sp>
+      <p:sp>
+        <p:nvSpPr>
+          <p:cNvPr id="6" name="TextBox 5"/>
+          <p:cNvSpPr txBox="1"/>
+          <p:nvPr/>
+        </p:nvSpPr>
+        <p:spPr>
+          <a:xfrm>
+            <a:off x="581000" y="5489320"/>
+            <a:ext cx="8221764" cy="646331"/>
+          </a:xfrm>
+          <a:prstGeom prst="rect">
+            <a:avLst/>
+          </a:prstGeom>
+          <a:noFill/>
+        </p:spPr>
+        <p:txBody>
+          <a:bodyPr wrap="square" rtlCol="0">
+            <a:spAutoFit/>
+          </a:bodyPr>
+          <a:lstStyle/>
+          <a:p>
+            <a:pPr>
+              <a:buFont typeface="Arial"/>
+              <a:buChar char="•"/>
+            </a:pPr>
+            <a:r>
+              <a:rPr lang="en-US" dirty="0" smtClean="0"/>
+              <a:t>Internally, VCS essentially deals with branching the same as with other commits: a snapshot of the repository is saved in the database    …but there are 2 complications</a:t>
+            </a:r>
+            <a:endParaRPr lang="en-US" dirty="0"/>
           </a:p>
         </p:txBody>
       </p:sp>
     </p:spTree>
     <p:extLst>
       <p:ext uri="{BB962C8B-B14F-4D97-AF65-F5344CB8AC3E}">
-        <p14:creationId xmlns:p14="http://schemas.microsoft.com/office/powerpoint/2010/main" val="2864348573"/>
+        <p14:creationId xmlns:p14="http://schemas.microsoft.com/office/powerpoint/2010/main" xmlns:p="http://schemas.openxmlformats.org/presentationml/2006/main" xmlns:r="http://schemas.openxmlformats.org/officeDocument/2006/relationships" xmlns:a="http://schemas.openxmlformats.org/drawingml/2006/main" xmlns="" val="502525717"/>
       </p:ext>
     </p:extLst>
   </p:cSld>
   <p:clrMapOvr>
     <a:masterClrMapping/>
   </p:clrMapOvr>
-  <p:transition xmlns:p14="http://schemas.microsoft.com/office/powerpoint/2010/main"/>
+  <p:transition/>
+</p:sld>
+</file>
+
+<file path=ppt/slides/slide9.xml><?xml version="1.0" encoding="utf-8"?>
+<p:sld xmlns:a="http://schemas.openxmlformats.org/drawingml/2006/main" xmlns:r="http://schemas.openxmlformats.org/officeDocument/2006/relationships" xmlns:mc="http://schemas.openxmlformats.org/markup-compatibility/2006" xmlns:mv="urn:schemas-microsoft-com:mac:vml" xmlns:p="http://schemas.openxmlformats.org/presentationml/2006/main" mc:Ignorable="mv" mc:PreserveAttributes="mv:*">
+  <p:cSld>
+    <p:spTree>
+      <p:nvGrpSpPr>
+        <p:cNvPr id="1" name=""/>
+        <p:cNvGrpSpPr/>
+        <p:nvPr/>
+      </p:nvGrpSpPr>
+      <p:grpSpPr>
+        <a:xfrm>
+          <a:off x="0" y="0"/>
+          <a:ext cx="0" cy="0"/>
+          <a:chOff x="0" y="0"/>
+          <a:chExt cx="0" cy="0"/>
+        </a:xfrm>
+      </p:grpSpPr>
+      <p:sp>
+        <p:nvSpPr>
+          <p:cNvPr id="3" name="TextBox 2"/>
+          <p:cNvSpPr txBox="1"/>
+          <p:nvPr/>
+        </p:nvSpPr>
+        <p:spPr>
+          <a:xfrm>
+            <a:off x="715315" y="0"/>
+            <a:ext cx="8087449" cy="369332"/>
+          </a:xfrm>
+          <a:prstGeom prst="rect">
+            <a:avLst/>
+          </a:prstGeom>
+          <a:noFill/>
+        </p:spPr>
+        <p:txBody>
+          <a:bodyPr wrap="square" rtlCol="0">
+            <a:spAutoFit/>
+          </a:bodyPr>
+          <a:lstStyle/>
+          <a:p>
+            <a:r>
+              <a:rPr lang="en-US" dirty="0" smtClean="0"/>
+              <a:t>How do VCS work?  -  3. Collaboration of 2-∞ people on the same project</a:t>
+            </a:r>
+          </a:p>
+        </p:txBody>
+      </p:sp>
+      <p:sp>
+        <p:nvSpPr>
+          <p:cNvPr id="5" name="Rectangle 4"/>
+          <p:cNvSpPr/>
+          <p:nvPr/>
+        </p:nvSpPr>
+        <p:spPr>
+          <a:xfrm>
+            <a:off x="1" y="715363"/>
+            <a:ext cx="9144000" cy="1477328"/>
+          </a:xfrm>
+          <a:prstGeom prst="rect">
+            <a:avLst/>
+          </a:prstGeom>
+        </p:spPr>
+        <p:txBody>
+          <a:bodyPr wrap="square">
+            <a:spAutoFit/>
+          </a:bodyPr>
+          <a:lstStyle/>
+          <a:p>
+            <a:pPr>
+              <a:buFont typeface="Arial"/>
+              <a:buChar char="•"/>
+            </a:pPr>
+            <a:r>
+              <a:rPr lang="en-US" dirty="0" smtClean="0"/>
+              <a:t>In a branched repository, there is no more linear commit repository</a:t>
+            </a:r>
+          </a:p>
+          <a:p>
+            <a:pPr>
+              <a:buFont typeface="Arial"/>
+              <a:buChar char="•"/>
+            </a:pPr>
+            <a:endParaRPr lang="en-US" dirty="0" smtClean="0"/>
+          </a:p>
+          <a:p>
+            <a:r>
+              <a:rPr lang="en-US" dirty="0" smtClean="0"/>
+              <a:t>-&gt; Problem 1: Commits can’t be saved in the VCS database under ‘V1’, ‘V2’, ‘V3’, etc..</a:t>
+            </a:r>
+          </a:p>
+          <a:p>
+            <a:pPr>
+              <a:buFont typeface="Arial"/>
+              <a:buChar char="•"/>
+            </a:pPr>
+            <a:endParaRPr lang="en-US" dirty="0" smtClean="0"/>
+          </a:p>
+          <a:p>
+            <a:r>
+              <a:rPr lang="en-US" dirty="0" smtClean="0"/>
+              <a:t>-&gt; Problem 2: it’s still necessary to know how commits are related (for reasons explained later)</a:t>
+            </a:r>
+            <a:endParaRPr lang="en-US" dirty="0" smtClean="0"/>
+          </a:p>
+        </p:txBody>
+      </p:sp>
+      <p:sp>
+        <p:nvSpPr>
+          <p:cNvPr id="6" name="TextBox 5"/>
+          <p:cNvSpPr txBox="1"/>
+          <p:nvPr/>
+        </p:nvSpPr>
+        <p:spPr>
+          <a:xfrm>
+            <a:off x="0" y="4992945"/>
+            <a:ext cx="9144000" cy="1415772"/>
+          </a:xfrm>
+          <a:prstGeom prst="rect">
+            <a:avLst/>
+          </a:prstGeom>
+          <a:noFill/>
+        </p:spPr>
+        <p:txBody>
+          <a:bodyPr wrap="square" rtlCol="0">
+            <a:spAutoFit/>
+          </a:bodyPr>
+          <a:lstStyle/>
+          <a:p>
+            <a:r>
+              <a:rPr lang="en-US" dirty="0" smtClean="0"/>
+              <a:t>Modern VCS like </a:t>
+            </a:r>
+            <a:r>
+              <a:rPr lang="en-US" dirty="0" err="1" smtClean="0"/>
+              <a:t>Git</a:t>
+            </a:r>
+            <a:r>
+              <a:rPr lang="en-US" dirty="0" smtClean="0"/>
+              <a:t> solve these two problems by:</a:t>
+            </a:r>
+          </a:p>
+          <a:p>
+            <a:pPr marL="342900" indent="-342900">
+              <a:buAutoNum type="arabicParenR"/>
+            </a:pPr>
+            <a:r>
+              <a:rPr lang="en-US" dirty="0" smtClean="0"/>
+              <a:t>Assigning a unique identifier based on commit content to each commit (instead of a number)</a:t>
+            </a:r>
+            <a:br>
+              <a:rPr lang="en-US" dirty="0" smtClean="0"/>
+            </a:br>
+            <a:r>
+              <a:rPr lang="en-US" dirty="0" smtClean="0"/>
+              <a:t>	</a:t>
+            </a:r>
+            <a:r>
+              <a:rPr lang="en-US" sz="1400" dirty="0" smtClean="0"/>
+              <a:t>-&gt;</a:t>
+            </a:r>
+            <a:r>
+              <a:rPr lang="en-US" sz="1400" dirty="0" err="1" smtClean="0"/>
+              <a:t>Git</a:t>
+            </a:r>
+            <a:r>
+              <a:rPr lang="en-US" sz="1400" dirty="0" smtClean="0"/>
+              <a:t> uses SHA1-hashes (40 digit hexadecimal numbers, i.e. b0c2115fcf96d6df28872d2a42f9e7726790e2df)</a:t>
+            </a:r>
+            <a:br>
+              <a:rPr lang="en-US" sz="1400" dirty="0" smtClean="0"/>
+            </a:br>
+            <a:endParaRPr lang="en-US" sz="1400" dirty="0" smtClean="0"/>
+          </a:p>
+          <a:p>
+            <a:pPr marL="342900" indent="-342900">
+              <a:buAutoNum type="arabicParenR"/>
+            </a:pPr>
+            <a:r>
+              <a:rPr lang="en-US" dirty="0" smtClean="0"/>
+              <a:t>Every commit contains a pointer to its parent commit </a:t>
+            </a:r>
+            <a:endParaRPr lang="en-US" dirty="0"/>
+          </a:p>
+        </p:txBody>
+      </p:sp>
+    </p:spTree>
+    <p:extLst>
+      <p:ext uri="{BB962C8B-B14F-4D97-AF65-F5344CB8AC3E}">
+        <p14:creationId xmlns:p14="http://schemas.microsoft.com/office/powerpoint/2010/main" xmlns:p="http://schemas.openxmlformats.org/presentationml/2006/main" xmlns:r="http://schemas.openxmlformats.org/officeDocument/2006/relationships" xmlns:a="http://schemas.openxmlformats.org/drawingml/2006/main" xmlns="" val="2278185650"/>
+      </p:ext>
+    </p:extLst>
+  </p:cSld>
+  <p:clrMapOvr>
+    <a:masterClrMapping/>
+  </p:clrMapOvr>
+  <p:transition/>
 </p:sld>
 </file>
 

--- a/git_python_kurs.pptx
+++ b/git_python_kurs.pptx
@@ -1,6 +1,6 @@
 
 <file path=ppt/presentation.xml><?xml version="1.0" encoding="utf-8"?>
-<p:presentation xmlns:a="http://schemas.openxmlformats.org/drawingml/2006/main" xmlns:r="http://schemas.openxmlformats.org/officeDocument/2006/relationships" xmlns:p="http://schemas.openxmlformats.org/presentationml/2006/main" saveSubsetFonts="1" autoCompressPictures="0">
+<p:presentation xmlns:a="http://schemas.openxmlformats.org/drawingml/2006/main" xmlns:r="http://schemas.openxmlformats.org/officeDocument/2006/relationships" xmlns:mc="http://schemas.openxmlformats.org/markup-compatibility/2006" xmlns:mv="urn:schemas-microsoft-com:mac:vml" xmlns:p="http://schemas.openxmlformats.org/presentationml/2006/main" mc:Ignorable="mv" mc:PreserveAttributes="mv:*" saveSubsetFonts="1" autoCompressPictures="0">
   <p:sldMasterIdLst>
     <p:sldMasterId id="2147483648" r:id="rId1"/>
   </p:sldMasterIdLst>
@@ -11,12 +11,13 @@
     <p:sldId id="258" r:id="rId5"/>
     <p:sldId id="262" r:id="rId6"/>
     <p:sldId id="263" r:id="rId7"/>
-    <p:sldId id="264" r:id="rId8"/>
-    <p:sldId id="265" r:id="rId9"/>
-    <p:sldId id="266" r:id="rId10"/>
-    <p:sldId id="267" r:id="rId11"/>
-    <p:sldId id="268" r:id="rId12"/>
-    <p:sldId id="269" r:id="rId13"/>
+    <p:sldId id="270" r:id="rId8"/>
+    <p:sldId id="264" r:id="rId9"/>
+    <p:sldId id="265" r:id="rId10"/>
+    <p:sldId id="266" r:id="rId11"/>
+    <p:sldId id="267" r:id="rId12"/>
+    <p:sldId id="268" r:id="rId13"/>
+    <p:sldId id="269" r:id="rId14"/>
   </p:sldIdLst>
   <p:sldSz cx="9144000" cy="6858000" type="screen4x3"/>
   <p:notesSz cx="6858000" cy="9144000"/>
@@ -119,7 +120,7 @@
 </file>
 
 <file path=ppt/slideLayouts/slideLayout1.xml><?xml version="1.0" encoding="utf-8"?>
-<p:sldLayout xmlns:a="http://schemas.openxmlformats.org/drawingml/2006/main" xmlns:r="http://schemas.openxmlformats.org/officeDocument/2006/relationships" xmlns:p="http://schemas.openxmlformats.org/presentationml/2006/main" type="title" preserve="1">
+<p:sldLayout xmlns:a="http://schemas.openxmlformats.org/drawingml/2006/main" xmlns:r="http://schemas.openxmlformats.org/officeDocument/2006/relationships" xmlns:mc="http://schemas.openxmlformats.org/markup-compatibility/2006" xmlns:mv="urn:schemas-microsoft-com:mac:vml" xmlns:p="http://schemas.openxmlformats.org/presentationml/2006/main" mc:Ignorable="mv" mc:PreserveAttributes="mv:*" type="title" preserve="1">
   <p:cSld name="Title Slide">
     <p:spTree>
       <p:nvGrpSpPr>
@@ -299,7 +300,8 @@
           <a:p>
             <a:fld id="{7AB4D525-FEA6-4C46-A836-18AB099A0B80}" type="datetimeFigureOut">
               <a:rPr lang="en-US" smtClean="0"/>
-              <a:t>2/9/15</a:t>
+              <a:pPr/>
+              <a:t>2/10/15</a:t>
             </a:fld>
             <a:endParaRPr lang="en-US"/>
           </a:p>
@@ -341,7 +343,8 @@
           <a:p>
             <a:fld id="{4F754926-63EB-4746-BA1D-DEED820DE9EA}" type="slidenum">
               <a:rPr lang="en-US" smtClean="0"/>
-              <a:t>‹Nr.›</a:t>
+              <a:pPr/>
+              <a:t>‹#›</a:t>
             </a:fld>
             <a:endParaRPr lang="en-US"/>
           </a:p>
@@ -356,7 +359,7 @@
 </file>
 
 <file path=ppt/slideLayouts/slideLayout10.xml><?xml version="1.0" encoding="utf-8"?>
-<p:sldLayout xmlns:a="http://schemas.openxmlformats.org/drawingml/2006/main" xmlns:r="http://schemas.openxmlformats.org/officeDocument/2006/relationships" xmlns:p="http://schemas.openxmlformats.org/presentationml/2006/main" type="vertTx" preserve="1">
+<p:sldLayout xmlns:a="http://schemas.openxmlformats.org/drawingml/2006/main" xmlns:r="http://schemas.openxmlformats.org/officeDocument/2006/relationships" xmlns:mc="http://schemas.openxmlformats.org/markup-compatibility/2006" xmlns:mv="urn:schemas-microsoft-com:mac:vml" xmlns:p="http://schemas.openxmlformats.org/presentationml/2006/main" mc:Ignorable="mv" mc:PreserveAttributes="mv:*" type="vertTx" preserve="1">
   <p:cSld name="Title and Vertical Text">
     <p:spTree>
       <p:nvGrpSpPr>
@@ -464,7 +467,8 @@
           <a:p>
             <a:fld id="{7AB4D525-FEA6-4C46-A836-18AB099A0B80}" type="datetimeFigureOut">
               <a:rPr lang="en-US" smtClean="0"/>
-              <a:t>2/9/15</a:t>
+              <a:pPr/>
+              <a:t>2/10/15</a:t>
             </a:fld>
             <a:endParaRPr lang="en-US"/>
           </a:p>
@@ -506,7 +510,8 @@
           <a:p>
             <a:fld id="{4F754926-63EB-4746-BA1D-DEED820DE9EA}" type="slidenum">
               <a:rPr lang="en-US" smtClean="0"/>
-              <a:t>‹Nr.›</a:t>
+              <a:pPr/>
+              <a:t>‹#›</a:t>
             </a:fld>
             <a:endParaRPr lang="en-US"/>
           </a:p>
@@ -521,7 +526,7 @@
 </file>
 
 <file path=ppt/slideLayouts/slideLayout11.xml><?xml version="1.0" encoding="utf-8"?>
-<p:sldLayout xmlns:a="http://schemas.openxmlformats.org/drawingml/2006/main" xmlns:r="http://schemas.openxmlformats.org/officeDocument/2006/relationships" xmlns:p="http://schemas.openxmlformats.org/presentationml/2006/main" type="vertTitleAndTx" preserve="1">
+<p:sldLayout xmlns:a="http://schemas.openxmlformats.org/drawingml/2006/main" xmlns:r="http://schemas.openxmlformats.org/officeDocument/2006/relationships" xmlns:mc="http://schemas.openxmlformats.org/markup-compatibility/2006" xmlns:mv="urn:schemas-microsoft-com:mac:vml" xmlns:p="http://schemas.openxmlformats.org/presentationml/2006/main" mc:Ignorable="mv" mc:PreserveAttributes="mv:*" type="vertTitleAndTx" preserve="1">
   <p:cSld name="Vertical Title and Text">
     <p:spTree>
       <p:nvGrpSpPr>
@@ -639,7 +644,8 @@
           <a:p>
             <a:fld id="{7AB4D525-FEA6-4C46-A836-18AB099A0B80}" type="datetimeFigureOut">
               <a:rPr lang="en-US" smtClean="0"/>
-              <a:t>2/9/15</a:t>
+              <a:pPr/>
+              <a:t>2/10/15</a:t>
             </a:fld>
             <a:endParaRPr lang="en-US"/>
           </a:p>
@@ -681,7 +687,8 @@
           <a:p>
             <a:fld id="{4F754926-63EB-4746-BA1D-DEED820DE9EA}" type="slidenum">
               <a:rPr lang="en-US" smtClean="0"/>
-              <a:t>‹Nr.›</a:t>
+              <a:pPr/>
+              <a:t>‹#›</a:t>
             </a:fld>
             <a:endParaRPr lang="en-US"/>
           </a:p>
@@ -696,7 +703,7 @@
 </file>
 
 <file path=ppt/slideLayouts/slideLayout2.xml><?xml version="1.0" encoding="utf-8"?>
-<p:sldLayout xmlns:a="http://schemas.openxmlformats.org/drawingml/2006/main" xmlns:r="http://schemas.openxmlformats.org/officeDocument/2006/relationships" xmlns:p="http://schemas.openxmlformats.org/presentationml/2006/main" type="obj" preserve="1">
+<p:sldLayout xmlns:a="http://schemas.openxmlformats.org/drawingml/2006/main" xmlns:r="http://schemas.openxmlformats.org/officeDocument/2006/relationships" xmlns:mc="http://schemas.openxmlformats.org/markup-compatibility/2006" xmlns:mv="urn:schemas-microsoft-com:mac:vml" xmlns:p="http://schemas.openxmlformats.org/presentationml/2006/main" mc:Ignorable="mv" mc:PreserveAttributes="mv:*" type="obj" preserve="1">
   <p:cSld name="Title and Content">
     <p:spTree>
       <p:nvGrpSpPr>
@@ -804,7 +811,8 @@
           <a:p>
             <a:fld id="{7AB4D525-FEA6-4C46-A836-18AB099A0B80}" type="datetimeFigureOut">
               <a:rPr lang="en-US" smtClean="0"/>
-              <a:t>2/9/15</a:t>
+              <a:pPr/>
+              <a:t>2/10/15</a:t>
             </a:fld>
             <a:endParaRPr lang="en-US"/>
           </a:p>
@@ -846,7 +854,8 @@
           <a:p>
             <a:fld id="{4F754926-63EB-4746-BA1D-DEED820DE9EA}" type="slidenum">
               <a:rPr lang="en-US" smtClean="0"/>
-              <a:t>‹Nr.›</a:t>
+              <a:pPr/>
+              <a:t>‹#›</a:t>
             </a:fld>
             <a:endParaRPr lang="en-US"/>
           </a:p>
@@ -861,7 +870,7 @@
 </file>
 
 <file path=ppt/slideLayouts/slideLayout3.xml><?xml version="1.0" encoding="utf-8"?>
-<p:sldLayout xmlns:a="http://schemas.openxmlformats.org/drawingml/2006/main" xmlns:r="http://schemas.openxmlformats.org/officeDocument/2006/relationships" xmlns:p="http://schemas.openxmlformats.org/presentationml/2006/main" type="secHead" preserve="1">
+<p:sldLayout xmlns:a="http://schemas.openxmlformats.org/drawingml/2006/main" xmlns:r="http://schemas.openxmlformats.org/officeDocument/2006/relationships" xmlns:mc="http://schemas.openxmlformats.org/markup-compatibility/2006" xmlns:mv="urn:schemas-microsoft-com:mac:vml" xmlns:p="http://schemas.openxmlformats.org/presentationml/2006/main" mc:Ignorable="mv" mc:PreserveAttributes="mv:*" type="secHead" preserve="1">
   <p:cSld name="Section Header">
     <p:spTree>
       <p:nvGrpSpPr>
@@ -1045,7 +1054,8 @@
           <a:p>
             <a:fld id="{7AB4D525-FEA6-4C46-A836-18AB099A0B80}" type="datetimeFigureOut">
               <a:rPr lang="en-US" smtClean="0"/>
-              <a:t>2/9/15</a:t>
+              <a:pPr/>
+              <a:t>2/10/15</a:t>
             </a:fld>
             <a:endParaRPr lang="en-US"/>
           </a:p>
@@ -1087,7 +1097,8 @@
           <a:p>
             <a:fld id="{4F754926-63EB-4746-BA1D-DEED820DE9EA}" type="slidenum">
               <a:rPr lang="en-US" smtClean="0"/>
-              <a:t>‹Nr.›</a:t>
+              <a:pPr/>
+              <a:t>‹#›</a:t>
             </a:fld>
             <a:endParaRPr lang="en-US"/>
           </a:p>
@@ -1102,7 +1113,7 @@
 </file>
 
 <file path=ppt/slideLayouts/slideLayout4.xml><?xml version="1.0" encoding="utf-8"?>
-<p:sldLayout xmlns:a="http://schemas.openxmlformats.org/drawingml/2006/main" xmlns:r="http://schemas.openxmlformats.org/officeDocument/2006/relationships" xmlns:p="http://schemas.openxmlformats.org/presentationml/2006/main" type="twoObj" preserve="1">
+<p:sldLayout xmlns:a="http://schemas.openxmlformats.org/drawingml/2006/main" xmlns:r="http://schemas.openxmlformats.org/officeDocument/2006/relationships" xmlns:mc="http://schemas.openxmlformats.org/markup-compatibility/2006" xmlns:mv="urn:schemas-microsoft-com:mac:vml" xmlns:p="http://schemas.openxmlformats.org/presentationml/2006/main" mc:Ignorable="mv" mc:PreserveAttributes="mv:*" type="twoObj" preserve="1">
   <p:cSld name="Two Content">
     <p:spTree>
       <p:nvGrpSpPr>
@@ -1328,7 +1339,8 @@
           <a:p>
             <a:fld id="{7AB4D525-FEA6-4C46-A836-18AB099A0B80}" type="datetimeFigureOut">
               <a:rPr lang="en-US" smtClean="0"/>
-              <a:t>2/9/15</a:t>
+              <a:pPr/>
+              <a:t>2/10/15</a:t>
             </a:fld>
             <a:endParaRPr lang="en-US"/>
           </a:p>
@@ -1370,7 +1382,8 @@
           <a:p>
             <a:fld id="{4F754926-63EB-4746-BA1D-DEED820DE9EA}" type="slidenum">
               <a:rPr lang="en-US" smtClean="0"/>
-              <a:t>‹Nr.›</a:t>
+              <a:pPr/>
+              <a:t>‹#›</a:t>
             </a:fld>
             <a:endParaRPr lang="en-US"/>
           </a:p>
@@ -1385,7 +1398,7 @@
 </file>
 
 <file path=ppt/slideLayouts/slideLayout5.xml><?xml version="1.0" encoding="utf-8"?>
-<p:sldLayout xmlns:a="http://schemas.openxmlformats.org/drawingml/2006/main" xmlns:r="http://schemas.openxmlformats.org/officeDocument/2006/relationships" xmlns:p="http://schemas.openxmlformats.org/presentationml/2006/main" type="twoTxTwoObj" preserve="1">
+<p:sldLayout xmlns:a="http://schemas.openxmlformats.org/drawingml/2006/main" xmlns:r="http://schemas.openxmlformats.org/officeDocument/2006/relationships" xmlns:mc="http://schemas.openxmlformats.org/markup-compatibility/2006" xmlns:mv="urn:schemas-microsoft-com:mac:vml" xmlns:p="http://schemas.openxmlformats.org/presentationml/2006/main" mc:Ignorable="mv" mc:PreserveAttributes="mv:*" type="twoTxTwoObj" preserve="1">
   <p:cSld name="Comparison">
     <p:spTree>
       <p:nvGrpSpPr>
@@ -1745,7 +1758,8 @@
           <a:p>
             <a:fld id="{7AB4D525-FEA6-4C46-A836-18AB099A0B80}" type="datetimeFigureOut">
               <a:rPr lang="en-US" smtClean="0"/>
-              <a:t>2/9/15</a:t>
+              <a:pPr/>
+              <a:t>2/10/15</a:t>
             </a:fld>
             <a:endParaRPr lang="en-US"/>
           </a:p>
@@ -1787,7 +1801,8 @@
           <a:p>
             <a:fld id="{4F754926-63EB-4746-BA1D-DEED820DE9EA}" type="slidenum">
               <a:rPr lang="en-US" smtClean="0"/>
-              <a:t>‹Nr.›</a:t>
+              <a:pPr/>
+              <a:t>‹#›</a:t>
             </a:fld>
             <a:endParaRPr lang="en-US"/>
           </a:p>
@@ -1802,7 +1817,7 @@
 </file>
 
 <file path=ppt/slideLayouts/slideLayout6.xml><?xml version="1.0" encoding="utf-8"?>
-<p:sldLayout xmlns:a="http://schemas.openxmlformats.org/drawingml/2006/main" xmlns:r="http://schemas.openxmlformats.org/officeDocument/2006/relationships" xmlns:p="http://schemas.openxmlformats.org/presentationml/2006/main" type="titleOnly" preserve="1">
+<p:sldLayout xmlns:a="http://schemas.openxmlformats.org/drawingml/2006/main" xmlns:r="http://schemas.openxmlformats.org/officeDocument/2006/relationships" xmlns:mc="http://schemas.openxmlformats.org/markup-compatibility/2006" xmlns:mv="urn:schemas-microsoft-com:mac:vml" xmlns:p="http://schemas.openxmlformats.org/presentationml/2006/main" mc:Ignorable="mv" mc:PreserveAttributes="mv:*" type="titleOnly" preserve="1">
   <p:cSld name="Title Only">
     <p:spTree>
       <p:nvGrpSpPr>
@@ -1858,7 +1873,8 @@
           <a:p>
             <a:fld id="{7AB4D525-FEA6-4C46-A836-18AB099A0B80}" type="datetimeFigureOut">
               <a:rPr lang="en-US" smtClean="0"/>
-              <a:t>2/9/15</a:t>
+              <a:pPr/>
+              <a:t>2/10/15</a:t>
             </a:fld>
             <a:endParaRPr lang="en-US"/>
           </a:p>
@@ -1900,7 +1916,8 @@
           <a:p>
             <a:fld id="{4F754926-63EB-4746-BA1D-DEED820DE9EA}" type="slidenum">
               <a:rPr lang="en-US" smtClean="0"/>
-              <a:t>‹Nr.›</a:t>
+              <a:pPr/>
+              <a:t>‹#›</a:t>
             </a:fld>
             <a:endParaRPr lang="en-US"/>
           </a:p>
@@ -1915,7 +1932,7 @@
 </file>
 
 <file path=ppt/slideLayouts/slideLayout7.xml><?xml version="1.0" encoding="utf-8"?>
-<p:sldLayout xmlns:a="http://schemas.openxmlformats.org/drawingml/2006/main" xmlns:r="http://schemas.openxmlformats.org/officeDocument/2006/relationships" xmlns:p="http://schemas.openxmlformats.org/presentationml/2006/main" type="blank" preserve="1">
+<p:sldLayout xmlns:a="http://schemas.openxmlformats.org/drawingml/2006/main" xmlns:r="http://schemas.openxmlformats.org/officeDocument/2006/relationships" xmlns:mc="http://schemas.openxmlformats.org/markup-compatibility/2006" xmlns:mv="urn:schemas-microsoft-com:mac:vml" xmlns:p="http://schemas.openxmlformats.org/presentationml/2006/main" mc:Ignorable="mv" mc:PreserveAttributes="mv:*" type="blank" preserve="1">
   <p:cSld name="Blank">
     <p:spTree>
       <p:nvGrpSpPr>
@@ -1948,7 +1965,8 @@
           <a:p>
             <a:fld id="{7AB4D525-FEA6-4C46-A836-18AB099A0B80}" type="datetimeFigureOut">
               <a:rPr lang="en-US" smtClean="0"/>
-              <a:t>2/9/15</a:t>
+              <a:pPr/>
+              <a:t>2/10/15</a:t>
             </a:fld>
             <a:endParaRPr lang="en-US"/>
           </a:p>
@@ -1990,7 +2008,8 @@
           <a:p>
             <a:fld id="{4F754926-63EB-4746-BA1D-DEED820DE9EA}" type="slidenum">
               <a:rPr lang="en-US" smtClean="0"/>
-              <a:t>‹Nr.›</a:t>
+              <a:pPr/>
+              <a:t>‹#›</a:t>
             </a:fld>
             <a:endParaRPr lang="en-US"/>
           </a:p>
@@ -2005,7 +2024,7 @@
 </file>
 
 <file path=ppt/slideLayouts/slideLayout8.xml><?xml version="1.0" encoding="utf-8"?>
-<p:sldLayout xmlns:a="http://schemas.openxmlformats.org/drawingml/2006/main" xmlns:r="http://schemas.openxmlformats.org/officeDocument/2006/relationships" xmlns:p="http://schemas.openxmlformats.org/presentationml/2006/main" type="objTx" preserve="1">
+<p:sldLayout xmlns:a="http://schemas.openxmlformats.org/drawingml/2006/main" xmlns:r="http://schemas.openxmlformats.org/officeDocument/2006/relationships" xmlns:mc="http://schemas.openxmlformats.org/markup-compatibility/2006" xmlns:mv="urn:schemas-microsoft-com:mac:vml" xmlns:p="http://schemas.openxmlformats.org/presentationml/2006/main" mc:Ignorable="mv" mc:PreserveAttributes="mv:*" type="objTx" preserve="1">
   <p:cSld name="Content with Caption">
     <p:spTree>
       <p:nvGrpSpPr>
@@ -2220,7 +2239,8 @@
           <a:p>
             <a:fld id="{7AB4D525-FEA6-4C46-A836-18AB099A0B80}" type="datetimeFigureOut">
               <a:rPr lang="en-US" smtClean="0"/>
-              <a:t>2/9/15</a:t>
+              <a:pPr/>
+              <a:t>2/10/15</a:t>
             </a:fld>
             <a:endParaRPr lang="en-US"/>
           </a:p>
@@ -2262,7 +2282,8 @@
           <a:p>
             <a:fld id="{4F754926-63EB-4746-BA1D-DEED820DE9EA}" type="slidenum">
               <a:rPr lang="en-US" smtClean="0"/>
-              <a:t>‹Nr.›</a:t>
+              <a:pPr/>
+              <a:t>‹#›</a:t>
             </a:fld>
             <a:endParaRPr lang="en-US"/>
           </a:p>
@@ -2277,7 +2298,7 @@
 </file>
 
 <file path=ppt/slideLayouts/slideLayout9.xml><?xml version="1.0" encoding="utf-8"?>
-<p:sldLayout xmlns:a="http://schemas.openxmlformats.org/drawingml/2006/main" xmlns:r="http://schemas.openxmlformats.org/officeDocument/2006/relationships" xmlns:p="http://schemas.openxmlformats.org/presentationml/2006/main" type="picTx" preserve="1">
+<p:sldLayout xmlns:a="http://schemas.openxmlformats.org/drawingml/2006/main" xmlns:r="http://schemas.openxmlformats.org/officeDocument/2006/relationships" xmlns:mc="http://schemas.openxmlformats.org/markup-compatibility/2006" xmlns:mv="urn:schemas-microsoft-com:mac:vml" xmlns:p="http://schemas.openxmlformats.org/presentationml/2006/main" mc:Ignorable="mv" mc:PreserveAttributes="mv:*" type="picTx" preserve="1">
   <p:cSld name="Picture with Caption">
     <p:spTree>
       <p:nvGrpSpPr>
@@ -2468,7 +2489,8 @@
           <a:p>
             <a:fld id="{7AB4D525-FEA6-4C46-A836-18AB099A0B80}" type="datetimeFigureOut">
               <a:rPr lang="en-US" smtClean="0"/>
-              <a:t>2/9/15</a:t>
+              <a:pPr/>
+              <a:t>2/10/15</a:t>
             </a:fld>
             <a:endParaRPr lang="en-US"/>
           </a:p>
@@ -2510,7 +2532,8 @@
           <a:p>
             <a:fld id="{4F754926-63EB-4746-BA1D-DEED820DE9EA}" type="slidenum">
               <a:rPr lang="en-US" smtClean="0"/>
-              <a:t>‹Nr.›</a:t>
+              <a:pPr/>
+              <a:t>‹#›</a:t>
             </a:fld>
             <a:endParaRPr lang="en-US"/>
           </a:p>
@@ -2525,7 +2548,7 @@
 </file>
 
 <file path=ppt/slideMasters/slideMaster1.xml><?xml version="1.0" encoding="utf-8"?>
-<p:sldMaster xmlns:a="http://schemas.openxmlformats.org/drawingml/2006/main" xmlns:r="http://schemas.openxmlformats.org/officeDocument/2006/relationships" xmlns:p="http://schemas.openxmlformats.org/presentationml/2006/main">
+<p:sldMaster xmlns:a="http://schemas.openxmlformats.org/drawingml/2006/main" xmlns:r="http://schemas.openxmlformats.org/officeDocument/2006/relationships" xmlns:mc="http://schemas.openxmlformats.org/markup-compatibility/2006" xmlns:mv="urn:schemas-microsoft-com:mac:vml" xmlns:p="http://schemas.openxmlformats.org/presentationml/2006/main" mc:Ignorable="mv" mc:PreserveAttributes="mv:*">
   <p:cSld>
     <p:bg>
       <p:bgRef idx="1001">
@@ -2676,7 +2699,8 @@
           <a:p>
             <a:fld id="{7AB4D525-FEA6-4C46-A836-18AB099A0B80}" type="datetimeFigureOut">
               <a:rPr lang="en-US" smtClean="0"/>
-              <a:t>2/9/15</a:t>
+              <a:pPr/>
+              <a:t>2/10/15</a:t>
             </a:fld>
             <a:endParaRPr lang="en-US"/>
           </a:p>
@@ -2754,7 +2778,8 @@
           <a:p>
             <a:fld id="{4F754926-63EB-4746-BA1D-DEED820DE9EA}" type="slidenum">
               <a:rPr lang="en-US" smtClean="0"/>
-              <a:t>‹Nr.›</a:t>
+              <a:pPr/>
+              <a:t>‹#›</a:t>
             </a:fld>
             <a:endParaRPr lang="en-US"/>
           </a:p>
@@ -3030,7 +3055,7 @@
 </file>
 
 <file path=ppt/slides/slide1.xml><?xml version="1.0" encoding="utf-8"?>
-<p:sld xmlns:a="http://schemas.openxmlformats.org/drawingml/2006/main" xmlns:r="http://schemas.openxmlformats.org/officeDocument/2006/relationships" xmlns:p="http://schemas.openxmlformats.org/presentationml/2006/main">
+<p:sld xmlns:a="http://schemas.openxmlformats.org/drawingml/2006/main" xmlns:r="http://schemas.openxmlformats.org/officeDocument/2006/relationships" xmlns:mc="http://schemas.openxmlformats.org/markup-compatibility/2006" xmlns:mv="urn:schemas-microsoft-com:mac:vml" xmlns:p="http://schemas.openxmlformats.org/presentationml/2006/main" mc:Ignorable="mv" mc:PreserveAttributes="mv:*">
   <p:cSld>
     <p:spTree>
       <p:nvGrpSpPr>
@@ -3217,7 +3242,7 @@
 </file>
 
 <file path=ppt/slides/slide10.xml><?xml version="1.0" encoding="utf-8"?>
-<p:sld xmlns:a="http://schemas.openxmlformats.org/drawingml/2006/main" xmlns:r="http://schemas.openxmlformats.org/officeDocument/2006/relationships" xmlns:p="http://schemas.openxmlformats.org/presentationml/2006/main">
+<p:sld xmlns:a="http://schemas.openxmlformats.org/drawingml/2006/main" xmlns:r="http://schemas.openxmlformats.org/officeDocument/2006/relationships" xmlns:mc="http://schemas.openxmlformats.org/markup-compatibility/2006" xmlns:mv="urn:schemas-microsoft-com:mac:vml" xmlns:p="http://schemas.openxmlformats.org/presentationml/2006/main" mc:Ignorable="mv" mc:PreserveAttributes="mv:*">
   <p:cSld>
     <p:spTree>
       <p:nvGrpSpPr>
@@ -3257,7 +3282,7 @@
           <a:p>
             <a:r>
               <a:rPr lang="en-US" dirty="0" smtClean="0"/>
-              <a:t>Merging 2</a:t>
+              <a:t>Merging 1</a:t>
             </a:r>
           </a:p>
         </p:txBody>
@@ -3265,19 +3290,19 @@
     </p:spTree>
     <p:extLst>
       <p:ext uri="{BB962C8B-B14F-4D97-AF65-F5344CB8AC3E}">
-        <p14:creationId xmlns:p14="http://schemas.microsoft.com/office/powerpoint/2010/main" val="3388594987"/>
+        <p14:creationId xmlns:p14="http://schemas.microsoft.com/office/powerpoint/2010/main" xmlns:p="http://schemas.openxmlformats.org/presentationml/2006/main" xmlns:r="http://schemas.openxmlformats.org/officeDocument/2006/relationships" xmlns:a="http://schemas.openxmlformats.org/drawingml/2006/main" xmlns="" val="2864348573"/>
       </p:ext>
     </p:extLst>
   </p:cSld>
   <p:clrMapOvr>
     <a:masterClrMapping/>
   </p:clrMapOvr>
-  <p:transition xmlns:p14="http://schemas.microsoft.com/office/powerpoint/2010/main"/>
+  <p:transition/>
 </p:sld>
 </file>
 
 <file path=ppt/slides/slide11.xml><?xml version="1.0" encoding="utf-8"?>
-<p:sld xmlns:a="http://schemas.openxmlformats.org/drawingml/2006/main" xmlns:r="http://schemas.openxmlformats.org/officeDocument/2006/relationships" xmlns:p="http://schemas.openxmlformats.org/presentationml/2006/main">
+<p:sld xmlns:a="http://schemas.openxmlformats.org/drawingml/2006/main" xmlns:r="http://schemas.openxmlformats.org/officeDocument/2006/relationships" xmlns:mc="http://schemas.openxmlformats.org/markup-compatibility/2006" xmlns:mv="urn:schemas-microsoft-com:mac:vml" xmlns:p="http://schemas.openxmlformats.org/presentationml/2006/main" mc:Ignorable="mv" mc:PreserveAttributes="mv:*">
   <p:cSld>
     <p:spTree>
       <p:nvGrpSpPr>
@@ -3317,7 +3342,7 @@
           <a:p>
             <a:r>
               <a:rPr lang="en-US" dirty="0" smtClean="0"/>
-              <a:t>Merging 3</a:t>
+              <a:t>Merging 2</a:t>
             </a:r>
           </a:p>
         </p:txBody>
@@ -3325,19 +3350,19 @@
     </p:spTree>
     <p:extLst>
       <p:ext uri="{BB962C8B-B14F-4D97-AF65-F5344CB8AC3E}">
-        <p14:creationId xmlns:p14="http://schemas.microsoft.com/office/powerpoint/2010/main" val="1708097681"/>
+        <p14:creationId xmlns:p14="http://schemas.microsoft.com/office/powerpoint/2010/main" xmlns:p="http://schemas.openxmlformats.org/presentationml/2006/main" xmlns:r="http://schemas.openxmlformats.org/officeDocument/2006/relationships" xmlns:a="http://schemas.openxmlformats.org/drawingml/2006/main" xmlns="" val="3388594987"/>
       </p:ext>
     </p:extLst>
   </p:cSld>
   <p:clrMapOvr>
     <a:masterClrMapping/>
   </p:clrMapOvr>
-  <p:transition xmlns:p14="http://schemas.microsoft.com/office/powerpoint/2010/main"/>
+  <p:transition/>
 </p:sld>
 </file>
 
 <file path=ppt/slides/slide12.xml><?xml version="1.0" encoding="utf-8"?>
-<p:sld xmlns:a="http://schemas.openxmlformats.org/drawingml/2006/main" xmlns:r="http://schemas.openxmlformats.org/officeDocument/2006/relationships" xmlns:p="http://schemas.openxmlformats.org/presentationml/2006/main">
+<p:sld xmlns:a="http://schemas.openxmlformats.org/drawingml/2006/main" xmlns:r="http://schemas.openxmlformats.org/officeDocument/2006/relationships" xmlns:mc="http://schemas.openxmlformats.org/markup-compatibility/2006" xmlns:mv="urn:schemas-microsoft-com:mac:vml" xmlns:p="http://schemas.openxmlformats.org/presentationml/2006/main" mc:Ignorable="mv" mc:PreserveAttributes="mv:*">
   <p:cSld>
     <p:spTree>
       <p:nvGrpSpPr>
@@ -3377,7 +3402,7 @@
           <a:p>
             <a:r>
               <a:rPr lang="en-US" dirty="0" smtClean="0"/>
-              <a:t>Recommended workflow 1</a:t>
+              <a:t>Merging 3</a:t>
             </a:r>
           </a:p>
         </p:txBody>
@@ -3385,19 +3410,19 @@
     </p:spTree>
     <p:extLst>
       <p:ext uri="{BB962C8B-B14F-4D97-AF65-F5344CB8AC3E}">
-        <p14:creationId xmlns:p14="http://schemas.microsoft.com/office/powerpoint/2010/main" val="1703534084"/>
+        <p14:creationId xmlns:p14="http://schemas.microsoft.com/office/powerpoint/2010/main" xmlns:p="http://schemas.openxmlformats.org/presentationml/2006/main" xmlns:r="http://schemas.openxmlformats.org/officeDocument/2006/relationships" xmlns:a="http://schemas.openxmlformats.org/drawingml/2006/main" xmlns="" val="1708097681"/>
       </p:ext>
     </p:extLst>
   </p:cSld>
   <p:clrMapOvr>
     <a:masterClrMapping/>
   </p:clrMapOvr>
-  <p:transition xmlns:p14="http://schemas.microsoft.com/office/powerpoint/2010/main"/>
+  <p:transition/>
 </p:sld>
 </file>
 
-<file path=ppt/slides/slide2.xml><?xml version="1.0" encoding="utf-8"?>
-<p:sld xmlns:a="http://schemas.openxmlformats.org/drawingml/2006/main" xmlns:r="http://schemas.openxmlformats.org/officeDocument/2006/relationships" xmlns:p="http://schemas.openxmlformats.org/presentationml/2006/main">
+<file path=ppt/slides/slide13.xml><?xml version="1.0" encoding="utf-8"?>
+<p:sld xmlns:a="http://schemas.openxmlformats.org/drawingml/2006/main" xmlns:r="http://schemas.openxmlformats.org/officeDocument/2006/relationships" xmlns:mc="http://schemas.openxmlformats.org/markup-compatibility/2006" xmlns:mv="urn:schemas-microsoft-com:mac:vml" xmlns:p="http://schemas.openxmlformats.org/presentationml/2006/main" mc:Ignorable="mv" mc:PreserveAttributes="mv:*">
   <p:cSld>
     <p:spTree>
       <p:nvGrpSpPr>
@@ -3421,8 +3446,8 @@
         </p:nvSpPr>
         <p:spPr>
           <a:xfrm>
-            <a:off x="715316" y="0"/>
-            <a:ext cx="7474322" cy="6463309"/>
+            <a:off x="581000" y="932188"/>
+            <a:ext cx="5593818" cy="369332"/>
           </a:xfrm>
           <a:prstGeom prst="rect">
             <a:avLst/>
@@ -3435,227 +3460,29 @@
           </a:bodyPr>
           <a:lstStyle/>
           <a:p>
-            <a:pPr marL="342900" indent="-342900"/>
-            <a:r>
-              <a:rPr lang="en-US" dirty="0" smtClean="0"/>
-              <a:t>Important terms</a:t>
-            </a:r>
-          </a:p>
-          <a:p>
-            <a:pPr marL="342900" indent="-342900"/>
-            <a:endParaRPr lang="en-US" dirty="0" smtClean="0"/>
-          </a:p>
-          <a:p>
-            <a:pPr marL="342900" indent="-342900">
-              <a:buFont typeface="Arial"/>
-              <a:buChar char="•"/>
-            </a:pPr>
-            <a:r>
-              <a:rPr lang="en-US" dirty="0" smtClean="0"/>
-              <a:t>Repository: </a:t>
-            </a:r>
-            <a:br>
-              <a:rPr lang="en-US" dirty="0" smtClean="0"/>
-            </a:br>
-            <a:r>
-              <a:rPr lang="en-US" dirty="0" smtClean="0"/>
-              <a:t>a set of files that the VCS knows about (may be in different folders),</a:t>
-            </a:r>
-            <a:br>
-              <a:rPr lang="en-US" dirty="0" smtClean="0"/>
-            </a:br>
-            <a:r>
-              <a:rPr lang="en-US" dirty="0" smtClean="0"/>
-              <a:t>	</a:t>
-            </a:r>
-            <a:r>
-              <a:rPr lang="en-US" i="1" dirty="0" smtClean="0"/>
-              <a:t>i.e. paper manuscript and graphics files</a:t>
-            </a:r>
-          </a:p>
-          <a:p>
-            <a:pPr marL="342900" indent="-342900"/>
-            <a:endParaRPr lang="en-US" dirty="0" smtClean="0"/>
-          </a:p>
-          <a:p>
-            <a:pPr marL="342900" indent="-342900">
-              <a:buFont typeface="Arial"/>
-              <a:buChar char="•"/>
-            </a:pPr>
-            <a:r>
-              <a:rPr lang="en-US" dirty="0" err="1" smtClean="0"/>
-              <a:t>Changeset</a:t>
-            </a:r>
-            <a:r>
-              <a:rPr lang="en-US" dirty="0" smtClean="0"/>
-              <a:t>: </a:t>
-            </a:r>
-            <a:br>
-              <a:rPr lang="en-US" dirty="0" smtClean="0"/>
-            </a:br>
-            <a:r>
-              <a:rPr lang="en-US" dirty="0" smtClean="0"/>
-              <a:t>a set of modifications or ‘</a:t>
-            </a:r>
-            <a:r>
-              <a:rPr lang="en-US" dirty="0" err="1" smtClean="0"/>
-              <a:t>diffs</a:t>
-            </a:r>
-            <a:r>
-              <a:rPr lang="en-US" dirty="0" smtClean="0"/>
-              <a:t>’ to the repository (changes to files, adding/deleting files/folders),</a:t>
-            </a:r>
-            <a:br>
-              <a:rPr lang="en-US" dirty="0" smtClean="0"/>
-            </a:br>
-            <a:r>
-              <a:rPr lang="en-US" dirty="0" smtClean="0"/>
-              <a:t>	 </a:t>
-            </a:r>
-            <a:r>
-              <a:rPr lang="en-US" i="1" dirty="0" smtClean="0"/>
-              <a:t>i.e. adding a paragraph to the manuscript and replacing a 	graphics files</a:t>
-            </a:r>
-          </a:p>
-          <a:p>
-            <a:pPr marL="342900" indent="-342900">
-              <a:buFont typeface="Arial"/>
-              <a:buChar char="•"/>
-            </a:pPr>
-            <a:endParaRPr lang="en-US" dirty="0" smtClean="0"/>
-          </a:p>
-          <a:p>
-            <a:pPr marL="342900" indent="-342900">
-              <a:buFont typeface="Arial"/>
-              <a:buChar char="•"/>
-            </a:pPr>
-            <a:r>
-              <a:rPr lang="en-US" dirty="0" smtClean="0"/>
-              <a:t>Snapshot:</a:t>
-            </a:r>
-            <a:br>
-              <a:rPr lang="en-US" dirty="0" smtClean="0"/>
-            </a:br>
-            <a:r>
-              <a:rPr lang="en-US" dirty="0" smtClean="0"/>
-              <a:t>one state of the repository,</a:t>
-            </a:r>
-            <a:br>
-              <a:rPr lang="en-US" dirty="0" smtClean="0"/>
-            </a:br>
-            <a:r>
-              <a:rPr lang="en-US" dirty="0" smtClean="0"/>
-              <a:t>	 </a:t>
-            </a:r>
-            <a:r>
-              <a:rPr lang="en-US" i="1" dirty="0" smtClean="0"/>
-              <a:t>i.e. my paper on March 12, 2012, 8:26 PM)</a:t>
-            </a:r>
-            <a:endParaRPr lang="en-US" dirty="0" smtClean="0"/>
-          </a:p>
-          <a:p>
-            <a:pPr marL="342900" indent="-342900">
-              <a:buFont typeface="Arial"/>
-              <a:buChar char="•"/>
-            </a:pPr>
-            <a:endParaRPr lang="en-US" dirty="0" smtClean="0"/>
-          </a:p>
-          <a:p>
-            <a:pPr marL="342900" indent="-342900">
-              <a:buFont typeface="Arial"/>
-              <a:buChar char="•"/>
-            </a:pPr>
-            <a:r>
-              <a:rPr lang="en-US" dirty="0" smtClean="0"/>
-              <a:t>Commit:</a:t>
-            </a:r>
-            <a:br>
-              <a:rPr lang="en-US" dirty="0" smtClean="0"/>
-            </a:br>
-            <a:r>
-              <a:rPr lang="en-US" dirty="0" smtClean="0"/>
-              <a:t>An instruction to the VCS that the repository has changed, as detailed by a </a:t>
-            </a:r>
-            <a:r>
-              <a:rPr lang="en-US" dirty="0" err="1" smtClean="0"/>
-              <a:t>changeset</a:t>
-            </a:r>
-            <a:r>
-              <a:rPr lang="en-US" dirty="0" smtClean="0"/>
-              <a:t> or snapshot</a:t>
-            </a:r>
-          </a:p>
-          <a:p>
-            <a:pPr marL="342900" indent="-342900">
-              <a:buFont typeface="Arial"/>
-              <a:buChar char="•"/>
-            </a:pPr>
-            <a:endParaRPr lang="en-US" i="1" dirty="0" smtClean="0"/>
-          </a:p>
-          <a:p>
-            <a:pPr marL="342900" indent="-342900"/>
-            <a:r>
-              <a:rPr lang="en-US" i="1" dirty="0" smtClean="0"/>
-              <a:t>	</a:t>
-            </a:r>
-            <a:r>
-              <a:rPr lang="en-US" dirty="0" smtClean="0"/>
-              <a:t>(</a:t>
-            </a:r>
-            <a:r>
-              <a:rPr lang="en-US" dirty="0" err="1" smtClean="0"/>
-              <a:t>Changeset</a:t>
-            </a:r>
-            <a:r>
-              <a:rPr lang="en-US" dirty="0" smtClean="0"/>
-              <a:t>/Snapshot/Commit are used somewhat synonymous)</a:t>
-            </a:r>
-          </a:p>
-          <a:p>
-            <a:pPr marL="342900" indent="-342900">
-              <a:buFont typeface="Arial"/>
-              <a:buChar char="•"/>
-            </a:pPr>
-            <a:endParaRPr lang="en-US" dirty="0" smtClean="0"/>
-          </a:p>
-          <a:p>
-            <a:pPr marL="342900" indent="-342900">
-              <a:buFont typeface="Arial"/>
-              <a:buChar char="•"/>
-            </a:pPr>
-            <a:r>
-              <a:rPr lang="en-US" dirty="0"/>
-              <a:t>W</a:t>
-            </a:r>
-            <a:r>
-              <a:rPr lang="en-US" dirty="0" smtClean="0"/>
-              <a:t>orking directory: </a:t>
-            </a:r>
-            <a:br>
-              <a:rPr lang="en-US" dirty="0" smtClean="0"/>
-            </a:br>
-            <a:r>
-              <a:rPr lang="en-US" dirty="0" smtClean="0"/>
-              <a:t>top-level directory of the repository, abbreviated as </a:t>
-            </a:r>
-            <a:r>
-              <a:rPr lang="en-US" dirty="0" err="1" smtClean="0"/>
-              <a:t>workdir</a:t>
-            </a:r>
-            <a:endParaRPr lang="en-US" dirty="0" smtClean="0"/>
+            <a:r>
+              <a:rPr lang="en-US" dirty="0" smtClean="0"/>
+              <a:t>Recommended workflow 1</a:t>
+            </a:r>
           </a:p>
         </p:txBody>
       </p:sp>
     </p:spTree>
+    <p:extLst>
+      <p:ext uri="{BB962C8B-B14F-4D97-AF65-F5344CB8AC3E}">
+        <p14:creationId xmlns:p14="http://schemas.microsoft.com/office/powerpoint/2010/main" xmlns:p="http://schemas.openxmlformats.org/presentationml/2006/main" xmlns:r="http://schemas.openxmlformats.org/officeDocument/2006/relationships" xmlns:a="http://schemas.openxmlformats.org/drawingml/2006/main" xmlns="" val="1703534084"/>
+      </p:ext>
+    </p:extLst>
   </p:cSld>
   <p:clrMapOvr>
     <a:masterClrMapping/>
   </p:clrMapOvr>
+  <p:transition/>
 </p:sld>
 </file>
 
-<file path=ppt/slides/slide3.xml><?xml version="1.0" encoding="utf-8"?>
-<p:sld xmlns:a="http://schemas.openxmlformats.org/drawingml/2006/main" xmlns:r="http://schemas.openxmlformats.org/officeDocument/2006/relationships" xmlns:p="http://schemas.openxmlformats.org/presentationml/2006/main">
+<file path=ppt/slides/slide2.xml><?xml version="1.0" encoding="utf-8"?>
+<p:sld xmlns:a="http://schemas.openxmlformats.org/drawingml/2006/main" xmlns:r="http://schemas.openxmlformats.org/officeDocument/2006/relationships" xmlns:mc="http://schemas.openxmlformats.org/markup-compatibility/2006" xmlns:mv="urn:schemas-microsoft-com:mac:vml" xmlns:p="http://schemas.openxmlformats.org/presentationml/2006/main" mc:Ignorable="mv" mc:PreserveAttributes="mv:*">
   <p:cSld>
     <p:spTree>
       <p:nvGrpSpPr>
@@ -3679,8 +3506,8 @@
         </p:nvSpPr>
         <p:spPr>
           <a:xfrm>
-            <a:off x="1880248" y="233588"/>
-            <a:ext cx="6250996" cy="646331"/>
+            <a:off x="715316" y="0"/>
+            <a:ext cx="7474322" cy="6463309"/>
           </a:xfrm>
           <a:prstGeom prst="rect">
             <a:avLst/>
@@ -3693,168 +3520,213 @@
           </a:bodyPr>
           <a:lstStyle/>
           <a:p>
-            <a:r>
-              <a:rPr lang="en-US" dirty="0" smtClean="0"/>
-              <a:t>How do VCS work?  -  1. Tracking and logging modifications</a:t>
-            </a:r>
-          </a:p>
-          <a:p>
+            <a:pPr marL="342900" indent="-342900"/>
+            <a:r>
+              <a:rPr lang="en-US" dirty="0" smtClean="0"/>
+              <a:t>Important terms</a:t>
+            </a:r>
+          </a:p>
+          <a:p>
+            <a:pPr marL="342900" indent="-342900"/>
             <a:endParaRPr lang="en-US" dirty="0" smtClean="0"/>
           </a:p>
-        </p:txBody>
-      </p:sp>
-      <p:sp>
-        <p:nvSpPr>
-          <p:cNvPr id="3" name="TextBox 2"/>
-          <p:cNvSpPr txBox="1"/>
-          <p:nvPr/>
-        </p:nvSpPr>
-        <p:spPr>
-          <a:xfrm>
-            <a:off x="218974" y="1065746"/>
-            <a:ext cx="8685979" cy="4801315"/>
-          </a:xfrm>
-          <a:prstGeom prst="rect">
-            <a:avLst/>
-          </a:prstGeom>
-          <a:noFill/>
-        </p:spPr>
-        <p:txBody>
-          <a:bodyPr wrap="square" rtlCol="0">
-            <a:spAutoFit/>
-          </a:bodyPr>
-          <a:lstStyle/>
-          <a:p>
-            <a:pPr>
+          <a:p>
+            <a:pPr marL="342900" indent="-342900">
               <a:buFont typeface="Arial"/>
               <a:buChar char="•"/>
             </a:pPr>
             <a:r>
               <a:rPr lang="en-US" dirty="0" smtClean="0"/>
-              <a:t>When ‘initializing’ a repository, the VCS creates a folder (the VCS database, often hidden) in the </a:t>
+              <a:t>Repository: </a:t>
+            </a:r>
+            <a:br>
+              <a:rPr lang="en-US" dirty="0" smtClean="0"/>
+            </a:br>
+            <a:r>
+              <a:rPr lang="en-US" dirty="0" smtClean="0"/>
+              <a:t>a set of files that the VCS knows about (may be in different folders),</a:t>
+            </a:r>
+            <a:br>
+              <a:rPr lang="en-US" dirty="0" smtClean="0"/>
+            </a:br>
+            <a:r>
+              <a:rPr lang="en-US" dirty="0" smtClean="0"/>
+              <a:t>	</a:t>
+            </a:r>
+            <a:r>
+              <a:rPr lang="en-US" i="1" dirty="0" smtClean="0"/>
+              <a:t>i.e. paper manuscript and graphics files</a:t>
+            </a:r>
+          </a:p>
+          <a:p>
+            <a:pPr marL="342900" indent="-342900"/>
+            <a:endParaRPr lang="en-US" dirty="0" smtClean="0"/>
+          </a:p>
+          <a:p>
+            <a:pPr marL="342900" indent="-342900">
+              <a:buFont typeface="Arial"/>
+              <a:buChar char="•"/>
+            </a:pPr>
+            <a:r>
+              <a:rPr lang="en-US" dirty="0" err="1" smtClean="0"/>
+              <a:t>Changeset</a:t>
+            </a:r>
+            <a:r>
+              <a:rPr lang="en-US" dirty="0" smtClean="0"/>
+              <a:t>: </a:t>
+            </a:r>
+            <a:br>
+              <a:rPr lang="en-US" dirty="0" smtClean="0"/>
+            </a:br>
+            <a:r>
+              <a:rPr lang="en-US" dirty="0" smtClean="0"/>
+              <a:t>a set of modifications or ‘</a:t>
+            </a:r>
+            <a:r>
+              <a:rPr lang="en-US" dirty="0" err="1" smtClean="0"/>
+              <a:t>diffs</a:t>
+            </a:r>
+            <a:r>
+              <a:rPr lang="en-US" dirty="0" smtClean="0"/>
+              <a:t>’ to the repository (changes to files, adding/deleting files/folders),</a:t>
+            </a:r>
+            <a:br>
+              <a:rPr lang="en-US" dirty="0" smtClean="0"/>
+            </a:br>
+            <a:r>
+              <a:rPr lang="en-US" dirty="0" smtClean="0"/>
+              <a:t>	 </a:t>
+            </a:r>
+            <a:r>
+              <a:rPr lang="en-US" i="1" dirty="0" smtClean="0"/>
+              <a:t>i.e. adding a paragraph to the manuscript and replacing a 	graphics files</a:t>
+            </a:r>
+          </a:p>
+          <a:p>
+            <a:pPr marL="342900" indent="-342900">
+              <a:buFont typeface="Arial"/>
+              <a:buChar char="•"/>
+            </a:pPr>
+            <a:endParaRPr lang="en-US" dirty="0" smtClean="0"/>
+          </a:p>
+          <a:p>
+            <a:pPr marL="342900" indent="-342900">
+              <a:buFont typeface="Arial"/>
+              <a:buChar char="•"/>
+            </a:pPr>
+            <a:r>
+              <a:rPr lang="en-US" dirty="0" smtClean="0"/>
+              <a:t>Snapshot:</a:t>
+            </a:r>
+            <a:br>
+              <a:rPr lang="en-US" dirty="0" smtClean="0"/>
+            </a:br>
+            <a:r>
+              <a:rPr lang="en-US" dirty="0" smtClean="0"/>
+              <a:t>one state of the repository,</a:t>
+            </a:r>
+            <a:br>
+              <a:rPr lang="en-US" dirty="0" smtClean="0"/>
+            </a:br>
+            <a:r>
+              <a:rPr lang="en-US" dirty="0" smtClean="0"/>
+              <a:t>	 </a:t>
+            </a:r>
+            <a:r>
+              <a:rPr lang="en-US" i="1" dirty="0" smtClean="0"/>
+              <a:t>i.e. my paper on March 12, 2012, 8:26 PM)</a:t>
+            </a:r>
+            <a:endParaRPr lang="en-US" dirty="0" smtClean="0"/>
+          </a:p>
+          <a:p>
+            <a:pPr marL="342900" indent="-342900">
+              <a:buFont typeface="Arial"/>
+              <a:buChar char="•"/>
+            </a:pPr>
+            <a:endParaRPr lang="en-US" dirty="0" smtClean="0"/>
+          </a:p>
+          <a:p>
+            <a:pPr marL="342900" indent="-342900">
+              <a:buFont typeface="Arial"/>
+              <a:buChar char="•"/>
+            </a:pPr>
+            <a:r>
+              <a:rPr lang="en-US" dirty="0" smtClean="0"/>
+              <a:t>Commit:</a:t>
+            </a:r>
+            <a:br>
+              <a:rPr lang="en-US" dirty="0" smtClean="0"/>
+            </a:br>
+            <a:r>
+              <a:rPr lang="en-US" dirty="0" smtClean="0"/>
+              <a:t>An instruction to the VCS that the repository has changed, as detailed by a </a:t>
+            </a:r>
+            <a:r>
+              <a:rPr lang="en-US" dirty="0" err="1" smtClean="0"/>
+              <a:t>changeset</a:t>
+            </a:r>
+            <a:r>
+              <a:rPr lang="en-US" dirty="0" smtClean="0"/>
+              <a:t> or snapshot</a:t>
+            </a:r>
+          </a:p>
+          <a:p>
+            <a:pPr marL="342900" indent="-342900">
+              <a:buFont typeface="Arial"/>
+              <a:buChar char="•"/>
+            </a:pPr>
+            <a:endParaRPr lang="en-US" i="1" dirty="0" smtClean="0"/>
+          </a:p>
+          <a:p>
+            <a:pPr marL="342900" indent="-342900"/>
+            <a:r>
+              <a:rPr lang="en-US" i="1" dirty="0" smtClean="0"/>
+              <a:t>	</a:t>
+            </a:r>
+            <a:r>
+              <a:rPr lang="en-US" dirty="0" smtClean="0"/>
+              <a:t>(</a:t>
+            </a:r>
+            <a:r>
+              <a:rPr lang="en-US" dirty="0" err="1" smtClean="0"/>
+              <a:t>Changeset</a:t>
+            </a:r>
+            <a:r>
+              <a:rPr lang="en-US" dirty="0" smtClean="0"/>
+              <a:t>/Snapshot/Commit are used somewhat synonymous)</a:t>
+            </a:r>
+          </a:p>
+          <a:p>
+            <a:pPr marL="342900" indent="-342900">
+              <a:buFont typeface="Arial"/>
+              <a:buChar char="•"/>
+            </a:pPr>
+            <a:endParaRPr lang="en-US" dirty="0" smtClean="0"/>
+          </a:p>
+          <a:p>
+            <a:pPr marL="342900" indent="-342900">
+              <a:buFont typeface="Arial"/>
+              <a:buChar char="•"/>
+            </a:pPr>
+            <a:r>
+              <a:rPr lang="en-US" dirty="0"/>
+              <a:t>W</a:t>
+            </a:r>
+            <a:r>
+              <a:rPr lang="en-US" dirty="0" smtClean="0"/>
+              <a:t>orking directory: </a:t>
+            </a:r>
+            <a:br>
+              <a:rPr lang="en-US" dirty="0" smtClean="0"/>
+            </a:br>
+            <a:r>
+              <a:rPr lang="en-US" dirty="0" smtClean="0"/>
+              <a:t>top-level directory of the repository, abbreviated as </a:t>
             </a:r>
             <a:r>
               <a:rPr lang="en-US" dirty="0" err="1" smtClean="0"/>
               <a:t>workdir</a:t>
             </a:r>
-            <a:r>
-              <a:rPr lang="en-US" dirty="0" smtClean="0"/>
-              <a:t> and copies all initial files to it</a:t>
-            </a:r>
-          </a:p>
-          <a:p>
-            <a:pPr>
-              <a:buFont typeface="Arial"/>
-              <a:buChar char="•"/>
-            </a:pPr>
-            <a:endParaRPr lang="en-US" dirty="0" smtClean="0"/>
-          </a:p>
-          <a:p>
-            <a:pPr>
-              <a:buFont typeface="Arial"/>
-              <a:buChar char="•"/>
-            </a:pPr>
-            <a:endParaRPr lang="en-US" dirty="0" smtClean="0"/>
-          </a:p>
-          <a:p>
-            <a:pPr>
-              <a:buFont typeface="Arial"/>
-              <a:buChar char="•"/>
-            </a:pPr>
-            <a:endParaRPr lang="en-US" dirty="0"/>
-          </a:p>
-          <a:p>
-            <a:pPr>
-              <a:buFont typeface="Arial"/>
-              <a:buChar char="•"/>
-            </a:pPr>
-            <a:endParaRPr lang="en-US" dirty="0" smtClean="0"/>
-          </a:p>
-          <a:p>
-            <a:pPr>
-              <a:buFont typeface="Arial"/>
-              <a:buChar char="•"/>
-            </a:pPr>
-            <a:endParaRPr lang="en-US" dirty="0" smtClean="0"/>
-          </a:p>
-          <a:p>
-            <a:pPr>
-              <a:buFont typeface="Arial"/>
-              <a:buChar char="•"/>
-            </a:pPr>
-            <a:r>
-              <a:rPr lang="en-US" dirty="0" smtClean="0"/>
-              <a:t>User makes changes and tells VCS about them (‘committing’)</a:t>
-            </a:r>
-          </a:p>
-          <a:p>
-            <a:pPr>
-              <a:buFont typeface="Arial"/>
-              <a:buChar char="•"/>
-            </a:pPr>
-            <a:endParaRPr lang="en-US" dirty="0" smtClean="0"/>
-          </a:p>
-          <a:p>
-            <a:pPr>
-              <a:buFont typeface="Arial"/>
-              <a:buChar char="•"/>
-            </a:pPr>
-            <a:r>
-              <a:rPr lang="en-US" dirty="0" smtClean="0"/>
-              <a:t>VCS copies changed files from </a:t>
-            </a:r>
-            <a:r>
-              <a:rPr lang="en-US" dirty="0" err="1" smtClean="0"/>
-              <a:t>workdir</a:t>
-            </a:r>
-            <a:r>
-              <a:rPr lang="en-US" dirty="0" smtClean="0"/>
-              <a:t> to  database (either as ‘</a:t>
-            </a:r>
-            <a:r>
-              <a:rPr lang="en-US" dirty="0" err="1" smtClean="0"/>
-              <a:t>diffs’/changeset</a:t>
-            </a:r>
-            <a:r>
-              <a:rPr lang="en-US" dirty="0" smtClean="0"/>
-              <a:t> or as complete files/snapshot ) and assigns a unique identifier/version number to them</a:t>
-            </a:r>
-          </a:p>
-          <a:p>
-            <a:pPr>
-              <a:buFont typeface="Arial"/>
-              <a:buChar char="•"/>
-            </a:pPr>
-            <a:endParaRPr lang="en-US" dirty="0" smtClean="0"/>
-          </a:p>
-          <a:p>
-            <a:pPr>
-              <a:buFont typeface="Arial"/>
-              <a:buChar char="•"/>
-            </a:pPr>
-            <a:r>
-              <a:rPr lang="en-US" dirty="0" smtClean="0"/>
-              <a:t>And so on..</a:t>
-            </a:r>
-          </a:p>
-          <a:p>
-            <a:endParaRPr lang="en-US" dirty="0" smtClean="0"/>
-          </a:p>
-          <a:p>
-            <a:endParaRPr lang="en-US" dirty="0" smtClean="0"/>
-          </a:p>
-          <a:p>
-            <a:pPr>
-              <a:buFont typeface="Arial"/>
-              <a:buChar char="•"/>
-            </a:pPr>
-            <a:endParaRPr lang="en-US" dirty="0" smtClean="0"/>
-          </a:p>
-          <a:p>
-            <a:pPr>
-              <a:buFont typeface="Arial"/>
-              <a:buChar char="•"/>
-            </a:pPr>
             <a:endParaRPr lang="en-US" dirty="0" smtClean="0"/>
           </a:p>
         </p:txBody>
@@ -3864,12 +3736,11 @@
   <p:clrMapOvr>
     <a:masterClrMapping/>
   </p:clrMapOvr>
-  <p:transition xmlns:p14="http://schemas.microsoft.com/office/powerpoint/2010/main"/>
 </p:sld>
 </file>
 
-<file path=ppt/slides/slide4.xml><?xml version="1.0" encoding="utf-8"?>
-<p:sld xmlns:a="http://schemas.openxmlformats.org/drawingml/2006/main" xmlns:r="http://schemas.openxmlformats.org/officeDocument/2006/relationships" xmlns:p="http://schemas.openxmlformats.org/presentationml/2006/main">
+<file path=ppt/slides/slide3.xml><?xml version="1.0" encoding="utf-8"?>
+<p:sld xmlns:a="http://schemas.openxmlformats.org/drawingml/2006/main" xmlns:r="http://schemas.openxmlformats.org/officeDocument/2006/relationships" xmlns:mc="http://schemas.openxmlformats.org/markup-compatibility/2006" xmlns:mv="urn:schemas-microsoft-com:mac:vml" xmlns:p="http://schemas.openxmlformats.org/presentationml/2006/main" mc:Ignorable="mv" mc:PreserveAttributes="mv:*">
   <p:cSld>
     <p:spTree>
       <p:nvGrpSpPr>
@@ -3887,14 +3758,14 @@
       </p:grpSpPr>
       <p:sp>
         <p:nvSpPr>
-          <p:cNvPr id="3" name="TextBox 2"/>
+          <p:cNvPr id="4" name="TextBox 3"/>
           <p:cNvSpPr txBox="1"/>
           <p:nvPr/>
         </p:nvSpPr>
         <p:spPr>
           <a:xfrm>
-            <a:off x="1340112" y="233588"/>
-            <a:ext cx="6250996" cy="369332"/>
+            <a:off x="1880248" y="233588"/>
+            <a:ext cx="6250996" cy="646331"/>
           </a:xfrm>
           <a:prstGeom prst="rect">
             <a:avLst/>
@@ -3912,118 +3783,21 @@
               <a:t>How do VCS work?  -  1. Tracking and logging modifications</a:t>
             </a:r>
           </a:p>
-        </p:txBody>
-      </p:sp>
-      <p:sp>
-        <p:nvSpPr>
-          <p:cNvPr id="6" name="Rectangle 5"/>
-          <p:cNvSpPr/>
+          <a:p>
+            <a:endParaRPr lang="en-US" dirty="0" smtClean="0"/>
+          </a:p>
+        </p:txBody>
+      </p:sp>
+      <p:sp>
+        <p:nvSpPr>
+          <p:cNvPr id="3" name="TextBox 2"/>
+          <p:cNvSpPr txBox="1"/>
           <p:nvPr/>
         </p:nvSpPr>
         <p:spPr>
           <a:xfrm>
-            <a:off x="350358" y="1767006"/>
-            <a:ext cx="8072851" cy="2308324"/>
-          </a:xfrm>
-          <a:prstGeom prst="rect">
-            <a:avLst/>
-          </a:prstGeom>
-        </p:spPr>
-        <p:txBody>
-          <a:bodyPr wrap="square">
-            <a:spAutoFit/>
-          </a:bodyPr>
-          <a:lstStyle/>
-          <a:p>
-            <a:pPr>
-              <a:buFont typeface="Arial"/>
-              <a:buChar char="•"/>
-            </a:pPr>
-            <a:r>
-              <a:rPr lang="en-US" dirty="0" smtClean="0"/>
-              <a:t>The VCS can now restore the repository to any of the </a:t>
-            </a:r>
-            <a:r>
-              <a:rPr lang="en-US" dirty="0" err="1" smtClean="0"/>
-              <a:t>commited</a:t>
-            </a:r>
-            <a:r>
-              <a:rPr lang="en-US" dirty="0" smtClean="0"/>
-              <a:t> versions</a:t>
-            </a:r>
-            <a:br>
-              <a:rPr lang="en-US" dirty="0" smtClean="0"/>
-            </a:br>
-            <a:r>
-              <a:rPr lang="en-US" dirty="0" smtClean="0"/>
-              <a:t>	(by copying the database entry belonging to the version number to the </a:t>
-            </a:r>
-            <a:r>
-              <a:rPr lang="en-US" dirty="0" err="1" smtClean="0"/>
-              <a:t>workdir</a:t>
-            </a:r>
-            <a:r>
-              <a:rPr lang="en-US" dirty="0" smtClean="0"/>
-              <a:t>) </a:t>
-            </a:r>
-          </a:p>
-          <a:p>
-            <a:pPr>
-              <a:buFont typeface="Arial"/>
-              <a:buChar char="•"/>
-            </a:pPr>
-            <a:endParaRPr lang="en-US" dirty="0" smtClean="0"/>
-          </a:p>
-          <a:p>
-            <a:pPr>
-              <a:buFont typeface="Arial"/>
-              <a:buChar char="•"/>
-            </a:pPr>
-            <a:endParaRPr lang="en-US" dirty="0" smtClean="0"/>
-          </a:p>
-          <a:p>
-            <a:pPr>
-              <a:buFont typeface="Arial"/>
-              <a:buChar char="•"/>
-            </a:pPr>
-            <a:endParaRPr lang="en-US" dirty="0" smtClean="0"/>
-          </a:p>
-          <a:p>
-            <a:pPr>
-              <a:buFont typeface="Arial"/>
-              <a:buChar char="•"/>
-            </a:pPr>
-            <a:endParaRPr lang="en-US" dirty="0" smtClean="0"/>
-          </a:p>
-          <a:p>
-            <a:pPr>
-              <a:buFont typeface="Arial"/>
-              <a:buChar char="•"/>
-            </a:pPr>
-            <a:r>
-              <a:rPr lang="en-US" dirty="0" smtClean="0"/>
-              <a:t>The VCS can also report differences between any two arbitrary version numbers</a:t>
-            </a:r>
-            <a:br>
-              <a:rPr lang="en-US" dirty="0" smtClean="0"/>
-            </a:br>
-            <a:r>
-              <a:rPr lang="en-US" dirty="0" smtClean="0"/>
-              <a:t>	(by running a ‘diff’ between the two corresponding database entries)</a:t>
-            </a:r>
-          </a:p>
-        </p:txBody>
-      </p:sp>
-      <p:sp>
-        <p:nvSpPr>
-          <p:cNvPr id="7" name="TextBox 6"/>
-          <p:cNvSpPr txBox="1"/>
-          <p:nvPr/>
-        </p:nvSpPr>
-        <p:spPr>
-          <a:xfrm>
-            <a:off x="350358" y="5927297"/>
-            <a:ext cx="8072851" cy="369332"/>
+            <a:off x="218974" y="1065746"/>
+            <a:ext cx="8685979" cy="4801315"/>
           </a:xfrm>
           <a:prstGeom prst="rect">
             <a:avLst/>
@@ -4036,11 +3810,175 @@
           </a:bodyPr>
           <a:lstStyle/>
           <a:p>
-            <a:r>
-              <a:rPr lang="en-US" dirty="0" smtClean="0"/>
-              <a:t>That’s everything for use case 1 (Tracking and logging modifications)….   Pretty simple  </a:t>
-            </a:r>
+            <a:pPr>
+              <a:buFont typeface="Arial"/>
+              <a:buChar char="•"/>
+            </a:pPr>
+            <a:r>
+              <a:rPr lang="en-US" dirty="0" smtClean="0"/>
+              <a:t>When ‘initializing’ a repository, the VCS creates a folder (the VCS database, often hidden) in the </a:t>
+            </a:r>
+            <a:r>
+              <a:rPr lang="en-US" dirty="0" err="1" smtClean="0"/>
+              <a:t>workdir</a:t>
+            </a:r>
+            <a:r>
+              <a:rPr lang="en-US" dirty="0" smtClean="0"/>
+              <a:t> and copies all initial files to it</a:t>
+            </a:r>
+          </a:p>
+          <a:p>
+            <a:pPr>
+              <a:buFont typeface="Arial"/>
+              <a:buChar char="•"/>
+            </a:pPr>
+            <a:endParaRPr lang="en-US" dirty="0" smtClean="0"/>
+          </a:p>
+          <a:p>
+            <a:pPr>
+              <a:buFont typeface="Arial"/>
+              <a:buChar char="•"/>
+            </a:pPr>
+            <a:endParaRPr lang="en-US" dirty="0" smtClean="0"/>
+          </a:p>
+          <a:p>
+            <a:pPr>
+              <a:buFont typeface="Arial"/>
+              <a:buChar char="•"/>
+            </a:pPr>
             <a:endParaRPr lang="en-US" dirty="0"/>
+          </a:p>
+          <a:p>
+            <a:pPr>
+              <a:buFont typeface="Arial"/>
+              <a:buChar char="•"/>
+            </a:pPr>
+            <a:endParaRPr lang="en-US" dirty="0" smtClean="0"/>
+          </a:p>
+          <a:p>
+            <a:pPr>
+              <a:buFont typeface="Arial"/>
+              <a:buChar char="•"/>
+            </a:pPr>
+            <a:endParaRPr lang="en-US" dirty="0" smtClean="0"/>
+          </a:p>
+          <a:p>
+            <a:pPr>
+              <a:buFont typeface="Arial"/>
+              <a:buChar char="•"/>
+            </a:pPr>
+            <a:r>
+              <a:rPr lang="en-US" dirty="0" smtClean="0"/>
+              <a:t>User makes changes and tells VCS about them (‘committing’)</a:t>
+            </a:r>
+          </a:p>
+          <a:p>
+            <a:pPr>
+              <a:buFont typeface="Arial"/>
+              <a:buChar char="•"/>
+            </a:pPr>
+            <a:endParaRPr lang="en-US" dirty="0" smtClean="0"/>
+          </a:p>
+          <a:p>
+            <a:pPr>
+              <a:buFont typeface="Arial"/>
+              <a:buChar char="•"/>
+            </a:pPr>
+            <a:r>
+              <a:rPr lang="en-US" dirty="0" smtClean="0"/>
+              <a:t>VCS </a:t>
+            </a:r>
+            <a:r>
+              <a:rPr lang="en-US" dirty="0" smtClean="0"/>
+              <a:t>copies* </a:t>
+            </a:r>
+            <a:r>
+              <a:rPr lang="en-US" dirty="0" smtClean="0"/>
+              <a:t>changed files from </a:t>
+            </a:r>
+            <a:r>
+              <a:rPr lang="en-US" dirty="0" err="1" smtClean="0"/>
+              <a:t>workdir</a:t>
+            </a:r>
+            <a:r>
+              <a:rPr lang="en-US" dirty="0" smtClean="0"/>
+              <a:t> to  database (either as ‘</a:t>
+            </a:r>
+            <a:r>
+              <a:rPr lang="en-US" dirty="0" err="1" smtClean="0"/>
+              <a:t>diffs’/changeset</a:t>
+            </a:r>
+            <a:r>
+              <a:rPr lang="en-US" dirty="0" smtClean="0"/>
+              <a:t> or as complete files/snapshot ) and assigns a unique identifier/version number to them</a:t>
+            </a:r>
+          </a:p>
+          <a:p>
+            <a:pPr>
+              <a:buFont typeface="Arial"/>
+              <a:buChar char="•"/>
+            </a:pPr>
+            <a:endParaRPr lang="en-US" dirty="0" smtClean="0"/>
+          </a:p>
+          <a:p>
+            <a:pPr>
+              <a:buFont typeface="Arial"/>
+              <a:buChar char="•"/>
+            </a:pPr>
+            <a:r>
+              <a:rPr lang="en-US" dirty="0" smtClean="0"/>
+              <a:t>And so on..</a:t>
+            </a:r>
+          </a:p>
+          <a:p>
+            <a:endParaRPr lang="en-US" dirty="0" smtClean="0"/>
+          </a:p>
+          <a:p>
+            <a:endParaRPr lang="en-US" dirty="0" smtClean="0"/>
+          </a:p>
+          <a:p>
+            <a:pPr>
+              <a:buFont typeface="Arial"/>
+              <a:buChar char="•"/>
+            </a:pPr>
+            <a:endParaRPr lang="en-US" dirty="0" smtClean="0"/>
+          </a:p>
+          <a:p>
+            <a:pPr>
+              <a:buFont typeface="Arial"/>
+              <a:buChar char="•"/>
+            </a:pPr>
+            <a:endParaRPr lang="en-US" dirty="0" smtClean="0"/>
+          </a:p>
+        </p:txBody>
+      </p:sp>
+      <p:sp>
+        <p:nvSpPr>
+          <p:cNvPr id="5" name="TextBox 4"/>
+          <p:cNvSpPr txBox="1"/>
+          <p:nvPr/>
+        </p:nvSpPr>
+        <p:spPr>
+          <a:xfrm>
+            <a:off x="218974" y="6359361"/>
+            <a:ext cx="8160441" cy="338554"/>
+          </a:xfrm>
+          <a:prstGeom prst="rect">
+            <a:avLst/>
+          </a:prstGeom>
+          <a:noFill/>
+        </p:spPr>
+        <p:txBody>
+          <a:bodyPr wrap="square" rtlCol="0">
+            <a:spAutoFit/>
+          </a:bodyPr>
+          <a:lstStyle/>
+          <a:p>
+            <a:r>
+              <a:rPr lang="en-US" sz="1600" i="1" dirty="0" smtClean="0"/>
+              <a:t>*a lot of optimization/compression is done to save disk space</a:t>
+            </a:r>
+            <a:endParaRPr lang="en-US" sz="1600" i="1" dirty="0"/>
           </a:p>
         </p:txBody>
       </p:sp>
@@ -4049,12 +3987,12 @@
   <p:clrMapOvr>
     <a:masterClrMapping/>
   </p:clrMapOvr>
-  <p:transition xmlns:p14="http://schemas.microsoft.com/office/powerpoint/2010/main"/>
+  <p:transition/>
 </p:sld>
 </file>
 
-<file path=ppt/slides/slide5.xml><?xml version="1.0" encoding="utf-8"?>
-<p:sld xmlns:a="http://schemas.openxmlformats.org/drawingml/2006/main" xmlns:r="http://schemas.openxmlformats.org/officeDocument/2006/relationships" xmlns:p="http://schemas.openxmlformats.org/presentationml/2006/main">
+<file path=ppt/slides/slide4.xml><?xml version="1.0" encoding="utf-8"?>
+<p:sld xmlns:a="http://schemas.openxmlformats.org/drawingml/2006/main" xmlns:r="http://schemas.openxmlformats.org/officeDocument/2006/relationships" xmlns:mc="http://schemas.openxmlformats.org/markup-compatibility/2006" xmlns:mv="urn:schemas-microsoft-com:mac:vml" xmlns:p="http://schemas.openxmlformats.org/presentationml/2006/main" mc:Ignorable="mv" mc:PreserveAttributes="mv:*">
   <p:cSld>
     <p:spTree>
       <p:nvGrpSpPr>
@@ -4078,8 +4016,8 @@
         </p:nvSpPr>
         <p:spPr>
           <a:xfrm>
-            <a:off x="1340112" y="0"/>
-            <a:ext cx="6250996" cy="646331"/>
+            <a:off x="1340112" y="233588"/>
+            <a:ext cx="6250996" cy="369332"/>
           </a:xfrm>
           <a:prstGeom prst="rect">
             <a:avLst/>
@@ -4094,24 +4032,121 @@
           <a:p>
             <a:r>
               <a:rPr lang="en-US" dirty="0" smtClean="0"/>
-              <a:t>How do VCS work?  -  2. Backup of a complete project history</a:t>
-            </a:r>
-          </a:p>
-          <a:p>
+              <a:t>How do VCS work?  -  1. Tracking and logging modifications</a:t>
+            </a:r>
+          </a:p>
+        </p:txBody>
+      </p:sp>
+      <p:sp>
+        <p:nvSpPr>
+          <p:cNvPr id="6" name="Rectangle 5"/>
+          <p:cNvSpPr/>
+          <p:nvPr/>
+        </p:nvSpPr>
+        <p:spPr>
+          <a:xfrm>
+            <a:off x="350358" y="1767006"/>
+            <a:ext cx="8072851" cy="2308324"/>
+          </a:xfrm>
+          <a:prstGeom prst="rect">
+            <a:avLst/>
+          </a:prstGeom>
+        </p:spPr>
+        <p:txBody>
+          <a:bodyPr wrap="square">
+            <a:spAutoFit/>
+          </a:bodyPr>
+          <a:lstStyle/>
+          <a:p>
+            <a:pPr>
+              <a:buFont typeface="Arial"/>
+              <a:buChar char="•"/>
+            </a:pPr>
+            <a:r>
+              <a:rPr lang="en-US" dirty="0" smtClean="0"/>
+              <a:t>The VCS can now restore the repository to any of the </a:t>
+            </a:r>
+            <a:r>
+              <a:rPr lang="en-US" dirty="0" err="1" smtClean="0"/>
+              <a:t>commited</a:t>
+            </a:r>
+            <a:r>
+              <a:rPr lang="en-US" dirty="0" smtClean="0"/>
+              <a:t> versions</a:t>
+            </a:r>
+            <a:br>
+              <a:rPr lang="en-US" dirty="0" smtClean="0"/>
+            </a:br>
+            <a:r>
+              <a:rPr lang="en-US" dirty="0" smtClean="0"/>
+              <a:t>	(by copying the database entry belonging to the version number to the </a:t>
+            </a:r>
+            <a:r>
+              <a:rPr lang="en-US" dirty="0" err="1" smtClean="0"/>
+              <a:t>workdir</a:t>
+            </a:r>
+            <a:r>
+              <a:rPr lang="en-US" dirty="0" smtClean="0"/>
+              <a:t>) </a:t>
+            </a:r>
+          </a:p>
+          <a:p>
+            <a:pPr>
+              <a:buFont typeface="Arial"/>
+              <a:buChar char="•"/>
+            </a:pPr>
             <a:endParaRPr lang="en-US" dirty="0" smtClean="0"/>
           </a:p>
-        </p:txBody>
-      </p:sp>
-      <p:sp>
-        <p:nvSpPr>
-          <p:cNvPr id="4" name="TextBox 3"/>
+          <a:p>
+            <a:pPr>
+              <a:buFont typeface="Arial"/>
+              <a:buChar char="•"/>
+            </a:pPr>
+            <a:endParaRPr lang="en-US" dirty="0" smtClean="0"/>
+          </a:p>
+          <a:p>
+            <a:pPr>
+              <a:buFont typeface="Arial"/>
+              <a:buChar char="•"/>
+            </a:pPr>
+            <a:endParaRPr lang="en-US" dirty="0" smtClean="0"/>
+          </a:p>
+          <a:p>
+            <a:pPr>
+              <a:buFont typeface="Arial"/>
+              <a:buChar char="•"/>
+            </a:pPr>
+            <a:endParaRPr lang="en-US" dirty="0" smtClean="0"/>
+          </a:p>
+          <a:p>
+            <a:pPr>
+              <a:buFont typeface="Arial"/>
+              <a:buChar char="•"/>
+            </a:pPr>
+            <a:r>
+              <a:rPr lang="en-US" dirty="0" smtClean="0"/>
+              <a:t>The VCS can also report differences between any two arbitrary version numbers</a:t>
+            </a:r>
+            <a:br>
+              <a:rPr lang="en-US" dirty="0" smtClean="0"/>
+            </a:br>
+            <a:r>
+              <a:rPr lang="en-US" dirty="0" smtClean="0"/>
+              <a:t>	(by running a ‘diff’ between the two corresponding database entries)</a:t>
+            </a:r>
+          </a:p>
+        </p:txBody>
+      </p:sp>
+      <p:sp>
+        <p:nvSpPr>
+          <p:cNvPr id="7" name="TextBox 6"/>
           <p:cNvSpPr txBox="1"/>
           <p:nvPr/>
         </p:nvSpPr>
         <p:spPr>
           <a:xfrm>
-            <a:off x="248170" y="646331"/>
-            <a:ext cx="8895829" cy="923330"/>
+            <a:off x="350358" y="5927297"/>
+            <a:ext cx="8072851" cy="369332"/>
           </a:xfrm>
           <a:prstGeom prst="rect">
             <a:avLst/>
@@ -4124,142 +4159,9 @@
           </a:bodyPr>
           <a:lstStyle/>
           <a:p>
-            <a:pPr>
-              <a:buFont typeface="Arial"/>
-              <a:buChar char="•"/>
-            </a:pPr>
-            <a:r>
-              <a:rPr lang="en-US" dirty="0" smtClean="0"/>
-              <a:t>Backup: usually means copying files to a different hard drive or server</a:t>
-            </a:r>
-          </a:p>
-          <a:p>
-            <a:pPr>
-              <a:buFont typeface="Arial"/>
-              <a:buChar char="•"/>
-            </a:pPr>
-            <a:endParaRPr lang="en-US" dirty="0" smtClean="0"/>
-          </a:p>
-          <a:p>
-            <a:pPr>
-              <a:buFont typeface="Arial"/>
-              <a:buChar char="•"/>
-            </a:pPr>
-            <a:r>
-              <a:rPr lang="en-US" dirty="0" smtClean="0"/>
-              <a:t>Backup using VCS: the complete </a:t>
-            </a:r>
-            <a:r>
-              <a:rPr lang="en-US" dirty="0" err="1" smtClean="0"/>
-              <a:t>workdir</a:t>
-            </a:r>
-            <a:r>
-              <a:rPr lang="en-US" dirty="0" smtClean="0"/>
-              <a:t> (current files + VCS database) is copied to a server</a:t>
-            </a:r>
-            <a:endParaRPr lang="en-US" dirty="0"/>
-          </a:p>
-        </p:txBody>
-      </p:sp>
-      <p:sp>
-        <p:nvSpPr>
-          <p:cNvPr id="6" name="TextBox 5"/>
-          <p:cNvSpPr txBox="1"/>
-          <p:nvPr/>
-        </p:nvSpPr>
-        <p:spPr>
-          <a:xfrm>
-            <a:off x="248170" y="3868803"/>
-            <a:ext cx="8612988" cy="1754327"/>
-          </a:xfrm>
-          <a:prstGeom prst="rect">
-            <a:avLst/>
-          </a:prstGeom>
-          <a:noFill/>
-        </p:spPr>
-        <p:txBody>
-          <a:bodyPr wrap="square" rtlCol="0">
-            <a:spAutoFit/>
-          </a:bodyPr>
-          <a:lstStyle/>
-          <a:p>
-            <a:r>
-              <a:rPr lang="en-US" dirty="0" smtClean="0"/>
-              <a:t>Slight complication: commits to </a:t>
-            </a:r>
-            <a:r>
-              <a:rPr lang="en-US" dirty="0" err="1" smtClean="0"/>
-              <a:t>workdir</a:t>
-            </a:r>
-            <a:r>
-              <a:rPr lang="en-US" dirty="0" smtClean="0"/>
-              <a:t> and backup to server are not necessarily synced</a:t>
-            </a:r>
-          </a:p>
-          <a:p>
-            <a:endParaRPr lang="en-US" dirty="0" smtClean="0"/>
-          </a:p>
-          <a:p>
-            <a:r>
-              <a:rPr lang="en-US" dirty="0" smtClean="0"/>
-              <a:t>-&gt; Every time a backup is made:</a:t>
-            </a:r>
-          </a:p>
-          <a:p>
-            <a:pPr marL="342900" indent="342900">
-              <a:buFont typeface="+mj-lt"/>
-              <a:buAutoNum type="arabicPeriod"/>
-            </a:pPr>
-            <a:r>
-              <a:rPr lang="en-US" dirty="0" smtClean="0"/>
-              <a:t>The VCS determines which version numbers exist in the </a:t>
-            </a:r>
-            <a:r>
-              <a:rPr lang="en-US" dirty="0" err="1" smtClean="0"/>
-              <a:t>workdir</a:t>
-            </a:r>
-            <a:r>
-              <a:rPr lang="en-US" dirty="0" smtClean="0"/>
-              <a:t> but not on the server</a:t>
-            </a:r>
-          </a:p>
-          <a:p>
-            <a:pPr marL="342900" indent="342900">
-              <a:buFont typeface="+mj-lt"/>
-              <a:buAutoNum type="arabicPeriod"/>
-            </a:pPr>
-            <a:r>
-              <a:rPr lang="en-US" dirty="0" smtClean="0"/>
-              <a:t>Only the database entries belonging to these are copied to the server		</a:t>
-            </a:r>
-            <a:endParaRPr lang="en-US" dirty="0"/>
-          </a:p>
-        </p:txBody>
-      </p:sp>
-      <p:sp>
-        <p:nvSpPr>
-          <p:cNvPr id="7" name="Rectangle 6"/>
-          <p:cNvSpPr/>
-          <p:nvPr/>
-        </p:nvSpPr>
-        <p:spPr>
-          <a:xfrm>
-            <a:off x="493410" y="5888503"/>
-            <a:ext cx="8046585" cy="369332"/>
-          </a:xfrm>
-          <a:prstGeom prst="rect">
-            <a:avLst/>
-          </a:prstGeom>
-        </p:spPr>
-        <p:txBody>
-          <a:bodyPr wrap="square">
-            <a:spAutoFit/>
-          </a:bodyPr>
-          <a:lstStyle/>
-          <a:p>
-            <a:r>
-              <a:rPr lang="en-US" dirty="0" smtClean="0"/>
-              <a:t>That’s everything for use case 2 (Backing up)….   Pretty simple  </a:t>
+            <a:r>
+              <a:rPr lang="en-US" dirty="0" smtClean="0"/>
+              <a:t>That’s everything for use case 1 (Tracking and logging modifications)….   Pretty simple  </a:t>
             </a:r>
             <a:endParaRPr lang="en-US" dirty="0"/>
           </a:p>
@@ -4270,12 +4172,12 @@
   <p:clrMapOvr>
     <a:masterClrMapping/>
   </p:clrMapOvr>
-  <p:transition xmlns:p14="http://schemas.microsoft.com/office/powerpoint/2010/main"/>
+  <p:transition/>
 </p:sld>
 </file>
 
-<file path=ppt/slides/slide6.xml><?xml version="1.0" encoding="utf-8"?>
-<p:sld xmlns:a="http://schemas.openxmlformats.org/drawingml/2006/main" xmlns:r="http://schemas.openxmlformats.org/officeDocument/2006/relationships" xmlns:p="http://schemas.openxmlformats.org/presentationml/2006/main">
+<file path=ppt/slides/slide5.xml><?xml version="1.0" encoding="utf-8"?>
+<p:sld xmlns:a="http://schemas.openxmlformats.org/drawingml/2006/main" xmlns:r="http://schemas.openxmlformats.org/officeDocument/2006/relationships" xmlns:mc="http://schemas.openxmlformats.org/markup-compatibility/2006" xmlns:mv="urn:schemas-microsoft-com:mac:vml" xmlns:p="http://schemas.openxmlformats.org/presentationml/2006/main" mc:Ignorable="mv" mc:PreserveAttributes="mv:*">
   <p:cSld>
     <p:spTree>
       <p:nvGrpSpPr>
@@ -4299,8 +4201,8 @@
         </p:nvSpPr>
         <p:spPr>
           <a:xfrm>
-            <a:off x="715315" y="0"/>
-            <a:ext cx="8087449" cy="646331"/>
+            <a:off x="1340112" y="0"/>
+            <a:ext cx="6250996" cy="646331"/>
           </a:xfrm>
           <a:prstGeom prst="rect">
             <a:avLst/>
@@ -4315,32 +4217,24 @@
           <a:p>
             <a:r>
               <a:rPr lang="en-US" dirty="0" smtClean="0"/>
-              <a:t>How do VCS work?  -  3. Collaboration of 2-∞ people on the same project</a:t>
-            </a:r>
-          </a:p>
-          <a:p>
-            <a:pPr algn="ctr"/>
-            <a:r>
-              <a:rPr lang="en-US" sz="1400" dirty="0" smtClean="0"/>
-              <a:t>(and things get complicated…)</a:t>
-            </a:r>
-            <a:r>
-              <a:rPr lang="en-US" dirty="0" smtClean="0"/>
-              <a:t> </a:t>
-            </a:r>
-          </a:p>
-        </p:txBody>
-      </p:sp>
-      <p:sp>
-        <p:nvSpPr>
-          <p:cNvPr id="5" name="TextBox 4"/>
+              <a:t>How do VCS work?  -  2. Backup of a complete project history</a:t>
+            </a:r>
+          </a:p>
+          <a:p>
+            <a:endParaRPr lang="en-US" dirty="0" smtClean="0"/>
+          </a:p>
+        </p:txBody>
+      </p:sp>
+      <p:sp>
+        <p:nvSpPr>
+          <p:cNvPr id="4" name="TextBox 3"/>
           <p:cNvSpPr txBox="1"/>
           <p:nvPr/>
         </p:nvSpPr>
         <p:spPr>
           <a:xfrm>
-            <a:off x="335761" y="1328532"/>
-            <a:ext cx="8808239" cy="1754327"/>
+            <a:off x="248170" y="646331"/>
+            <a:ext cx="8895829" cy="923330"/>
           </a:xfrm>
           <a:prstGeom prst="rect">
             <a:avLst/>
@@ -4359,7 +4253,7 @@
             </a:pPr>
             <a:r>
               <a:rPr lang="en-US" dirty="0" smtClean="0"/>
-              <a:t>The basic problem: no more linear project history</a:t>
+              <a:t>Backup: usually means copying files to a different hard drive or server</a:t>
             </a:r>
           </a:p>
           <a:p>
@@ -4376,38 +4270,7 @@
             </a:pPr>
             <a:r>
               <a:rPr lang="en-US" dirty="0" smtClean="0"/>
-              <a:t>Let’s assume: 2 developers (Alice and Bob) work on a project backed up on the same server</a:t>
-            </a:r>
-          </a:p>
-          <a:p>
-            <a:pPr>
-              <a:buFont typeface="Arial"/>
-              <a:buChar char="•"/>
-            </a:pPr>
-            <a:endParaRPr lang="en-US" dirty="0" smtClean="0"/>
-          </a:p>
-          <a:p>
-            <a:pPr>
-              <a:buFont typeface="Arial"/>
-              <a:buChar char="•"/>
-            </a:pPr>
-            <a:r>
-              <a:rPr lang="en-US" dirty="0" smtClean="0"/>
-              <a:t>Both A+B make commits to the project on their local machine</a:t>
-            </a:r>
-          </a:p>
-          <a:p>
-            <a:r>
-              <a:rPr lang="en-US" dirty="0" smtClean="0"/>
-              <a:t>(but eventually all </a:t>
-            </a:r>
-            <a:r>
-              <a:rPr lang="en-US" dirty="0" err="1" smtClean="0"/>
-              <a:t>changesets</a:t>
-            </a:r>
-            <a:r>
-              <a:rPr lang="en-US" dirty="0" smtClean="0"/>
-              <a:t> should be combined in the same </a:t>
+              <a:t>Backup using VCS: the complete </a:t>
             </a:r>
             <a:r>
               <a:rPr lang="en-US" dirty="0" err="1" smtClean="0"/>
@@ -4415,7 +4278,7 @@
             </a:r>
             <a:r>
               <a:rPr lang="en-US" dirty="0" smtClean="0"/>
-              <a:t>)</a:t>
+              <a:t> (current files + VCS database) is copied to a server</a:t>
             </a:r>
             <a:endParaRPr lang="en-US" dirty="0"/>
           </a:p>
@@ -4423,14 +4286,14 @@
       </p:sp>
       <p:sp>
         <p:nvSpPr>
-          <p:cNvPr id="4" name="TextBox 3"/>
+          <p:cNvPr id="6" name="TextBox 5"/>
           <p:cNvSpPr txBox="1"/>
           <p:nvPr/>
         </p:nvSpPr>
         <p:spPr>
           <a:xfrm>
-            <a:off x="335761" y="5314129"/>
-            <a:ext cx="8014457" cy="923330"/>
+            <a:off x="248170" y="3868803"/>
+            <a:ext cx="8612988" cy="1754327"/>
           </a:xfrm>
           <a:prstGeom prst="rect">
             <a:avLst/>
@@ -4443,13 +4306,91 @@
           </a:bodyPr>
           <a:lstStyle/>
           <a:p>
+            <a:r>
+              <a:rPr lang="en-US" dirty="0" smtClean="0"/>
+              <a:t>Slight complication: commits to </a:t>
+            </a:r>
+            <a:r>
+              <a:rPr lang="en-US" dirty="0" err="1" smtClean="0"/>
+              <a:t>workdir</a:t>
+            </a:r>
+            <a:r>
+              <a:rPr lang="en-US" dirty="0" smtClean="0"/>
+              <a:t> and backup to server are not necessarily synced</a:t>
+            </a:r>
+          </a:p>
+          <a:p>
+            <a:endParaRPr lang="en-US" dirty="0" smtClean="0"/>
+          </a:p>
+          <a:p>
+            <a:r>
+              <a:rPr lang="en-US" dirty="0" smtClean="0"/>
+              <a:t>-&gt; Every time a backup is made:</a:t>
+            </a:r>
+          </a:p>
+          <a:p>
+            <a:pPr marL="342900" indent="342900">
+              <a:buFont typeface="+mj-lt"/>
+              <a:buAutoNum type="arabicPeriod"/>
+            </a:pPr>
+            <a:r>
+              <a:rPr lang="en-US" dirty="0" smtClean="0"/>
+              <a:t>The VCS determines which version numbers exist in the </a:t>
+            </a:r>
+            <a:r>
+              <a:rPr lang="en-US" dirty="0" err="1" smtClean="0"/>
+              <a:t>workdir</a:t>
+            </a:r>
+            <a:r>
+              <a:rPr lang="en-US" dirty="0" smtClean="0"/>
+              <a:t> but not on the server</a:t>
+            </a:r>
+          </a:p>
+          <a:p>
+            <a:pPr marL="342900" indent="342900">
+              <a:buFont typeface="+mj-lt"/>
+              <a:buAutoNum type="arabicPeriod"/>
+            </a:pPr>
+            <a:r>
+              <a:rPr lang="en-US" dirty="0" smtClean="0"/>
+              <a:t>Only the database entries belonging to these are copied to the server		</a:t>
+            </a:r>
+            <a:endParaRPr lang="en-US" dirty="0"/>
+          </a:p>
+        </p:txBody>
+      </p:sp>
+      <p:sp>
+        <p:nvSpPr>
+          <p:cNvPr id="7" name="Rectangle 6"/>
+          <p:cNvSpPr/>
+          <p:nvPr/>
+        </p:nvSpPr>
+        <p:spPr>
+          <a:xfrm>
+            <a:off x="248170" y="5888503"/>
+            <a:ext cx="8046585" cy="646331"/>
+          </a:xfrm>
+          <a:prstGeom prst="rect">
+            <a:avLst/>
+          </a:prstGeom>
+        </p:spPr>
+        <p:txBody>
+          <a:bodyPr wrap="square">
+            <a:spAutoFit/>
+          </a:bodyPr>
+          <a:lstStyle/>
+          <a:p>
             <a:pPr>
               <a:buFont typeface="Arial"/>
               <a:buChar char="•"/>
             </a:pPr>
             <a:r>
               <a:rPr lang="en-US" dirty="0" smtClean="0"/>
-              <a:t>The commit history is ‘diverged’ or ‘branched’</a:t>
+              <a:t>That’s everything for use case 2 (Backing up)….   Pretty </a:t>
+            </a:r>
+            <a:r>
+              <a:rPr lang="en-US" dirty="0" smtClean="0"/>
+              <a:t>simple</a:t>
             </a:r>
           </a:p>
           <a:p>
@@ -4457,37 +4398,29 @@
               <a:buFont typeface="Arial"/>
               <a:buChar char="•"/>
             </a:pPr>
-            <a:endParaRPr lang="en-US" dirty="0" smtClean="0"/>
-          </a:p>
-          <a:p>
-            <a:pPr>
-              <a:buFont typeface="Arial"/>
-              <a:buChar char="•"/>
-            </a:pPr>
-            <a:r>
-              <a:rPr lang="en-US" dirty="0" smtClean="0"/>
-              <a:t>To manage this, a VCS can perform two operations: ‘branching’ and ‘merging’  </a:t>
+            <a:r>
+              <a:rPr lang="en-US" dirty="0" smtClean="0"/>
+              <a:t>Note that often the server copy is called the ‘master’</a:t>
+            </a:r>
+            <a:r>
+              <a:rPr lang="en-US" dirty="0" smtClean="0"/>
+              <a:t>  </a:t>
             </a:r>
             <a:endParaRPr lang="en-US" dirty="0"/>
           </a:p>
         </p:txBody>
       </p:sp>
     </p:spTree>
-    <p:extLst>
-      <p:ext uri="{BB962C8B-B14F-4D97-AF65-F5344CB8AC3E}">
-        <p14:creationId xmlns:p14="http://schemas.microsoft.com/office/powerpoint/2010/main" val="653782836"/>
-      </p:ext>
-    </p:extLst>
   </p:cSld>
   <p:clrMapOvr>
     <a:masterClrMapping/>
   </p:clrMapOvr>
-  <p:transition xmlns:p14="http://schemas.microsoft.com/office/powerpoint/2010/main"/>
+  <p:transition/>
 </p:sld>
 </file>
 
-<file path=ppt/slides/slide7.xml><?xml version="1.0" encoding="utf-8"?>
-<p:sld xmlns:a="http://schemas.openxmlformats.org/drawingml/2006/main" xmlns:r="http://schemas.openxmlformats.org/officeDocument/2006/relationships" xmlns:p="http://schemas.openxmlformats.org/presentationml/2006/main">
+<file path=ppt/slides/slide6.xml><?xml version="1.0" encoding="utf-8"?>
+<p:sld xmlns:a="http://schemas.openxmlformats.org/drawingml/2006/main" xmlns:r="http://schemas.openxmlformats.org/officeDocument/2006/relationships" xmlns:mc="http://schemas.openxmlformats.org/markup-compatibility/2006" xmlns:mv="urn:schemas-microsoft-com:mac:vml" xmlns:p="http://schemas.openxmlformats.org/presentationml/2006/main" mc:Ignorable="mv" mc:PreserveAttributes="mv:*">
   <p:cSld>
     <p:spTree>
       <p:nvGrpSpPr>
@@ -4505,14 +4438,14 @@
       </p:grpSpPr>
       <p:sp>
         <p:nvSpPr>
-          <p:cNvPr id="4" name="TextBox 3"/>
+          <p:cNvPr id="3" name="TextBox 2"/>
           <p:cNvSpPr txBox="1"/>
           <p:nvPr/>
         </p:nvSpPr>
         <p:spPr>
           <a:xfrm>
-            <a:off x="581000" y="932188"/>
-            <a:ext cx="8221764" cy="2031325"/>
+            <a:off x="715315" y="0"/>
+            <a:ext cx="8087449" cy="646331"/>
           </a:xfrm>
           <a:prstGeom prst="rect">
             <a:avLst/>
@@ -4525,74 +4458,34 @@
           </a:bodyPr>
           <a:lstStyle/>
           <a:p>
-            <a:pPr>
-              <a:buFont typeface="Arial"/>
-              <a:buChar char="•"/>
-            </a:pPr>
-            <a:r>
-              <a:rPr lang="en-US" dirty="0" smtClean="0"/>
-              <a:t>A ‘branch’ is a </a:t>
-            </a:r>
-            <a:r>
-              <a:rPr lang="en-US" dirty="0" err="1" smtClean="0"/>
-              <a:t>wdsflk</a:t>
-            </a:r>
-            <a:endParaRPr lang="en-US" dirty="0" smtClean="0"/>
-          </a:p>
-          <a:p>
-            <a:pPr>
-              <a:buFont typeface="Arial"/>
-              <a:buChar char="•"/>
-            </a:pPr>
-            <a:endParaRPr lang="en-US" dirty="0" smtClean="0"/>
-          </a:p>
-          <a:p>
-            <a:pPr>
-              <a:buFont typeface="Arial"/>
-              <a:buChar char="•"/>
-            </a:pPr>
-            <a:r>
-              <a:rPr lang="en-US" dirty="0" smtClean="0"/>
-              <a:t>An arbitrary number of branches can exist (and also backed up to the server), e.g. Alice’s and Bob’s changes </a:t>
-            </a:r>
-          </a:p>
-          <a:p>
-            <a:pPr>
-              <a:buFont typeface="Arial"/>
-              <a:buChar char="•"/>
-            </a:pPr>
-            <a:endParaRPr lang="en-US" dirty="0" smtClean="0"/>
-          </a:p>
-          <a:p>
-            <a:pPr>
-              <a:buFont typeface="Arial"/>
-              <a:buChar char="•"/>
-            </a:pPr>
-            <a:r>
-              <a:rPr lang="en-US" dirty="0" smtClean="0"/>
-              <a:t>The VCS can set the files in the </a:t>
-            </a:r>
-            <a:r>
-              <a:rPr lang="en-US" dirty="0" err="1" smtClean="0"/>
-              <a:t>workdir</a:t>
-            </a:r>
-            <a:r>
-              <a:rPr lang="en-US" dirty="0" smtClean="0"/>
-              <a:t> to any of the branch commits (e.g. Bob can see Alice’s work without changing his own)</a:t>
-            </a:r>
-          </a:p>
-        </p:txBody>
-      </p:sp>
-      <p:sp>
-        <p:nvSpPr>
-          <p:cNvPr id="3" name="TextBox 2"/>
+            <a:r>
+              <a:rPr lang="en-US" dirty="0" smtClean="0"/>
+              <a:t>How do VCS work?  -  3. Collaboration of 2-∞ people on the same project</a:t>
+            </a:r>
+          </a:p>
+          <a:p>
+            <a:pPr algn="ctr"/>
+            <a:r>
+              <a:rPr lang="en-US" sz="1400" dirty="0" smtClean="0"/>
+              <a:t>(and things get complicated…)</a:t>
+            </a:r>
+            <a:r>
+              <a:rPr lang="en-US" dirty="0" smtClean="0"/>
+              <a:t> </a:t>
+            </a:r>
+          </a:p>
+        </p:txBody>
+      </p:sp>
+      <p:sp>
+        <p:nvSpPr>
+          <p:cNvPr id="6" name="TextBox 5"/>
           <p:cNvSpPr txBox="1"/>
           <p:nvPr/>
         </p:nvSpPr>
         <p:spPr>
           <a:xfrm>
-            <a:off x="715315" y="0"/>
-            <a:ext cx="8087449" cy="369332"/>
+            <a:off x="423350" y="1251959"/>
+            <a:ext cx="7766287" cy="923330"/>
           </a:xfrm>
           <a:prstGeom prst="rect">
             <a:avLst/>
@@ -4607,27 +4500,129 @@
           <a:p>
             <a:r>
               <a:rPr lang="en-US" dirty="0" smtClean="0"/>
-              <a:t>How do VCS work?  -  3. Collaboration of 2-∞ people on the same project</a:t>
-            </a:r>
+              <a:t>Definition of collaboration in this context:</a:t>
+            </a:r>
+          </a:p>
+          <a:p>
+            <a:r>
+              <a:rPr lang="en-US" dirty="0" smtClean="0"/>
+              <a:t>	-&gt; several users simultaneously modify the repository (changing/adding/	</a:t>
+            </a:r>
+            <a:r>
+              <a:rPr lang="en-US" dirty="0" smtClean="0"/>
+              <a:t>	</a:t>
+            </a:r>
+            <a:r>
+              <a:rPr lang="en-US" dirty="0" smtClean="0"/>
+              <a:t>deleting files)</a:t>
+            </a:r>
+            <a:endParaRPr lang="en-US" dirty="0"/>
+          </a:p>
+        </p:txBody>
+      </p:sp>
+      <p:sp>
+        <p:nvSpPr>
+          <p:cNvPr id="7" name="TextBox 6"/>
+          <p:cNvSpPr txBox="1"/>
+          <p:nvPr/>
+        </p:nvSpPr>
+        <p:spPr>
+          <a:xfrm>
+            <a:off x="423350" y="2700862"/>
+            <a:ext cx="8175039" cy="1754327"/>
+          </a:xfrm>
+          <a:prstGeom prst="rect">
+            <a:avLst/>
+          </a:prstGeom>
+          <a:noFill/>
+        </p:spPr>
+        <p:txBody>
+          <a:bodyPr wrap="square" rtlCol="0">
+            <a:spAutoFit/>
+          </a:bodyPr>
+          <a:lstStyle/>
+          <a:p>
+            <a:r>
+              <a:rPr lang="en-US" dirty="0" smtClean="0"/>
+              <a:t>This necessitates two things:</a:t>
+            </a:r>
+          </a:p>
+          <a:p>
+            <a:pPr marL="342900" indent="-342900">
+              <a:buFont typeface="+mj-lt"/>
+              <a:buAutoNum type="arabicPeriod"/>
+            </a:pPr>
+            <a:r>
+              <a:rPr lang="en-US" dirty="0" smtClean="0"/>
+              <a:t>Users can work on an isolated version of the repository without interfering with others (or changing the master repository)</a:t>
+            </a:r>
+          </a:p>
+          <a:p>
+            <a:pPr marL="342900" indent="-342900">
+              <a:buFont typeface="+mj-lt"/>
+              <a:buAutoNum type="arabicPeriod"/>
+            </a:pPr>
+            <a:endParaRPr lang="en-US" dirty="0" smtClean="0"/>
+          </a:p>
+          <a:p>
+            <a:pPr marL="342900" indent="-342900">
+              <a:buFont typeface="+mj-lt"/>
+              <a:buAutoNum type="arabicPeriod"/>
+            </a:pPr>
+            <a:r>
+              <a:rPr lang="en-US" dirty="0" smtClean="0"/>
+              <a:t>When the time has come, users can easily combine the different changes they made into the master repository</a:t>
+            </a:r>
+            <a:endParaRPr lang="en-US" dirty="0"/>
+          </a:p>
+        </p:txBody>
+      </p:sp>
+      <p:sp>
+        <p:nvSpPr>
+          <p:cNvPr id="8" name="TextBox 7"/>
+          <p:cNvSpPr txBox="1"/>
+          <p:nvPr/>
+        </p:nvSpPr>
+        <p:spPr>
+          <a:xfrm>
+            <a:off x="218974" y="5357927"/>
+            <a:ext cx="8379415" cy="369332"/>
+          </a:xfrm>
+          <a:prstGeom prst="rect">
+            <a:avLst/>
+          </a:prstGeom>
+          <a:noFill/>
+        </p:spPr>
+        <p:txBody>
+          <a:bodyPr wrap="square" rtlCol="0">
+            <a:spAutoFit/>
+          </a:bodyPr>
+          <a:lstStyle/>
+          <a:p>
+            <a:r>
+              <a:rPr lang="en-US" dirty="0" smtClean="0"/>
+              <a:t>To allow for this, VCS support operations called ‘branching’ (1) and ‘merging’ (2)</a:t>
+            </a:r>
+            <a:endParaRPr lang="en-US" dirty="0"/>
           </a:p>
         </p:txBody>
       </p:sp>
     </p:spTree>
     <p:extLst>
       <p:ext uri="{BB962C8B-B14F-4D97-AF65-F5344CB8AC3E}">
-        <p14:creationId xmlns:p14="http://schemas.microsoft.com/office/powerpoint/2010/main" val="502525717"/>
+        <p14:creationId xmlns:p14="http://schemas.microsoft.com/office/powerpoint/2010/main" xmlns:p="http://schemas.openxmlformats.org/presentationml/2006/main" xmlns:r="http://schemas.openxmlformats.org/officeDocument/2006/relationships" xmlns:a="http://schemas.openxmlformats.org/drawingml/2006/main" xmlns="" val="653782836"/>
       </p:ext>
     </p:extLst>
   </p:cSld>
   <p:clrMapOvr>
     <a:masterClrMapping/>
   </p:clrMapOvr>
-  <p:transition xmlns:p14="http://schemas.microsoft.com/office/powerpoint/2010/main"/>
+  <p:transition/>
 </p:sld>
 </file>
 
-<file path=ppt/slides/slide8.xml><?xml version="1.0" encoding="utf-8"?>
-<p:sld xmlns:a="http://schemas.openxmlformats.org/drawingml/2006/main" xmlns:r="http://schemas.openxmlformats.org/officeDocument/2006/relationships" xmlns:p="http://schemas.openxmlformats.org/presentationml/2006/main">
+<file path=ppt/slides/slide7.xml><?xml version="1.0" encoding="utf-8"?>
+<p:sld xmlns:a="http://schemas.openxmlformats.org/drawingml/2006/main" xmlns:r="http://schemas.openxmlformats.org/officeDocument/2006/relationships" xmlns:mc="http://schemas.openxmlformats.org/markup-compatibility/2006" xmlns:mv="urn:schemas-microsoft-com:mac:vml" xmlns:p="http://schemas.openxmlformats.org/presentationml/2006/main" mc:Ignorable="mv" mc:PreserveAttributes="mv:*">
   <p:cSld>
     <p:spTree>
       <p:nvGrpSpPr>
@@ -4645,14 +4640,14 @@
       </p:grpSpPr>
       <p:sp>
         <p:nvSpPr>
-          <p:cNvPr id="4" name="TextBox 3"/>
+          <p:cNvPr id="3" name="TextBox 2"/>
           <p:cNvSpPr txBox="1"/>
           <p:nvPr/>
         </p:nvSpPr>
         <p:spPr>
           <a:xfrm>
-            <a:off x="581000" y="932188"/>
-            <a:ext cx="5593818" cy="369332"/>
+            <a:off x="715315" y="0"/>
+            <a:ext cx="8087449" cy="646331"/>
           </a:xfrm>
           <a:prstGeom prst="rect">
             <a:avLst/>
@@ -4667,21 +4662,32 @@
           <a:p>
             <a:r>
               <a:rPr lang="en-US" dirty="0" smtClean="0"/>
-              <a:t>Branching 2</a:t>
-            </a:r>
-          </a:p>
-        </p:txBody>
-      </p:sp>
-      <p:sp>
-        <p:nvSpPr>
-          <p:cNvPr id="3" name="TextBox 2"/>
+              <a:t>How do VCS work?  -  3. Collaboration of 2-∞ people on the same project</a:t>
+            </a:r>
+          </a:p>
+          <a:p>
+            <a:pPr algn="ctr"/>
+            <a:r>
+              <a:rPr lang="en-US" sz="1400" dirty="0" smtClean="0"/>
+              <a:t>(and things get complicated…)</a:t>
+            </a:r>
+            <a:r>
+              <a:rPr lang="en-US" dirty="0" smtClean="0"/>
+              <a:t> </a:t>
+            </a:r>
+          </a:p>
+        </p:txBody>
+      </p:sp>
+      <p:sp>
+        <p:nvSpPr>
+          <p:cNvPr id="5" name="TextBox 4"/>
           <p:cNvSpPr txBox="1"/>
           <p:nvPr/>
         </p:nvSpPr>
         <p:spPr>
           <a:xfrm>
-            <a:off x="715315" y="0"/>
-            <a:ext cx="8087449" cy="369332"/>
+            <a:off x="335761" y="1328532"/>
+            <a:ext cx="8808239" cy="1754327"/>
           </a:xfrm>
           <a:prstGeom prst="rect">
             <a:avLst/>
@@ -4694,9 +4700,107 @@
           </a:bodyPr>
           <a:lstStyle/>
           <a:p>
-            <a:r>
-              <a:rPr lang="en-US" dirty="0" smtClean="0"/>
-              <a:t>How do VCS work?  -  3. Collaboration of 2-∞ people on the same project</a:t>
+            <a:pPr>
+              <a:buFont typeface="Arial"/>
+              <a:buChar char="•"/>
+            </a:pPr>
+            <a:r>
+              <a:rPr lang="en-US" dirty="0" smtClean="0"/>
+              <a:t>The basic problem: no more linear project history</a:t>
+            </a:r>
+          </a:p>
+          <a:p>
+            <a:pPr>
+              <a:buFont typeface="Arial"/>
+              <a:buChar char="•"/>
+            </a:pPr>
+            <a:endParaRPr lang="en-US" dirty="0" smtClean="0"/>
+          </a:p>
+          <a:p>
+            <a:pPr>
+              <a:buFont typeface="Arial"/>
+              <a:buChar char="•"/>
+            </a:pPr>
+            <a:r>
+              <a:rPr lang="en-US" dirty="0" smtClean="0"/>
+              <a:t>Let’s assume: 2 developers (Alice and Bob) work on a project backed up on the same server</a:t>
+            </a:r>
+          </a:p>
+          <a:p>
+            <a:pPr>
+              <a:buFont typeface="Arial"/>
+              <a:buChar char="•"/>
+            </a:pPr>
+            <a:endParaRPr lang="en-US" dirty="0" smtClean="0"/>
+          </a:p>
+          <a:p>
+            <a:pPr>
+              <a:buFont typeface="Arial"/>
+              <a:buChar char="•"/>
+            </a:pPr>
+            <a:r>
+              <a:rPr lang="en-US" dirty="0" smtClean="0"/>
+              <a:t>Both A+B make commits to the project on their local machine</a:t>
+            </a:r>
+          </a:p>
+          <a:p>
+            <a:r>
+              <a:rPr lang="en-US" dirty="0" smtClean="0"/>
+              <a:t>(but eventually all </a:t>
+            </a:r>
+            <a:r>
+              <a:rPr lang="en-US" dirty="0" err="1" smtClean="0"/>
+              <a:t>changesets</a:t>
+            </a:r>
+            <a:r>
+              <a:rPr lang="en-US" dirty="0" smtClean="0"/>
+              <a:t> should be combined in the same </a:t>
+            </a:r>
+            <a:r>
+              <a:rPr lang="en-US" dirty="0" err="1" smtClean="0"/>
+              <a:t>workdir</a:t>
+            </a:r>
+            <a:r>
+              <a:rPr lang="en-US" dirty="0" smtClean="0"/>
+              <a:t>)</a:t>
+            </a:r>
+            <a:endParaRPr lang="en-US" dirty="0"/>
+          </a:p>
+        </p:txBody>
+      </p:sp>
+      <p:sp>
+        <p:nvSpPr>
+          <p:cNvPr id="4" name="TextBox 3"/>
+          <p:cNvSpPr txBox="1"/>
+          <p:nvPr/>
+        </p:nvSpPr>
+        <p:spPr>
+          <a:xfrm>
+            <a:off x="335761" y="5683461"/>
+            <a:ext cx="8014457" cy="369332"/>
+          </a:xfrm>
+          <a:prstGeom prst="rect">
+            <a:avLst/>
+          </a:prstGeom>
+          <a:noFill/>
+        </p:spPr>
+        <p:txBody>
+          <a:bodyPr wrap="square" rtlCol="0">
+            <a:spAutoFit/>
+          </a:bodyPr>
+          <a:lstStyle/>
+          <a:p>
+            <a:pPr>
+              <a:buFont typeface="Arial"/>
+              <a:buChar char="•"/>
+            </a:pPr>
+            <a:r>
+              <a:rPr lang="en-US" dirty="0" smtClean="0"/>
+              <a:t>The commit history is ‘diverged’ or ‘branched</a:t>
+            </a:r>
+            <a:r>
+              <a:rPr lang="en-US" dirty="0" smtClean="0"/>
+              <a:t>’</a:t>
             </a:r>
           </a:p>
         </p:txBody>
@@ -4704,19 +4808,19 @@
     </p:spTree>
     <p:extLst>
       <p:ext uri="{BB962C8B-B14F-4D97-AF65-F5344CB8AC3E}">
-        <p14:creationId xmlns:p14="http://schemas.microsoft.com/office/powerpoint/2010/main" val="2278185650"/>
+        <p14:creationId xmlns:p14="http://schemas.microsoft.com/office/powerpoint/2010/main" xmlns:p="http://schemas.openxmlformats.org/presentationml/2006/main" xmlns:r="http://schemas.openxmlformats.org/officeDocument/2006/relationships" xmlns:a="http://schemas.openxmlformats.org/drawingml/2006/main" xmlns="" val="653782836"/>
       </p:ext>
     </p:extLst>
   </p:cSld>
   <p:clrMapOvr>
     <a:masterClrMapping/>
   </p:clrMapOvr>
-  <p:transition xmlns:p14="http://schemas.microsoft.com/office/powerpoint/2010/main"/>
+  <p:transition/>
 </p:sld>
 </file>
 
-<file path=ppt/slides/slide9.xml><?xml version="1.0" encoding="utf-8"?>
-<p:sld xmlns:a="http://schemas.openxmlformats.org/drawingml/2006/main" xmlns:r="http://schemas.openxmlformats.org/officeDocument/2006/relationships" xmlns:p="http://schemas.openxmlformats.org/presentationml/2006/main">
+<file path=ppt/slides/slide8.xml><?xml version="1.0" encoding="utf-8"?>
+<p:sld xmlns:a="http://schemas.openxmlformats.org/drawingml/2006/main" xmlns:r="http://schemas.openxmlformats.org/officeDocument/2006/relationships" xmlns:mc="http://schemas.openxmlformats.org/markup-compatibility/2006" xmlns:mv="urn:schemas-microsoft-com:mac:vml" xmlns:p="http://schemas.openxmlformats.org/presentationml/2006/main" mc:Ignorable="mv" mc:PreserveAttributes="mv:*">
   <p:cSld>
     <p:spTree>
       <p:nvGrpSpPr>
@@ -4740,8 +4844,8 @@
         </p:nvSpPr>
         <p:spPr>
           <a:xfrm>
-            <a:off x="581000" y="932188"/>
-            <a:ext cx="5593818" cy="369332"/>
+            <a:off x="581000" y="744562"/>
+            <a:ext cx="8221764" cy="2308324"/>
           </a:xfrm>
           <a:prstGeom prst="rect">
             <a:avLst/>
@@ -4754,24 +4858,381 @@
           </a:bodyPr>
           <a:lstStyle/>
           <a:p>
-            <a:r>
-              <a:rPr lang="en-US" dirty="0" smtClean="0"/>
-              <a:t>Merging 1</a:t>
-            </a:r>
+            <a:pPr>
+              <a:buFont typeface="Arial"/>
+              <a:buChar char="•"/>
+            </a:pPr>
+            <a:r>
+              <a:rPr lang="en-US" dirty="0" smtClean="0"/>
+              <a:t>A ‘branch’ is</a:t>
+            </a:r>
+            <a:r>
+              <a:rPr lang="en-US" dirty="0" smtClean="0"/>
+              <a:t> </a:t>
+            </a:r>
+            <a:r>
+              <a:rPr lang="en-US" dirty="0" smtClean="0"/>
+              <a:t>essentially a complete copy of the whole repository</a:t>
+            </a:r>
+            <a:br>
+              <a:rPr lang="en-US" dirty="0" smtClean="0"/>
+            </a:br>
+            <a:r>
+              <a:rPr lang="en-US" dirty="0" smtClean="0"/>
+              <a:t>	</a:t>
+            </a:r>
+            <a:r>
+              <a:rPr lang="en-US" sz="1400" dirty="0" smtClean="0"/>
+              <a:t>(when creating a branch, a repository copy is created in the VCS database*)</a:t>
+            </a:r>
+            <a:endParaRPr lang="en-US" dirty="0" smtClean="0"/>
+          </a:p>
+          <a:p>
+            <a:pPr>
+              <a:buFont typeface="Arial"/>
+              <a:buChar char="•"/>
+            </a:pPr>
+            <a:endParaRPr lang="en-US" dirty="0" smtClean="0"/>
+          </a:p>
+          <a:p>
+            <a:pPr>
+              <a:buFont typeface="Arial"/>
+              <a:buChar char="•"/>
+            </a:pPr>
+            <a:r>
+              <a:rPr lang="en-US" dirty="0" smtClean="0"/>
+              <a:t>An arbitrary number of branches can exist (and also backed up to the server), e.g. Alice’s and Bob’s changes </a:t>
+            </a:r>
+          </a:p>
+          <a:p>
+            <a:pPr>
+              <a:buFont typeface="Arial"/>
+              <a:buChar char="•"/>
+            </a:pPr>
+            <a:endParaRPr lang="en-US" dirty="0" smtClean="0"/>
+          </a:p>
+          <a:p>
+            <a:pPr>
+              <a:buFont typeface="Arial"/>
+              <a:buChar char="•"/>
+            </a:pPr>
+            <a:r>
+              <a:rPr lang="en-US" dirty="0" smtClean="0"/>
+              <a:t>The VCS can set the files in the </a:t>
+            </a:r>
+            <a:r>
+              <a:rPr lang="en-US" dirty="0" err="1" smtClean="0"/>
+              <a:t>workdir</a:t>
+            </a:r>
+            <a:r>
+              <a:rPr lang="en-US" dirty="0" smtClean="0"/>
+              <a:t> to any of the branch commits (e.g. Bob can see Alice’s work without changing his own)</a:t>
+            </a:r>
+          </a:p>
+        </p:txBody>
+      </p:sp>
+      <p:sp>
+        <p:nvSpPr>
+          <p:cNvPr id="3" name="TextBox 2"/>
+          <p:cNvSpPr txBox="1"/>
+          <p:nvPr/>
+        </p:nvSpPr>
+        <p:spPr>
+          <a:xfrm>
+            <a:off x="715315" y="0"/>
+            <a:ext cx="8087449" cy="369332"/>
+          </a:xfrm>
+          <a:prstGeom prst="rect">
+            <a:avLst/>
+          </a:prstGeom>
+          <a:noFill/>
+        </p:spPr>
+        <p:txBody>
+          <a:bodyPr wrap="square" rtlCol="0">
+            <a:spAutoFit/>
+          </a:bodyPr>
+          <a:lstStyle/>
+          <a:p>
+            <a:r>
+              <a:rPr lang="en-US" dirty="0" smtClean="0"/>
+              <a:t>How do VCS work?  -  3. Collaboration of 2-∞ people on the same project</a:t>
+            </a:r>
+          </a:p>
+        </p:txBody>
+      </p:sp>
+      <p:sp>
+        <p:nvSpPr>
+          <p:cNvPr id="6" name="TextBox 5"/>
+          <p:cNvSpPr txBox="1"/>
+          <p:nvPr/>
+        </p:nvSpPr>
+        <p:spPr>
+          <a:xfrm>
+            <a:off x="581000" y="5489320"/>
+            <a:ext cx="8221764" cy="646331"/>
+          </a:xfrm>
+          <a:prstGeom prst="rect">
+            <a:avLst/>
+          </a:prstGeom>
+          <a:noFill/>
+        </p:spPr>
+        <p:txBody>
+          <a:bodyPr wrap="square" rtlCol="0">
+            <a:spAutoFit/>
+          </a:bodyPr>
+          <a:lstStyle/>
+          <a:p>
+            <a:pPr>
+              <a:buFont typeface="Arial"/>
+              <a:buChar char="•"/>
+            </a:pPr>
+            <a:r>
+              <a:rPr lang="en-US" dirty="0" smtClean="0"/>
+              <a:t>Internally, VCS essentially deals with branching the same as with other commits: a snapshot of the repository is saved in the database    …but there are 2 complications</a:t>
+            </a:r>
+            <a:endParaRPr lang="en-US" dirty="0"/>
+          </a:p>
+        </p:txBody>
+      </p:sp>
+      <p:sp>
+        <p:nvSpPr>
+          <p:cNvPr id="7" name="TextBox 6"/>
+          <p:cNvSpPr txBox="1"/>
+          <p:nvPr/>
+        </p:nvSpPr>
+        <p:spPr>
+          <a:xfrm>
+            <a:off x="218974" y="6519446"/>
+            <a:ext cx="8160441" cy="338554"/>
+          </a:xfrm>
+          <a:prstGeom prst="rect">
+            <a:avLst/>
+          </a:prstGeom>
+          <a:noFill/>
+        </p:spPr>
+        <p:txBody>
+          <a:bodyPr wrap="square" rtlCol="0">
+            <a:spAutoFit/>
+          </a:bodyPr>
+          <a:lstStyle/>
+          <a:p>
+            <a:r>
+              <a:rPr lang="en-US" sz="1600" i="1" dirty="0" smtClean="0"/>
+              <a:t>*a lot of optimization/compression is done to save disk space</a:t>
+            </a:r>
+            <a:endParaRPr lang="en-US" sz="1600" i="1" dirty="0"/>
           </a:p>
         </p:txBody>
       </p:sp>
     </p:spTree>
     <p:extLst>
       <p:ext uri="{BB962C8B-B14F-4D97-AF65-F5344CB8AC3E}">
-        <p14:creationId xmlns:p14="http://schemas.microsoft.com/office/powerpoint/2010/main" val="2864348573"/>
+        <p14:creationId xmlns:p14="http://schemas.microsoft.com/office/powerpoint/2010/main" xmlns:p="http://schemas.openxmlformats.org/presentationml/2006/main" xmlns:r="http://schemas.openxmlformats.org/officeDocument/2006/relationships" xmlns:a="http://schemas.openxmlformats.org/drawingml/2006/main" xmlns="" val="502525717"/>
       </p:ext>
     </p:extLst>
   </p:cSld>
   <p:clrMapOvr>
     <a:masterClrMapping/>
   </p:clrMapOvr>
-  <p:transition xmlns:p14="http://schemas.microsoft.com/office/powerpoint/2010/main"/>
+  <p:transition/>
+</p:sld>
+</file>
+
+<file path=ppt/slides/slide9.xml><?xml version="1.0" encoding="utf-8"?>
+<p:sld xmlns:a="http://schemas.openxmlformats.org/drawingml/2006/main" xmlns:r="http://schemas.openxmlformats.org/officeDocument/2006/relationships" xmlns:mc="http://schemas.openxmlformats.org/markup-compatibility/2006" xmlns:mv="urn:schemas-microsoft-com:mac:vml" xmlns:p="http://schemas.openxmlformats.org/presentationml/2006/main" mc:Ignorable="mv" mc:PreserveAttributes="mv:*">
+  <p:cSld>
+    <p:spTree>
+      <p:nvGrpSpPr>
+        <p:cNvPr id="1" name=""/>
+        <p:cNvGrpSpPr/>
+        <p:nvPr/>
+      </p:nvGrpSpPr>
+      <p:grpSpPr>
+        <a:xfrm>
+          <a:off x="0" y="0"/>
+          <a:ext cx="0" cy="0"/>
+          <a:chOff x="0" y="0"/>
+          <a:chExt cx="0" cy="0"/>
+        </a:xfrm>
+      </p:grpSpPr>
+      <p:sp>
+        <p:nvSpPr>
+          <p:cNvPr id="3" name="TextBox 2"/>
+          <p:cNvSpPr txBox="1"/>
+          <p:nvPr/>
+        </p:nvSpPr>
+        <p:spPr>
+          <a:xfrm>
+            <a:off x="715315" y="0"/>
+            <a:ext cx="8087449" cy="369332"/>
+          </a:xfrm>
+          <a:prstGeom prst="rect">
+            <a:avLst/>
+          </a:prstGeom>
+          <a:noFill/>
+        </p:spPr>
+        <p:txBody>
+          <a:bodyPr wrap="square" rtlCol="0">
+            <a:spAutoFit/>
+          </a:bodyPr>
+          <a:lstStyle/>
+          <a:p>
+            <a:r>
+              <a:rPr lang="en-US" dirty="0" smtClean="0"/>
+              <a:t>How do VCS work?  -  3. Collaboration of 2-∞ people on the same project</a:t>
+            </a:r>
+          </a:p>
+        </p:txBody>
+      </p:sp>
+      <p:sp>
+        <p:nvSpPr>
+          <p:cNvPr id="5" name="Rectangle 4"/>
+          <p:cNvSpPr/>
+          <p:nvPr/>
+        </p:nvSpPr>
+        <p:spPr>
+          <a:xfrm>
+            <a:off x="1" y="715363"/>
+            <a:ext cx="9144000" cy="1477328"/>
+          </a:xfrm>
+          <a:prstGeom prst="rect">
+            <a:avLst/>
+          </a:prstGeom>
+        </p:spPr>
+        <p:txBody>
+          <a:bodyPr wrap="square">
+            <a:spAutoFit/>
+          </a:bodyPr>
+          <a:lstStyle/>
+          <a:p>
+            <a:pPr>
+              <a:buFont typeface="Arial"/>
+              <a:buChar char="•"/>
+            </a:pPr>
+            <a:r>
+              <a:rPr lang="en-US" dirty="0" smtClean="0"/>
+              <a:t>In a branched repository, there is no more linear commit repository</a:t>
+            </a:r>
+          </a:p>
+          <a:p>
+            <a:pPr>
+              <a:buFont typeface="Arial"/>
+              <a:buChar char="•"/>
+            </a:pPr>
+            <a:endParaRPr lang="en-US" dirty="0" smtClean="0"/>
+          </a:p>
+          <a:p>
+            <a:r>
+              <a:rPr lang="en-US" dirty="0" smtClean="0"/>
+              <a:t>-&gt; Problem 1: Commits can’t be saved in the VCS database under ‘V1’, ‘V2’, ‘V3’, etc..</a:t>
+            </a:r>
+          </a:p>
+          <a:p>
+            <a:pPr>
+              <a:buFont typeface="Arial"/>
+              <a:buChar char="•"/>
+            </a:pPr>
+            <a:endParaRPr lang="en-US" dirty="0" smtClean="0"/>
+          </a:p>
+          <a:p>
+            <a:r>
+              <a:rPr lang="en-US" dirty="0" smtClean="0"/>
+              <a:t>-&gt; Problem 2: it’s still necessary to know how commits are related (for reasons explained later)</a:t>
+            </a:r>
+            <a:endParaRPr lang="en-US" dirty="0" smtClean="0"/>
+          </a:p>
+        </p:txBody>
+      </p:sp>
+      <p:sp>
+        <p:nvSpPr>
+          <p:cNvPr id="6" name="TextBox 5"/>
+          <p:cNvSpPr txBox="1"/>
+          <p:nvPr/>
+        </p:nvSpPr>
+        <p:spPr>
+          <a:xfrm>
+            <a:off x="0" y="4992945"/>
+            <a:ext cx="9144000" cy="1415772"/>
+          </a:xfrm>
+          <a:prstGeom prst="rect">
+            <a:avLst/>
+          </a:prstGeom>
+          <a:noFill/>
+        </p:spPr>
+        <p:txBody>
+          <a:bodyPr wrap="square" rtlCol="0">
+            <a:spAutoFit/>
+          </a:bodyPr>
+          <a:lstStyle/>
+          <a:p>
+            <a:r>
+              <a:rPr lang="en-US" dirty="0" smtClean="0"/>
+              <a:t>Modern VCS like </a:t>
+            </a:r>
+            <a:r>
+              <a:rPr lang="en-US" dirty="0" err="1" smtClean="0"/>
+              <a:t>Git</a:t>
+            </a:r>
+            <a:r>
+              <a:rPr lang="en-US" dirty="0" smtClean="0"/>
+              <a:t> solve these two problems by:</a:t>
+            </a:r>
+          </a:p>
+          <a:p>
+            <a:pPr marL="342900" indent="-342900">
+              <a:buAutoNum type="arabicParenR"/>
+            </a:pPr>
+            <a:r>
+              <a:rPr lang="en-US" dirty="0" smtClean="0"/>
+              <a:t>Assigning a unique identifier based on commit content to each commit (instead of a number)</a:t>
+            </a:r>
+            <a:br>
+              <a:rPr lang="en-US" dirty="0" smtClean="0"/>
+            </a:br>
+            <a:r>
+              <a:rPr lang="en-US" dirty="0" smtClean="0"/>
+              <a:t>	</a:t>
+            </a:r>
+            <a:r>
+              <a:rPr lang="en-US" sz="1400" dirty="0" smtClean="0"/>
+              <a:t>-&gt;</a:t>
+            </a:r>
+            <a:r>
+              <a:rPr lang="en-US" sz="1400" dirty="0" err="1" smtClean="0"/>
+              <a:t>Git</a:t>
+            </a:r>
+            <a:r>
+              <a:rPr lang="en-US" sz="1400" dirty="0" smtClean="0"/>
+              <a:t> uses SHA1-hashes (40 digit hexadecimal numbers, i.e. b0c2115fcf96d6df28872d2a42f9e7726790e2df)</a:t>
+            </a:r>
+            <a:br>
+              <a:rPr lang="en-US" sz="1400" dirty="0" smtClean="0"/>
+            </a:br>
+            <a:endParaRPr lang="en-US" sz="1400" dirty="0" smtClean="0"/>
+          </a:p>
+          <a:p>
+            <a:pPr marL="342900" indent="-342900">
+              <a:buAutoNum type="arabicParenR"/>
+            </a:pPr>
+            <a:r>
+              <a:rPr lang="en-US" dirty="0" smtClean="0"/>
+              <a:t>Every commit contains a pointer to its parent commit </a:t>
+            </a:r>
+            <a:endParaRPr lang="en-US" dirty="0"/>
+          </a:p>
+        </p:txBody>
+      </p:sp>
+    </p:spTree>
+    <p:extLst>
+      <p:ext uri="{BB962C8B-B14F-4D97-AF65-F5344CB8AC3E}">
+        <p14:creationId xmlns:p14="http://schemas.microsoft.com/office/powerpoint/2010/main" xmlns:p="http://schemas.openxmlformats.org/presentationml/2006/main" xmlns:r="http://schemas.openxmlformats.org/officeDocument/2006/relationships" xmlns:a="http://schemas.openxmlformats.org/drawingml/2006/main" xmlns="" val="2278185650"/>
+      </p:ext>
+    </p:extLst>
+  </p:cSld>
+  <p:clrMapOvr>
+    <a:masterClrMapping/>
+  </p:clrMapOvr>
+  <p:transition/>
 </p:sld>
 </file>
 

--- a/git_python_kurs.pptx
+++ b/git_python_kurs.pptx
@@ -1,27 +1,28 @@
 
 <file path=ppt/presentation.xml><?xml version="1.0" encoding="utf-8"?>
-<p:presentation xmlns:a="http://schemas.openxmlformats.org/drawingml/2006/main" xmlns:r="http://schemas.openxmlformats.org/officeDocument/2006/relationships" xmlns:mc="http://schemas.openxmlformats.org/markup-compatibility/2006" xmlns:mv="urn:schemas-microsoft-com:mac:vml" xmlns:p="http://schemas.openxmlformats.org/presentationml/2006/main" mc:Ignorable="mv" mc:PreserveAttributes="mv:*" saveSubsetFonts="1" autoCompressPictures="0">
+<p:presentation xmlns:a="http://schemas.openxmlformats.org/drawingml/2006/main" xmlns:r="http://schemas.openxmlformats.org/officeDocument/2006/relationships" xmlns:p="http://schemas.openxmlformats.org/presentationml/2006/main" saveSubsetFonts="1" autoCompressPictures="0">
   <p:sldMasterIdLst>
     <p:sldMasterId id="2147483648" r:id="rId1"/>
   </p:sldMasterIdLst>
   <p:sldIdLst>
     <p:sldId id="256" r:id="rId2"/>
-    <p:sldId id="261" r:id="rId3"/>
-    <p:sldId id="257" r:id="rId4"/>
-    <p:sldId id="272" r:id="rId5"/>
-    <p:sldId id="258" r:id="rId6"/>
-    <p:sldId id="262" r:id="rId7"/>
-    <p:sldId id="263" r:id="rId8"/>
-    <p:sldId id="270" r:id="rId9"/>
-    <p:sldId id="265" r:id="rId10"/>
-    <p:sldId id="266" r:id="rId11"/>
-    <p:sldId id="273" r:id="rId12"/>
-    <p:sldId id="264" r:id="rId13"/>
-    <p:sldId id="271" r:id="rId14"/>
-    <p:sldId id="267" r:id="rId15"/>
-    <p:sldId id="268" r:id="rId16"/>
-    <p:sldId id="274" r:id="rId17"/>
-    <p:sldId id="269" r:id="rId18"/>
+    <p:sldId id="275" r:id="rId3"/>
+    <p:sldId id="261" r:id="rId4"/>
+    <p:sldId id="257" r:id="rId5"/>
+    <p:sldId id="272" r:id="rId6"/>
+    <p:sldId id="258" r:id="rId7"/>
+    <p:sldId id="262" r:id="rId8"/>
+    <p:sldId id="263" r:id="rId9"/>
+    <p:sldId id="270" r:id="rId10"/>
+    <p:sldId id="265" r:id="rId11"/>
+    <p:sldId id="266" r:id="rId12"/>
+    <p:sldId id="273" r:id="rId13"/>
+    <p:sldId id="264" r:id="rId14"/>
+    <p:sldId id="271" r:id="rId15"/>
+    <p:sldId id="267" r:id="rId16"/>
+    <p:sldId id="268" r:id="rId17"/>
+    <p:sldId id="274" r:id="rId18"/>
+    <p:sldId id="269" r:id="rId19"/>
   </p:sldIdLst>
   <p:sldSz cx="9144000" cy="6858000" type="screen4x3"/>
   <p:notesSz cx="6858000" cy="9144000"/>
@@ -124,7 +125,7 @@
 </file>
 
 <file path=ppt/slideLayouts/slideLayout1.xml><?xml version="1.0" encoding="utf-8"?>
-<p:sldLayout xmlns:a="http://schemas.openxmlformats.org/drawingml/2006/main" xmlns:r="http://schemas.openxmlformats.org/officeDocument/2006/relationships" xmlns:mc="http://schemas.openxmlformats.org/markup-compatibility/2006" xmlns:mv="urn:schemas-microsoft-com:mac:vml" xmlns:p="http://schemas.openxmlformats.org/presentationml/2006/main" mc:Ignorable="mv" mc:PreserveAttributes="mv:*" type="title" preserve="1">
+<p:sldLayout xmlns:a="http://schemas.openxmlformats.org/drawingml/2006/main" xmlns:r="http://schemas.openxmlformats.org/officeDocument/2006/relationships" xmlns:p="http://schemas.openxmlformats.org/presentationml/2006/main" type="title" preserve="1">
   <p:cSld name="Title Slide">
     <p:spTree>
       <p:nvGrpSpPr>
@@ -305,7 +306,7 @@
             <a:fld id="{7AB4D525-FEA6-4C46-A836-18AB099A0B80}" type="datetimeFigureOut">
               <a:rPr lang="en-US" smtClean="0"/>
               <a:pPr/>
-              <a:t>2/13/15</a:t>
+              <a:t>2/16/15</a:t>
             </a:fld>
             <a:endParaRPr lang="en-US"/>
           </a:p>
@@ -348,7 +349,7 @@
             <a:fld id="{4F754926-63EB-4746-BA1D-DEED820DE9EA}" type="slidenum">
               <a:rPr lang="en-US" smtClean="0"/>
               <a:pPr/>
-              <a:t>‹#›</a:t>
+              <a:t>‹Nr.›</a:t>
             </a:fld>
             <a:endParaRPr lang="en-US"/>
           </a:p>
@@ -363,7 +364,7 @@
 </file>
 
 <file path=ppt/slideLayouts/slideLayout10.xml><?xml version="1.0" encoding="utf-8"?>
-<p:sldLayout xmlns:a="http://schemas.openxmlformats.org/drawingml/2006/main" xmlns:r="http://schemas.openxmlformats.org/officeDocument/2006/relationships" xmlns:mc="http://schemas.openxmlformats.org/markup-compatibility/2006" xmlns:mv="urn:schemas-microsoft-com:mac:vml" xmlns:p="http://schemas.openxmlformats.org/presentationml/2006/main" mc:Ignorable="mv" mc:PreserveAttributes="mv:*" type="vertTx" preserve="1">
+<p:sldLayout xmlns:a="http://schemas.openxmlformats.org/drawingml/2006/main" xmlns:r="http://schemas.openxmlformats.org/officeDocument/2006/relationships" xmlns:p="http://schemas.openxmlformats.org/presentationml/2006/main" type="vertTx" preserve="1">
   <p:cSld name="Title and Vertical Text">
     <p:spTree>
       <p:nvGrpSpPr>
@@ -472,7 +473,7 @@
             <a:fld id="{7AB4D525-FEA6-4C46-A836-18AB099A0B80}" type="datetimeFigureOut">
               <a:rPr lang="en-US" smtClean="0"/>
               <a:pPr/>
-              <a:t>2/13/15</a:t>
+              <a:t>2/16/15</a:t>
             </a:fld>
             <a:endParaRPr lang="en-US"/>
           </a:p>
@@ -515,7 +516,7 @@
             <a:fld id="{4F754926-63EB-4746-BA1D-DEED820DE9EA}" type="slidenum">
               <a:rPr lang="en-US" smtClean="0"/>
               <a:pPr/>
-              <a:t>‹#›</a:t>
+              <a:t>‹Nr.›</a:t>
             </a:fld>
             <a:endParaRPr lang="en-US"/>
           </a:p>
@@ -530,7 +531,7 @@
 </file>
 
 <file path=ppt/slideLayouts/slideLayout11.xml><?xml version="1.0" encoding="utf-8"?>
-<p:sldLayout xmlns:a="http://schemas.openxmlformats.org/drawingml/2006/main" xmlns:r="http://schemas.openxmlformats.org/officeDocument/2006/relationships" xmlns:mc="http://schemas.openxmlformats.org/markup-compatibility/2006" xmlns:mv="urn:schemas-microsoft-com:mac:vml" xmlns:p="http://schemas.openxmlformats.org/presentationml/2006/main" mc:Ignorable="mv" mc:PreserveAttributes="mv:*" type="vertTitleAndTx" preserve="1">
+<p:sldLayout xmlns:a="http://schemas.openxmlformats.org/drawingml/2006/main" xmlns:r="http://schemas.openxmlformats.org/officeDocument/2006/relationships" xmlns:p="http://schemas.openxmlformats.org/presentationml/2006/main" type="vertTitleAndTx" preserve="1">
   <p:cSld name="Vertical Title and Text">
     <p:spTree>
       <p:nvGrpSpPr>
@@ -649,7 +650,7 @@
             <a:fld id="{7AB4D525-FEA6-4C46-A836-18AB099A0B80}" type="datetimeFigureOut">
               <a:rPr lang="en-US" smtClean="0"/>
               <a:pPr/>
-              <a:t>2/13/15</a:t>
+              <a:t>2/16/15</a:t>
             </a:fld>
             <a:endParaRPr lang="en-US"/>
           </a:p>
@@ -692,7 +693,7 @@
             <a:fld id="{4F754926-63EB-4746-BA1D-DEED820DE9EA}" type="slidenum">
               <a:rPr lang="en-US" smtClean="0"/>
               <a:pPr/>
-              <a:t>‹#›</a:t>
+              <a:t>‹Nr.›</a:t>
             </a:fld>
             <a:endParaRPr lang="en-US"/>
           </a:p>
@@ -707,7 +708,7 @@
 </file>
 
 <file path=ppt/slideLayouts/slideLayout2.xml><?xml version="1.0" encoding="utf-8"?>
-<p:sldLayout xmlns:a="http://schemas.openxmlformats.org/drawingml/2006/main" xmlns:r="http://schemas.openxmlformats.org/officeDocument/2006/relationships" xmlns:mc="http://schemas.openxmlformats.org/markup-compatibility/2006" xmlns:mv="urn:schemas-microsoft-com:mac:vml" xmlns:p="http://schemas.openxmlformats.org/presentationml/2006/main" mc:Ignorable="mv" mc:PreserveAttributes="mv:*" type="obj" preserve="1">
+<p:sldLayout xmlns:a="http://schemas.openxmlformats.org/drawingml/2006/main" xmlns:r="http://schemas.openxmlformats.org/officeDocument/2006/relationships" xmlns:p="http://schemas.openxmlformats.org/presentationml/2006/main" type="obj" preserve="1">
   <p:cSld name="Title and Content">
     <p:spTree>
       <p:nvGrpSpPr>
@@ -816,7 +817,7 @@
             <a:fld id="{7AB4D525-FEA6-4C46-A836-18AB099A0B80}" type="datetimeFigureOut">
               <a:rPr lang="en-US" smtClean="0"/>
               <a:pPr/>
-              <a:t>2/13/15</a:t>
+              <a:t>2/16/15</a:t>
             </a:fld>
             <a:endParaRPr lang="en-US"/>
           </a:p>
@@ -859,7 +860,7 @@
             <a:fld id="{4F754926-63EB-4746-BA1D-DEED820DE9EA}" type="slidenum">
               <a:rPr lang="en-US" smtClean="0"/>
               <a:pPr/>
-              <a:t>‹#›</a:t>
+              <a:t>‹Nr.›</a:t>
             </a:fld>
             <a:endParaRPr lang="en-US"/>
           </a:p>
@@ -874,7 +875,7 @@
 </file>
 
 <file path=ppt/slideLayouts/slideLayout3.xml><?xml version="1.0" encoding="utf-8"?>
-<p:sldLayout xmlns:a="http://schemas.openxmlformats.org/drawingml/2006/main" xmlns:r="http://schemas.openxmlformats.org/officeDocument/2006/relationships" xmlns:mc="http://schemas.openxmlformats.org/markup-compatibility/2006" xmlns:mv="urn:schemas-microsoft-com:mac:vml" xmlns:p="http://schemas.openxmlformats.org/presentationml/2006/main" mc:Ignorable="mv" mc:PreserveAttributes="mv:*" type="secHead" preserve="1">
+<p:sldLayout xmlns:a="http://schemas.openxmlformats.org/drawingml/2006/main" xmlns:r="http://schemas.openxmlformats.org/officeDocument/2006/relationships" xmlns:p="http://schemas.openxmlformats.org/presentationml/2006/main" type="secHead" preserve="1">
   <p:cSld name="Section Header">
     <p:spTree>
       <p:nvGrpSpPr>
@@ -1059,7 +1060,7 @@
             <a:fld id="{7AB4D525-FEA6-4C46-A836-18AB099A0B80}" type="datetimeFigureOut">
               <a:rPr lang="en-US" smtClean="0"/>
               <a:pPr/>
-              <a:t>2/13/15</a:t>
+              <a:t>2/16/15</a:t>
             </a:fld>
             <a:endParaRPr lang="en-US"/>
           </a:p>
@@ -1102,7 +1103,7 @@
             <a:fld id="{4F754926-63EB-4746-BA1D-DEED820DE9EA}" type="slidenum">
               <a:rPr lang="en-US" smtClean="0"/>
               <a:pPr/>
-              <a:t>‹#›</a:t>
+              <a:t>‹Nr.›</a:t>
             </a:fld>
             <a:endParaRPr lang="en-US"/>
           </a:p>
@@ -1117,7 +1118,7 @@
 </file>
 
 <file path=ppt/slideLayouts/slideLayout4.xml><?xml version="1.0" encoding="utf-8"?>
-<p:sldLayout xmlns:a="http://schemas.openxmlformats.org/drawingml/2006/main" xmlns:r="http://schemas.openxmlformats.org/officeDocument/2006/relationships" xmlns:mc="http://schemas.openxmlformats.org/markup-compatibility/2006" xmlns:mv="urn:schemas-microsoft-com:mac:vml" xmlns:p="http://schemas.openxmlformats.org/presentationml/2006/main" mc:Ignorable="mv" mc:PreserveAttributes="mv:*" type="twoObj" preserve="1">
+<p:sldLayout xmlns:a="http://schemas.openxmlformats.org/drawingml/2006/main" xmlns:r="http://schemas.openxmlformats.org/officeDocument/2006/relationships" xmlns:p="http://schemas.openxmlformats.org/presentationml/2006/main" type="twoObj" preserve="1">
   <p:cSld name="Two Content">
     <p:spTree>
       <p:nvGrpSpPr>
@@ -1344,7 +1345,7 @@
             <a:fld id="{7AB4D525-FEA6-4C46-A836-18AB099A0B80}" type="datetimeFigureOut">
               <a:rPr lang="en-US" smtClean="0"/>
               <a:pPr/>
-              <a:t>2/13/15</a:t>
+              <a:t>2/16/15</a:t>
             </a:fld>
             <a:endParaRPr lang="en-US"/>
           </a:p>
@@ -1387,7 +1388,7 @@
             <a:fld id="{4F754926-63EB-4746-BA1D-DEED820DE9EA}" type="slidenum">
               <a:rPr lang="en-US" smtClean="0"/>
               <a:pPr/>
-              <a:t>‹#›</a:t>
+              <a:t>‹Nr.›</a:t>
             </a:fld>
             <a:endParaRPr lang="en-US"/>
           </a:p>
@@ -1402,7 +1403,7 @@
 </file>
 
 <file path=ppt/slideLayouts/slideLayout5.xml><?xml version="1.0" encoding="utf-8"?>
-<p:sldLayout xmlns:a="http://schemas.openxmlformats.org/drawingml/2006/main" xmlns:r="http://schemas.openxmlformats.org/officeDocument/2006/relationships" xmlns:mc="http://schemas.openxmlformats.org/markup-compatibility/2006" xmlns:mv="urn:schemas-microsoft-com:mac:vml" xmlns:p="http://schemas.openxmlformats.org/presentationml/2006/main" mc:Ignorable="mv" mc:PreserveAttributes="mv:*" type="twoTxTwoObj" preserve="1">
+<p:sldLayout xmlns:a="http://schemas.openxmlformats.org/drawingml/2006/main" xmlns:r="http://schemas.openxmlformats.org/officeDocument/2006/relationships" xmlns:p="http://schemas.openxmlformats.org/presentationml/2006/main" type="twoTxTwoObj" preserve="1">
   <p:cSld name="Comparison">
     <p:spTree>
       <p:nvGrpSpPr>
@@ -1763,7 +1764,7 @@
             <a:fld id="{7AB4D525-FEA6-4C46-A836-18AB099A0B80}" type="datetimeFigureOut">
               <a:rPr lang="en-US" smtClean="0"/>
               <a:pPr/>
-              <a:t>2/13/15</a:t>
+              <a:t>2/16/15</a:t>
             </a:fld>
             <a:endParaRPr lang="en-US"/>
           </a:p>
@@ -1806,7 +1807,7 @@
             <a:fld id="{4F754926-63EB-4746-BA1D-DEED820DE9EA}" type="slidenum">
               <a:rPr lang="en-US" smtClean="0"/>
               <a:pPr/>
-              <a:t>‹#›</a:t>
+              <a:t>‹Nr.›</a:t>
             </a:fld>
             <a:endParaRPr lang="en-US"/>
           </a:p>
@@ -1821,7 +1822,7 @@
 </file>
 
 <file path=ppt/slideLayouts/slideLayout6.xml><?xml version="1.0" encoding="utf-8"?>
-<p:sldLayout xmlns:a="http://schemas.openxmlformats.org/drawingml/2006/main" xmlns:r="http://schemas.openxmlformats.org/officeDocument/2006/relationships" xmlns:mc="http://schemas.openxmlformats.org/markup-compatibility/2006" xmlns:mv="urn:schemas-microsoft-com:mac:vml" xmlns:p="http://schemas.openxmlformats.org/presentationml/2006/main" mc:Ignorable="mv" mc:PreserveAttributes="mv:*" type="titleOnly" preserve="1">
+<p:sldLayout xmlns:a="http://schemas.openxmlformats.org/drawingml/2006/main" xmlns:r="http://schemas.openxmlformats.org/officeDocument/2006/relationships" xmlns:p="http://schemas.openxmlformats.org/presentationml/2006/main" type="titleOnly" preserve="1">
   <p:cSld name="Title Only">
     <p:spTree>
       <p:nvGrpSpPr>
@@ -1878,7 +1879,7 @@
             <a:fld id="{7AB4D525-FEA6-4C46-A836-18AB099A0B80}" type="datetimeFigureOut">
               <a:rPr lang="en-US" smtClean="0"/>
               <a:pPr/>
-              <a:t>2/13/15</a:t>
+              <a:t>2/16/15</a:t>
             </a:fld>
             <a:endParaRPr lang="en-US"/>
           </a:p>
@@ -1921,7 +1922,7 @@
             <a:fld id="{4F754926-63EB-4746-BA1D-DEED820DE9EA}" type="slidenum">
               <a:rPr lang="en-US" smtClean="0"/>
               <a:pPr/>
-              <a:t>‹#›</a:t>
+              <a:t>‹Nr.›</a:t>
             </a:fld>
             <a:endParaRPr lang="en-US"/>
           </a:p>
@@ -1936,7 +1937,7 @@
 </file>
 
 <file path=ppt/slideLayouts/slideLayout7.xml><?xml version="1.0" encoding="utf-8"?>
-<p:sldLayout xmlns:a="http://schemas.openxmlformats.org/drawingml/2006/main" xmlns:r="http://schemas.openxmlformats.org/officeDocument/2006/relationships" xmlns:mc="http://schemas.openxmlformats.org/markup-compatibility/2006" xmlns:mv="urn:schemas-microsoft-com:mac:vml" xmlns:p="http://schemas.openxmlformats.org/presentationml/2006/main" mc:Ignorable="mv" mc:PreserveAttributes="mv:*" type="blank" preserve="1">
+<p:sldLayout xmlns:a="http://schemas.openxmlformats.org/drawingml/2006/main" xmlns:r="http://schemas.openxmlformats.org/officeDocument/2006/relationships" xmlns:p="http://schemas.openxmlformats.org/presentationml/2006/main" type="blank" preserve="1">
   <p:cSld name="Blank">
     <p:spTree>
       <p:nvGrpSpPr>
@@ -1970,7 +1971,7 @@
             <a:fld id="{7AB4D525-FEA6-4C46-A836-18AB099A0B80}" type="datetimeFigureOut">
               <a:rPr lang="en-US" smtClean="0"/>
               <a:pPr/>
-              <a:t>2/13/15</a:t>
+              <a:t>2/16/15</a:t>
             </a:fld>
             <a:endParaRPr lang="en-US"/>
           </a:p>
@@ -2013,7 +2014,7 @@
             <a:fld id="{4F754926-63EB-4746-BA1D-DEED820DE9EA}" type="slidenum">
               <a:rPr lang="en-US" smtClean="0"/>
               <a:pPr/>
-              <a:t>‹#›</a:t>
+              <a:t>‹Nr.›</a:t>
             </a:fld>
             <a:endParaRPr lang="en-US"/>
           </a:p>
@@ -2028,7 +2029,7 @@
 </file>
 
 <file path=ppt/slideLayouts/slideLayout8.xml><?xml version="1.0" encoding="utf-8"?>
-<p:sldLayout xmlns:a="http://schemas.openxmlformats.org/drawingml/2006/main" xmlns:r="http://schemas.openxmlformats.org/officeDocument/2006/relationships" xmlns:mc="http://schemas.openxmlformats.org/markup-compatibility/2006" xmlns:mv="urn:schemas-microsoft-com:mac:vml" xmlns:p="http://schemas.openxmlformats.org/presentationml/2006/main" mc:Ignorable="mv" mc:PreserveAttributes="mv:*" type="objTx" preserve="1">
+<p:sldLayout xmlns:a="http://schemas.openxmlformats.org/drawingml/2006/main" xmlns:r="http://schemas.openxmlformats.org/officeDocument/2006/relationships" xmlns:p="http://schemas.openxmlformats.org/presentationml/2006/main" type="objTx" preserve="1">
   <p:cSld name="Content with Caption">
     <p:spTree>
       <p:nvGrpSpPr>
@@ -2244,7 +2245,7 @@
             <a:fld id="{7AB4D525-FEA6-4C46-A836-18AB099A0B80}" type="datetimeFigureOut">
               <a:rPr lang="en-US" smtClean="0"/>
               <a:pPr/>
-              <a:t>2/13/15</a:t>
+              <a:t>2/16/15</a:t>
             </a:fld>
             <a:endParaRPr lang="en-US"/>
           </a:p>
@@ -2287,7 +2288,7 @@
             <a:fld id="{4F754926-63EB-4746-BA1D-DEED820DE9EA}" type="slidenum">
               <a:rPr lang="en-US" smtClean="0"/>
               <a:pPr/>
-              <a:t>‹#›</a:t>
+              <a:t>‹Nr.›</a:t>
             </a:fld>
             <a:endParaRPr lang="en-US"/>
           </a:p>
@@ -2302,7 +2303,7 @@
 </file>
 
 <file path=ppt/slideLayouts/slideLayout9.xml><?xml version="1.0" encoding="utf-8"?>
-<p:sldLayout xmlns:a="http://schemas.openxmlformats.org/drawingml/2006/main" xmlns:r="http://schemas.openxmlformats.org/officeDocument/2006/relationships" xmlns:mc="http://schemas.openxmlformats.org/markup-compatibility/2006" xmlns:mv="urn:schemas-microsoft-com:mac:vml" xmlns:p="http://schemas.openxmlformats.org/presentationml/2006/main" mc:Ignorable="mv" mc:PreserveAttributes="mv:*" type="picTx" preserve="1">
+<p:sldLayout xmlns:a="http://schemas.openxmlformats.org/drawingml/2006/main" xmlns:r="http://schemas.openxmlformats.org/officeDocument/2006/relationships" xmlns:p="http://schemas.openxmlformats.org/presentationml/2006/main" type="picTx" preserve="1">
   <p:cSld name="Picture with Caption">
     <p:spTree>
       <p:nvGrpSpPr>
@@ -2494,7 +2495,7 @@
             <a:fld id="{7AB4D525-FEA6-4C46-A836-18AB099A0B80}" type="datetimeFigureOut">
               <a:rPr lang="en-US" smtClean="0"/>
               <a:pPr/>
-              <a:t>2/13/15</a:t>
+              <a:t>2/16/15</a:t>
             </a:fld>
             <a:endParaRPr lang="en-US"/>
           </a:p>
@@ -2537,7 +2538,7 @@
             <a:fld id="{4F754926-63EB-4746-BA1D-DEED820DE9EA}" type="slidenum">
               <a:rPr lang="en-US" smtClean="0"/>
               <a:pPr/>
-              <a:t>‹#›</a:t>
+              <a:t>‹Nr.›</a:t>
             </a:fld>
             <a:endParaRPr lang="en-US"/>
           </a:p>
@@ -2552,7 +2553,7 @@
 </file>
 
 <file path=ppt/slideMasters/slideMaster1.xml><?xml version="1.0" encoding="utf-8"?>
-<p:sldMaster xmlns:a="http://schemas.openxmlformats.org/drawingml/2006/main" xmlns:r="http://schemas.openxmlformats.org/officeDocument/2006/relationships" xmlns:mc="http://schemas.openxmlformats.org/markup-compatibility/2006" xmlns:mv="urn:schemas-microsoft-com:mac:vml" xmlns:p="http://schemas.openxmlformats.org/presentationml/2006/main" mc:Ignorable="mv" mc:PreserveAttributes="mv:*">
+<p:sldMaster xmlns:a="http://schemas.openxmlformats.org/drawingml/2006/main" xmlns:r="http://schemas.openxmlformats.org/officeDocument/2006/relationships" xmlns:p="http://schemas.openxmlformats.org/presentationml/2006/main">
   <p:cSld>
     <p:bg>
       <p:bgRef idx="1001">
@@ -2704,7 +2705,7 @@
             <a:fld id="{7AB4D525-FEA6-4C46-A836-18AB099A0B80}" type="datetimeFigureOut">
               <a:rPr lang="en-US" smtClean="0"/>
               <a:pPr/>
-              <a:t>2/13/15</a:t>
+              <a:t>2/16/15</a:t>
             </a:fld>
             <a:endParaRPr lang="en-US"/>
           </a:p>
@@ -2783,7 +2784,7 @@
             <a:fld id="{4F754926-63EB-4746-BA1D-DEED820DE9EA}" type="slidenum">
               <a:rPr lang="en-US" smtClean="0"/>
               <a:pPr/>
-              <a:t>‹#›</a:t>
+              <a:t>‹Nr.›</a:t>
             </a:fld>
             <a:endParaRPr lang="en-US"/>
           </a:p>
@@ -3059,7 +3060,7 @@
 </file>
 
 <file path=ppt/slides/slide1.xml><?xml version="1.0" encoding="utf-8"?>
-<p:sld xmlns:a="http://schemas.openxmlformats.org/drawingml/2006/main" xmlns:r="http://schemas.openxmlformats.org/officeDocument/2006/relationships" xmlns:mc="http://schemas.openxmlformats.org/markup-compatibility/2006" xmlns:mv="urn:schemas-microsoft-com:mac:vml" xmlns:p="http://schemas.openxmlformats.org/presentationml/2006/main" mc:Ignorable="mv" mc:PreserveAttributes="mv:*">
+<p:sld xmlns:a="http://schemas.openxmlformats.org/drawingml/2006/main" xmlns:r="http://schemas.openxmlformats.org/officeDocument/2006/relationships" xmlns:p="http://schemas.openxmlformats.org/presentationml/2006/main">
   <p:cSld>
     <p:spTree>
       <p:nvGrpSpPr>
@@ -3077,14 +3078,14 @@
       </p:grpSpPr>
       <p:sp>
         <p:nvSpPr>
-          <p:cNvPr id="4" name="TextBox 3"/>
+          <p:cNvPr id="2" name="Textfeld 1"/>
           <p:cNvSpPr txBox="1"/>
           <p:nvPr/>
         </p:nvSpPr>
         <p:spPr>
           <a:xfrm>
-            <a:off x="945815" y="5293632"/>
-            <a:ext cx="7681771" cy="1477328"/>
+            <a:off x="1571625" y="384086"/>
+            <a:ext cx="5842000" cy="1200328"/>
           </a:xfrm>
           <a:prstGeom prst="rect">
             <a:avLst/>
@@ -3098,91 +3099,46 @@
           <a:lstStyle/>
           <a:p>
             <a:r>
-              <a:rPr lang="en-US" dirty="0" smtClean="0"/>
-              <a:t>What do VCS help with?  </a:t>
-            </a:r>
-            <a:r>
-              <a:rPr lang="en-US" sz="1400" dirty="0" smtClean="0"/>
-              <a:t>(and how difficult it is)</a:t>
-            </a:r>
-            <a:endParaRPr lang="en-US" dirty="0" smtClean="0"/>
-          </a:p>
-          <a:p>
-            <a:pPr marL="342900" indent="-342900">
-              <a:buFont typeface="+mj-lt"/>
-              <a:buAutoNum type="arabicPeriod"/>
-            </a:pPr>
-            <a:endParaRPr lang="en-US" dirty="0" smtClean="0"/>
-          </a:p>
-          <a:p>
-            <a:pPr marL="342900" indent="-342900">
-              <a:buFont typeface="+mj-lt"/>
-              <a:buAutoNum type="arabicPeriod"/>
-            </a:pPr>
-            <a:r>
-              <a:rPr lang="en-US" dirty="0" smtClean="0"/>
-              <a:t>Tracking and logging modifications           </a:t>
-            </a:r>
-            <a:r>
-              <a:rPr lang="en-US" sz="1400" dirty="0" smtClean="0">
-                <a:solidFill>
-                  <a:prstClr val="black"/>
-                </a:solidFill>
-              </a:rPr>
-              <a:t>(simple)</a:t>
-            </a:r>
-            <a:endParaRPr lang="en-US" dirty="0" smtClean="0"/>
-          </a:p>
-          <a:p>
-            <a:pPr marL="342900" indent="-342900">
-              <a:buFont typeface="+mj-lt"/>
-              <a:buAutoNum type="arabicPeriod"/>
-            </a:pPr>
-            <a:r>
-              <a:rPr lang="en-US" dirty="0" smtClean="0"/>
-              <a:t>Backup of a complete project history       </a:t>
-            </a:r>
-            <a:r>
-              <a:rPr lang="en-US" sz="1400" dirty="0" smtClean="0">
-                <a:solidFill>
-                  <a:prstClr val="black"/>
-                </a:solidFill>
-              </a:rPr>
-              <a:t>(still simple)</a:t>
-            </a:r>
-            <a:endParaRPr lang="en-US" dirty="0" smtClean="0"/>
-          </a:p>
-          <a:p>
-            <a:pPr marL="342900" indent="-342900">
-              <a:buFont typeface="+mj-lt"/>
-              <a:buAutoNum type="arabicPeriod"/>
-            </a:pPr>
-            <a:r>
-              <a:rPr lang="en-US" dirty="0" smtClean="0"/>
-              <a:t>Collaboration of 2-∞ people on the same project     </a:t>
-            </a:r>
-            <a:r>
-              <a:rPr lang="en-US" sz="1400" dirty="0" smtClean="0">
-                <a:solidFill>
-                  <a:prstClr val="black"/>
-                </a:solidFill>
-              </a:rPr>
-              <a:t>(complicated    …but only a bit)</a:t>
-            </a:r>
-            <a:endParaRPr lang="en-US" dirty="0"/>
+              <a:rPr lang="en-US" sz="2400" dirty="0" smtClean="0"/>
+              <a:t>An Introduction to Version control with </a:t>
+            </a:r>
+            <a:r>
+              <a:rPr lang="en-US" sz="2400" dirty="0" err="1" smtClean="0"/>
+              <a:t>Git</a:t>
+            </a:r>
+            <a:endParaRPr lang="en-US" sz="2400" dirty="0" smtClean="0"/>
+          </a:p>
+          <a:p>
+            <a:pPr algn="ctr"/>
+            <a:r>
+              <a:rPr lang="en-US" sz="2400" dirty="0"/>
+              <a:t>b</a:t>
+            </a:r>
+            <a:r>
+              <a:rPr lang="en-US" sz="2400" dirty="0" smtClean="0"/>
+              <a:t>y</a:t>
+            </a:r>
+          </a:p>
+          <a:p>
+            <a:pPr algn="ctr"/>
+            <a:r>
+              <a:rPr lang="en-US" sz="2400" dirty="0" smtClean="0"/>
+              <a:t>Katharina Albers and Florian Richter</a:t>
+            </a:r>
+            <a:endParaRPr lang="en-US" sz="2400" dirty="0"/>
           </a:p>
         </p:txBody>
       </p:sp>
       <p:sp>
         <p:nvSpPr>
-          <p:cNvPr id="5" name="TextBox 4"/>
+          <p:cNvPr id="3" name="Textfeld 2"/>
           <p:cNvSpPr txBox="1"/>
           <p:nvPr/>
         </p:nvSpPr>
         <p:spPr>
           <a:xfrm>
-            <a:off x="945815" y="0"/>
-            <a:ext cx="7147655" cy="1200329"/>
+            <a:off x="476250" y="2560568"/>
+            <a:ext cx="6461125" cy="707886"/>
           </a:xfrm>
           <a:prstGeom prst="rect">
             <a:avLst/>
@@ -3195,92 +3151,44 @@
           </a:bodyPr>
           <a:lstStyle/>
           <a:p>
-            <a:r>
-              <a:rPr lang="en-US" dirty="0" smtClean="0"/>
-              <a:t>What is version control?  What are version VCS (Version Control Systems)?</a:t>
-            </a:r>
-            <a:br>
-              <a:rPr lang="en-US" dirty="0" smtClean="0"/>
-            </a:br>
-            <a:endParaRPr lang="en-US" dirty="0" smtClean="0"/>
-          </a:p>
-          <a:p>
-            <a:r>
-              <a:rPr lang="en-US" dirty="0" smtClean="0"/>
-              <a:t>	-&gt;software to automatically manage, save and restore changes to a 	set of files </a:t>
-            </a:r>
+            <a:pPr marL="342900" indent="-342900">
+              <a:buAutoNum type="arabicPeriod"/>
+            </a:pPr>
+            <a:r>
+              <a:rPr lang="en-US" sz="2000" dirty="0" smtClean="0"/>
+              <a:t>A bit of theory behind version control (FR)</a:t>
+            </a:r>
+          </a:p>
+          <a:p>
+            <a:pPr marL="342900" indent="-342900">
+              <a:buAutoNum type="arabicPeriod"/>
+            </a:pPr>
+            <a:r>
+              <a:rPr lang="en-US" sz="2000" dirty="0" smtClean="0"/>
+              <a:t>Practical </a:t>
+            </a:r>
+            <a:r>
+              <a:rPr lang="en-US" sz="2000" dirty="0" err="1" smtClean="0"/>
+              <a:t>Git</a:t>
+            </a:r>
+            <a:r>
+              <a:rPr lang="en-US" sz="2000" dirty="0" smtClean="0"/>
+              <a:t> (KA)</a:t>
+            </a:r>
+            <a:endParaRPr lang="en-US" sz="2000" dirty="0"/>
           </a:p>
         </p:txBody>
       </p:sp>
-      <p:pic>
-        <p:nvPicPr>
-          <p:cNvPr id="7" name="Picture 6" descr="esterase_chaos.png"/>
-          <p:cNvPicPr>
-            <a:picLocks noChangeAspect="1"/>
-          </p:cNvPicPr>
-          <p:nvPr/>
-        </p:nvPicPr>
-        <p:blipFill>
-          <a:blip r:embed="rId2"/>
-          <a:srcRect b="22140"/>
-          <a:stretch>
-            <a:fillRect/>
-          </a:stretch>
-        </p:blipFill>
-        <p:spPr>
-          <a:xfrm>
-            <a:off x="0" y="1200329"/>
-            <a:ext cx="6059061" cy="3328028"/>
-          </a:xfrm>
-          <a:prstGeom prst="rect">
-            <a:avLst/>
-          </a:prstGeom>
-          <a:ln>
-            <a:solidFill>
-              <a:schemeClr val="tx1"/>
-            </a:solidFill>
-          </a:ln>
-        </p:spPr>
-      </p:pic>
-      <p:pic>
-        <p:nvPicPr>
-          <p:cNvPr id="8" name="Picture 7" descr="ideal.png"/>
-          <p:cNvPicPr>
-            <a:picLocks noChangeAspect="1"/>
-          </p:cNvPicPr>
-          <p:nvPr/>
-        </p:nvPicPr>
-        <p:blipFill>
-          <a:blip r:embed="rId3"/>
-          <a:stretch>
-            <a:fillRect/>
-          </a:stretch>
-        </p:blipFill>
-        <p:spPr>
-          <a:xfrm>
-            <a:off x="6360610" y="1200329"/>
-            <a:ext cx="2514600" cy="3302000"/>
-          </a:xfrm>
-          <a:prstGeom prst="rect">
-            <a:avLst/>
-          </a:prstGeom>
-          <a:ln>
-            <a:solidFill>
-              <a:schemeClr val="tx1"/>
-            </a:solidFill>
-          </a:ln>
-        </p:spPr>
-      </p:pic>
       <p:sp>
         <p:nvSpPr>
-          <p:cNvPr id="9" name="TextBox 8"/>
+          <p:cNvPr id="11" name="Textfeld 10"/>
           <p:cNvSpPr txBox="1"/>
           <p:nvPr/>
         </p:nvSpPr>
         <p:spPr>
           <a:xfrm>
-            <a:off x="1197059" y="4574691"/>
-            <a:ext cx="2467110" cy="369332"/>
+            <a:off x="333375" y="4857750"/>
+            <a:ext cx="8286750" cy="1754327"/>
           </a:xfrm>
           <a:prstGeom prst="rect">
             <a:avLst/>
@@ -3294,27 +3202,152 @@
           <a:lstStyle/>
           <a:p>
             <a:r>
-              <a:rPr lang="en-US" i="1" dirty="0" smtClean="0"/>
-              <a:t>w</a:t>
-            </a:r>
-            <a:r>
-              <a:rPr lang="en-US" i="1" dirty="0" smtClean="0"/>
-              <a:t>ithout VCS</a:t>
-            </a:r>
-            <a:endParaRPr lang="en-US" i="1" dirty="0"/>
+              <a:rPr lang="en-US" u="sng" dirty="0" smtClean="0"/>
+              <a:t>References:</a:t>
+            </a:r>
+            <a:endParaRPr lang="en-US" dirty="0" smtClean="0"/>
+          </a:p>
+          <a:p>
+            <a:r>
+              <a:rPr lang="en-US" dirty="0">
+                <a:hlinkClick r:id="rId2"/>
+              </a:rPr>
+              <a:t>https://github.com/flosopher/</a:t>
+            </a:r>
+            <a:r>
+              <a:rPr lang="en-US" dirty="0" smtClean="0">
+                <a:hlinkClick r:id="rId2"/>
+              </a:rPr>
+              <a:t>gittalk</a:t>
+            </a:r>
+            <a:r>
+              <a:rPr lang="en-US" dirty="0" smtClean="0"/>
+              <a:t>                                (this presentation)</a:t>
+            </a:r>
+            <a:endParaRPr lang="en-US" u="sng" dirty="0" smtClean="0"/>
+          </a:p>
+          <a:p>
+            <a:r>
+              <a:rPr lang="en-US" dirty="0">
+                <a:hlinkClick r:id="rId3"/>
+              </a:rPr>
+              <a:t>https://www.youtube.com/watch?v=</a:t>
+            </a:r>
+            <a:r>
+              <a:rPr lang="en-US" dirty="0" smtClean="0">
+                <a:hlinkClick r:id="rId3"/>
+              </a:rPr>
+              <a:t>ZDR433b0HJY</a:t>
+            </a:r>
+            <a:r>
+              <a:rPr lang="en-US" dirty="0" smtClean="0"/>
+              <a:t>      (intro to </a:t>
+            </a:r>
+            <a:r>
+              <a:rPr lang="en-US" dirty="0" err="1" smtClean="0"/>
+              <a:t>git</a:t>
+            </a:r>
+            <a:r>
+              <a:rPr lang="en-US" dirty="0" smtClean="0"/>
+              <a:t>)</a:t>
+            </a:r>
+          </a:p>
+          <a:p>
+            <a:r>
+              <a:rPr lang="en-US" u="sng" dirty="0">
+                <a:hlinkClick r:id="rId4"/>
+              </a:rPr>
+              <a:t>https://www.youtube.com/watch?v=</a:t>
+            </a:r>
+            <a:r>
+              <a:rPr lang="en-US" u="sng" dirty="0" smtClean="0">
+                <a:hlinkClick r:id="rId4"/>
+              </a:rPr>
+              <a:t>4XpnKHJAok8</a:t>
+            </a:r>
+            <a:r>
+              <a:rPr lang="en-US" u="sng" dirty="0" smtClean="0"/>
+              <a:t> </a:t>
+            </a:r>
+            <a:r>
+              <a:rPr lang="en-US" dirty="0" smtClean="0"/>
+              <a:t>     (</a:t>
+            </a:r>
+            <a:r>
+              <a:rPr lang="en-US" dirty="0" err="1" smtClean="0"/>
+              <a:t>git</a:t>
+            </a:r>
+            <a:r>
+              <a:rPr lang="en-US" dirty="0" smtClean="0"/>
+              <a:t> philosophy)</a:t>
+            </a:r>
+            <a:endParaRPr lang="en-US" dirty="0"/>
+          </a:p>
+          <a:p>
+            <a:r>
+              <a:rPr lang="en-US" dirty="0">
+                <a:hlinkClick r:id="rId5"/>
+              </a:rPr>
+              <a:t>http://git-scm.com/book/en/v2</a:t>
+            </a:r>
+            <a:r>
+              <a:rPr lang="en-US" dirty="0" smtClean="0">
+                <a:hlinkClick r:id="rId5"/>
+              </a:rPr>
+              <a:t>/</a:t>
+            </a:r>
+            <a:r>
+              <a:rPr lang="en-US" dirty="0" smtClean="0"/>
+              <a:t>                                       (free book)</a:t>
+            </a:r>
+          </a:p>
+          <a:p>
+            <a:endParaRPr lang="en-US" dirty="0"/>
           </a:p>
         </p:txBody>
       </p:sp>
+    </p:spTree>
+  </p:cSld>
+  <p:clrMapOvr>
+    <a:masterClrMapping/>
+  </p:clrMapOvr>
+  <p:timing>
+    <p:tnLst>
+      <p:par>
+        <p:cTn xmlns:p14="http://schemas.microsoft.com/office/powerpoint/2010/main" id="1" dur="indefinite" restart="never" nodeType="tmRoot"/>
+      </p:par>
+    </p:tnLst>
+  </p:timing>
+</p:sld>
+</file>
+
+<file path=ppt/slides/slide10.xml><?xml version="1.0" encoding="utf-8"?>
+<p:sld xmlns:a="http://schemas.openxmlformats.org/drawingml/2006/main" xmlns:r="http://schemas.openxmlformats.org/officeDocument/2006/relationships" xmlns:p="http://schemas.openxmlformats.org/presentationml/2006/main">
+  <p:cSld>
+    <p:spTree>
+      <p:nvGrpSpPr>
+        <p:cNvPr id="1" name=""/>
+        <p:cNvGrpSpPr/>
+        <p:nvPr/>
+      </p:nvGrpSpPr>
+      <p:grpSpPr>
+        <a:xfrm>
+          <a:off x="0" y="0"/>
+          <a:ext cx="0" cy="0"/>
+          <a:chOff x="0" y="0"/>
+          <a:chExt cx="0" cy="0"/>
+        </a:xfrm>
+      </p:grpSpPr>
       <p:sp>
         <p:nvSpPr>
-          <p:cNvPr id="10" name="TextBox 9"/>
+          <p:cNvPr id="3" name="TextBox 2"/>
           <p:cNvSpPr txBox="1"/>
           <p:nvPr/>
         </p:nvSpPr>
         <p:spPr>
           <a:xfrm>
-            <a:off x="7050970" y="4574691"/>
-            <a:ext cx="1824239" cy="369332"/>
+            <a:off x="715315" y="0"/>
+            <a:ext cx="8087449" cy="369332"/>
           </a:xfrm>
           <a:prstGeom prst="rect">
             <a:avLst/>
@@ -3328,101 +3361,971 @@
           <a:lstStyle/>
           <a:p>
             <a:r>
-              <a:rPr lang="en-US" i="1" dirty="0" smtClean="0"/>
-              <a:t>with VCS</a:t>
-            </a:r>
-            <a:endParaRPr lang="en-US" i="1" dirty="0"/>
+              <a:rPr lang="en-US" dirty="0" smtClean="0"/>
+              <a:t>How do VCS work?  -  3. Collaboration of 2-∞ people on the same project</a:t>
+            </a:r>
+          </a:p>
+        </p:txBody>
+      </p:sp>
+      <p:sp>
+        <p:nvSpPr>
+          <p:cNvPr id="5" name="Rectangle 4"/>
+          <p:cNvSpPr/>
+          <p:nvPr/>
+        </p:nvSpPr>
+        <p:spPr>
+          <a:xfrm>
+            <a:off x="1" y="650875"/>
+            <a:ext cx="9144000" cy="2031325"/>
+          </a:xfrm>
+          <a:prstGeom prst="rect">
+            <a:avLst/>
+          </a:prstGeom>
+        </p:spPr>
+        <p:txBody>
+          <a:bodyPr wrap="square">
+            <a:spAutoFit/>
+          </a:bodyPr>
+          <a:lstStyle/>
+          <a:p>
+            <a:pPr>
+              <a:buFont typeface="Arial"/>
+              <a:buChar char="•"/>
+            </a:pPr>
+            <a:r>
+              <a:rPr lang="en-US" dirty="0" smtClean="0"/>
+              <a:t>A ‘branch’ is essentially a complete copy of the whole repository</a:t>
+            </a:r>
+            <a:br>
+              <a:rPr lang="en-US" dirty="0" smtClean="0"/>
+            </a:br>
+            <a:r>
+              <a:rPr lang="en-US" dirty="0" smtClean="0"/>
+              <a:t>	(when creating a branch, a repository copy is created in the VCS database*)</a:t>
+            </a:r>
+          </a:p>
+          <a:p>
+            <a:pPr>
+              <a:buFont typeface="Arial"/>
+              <a:buChar char="•"/>
+            </a:pPr>
+            <a:endParaRPr lang="en-US" dirty="0" smtClean="0"/>
+          </a:p>
+          <a:p>
+            <a:pPr>
+              <a:buFont typeface="Arial"/>
+              <a:buChar char="•"/>
+            </a:pPr>
+            <a:r>
+              <a:rPr lang="en-US" dirty="0" smtClean="0"/>
+              <a:t>In a branched repository, there is no more linear commit repository</a:t>
+            </a:r>
+          </a:p>
+          <a:p>
+            <a:pPr>
+              <a:buFont typeface="Arial"/>
+              <a:buChar char="•"/>
+            </a:pPr>
+            <a:endParaRPr lang="en-US" dirty="0" smtClean="0"/>
+          </a:p>
+          <a:p>
+            <a:r>
+              <a:rPr lang="en-US" dirty="0" smtClean="0"/>
+              <a:t>-&gt; Problem 1: </a:t>
+            </a:r>
+            <a:r>
+              <a:rPr lang="en-US" dirty="0" smtClean="0"/>
+              <a:t>commits </a:t>
+            </a:r>
+            <a:r>
+              <a:rPr lang="en-US" dirty="0" smtClean="0"/>
+              <a:t>can’t be saved </a:t>
+            </a:r>
+            <a:r>
+              <a:rPr lang="en-US" dirty="0" smtClean="0"/>
+              <a:t>as</a:t>
+            </a:r>
+            <a:r>
+              <a:rPr lang="en-US" dirty="0" smtClean="0"/>
+              <a:t> </a:t>
+            </a:r>
+            <a:r>
+              <a:rPr lang="en-US" dirty="0" smtClean="0"/>
+              <a:t>‘V1’, ‘V2’, ‘V3’, etc..</a:t>
+            </a:r>
+          </a:p>
+          <a:p>
+            <a:r>
+              <a:rPr lang="en-US" dirty="0" smtClean="0"/>
+              <a:t>-&gt; Problem 2: it’s still necessary to know how commits are related (for reasons explained later)</a:t>
+            </a:r>
+          </a:p>
+        </p:txBody>
+      </p:sp>
+      <p:sp>
+        <p:nvSpPr>
+          <p:cNvPr id="6" name="TextBox 5"/>
+          <p:cNvSpPr txBox="1"/>
+          <p:nvPr/>
+        </p:nvSpPr>
+        <p:spPr>
+          <a:xfrm>
+            <a:off x="56514" y="5042118"/>
+            <a:ext cx="9144000" cy="1477328"/>
+          </a:xfrm>
+          <a:prstGeom prst="rect">
+            <a:avLst/>
+          </a:prstGeom>
+          <a:noFill/>
+        </p:spPr>
+        <p:txBody>
+          <a:bodyPr wrap="square" rtlCol="0">
+            <a:spAutoFit/>
+          </a:bodyPr>
+          <a:lstStyle/>
+          <a:p>
+            <a:r>
+              <a:rPr lang="en-US" dirty="0" smtClean="0"/>
+              <a:t>Modern VCS like </a:t>
+            </a:r>
+            <a:r>
+              <a:rPr lang="en-US" dirty="0" err="1" smtClean="0"/>
+              <a:t>Git</a:t>
+            </a:r>
+            <a:r>
+              <a:rPr lang="en-US" dirty="0" smtClean="0"/>
+              <a:t> solve these two problems by:</a:t>
+            </a:r>
+            <a:br>
+              <a:rPr lang="en-US" dirty="0" smtClean="0"/>
+            </a:br>
+            <a:endParaRPr lang="en-US" dirty="0" smtClean="0"/>
+          </a:p>
+          <a:p>
+            <a:pPr marL="342900" indent="-342900">
+              <a:buAutoNum type="arabicParenR"/>
+            </a:pPr>
+            <a:r>
+              <a:rPr lang="en-US" dirty="0" smtClean="0"/>
+              <a:t>Assigning a unique identifier each commit (instead of a linear number)</a:t>
+            </a:r>
+            <a:endParaRPr lang="en-US" sz="1400" dirty="0" smtClean="0"/>
+          </a:p>
+          <a:p>
+            <a:pPr marL="342900" indent="-342900">
+              <a:buAutoNum type="arabicParenR"/>
+            </a:pPr>
+            <a:r>
+              <a:rPr lang="en-US" dirty="0" smtClean="0"/>
+              <a:t>Every commit contains a pointer to its parent commit </a:t>
+            </a:r>
+          </a:p>
+          <a:p>
+            <a:pPr marL="342900" indent="-342900"/>
+            <a:endParaRPr lang="en-US" dirty="0" smtClean="0"/>
+          </a:p>
+        </p:txBody>
+      </p:sp>
+      <p:grpSp>
+        <p:nvGrpSpPr>
+          <p:cNvPr id="22" name="Group 21"/>
+          <p:cNvGrpSpPr/>
+          <p:nvPr/>
+        </p:nvGrpSpPr>
+        <p:grpSpPr>
+          <a:xfrm>
+            <a:off x="1690115" y="3078063"/>
+            <a:ext cx="5978879" cy="1501235"/>
+            <a:chOff x="291745" y="2324268"/>
+            <a:chExt cx="7518755" cy="2889392"/>
+          </a:xfrm>
+        </p:grpSpPr>
+        <p:sp>
+          <p:nvSpPr>
+            <p:cNvPr id="7" name="TextBox 6"/>
+            <p:cNvSpPr txBox="1"/>
+            <p:nvPr/>
+          </p:nvSpPr>
+          <p:spPr>
+            <a:xfrm>
+              <a:off x="291745" y="3141365"/>
+              <a:ext cx="709314" cy="1243978"/>
+            </a:xfrm>
+            <a:prstGeom prst="rect">
+              <a:avLst/>
+            </a:prstGeom>
+            <a:solidFill>
+              <a:schemeClr val="accent6">
+                <a:lumMod val="40000"/>
+                <a:lumOff val="60000"/>
+              </a:schemeClr>
+            </a:solidFill>
+            <a:ln>
+              <a:solidFill>
+                <a:schemeClr val="tx1"/>
+              </a:solidFill>
+            </a:ln>
+          </p:spPr>
+          <p:txBody>
+            <a:bodyPr wrap="square" rtlCol="0">
+              <a:spAutoFit/>
+            </a:bodyPr>
+            <a:lstStyle/>
+            <a:p>
+              <a:pPr algn="ctr"/>
+              <a:r>
+                <a:rPr lang="en-US" sz="1400" b="1" dirty="0" smtClean="0">
+                  <a:latin typeface="Courier"/>
+                  <a:cs typeface="Courier"/>
+                </a:rPr>
+                <a:t>V1</a:t>
+              </a:r>
+              <a:r>
+                <a:rPr lang="en-US" b="1" dirty="0" smtClean="0">
+                  <a:latin typeface="Courier"/>
+                  <a:cs typeface="Courier"/>
+                </a:rPr>
+                <a:t/>
+              </a:r>
+              <a:br>
+                <a:rPr lang="en-US" b="1" dirty="0" smtClean="0">
+                  <a:latin typeface="Courier"/>
+                  <a:cs typeface="Courier"/>
+                </a:rPr>
+              </a:br>
+              <a:endParaRPr lang="en-US" b="1" dirty="0" smtClean="0">
+                <a:latin typeface="Courier"/>
+                <a:cs typeface="Courier"/>
+              </a:endParaRPr>
+            </a:p>
+          </p:txBody>
+        </p:sp>
+        <p:sp>
+          <p:nvSpPr>
+            <p:cNvPr id="8" name="TextBox 7"/>
+            <p:cNvSpPr txBox="1"/>
+            <p:nvPr/>
+          </p:nvSpPr>
+          <p:spPr>
+            <a:xfrm>
+              <a:off x="1228716" y="3141365"/>
+              <a:ext cx="709314" cy="1243978"/>
+            </a:xfrm>
+            <a:prstGeom prst="rect">
+              <a:avLst/>
+            </a:prstGeom>
+            <a:solidFill>
+              <a:schemeClr val="accent6">
+                <a:lumMod val="40000"/>
+                <a:lumOff val="60000"/>
+              </a:schemeClr>
+            </a:solidFill>
+            <a:ln>
+              <a:solidFill>
+                <a:schemeClr val="tx1"/>
+              </a:solidFill>
+            </a:ln>
+          </p:spPr>
+          <p:txBody>
+            <a:bodyPr wrap="square" rtlCol="0">
+              <a:spAutoFit/>
+            </a:bodyPr>
+            <a:lstStyle/>
+            <a:p>
+              <a:pPr algn="ctr"/>
+              <a:r>
+                <a:rPr lang="en-US" sz="1400" b="1" dirty="0" smtClean="0">
+                  <a:latin typeface="Courier"/>
+                  <a:cs typeface="Courier"/>
+                </a:rPr>
+                <a:t>V2</a:t>
+              </a:r>
+              <a:r>
+                <a:rPr lang="en-US" b="1" dirty="0" smtClean="0">
+                  <a:latin typeface="Courier"/>
+                  <a:cs typeface="Courier"/>
+                </a:rPr>
+                <a:t/>
+              </a:r>
+              <a:br>
+                <a:rPr lang="en-US" b="1" dirty="0" smtClean="0">
+                  <a:latin typeface="Courier"/>
+                  <a:cs typeface="Courier"/>
+                </a:rPr>
+              </a:br>
+              <a:endParaRPr lang="en-US" b="1" dirty="0" smtClean="0">
+                <a:latin typeface="Courier"/>
+                <a:cs typeface="Courier"/>
+              </a:endParaRPr>
+            </a:p>
+          </p:txBody>
+        </p:sp>
+        <p:sp>
+          <p:nvSpPr>
+            <p:cNvPr id="9" name="TextBox 8"/>
+            <p:cNvSpPr txBox="1"/>
+            <p:nvPr/>
+          </p:nvSpPr>
+          <p:spPr>
+            <a:xfrm>
+              <a:off x="2131503" y="3141365"/>
+              <a:ext cx="709314" cy="1243978"/>
+            </a:xfrm>
+            <a:prstGeom prst="rect">
+              <a:avLst/>
+            </a:prstGeom>
+            <a:solidFill>
+              <a:schemeClr val="accent6">
+                <a:lumMod val="40000"/>
+                <a:lumOff val="60000"/>
+              </a:schemeClr>
+            </a:solidFill>
+            <a:ln>
+              <a:solidFill>
+                <a:schemeClr val="tx1"/>
+              </a:solidFill>
+            </a:ln>
+          </p:spPr>
+          <p:txBody>
+            <a:bodyPr wrap="square" rtlCol="0">
+              <a:spAutoFit/>
+            </a:bodyPr>
+            <a:lstStyle/>
+            <a:p>
+              <a:pPr algn="ctr"/>
+              <a:r>
+                <a:rPr lang="en-US" sz="1400" b="1" dirty="0" smtClean="0">
+                  <a:latin typeface="Courier"/>
+                  <a:cs typeface="Courier"/>
+                </a:rPr>
+                <a:t>V3</a:t>
+              </a:r>
+              <a:r>
+                <a:rPr lang="en-US" b="1" dirty="0" smtClean="0">
+                  <a:latin typeface="Courier"/>
+                  <a:cs typeface="Courier"/>
+                </a:rPr>
+                <a:t/>
+              </a:r>
+              <a:br>
+                <a:rPr lang="en-US" b="1" dirty="0" smtClean="0">
+                  <a:latin typeface="Courier"/>
+                  <a:cs typeface="Courier"/>
+                </a:rPr>
+              </a:br>
+              <a:endParaRPr lang="en-US" b="1" dirty="0" smtClean="0">
+                <a:latin typeface="Courier"/>
+                <a:cs typeface="Courier"/>
+              </a:endParaRPr>
+            </a:p>
+          </p:txBody>
+        </p:sp>
+        <p:sp>
+          <p:nvSpPr>
+            <p:cNvPr id="10" name="TextBox 9"/>
+            <p:cNvSpPr txBox="1"/>
+            <p:nvPr/>
+          </p:nvSpPr>
+          <p:spPr>
+            <a:xfrm>
+              <a:off x="3905704" y="2324268"/>
+              <a:ext cx="709314" cy="1243978"/>
+            </a:xfrm>
+            <a:prstGeom prst="rect">
+              <a:avLst/>
+            </a:prstGeom>
+            <a:solidFill>
+              <a:schemeClr val="accent6">
+                <a:lumMod val="40000"/>
+                <a:lumOff val="60000"/>
+              </a:schemeClr>
+            </a:solidFill>
+            <a:ln>
+              <a:solidFill>
+                <a:schemeClr val="tx1"/>
+              </a:solidFill>
+            </a:ln>
+          </p:spPr>
+          <p:txBody>
+            <a:bodyPr wrap="square" rtlCol="0">
+              <a:spAutoFit/>
+            </a:bodyPr>
+            <a:lstStyle/>
+            <a:p>
+              <a:pPr algn="ctr"/>
+              <a:r>
+                <a:rPr lang="en-US" sz="1400" b="1" dirty="0" smtClean="0">
+                  <a:latin typeface="Courier"/>
+                  <a:cs typeface="Courier"/>
+                </a:rPr>
+                <a:t>V4?</a:t>
+              </a:r>
+              <a:r>
+                <a:rPr lang="en-US" b="1" dirty="0" smtClean="0">
+                  <a:latin typeface="Courier"/>
+                  <a:cs typeface="Courier"/>
+                </a:rPr>
+                <a:t/>
+              </a:r>
+              <a:br>
+                <a:rPr lang="en-US" b="1" dirty="0" smtClean="0">
+                  <a:latin typeface="Courier"/>
+                  <a:cs typeface="Courier"/>
+                </a:rPr>
+              </a:br>
+              <a:endParaRPr lang="en-US" b="1" dirty="0" smtClean="0">
+                <a:latin typeface="Courier"/>
+                <a:cs typeface="Courier"/>
+              </a:endParaRPr>
+            </a:p>
+          </p:txBody>
+        </p:sp>
+        <p:sp>
+          <p:nvSpPr>
+            <p:cNvPr id="11" name="TextBox 10"/>
+            <p:cNvSpPr txBox="1"/>
+            <p:nvPr/>
+          </p:nvSpPr>
+          <p:spPr>
+            <a:xfrm>
+              <a:off x="5036146" y="2324268"/>
+              <a:ext cx="709314" cy="1243978"/>
+            </a:xfrm>
+            <a:prstGeom prst="rect">
+              <a:avLst/>
+            </a:prstGeom>
+            <a:solidFill>
+              <a:schemeClr val="accent6">
+                <a:lumMod val="40000"/>
+                <a:lumOff val="60000"/>
+              </a:schemeClr>
+            </a:solidFill>
+            <a:ln>
+              <a:solidFill>
+                <a:schemeClr val="tx1"/>
+              </a:solidFill>
+            </a:ln>
+          </p:spPr>
+          <p:txBody>
+            <a:bodyPr wrap="square" rtlCol="0">
+              <a:spAutoFit/>
+            </a:bodyPr>
+            <a:lstStyle/>
+            <a:p>
+              <a:pPr algn="ctr"/>
+              <a:r>
+                <a:rPr lang="en-US" sz="1400" b="1" dirty="0" smtClean="0">
+                  <a:latin typeface="Courier"/>
+                  <a:cs typeface="Courier"/>
+                </a:rPr>
+                <a:t>V5?</a:t>
+              </a:r>
+              <a:r>
+                <a:rPr lang="en-US" b="1" dirty="0" smtClean="0">
+                  <a:latin typeface="Courier"/>
+                  <a:cs typeface="Courier"/>
+                </a:rPr>
+                <a:t/>
+              </a:r>
+              <a:br>
+                <a:rPr lang="en-US" b="1" dirty="0" smtClean="0">
+                  <a:latin typeface="Courier"/>
+                  <a:cs typeface="Courier"/>
+                </a:rPr>
+              </a:br>
+              <a:endParaRPr lang="en-US" b="1" dirty="0" smtClean="0">
+                <a:latin typeface="Courier"/>
+                <a:cs typeface="Courier"/>
+              </a:endParaRPr>
+            </a:p>
+          </p:txBody>
+        </p:sp>
+        <p:sp>
+          <p:nvSpPr>
+            <p:cNvPr id="12" name="TextBox 11"/>
+            <p:cNvSpPr txBox="1"/>
+            <p:nvPr/>
+          </p:nvSpPr>
+          <p:spPr>
+            <a:xfrm>
+              <a:off x="7101186" y="2324268"/>
+              <a:ext cx="709314" cy="1243978"/>
+            </a:xfrm>
+            <a:prstGeom prst="rect">
+              <a:avLst/>
+            </a:prstGeom>
+            <a:solidFill>
+              <a:schemeClr val="accent6">
+                <a:lumMod val="40000"/>
+                <a:lumOff val="60000"/>
+              </a:schemeClr>
+            </a:solidFill>
+            <a:ln>
+              <a:solidFill>
+                <a:schemeClr val="tx1"/>
+              </a:solidFill>
+            </a:ln>
+          </p:spPr>
+          <p:txBody>
+            <a:bodyPr wrap="square" rtlCol="0">
+              <a:spAutoFit/>
+            </a:bodyPr>
+            <a:lstStyle/>
+            <a:p>
+              <a:pPr algn="ctr"/>
+              <a:r>
+                <a:rPr lang="en-US" sz="1400" b="1" dirty="0" smtClean="0">
+                  <a:latin typeface="Courier"/>
+                  <a:cs typeface="Courier"/>
+                </a:rPr>
+                <a:t>V6?</a:t>
+              </a:r>
+              <a:r>
+                <a:rPr lang="en-US" b="1" dirty="0" smtClean="0">
+                  <a:latin typeface="Courier"/>
+                  <a:cs typeface="Courier"/>
+                </a:rPr>
+                <a:t/>
+              </a:r>
+              <a:br>
+                <a:rPr lang="en-US" b="1" dirty="0" smtClean="0">
+                  <a:latin typeface="Courier"/>
+                  <a:cs typeface="Courier"/>
+                </a:rPr>
+              </a:br>
+              <a:endParaRPr lang="en-US" b="1" dirty="0" smtClean="0">
+                <a:latin typeface="Courier"/>
+                <a:cs typeface="Courier"/>
+              </a:endParaRPr>
+            </a:p>
+          </p:txBody>
+        </p:sp>
+        <p:sp>
+          <p:nvSpPr>
+            <p:cNvPr id="13" name="TextBox 12"/>
+            <p:cNvSpPr txBox="1"/>
+            <p:nvPr/>
+          </p:nvSpPr>
+          <p:spPr>
+            <a:xfrm>
+              <a:off x="3196390" y="3969682"/>
+              <a:ext cx="709314" cy="1243978"/>
+            </a:xfrm>
+            <a:prstGeom prst="rect">
+              <a:avLst/>
+            </a:prstGeom>
+            <a:solidFill>
+              <a:schemeClr val="accent6">
+                <a:lumMod val="40000"/>
+                <a:lumOff val="60000"/>
+              </a:schemeClr>
+            </a:solidFill>
+            <a:ln>
+              <a:solidFill>
+                <a:schemeClr val="tx1"/>
+              </a:solidFill>
+            </a:ln>
+          </p:spPr>
+          <p:txBody>
+            <a:bodyPr wrap="square" rtlCol="0">
+              <a:spAutoFit/>
+            </a:bodyPr>
+            <a:lstStyle/>
+            <a:p>
+              <a:pPr algn="ctr"/>
+              <a:r>
+                <a:rPr lang="en-US" sz="1400" b="1" dirty="0" smtClean="0">
+                  <a:latin typeface="Courier"/>
+                  <a:cs typeface="Courier"/>
+                </a:rPr>
+                <a:t>V4?</a:t>
+              </a:r>
+              <a:r>
+                <a:rPr lang="en-US" b="1" dirty="0" smtClean="0">
+                  <a:latin typeface="Courier"/>
+                  <a:cs typeface="Courier"/>
+                </a:rPr>
+                <a:t/>
+              </a:r>
+              <a:br>
+                <a:rPr lang="en-US" b="1" dirty="0" smtClean="0">
+                  <a:latin typeface="Courier"/>
+                  <a:cs typeface="Courier"/>
+                </a:rPr>
+              </a:br>
+              <a:endParaRPr lang="en-US" b="1" dirty="0" smtClean="0">
+                <a:latin typeface="Courier"/>
+                <a:cs typeface="Courier"/>
+              </a:endParaRPr>
+            </a:p>
+          </p:txBody>
+        </p:sp>
+        <p:sp>
+          <p:nvSpPr>
+            <p:cNvPr id="14" name="TextBox 13"/>
+            <p:cNvSpPr txBox="1"/>
+            <p:nvPr/>
+          </p:nvSpPr>
+          <p:spPr>
+            <a:xfrm>
+              <a:off x="5745462" y="3969682"/>
+              <a:ext cx="709314" cy="1243978"/>
+            </a:xfrm>
+            <a:prstGeom prst="rect">
+              <a:avLst/>
+            </a:prstGeom>
+            <a:solidFill>
+              <a:schemeClr val="accent6">
+                <a:lumMod val="40000"/>
+                <a:lumOff val="60000"/>
+              </a:schemeClr>
+            </a:solidFill>
+            <a:ln>
+              <a:solidFill>
+                <a:schemeClr val="tx1"/>
+              </a:solidFill>
+            </a:ln>
+          </p:spPr>
+          <p:txBody>
+            <a:bodyPr wrap="square" rtlCol="0">
+              <a:spAutoFit/>
+            </a:bodyPr>
+            <a:lstStyle/>
+            <a:p>
+              <a:pPr algn="ctr"/>
+              <a:r>
+                <a:rPr lang="en-US" sz="1400" b="1" dirty="0" smtClean="0">
+                  <a:latin typeface="Courier"/>
+                  <a:cs typeface="Courier"/>
+                </a:rPr>
+                <a:t>V5?</a:t>
+              </a:r>
+              <a:r>
+                <a:rPr lang="en-US" b="1" dirty="0" smtClean="0">
+                  <a:latin typeface="Courier"/>
+                  <a:cs typeface="Courier"/>
+                </a:rPr>
+                <a:t/>
+              </a:r>
+              <a:br>
+                <a:rPr lang="en-US" b="1" dirty="0" smtClean="0">
+                  <a:latin typeface="Courier"/>
+                  <a:cs typeface="Courier"/>
+                </a:rPr>
+              </a:br>
+              <a:endParaRPr lang="en-US" b="1" dirty="0" smtClean="0">
+                <a:latin typeface="Courier"/>
+                <a:cs typeface="Courier"/>
+              </a:endParaRPr>
+            </a:p>
+          </p:txBody>
+        </p:sp>
+        <p:cxnSp>
+          <p:nvCxnSpPr>
+            <p:cNvPr id="15" name="Straight Arrow Connector 14"/>
+            <p:cNvCxnSpPr>
+              <a:stCxn id="9" idx="3"/>
+              <a:endCxn id="10" idx="1"/>
+            </p:cNvCxnSpPr>
+            <p:nvPr/>
+          </p:nvCxnSpPr>
+          <p:spPr>
+            <a:xfrm flipV="1">
+              <a:off x="2840817" y="2946258"/>
+              <a:ext cx="1064887" cy="817097"/>
+            </a:xfrm>
+            <a:prstGeom prst="straightConnector1">
+              <a:avLst/>
+            </a:prstGeom>
+            <a:ln>
+              <a:tailEnd type="arrow"/>
+            </a:ln>
+          </p:spPr>
+          <p:style>
+            <a:lnRef idx="2">
+              <a:schemeClr val="accent1"/>
+            </a:lnRef>
+            <a:fillRef idx="0">
+              <a:schemeClr val="accent1"/>
+            </a:fillRef>
+            <a:effectRef idx="1">
+              <a:schemeClr val="accent1"/>
+            </a:effectRef>
+            <a:fontRef idx="minor">
+              <a:schemeClr val="tx1"/>
+            </a:fontRef>
+          </p:style>
+        </p:cxnSp>
+        <p:cxnSp>
+          <p:nvCxnSpPr>
+            <p:cNvPr id="16" name="Straight Arrow Connector 15"/>
+            <p:cNvCxnSpPr>
+              <a:stCxn id="7" idx="3"/>
+              <a:endCxn id="8" idx="1"/>
+            </p:cNvCxnSpPr>
+            <p:nvPr/>
+          </p:nvCxnSpPr>
+          <p:spPr>
+            <a:xfrm>
+              <a:off x="1001059" y="3763355"/>
+              <a:ext cx="227656" cy="3056"/>
+            </a:xfrm>
+            <a:prstGeom prst="straightConnector1">
+              <a:avLst/>
+            </a:prstGeom>
+            <a:ln>
+              <a:tailEnd type="arrow"/>
+            </a:ln>
+          </p:spPr>
+          <p:style>
+            <a:lnRef idx="2">
+              <a:schemeClr val="accent1"/>
+            </a:lnRef>
+            <a:fillRef idx="0">
+              <a:schemeClr val="accent1"/>
+            </a:fillRef>
+            <a:effectRef idx="1">
+              <a:schemeClr val="accent1"/>
+            </a:effectRef>
+            <a:fontRef idx="minor">
+              <a:schemeClr val="tx1"/>
+            </a:fontRef>
+          </p:style>
+        </p:cxnSp>
+        <p:cxnSp>
+          <p:nvCxnSpPr>
+            <p:cNvPr id="17" name="Straight Arrow Connector 16"/>
+            <p:cNvCxnSpPr>
+              <a:stCxn id="8" idx="3"/>
+              <a:endCxn id="9" idx="1"/>
+            </p:cNvCxnSpPr>
+            <p:nvPr/>
+          </p:nvCxnSpPr>
+          <p:spPr>
+            <a:xfrm>
+              <a:off x="1938030" y="3763355"/>
+              <a:ext cx="193473" cy="3056"/>
+            </a:xfrm>
+            <a:prstGeom prst="straightConnector1">
+              <a:avLst/>
+            </a:prstGeom>
+            <a:ln>
+              <a:tailEnd type="arrow"/>
+            </a:ln>
+          </p:spPr>
+          <p:style>
+            <a:lnRef idx="2">
+              <a:schemeClr val="accent1"/>
+            </a:lnRef>
+            <a:fillRef idx="0">
+              <a:schemeClr val="accent1"/>
+            </a:fillRef>
+            <a:effectRef idx="1">
+              <a:schemeClr val="accent1"/>
+            </a:effectRef>
+            <a:fontRef idx="minor">
+              <a:schemeClr val="tx1"/>
+            </a:fontRef>
+          </p:style>
+        </p:cxnSp>
+        <p:cxnSp>
+          <p:nvCxnSpPr>
+            <p:cNvPr id="18" name="Straight Arrow Connector 17"/>
+            <p:cNvCxnSpPr>
+              <a:stCxn id="9" idx="3"/>
+              <a:endCxn id="13" idx="1"/>
+            </p:cNvCxnSpPr>
+            <p:nvPr/>
+          </p:nvCxnSpPr>
+          <p:spPr>
+            <a:xfrm>
+              <a:off x="2840817" y="3763355"/>
+              <a:ext cx="355573" cy="828317"/>
+            </a:xfrm>
+            <a:prstGeom prst="straightConnector1">
+              <a:avLst/>
+            </a:prstGeom>
+            <a:ln>
+              <a:tailEnd type="arrow"/>
+            </a:ln>
+          </p:spPr>
+          <p:style>
+            <a:lnRef idx="2">
+              <a:schemeClr val="accent1"/>
+            </a:lnRef>
+            <a:fillRef idx="0">
+              <a:schemeClr val="accent1"/>
+            </a:fillRef>
+            <a:effectRef idx="1">
+              <a:schemeClr val="accent1"/>
+            </a:effectRef>
+            <a:fontRef idx="minor">
+              <a:schemeClr val="tx1"/>
+            </a:fontRef>
+          </p:style>
+        </p:cxnSp>
+        <p:cxnSp>
+          <p:nvCxnSpPr>
+            <p:cNvPr id="19" name="Straight Arrow Connector 18"/>
+            <p:cNvCxnSpPr>
+              <a:stCxn id="11" idx="3"/>
+              <a:endCxn id="12" idx="1"/>
+            </p:cNvCxnSpPr>
+            <p:nvPr/>
+          </p:nvCxnSpPr>
+          <p:spPr>
+            <a:xfrm>
+              <a:off x="5745460" y="2946258"/>
+              <a:ext cx="1355726" cy="3056"/>
+            </a:xfrm>
+            <a:prstGeom prst="straightConnector1">
+              <a:avLst/>
+            </a:prstGeom>
+            <a:ln>
+              <a:tailEnd type="arrow"/>
+            </a:ln>
+          </p:spPr>
+          <p:style>
+            <a:lnRef idx="2">
+              <a:schemeClr val="accent1"/>
+            </a:lnRef>
+            <a:fillRef idx="0">
+              <a:schemeClr val="accent1"/>
+            </a:fillRef>
+            <a:effectRef idx="1">
+              <a:schemeClr val="accent1"/>
+            </a:effectRef>
+            <a:fontRef idx="minor">
+              <a:schemeClr val="tx1"/>
+            </a:fontRef>
+          </p:style>
+        </p:cxnSp>
+        <p:cxnSp>
+          <p:nvCxnSpPr>
+            <p:cNvPr id="20" name="Straight Arrow Connector 19"/>
+            <p:cNvCxnSpPr>
+              <a:stCxn id="10" idx="3"/>
+              <a:endCxn id="11" idx="1"/>
+            </p:cNvCxnSpPr>
+            <p:nvPr/>
+          </p:nvCxnSpPr>
+          <p:spPr>
+            <a:xfrm>
+              <a:off x="4615017" y="2946258"/>
+              <a:ext cx="421129" cy="3056"/>
+            </a:xfrm>
+            <a:prstGeom prst="straightConnector1">
+              <a:avLst/>
+            </a:prstGeom>
+            <a:ln>
+              <a:tailEnd type="arrow"/>
+            </a:ln>
+          </p:spPr>
+          <p:style>
+            <a:lnRef idx="2">
+              <a:schemeClr val="accent1"/>
+            </a:lnRef>
+            <a:fillRef idx="0">
+              <a:schemeClr val="accent1"/>
+            </a:fillRef>
+            <a:effectRef idx="1">
+              <a:schemeClr val="accent1"/>
+            </a:effectRef>
+            <a:fontRef idx="minor">
+              <a:schemeClr val="tx1"/>
+            </a:fontRef>
+          </p:style>
+        </p:cxnSp>
+        <p:cxnSp>
+          <p:nvCxnSpPr>
+            <p:cNvPr id="21" name="Straight Arrow Connector 20"/>
+            <p:cNvCxnSpPr>
+              <a:stCxn id="13" idx="3"/>
+              <a:endCxn id="14" idx="1"/>
+            </p:cNvCxnSpPr>
+            <p:nvPr/>
+          </p:nvCxnSpPr>
+          <p:spPr>
+            <a:xfrm>
+              <a:off x="3905704" y="4591672"/>
+              <a:ext cx="1839758" cy="3056"/>
+            </a:xfrm>
+            <a:prstGeom prst="straightConnector1">
+              <a:avLst/>
+            </a:prstGeom>
+            <a:ln>
+              <a:tailEnd type="arrow"/>
+            </a:ln>
+          </p:spPr>
+          <p:style>
+            <a:lnRef idx="2">
+              <a:schemeClr val="accent1"/>
+            </a:lnRef>
+            <a:fillRef idx="0">
+              <a:schemeClr val="accent1"/>
+            </a:fillRef>
+            <a:effectRef idx="1">
+              <a:schemeClr val="accent1"/>
+            </a:effectRef>
+            <a:fontRef idx="minor">
+              <a:schemeClr val="tx1"/>
+            </a:fontRef>
+          </p:style>
+        </p:cxnSp>
+      </p:grpSp>
+      <p:sp>
+        <p:nvSpPr>
+          <p:cNvPr id="23" name="TextBox 22"/>
+          <p:cNvSpPr txBox="1"/>
+          <p:nvPr/>
+        </p:nvSpPr>
+        <p:spPr>
+          <a:xfrm>
+            <a:off x="218974" y="6519446"/>
+            <a:ext cx="8160441" cy="338554"/>
+          </a:xfrm>
+          <a:prstGeom prst="rect">
+            <a:avLst/>
+          </a:prstGeom>
+          <a:noFill/>
+        </p:spPr>
+        <p:txBody>
+          <a:bodyPr wrap="square" rtlCol="0">
+            <a:spAutoFit/>
+          </a:bodyPr>
+          <a:lstStyle/>
+          <a:p>
+            <a:r>
+              <a:rPr lang="en-US" sz="1600" i="1" dirty="0" smtClean="0"/>
+              <a:t>*a lot of optimization/compression is done to save disk space</a:t>
+            </a:r>
+            <a:endParaRPr lang="en-US" sz="1600" i="1" dirty="0"/>
           </a:p>
         </p:txBody>
       </p:sp>
     </p:spTree>
+    <p:extLst>
+      <p:ext uri="{BB962C8B-B14F-4D97-AF65-F5344CB8AC3E}">
+        <p14:creationId xmlns:p14="http://schemas.microsoft.com/office/powerpoint/2010/main" val="2278185650"/>
+      </p:ext>
+    </p:extLst>
   </p:cSld>
   <p:clrMapOvr>
     <a:masterClrMapping/>
   </p:clrMapOvr>
+  <p:transition xmlns:p14="http://schemas.microsoft.com/office/powerpoint/2010/main"/>
   <p:timing>
     <p:tnLst>
       <p:par>
-        <p:cTn id="1" dur="indefinite" restart="never" nodeType="tmRoot">
-          <p:childTnLst>
-            <p:seq concurrent="1" nextAc="seek">
-              <p:cTn id="2" dur="indefinite" nodeType="mainSeq">
-                <p:childTnLst>
-                  <p:par>
-                    <p:cTn id="3" fill="hold">
-                      <p:stCondLst>
-                        <p:cond delay="indefinite"/>
-                      </p:stCondLst>
-                      <p:childTnLst>
-                        <p:par>
-                          <p:cTn id="4" fill="hold">
-                            <p:stCondLst>
-                              <p:cond delay="0"/>
-                            </p:stCondLst>
-                            <p:childTnLst>
-                              <p:par>
-                                <p:cTn id="5" presetID="1" presetClass="entr" presetSubtype="0" fill="hold" grpId="0" nodeType="clickEffect">
-                                  <p:stCondLst>
-                                    <p:cond delay="0"/>
-                                  </p:stCondLst>
-                                  <p:childTnLst>
-                                    <p:set>
-                                      <p:cBhvr>
-                                        <p:cTn id="6" dur="1" fill="hold">
-                                          <p:stCondLst>
-                                            <p:cond delay="0"/>
-                                          </p:stCondLst>
-                                        </p:cTn>
-                                        <p:tgtEl>
-                                          <p:spTgt spid="4"/>
-                                        </p:tgtEl>
-                                        <p:attrNameLst>
-                                          <p:attrName>style.visibility</p:attrName>
-                                        </p:attrNameLst>
-                                      </p:cBhvr>
-                                      <p:to>
-                                        <p:strVal val="visible"/>
-                                      </p:to>
-                                    </p:set>
-                                  </p:childTnLst>
-                                </p:cTn>
-                              </p:par>
-                            </p:childTnLst>
-                          </p:cTn>
-                        </p:par>
-                      </p:childTnLst>
-                    </p:cTn>
-                  </p:par>
-                </p:childTnLst>
-              </p:cTn>
-              <p:prevCondLst>
-                <p:cond evt="onPrev" delay="0">
-                  <p:tgtEl>
-                    <p:sldTgt/>
-                  </p:tgtEl>
-                </p:cond>
-              </p:prevCondLst>
-              <p:nextCondLst>
-                <p:cond evt="onNext" delay="0">
-                  <p:tgtEl>
-                    <p:sldTgt/>
-                  </p:tgtEl>
-                </p:cond>
-              </p:nextCondLst>
-            </p:seq>
-          </p:childTnLst>
-        </p:cTn>
+        <p:cTn xmlns:p14="http://schemas.microsoft.com/office/powerpoint/2010/main" id="1" dur="indefinite" restart="never" nodeType="tmRoot"/>
       </p:par>
     </p:tnLst>
-    <p:bldLst>
-      <p:bldP spid="4" grpId="0"/>
-    </p:bldLst>
   </p:timing>
 </p:sld>
 </file>
 
-<file path=ppt/slides/slide10.xml><?xml version="1.0" encoding="utf-8"?>
-<p:sld xmlns:a="http://schemas.openxmlformats.org/drawingml/2006/main" xmlns:r="http://schemas.openxmlformats.org/officeDocument/2006/relationships" xmlns:mc="http://schemas.openxmlformats.org/markup-compatibility/2006" xmlns:mv="urn:schemas-microsoft-com:mac:vml" xmlns:p="http://schemas.openxmlformats.org/presentationml/2006/main" mc:Ignorable="mv" mc:PreserveAttributes="mv:*">
+<file path=ppt/slides/slide11.xml><?xml version="1.0" encoding="utf-8"?>
+<p:sld xmlns:a="http://schemas.openxmlformats.org/drawingml/2006/main" xmlns:r="http://schemas.openxmlformats.org/officeDocument/2006/relationships" xmlns:p="http://schemas.openxmlformats.org/presentationml/2006/main">
   <p:cSld>
     <p:spTree>
       <p:nvGrpSpPr>
@@ -3462,23 +4365,7 @@
           <a:p>
             <a:r>
               <a:rPr lang="en-US" dirty="0" smtClean="0"/>
-              <a:t>Branching problem 1: </a:t>
-            </a:r>
-            <a:r>
-              <a:rPr lang="en-US" dirty="0" smtClean="0"/>
-              <a:t>Assigning a unique identifier</a:t>
-            </a:r>
-            <a:r>
-              <a:rPr lang="en-US" dirty="0" smtClean="0"/>
-              <a:t> to </a:t>
-            </a:r>
-            <a:r>
-              <a:rPr lang="en-US" dirty="0" smtClean="0"/>
-              <a:t>each </a:t>
-            </a:r>
-            <a:r>
-              <a:rPr lang="en-US" dirty="0" smtClean="0"/>
-              <a:t>commit</a:t>
+              <a:t>Branching problem 1: Assigning a unique identifier to each commit</a:t>
             </a:r>
             <a:br>
               <a:rPr lang="en-US" dirty="0" smtClean="0"/>
@@ -3670,15 +4557,7 @@
             </a:br>
             <a:r>
               <a:rPr lang="en-US" dirty="0" smtClean="0"/>
-              <a:t>takes any digital data and generates 40-digit </a:t>
-            </a:r>
-            <a:r>
-              <a:rPr lang="en-US" dirty="0" smtClean="0"/>
-              <a:t>hexadecimal </a:t>
-            </a:r>
-            <a:r>
-              <a:rPr lang="en-US" dirty="0" smtClean="0"/>
-              <a:t>numbers based on it</a:t>
+              <a:t>takes any digital data and generates 40-digit hexadecimal numbers based on it</a:t>
             </a:r>
           </a:p>
           <a:p>
@@ -3780,29 +4659,311 @@
           </a:fontRef>
         </p:style>
       </p:cxnSp>
+      <p:sp>
+        <p:nvSpPr>
+          <p:cNvPr id="2" name="Textfeld 1"/>
+          <p:cNvSpPr txBox="1"/>
+          <p:nvPr/>
+        </p:nvSpPr>
+        <p:spPr>
+          <a:xfrm>
+            <a:off x="222250" y="6413500"/>
+            <a:ext cx="8382000" cy="369332"/>
+          </a:xfrm>
+          <a:prstGeom prst="rect">
+            <a:avLst/>
+          </a:prstGeom>
+          <a:noFill/>
+        </p:spPr>
+        <p:txBody>
+          <a:bodyPr wrap="square" rtlCol="0">
+            <a:spAutoFit/>
+          </a:bodyPr>
+          <a:lstStyle/>
+          <a:p>
+            <a:r>
+              <a:rPr lang="en-US" dirty="0" smtClean="0"/>
+              <a:t>Numbers of different commits are not related in any way! </a:t>
+            </a:r>
+            <a:r>
+              <a:rPr lang="en-US" dirty="0"/>
+              <a:t>  </a:t>
+            </a:r>
+            <a:r>
+              <a:rPr lang="en-US" dirty="0" smtClean="0"/>
+              <a:t>  Just unique ‘names’</a:t>
+            </a:r>
+            <a:endParaRPr lang="en-US" dirty="0"/>
+          </a:p>
+        </p:txBody>
+      </p:sp>
     </p:spTree>
     <p:extLst>
       <p:ext uri="{BB962C8B-B14F-4D97-AF65-F5344CB8AC3E}">
-        <p14:creationId xmlns="" xmlns:a="http://schemas.openxmlformats.org/drawingml/2006/main" xmlns:r="http://schemas.openxmlformats.org/officeDocument/2006/relationships" xmlns:p="http://schemas.openxmlformats.org/presentationml/2006/main" xmlns:p14="http://schemas.microsoft.com/office/powerpoint/2010/main" xmlns:mv="urn:schemas-microsoft-com:mac:vml" xmlns:mc="http://schemas.openxmlformats.org/markup-compatibility/2006" val="2864348573"/>
+        <p14:creationId xmlns:p14="http://schemas.microsoft.com/office/powerpoint/2010/main" val="2864348573"/>
       </p:ext>
     </p:extLst>
   </p:cSld>
   <p:clrMapOvr>
     <a:masterClrMapping/>
   </p:clrMapOvr>
-  <p:transition/>
+  <p:transition xmlns:p14="http://schemas.microsoft.com/office/powerpoint/2010/main"/>
   <p:timing>
     <p:tnLst>
       <p:par>
-        <p:cTn id="1" dur="indefinite" restart="never" nodeType="tmRoot"/>
+        <p:cTn xmlns:p14="http://schemas.microsoft.com/office/powerpoint/2010/main" id="1" dur="indefinite" restart="never" nodeType="tmRoot">
+          <p:childTnLst>
+            <p:seq concurrent="1" nextAc="seek">
+              <p:cTn id="2" dur="indefinite" nodeType="mainSeq">
+                <p:childTnLst>
+                  <p:par>
+                    <p:cTn id="3" fill="hold">
+                      <p:stCondLst>
+                        <p:cond delay="indefinite"/>
+                      </p:stCondLst>
+                      <p:childTnLst>
+                        <p:par>
+                          <p:cTn id="4" fill="hold">
+                            <p:stCondLst>
+                              <p:cond delay="0"/>
+                            </p:stCondLst>
+                            <p:childTnLst>
+                              <p:par>
+                                <p:cTn id="5" presetID="1" presetClass="entr" presetSubtype="0" fill="hold" nodeType="clickEffect">
+                                  <p:stCondLst>
+                                    <p:cond delay="0"/>
+                                  </p:stCondLst>
+                                  <p:childTnLst>
+                                    <p:set>
+                                      <p:cBhvr>
+                                        <p:cTn id="6" dur="1" fill="hold">
+                                          <p:stCondLst>
+                                            <p:cond delay="0"/>
+                                          </p:stCondLst>
+                                        </p:cTn>
+                                        <p:tgtEl>
+                                          <p:spTgt spid="8"/>
+                                        </p:tgtEl>
+                                        <p:attrNameLst>
+                                          <p:attrName>style.visibility</p:attrName>
+                                        </p:attrNameLst>
+                                      </p:cBhvr>
+                                      <p:to>
+                                        <p:strVal val="visible"/>
+                                      </p:to>
+                                    </p:set>
+                                  </p:childTnLst>
+                                </p:cTn>
+                              </p:par>
+                              <p:par>
+                                <p:cTn id="7" presetID="1" presetClass="entr" presetSubtype="0" fill="hold" nodeType="withEffect">
+                                  <p:stCondLst>
+                                    <p:cond delay="0"/>
+                                  </p:stCondLst>
+                                  <p:childTnLst>
+                                    <p:set>
+                                      <p:cBhvr>
+                                        <p:cTn id="8" dur="1" fill="hold">
+                                          <p:stCondLst>
+                                            <p:cond delay="0"/>
+                                          </p:stCondLst>
+                                        </p:cTn>
+                                        <p:tgtEl>
+                                          <p:spTgt spid="9"/>
+                                        </p:tgtEl>
+                                        <p:attrNameLst>
+                                          <p:attrName>style.visibility</p:attrName>
+                                        </p:attrNameLst>
+                                      </p:cBhvr>
+                                      <p:to>
+                                        <p:strVal val="visible"/>
+                                      </p:to>
+                                    </p:set>
+                                  </p:childTnLst>
+                                </p:cTn>
+                              </p:par>
+                              <p:par>
+                                <p:cTn id="9" presetID="1" presetClass="entr" presetSubtype="0" fill="hold" grpId="0" nodeType="withEffect">
+                                  <p:stCondLst>
+                                    <p:cond delay="0"/>
+                                  </p:stCondLst>
+                                  <p:childTnLst>
+                                    <p:set>
+                                      <p:cBhvr>
+                                        <p:cTn id="10" dur="1" fill="hold">
+                                          <p:stCondLst>
+                                            <p:cond delay="0"/>
+                                          </p:stCondLst>
+                                        </p:cTn>
+                                        <p:tgtEl>
+                                          <p:spTgt spid="6"/>
+                                        </p:tgtEl>
+                                        <p:attrNameLst>
+                                          <p:attrName>style.visibility</p:attrName>
+                                        </p:attrNameLst>
+                                      </p:cBhvr>
+                                      <p:to>
+                                        <p:strVal val="visible"/>
+                                      </p:to>
+                                    </p:set>
+                                  </p:childTnLst>
+                                </p:cTn>
+                              </p:par>
+                              <p:par>
+                                <p:cTn id="11" presetID="1" presetClass="entr" presetSubtype="0" fill="hold" nodeType="withEffect">
+                                  <p:stCondLst>
+                                    <p:cond delay="0"/>
+                                  </p:stCondLst>
+                                  <p:childTnLst>
+                                    <p:set>
+                                      <p:cBhvr>
+                                        <p:cTn id="12" dur="1" fill="hold">
+                                          <p:stCondLst>
+                                            <p:cond delay="0"/>
+                                          </p:stCondLst>
+                                        </p:cTn>
+                                        <p:tgtEl>
+                                          <p:spTgt spid="5"/>
+                                        </p:tgtEl>
+                                        <p:attrNameLst>
+                                          <p:attrName>style.visibility</p:attrName>
+                                        </p:attrNameLst>
+                                      </p:cBhvr>
+                                      <p:to>
+                                        <p:strVal val="visible"/>
+                                      </p:to>
+                                    </p:set>
+                                  </p:childTnLst>
+                                </p:cTn>
+                              </p:par>
+                            </p:childTnLst>
+                          </p:cTn>
+                        </p:par>
+                      </p:childTnLst>
+                    </p:cTn>
+                  </p:par>
+                  <p:par>
+                    <p:cTn id="13" fill="hold">
+                      <p:stCondLst>
+                        <p:cond delay="indefinite"/>
+                      </p:stCondLst>
+                      <p:childTnLst>
+                        <p:par>
+                          <p:cTn id="14" fill="hold">
+                            <p:stCondLst>
+                              <p:cond delay="0"/>
+                            </p:stCondLst>
+                            <p:childTnLst>
+                              <p:par>
+                                <p:cTn id="15" presetID="1" presetClass="entr" presetSubtype="0" fill="hold" grpId="0" nodeType="clickEffect">
+                                  <p:stCondLst>
+                                    <p:cond delay="0"/>
+                                  </p:stCondLst>
+                                  <p:childTnLst>
+                                    <p:set>
+                                      <p:cBhvr>
+                                        <p:cTn id="16" dur="1" fill="hold">
+                                          <p:stCondLst>
+                                            <p:cond delay="0"/>
+                                          </p:stCondLst>
+                                        </p:cTn>
+                                        <p:tgtEl>
+                                          <p:spTgt spid="7"/>
+                                        </p:tgtEl>
+                                        <p:attrNameLst>
+                                          <p:attrName>style.visibility</p:attrName>
+                                        </p:attrNameLst>
+                                      </p:cBhvr>
+                                      <p:to>
+                                        <p:strVal val="visible"/>
+                                      </p:to>
+                                    </p:set>
+                                  </p:childTnLst>
+                                </p:cTn>
+                              </p:par>
+                            </p:childTnLst>
+                          </p:cTn>
+                        </p:par>
+                      </p:childTnLst>
+                    </p:cTn>
+                  </p:par>
+                  <p:par>
+                    <p:cTn id="17" fill="hold">
+                      <p:stCondLst>
+                        <p:cond delay="indefinite"/>
+                      </p:stCondLst>
+                      <p:childTnLst>
+                        <p:par>
+                          <p:cTn id="18" fill="hold">
+                            <p:stCondLst>
+                              <p:cond delay="0"/>
+                            </p:stCondLst>
+                            <p:childTnLst>
+                              <p:par>
+                                <p:cTn id="19" presetID="1" presetClass="entr" presetSubtype="0" fill="hold" grpId="0" nodeType="clickEffect">
+                                  <p:stCondLst>
+                                    <p:cond delay="0"/>
+                                  </p:stCondLst>
+                                  <p:childTnLst>
+                                    <p:set>
+                                      <p:cBhvr>
+                                        <p:cTn id="20" dur="1" fill="hold">
+                                          <p:stCondLst>
+                                            <p:cond delay="0"/>
+                                          </p:stCondLst>
+                                        </p:cTn>
+                                        <p:tgtEl>
+                                          <p:spTgt spid="2"/>
+                                        </p:tgtEl>
+                                        <p:attrNameLst>
+                                          <p:attrName>style.visibility</p:attrName>
+                                        </p:attrNameLst>
+                                      </p:cBhvr>
+                                      <p:to>
+                                        <p:strVal val="visible"/>
+                                      </p:to>
+                                    </p:set>
+                                  </p:childTnLst>
+                                </p:cTn>
+                              </p:par>
+                            </p:childTnLst>
+                          </p:cTn>
+                        </p:par>
+                      </p:childTnLst>
+                    </p:cTn>
+                  </p:par>
+                </p:childTnLst>
+              </p:cTn>
+              <p:prevCondLst>
+                <p:cond evt="onPrev" delay="0">
+                  <p:tgtEl>
+                    <p:sldTgt/>
+                  </p:tgtEl>
+                </p:cond>
+              </p:prevCondLst>
+              <p:nextCondLst>
+                <p:cond evt="onNext" delay="0">
+                  <p:tgtEl>
+                    <p:sldTgt/>
+                  </p:tgtEl>
+                </p:cond>
+              </p:nextCondLst>
+            </p:seq>
+          </p:childTnLst>
+        </p:cTn>
       </p:par>
     </p:tnLst>
+    <p:bldLst>
+      <p:bldP spid="6" grpId="0"/>
+      <p:bldP spid="7" grpId="0"/>
+      <p:bldP spid="2" grpId="0"/>
+    </p:bldLst>
   </p:timing>
 </p:sld>
 </file>
 
-<file path=ppt/slides/slide11.xml><?xml version="1.0" encoding="utf-8"?>
-<p:sld xmlns:a="http://schemas.openxmlformats.org/drawingml/2006/main" xmlns:r="http://schemas.openxmlformats.org/officeDocument/2006/relationships" xmlns:mc="http://schemas.openxmlformats.org/markup-compatibility/2006" xmlns:mv="urn:schemas-microsoft-com:mac:vml" xmlns:p="http://schemas.openxmlformats.org/presentationml/2006/main" mc:Ignorable="mv" mc:PreserveAttributes="mv:*">
+<file path=ppt/slides/slide12.xml><?xml version="1.0" encoding="utf-8"?>
+<p:sld xmlns:a="http://schemas.openxmlformats.org/drawingml/2006/main" xmlns:r="http://schemas.openxmlformats.org/officeDocument/2006/relationships" xmlns:p="http://schemas.openxmlformats.org/presentationml/2006/main">
   <p:cSld>
     <p:spTree>
       <p:nvGrpSpPr>
@@ -4048,14 +5209,7 @@
                   <a:latin typeface="Courier"/>
                   <a:cs typeface="Courier"/>
                 </a:rPr>
-                <a:t>b</a:t>
-              </a:r>
-              <a:r>
-                <a:rPr lang="en-US" sz="1400" b="1" dirty="0" smtClean="0">
-                  <a:latin typeface="Courier"/>
-                  <a:cs typeface="Courier"/>
-                </a:rPr>
-                <a:t>e2…</a:t>
+                <a:t>be2…</a:t>
               </a:r>
               <a:r>
                 <a:rPr lang="en-US" b="1" dirty="0" smtClean="0">
@@ -4075,14 +5229,7 @@
                   <a:latin typeface="Courier"/>
                   <a:cs typeface="Courier"/>
                 </a:rPr>
-                <a:t>parent:</a:t>
-              </a:r>
-              <a:r>
-                <a:rPr lang="en-US" sz="1400" dirty="0" smtClean="0">
-                  <a:latin typeface="Courier"/>
-                  <a:cs typeface="Courier"/>
-                </a:rPr>
-                <a:t> 6ff…</a:t>
+                <a:t>parent: 6ff…</a:t>
               </a:r>
               <a:endParaRPr lang="en-US" sz="1400" b="1" dirty="0" smtClean="0">
                 <a:latin typeface="Courier"/>
@@ -4152,17 +5299,7 @@
                   <a:latin typeface="Courier"/>
                   <a:cs typeface="Courier"/>
                 </a:rPr>
-                <a:t>parent:</a:t>
-              </a:r>
-              <a:r>
-                <a:rPr lang="en-US" sz="1400" dirty="0" smtClean="0">
-                  <a:solidFill>
-                    <a:prstClr val="black"/>
-                  </a:solidFill>
-                  <a:latin typeface="Courier"/>
-                  <a:cs typeface="Courier"/>
-                </a:rPr>
-                <a:t> be2…</a:t>
+                <a:t>parent: be2…</a:t>
               </a:r>
               <a:endParaRPr lang="en-US" b="1" dirty="0" smtClean="0">
                 <a:latin typeface="Courier"/>
@@ -4232,17 +5369,7 @@
                   <a:latin typeface="Courier"/>
                   <a:cs typeface="Courier"/>
                 </a:rPr>
-                <a:t>parent:</a:t>
-              </a:r>
-              <a:r>
-                <a:rPr lang="en-US" sz="1400" dirty="0" smtClean="0">
-                  <a:solidFill>
-                    <a:prstClr val="black"/>
-                  </a:solidFill>
-                  <a:latin typeface="Courier"/>
-                  <a:cs typeface="Courier"/>
-                </a:rPr>
-                <a:t> 91a…</a:t>
+                <a:t>parent: 91a…</a:t>
               </a:r>
               <a:endParaRPr lang="en-US" b="1" dirty="0" smtClean="0">
                 <a:latin typeface="Courier"/>
@@ -4302,14 +5429,7 @@
                   <a:latin typeface="Courier"/>
                   <a:cs typeface="Courier"/>
                 </a:rPr>
-                <a:t>parent:</a:t>
-              </a:r>
-              <a:r>
-                <a:rPr lang="en-US" sz="1400" dirty="0" smtClean="0">
-                  <a:latin typeface="Courier"/>
-                  <a:cs typeface="Courier"/>
-                </a:rPr>
-                <a:t> 2a4…</a:t>
+                <a:t>parent: 2a4…</a:t>
               </a:r>
               <a:endParaRPr lang="en-US" sz="1400" b="1" dirty="0" smtClean="0">
                 <a:latin typeface="Courier"/>
@@ -4379,17 +5499,7 @@
                   <a:latin typeface="Courier"/>
                   <a:cs typeface="Courier"/>
                 </a:rPr>
-                <a:t>parent:</a:t>
-              </a:r>
-              <a:r>
-                <a:rPr lang="en-US" sz="1400" dirty="0" smtClean="0">
-                  <a:solidFill>
-                    <a:prstClr val="black"/>
-                  </a:solidFill>
-                  <a:latin typeface="Courier"/>
-                  <a:cs typeface="Courier"/>
-                </a:rPr>
-                <a:t> be2…</a:t>
+                <a:t>parent: be2…</a:t>
               </a:r>
               <a:endParaRPr lang="en-US" b="1" dirty="0" smtClean="0">
                 <a:latin typeface="Courier"/>
@@ -4436,14 +5546,7 @@
                   <a:latin typeface="Courier"/>
                   <a:cs typeface="Courier"/>
                 </a:rPr>
-                <a:t>f</a:t>
-              </a:r>
-              <a:r>
-                <a:rPr lang="en-US" sz="1400" b="1" dirty="0" smtClean="0">
-                  <a:latin typeface="Courier"/>
-                  <a:cs typeface="Courier"/>
-                </a:rPr>
-                <a:t>a8…</a:t>
+                <a:t>fa8…</a:t>
               </a:r>
               <a:r>
                 <a:rPr lang="en-US" b="1" dirty="0" smtClean="0">
@@ -4466,17 +5569,7 @@
                   <a:latin typeface="Courier"/>
                   <a:cs typeface="Courier"/>
                 </a:rPr>
-                <a:t>parent:</a:t>
-              </a:r>
-              <a:r>
-                <a:rPr lang="en-US" sz="1400" dirty="0" smtClean="0">
-                  <a:solidFill>
-                    <a:prstClr val="black"/>
-                  </a:solidFill>
-                  <a:latin typeface="Courier"/>
-                  <a:cs typeface="Courier"/>
-                </a:rPr>
-                <a:t> 73e…</a:t>
+                <a:t>parent: 73e…</a:t>
               </a:r>
               <a:endParaRPr lang="en-US" b="1" dirty="0" smtClean="0">
                 <a:latin typeface="Courier"/>
@@ -4762,7 +5855,19 @@
           <a:p>
             <a:r>
               <a:rPr lang="en-US" dirty="0" smtClean="0"/>
-              <a:t>And the VCS database directory (in Bob’s case) would look like:</a:t>
+              <a:t>And the VCS database directory (in </a:t>
+            </a:r>
+            <a:r>
+              <a:rPr lang="en-US" dirty="0"/>
+              <a:t>A</a:t>
+            </a:r>
+            <a:r>
+              <a:rPr lang="en-US" dirty="0" smtClean="0"/>
+              <a:t>’s case, after B has pushed his changes ) </a:t>
+            </a:r>
+            <a:r>
+              <a:rPr lang="en-US" dirty="0" smtClean="0"/>
+              <a:t>would look like:</a:t>
             </a:r>
           </a:p>
           <a:p>
@@ -4869,14 +5974,7 @@
                   <a:latin typeface="Courier"/>
                   <a:cs typeface="Courier"/>
                 </a:rPr>
-                <a:t>c</a:t>
-              </a:r>
-              <a:r>
-                <a:rPr lang="en-US" sz="1400" b="1" dirty="0" smtClean="0">
-                  <a:latin typeface="Courier"/>
-                  <a:cs typeface="Courier"/>
-                </a:rPr>
-                <a:t>7d…</a:t>
+                <a:t>c7d…</a:t>
               </a:r>
               <a:endParaRPr lang="en-US" b="1" dirty="0" smtClean="0">
                 <a:latin typeface="Courier"/>
@@ -5213,14 +6311,7 @@
                   <a:latin typeface="Courier"/>
                   <a:cs typeface="Courier"/>
                 </a:rPr>
-                <a:t>m</a:t>
-              </a:r>
-              <a:r>
-                <a:rPr lang="en-US" sz="1400" dirty="0" smtClean="0">
-                  <a:latin typeface="Courier"/>
-                  <a:cs typeface="Courier"/>
-                </a:rPr>
-                <a:t>aster: </a:t>
+                <a:t>master: </a:t>
               </a:r>
               <a:r>
                 <a:rPr lang="en-US" sz="1400" b="1" dirty="0" smtClean="0">
@@ -5263,14 +6354,7 @@
                   <a:latin typeface="Courier"/>
                   <a:cs typeface="Courier"/>
                 </a:rPr>
-                <a:t>b</a:t>
-              </a:r>
-              <a:r>
-                <a:rPr lang="en-US" sz="1400" dirty="0" err="1" smtClean="0">
-                  <a:latin typeface="Courier"/>
-                  <a:cs typeface="Courier"/>
-                </a:rPr>
-                <a:t>ob_branch</a:t>
+                <a:t>bob_branch</a:t>
               </a:r>
               <a:r>
                 <a:rPr lang="en-US" sz="1400" dirty="0" smtClean="0">
@@ -5293,21 +6377,14 @@
                   <a:latin typeface="Courier"/>
                   <a:cs typeface="Courier"/>
                 </a:rPr>
-                <a:t>c</a:t>
-              </a:r>
-              <a:r>
-                <a:rPr lang="en-US" sz="1400" dirty="0" smtClean="0">
-                  <a:latin typeface="Courier"/>
-                  <a:cs typeface="Courier"/>
-                </a:rPr>
-                <a:t>urrent:  </a:t>
+                <a:t>current:  </a:t>
               </a:r>
               <a:r>
                 <a:rPr lang="en-US" sz="1400" b="1" dirty="0" smtClean="0">
                   <a:latin typeface="Courier"/>
                   <a:cs typeface="Courier"/>
                 </a:rPr>
-                <a:t>fa8…</a:t>
+                <a:t>dd1…</a:t>
               </a:r>
               <a:endParaRPr lang="en-US" sz="1400" b="1" dirty="0">
                 <a:latin typeface="Courier"/>
@@ -5349,26 +6426,152 @@
     </p:spTree>
     <p:extLst>
       <p:ext uri="{BB962C8B-B14F-4D97-AF65-F5344CB8AC3E}">
-        <p14:creationId xmlns="" xmlns:a="http://schemas.openxmlformats.org/drawingml/2006/main" xmlns:r="http://schemas.openxmlformats.org/officeDocument/2006/relationships" xmlns:p="http://schemas.openxmlformats.org/presentationml/2006/main" xmlns:p14="http://schemas.microsoft.com/office/powerpoint/2010/main" xmlns:mv="urn:schemas-microsoft-com:mac:vml" xmlns:mc="http://schemas.openxmlformats.org/markup-compatibility/2006" val="2278185650"/>
+        <p14:creationId xmlns:p14="http://schemas.microsoft.com/office/powerpoint/2010/main" val="2278185650"/>
       </p:ext>
     </p:extLst>
   </p:cSld>
   <p:clrMapOvr>
     <a:masterClrMapping/>
   </p:clrMapOvr>
-  <p:transition/>
+  <p:transition xmlns:p14="http://schemas.microsoft.com/office/powerpoint/2010/main"/>
   <p:timing>
     <p:tnLst>
       <p:par>
-        <p:cTn id="1" dur="indefinite" restart="never" nodeType="tmRoot"/>
+        <p:cTn xmlns:p14="http://schemas.microsoft.com/office/powerpoint/2010/main" id="1" dur="indefinite" restart="never" nodeType="tmRoot">
+          <p:childTnLst>
+            <p:seq concurrent="1" nextAc="seek">
+              <p:cTn id="2" dur="indefinite" nodeType="mainSeq">
+                <p:childTnLst>
+                  <p:par>
+                    <p:cTn id="3" fill="hold">
+                      <p:stCondLst>
+                        <p:cond delay="indefinite"/>
+                      </p:stCondLst>
+                      <p:childTnLst>
+                        <p:par>
+                          <p:cTn id="4" fill="hold">
+                            <p:stCondLst>
+                              <p:cond delay="0"/>
+                            </p:stCondLst>
+                            <p:childTnLst>
+                              <p:par>
+                                <p:cTn id="5" presetID="1" presetClass="entr" presetSubtype="0" fill="hold" grpId="0" nodeType="clickEffect">
+                                  <p:stCondLst>
+                                    <p:cond delay="0"/>
+                                  </p:stCondLst>
+                                  <p:childTnLst>
+                                    <p:set>
+                                      <p:cBhvr>
+                                        <p:cTn id="6" dur="1" fill="hold">
+                                          <p:stCondLst>
+                                            <p:cond delay="0"/>
+                                          </p:stCondLst>
+                                        </p:cTn>
+                                        <p:tgtEl>
+                                          <p:spTgt spid="74"/>
+                                        </p:tgtEl>
+                                        <p:attrNameLst>
+                                          <p:attrName>style.visibility</p:attrName>
+                                        </p:attrNameLst>
+                                      </p:cBhvr>
+                                      <p:to>
+                                        <p:strVal val="visible"/>
+                                      </p:to>
+                                    </p:set>
+                                  </p:childTnLst>
+                                </p:cTn>
+                              </p:par>
+                              <p:par>
+                                <p:cTn id="7" presetID="1" presetClass="entr" presetSubtype="0" fill="hold" nodeType="withEffect">
+                                  <p:stCondLst>
+                                    <p:cond delay="0"/>
+                                  </p:stCondLst>
+                                  <p:childTnLst>
+                                    <p:set>
+                                      <p:cBhvr>
+                                        <p:cTn id="8" dur="1" fill="hold">
+                                          <p:stCondLst>
+                                            <p:cond delay="0"/>
+                                          </p:stCondLst>
+                                        </p:cTn>
+                                        <p:tgtEl>
+                                          <p:spTgt spid="99"/>
+                                        </p:tgtEl>
+                                        <p:attrNameLst>
+                                          <p:attrName>style.visibility</p:attrName>
+                                        </p:attrNameLst>
+                                      </p:cBhvr>
+                                      <p:to>
+                                        <p:strVal val="visible"/>
+                                      </p:to>
+                                    </p:set>
+                                  </p:childTnLst>
+                                </p:cTn>
+                              </p:par>
+                              <p:par>
+                                <p:cTn id="9" presetID="1" presetClass="entr" presetSubtype="0" fill="hold" grpId="0" nodeType="withEffect">
+                                  <p:stCondLst>
+                                    <p:cond delay="0"/>
+                                  </p:stCondLst>
+                                  <p:childTnLst>
+                                    <p:set>
+                                      <p:cBhvr>
+                                        <p:cTn id="10" dur="1" fill="hold">
+                                          <p:stCondLst>
+                                            <p:cond delay="0"/>
+                                          </p:stCondLst>
+                                        </p:cTn>
+                                        <p:tgtEl>
+                                          <p:spTgt spid="100"/>
+                                        </p:tgtEl>
+                                        <p:attrNameLst>
+                                          <p:attrName>style.visibility</p:attrName>
+                                        </p:attrNameLst>
+                                      </p:cBhvr>
+                                      <p:to>
+                                        <p:strVal val="visible"/>
+                                      </p:to>
+                                    </p:set>
+                                  </p:childTnLst>
+                                </p:cTn>
+                              </p:par>
+                            </p:childTnLst>
+                          </p:cTn>
+                        </p:par>
+                      </p:childTnLst>
+                    </p:cTn>
+                  </p:par>
+                </p:childTnLst>
+              </p:cTn>
+              <p:prevCondLst>
+                <p:cond evt="onPrev" delay="0">
+                  <p:tgtEl>
+                    <p:sldTgt/>
+                  </p:tgtEl>
+                </p:cond>
+              </p:prevCondLst>
+              <p:nextCondLst>
+                <p:cond evt="onNext" delay="0">
+                  <p:tgtEl>
+                    <p:sldTgt/>
+                  </p:tgtEl>
+                </p:cond>
+              </p:nextCondLst>
+            </p:seq>
+          </p:childTnLst>
+        </p:cTn>
       </p:par>
     </p:tnLst>
+    <p:bldLst>
+      <p:bldP spid="74" grpId="0"/>
+      <p:bldP spid="100" grpId="0"/>
+    </p:bldLst>
   </p:timing>
 </p:sld>
 </file>
 
-<file path=ppt/slides/slide12.xml><?xml version="1.0" encoding="utf-8"?>
-<p:sld xmlns:a="http://schemas.openxmlformats.org/drawingml/2006/main" xmlns:r="http://schemas.openxmlformats.org/officeDocument/2006/relationships" xmlns:mc="http://schemas.openxmlformats.org/markup-compatibility/2006" xmlns:mv="urn:schemas-microsoft-com:mac:vml" xmlns:p="http://schemas.openxmlformats.org/presentationml/2006/main" mc:Ignorable="mv" mc:PreserveAttributes="mv:*">
+<file path=ppt/slides/slide13.xml><?xml version="1.0" encoding="utf-8"?>
+<p:sld xmlns:a="http://schemas.openxmlformats.org/drawingml/2006/main" xmlns:r="http://schemas.openxmlformats.org/officeDocument/2006/relationships" xmlns:p="http://schemas.openxmlformats.org/presentationml/2006/main">
   <p:cSld>
     <p:spTree>
       <p:nvGrpSpPr>
@@ -5393,7 +6596,7 @@
         <p:spPr>
           <a:xfrm>
             <a:off x="581000" y="744562"/>
-            <a:ext cx="8221764" cy="2308324"/>
+            <a:ext cx="8221764" cy="1754327"/>
           </a:xfrm>
           <a:prstGeom prst="rect">
             <a:avLst/>
@@ -5415,35 +6618,11 @@
             </a:pPr>
             <a:r>
               <a:rPr lang="en-US" dirty="0" smtClean="0"/>
-              <a:t>An arbitrary number of branches can exist (and also</a:t>
+              <a:t>An arbitrary number of branches can exist (and also pushed to server), e.g. Alice’s and Bob’s </a:t>
             </a:r>
             <a:r>
               <a:rPr lang="en-US" dirty="0" smtClean="0"/>
-              <a:t> </a:t>
-            </a:r>
-            <a:r>
-              <a:rPr lang="en-US" dirty="0" smtClean="0"/>
-              <a:t>pushed</a:t>
-            </a:r>
-            <a:r>
-              <a:rPr lang="en-US" dirty="0" smtClean="0"/>
-              <a:t> </a:t>
-            </a:r>
-            <a:r>
-              <a:rPr lang="en-US" dirty="0" smtClean="0"/>
-              <a:t>to</a:t>
-            </a:r>
-            <a:r>
-              <a:rPr lang="en-US" dirty="0" smtClean="0"/>
-              <a:t> server</a:t>
-            </a:r>
-            <a:r>
-              <a:rPr lang="en-US" dirty="0" smtClean="0"/>
-              <a:t>), e.g. Alice’s and Bob’s changes</a:t>
-            </a:r>
-            <a:r>
-              <a:rPr lang="en-US" dirty="0" smtClean="0"/>
-              <a:t> </a:t>
+              <a:t>changes</a:t>
             </a:r>
           </a:p>
           <a:p>
@@ -5451,10 +6630,7 @@
               <a:buFont typeface="Arial"/>
               <a:buChar char="•"/>
             </a:pPr>
-            <a:endParaRPr lang="en-US" dirty="0" smtClean="0"/>
-          </a:p>
-          <a:p>
-            <a:endParaRPr lang="en-US" dirty="0" smtClean="0"/>
+            <a:endParaRPr lang="en-US" dirty="0"/>
           </a:p>
           <a:p>
             <a:pPr>
@@ -5462,67 +6638,16 @@
               <a:buChar char="•"/>
             </a:pPr>
             <a:r>
+              <a:rPr lang="en-US" dirty="0"/>
+              <a:t>Internally, VCS essentially deals with branching the same as with other commits: a snapshot of the repository is saved in the </a:t>
+            </a:r>
+            <a:r>
               <a:rPr lang="en-US" dirty="0" smtClean="0"/>
-              <a:t>The VCS can set the files in the </a:t>
-            </a:r>
-            <a:r>
-              <a:rPr lang="en-US" dirty="0" err="1" smtClean="0"/>
-              <a:t>workdir</a:t>
-            </a:r>
-            <a:r>
-              <a:rPr lang="en-US" dirty="0" smtClean="0"/>
-              <a:t> to any of the branch commits</a:t>
+              <a:t>database</a:t>
             </a:r>
             <a:r>
               <a:rPr lang="en-US" dirty="0" smtClean="0"/>
               <a:t> </a:t>
-            </a:r>
-            <a:br>
-              <a:rPr lang="en-US" dirty="0" smtClean="0"/>
-            </a:br>
-            <a:r>
-              <a:rPr lang="en-US" dirty="0" smtClean="0"/>
-              <a:t>(assuming Alice has pushed </a:t>
-            </a:r>
-            <a:r>
-              <a:rPr lang="en-US" dirty="0" smtClean="0"/>
-              <a:t>h</a:t>
-            </a:r>
-            <a:r>
-              <a:rPr lang="en-US" dirty="0" smtClean="0"/>
-              <a:t>er branch to master, Bob </a:t>
-            </a:r>
-            <a:r>
-              <a:rPr lang="en-US" dirty="0" smtClean="0"/>
-              <a:t>can see</a:t>
-            </a:r>
-            <a:r>
-              <a:rPr lang="en-US" dirty="0" smtClean="0"/>
-              <a:t> </a:t>
-            </a:r>
-            <a:r>
-              <a:rPr lang="en-US" dirty="0" smtClean="0"/>
-              <a:t>her</a:t>
-            </a:r>
-            <a:r>
-              <a:rPr lang="en-US" dirty="0" smtClean="0"/>
-              <a:t> </a:t>
-            </a:r>
-            <a:r>
-              <a:rPr lang="en-US" dirty="0" smtClean="0"/>
-              <a:t>work without changing his </a:t>
-            </a:r>
-            <a:r>
-              <a:rPr lang="en-US" dirty="0" smtClean="0"/>
-              <a:t>own </a:t>
-            </a:r>
-            <a:r>
-              <a:rPr lang="en-US" dirty="0" smtClean="0"/>
-              <a:t>and vice versa</a:t>
-            </a:r>
-            <a:r>
-              <a:rPr lang="en-US" dirty="0" smtClean="0"/>
-              <a:t>)</a:t>
             </a:r>
             <a:endParaRPr lang="en-US" dirty="0" smtClean="0"/>
           </a:p>
@@ -5566,7 +6691,7 @@
         <p:spPr>
           <a:xfrm>
             <a:off x="581000" y="5609540"/>
-            <a:ext cx="8221764" cy="646331"/>
+            <a:ext cx="8221764" cy="923330"/>
           </a:xfrm>
           <a:prstGeom prst="rect">
             <a:avLst/>
@@ -5585,13 +6710,27 @@
             </a:pPr>
             <a:r>
               <a:rPr lang="en-US" dirty="0" smtClean="0"/>
-              <a:t>Internally, VCS essentially deals with branching the same as with other commits: a snapshot of the repository is saved in the </a:t>
-            </a:r>
-            <a:r>
-              <a:rPr lang="en-US" dirty="0" smtClean="0"/>
-              <a:t>database</a:t>
-            </a:r>
-            <a:endParaRPr lang="en-US" dirty="0"/>
+              <a:t>The </a:t>
+            </a:r>
+            <a:r>
+              <a:rPr lang="en-US" dirty="0"/>
+              <a:t>VCS can set the files in the </a:t>
+            </a:r>
+            <a:r>
+              <a:rPr lang="en-US" dirty="0" err="1"/>
+              <a:t>workdir</a:t>
+            </a:r>
+            <a:r>
+              <a:rPr lang="en-US" dirty="0"/>
+              <a:t> to any of the branch commits </a:t>
+            </a:r>
+            <a:br>
+              <a:rPr lang="en-US" dirty="0"/>
+            </a:br>
+            <a:r>
+              <a:rPr lang="en-US" dirty="0"/>
+              <a:t>(assuming Alice has pushed her branch to master, Bob can see her work without changing his own and vice versa)</a:t>
+            </a:r>
           </a:p>
         </p:txBody>
       </p:sp>
@@ -5603,7 +6742,7 @@
         </p:nvGrpSpPr>
         <p:grpSpPr>
           <a:xfrm>
-            <a:off x="3188823" y="3446829"/>
+            <a:off x="3188823" y="2950885"/>
             <a:ext cx="3540125" cy="1937482"/>
             <a:chOff x="920750" y="4387236"/>
             <a:chExt cx="3540125" cy="1937482"/>
@@ -5691,14 +6830,7 @@
                   <a:latin typeface="Courier"/>
                   <a:cs typeface="Courier"/>
                 </a:rPr>
-                <a:t>c</a:t>
-              </a:r>
-              <a:r>
-                <a:rPr lang="en-US" sz="1400" b="1" dirty="0" smtClean="0">
-                  <a:latin typeface="Courier"/>
-                  <a:cs typeface="Courier"/>
-                </a:rPr>
-                <a:t>7d…</a:t>
+                <a:t>c7d…</a:t>
               </a:r>
               <a:endParaRPr lang="en-US" b="1" dirty="0" smtClean="0">
                 <a:latin typeface="Courier"/>
@@ -6035,14 +7167,7 @@
                   <a:latin typeface="Courier"/>
                   <a:cs typeface="Courier"/>
                 </a:rPr>
-                <a:t>m</a:t>
-              </a:r>
-              <a:r>
-                <a:rPr lang="en-US" sz="1400" dirty="0" smtClean="0">
-                  <a:latin typeface="Courier"/>
-                  <a:cs typeface="Courier"/>
-                </a:rPr>
-                <a:t>aster: </a:t>
+                <a:t>master: </a:t>
               </a:r>
               <a:r>
                 <a:rPr lang="en-US" sz="1400" b="1" dirty="0" smtClean="0">
@@ -6092,14 +7217,7 @@
                   <a:latin typeface="Courier"/>
                   <a:cs typeface="Courier"/>
                 </a:rPr>
-                <a:t>b</a:t>
-              </a:r>
-              <a:r>
-                <a:rPr lang="en-US" sz="1400" dirty="0" err="1" smtClean="0">
-                  <a:latin typeface="Courier"/>
-                  <a:cs typeface="Courier"/>
-                </a:rPr>
-                <a:t>ob_branch</a:t>
+                <a:t>bob_branch</a:t>
               </a:r>
               <a:r>
                 <a:rPr lang="en-US" sz="1400" dirty="0" smtClean="0">
@@ -6122,21 +7240,14 @@
                   <a:latin typeface="Courier"/>
                   <a:cs typeface="Courier"/>
                 </a:rPr>
-                <a:t>c</a:t>
-              </a:r>
-              <a:r>
-                <a:rPr lang="en-US" sz="1400" dirty="0" smtClean="0">
-                  <a:latin typeface="Courier"/>
-                  <a:cs typeface="Courier"/>
-                </a:rPr>
-                <a:t>urrent:  </a:t>
+                <a:t>current:  </a:t>
               </a:r>
               <a:r>
                 <a:rPr lang="en-US" sz="1400" b="1" dirty="0" smtClean="0">
                   <a:latin typeface="Courier"/>
                   <a:cs typeface="Courier"/>
                 </a:rPr>
-                <a:t>fa8…</a:t>
+                <a:t>dd1…</a:t>
               </a:r>
               <a:endParaRPr lang="en-US" sz="1400" b="1" dirty="0">
                 <a:latin typeface="Courier"/>
@@ -6149,26 +7260,26 @@
     </p:spTree>
     <p:extLst>
       <p:ext uri="{BB962C8B-B14F-4D97-AF65-F5344CB8AC3E}">
-        <p14:creationId xmlns="" xmlns:a="http://schemas.openxmlformats.org/drawingml/2006/main" xmlns:r="http://schemas.openxmlformats.org/officeDocument/2006/relationships" xmlns:p="http://schemas.openxmlformats.org/presentationml/2006/main" xmlns:p14="http://schemas.microsoft.com/office/powerpoint/2010/main" xmlns:mv="urn:schemas-microsoft-com:mac:vml" xmlns:mc="http://schemas.openxmlformats.org/markup-compatibility/2006" val="502525717"/>
+        <p14:creationId xmlns:p14="http://schemas.microsoft.com/office/powerpoint/2010/main" val="502525717"/>
       </p:ext>
     </p:extLst>
   </p:cSld>
   <p:clrMapOvr>
     <a:masterClrMapping/>
   </p:clrMapOvr>
-  <p:transition/>
+  <p:transition xmlns:p14="http://schemas.microsoft.com/office/powerpoint/2010/main"/>
   <p:timing>
     <p:tnLst>
       <p:par>
-        <p:cTn id="1" dur="indefinite" restart="never" nodeType="tmRoot"/>
+        <p:cTn xmlns:p14="http://schemas.microsoft.com/office/powerpoint/2010/main" id="1" dur="indefinite" restart="never" nodeType="tmRoot"/>
       </p:par>
     </p:tnLst>
   </p:timing>
 </p:sld>
 </file>
 
-<file path=ppt/slides/slide13.xml><?xml version="1.0" encoding="utf-8"?>
-<p:sld xmlns:a="http://schemas.openxmlformats.org/drawingml/2006/main" xmlns:r="http://schemas.openxmlformats.org/officeDocument/2006/relationships" xmlns:mc="http://schemas.openxmlformats.org/markup-compatibility/2006" xmlns:mv="urn:schemas-microsoft-com:mac:vml" xmlns:p="http://schemas.openxmlformats.org/presentationml/2006/main" mc:Ignorable="mv" mc:PreserveAttributes="mv:*">
+<file path=ppt/slides/slide14.xml><?xml version="1.0" encoding="utf-8"?>
+<p:sld xmlns:a="http://schemas.openxmlformats.org/drawingml/2006/main" xmlns:r="http://schemas.openxmlformats.org/officeDocument/2006/relationships" xmlns:p="http://schemas.openxmlformats.org/presentationml/2006/main">
   <p:cSld>
     <p:spTree>
       <p:nvGrpSpPr>
@@ -6251,15 +7362,7 @@
             </a:pPr>
             <a:r>
               <a:rPr lang="en-US" dirty="0" smtClean="0"/>
-              <a:t>Alice added </a:t>
-            </a:r>
-            <a:r>
-              <a:rPr lang="en-US" dirty="0" smtClean="0"/>
-              <a:t>2</a:t>
-            </a:r>
-            <a:r>
-              <a:rPr lang="en-US" dirty="0" smtClean="0"/>
-              <a:t> new files and modified 3 existing files</a:t>
+              <a:t>Alice added 2 new files and modified 3 existing files</a:t>
             </a:r>
           </a:p>
           <a:p>
@@ -6319,8 +7422,24 @@
             </a:pPr>
             <a:r>
               <a:rPr lang="en-US" dirty="0" smtClean="0"/>
-              <a:t>The combined repository should contain</a:t>
-            </a:r>
+              <a:t>The combined repository should </a:t>
+            </a:r>
+            <a:r>
+              <a:rPr lang="en-US" dirty="0" smtClean="0"/>
+              <a:t>contain (compared to </a:t>
+            </a:r>
+            <a:r>
+              <a:rPr lang="en-US" b="1" dirty="0" smtClean="0">
+                <a:latin typeface="Courier"/>
+                <a:cs typeface="Courier"/>
+              </a:rPr>
+              <a:t>be2…</a:t>
+            </a:r>
+            <a:r>
+              <a:rPr lang="en-US" dirty="0" smtClean="0"/>
+              <a:t> branch point)</a:t>
+            </a:r>
+            <a:endParaRPr lang="en-US" dirty="0" smtClean="0"/>
           </a:p>
           <a:p>
             <a:pPr lvl="1">
@@ -6497,14 +7616,7 @@
                   <a:latin typeface="Courier"/>
                   <a:cs typeface="Courier"/>
                 </a:rPr>
-                <a:t>b</a:t>
-              </a:r>
-              <a:r>
-                <a:rPr lang="en-US" sz="1400" b="1" dirty="0" smtClean="0">
-                  <a:latin typeface="Courier"/>
-                  <a:cs typeface="Courier"/>
-                </a:rPr>
-                <a:t>e2…</a:t>
+                <a:t>be2…</a:t>
               </a:r>
             </a:p>
           </p:txBody>
@@ -6641,14 +7753,7 @@
                   <a:latin typeface="Courier"/>
                   <a:cs typeface="Courier"/>
                 </a:rPr>
-                <a:t>d</a:t>
-              </a:r>
-              <a:r>
-                <a:rPr lang="en-US" sz="1400" b="1" dirty="0" smtClean="0">
-                  <a:latin typeface="Courier"/>
-                  <a:cs typeface="Courier"/>
-                </a:rPr>
-                <a:t>d1…</a:t>
+                <a:t>dd1…</a:t>
               </a:r>
             </a:p>
           </p:txBody>
@@ -7101,18 +8206,18 @@
     </p:spTree>
     <p:extLst>
       <p:ext uri="{BB962C8B-B14F-4D97-AF65-F5344CB8AC3E}">
-        <p14:creationId xmlns="" xmlns:a="http://schemas.openxmlformats.org/drawingml/2006/main" xmlns:r="http://schemas.openxmlformats.org/officeDocument/2006/relationships" xmlns:p="http://schemas.openxmlformats.org/presentationml/2006/main" xmlns:p14="http://schemas.microsoft.com/office/powerpoint/2010/main" xmlns:mv="urn:schemas-microsoft-com:mac:vml" xmlns:mc="http://schemas.openxmlformats.org/markup-compatibility/2006" val="2864348573"/>
+        <p14:creationId xmlns:p14="http://schemas.microsoft.com/office/powerpoint/2010/main" val="2864348573"/>
       </p:ext>
     </p:extLst>
   </p:cSld>
   <p:clrMapOvr>
     <a:masterClrMapping/>
   </p:clrMapOvr>
-  <p:transition/>
+  <p:transition xmlns:p14="http://schemas.microsoft.com/office/powerpoint/2010/main"/>
   <p:timing>
     <p:tnLst>
       <p:par>
-        <p:cTn id="1" dur="indefinite" restart="never" nodeType="tmRoot">
+        <p:cTn xmlns:p14="http://schemas.microsoft.com/office/powerpoint/2010/main" id="1" dur="indefinite" restart="never" nodeType="tmRoot">
           <p:childTnLst>
             <p:seq concurrent="1" nextAc="seek">
               <p:cTn id="2" dur="indefinite" nodeType="mainSeq">
@@ -7190,8 +8295,8 @@
 </p:sld>
 </file>
 
-<file path=ppt/slides/slide14.xml><?xml version="1.0" encoding="utf-8"?>
-<p:sld xmlns:a="http://schemas.openxmlformats.org/drawingml/2006/main" xmlns:r="http://schemas.openxmlformats.org/officeDocument/2006/relationships" xmlns:mc="http://schemas.openxmlformats.org/markup-compatibility/2006" xmlns:mv="urn:schemas-microsoft-com:mac:vml" xmlns:p="http://schemas.openxmlformats.org/presentationml/2006/main" mc:Ignorable="mv" mc:PreserveAttributes="mv:*">
+<file path=ppt/slides/slide15.xml><?xml version="1.0" encoding="utf-8"?>
+<p:sld xmlns:a="http://schemas.openxmlformats.org/drawingml/2006/main" xmlns:r="http://schemas.openxmlformats.org/officeDocument/2006/relationships" xmlns:p="http://schemas.openxmlformats.org/presentationml/2006/main">
   <p:cSld>
     <p:spTree>
       <p:nvGrpSpPr>
@@ -7262,15 +8367,7 @@
             </a:r>
             <a:r>
               <a:rPr lang="en-US" sz="1400" dirty="0" smtClean="0"/>
-              <a:t> </a:t>
-            </a:r>
-            <a:r>
-              <a:rPr lang="en-US" sz="1400" dirty="0" smtClean="0"/>
-              <a:t>a</a:t>
-            </a:r>
-            <a:r>
-              <a:rPr lang="en-US" sz="1400" dirty="0" smtClean="0"/>
-              <a:t>nd </a:t>
+              <a:t> and </a:t>
             </a:r>
             <a:r>
               <a:rPr lang="en-US" sz="1400" b="1" dirty="0" smtClean="0">
@@ -7367,8 +8464,8 @@
         </p:nvSpPr>
         <p:spPr>
           <a:xfrm>
-            <a:off x="362026" y="4968875"/>
-            <a:ext cx="8440738" cy="1200329"/>
+            <a:off x="206375" y="4968875"/>
+            <a:ext cx="8937625" cy="1200329"/>
           </a:xfrm>
           <a:prstGeom prst="rect">
             <a:avLst/>
@@ -7394,15 +8491,7 @@
             </a:pPr>
             <a:r>
               <a:rPr lang="en-US" dirty="0" smtClean="0"/>
-              <a:t>All changes that have happened in the two branches/histories</a:t>
-            </a:r>
-            <a:r>
-              <a:rPr lang="en-US" dirty="0" smtClean="0"/>
-              <a:t> since the LCA are combined* </a:t>
-            </a:r>
-            <a:r>
-              <a:rPr lang="en-US" dirty="0" smtClean="0"/>
-              <a:t>into the </a:t>
+              <a:t>All changes that have happened in the two branches/histories since the LCA are combined* into the </a:t>
             </a:r>
             <a:r>
               <a:rPr lang="en-US" dirty="0" err="1" smtClean="0"/>
@@ -7560,14 +8649,7 @@
                   <a:latin typeface="Courier"/>
                   <a:cs typeface="Courier"/>
                 </a:rPr>
-                <a:t>b</a:t>
-              </a:r>
-              <a:r>
-                <a:rPr lang="en-US" sz="1400" b="1" dirty="0" smtClean="0">
-                  <a:latin typeface="Courier"/>
-                  <a:cs typeface="Courier"/>
-                </a:rPr>
-                <a:t>e2…</a:t>
+                <a:t>be2…</a:t>
               </a:r>
             </a:p>
           </p:txBody>
@@ -7704,14 +8786,7 @@
                   <a:latin typeface="Courier"/>
                   <a:cs typeface="Courier"/>
                 </a:rPr>
-                <a:t>d</a:t>
-              </a:r>
-              <a:r>
-                <a:rPr lang="en-US" sz="1400" b="1" dirty="0" smtClean="0">
-                  <a:latin typeface="Courier"/>
-                  <a:cs typeface="Courier"/>
-                </a:rPr>
-                <a:t>d1…</a:t>
+                <a:t>dd1…</a:t>
               </a:r>
             </a:p>
           </p:txBody>
@@ -8183,31 +9258,38 @@
                 <a:latin typeface="Courier"/>
                 <a:cs typeface="Courier"/>
               </a:rPr>
-              <a:t>m</a:t>
-            </a:r>
+              <a:t>merge</a:t>
+            </a:r>
+          </a:p>
+          <a:p>
+            <a:pPr algn="ctr"/>
             <a:r>
               <a:rPr lang="en-US" sz="1400" dirty="0" smtClean="0">
                 <a:latin typeface="Courier"/>
                 <a:cs typeface="Courier"/>
               </a:rPr>
-              <a:t>erge</a:t>
-            </a:r>
-          </a:p>
-          <a:p>
-            <a:pPr algn="ctr"/>
+              <a:t>parent: </a:t>
+            </a:r>
+            <a:r>
+              <a:rPr lang="en-US" sz="1400" b="1" dirty="0" smtClean="0">
+                <a:latin typeface="Courier"/>
+                <a:cs typeface="Courier"/>
+              </a:rPr>
+              <a:t>dd1…</a:t>
+            </a:r>
             <a:r>
               <a:rPr lang="en-US" sz="1400" dirty="0" smtClean="0">
                 <a:latin typeface="Courier"/>
                 <a:cs typeface="Courier"/>
               </a:rPr>
-              <a:t>p</a:t>
-            </a:r>
-            <a:r>
-              <a:rPr lang="en-US" sz="1400" dirty="0" smtClean="0">
+              <a:t> </a:t>
+            </a:r>
+            <a:r>
+              <a:rPr lang="en-US" sz="1400" b="1" dirty="0" smtClean="0">
                 <a:latin typeface="Courier"/>
                 <a:cs typeface="Courier"/>
               </a:rPr>
-              <a:t>arent: dd1… fa8…</a:t>
+              <a:t>fa8…</a:t>
             </a:r>
           </a:p>
         </p:txBody>
@@ -8236,19 +9318,7 @@
           <a:p>
             <a:r>
               <a:rPr lang="en-US" sz="1600" i="1" dirty="0" smtClean="0"/>
-              <a:t>*if combination can’t be done automatically (i.e. same line of a file was changed </a:t>
-            </a:r>
-            <a:r>
-              <a:rPr lang="en-US" sz="1600" i="1" dirty="0" smtClean="0"/>
-              <a:t>in</a:t>
-            </a:r>
-            <a:r>
-              <a:rPr lang="en-US" sz="1600" i="1" dirty="0" smtClean="0"/>
-              <a:t> both </a:t>
-            </a:r>
-            <a:r>
-              <a:rPr lang="en-US" sz="1600" i="1" dirty="0" smtClean="0"/>
-              <a:t>histories), the user has to manually resolve the merge conflict</a:t>
+              <a:t>*if combination can’t be done automatically (i.e. same line of a file was changed in both histories), the user has to manually resolve the merge conflict</a:t>
             </a:r>
             <a:endParaRPr lang="en-US" sz="1600" i="1" dirty="0"/>
           </a:p>
@@ -8257,18 +9327,18 @@
     </p:spTree>
     <p:extLst>
       <p:ext uri="{BB962C8B-B14F-4D97-AF65-F5344CB8AC3E}">
-        <p14:creationId xmlns="" xmlns:a="http://schemas.openxmlformats.org/drawingml/2006/main" xmlns:r="http://schemas.openxmlformats.org/officeDocument/2006/relationships" xmlns:p="http://schemas.openxmlformats.org/presentationml/2006/main" xmlns:p14="http://schemas.microsoft.com/office/powerpoint/2010/main" xmlns:mv="urn:schemas-microsoft-com:mac:vml" xmlns:mc="http://schemas.openxmlformats.org/markup-compatibility/2006" val="3388594987"/>
+        <p14:creationId xmlns:p14="http://schemas.microsoft.com/office/powerpoint/2010/main" val="3388594987"/>
       </p:ext>
     </p:extLst>
   </p:cSld>
   <p:clrMapOvr>
     <a:masterClrMapping/>
   </p:clrMapOvr>
-  <p:transition/>
+  <p:transition xmlns:p14="http://schemas.microsoft.com/office/powerpoint/2010/main"/>
   <p:timing>
     <p:tnLst>
       <p:par>
-        <p:cTn id="1" dur="indefinite" restart="never" nodeType="tmRoot">
+        <p:cTn xmlns:p14="http://schemas.microsoft.com/office/powerpoint/2010/main" id="1" dur="indefinite" restart="never" nodeType="tmRoot">
           <p:childTnLst>
             <p:seq concurrent="1" nextAc="seek">
               <p:cTn id="2" dur="indefinite" nodeType="mainSeq">
@@ -8428,8 +9498,8 @@
 </p:sld>
 </file>
 
-<file path=ppt/slides/slide15.xml><?xml version="1.0" encoding="utf-8"?>
-<p:sld xmlns:a="http://schemas.openxmlformats.org/drawingml/2006/main" xmlns:r="http://schemas.openxmlformats.org/officeDocument/2006/relationships" xmlns:mc="http://schemas.openxmlformats.org/markup-compatibility/2006" xmlns:mv="urn:schemas-microsoft-com:mac:vml" xmlns:p="http://schemas.openxmlformats.org/presentationml/2006/main" mc:Ignorable="mv" mc:PreserveAttributes="mv:*">
+<file path=ppt/slides/slide16.xml><?xml version="1.0" encoding="utf-8"?>
+<p:sld xmlns:a="http://schemas.openxmlformats.org/drawingml/2006/main" xmlns:r="http://schemas.openxmlformats.org/officeDocument/2006/relationships" xmlns:p="http://schemas.openxmlformats.org/presentationml/2006/main">
   <p:cSld>
     <p:spTree>
       <p:nvGrpSpPr>
@@ -8519,8 +9589,8 @@
         </p:nvSpPr>
         <p:spPr>
           <a:xfrm>
-            <a:off x="267399" y="3137584"/>
-            <a:ext cx="8569191" cy="923330"/>
+            <a:off x="146153" y="3137584"/>
+            <a:ext cx="8997847" cy="923330"/>
           </a:xfrm>
           <a:prstGeom prst="rect">
             <a:avLst/>
@@ -8539,14 +9609,52 @@
             </a:pPr>
             <a:r>
               <a:rPr lang="en-US" dirty="0" smtClean="0"/>
-              <a:t> Alice merges her changes into master on her machine and pushes to server</a:t>
+              <a:t> Alice merges her changes into </a:t>
+            </a:r>
+            <a:r>
+              <a:rPr lang="en-US" dirty="0" smtClean="0"/>
+              <a:t>master (</a:t>
+            </a:r>
+            <a:r>
+              <a:rPr lang="en-US" sz="1600" b="1" dirty="0" smtClean="0">
+                <a:latin typeface="Courier"/>
+                <a:cs typeface="Courier"/>
+              </a:rPr>
+              <a:t>be2…</a:t>
+            </a:r>
+            <a:r>
+              <a:rPr lang="en-US" dirty="0" smtClean="0"/>
+              <a:t> + </a:t>
+            </a:r>
+            <a:r>
+              <a:rPr lang="en-US" sz="1600" b="1" dirty="0" smtClean="0">
+                <a:latin typeface="Courier"/>
+                <a:cs typeface="Courier"/>
+              </a:rPr>
+              <a:t>dd1…</a:t>
+            </a:r>
+            <a:r>
+              <a:rPr lang="en-US" dirty="0" smtClean="0"/>
+              <a:t>) on </a:t>
+            </a:r>
+            <a:r>
+              <a:rPr lang="en-US" dirty="0" smtClean="0"/>
+              <a:t>her machine and pushes to server</a:t>
             </a:r>
             <a:br>
               <a:rPr lang="en-US" dirty="0" smtClean="0"/>
             </a:br>
             <a:r>
               <a:rPr lang="en-US" dirty="0" smtClean="0"/>
-              <a:t>  easy, because master hasn’t changed since Alice branched </a:t>
+              <a:t>  </a:t>
+            </a:r>
+            <a:r>
+              <a:rPr lang="en-US" dirty="0" smtClean="0"/>
+              <a:t>-&gt; easy</a:t>
+            </a:r>
+            <a:r>
+              <a:rPr lang="en-US" dirty="0" smtClean="0"/>
+              <a:t>, because master hasn’t changed since Alice branched </a:t>
             </a:r>
             <a:br>
               <a:rPr lang="en-US" dirty="0" smtClean="0"/>
@@ -8722,14 +9830,7 @@
                   <a:latin typeface="Courier"/>
                   <a:cs typeface="Courier"/>
                 </a:rPr>
-                <a:t>b</a:t>
-              </a:r>
-              <a:r>
-                <a:rPr lang="en-US" sz="1400" b="1" dirty="0" smtClean="0">
-                  <a:latin typeface="Courier"/>
-                  <a:cs typeface="Courier"/>
-                </a:rPr>
-                <a:t>e2…</a:t>
+                <a:t>be2…</a:t>
               </a:r>
             </a:p>
           </p:txBody>
@@ -8866,14 +9967,7 @@
                   <a:latin typeface="Courier"/>
                   <a:cs typeface="Courier"/>
                 </a:rPr>
-                <a:t>d</a:t>
-              </a:r>
-              <a:r>
-                <a:rPr lang="en-US" sz="1400" b="1" dirty="0" smtClean="0">
-                  <a:latin typeface="Courier"/>
-                  <a:cs typeface="Courier"/>
-                </a:rPr>
-                <a:t>d1…</a:t>
+                <a:t>dd1…</a:t>
               </a:r>
             </a:p>
           </p:txBody>
@@ -9321,14 +10415,7 @@
                   <a:latin typeface="Courier"/>
                   <a:cs typeface="Courier"/>
                 </a:rPr>
-                <a:t>c</a:t>
-              </a:r>
-              <a:r>
-                <a:rPr lang="en-US" sz="1400" b="1" dirty="0" smtClean="0">
-                  <a:latin typeface="Courier"/>
-                  <a:cs typeface="Courier"/>
-                </a:rPr>
-                <a:t>7d…</a:t>
+                <a:t>c7d…</a:t>
               </a:r>
               <a:endParaRPr lang="en-US" b="1" dirty="0" smtClean="0">
                 <a:latin typeface="Courier"/>
@@ -9665,14 +10752,7 @@
                   <a:latin typeface="Courier"/>
                   <a:cs typeface="Courier"/>
                 </a:rPr>
-                <a:t>m</a:t>
-              </a:r>
-              <a:r>
-                <a:rPr lang="en-US" sz="1400" dirty="0" smtClean="0">
-                  <a:latin typeface="Courier"/>
-                  <a:cs typeface="Courier"/>
-                </a:rPr>
-                <a:t>aster: </a:t>
+                <a:t>master: </a:t>
               </a:r>
               <a:r>
                 <a:rPr lang="en-US" sz="1400" b="1" dirty="0" smtClean="0">
@@ -9722,14 +10802,7 @@
                   <a:latin typeface="Courier"/>
                   <a:cs typeface="Courier"/>
                 </a:rPr>
-                <a:t>b</a:t>
-              </a:r>
-              <a:r>
-                <a:rPr lang="en-US" sz="1400" dirty="0" err="1" smtClean="0">
-                  <a:latin typeface="Courier"/>
-                  <a:cs typeface="Courier"/>
-                </a:rPr>
-                <a:t>ob_branch</a:t>
+                <a:t>bob_branch</a:t>
               </a:r>
               <a:r>
                 <a:rPr lang="en-US" sz="1400" dirty="0" smtClean="0">
@@ -9752,14 +10825,7 @@
                   <a:latin typeface="Courier"/>
                   <a:cs typeface="Courier"/>
                 </a:rPr>
-                <a:t>c</a:t>
-              </a:r>
-              <a:r>
-                <a:rPr lang="en-US" sz="1400" dirty="0" smtClean="0">
-                  <a:latin typeface="Courier"/>
-                  <a:cs typeface="Courier"/>
-                </a:rPr>
-                <a:t>urrent:  </a:t>
+                <a:t>current:  </a:t>
               </a:r>
               <a:r>
                 <a:rPr lang="en-US" sz="1400" b="1" dirty="0" smtClean="0">
@@ -9872,14 +10938,7 @@
                   <a:latin typeface="Courier"/>
                   <a:cs typeface="Courier"/>
                 </a:rPr>
-                <a:t>c</a:t>
-              </a:r>
-              <a:r>
-                <a:rPr lang="en-US" sz="1400" b="1" dirty="0" smtClean="0">
-                  <a:latin typeface="Courier"/>
-                  <a:cs typeface="Courier"/>
-                </a:rPr>
-                <a:t>7d…</a:t>
+                <a:t>c7d…</a:t>
               </a:r>
               <a:endParaRPr lang="en-US" b="1" dirty="0" smtClean="0">
                 <a:latin typeface="Courier"/>
@@ -10216,14 +11275,7 @@
                   <a:latin typeface="Courier"/>
                   <a:cs typeface="Courier"/>
                 </a:rPr>
-                <a:t>m</a:t>
-              </a:r>
-              <a:r>
-                <a:rPr lang="en-US" sz="1400" dirty="0" smtClean="0">
-                  <a:latin typeface="Courier"/>
-                  <a:cs typeface="Courier"/>
-                </a:rPr>
-                <a:t>aster: </a:t>
+                <a:t>master: </a:t>
               </a:r>
               <a:r>
                 <a:rPr lang="en-US" sz="1400" b="1" dirty="0" smtClean="0">
@@ -10273,14 +11325,7 @@
                   <a:latin typeface="Courier"/>
                   <a:cs typeface="Courier"/>
                 </a:rPr>
-                <a:t>b</a:t>
-              </a:r>
-              <a:r>
-                <a:rPr lang="en-US" sz="1400" dirty="0" err="1" smtClean="0">
-                  <a:latin typeface="Courier"/>
-                  <a:cs typeface="Courier"/>
-                </a:rPr>
-                <a:t>ob_branch</a:t>
+                <a:t>bob_branch</a:t>
               </a:r>
               <a:r>
                 <a:rPr lang="en-US" sz="1400" dirty="0" smtClean="0">
@@ -10303,14 +11348,7 @@
                   <a:latin typeface="Courier"/>
                   <a:cs typeface="Courier"/>
                 </a:rPr>
-                <a:t>c</a:t>
-              </a:r>
-              <a:r>
-                <a:rPr lang="en-US" sz="1400" dirty="0" smtClean="0">
-                  <a:latin typeface="Courier"/>
-                  <a:cs typeface="Courier"/>
-                </a:rPr>
-                <a:t>urrent:  </a:t>
+                <a:t>current:  </a:t>
               </a:r>
               <a:r>
                 <a:rPr lang="en-US" sz="1400" b="1" dirty="0" smtClean="0">
@@ -10421,26 +11459,179 @@
     </p:spTree>
     <p:extLst>
       <p:ext uri="{BB962C8B-B14F-4D97-AF65-F5344CB8AC3E}">
-        <p14:creationId xmlns="" xmlns:a="http://schemas.openxmlformats.org/drawingml/2006/main" xmlns:r="http://schemas.openxmlformats.org/officeDocument/2006/relationships" xmlns:p="http://schemas.openxmlformats.org/presentationml/2006/main" xmlns:p14="http://schemas.microsoft.com/office/powerpoint/2010/main" xmlns:mv="urn:schemas-microsoft-com:mac:vml" xmlns:mc="http://schemas.openxmlformats.org/markup-compatibility/2006" val="1708097681"/>
+        <p14:creationId xmlns:p14="http://schemas.microsoft.com/office/powerpoint/2010/main" val="1708097681"/>
       </p:ext>
     </p:extLst>
   </p:cSld>
   <p:clrMapOvr>
     <a:masterClrMapping/>
   </p:clrMapOvr>
-  <p:transition/>
+  <p:transition xmlns:p14="http://schemas.microsoft.com/office/powerpoint/2010/main"/>
   <p:timing>
     <p:tnLst>
       <p:par>
-        <p:cTn id="1" dur="indefinite" restart="never" nodeType="tmRoot"/>
+        <p:cTn xmlns:p14="http://schemas.microsoft.com/office/powerpoint/2010/main" id="1" dur="indefinite" restart="never" nodeType="tmRoot">
+          <p:childTnLst>
+            <p:seq concurrent="1" nextAc="seek">
+              <p:cTn id="2" dur="indefinite" nodeType="mainSeq">
+                <p:childTnLst>
+                  <p:par>
+                    <p:cTn id="3" fill="hold">
+                      <p:stCondLst>
+                        <p:cond delay="indefinite"/>
+                      </p:stCondLst>
+                      <p:childTnLst>
+                        <p:par>
+                          <p:cTn id="4" fill="hold">
+                            <p:stCondLst>
+                              <p:cond delay="0"/>
+                            </p:stCondLst>
+                            <p:childTnLst>
+                              <p:par>
+                                <p:cTn id="5" presetID="1" presetClass="entr" presetSubtype="0" fill="hold" grpId="0" nodeType="clickEffect">
+                                  <p:stCondLst>
+                                    <p:cond delay="0"/>
+                                  </p:stCondLst>
+                                  <p:childTnLst>
+                                    <p:set>
+                                      <p:cBhvr>
+                                        <p:cTn id="6" dur="1" fill="hold">
+                                          <p:stCondLst>
+                                            <p:cond delay="0"/>
+                                          </p:stCondLst>
+                                        </p:cTn>
+                                        <p:tgtEl>
+                                          <p:spTgt spid="8"/>
+                                        </p:tgtEl>
+                                        <p:attrNameLst>
+                                          <p:attrName>style.visibility</p:attrName>
+                                        </p:attrNameLst>
+                                      </p:cBhvr>
+                                      <p:to>
+                                        <p:strVal val="visible"/>
+                                      </p:to>
+                                    </p:set>
+                                  </p:childTnLst>
+                                </p:cTn>
+                              </p:par>
+                              <p:par>
+                                <p:cTn id="7" presetID="1" presetClass="entr" presetSubtype="0" fill="hold" nodeType="withEffect">
+                                  <p:stCondLst>
+                                    <p:cond delay="0"/>
+                                  </p:stCondLst>
+                                  <p:childTnLst>
+                                    <p:set>
+                                      <p:cBhvr>
+                                        <p:cTn id="8" dur="1" fill="hold">
+                                          <p:stCondLst>
+                                            <p:cond delay="0"/>
+                                          </p:stCondLst>
+                                        </p:cTn>
+                                        <p:tgtEl>
+                                          <p:spTgt spid="61"/>
+                                        </p:tgtEl>
+                                        <p:attrNameLst>
+                                          <p:attrName>style.visibility</p:attrName>
+                                        </p:attrNameLst>
+                                      </p:cBhvr>
+                                      <p:to>
+                                        <p:strVal val="visible"/>
+                                      </p:to>
+                                    </p:set>
+                                  </p:childTnLst>
+                                </p:cTn>
+                              </p:par>
+                              <p:par>
+                                <p:cTn id="9" presetID="1" presetClass="entr" presetSubtype="0" fill="hold" grpId="0" nodeType="withEffect">
+                                  <p:stCondLst>
+                                    <p:cond delay="0"/>
+                                  </p:stCondLst>
+                                  <p:childTnLst>
+                                    <p:set>
+                                      <p:cBhvr>
+                                        <p:cTn id="10" dur="1" fill="hold">
+                                          <p:stCondLst>
+                                            <p:cond delay="0"/>
+                                          </p:stCondLst>
+                                        </p:cTn>
+                                        <p:tgtEl>
+                                          <p:spTgt spid="63"/>
+                                        </p:tgtEl>
+                                        <p:attrNameLst>
+                                          <p:attrName>style.visibility</p:attrName>
+                                        </p:attrNameLst>
+                                      </p:cBhvr>
+                                      <p:to>
+                                        <p:strVal val="visible"/>
+                                      </p:to>
+                                    </p:set>
+                                  </p:childTnLst>
+                                </p:cTn>
+                              </p:par>
+                              <p:par>
+                                <p:cTn id="11" presetID="1" presetClass="entr" presetSubtype="0" fill="hold" nodeType="withEffect">
+                                  <p:stCondLst>
+                                    <p:cond delay="0"/>
+                                  </p:stCondLst>
+                                  <p:childTnLst>
+                                    <p:set>
+                                      <p:cBhvr>
+                                        <p:cTn id="12" dur="1" fill="hold">
+                                          <p:stCondLst>
+                                            <p:cond delay="0"/>
+                                          </p:stCondLst>
+                                        </p:cTn>
+                                        <p:tgtEl>
+                                          <p:spTgt spid="49"/>
+                                        </p:tgtEl>
+                                        <p:attrNameLst>
+                                          <p:attrName>style.visibility</p:attrName>
+                                        </p:attrNameLst>
+                                      </p:cBhvr>
+                                      <p:to>
+                                        <p:strVal val="visible"/>
+                                      </p:to>
+                                    </p:set>
+                                  </p:childTnLst>
+                                </p:cTn>
+                              </p:par>
+                            </p:childTnLst>
+                          </p:cTn>
+                        </p:par>
+                      </p:childTnLst>
+                    </p:cTn>
+                  </p:par>
+                </p:childTnLst>
+              </p:cTn>
+              <p:prevCondLst>
+                <p:cond evt="onPrev" delay="0">
+                  <p:tgtEl>
+                    <p:sldTgt/>
+                  </p:tgtEl>
+                </p:cond>
+              </p:prevCondLst>
+              <p:nextCondLst>
+                <p:cond evt="onNext" delay="0">
+                  <p:tgtEl>
+                    <p:sldTgt/>
+                  </p:tgtEl>
+                </p:cond>
+              </p:nextCondLst>
+            </p:seq>
+          </p:childTnLst>
+        </p:cTn>
       </p:par>
     </p:tnLst>
+    <p:bldLst>
+      <p:bldP spid="8" grpId="0"/>
+      <p:bldP spid="63" grpId="0"/>
+    </p:bldLst>
   </p:timing>
 </p:sld>
 </file>
 
-<file path=ppt/slides/slide16.xml><?xml version="1.0" encoding="utf-8"?>
-<p:sld xmlns:a="http://schemas.openxmlformats.org/drawingml/2006/main" xmlns:r="http://schemas.openxmlformats.org/officeDocument/2006/relationships" xmlns:mc="http://schemas.openxmlformats.org/markup-compatibility/2006" xmlns:mv="urn:schemas-microsoft-com:mac:vml" xmlns:p="http://schemas.openxmlformats.org/presentationml/2006/main" mc:Ignorable="mv" mc:PreserveAttributes="mv:*">
+<file path=ppt/slides/slide17.xml><?xml version="1.0" encoding="utf-8"?>
+<p:sld xmlns:a="http://schemas.openxmlformats.org/drawingml/2006/main" xmlns:r="http://schemas.openxmlformats.org/officeDocument/2006/relationships" xmlns:p="http://schemas.openxmlformats.org/presentationml/2006/main">
   <p:cSld>
     <p:spTree>
       <p:nvGrpSpPr>
@@ -10550,7 +11741,67 @@
             </a:pPr>
             <a:r>
               <a:rPr lang="en-US" dirty="0" smtClean="0"/>
-              <a:t>Bob downloads the updated master from server, merges in his own branch, and pushes the combined master to server</a:t>
+              <a:t>Bob downloads the updated master from server, merges in his own </a:t>
+            </a:r>
+            <a:r>
+              <a:rPr lang="en-US" dirty="0"/>
+              <a:t>branch </a:t>
+            </a:r>
+            <a:r>
+              <a:rPr lang="en-US" dirty="0" smtClean="0"/>
+              <a:t>(</a:t>
+            </a:r>
+            <a:r>
+              <a:rPr lang="en-US" sz="1600" b="1" dirty="0" smtClean="0">
+                <a:solidFill>
+                  <a:prstClr val="black"/>
+                </a:solidFill>
+                <a:latin typeface="Courier"/>
+                <a:cs typeface="Courier"/>
+              </a:rPr>
+              <a:t>fa8…</a:t>
+            </a:r>
+            <a:r>
+              <a:rPr lang="en-US" dirty="0" smtClean="0">
+                <a:solidFill>
+                  <a:prstClr val="black"/>
+                </a:solidFill>
+              </a:rPr>
+              <a:t> </a:t>
+            </a:r>
+            <a:r>
+              <a:rPr lang="en-US" dirty="0">
+                <a:solidFill>
+                  <a:prstClr val="black"/>
+                </a:solidFill>
+              </a:rPr>
+              <a:t>+ </a:t>
+            </a:r>
+            <a:r>
+              <a:rPr lang="en-US" sz="1600" b="1" dirty="0">
+                <a:solidFill>
+                  <a:prstClr val="black"/>
+                </a:solidFill>
+                <a:latin typeface="Courier"/>
+                <a:cs typeface="Courier"/>
+              </a:rPr>
+              <a:t>dd1…</a:t>
+            </a:r>
+            <a:r>
+              <a:rPr lang="en-US" dirty="0">
+                <a:solidFill>
+                  <a:prstClr val="black"/>
+                </a:solidFill>
+              </a:rPr>
+              <a:t>)</a:t>
+            </a:r>
+            <a:r>
+              <a:rPr lang="en-US" dirty="0" smtClean="0"/>
+              <a:t>, </a:t>
+            </a:r>
+            <a:r>
+              <a:rPr lang="en-US" dirty="0" smtClean="0"/>
+              <a:t>and pushes the combined master to server</a:t>
             </a:r>
           </a:p>
         </p:txBody>
@@ -10697,14 +11948,7 @@
                   <a:latin typeface="Courier"/>
                   <a:cs typeface="Courier"/>
                 </a:rPr>
-                <a:t>b</a:t>
-              </a:r>
-              <a:r>
-                <a:rPr lang="en-US" sz="1400" b="1" dirty="0" smtClean="0">
-                  <a:latin typeface="Courier"/>
-                  <a:cs typeface="Courier"/>
-                </a:rPr>
-                <a:t>e2…</a:t>
+                <a:t>be2…</a:t>
               </a:r>
             </a:p>
           </p:txBody>
@@ -10841,14 +12085,7 @@
                   <a:latin typeface="Courier"/>
                   <a:cs typeface="Courier"/>
                 </a:rPr>
-                <a:t>d</a:t>
-              </a:r>
-              <a:r>
-                <a:rPr lang="en-US" sz="1400" b="1" dirty="0" smtClean="0">
-                  <a:latin typeface="Courier"/>
-                  <a:cs typeface="Courier"/>
-                </a:rPr>
-                <a:t>d1…</a:t>
+                <a:t>dd1…</a:t>
               </a:r>
             </a:p>
           </p:txBody>
@@ -11320,31 +12557,38 @@
                 <a:latin typeface="Courier"/>
                 <a:cs typeface="Courier"/>
               </a:rPr>
-              <a:t>m</a:t>
-            </a:r>
+              <a:t>merge</a:t>
+            </a:r>
+          </a:p>
+          <a:p>
+            <a:pPr algn="ctr"/>
             <a:r>
               <a:rPr lang="en-US" sz="1400" dirty="0" smtClean="0">
                 <a:latin typeface="Courier"/>
                 <a:cs typeface="Courier"/>
               </a:rPr>
-              <a:t>erge</a:t>
-            </a:r>
-          </a:p>
-          <a:p>
-            <a:pPr algn="ctr"/>
+              <a:t>parent: </a:t>
+            </a:r>
+            <a:r>
+              <a:rPr lang="en-US" sz="1400" b="1" dirty="0" smtClean="0">
+                <a:latin typeface="Courier"/>
+                <a:cs typeface="Courier"/>
+              </a:rPr>
+              <a:t>dd1…</a:t>
+            </a:r>
             <a:r>
               <a:rPr lang="en-US" sz="1400" dirty="0" smtClean="0">
                 <a:latin typeface="Courier"/>
                 <a:cs typeface="Courier"/>
               </a:rPr>
-              <a:t>p</a:t>
-            </a:r>
-            <a:r>
-              <a:rPr lang="en-US" sz="1400" dirty="0" smtClean="0">
+              <a:t> </a:t>
+            </a:r>
+            <a:r>
+              <a:rPr lang="en-US" sz="1400" b="1" dirty="0" smtClean="0">
                 <a:latin typeface="Courier"/>
                 <a:cs typeface="Courier"/>
               </a:rPr>
-              <a:t>arent: dd1… fa8…</a:t>
+              <a:t>fa8…</a:t>
             </a:r>
           </a:p>
         </p:txBody>
@@ -11445,14 +12689,7 @@
                   <a:latin typeface="Courier"/>
                   <a:cs typeface="Courier"/>
                 </a:rPr>
-                <a:t>c</a:t>
-              </a:r>
-              <a:r>
-                <a:rPr lang="en-US" sz="1400" b="1" dirty="0" smtClean="0">
-                  <a:latin typeface="Courier"/>
-                  <a:cs typeface="Courier"/>
-                </a:rPr>
-                <a:t>7d…</a:t>
+                <a:t>c7d…</a:t>
               </a:r>
               <a:endParaRPr lang="en-US" b="1" dirty="0" smtClean="0">
                 <a:latin typeface="Courier"/>
@@ -11789,14 +13026,7 @@
                   <a:latin typeface="Courier"/>
                   <a:cs typeface="Courier"/>
                 </a:rPr>
-                <a:t>m</a:t>
-              </a:r>
-              <a:r>
-                <a:rPr lang="en-US" sz="1400" dirty="0" smtClean="0">
-                  <a:latin typeface="Courier"/>
-                  <a:cs typeface="Courier"/>
-                </a:rPr>
-                <a:t>aster: </a:t>
+                <a:t>master: </a:t>
               </a:r>
               <a:r>
                 <a:rPr lang="en-US" sz="1400" b="1" dirty="0" smtClean="0">
@@ -11846,14 +13076,7 @@
                   <a:latin typeface="Courier"/>
                   <a:cs typeface="Courier"/>
                 </a:rPr>
-                <a:t>b</a:t>
-              </a:r>
-              <a:r>
-                <a:rPr lang="en-US" sz="1400" dirty="0" err="1" smtClean="0">
-                  <a:latin typeface="Courier"/>
-                  <a:cs typeface="Courier"/>
-                </a:rPr>
-                <a:t>ob_branch</a:t>
+                <a:t>bob_branch</a:t>
               </a:r>
               <a:r>
                 <a:rPr lang="en-US" sz="1400" dirty="0" smtClean="0">
@@ -11876,21 +13099,21 @@
                   <a:latin typeface="Courier"/>
                   <a:cs typeface="Courier"/>
                 </a:rPr>
-                <a:t>c</a:t>
-              </a:r>
-              <a:r>
-                <a:rPr lang="en-US" sz="1400" dirty="0" smtClean="0">
-                  <a:latin typeface="Courier"/>
-                  <a:cs typeface="Courier"/>
-                </a:rPr>
-                <a:t>urrent:  </a:t>
+                <a:t>current:  </a:t>
               </a:r>
               <a:r>
                 <a:rPr lang="en-US" sz="1400" b="1" dirty="0" smtClean="0">
                   <a:latin typeface="Courier"/>
                   <a:cs typeface="Courier"/>
                 </a:rPr>
-                <a:t>dd1…</a:t>
+                <a:t>fa8</a:t>
+              </a:r>
+              <a:r>
+                <a:rPr lang="en-US" sz="1400" b="1" dirty="0" smtClean="0">
+                  <a:latin typeface="Courier"/>
+                  <a:cs typeface="Courier"/>
+                </a:rPr>
+                <a:t>…</a:t>
               </a:r>
               <a:endParaRPr lang="en-US" sz="1400" b="1" dirty="0">
                 <a:latin typeface="Courier"/>
@@ -11902,7 +13125,7 @@
       </p:grpSp>
       <p:grpSp>
         <p:nvGrpSpPr>
-          <p:cNvPr id="59" name="Group 58"/>
+          <p:cNvPr id="4" name="Gruppierung 3"/>
           <p:cNvGrpSpPr/>
           <p:nvPr/>
         </p:nvGrpSpPr>
@@ -11910,117 +13133,542 @@
           <a:xfrm>
             <a:off x="5685895" y="3955429"/>
             <a:ext cx="3413077" cy="1898637"/>
-            <a:chOff x="920750" y="4426081"/>
+            <a:chOff x="5685895" y="3955429"/>
             <a:chExt cx="3413077" cy="1898637"/>
           </a:xfrm>
         </p:grpSpPr>
+        <p:grpSp>
+          <p:nvGrpSpPr>
+            <p:cNvPr id="59" name="Group 58"/>
+            <p:cNvGrpSpPr/>
+            <p:nvPr/>
+          </p:nvGrpSpPr>
+          <p:grpSpPr>
+            <a:xfrm>
+              <a:off x="5685895" y="3955429"/>
+              <a:ext cx="3413077" cy="1898637"/>
+              <a:chOff x="920750" y="4426081"/>
+              <a:chExt cx="3413077" cy="1898637"/>
+            </a:xfrm>
+          </p:grpSpPr>
+          <p:sp>
+            <p:nvSpPr>
+              <p:cNvPr id="60" name="Rectangle 59"/>
+              <p:cNvSpPr/>
+              <p:nvPr/>
+            </p:nvSpPr>
+            <p:spPr>
+              <a:xfrm>
+                <a:off x="920750" y="4426081"/>
+                <a:ext cx="3413077" cy="1884004"/>
+              </a:xfrm>
+              <a:prstGeom prst="rect">
+                <a:avLst/>
+              </a:prstGeom>
+              <a:noFill/>
+              <a:ln>
+                <a:solidFill>
+                  <a:schemeClr val="tx1"/>
+                </a:solidFill>
+              </a:ln>
+            </p:spPr>
+            <p:style>
+              <a:lnRef idx="1">
+                <a:schemeClr val="accent1"/>
+              </a:lnRef>
+              <a:fillRef idx="3">
+                <a:schemeClr val="accent1"/>
+              </a:fillRef>
+              <a:effectRef idx="2">
+                <a:schemeClr val="accent1"/>
+              </a:effectRef>
+              <a:fontRef idx="minor">
+                <a:schemeClr val="lt1"/>
+              </a:fontRef>
+            </p:style>
+            <p:txBody>
+              <a:bodyPr rtlCol="0" anchor="ctr"/>
+              <a:lstStyle/>
+              <a:p>
+                <a:pPr algn="ctr"/>
+                <a:endParaRPr lang="en-US"/>
+              </a:p>
+            </p:txBody>
+          </p:sp>
+          <p:sp>
+            <p:nvSpPr>
+              <p:cNvPr id="61" name="TextBox 60"/>
+              <p:cNvSpPr txBox="1"/>
+              <p:nvPr/>
+            </p:nvSpPr>
+            <p:spPr>
+              <a:xfrm>
+                <a:off x="1128339" y="4552256"/>
+                <a:ext cx="629005" cy="307777"/>
+              </a:xfrm>
+              <a:prstGeom prst="rect">
+                <a:avLst/>
+              </a:prstGeom>
+              <a:solidFill>
+                <a:schemeClr val="accent6">
+                  <a:lumMod val="40000"/>
+                  <a:lumOff val="60000"/>
+                </a:schemeClr>
+              </a:solidFill>
+              <a:ln>
+                <a:solidFill>
+                  <a:schemeClr val="tx1"/>
+                </a:solidFill>
+              </a:ln>
+            </p:spPr>
+            <p:txBody>
+              <a:bodyPr wrap="square" rtlCol="0">
+                <a:spAutoFit/>
+              </a:bodyPr>
+              <a:lstStyle/>
+              <a:p>
+                <a:pPr algn="ctr"/>
+                <a:r>
+                  <a:rPr lang="en-US" sz="1400" b="1" dirty="0" smtClean="0">
+                    <a:latin typeface="Courier"/>
+                    <a:cs typeface="Courier"/>
+                  </a:rPr>
+                  <a:t>c7d…</a:t>
+                </a:r>
+                <a:endParaRPr lang="en-US" b="1" dirty="0" smtClean="0">
+                  <a:latin typeface="Courier"/>
+                  <a:cs typeface="Courier"/>
+                </a:endParaRPr>
+              </a:p>
+            </p:txBody>
+          </p:sp>
+          <p:sp>
+            <p:nvSpPr>
+              <p:cNvPr id="62" name="TextBox 61"/>
+              <p:cNvSpPr txBox="1"/>
+              <p:nvPr/>
+            </p:nvSpPr>
+            <p:spPr>
+              <a:xfrm>
+                <a:off x="1890163" y="4552256"/>
+                <a:ext cx="673314" cy="307777"/>
+              </a:xfrm>
+              <a:prstGeom prst="rect">
+                <a:avLst/>
+              </a:prstGeom>
+              <a:solidFill>
+                <a:schemeClr val="accent6">
+                  <a:lumMod val="40000"/>
+                  <a:lumOff val="60000"/>
+                </a:schemeClr>
+              </a:solidFill>
+              <a:ln>
+                <a:solidFill>
+                  <a:schemeClr val="tx1"/>
+                </a:solidFill>
+              </a:ln>
+            </p:spPr>
+            <p:txBody>
+              <a:bodyPr wrap="square" rtlCol="0">
+                <a:spAutoFit/>
+              </a:bodyPr>
+              <a:lstStyle/>
+              <a:p>
+                <a:pPr algn="ctr"/>
+                <a:r>
+                  <a:rPr lang="en-US" sz="1400" b="1" dirty="0" smtClean="0">
+                    <a:latin typeface="Courier"/>
+                    <a:cs typeface="Courier"/>
+                  </a:rPr>
+                  <a:t>6ff…</a:t>
+                </a:r>
+              </a:p>
+            </p:txBody>
+          </p:sp>
+          <p:sp>
+            <p:nvSpPr>
+              <p:cNvPr id="63" name="TextBox 62"/>
+              <p:cNvSpPr txBox="1"/>
+              <p:nvPr/>
+            </p:nvSpPr>
+            <p:spPr>
+              <a:xfrm>
+                <a:off x="2684020" y="4549279"/>
+                <a:ext cx="673314" cy="307777"/>
+              </a:xfrm>
+              <a:prstGeom prst="rect">
+                <a:avLst/>
+              </a:prstGeom>
+              <a:solidFill>
+                <a:schemeClr val="accent6">
+                  <a:lumMod val="40000"/>
+                  <a:lumOff val="60000"/>
+                </a:schemeClr>
+              </a:solidFill>
+              <a:ln>
+                <a:solidFill>
+                  <a:schemeClr val="tx1"/>
+                </a:solidFill>
+              </a:ln>
+            </p:spPr>
+            <p:txBody>
+              <a:bodyPr wrap="square" rtlCol="0">
+                <a:spAutoFit/>
+              </a:bodyPr>
+              <a:lstStyle/>
+              <a:p>
+                <a:pPr algn="ctr"/>
+                <a:r>
+                  <a:rPr lang="en-US" sz="1400" b="1" dirty="0" smtClean="0">
+                    <a:latin typeface="Courier"/>
+                    <a:cs typeface="Courier"/>
+                  </a:rPr>
+                  <a:t>be2…</a:t>
+                </a:r>
+              </a:p>
+            </p:txBody>
+          </p:sp>
+          <p:sp>
+            <p:nvSpPr>
+              <p:cNvPr id="64" name="TextBox 63"/>
+              <p:cNvSpPr txBox="1"/>
+              <p:nvPr/>
+            </p:nvSpPr>
+            <p:spPr>
+              <a:xfrm>
+                <a:off x="1084030" y="5010944"/>
+                <a:ext cx="673314" cy="307777"/>
+              </a:xfrm>
+              <a:prstGeom prst="rect">
+                <a:avLst/>
+              </a:prstGeom>
+              <a:solidFill>
+                <a:schemeClr val="accent6">
+                  <a:lumMod val="40000"/>
+                  <a:lumOff val="60000"/>
+                </a:schemeClr>
+              </a:solidFill>
+              <a:ln>
+                <a:solidFill>
+                  <a:schemeClr val="tx1"/>
+                </a:solidFill>
+              </a:ln>
+            </p:spPr>
+            <p:txBody>
+              <a:bodyPr wrap="square" rtlCol="0">
+                <a:spAutoFit/>
+              </a:bodyPr>
+              <a:lstStyle/>
+              <a:p>
+                <a:pPr algn="ctr"/>
+                <a:r>
+                  <a:rPr lang="en-US" sz="1400" b="1" dirty="0" smtClean="0">
+                    <a:latin typeface="Courier"/>
+                    <a:cs typeface="Courier"/>
+                  </a:rPr>
+                  <a:t>2a4…</a:t>
+                </a:r>
+              </a:p>
+            </p:txBody>
+          </p:sp>
+          <p:sp>
+            <p:nvSpPr>
+              <p:cNvPr id="65" name="TextBox 64"/>
+              <p:cNvSpPr txBox="1"/>
+              <p:nvPr/>
+            </p:nvSpPr>
+            <p:spPr>
+              <a:xfrm>
+                <a:off x="1890163" y="5010944"/>
+                <a:ext cx="673314" cy="307777"/>
+              </a:xfrm>
+              <a:prstGeom prst="rect">
+                <a:avLst/>
+              </a:prstGeom>
+              <a:solidFill>
+                <a:schemeClr val="accent6">
+                  <a:lumMod val="40000"/>
+                  <a:lumOff val="60000"/>
+                </a:schemeClr>
+              </a:solidFill>
+              <a:ln>
+                <a:solidFill>
+                  <a:schemeClr val="tx1"/>
+                </a:solidFill>
+              </a:ln>
+            </p:spPr>
+            <p:txBody>
+              <a:bodyPr wrap="square" rtlCol="0">
+                <a:spAutoFit/>
+              </a:bodyPr>
+              <a:lstStyle/>
+              <a:p>
+                <a:pPr algn="ctr"/>
+                <a:r>
+                  <a:rPr lang="en-US" sz="1400" b="1" dirty="0" smtClean="0">
+                    <a:latin typeface="Courier"/>
+                    <a:cs typeface="Courier"/>
+                  </a:rPr>
+                  <a:t>dd1…</a:t>
+                </a:r>
+              </a:p>
+            </p:txBody>
+          </p:sp>
+          <p:sp>
+            <p:nvSpPr>
+              <p:cNvPr id="66" name="TextBox 65"/>
+              <p:cNvSpPr txBox="1"/>
+              <p:nvPr/>
+            </p:nvSpPr>
+            <p:spPr>
+              <a:xfrm>
+                <a:off x="2684020" y="5010944"/>
+                <a:ext cx="673314" cy="307777"/>
+              </a:xfrm>
+              <a:prstGeom prst="rect">
+                <a:avLst/>
+              </a:prstGeom>
+              <a:solidFill>
+                <a:schemeClr val="accent6">
+                  <a:lumMod val="40000"/>
+                  <a:lumOff val="60000"/>
+                </a:schemeClr>
+              </a:solidFill>
+              <a:ln>
+                <a:solidFill>
+                  <a:schemeClr val="tx1"/>
+                </a:solidFill>
+              </a:ln>
+            </p:spPr>
+            <p:txBody>
+              <a:bodyPr wrap="square" rtlCol="0">
+                <a:spAutoFit/>
+              </a:bodyPr>
+              <a:lstStyle/>
+              <a:p>
+                <a:pPr algn="ctr"/>
+                <a:r>
+                  <a:rPr lang="en-US" sz="1400" b="1" dirty="0" smtClean="0">
+                    <a:latin typeface="Courier"/>
+                    <a:cs typeface="Courier"/>
+                  </a:rPr>
+                  <a:t>73e…</a:t>
+                </a:r>
+              </a:p>
+            </p:txBody>
+          </p:sp>
+          <p:sp>
+            <p:nvSpPr>
+              <p:cNvPr id="67" name="TextBox 66"/>
+              <p:cNvSpPr txBox="1"/>
+              <p:nvPr/>
+            </p:nvSpPr>
+            <p:spPr>
+              <a:xfrm>
+                <a:off x="3477877" y="5010944"/>
+                <a:ext cx="673314" cy="307777"/>
+              </a:xfrm>
+              <a:prstGeom prst="rect">
+                <a:avLst/>
+              </a:prstGeom>
+              <a:solidFill>
+                <a:schemeClr val="accent6">
+                  <a:lumMod val="40000"/>
+                  <a:lumOff val="60000"/>
+                </a:schemeClr>
+              </a:solidFill>
+              <a:ln>
+                <a:solidFill>
+                  <a:schemeClr val="tx1"/>
+                </a:solidFill>
+              </a:ln>
+            </p:spPr>
+            <p:txBody>
+              <a:bodyPr wrap="square" rtlCol="0">
+                <a:spAutoFit/>
+              </a:bodyPr>
+              <a:lstStyle/>
+              <a:p>
+                <a:pPr algn="ctr"/>
+                <a:r>
+                  <a:rPr lang="en-US" sz="1400" b="1" dirty="0" smtClean="0">
+                    <a:latin typeface="Courier"/>
+                    <a:cs typeface="Courier"/>
+                  </a:rPr>
+                  <a:t>fa8…</a:t>
+                </a:r>
+              </a:p>
+            </p:txBody>
+          </p:sp>
+          <p:sp>
+            <p:nvSpPr>
+              <p:cNvPr id="68" name="TextBox 67"/>
+              <p:cNvSpPr txBox="1"/>
+              <p:nvPr/>
+            </p:nvSpPr>
+            <p:spPr>
+              <a:xfrm>
+                <a:off x="3477877" y="4549279"/>
+                <a:ext cx="673314" cy="307777"/>
+              </a:xfrm>
+              <a:prstGeom prst="rect">
+                <a:avLst/>
+              </a:prstGeom>
+              <a:solidFill>
+                <a:schemeClr val="accent6">
+                  <a:lumMod val="40000"/>
+                  <a:lumOff val="60000"/>
+                </a:schemeClr>
+              </a:solidFill>
+              <a:ln>
+                <a:solidFill>
+                  <a:schemeClr val="tx1"/>
+                </a:solidFill>
+              </a:ln>
+            </p:spPr>
+            <p:txBody>
+              <a:bodyPr wrap="square" rtlCol="0">
+                <a:spAutoFit/>
+              </a:bodyPr>
+              <a:lstStyle/>
+              <a:p>
+                <a:pPr algn="ctr"/>
+                <a:r>
+                  <a:rPr lang="en-US" sz="1400" b="1" dirty="0" smtClean="0">
+                    <a:latin typeface="Courier"/>
+                    <a:cs typeface="Courier"/>
+                  </a:rPr>
+                  <a:t>91a…</a:t>
+                </a:r>
+              </a:p>
+            </p:txBody>
+          </p:sp>
+          <p:sp>
+            <p:nvSpPr>
+              <p:cNvPr id="69" name="TextBox 68"/>
+              <p:cNvSpPr txBox="1"/>
+              <p:nvPr/>
+            </p:nvSpPr>
+            <p:spPr>
+              <a:xfrm>
+                <a:off x="1084030" y="5370611"/>
+                <a:ext cx="2273304" cy="954107"/>
+              </a:xfrm>
+              <a:prstGeom prst="rect">
+                <a:avLst/>
+              </a:prstGeom>
+              <a:noFill/>
+            </p:spPr>
+            <p:txBody>
+              <a:bodyPr wrap="square" rtlCol="0">
+                <a:spAutoFit/>
+              </a:bodyPr>
+              <a:lstStyle/>
+              <a:p>
+                <a:r>
+                  <a:rPr lang="en-US" sz="1400" dirty="0" smtClean="0">
+                    <a:latin typeface="Courier"/>
+                    <a:cs typeface="Courier"/>
+                  </a:rPr>
+                  <a:t>master: </a:t>
+                </a:r>
+                <a:r>
+                  <a:rPr lang="en-US" sz="1400" b="1" dirty="0" smtClean="0">
+                    <a:latin typeface="Courier"/>
+                    <a:cs typeface="Courier"/>
+                  </a:rPr>
+                  <a:t>d0c…</a:t>
+                </a:r>
+                <a:r>
+                  <a:rPr lang="en-US" sz="1400" dirty="0" smtClean="0">
+                    <a:latin typeface="Courier"/>
+                    <a:cs typeface="Courier"/>
+                  </a:rPr>
+                  <a:t/>
+                </a:r>
+                <a:br>
+                  <a:rPr lang="en-US" sz="1400" dirty="0" smtClean="0">
+                    <a:latin typeface="Courier"/>
+                    <a:cs typeface="Courier"/>
+                  </a:rPr>
+                </a:br>
+                <a:r>
+                  <a:rPr lang="en-US" sz="1400" dirty="0" err="1" smtClean="0">
+                    <a:latin typeface="Courier"/>
+                    <a:cs typeface="Courier"/>
+                  </a:rPr>
+                  <a:t>alice_branch</a:t>
+                </a:r>
+                <a:r>
+                  <a:rPr lang="en-US" sz="1400" dirty="0" smtClean="0">
+                    <a:latin typeface="Courier"/>
+                    <a:cs typeface="Courier"/>
+                  </a:rPr>
+                  <a:t>: </a:t>
+                </a:r>
+                <a:r>
+                  <a:rPr lang="en-US" sz="1400" b="1" dirty="0" smtClean="0">
+                    <a:latin typeface="Courier"/>
+                    <a:cs typeface="Courier"/>
+                  </a:rPr>
+                  <a:t>dd1…</a:t>
+                </a:r>
+              </a:p>
+              <a:p>
+                <a:r>
+                  <a:rPr lang="en-US" sz="1400" dirty="0" err="1" smtClean="0">
+                    <a:latin typeface="Courier"/>
+                    <a:cs typeface="Courier"/>
+                  </a:rPr>
+                  <a:t>bob_branch</a:t>
+                </a:r>
+                <a:r>
+                  <a:rPr lang="en-US" sz="1400" dirty="0" smtClean="0">
+                    <a:latin typeface="Courier"/>
+                    <a:cs typeface="Courier"/>
+                  </a:rPr>
+                  <a:t>: </a:t>
+                </a:r>
+                <a:r>
+                  <a:rPr lang="en-US" sz="1400" b="1" dirty="0" smtClean="0">
+                    <a:latin typeface="Courier"/>
+                    <a:cs typeface="Courier"/>
+                  </a:rPr>
+                  <a:t>d0c…</a:t>
+                </a:r>
+              </a:p>
+              <a:p>
+                <a:r>
+                  <a:rPr lang="en-US" sz="1400" dirty="0" smtClean="0">
+                    <a:latin typeface="Courier"/>
+                    <a:cs typeface="Courier"/>
+                  </a:rPr>
+                  <a:t>current:  </a:t>
+                </a:r>
+                <a:r>
+                  <a:rPr lang="en-US" sz="1400" b="1" dirty="0" smtClean="0">
+                    <a:latin typeface="Courier"/>
+                    <a:cs typeface="Courier"/>
+                  </a:rPr>
+                  <a:t>d0c…</a:t>
+                </a:r>
+                <a:endParaRPr lang="en-US" sz="1400" b="1" dirty="0">
+                  <a:latin typeface="Courier"/>
+                  <a:cs typeface="Courier"/>
+                </a:endParaRPr>
+              </a:p>
+            </p:txBody>
+          </p:sp>
+        </p:grpSp>
         <p:sp>
           <p:nvSpPr>
-            <p:cNvPr id="60" name="Rectangle 59"/>
-            <p:cNvSpPr/>
-            <p:nvPr/>
-          </p:nvSpPr>
-          <p:spPr>
-            <a:xfrm>
-              <a:off x="920750" y="4426081"/>
-              <a:ext cx="3413077" cy="1884004"/>
-            </a:xfrm>
-            <a:prstGeom prst="rect">
-              <a:avLst/>
-            </a:prstGeom>
-            <a:noFill/>
-            <a:ln>
-              <a:solidFill>
-                <a:schemeClr val="tx1"/>
-              </a:solidFill>
-            </a:ln>
-          </p:spPr>
-          <p:style>
-            <a:lnRef idx="1">
-              <a:schemeClr val="accent1"/>
-            </a:lnRef>
-            <a:fillRef idx="3">
-              <a:schemeClr val="accent1"/>
-            </a:fillRef>
-            <a:effectRef idx="2">
-              <a:schemeClr val="accent1"/>
-            </a:effectRef>
-            <a:fontRef idx="minor">
-              <a:schemeClr val="lt1"/>
-            </a:fontRef>
-          </p:style>
-          <p:txBody>
-            <a:bodyPr rtlCol="0" anchor="ctr"/>
-            <a:lstStyle/>
-            <a:p>
-              <a:pPr algn="ctr"/>
-              <a:endParaRPr lang="en-US"/>
-            </a:p>
-          </p:txBody>
-        </p:sp>
-        <p:sp>
-          <p:nvSpPr>
-            <p:cNvPr id="61" name="TextBox 60"/>
+            <p:cNvPr id="70" name="TextBox 69"/>
             <p:cNvSpPr txBox="1"/>
             <p:nvPr/>
           </p:nvSpPr>
           <p:spPr>
             <a:xfrm>
-              <a:off x="1128339" y="4552256"/>
-              <a:ext cx="629005" cy="307777"/>
-            </a:xfrm>
-            <a:prstGeom prst="rect">
-              <a:avLst/>
-            </a:prstGeom>
-            <a:solidFill>
-              <a:schemeClr val="accent6">
-                <a:lumMod val="40000"/>
-                <a:lumOff val="60000"/>
-              </a:schemeClr>
-            </a:solidFill>
-            <a:ln>
-              <a:solidFill>
-                <a:schemeClr val="tx1"/>
-              </a:solidFill>
-            </a:ln>
-          </p:spPr>
-          <p:txBody>
-            <a:bodyPr wrap="square" rtlCol="0">
-              <a:spAutoFit/>
-            </a:bodyPr>
-            <a:lstStyle/>
-            <a:p>
-              <a:pPr algn="ctr"/>
-              <a:r>
-                <a:rPr lang="en-US" sz="1400" b="1" dirty="0" smtClean="0">
-                  <a:latin typeface="Courier"/>
-                  <a:cs typeface="Courier"/>
-                </a:rPr>
-                <a:t>c</a:t>
-              </a:r>
-              <a:r>
-                <a:rPr lang="en-US" sz="1400" b="1" dirty="0" smtClean="0">
-                  <a:latin typeface="Courier"/>
-                  <a:cs typeface="Courier"/>
-                </a:rPr>
-                <a:t>7d…</a:t>
-              </a:r>
-              <a:endParaRPr lang="en-US" b="1" dirty="0" smtClean="0">
-                <a:latin typeface="Courier"/>
-                <a:cs typeface="Courier"/>
-              </a:endParaRPr>
-            </a:p>
-          </p:txBody>
-        </p:sp>
-        <p:sp>
-          <p:nvSpPr>
-            <p:cNvPr id="62" name="TextBox 61"/>
-            <p:cNvSpPr txBox="1"/>
-            <p:nvPr/>
-          </p:nvSpPr>
-          <p:spPr>
-            <a:xfrm>
-              <a:off x="1890163" y="4552256"/>
+              <a:off x="8243022" y="5001201"/>
               <a:ext cx="673314" cy="307777"/>
             </a:xfrm>
             <a:prstGeom prst="rect">
@@ -12050,450 +13698,12 @@
                   <a:latin typeface="Courier"/>
                   <a:cs typeface="Courier"/>
                 </a:rPr>
-                <a:t>6ff…</a:t>
+                <a:t>d0c…</a:t>
               </a:r>
             </a:p>
           </p:txBody>
         </p:sp>
-        <p:sp>
-          <p:nvSpPr>
-            <p:cNvPr id="63" name="TextBox 62"/>
-            <p:cNvSpPr txBox="1"/>
-            <p:nvPr/>
-          </p:nvSpPr>
-          <p:spPr>
-            <a:xfrm>
-              <a:off x="2684020" y="4549279"/>
-              <a:ext cx="673314" cy="307777"/>
-            </a:xfrm>
-            <a:prstGeom prst="rect">
-              <a:avLst/>
-            </a:prstGeom>
-            <a:solidFill>
-              <a:schemeClr val="accent6">
-                <a:lumMod val="40000"/>
-                <a:lumOff val="60000"/>
-              </a:schemeClr>
-            </a:solidFill>
-            <a:ln>
-              <a:solidFill>
-                <a:schemeClr val="tx1"/>
-              </a:solidFill>
-            </a:ln>
-          </p:spPr>
-          <p:txBody>
-            <a:bodyPr wrap="square" rtlCol="0">
-              <a:spAutoFit/>
-            </a:bodyPr>
-            <a:lstStyle/>
-            <a:p>
-              <a:pPr algn="ctr"/>
-              <a:r>
-                <a:rPr lang="en-US" sz="1400" b="1" dirty="0" smtClean="0">
-                  <a:latin typeface="Courier"/>
-                  <a:cs typeface="Courier"/>
-                </a:rPr>
-                <a:t>be2…</a:t>
-              </a:r>
-            </a:p>
-          </p:txBody>
-        </p:sp>
-        <p:sp>
-          <p:nvSpPr>
-            <p:cNvPr id="64" name="TextBox 63"/>
-            <p:cNvSpPr txBox="1"/>
-            <p:nvPr/>
-          </p:nvSpPr>
-          <p:spPr>
-            <a:xfrm>
-              <a:off x="1084030" y="5010944"/>
-              <a:ext cx="673314" cy="307777"/>
-            </a:xfrm>
-            <a:prstGeom prst="rect">
-              <a:avLst/>
-            </a:prstGeom>
-            <a:solidFill>
-              <a:schemeClr val="accent6">
-                <a:lumMod val="40000"/>
-                <a:lumOff val="60000"/>
-              </a:schemeClr>
-            </a:solidFill>
-            <a:ln>
-              <a:solidFill>
-                <a:schemeClr val="tx1"/>
-              </a:solidFill>
-            </a:ln>
-          </p:spPr>
-          <p:txBody>
-            <a:bodyPr wrap="square" rtlCol="0">
-              <a:spAutoFit/>
-            </a:bodyPr>
-            <a:lstStyle/>
-            <a:p>
-              <a:pPr algn="ctr"/>
-              <a:r>
-                <a:rPr lang="en-US" sz="1400" b="1" dirty="0" smtClean="0">
-                  <a:latin typeface="Courier"/>
-                  <a:cs typeface="Courier"/>
-                </a:rPr>
-                <a:t>2a4…</a:t>
-              </a:r>
-            </a:p>
-          </p:txBody>
-        </p:sp>
-        <p:sp>
-          <p:nvSpPr>
-            <p:cNvPr id="65" name="TextBox 64"/>
-            <p:cNvSpPr txBox="1"/>
-            <p:nvPr/>
-          </p:nvSpPr>
-          <p:spPr>
-            <a:xfrm>
-              <a:off x="1890163" y="5010944"/>
-              <a:ext cx="673314" cy="307777"/>
-            </a:xfrm>
-            <a:prstGeom prst="rect">
-              <a:avLst/>
-            </a:prstGeom>
-            <a:solidFill>
-              <a:schemeClr val="accent6">
-                <a:lumMod val="40000"/>
-                <a:lumOff val="60000"/>
-              </a:schemeClr>
-            </a:solidFill>
-            <a:ln>
-              <a:solidFill>
-                <a:schemeClr val="tx1"/>
-              </a:solidFill>
-            </a:ln>
-          </p:spPr>
-          <p:txBody>
-            <a:bodyPr wrap="square" rtlCol="0">
-              <a:spAutoFit/>
-            </a:bodyPr>
-            <a:lstStyle/>
-            <a:p>
-              <a:pPr algn="ctr"/>
-              <a:r>
-                <a:rPr lang="en-US" sz="1400" b="1" dirty="0" smtClean="0">
-                  <a:latin typeface="Courier"/>
-                  <a:cs typeface="Courier"/>
-                </a:rPr>
-                <a:t>dd1…</a:t>
-              </a:r>
-            </a:p>
-          </p:txBody>
-        </p:sp>
-        <p:sp>
-          <p:nvSpPr>
-            <p:cNvPr id="66" name="TextBox 65"/>
-            <p:cNvSpPr txBox="1"/>
-            <p:nvPr/>
-          </p:nvSpPr>
-          <p:spPr>
-            <a:xfrm>
-              <a:off x="2684020" y="5010944"/>
-              <a:ext cx="673314" cy="307777"/>
-            </a:xfrm>
-            <a:prstGeom prst="rect">
-              <a:avLst/>
-            </a:prstGeom>
-            <a:solidFill>
-              <a:schemeClr val="accent6">
-                <a:lumMod val="40000"/>
-                <a:lumOff val="60000"/>
-              </a:schemeClr>
-            </a:solidFill>
-            <a:ln>
-              <a:solidFill>
-                <a:schemeClr val="tx1"/>
-              </a:solidFill>
-            </a:ln>
-          </p:spPr>
-          <p:txBody>
-            <a:bodyPr wrap="square" rtlCol="0">
-              <a:spAutoFit/>
-            </a:bodyPr>
-            <a:lstStyle/>
-            <a:p>
-              <a:pPr algn="ctr"/>
-              <a:r>
-                <a:rPr lang="en-US" sz="1400" b="1" dirty="0" smtClean="0">
-                  <a:latin typeface="Courier"/>
-                  <a:cs typeface="Courier"/>
-                </a:rPr>
-                <a:t>73e…</a:t>
-              </a:r>
-            </a:p>
-          </p:txBody>
-        </p:sp>
-        <p:sp>
-          <p:nvSpPr>
-            <p:cNvPr id="67" name="TextBox 66"/>
-            <p:cNvSpPr txBox="1"/>
-            <p:nvPr/>
-          </p:nvSpPr>
-          <p:spPr>
-            <a:xfrm>
-              <a:off x="3477877" y="5010944"/>
-              <a:ext cx="673314" cy="307777"/>
-            </a:xfrm>
-            <a:prstGeom prst="rect">
-              <a:avLst/>
-            </a:prstGeom>
-            <a:solidFill>
-              <a:schemeClr val="accent6">
-                <a:lumMod val="40000"/>
-                <a:lumOff val="60000"/>
-              </a:schemeClr>
-            </a:solidFill>
-            <a:ln>
-              <a:solidFill>
-                <a:schemeClr val="tx1"/>
-              </a:solidFill>
-            </a:ln>
-          </p:spPr>
-          <p:txBody>
-            <a:bodyPr wrap="square" rtlCol="0">
-              <a:spAutoFit/>
-            </a:bodyPr>
-            <a:lstStyle/>
-            <a:p>
-              <a:pPr algn="ctr"/>
-              <a:r>
-                <a:rPr lang="en-US" sz="1400" b="1" dirty="0" smtClean="0">
-                  <a:latin typeface="Courier"/>
-                  <a:cs typeface="Courier"/>
-                </a:rPr>
-                <a:t>fa8…</a:t>
-              </a:r>
-            </a:p>
-          </p:txBody>
-        </p:sp>
-        <p:sp>
-          <p:nvSpPr>
-            <p:cNvPr id="68" name="TextBox 67"/>
-            <p:cNvSpPr txBox="1"/>
-            <p:nvPr/>
-          </p:nvSpPr>
-          <p:spPr>
-            <a:xfrm>
-              <a:off x="3477877" y="4549279"/>
-              <a:ext cx="673314" cy="307777"/>
-            </a:xfrm>
-            <a:prstGeom prst="rect">
-              <a:avLst/>
-            </a:prstGeom>
-            <a:solidFill>
-              <a:schemeClr val="accent6">
-                <a:lumMod val="40000"/>
-                <a:lumOff val="60000"/>
-              </a:schemeClr>
-            </a:solidFill>
-            <a:ln>
-              <a:solidFill>
-                <a:schemeClr val="tx1"/>
-              </a:solidFill>
-            </a:ln>
-          </p:spPr>
-          <p:txBody>
-            <a:bodyPr wrap="square" rtlCol="0">
-              <a:spAutoFit/>
-            </a:bodyPr>
-            <a:lstStyle/>
-            <a:p>
-              <a:pPr algn="ctr"/>
-              <a:r>
-                <a:rPr lang="en-US" sz="1400" b="1" dirty="0" smtClean="0">
-                  <a:latin typeface="Courier"/>
-                  <a:cs typeface="Courier"/>
-                </a:rPr>
-                <a:t>91a…</a:t>
-              </a:r>
-            </a:p>
-          </p:txBody>
-        </p:sp>
-        <p:sp>
-          <p:nvSpPr>
-            <p:cNvPr id="69" name="TextBox 68"/>
-            <p:cNvSpPr txBox="1"/>
-            <p:nvPr/>
-          </p:nvSpPr>
-          <p:spPr>
-            <a:xfrm>
-              <a:off x="1084030" y="5370611"/>
-              <a:ext cx="2273304" cy="954107"/>
-            </a:xfrm>
-            <a:prstGeom prst="rect">
-              <a:avLst/>
-            </a:prstGeom>
-            <a:noFill/>
-          </p:spPr>
-          <p:txBody>
-            <a:bodyPr wrap="square" rtlCol="0">
-              <a:spAutoFit/>
-            </a:bodyPr>
-            <a:lstStyle/>
-            <a:p>
-              <a:r>
-                <a:rPr lang="en-US" sz="1400" dirty="0" smtClean="0">
-                  <a:latin typeface="Courier"/>
-                  <a:cs typeface="Courier"/>
-                </a:rPr>
-                <a:t>m</a:t>
-              </a:r>
-              <a:r>
-                <a:rPr lang="en-US" sz="1400" dirty="0" smtClean="0">
-                  <a:latin typeface="Courier"/>
-                  <a:cs typeface="Courier"/>
-                </a:rPr>
-                <a:t>aster: </a:t>
-              </a:r>
-              <a:r>
-                <a:rPr lang="en-US" sz="1400" b="1" dirty="0" smtClean="0">
-                  <a:latin typeface="Courier"/>
-                  <a:cs typeface="Courier"/>
-                </a:rPr>
-                <a:t>d0c…</a:t>
-              </a:r>
-              <a:r>
-                <a:rPr lang="en-US" sz="1400" dirty="0" smtClean="0">
-                  <a:latin typeface="Courier"/>
-                  <a:cs typeface="Courier"/>
-                </a:rPr>
-                <a:t/>
-              </a:r>
-              <a:br>
-                <a:rPr lang="en-US" sz="1400" dirty="0" smtClean="0">
-                  <a:latin typeface="Courier"/>
-                  <a:cs typeface="Courier"/>
-                </a:rPr>
-              </a:br>
-              <a:r>
-                <a:rPr lang="en-US" sz="1400" dirty="0" err="1" smtClean="0">
-                  <a:latin typeface="Courier"/>
-                  <a:cs typeface="Courier"/>
-                </a:rPr>
-                <a:t>alice_branch</a:t>
-              </a:r>
-              <a:r>
-                <a:rPr lang="en-US" sz="1400" dirty="0" smtClean="0">
-                  <a:latin typeface="Courier"/>
-                  <a:cs typeface="Courier"/>
-                </a:rPr>
-                <a:t>: </a:t>
-              </a:r>
-              <a:r>
-                <a:rPr lang="en-US" sz="1400" b="1" dirty="0" smtClean="0">
-                  <a:latin typeface="Courier"/>
-                  <a:cs typeface="Courier"/>
-                </a:rPr>
-                <a:t>dd1…</a:t>
-              </a:r>
-            </a:p>
-            <a:p>
-              <a:r>
-                <a:rPr lang="en-US" sz="1400" dirty="0" err="1" smtClean="0">
-                  <a:latin typeface="Courier"/>
-                  <a:cs typeface="Courier"/>
-                </a:rPr>
-                <a:t>b</a:t>
-              </a:r>
-              <a:r>
-                <a:rPr lang="en-US" sz="1400" dirty="0" err="1" smtClean="0">
-                  <a:latin typeface="Courier"/>
-                  <a:cs typeface="Courier"/>
-                </a:rPr>
-                <a:t>ob_branch</a:t>
-              </a:r>
-              <a:r>
-                <a:rPr lang="en-US" sz="1400" dirty="0" smtClean="0">
-                  <a:latin typeface="Courier"/>
-                  <a:cs typeface="Courier"/>
-                </a:rPr>
-                <a:t>: </a:t>
-              </a:r>
-              <a:r>
-                <a:rPr lang="en-US" sz="1400" b="1" dirty="0" smtClean="0">
-                  <a:latin typeface="Courier"/>
-                  <a:cs typeface="Courier"/>
-                </a:rPr>
-                <a:t>d0c…</a:t>
-              </a:r>
-            </a:p>
-            <a:p>
-              <a:r>
-                <a:rPr lang="en-US" sz="1400" dirty="0" smtClean="0">
-                  <a:latin typeface="Courier"/>
-                  <a:cs typeface="Courier"/>
-                </a:rPr>
-                <a:t>c</a:t>
-              </a:r>
-              <a:r>
-                <a:rPr lang="en-US" sz="1400" dirty="0" smtClean="0">
-                  <a:latin typeface="Courier"/>
-                  <a:cs typeface="Courier"/>
-                </a:rPr>
-                <a:t>urrent:  </a:t>
-              </a:r>
-              <a:r>
-                <a:rPr lang="en-US" sz="1400" b="1" dirty="0" smtClean="0">
-                  <a:latin typeface="Courier"/>
-                  <a:cs typeface="Courier"/>
-                </a:rPr>
-                <a:t>d0c…</a:t>
-              </a:r>
-              <a:endParaRPr lang="en-US" sz="1400" b="1" dirty="0">
-                <a:latin typeface="Courier"/>
-                <a:cs typeface="Courier"/>
-              </a:endParaRPr>
-            </a:p>
-          </p:txBody>
-        </p:sp>
       </p:grpSp>
-      <p:sp>
-        <p:nvSpPr>
-          <p:cNvPr id="70" name="TextBox 69"/>
-          <p:cNvSpPr txBox="1"/>
-          <p:nvPr/>
-        </p:nvSpPr>
-        <p:spPr>
-          <a:xfrm>
-            <a:off x="8243022" y="5001201"/>
-            <a:ext cx="673314" cy="307777"/>
-          </a:xfrm>
-          <a:prstGeom prst="rect">
-            <a:avLst/>
-          </a:prstGeom>
-          <a:solidFill>
-            <a:schemeClr val="accent6">
-              <a:lumMod val="40000"/>
-              <a:lumOff val="60000"/>
-            </a:schemeClr>
-          </a:solidFill>
-          <a:ln>
-            <a:solidFill>
-              <a:schemeClr val="tx1"/>
-            </a:solidFill>
-          </a:ln>
-        </p:spPr>
-        <p:txBody>
-          <a:bodyPr wrap="square" rtlCol="0">
-            <a:spAutoFit/>
-          </a:bodyPr>
-          <a:lstStyle/>
-          <a:p>
-            <a:pPr algn="ctr"/>
-            <a:r>
-              <a:rPr lang="en-US" sz="1400" b="1" dirty="0" smtClean="0">
-                <a:latin typeface="Courier"/>
-                <a:cs typeface="Courier"/>
-              </a:rPr>
-              <a:t>d0c…</a:t>
-            </a:r>
-          </a:p>
-        </p:txBody>
-      </p:sp>
       <p:cxnSp>
         <p:nvCxnSpPr>
           <p:cNvPr id="73" name="Straight Arrow Connector 72"/>
@@ -12562,11 +13772,7 @@
             </a:r>
             <a:r>
               <a:rPr lang="en-US" sz="1400" dirty="0" smtClean="0"/>
-              <a:t> </a:t>
-            </a:r>
-            <a:r>
-              <a:rPr lang="en-US" sz="1400" dirty="0" smtClean="0"/>
-              <a:t>and </a:t>
+              <a:t> and </a:t>
             </a:r>
             <a:r>
               <a:rPr lang="en-US" sz="1400" b="1" dirty="0" smtClean="0">
@@ -12626,27 +13832,7 @@
           <a:p>
             <a:r>
               <a:rPr lang="en-US" dirty="0" smtClean="0"/>
-              <a:t>That’s everything for use case</a:t>
-            </a:r>
-            <a:r>
-              <a:rPr lang="en-US" dirty="0" smtClean="0"/>
-              <a:t> 3 (Collaboration)</a:t>
-            </a:r>
-            <a:r>
-              <a:rPr lang="en-US" dirty="0" smtClean="0"/>
-              <a:t>….  </a:t>
-            </a:r>
-            <a:r>
-              <a:rPr lang="en-US" dirty="0" smtClean="0"/>
-              <a:t> </a:t>
-            </a:r>
-            <a:r>
-              <a:rPr lang="en-US" dirty="0" smtClean="0"/>
-              <a:t>You’re now ready to use VCS like a pro</a:t>
-            </a:r>
-            <a:r>
-              <a:rPr lang="en-US" dirty="0" smtClean="0"/>
-              <a:t>  </a:t>
+              <a:t>That’s everything for use case 3 (Collaboration)….   You’re now ready to use VCS like a pro  </a:t>
             </a:r>
             <a:endParaRPr lang="en-US" dirty="0"/>
           </a:p>
@@ -12655,18 +13841,18 @@
     </p:spTree>
     <p:extLst>
       <p:ext uri="{BB962C8B-B14F-4D97-AF65-F5344CB8AC3E}">
-        <p14:creationId xmlns="" xmlns:a="http://schemas.openxmlformats.org/drawingml/2006/main" xmlns:r="http://schemas.openxmlformats.org/officeDocument/2006/relationships" xmlns:p="http://schemas.openxmlformats.org/presentationml/2006/main" xmlns:p14="http://schemas.microsoft.com/office/powerpoint/2010/main" xmlns:mv="urn:schemas-microsoft-com:mac:vml" xmlns:mc="http://schemas.openxmlformats.org/markup-compatibility/2006" val="1708097681"/>
+        <p14:creationId xmlns:p14="http://schemas.microsoft.com/office/powerpoint/2010/main" val="1708097681"/>
       </p:ext>
     </p:extLst>
   </p:cSld>
   <p:clrMapOvr>
     <a:masterClrMapping/>
   </p:clrMapOvr>
-  <p:transition/>
+  <p:transition xmlns:p14="http://schemas.microsoft.com/office/powerpoint/2010/main"/>
   <p:timing>
     <p:tnLst>
       <p:par>
-        <p:cTn id="1" dur="indefinite" restart="never" nodeType="tmRoot">
+        <p:cTn xmlns:p14="http://schemas.microsoft.com/office/powerpoint/2010/main" id="1" dur="indefinite" restart="never" nodeType="tmRoot">
           <p:childTnLst>
             <p:seq concurrent="1" nextAc="seek">
               <p:cTn id="2" dur="indefinite" nodeType="mainSeq">
@@ -12764,6 +13950,87 @@
                                   </p:childTnLst>
                                 </p:cTn>
                               </p:par>
+                              <p:par>
+                                <p:cTn id="11" presetID="1" presetClass="entr" presetSubtype="0" fill="hold" nodeType="withEffect">
+                                  <p:stCondLst>
+                                    <p:cond delay="0"/>
+                                  </p:stCondLst>
+                                  <p:childTnLst>
+                                    <p:set>
+                                      <p:cBhvr>
+                                        <p:cTn id="12" dur="1" fill="hold">
+                                          <p:stCondLst>
+                                            <p:cond delay="0"/>
+                                          </p:stCondLst>
+                                        </p:cTn>
+                                        <p:tgtEl>
+                                          <p:spTgt spid="73"/>
+                                        </p:tgtEl>
+                                        <p:attrNameLst>
+                                          <p:attrName>style.visibility</p:attrName>
+                                        </p:attrNameLst>
+                                      </p:cBhvr>
+                                      <p:to>
+                                        <p:strVal val="visible"/>
+                                      </p:to>
+                                    </p:set>
+                                  </p:childTnLst>
+                                </p:cTn>
+                              </p:par>
+                              <p:par>
+                                <p:cTn id="13" presetID="1" presetClass="entr" presetSubtype="0" fill="hold" grpId="0" nodeType="withEffect">
+                                  <p:stCondLst>
+                                    <p:cond delay="0"/>
+                                  </p:stCondLst>
+                                  <p:childTnLst>
+                                    <p:set>
+                                      <p:cBhvr>
+                                        <p:cTn id="14" dur="1" fill="hold">
+                                          <p:stCondLst>
+                                            <p:cond delay="0"/>
+                                          </p:stCondLst>
+                                        </p:cTn>
+                                        <p:tgtEl>
+                                          <p:spTgt spid="74"/>
+                                        </p:tgtEl>
+                                        <p:attrNameLst>
+                                          <p:attrName>style.visibility</p:attrName>
+                                        </p:attrNameLst>
+                                      </p:cBhvr>
+                                      <p:to>
+                                        <p:strVal val="visible"/>
+                                      </p:to>
+                                    </p:set>
+                                  </p:childTnLst>
+                                </p:cTn>
+                              </p:par>
+                              <p:par>
+                                <p:cTn id="15" presetID="1" presetClass="entr" presetSubtype="0" fill="hold" nodeType="withEffect">
+                                  <p:stCondLst>
+                                    <p:cond delay="0"/>
+                                  </p:stCondLst>
+                                  <p:childTnLst>
+                                    <p:set>
+                                      <p:cBhvr>
+                                        <p:cTn id="16" dur="1" fill="hold">
+                                          <p:stCondLst>
+                                            <p:cond delay="0"/>
+                                          </p:stCondLst>
+                                        </p:cTn>
+                                        <p:tgtEl>
+                                          <p:spTgt spid="4"/>
+                                        </p:tgtEl>
+                                        <p:attrNameLst>
+                                          <p:attrName>style.visibility</p:attrName>
+                                        </p:attrNameLst>
+                                      </p:cBhvr>
+                                      <p:to>
+                                        <p:strVal val="visible"/>
+                                      </p:to>
+                                    </p:set>
+                                  </p:childTnLst>
+                                </p:cTn>
+                              </p:par>
                             </p:childTnLst>
                           </p:cTn>
                         </p:par>
@@ -12793,13 +14060,14 @@
     </p:tnLst>
     <p:bldLst>
       <p:bldP spid="34" grpId="0" animBg="1"/>
+      <p:bldP spid="74" grpId="0"/>
     </p:bldLst>
   </p:timing>
 </p:sld>
 </file>
 
-<file path=ppt/slides/slide17.xml><?xml version="1.0" encoding="utf-8"?>
-<p:sld xmlns:a="http://schemas.openxmlformats.org/drawingml/2006/main" xmlns:r="http://schemas.openxmlformats.org/officeDocument/2006/relationships" xmlns:mc="http://schemas.openxmlformats.org/markup-compatibility/2006" xmlns:mv="urn:schemas-microsoft-com:mac:vml" xmlns:p="http://schemas.openxmlformats.org/presentationml/2006/main" mc:Ignorable="mv" mc:PreserveAttributes="mv:*">
+<file path=ppt/slides/slide18.xml><?xml version="1.0" encoding="utf-8"?>
+<p:sld xmlns:a="http://schemas.openxmlformats.org/drawingml/2006/main" xmlns:r="http://schemas.openxmlformats.org/officeDocument/2006/relationships" xmlns:p="http://schemas.openxmlformats.org/presentationml/2006/main">
   <p:cSld>
     <p:spTree>
       <p:nvGrpSpPr>
@@ -12847,18 +14115,18 @@
     </p:spTree>
     <p:extLst>
       <p:ext uri="{BB962C8B-B14F-4D97-AF65-F5344CB8AC3E}">
-        <p14:creationId xmlns="" xmlns:a="http://schemas.openxmlformats.org/drawingml/2006/main" xmlns:r="http://schemas.openxmlformats.org/officeDocument/2006/relationships" xmlns:p="http://schemas.openxmlformats.org/presentationml/2006/main" xmlns:p14="http://schemas.microsoft.com/office/powerpoint/2010/main" xmlns:mv="urn:schemas-microsoft-com:mac:vml" xmlns:mc="http://schemas.openxmlformats.org/markup-compatibility/2006" val="1703534084"/>
+        <p14:creationId xmlns:p14="http://schemas.microsoft.com/office/powerpoint/2010/main" val="1703534084"/>
       </p:ext>
     </p:extLst>
   </p:cSld>
   <p:clrMapOvr>
     <a:masterClrMapping/>
   </p:clrMapOvr>
-  <p:transition/>
+  <p:transition xmlns:p14="http://schemas.microsoft.com/office/powerpoint/2010/main"/>
   <p:timing>
     <p:tnLst>
       <p:par>
-        <p:cTn id="1" dur="indefinite" restart="never" nodeType="tmRoot"/>
+        <p:cTn xmlns:p14="http://schemas.microsoft.com/office/powerpoint/2010/main" id="1" dur="indefinite" restart="never" nodeType="tmRoot"/>
       </p:par>
     </p:tnLst>
   </p:timing>
@@ -12866,7 +14134,371 @@
 </file>
 
 <file path=ppt/slides/slide2.xml><?xml version="1.0" encoding="utf-8"?>
-<p:sld xmlns:a="http://schemas.openxmlformats.org/drawingml/2006/main" xmlns:r="http://schemas.openxmlformats.org/officeDocument/2006/relationships" xmlns:mc="http://schemas.openxmlformats.org/markup-compatibility/2006" xmlns:mv="urn:schemas-microsoft-com:mac:vml" xmlns:p="http://schemas.openxmlformats.org/presentationml/2006/main" mc:Ignorable="mv" mc:PreserveAttributes="mv:*">
+<p:sld xmlns:a="http://schemas.openxmlformats.org/drawingml/2006/main" xmlns:r="http://schemas.openxmlformats.org/officeDocument/2006/relationships" xmlns:p="http://schemas.openxmlformats.org/presentationml/2006/main">
+  <p:cSld>
+    <p:spTree>
+      <p:nvGrpSpPr>
+        <p:cNvPr id="1" name=""/>
+        <p:cNvGrpSpPr/>
+        <p:nvPr/>
+      </p:nvGrpSpPr>
+      <p:grpSpPr>
+        <a:xfrm>
+          <a:off x="0" y="0"/>
+          <a:ext cx="0" cy="0"/>
+          <a:chOff x="0" y="0"/>
+          <a:chExt cx="0" cy="0"/>
+        </a:xfrm>
+      </p:grpSpPr>
+      <p:sp>
+        <p:nvSpPr>
+          <p:cNvPr id="4" name="TextBox 3"/>
+          <p:cNvSpPr txBox="1"/>
+          <p:nvPr/>
+        </p:nvSpPr>
+        <p:spPr>
+          <a:xfrm>
+            <a:off x="945815" y="5293632"/>
+            <a:ext cx="7681771" cy="1477328"/>
+          </a:xfrm>
+          <a:prstGeom prst="rect">
+            <a:avLst/>
+          </a:prstGeom>
+          <a:noFill/>
+        </p:spPr>
+        <p:txBody>
+          <a:bodyPr wrap="square" rtlCol="0">
+            <a:spAutoFit/>
+          </a:bodyPr>
+          <a:lstStyle/>
+          <a:p>
+            <a:r>
+              <a:rPr lang="en-US" dirty="0" smtClean="0"/>
+              <a:t>What do VCS help with?  </a:t>
+            </a:r>
+            <a:r>
+              <a:rPr lang="en-US" sz="1400" dirty="0" smtClean="0"/>
+              <a:t>(and how difficult it is)</a:t>
+            </a:r>
+            <a:endParaRPr lang="en-US" dirty="0" smtClean="0"/>
+          </a:p>
+          <a:p>
+            <a:pPr marL="342900" indent="-342900">
+              <a:buFont typeface="+mj-lt"/>
+              <a:buAutoNum type="arabicPeriod"/>
+            </a:pPr>
+            <a:endParaRPr lang="en-US" dirty="0" smtClean="0"/>
+          </a:p>
+          <a:p>
+            <a:pPr marL="342900" indent="-342900">
+              <a:buFont typeface="+mj-lt"/>
+              <a:buAutoNum type="arabicPeriod"/>
+            </a:pPr>
+            <a:r>
+              <a:rPr lang="en-US" dirty="0" smtClean="0"/>
+              <a:t>Tracking and logging modifications           </a:t>
+            </a:r>
+            <a:r>
+              <a:rPr lang="en-US" sz="1400" dirty="0" smtClean="0">
+                <a:solidFill>
+                  <a:prstClr val="black"/>
+                </a:solidFill>
+              </a:rPr>
+              <a:t>(simple)</a:t>
+            </a:r>
+            <a:endParaRPr lang="en-US" dirty="0" smtClean="0"/>
+          </a:p>
+          <a:p>
+            <a:pPr marL="342900" indent="-342900">
+              <a:buFont typeface="+mj-lt"/>
+              <a:buAutoNum type="arabicPeriod"/>
+            </a:pPr>
+            <a:r>
+              <a:rPr lang="en-US" dirty="0" smtClean="0"/>
+              <a:t>Backup of a complete project history       </a:t>
+            </a:r>
+            <a:r>
+              <a:rPr lang="en-US" sz="1400" dirty="0" smtClean="0">
+                <a:solidFill>
+                  <a:prstClr val="black"/>
+                </a:solidFill>
+              </a:rPr>
+              <a:t>(still simple)</a:t>
+            </a:r>
+            <a:endParaRPr lang="en-US" dirty="0" smtClean="0"/>
+          </a:p>
+          <a:p>
+            <a:pPr marL="342900" indent="-342900">
+              <a:buFont typeface="+mj-lt"/>
+              <a:buAutoNum type="arabicPeriod"/>
+            </a:pPr>
+            <a:r>
+              <a:rPr lang="en-US" dirty="0" smtClean="0"/>
+              <a:t>Collaboration of 2-∞ people on the same project     </a:t>
+            </a:r>
+            <a:r>
+              <a:rPr lang="en-US" sz="1400" dirty="0" smtClean="0">
+                <a:solidFill>
+                  <a:prstClr val="black"/>
+                </a:solidFill>
+              </a:rPr>
+              <a:t>(complicated    …but only a bit)</a:t>
+            </a:r>
+            <a:endParaRPr lang="en-US" dirty="0"/>
+          </a:p>
+        </p:txBody>
+      </p:sp>
+      <p:sp>
+        <p:nvSpPr>
+          <p:cNvPr id="5" name="TextBox 4"/>
+          <p:cNvSpPr txBox="1"/>
+          <p:nvPr/>
+        </p:nvSpPr>
+        <p:spPr>
+          <a:xfrm>
+            <a:off x="945815" y="0"/>
+            <a:ext cx="7147655" cy="1200329"/>
+          </a:xfrm>
+          <a:prstGeom prst="rect">
+            <a:avLst/>
+          </a:prstGeom>
+          <a:noFill/>
+        </p:spPr>
+        <p:txBody>
+          <a:bodyPr wrap="square" rtlCol="0">
+            <a:spAutoFit/>
+          </a:bodyPr>
+          <a:lstStyle/>
+          <a:p>
+            <a:r>
+              <a:rPr lang="en-US" dirty="0" smtClean="0"/>
+              <a:t>What is version control?  What are version VCS (Version Control Systems)?</a:t>
+            </a:r>
+            <a:br>
+              <a:rPr lang="en-US" dirty="0" smtClean="0"/>
+            </a:br>
+            <a:endParaRPr lang="en-US" dirty="0" smtClean="0"/>
+          </a:p>
+          <a:p>
+            <a:r>
+              <a:rPr lang="en-US" dirty="0" smtClean="0"/>
+              <a:t>	-&gt;software to automatically manage, save and restore changes to a 	set of files </a:t>
+            </a:r>
+          </a:p>
+        </p:txBody>
+      </p:sp>
+      <p:pic>
+        <p:nvPicPr>
+          <p:cNvPr id="7" name="Picture 6" descr="esterase_chaos.png"/>
+          <p:cNvPicPr>
+            <a:picLocks noChangeAspect="1"/>
+          </p:cNvPicPr>
+          <p:nvPr/>
+        </p:nvPicPr>
+        <p:blipFill>
+          <a:blip r:embed="rId2"/>
+          <a:srcRect b="22140"/>
+          <a:stretch>
+            <a:fillRect/>
+          </a:stretch>
+        </p:blipFill>
+        <p:spPr>
+          <a:xfrm>
+            <a:off x="0" y="1272691"/>
+            <a:ext cx="6059061" cy="3328028"/>
+          </a:xfrm>
+          <a:prstGeom prst="rect">
+            <a:avLst/>
+          </a:prstGeom>
+          <a:ln>
+            <a:solidFill>
+              <a:schemeClr val="tx1"/>
+            </a:solidFill>
+          </a:ln>
+        </p:spPr>
+      </p:pic>
+      <p:pic>
+        <p:nvPicPr>
+          <p:cNvPr id="8" name="Picture 7" descr="ideal.png"/>
+          <p:cNvPicPr>
+            <a:picLocks noChangeAspect="1"/>
+          </p:cNvPicPr>
+          <p:nvPr/>
+        </p:nvPicPr>
+        <p:blipFill>
+          <a:blip r:embed="rId3"/>
+          <a:stretch>
+            <a:fillRect/>
+          </a:stretch>
+        </p:blipFill>
+        <p:spPr>
+          <a:xfrm>
+            <a:off x="6360610" y="1272691"/>
+            <a:ext cx="2514600" cy="3302000"/>
+          </a:xfrm>
+          <a:prstGeom prst="rect">
+            <a:avLst/>
+          </a:prstGeom>
+          <a:ln>
+            <a:solidFill>
+              <a:schemeClr val="tx1"/>
+            </a:solidFill>
+          </a:ln>
+        </p:spPr>
+      </p:pic>
+      <p:sp>
+        <p:nvSpPr>
+          <p:cNvPr id="9" name="TextBox 8"/>
+          <p:cNvSpPr txBox="1"/>
+          <p:nvPr/>
+        </p:nvSpPr>
+        <p:spPr>
+          <a:xfrm>
+            <a:off x="1197059" y="4647053"/>
+            <a:ext cx="2467110" cy="369332"/>
+          </a:xfrm>
+          <a:prstGeom prst="rect">
+            <a:avLst/>
+          </a:prstGeom>
+          <a:noFill/>
+        </p:spPr>
+        <p:txBody>
+          <a:bodyPr wrap="square" rtlCol="0">
+            <a:spAutoFit/>
+          </a:bodyPr>
+          <a:lstStyle/>
+          <a:p>
+            <a:r>
+              <a:rPr lang="en-US" i="1" dirty="0" smtClean="0"/>
+              <a:t>without VCS</a:t>
+            </a:r>
+            <a:endParaRPr lang="en-US" i="1" dirty="0"/>
+          </a:p>
+        </p:txBody>
+      </p:sp>
+      <p:sp>
+        <p:nvSpPr>
+          <p:cNvPr id="10" name="TextBox 9"/>
+          <p:cNvSpPr txBox="1"/>
+          <p:nvPr/>
+        </p:nvSpPr>
+        <p:spPr>
+          <a:xfrm>
+            <a:off x="7050970" y="4647053"/>
+            <a:ext cx="1824239" cy="369332"/>
+          </a:xfrm>
+          <a:prstGeom prst="rect">
+            <a:avLst/>
+          </a:prstGeom>
+          <a:noFill/>
+        </p:spPr>
+        <p:txBody>
+          <a:bodyPr wrap="square" rtlCol="0">
+            <a:spAutoFit/>
+          </a:bodyPr>
+          <a:lstStyle/>
+          <a:p>
+            <a:r>
+              <a:rPr lang="en-US" i="1" dirty="0" smtClean="0"/>
+              <a:t>with VCS</a:t>
+            </a:r>
+            <a:endParaRPr lang="en-US" i="1" dirty="0"/>
+          </a:p>
+        </p:txBody>
+      </p:sp>
+    </p:spTree>
+    <p:extLst>
+      <p:ext uri="{BB962C8B-B14F-4D97-AF65-F5344CB8AC3E}">
+        <p14:creationId xmlns:p14="http://schemas.microsoft.com/office/powerpoint/2010/main" val="133045856"/>
+      </p:ext>
+    </p:extLst>
+  </p:cSld>
+  <p:clrMapOvr>
+    <a:masterClrMapping/>
+  </p:clrMapOvr>
+  <p:timing>
+    <p:tnLst>
+      <p:par>
+        <p:cTn xmlns:p14="http://schemas.microsoft.com/office/powerpoint/2010/main" id="1" dur="indefinite" restart="never" nodeType="tmRoot">
+          <p:childTnLst>
+            <p:seq concurrent="1" nextAc="seek">
+              <p:cTn id="2" dur="indefinite" nodeType="mainSeq">
+                <p:childTnLst>
+                  <p:par>
+                    <p:cTn id="3" fill="hold">
+                      <p:stCondLst>
+                        <p:cond delay="indefinite"/>
+                      </p:stCondLst>
+                      <p:childTnLst>
+                        <p:par>
+                          <p:cTn id="4" fill="hold">
+                            <p:stCondLst>
+                              <p:cond delay="0"/>
+                            </p:stCondLst>
+                            <p:childTnLst>
+                              <p:par>
+                                <p:cTn id="5" presetID="1" presetClass="entr" presetSubtype="0" fill="hold" grpId="0" nodeType="clickEffect">
+                                  <p:stCondLst>
+                                    <p:cond delay="0"/>
+                                  </p:stCondLst>
+                                  <p:childTnLst>
+                                    <p:set>
+                                      <p:cBhvr>
+                                        <p:cTn id="6" dur="1" fill="hold">
+                                          <p:stCondLst>
+                                            <p:cond delay="0"/>
+                                          </p:stCondLst>
+                                        </p:cTn>
+                                        <p:tgtEl>
+                                          <p:spTgt spid="4"/>
+                                        </p:tgtEl>
+                                        <p:attrNameLst>
+                                          <p:attrName>style.visibility</p:attrName>
+                                        </p:attrNameLst>
+                                      </p:cBhvr>
+                                      <p:to>
+                                        <p:strVal val="visible"/>
+                                      </p:to>
+                                    </p:set>
+                                  </p:childTnLst>
+                                </p:cTn>
+                              </p:par>
+                            </p:childTnLst>
+                          </p:cTn>
+                        </p:par>
+                      </p:childTnLst>
+                    </p:cTn>
+                  </p:par>
+                </p:childTnLst>
+              </p:cTn>
+              <p:prevCondLst>
+                <p:cond evt="onPrev" delay="0">
+                  <p:tgtEl>
+                    <p:sldTgt/>
+                  </p:tgtEl>
+                </p:cond>
+              </p:prevCondLst>
+              <p:nextCondLst>
+                <p:cond evt="onNext" delay="0">
+                  <p:tgtEl>
+                    <p:sldTgt/>
+                  </p:tgtEl>
+                </p:cond>
+              </p:nextCondLst>
+            </p:seq>
+          </p:childTnLst>
+        </p:cTn>
+      </p:par>
+    </p:tnLst>
+    <p:bldLst>
+      <p:bldP spid="4" grpId="0"/>
+    </p:bldLst>
+  </p:timing>
+</p:sld>
+</file>
+
+<file path=ppt/slides/slide3.xml><?xml version="1.0" encoding="utf-8"?>
+<p:sld xmlns:a="http://schemas.openxmlformats.org/drawingml/2006/main" xmlns:r="http://schemas.openxmlformats.org/officeDocument/2006/relationships" xmlns:p="http://schemas.openxmlformats.org/presentationml/2006/main">
   <p:cSld>
     <p:spTree>
       <p:nvGrpSpPr>
@@ -13018,7 +14650,11 @@
             </a:r>
             <a:r>
               <a:rPr lang="en-US" i="1" dirty="0" smtClean="0"/>
-              <a:t>i.e. my paper on March 12, 2012, 8:26 PM)</a:t>
+              <a:t>i.e. my paper on March 12, 2012, 8:26 </a:t>
+            </a:r>
+            <a:r>
+              <a:rPr lang="en-US" i="1" dirty="0" smtClean="0"/>
+              <a:t>PM</a:t>
             </a:r>
             <a:endParaRPr lang="en-US" dirty="0" smtClean="0"/>
           </a:p>
@@ -13123,15 +14759,15 @@
   <p:timing>
     <p:tnLst>
       <p:par>
-        <p:cTn id="1" dur="indefinite" restart="never" nodeType="tmRoot"/>
+        <p:cTn xmlns:p14="http://schemas.microsoft.com/office/powerpoint/2010/main" id="1" dur="indefinite" restart="never" nodeType="tmRoot"/>
       </p:par>
     </p:tnLst>
   </p:timing>
 </p:sld>
 </file>
 
-<file path=ppt/slides/slide3.xml><?xml version="1.0" encoding="utf-8"?>
-<p:sld xmlns:a="http://schemas.openxmlformats.org/drawingml/2006/main" xmlns:r="http://schemas.openxmlformats.org/officeDocument/2006/relationships" xmlns:mc="http://schemas.openxmlformats.org/markup-compatibility/2006" xmlns:mv="urn:schemas-microsoft-com:mac:vml" xmlns:p="http://schemas.openxmlformats.org/presentationml/2006/main" mc:Ignorable="mv" mc:PreserveAttributes="mv:*">
+<file path=ppt/slides/slide4.xml><?xml version="1.0" encoding="utf-8"?>
+<p:sld xmlns:a="http://schemas.openxmlformats.org/drawingml/2006/main" xmlns:r="http://schemas.openxmlformats.org/officeDocument/2006/relationships" xmlns:p="http://schemas.openxmlformats.org/presentationml/2006/main">
   <p:cSld>
     <p:spTree>
       <p:nvGrpSpPr>
@@ -13215,11 +14851,7 @@
             </a:r>
             <a:r>
               <a:rPr lang="en-US" dirty="0" smtClean="0"/>
-              <a:t> and copies all initial files to </a:t>
-            </a:r>
-            <a:r>
-              <a:rPr lang="en-US" dirty="0" smtClean="0"/>
-              <a:t>it</a:t>
+              <a:t> and copies all initial files to it</a:t>
             </a:r>
           </a:p>
           <a:p>
@@ -13453,14 +15085,7 @@
                 <a:latin typeface="Courier"/>
                 <a:cs typeface="Courier"/>
               </a:rPr>
-              <a:t>f</a:t>
-            </a:r>
-            <a:r>
-              <a:rPr lang="en-US" sz="1400" dirty="0" smtClean="0">
-                <a:latin typeface="Courier"/>
-                <a:cs typeface="Courier"/>
-              </a:rPr>
-              <a:t>igures/fig1</a:t>
+              <a:t>figures/fig1</a:t>
             </a:r>
             <a:endParaRPr lang="en-US" sz="1400" dirty="0">
               <a:latin typeface="Courier"/>
@@ -13524,14 +15149,7 @@
                 <a:latin typeface="Courier"/>
                 <a:cs typeface="Courier"/>
               </a:rPr>
-              <a:t>f</a:t>
-            </a:r>
-            <a:r>
-              <a:rPr lang="en-US" sz="1400" dirty="0" smtClean="0">
-                <a:latin typeface="Courier"/>
-                <a:cs typeface="Courier"/>
-              </a:rPr>
-              <a:t>igures/fig1</a:t>
+              <a:t>figures/fig1</a:t>
             </a:r>
             <a:br>
               <a:rPr lang="en-US" sz="1400" dirty="0" smtClean="0">
@@ -13608,14 +15226,7 @@
                 <a:latin typeface="Courier"/>
                 <a:cs typeface="Courier"/>
               </a:rPr>
-              <a:t>f</a:t>
-            </a:r>
-            <a:r>
-              <a:rPr lang="en-US" sz="1400" dirty="0" smtClean="0">
-                <a:latin typeface="Courier"/>
-                <a:cs typeface="Courier"/>
-              </a:rPr>
-              <a:t>igures/fig1</a:t>
+              <a:t>figures/fig1</a:t>
             </a:r>
             <a:br>
               <a:rPr lang="en-US" sz="1400" dirty="0" smtClean="0">
@@ -13789,14 +15400,7 @@
                 <a:latin typeface="Courier"/>
                 <a:cs typeface="Courier"/>
               </a:rPr>
-              <a:t>M</a:t>
-            </a:r>
-            <a:r>
-              <a:rPr lang="en-US" sz="1400" dirty="0" smtClean="0">
-                <a:latin typeface="Courier"/>
-                <a:cs typeface="Courier"/>
-              </a:rPr>
-              <a:t>anuscript</a:t>
+              <a:t>Manuscript</a:t>
             </a:r>
             <a:endParaRPr lang="en-US" sz="1400" dirty="0">
               <a:latin typeface="Courier"/>
@@ -13949,19 +15553,318 @@
   <p:clrMapOvr>
     <a:masterClrMapping/>
   </p:clrMapOvr>
-  <p:transition/>
+  <p:transition xmlns:p14="http://schemas.microsoft.com/office/powerpoint/2010/main"/>
   <p:timing>
     <p:tnLst>
       <p:par>
-        <p:cTn id="1" dur="indefinite" restart="never" nodeType="tmRoot"/>
+        <p:cTn xmlns:p14="http://schemas.microsoft.com/office/powerpoint/2010/main" id="1" dur="indefinite" restart="never" nodeType="tmRoot">
+          <p:childTnLst>
+            <p:seq concurrent="1" nextAc="seek">
+              <p:cTn id="2" dur="indefinite" nodeType="mainSeq">
+                <p:childTnLst>
+                  <p:par>
+                    <p:cTn id="3" fill="hold">
+                      <p:stCondLst>
+                        <p:cond delay="indefinite"/>
+                      </p:stCondLst>
+                      <p:childTnLst>
+                        <p:par>
+                          <p:cTn id="4" fill="hold">
+                            <p:stCondLst>
+                              <p:cond delay="0"/>
+                            </p:stCondLst>
+                            <p:childTnLst>
+                              <p:par>
+                                <p:cTn id="5" presetID="1" presetClass="entr" presetSubtype="0" fill="hold" grpId="0" nodeType="clickEffect">
+                                  <p:stCondLst>
+                                    <p:cond delay="0"/>
+                                  </p:stCondLst>
+                                  <p:childTnLst>
+                                    <p:set>
+                                      <p:cBhvr>
+                                        <p:cTn id="6" dur="1" fill="hold">
+                                          <p:stCondLst>
+                                            <p:cond delay="0"/>
+                                          </p:stCondLst>
+                                        </p:cTn>
+                                        <p:tgtEl>
+                                          <p:spTgt spid="9"/>
+                                        </p:tgtEl>
+                                        <p:attrNameLst>
+                                          <p:attrName>style.visibility</p:attrName>
+                                        </p:attrNameLst>
+                                      </p:cBhvr>
+                                      <p:to>
+                                        <p:strVal val="visible"/>
+                                      </p:to>
+                                    </p:set>
+                                  </p:childTnLst>
+                                </p:cTn>
+                              </p:par>
+                              <p:par>
+                                <p:cTn id="7" presetID="1" presetClass="entr" presetSubtype="0" fill="hold" grpId="0" nodeType="withEffect">
+                                  <p:stCondLst>
+                                    <p:cond delay="0"/>
+                                  </p:stCondLst>
+                                  <p:childTnLst>
+                                    <p:set>
+                                      <p:cBhvr>
+                                        <p:cTn id="8" dur="1" fill="hold">
+                                          <p:stCondLst>
+                                            <p:cond delay="0"/>
+                                          </p:stCondLst>
+                                        </p:cTn>
+                                        <p:tgtEl>
+                                          <p:spTgt spid="19"/>
+                                        </p:tgtEl>
+                                        <p:attrNameLst>
+                                          <p:attrName>style.visibility</p:attrName>
+                                        </p:attrNameLst>
+                                      </p:cBhvr>
+                                      <p:to>
+                                        <p:strVal val="visible"/>
+                                      </p:to>
+                                    </p:set>
+                                  </p:childTnLst>
+                                </p:cTn>
+                              </p:par>
+                              <p:par>
+                                <p:cTn id="9" presetID="1" presetClass="entr" presetSubtype="0" fill="hold" nodeType="withEffect">
+                                  <p:stCondLst>
+                                    <p:cond delay="0"/>
+                                  </p:stCondLst>
+                                  <p:childTnLst>
+                                    <p:set>
+                                      <p:cBhvr>
+                                        <p:cTn id="10" dur="1" fill="hold">
+                                          <p:stCondLst>
+                                            <p:cond delay="0"/>
+                                          </p:stCondLst>
+                                        </p:cTn>
+                                        <p:tgtEl>
+                                          <p:spTgt spid="12"/>
+                                        </p:tgtEl>
+                                        <p:attrNameLst>
+                                          <p:attrName>style.visibility</p:attrName>
+                                        </p:attrNameLst>
+                                      </p:cBhvr>
+                                      <p:to>
+                                        <p:strVal val="visible"/>
+                                      </p:to>
+                                    </p:set>
+                                  </p:childTnLst>
+                                </p:cTn>
+                              </p:par>
+                            </p:childTnLst>
+                          </p:cTn>
+                        </p:par>
+                      </p:childTnLst>
+                    </p:cTn>
+                  </p:par>
+                  <p:par>
+                    <p:cTn id="11" fill="hold">
+                      <p:stCondLst>
+                        <p:cond delay="indefinite"/>
+                      </p:stCondLst>
+                      <p:childTnLst>
+                        <p:par>
+                          <p:cTn id="12" fill="hold">
+                            <p:stCondLst>
+                              <p:cond delay="0"/>
+                            </p:stCondLst>
+                            <p:childTnLst>
+                              <p:par>
+                                <p:cTn id="13" presetID="1" presetClass="entr" presetSubtype="0" fill="hold" nodeType="clickEffect">
+                                  <p:stCondLst>
+                                    <p:cond delay="0"/>
+                                  </p:stCondLst>
+                                  <p:childTnLst>
+                                    <p:set>
+                                      <p:cBhvr>
+                                        <p:cTn id="14" dur="1" fill="hold">
+                                          <p:stCondLst>
+                                            <p:cond delay="0"/>
+                                          </p:stCondLst>
+                                        </p:cTn>
+                                        <p:tgtEl>
+                                          <p:spTgt spid="15"/>
+                                        </p:tgtEl>
+                                        <p:attrNameLst>
+                                          <p:attrName>style.visibility</p:attrName>
+                                        </p:attrNameLst>
+                                      </p:cBhvr>
+                                      <p:to>
+                                        <p:strVal val="visible"/>
+                                      </p:to>
+                                    </p:set>
+                                  </p:childTnLst>
+                                </p:cTn>
+                              </p:par>
+                              <p:par>
+                                <p:cTn id="15" presetID="1" presetClass="entr" presetSubtype="0" fill="hold" grpId="0" nodeType="withEffect">
+                                  <p:stCondLst>
+                                    <p:cond delay="0"/>
+                                  </p:stCondLst>
+                                  <p:childTnLst>
+                                    <p:set>
+                                      <p:cBhvr>
+                                        <p:cTn id="16" dur="1" fill="hold">
+                                          <p:stCondLst>
+                                            <p:cond delay="0"/>
+                                          </p:stCondLst>
+                                        </p:cTn>
+                                        <p:tgtEl>
+                                          <p:spTgt spid="21"/>
+                                        </p:tgtEl>
+                                        <p:attrNameLst>
+                                          <p:attrName>style.visibility</p:attrName>
+                                        </p:attrNameLst>
+                                      </p:cBhvr>
+                                      <p:to>
+                                        <p:strVal val="visible"/>
+                                      </p:to>
+                                    </p:set>
+                                  </p:childTnLst>
+                                </p:cTn>
+                              </p:par>
+                              <p:par>
+                                <p:cTn id="17" presetID="1" presetClass="entr" presetSubtype="0" fill="hold" grpId="0" nodeType="withEffect">
+                                  <p:stCondLst>
+                                    <p:cond delay="0"/>
+                                  </p:stCondLst>
+                                  <p:childTnLst>
+                                    <p:set>
+                                      <p:cBhvr>
+                                        <p:cTn id="18" dur="1" fill="hold">
+                                          <p:stCondLst>
+                                            <p:cond delay="0"/>
+                                          </p:stCondLst>
+                                        </p:cTn>
+                                        <p:tgtEl>
+                                          <p:spTgt spid="10"/>
+                                        </p:tgtEl>
+                                        <p:attrNameLst>
+                                          <p:attrName>style.visibility</p:attrName>
+                                        </p:attrNameLst>
+                                      </p:cBhvr>
+                                      <p:to>
+                                        <p:strVal val="visible"/>
+                                      </p:to>
+                                    </p:set>
+                                  </p:childTnLst>
+                                </p:cTn>
+                              </p:par>
+                            </p:childTnLst>
+                          </p:cTn>
+                        </p:par>
+                      </p:childTnLst>
+                    </p:cTn>
+                  </p:par>
+                  <p:par>
+                    <p:cTn id="19" fill="hold">
+                      <p:stCondLst>
+                        <p:cond delay="indefinite"/>
+                      </p:stCondLst>
+                      <p:childTnLst>
+                        <p:par>
+                          <p:cTn id="20" fill="hold">
+                            <p:stCondLst>
+                              <p:cond delay="0"/>
+                            </p:stCondLst>
+                            <p:childTnLst>
+                              <p:par>
+                                <p:cTn id="21" presetID="1" presetClass="entr" presetSubtype="0" fill="hold" nodeType="clickEffect">
+                                  <p:stCondLst>
+                                    <p:cond delay="0"/>
+                                  </p:stCondLst>
+                                  <p:childTnLst>
+                                    <p:set>
+                                      <p:cBhvr>
+                                        <p:cTn id="22" dur="1" fill="hold">
+                                          <p:stCondLst>
+                                            <p:cond delay="0"/>
+                                          </p:stCondLst>
+                                        </p:cTn>
+                                        <p:tgtEl>
+                                          <p:spTgt spid="25"/>
+                                        </p:tgtEl>
+                                        <p:attrNameLst>
+                                          <p:attrName>style.visibility</p:attrName>
+                                        </p:attrNameLst>
+                                      </p:cBhvr>
+                                      <p:to>
+                                        <p:strVal val="visible"/>
+                                      </p:to>
+                                    </p:set>
+                                  </p:childTnLst>
+                                </p:cTn>
+                              </p:par>
+                              <p:par>
+                                <p:cTn id="23" presetID="1" presetClass="entr" presetSubtype="0" fill="hold" nodeType="withEffect">
+                                  <p:stCondLst>
+                                    <p:cond delay="0"/>
+                                  </p:stCondLst>
+                                  <p:childTnLst>
+                                    <p:set>
+                                      <p:cBhvr>
+                                        <p:cTn id="24" dur="1" fill="hold">
+                                          <p:stCondLst>
+                                            <p:cond delay="0"/>
+                                          </p:stCondLst>
+                                        </p:cTn>
+                                        <p:tgtEl>
+                                          <p:spTgt spid="29"/>
+                                        </p:tgtEl>
+                                        <p:attrNameLst>
+                                          <p:attrName>style.visibility</p:attrName>
+                                        </p:attrNameLst>
+                                      </p:cBhvr>
+                                      <p:to>
+                                        <p:strVal val="visible"/>
+                                      </p:to>
+                                    </p:set>
+                                  </p:childTnLst>
+                                </p:cTn>
+                              </p:par>
+                            </p:childTnLst>
+                          </p:cTn>
+                        </p:par>
+                      </p:childTnLst>
+                    </p:cTn>
+                  </p:par>
+                </p:childTnLst>
+              </p:cTn>
+              <p:prevCondLst>
+                <p:cond evt="onPrev" delay="0">
+                  <p:tgtEl>
+                    <p:sldTgt/>
+                  </p:tgtEl>
+                </p:cond>
+              </p:prevCondLst>
+              <p:nextCondLst>
+                <p:cond evt="onNext" delay="0">
+                  <p:tgtEl>
+                    <p:sldTgt/>
+                  </p:tgtEl>
+                </p:cond>
+              </p:nextCondLst>
+            </p:seq>
+          </p:childTnLst>
+        </p:cTn>
       </p:par>
     </p:tnLst>
+    <p:bldLst>
+      <p:bldP spid="9" grpId="0" animBg="1"/>
+      <p:bldP spid="10" grpId="0" animBg="1"/>
+      <p:bldP spid="19" grpId="0"/>
+      <p:bldP spid="21" grpId="0"/>
+    </p:bldLst>
   </p:timing>
 </p:sld>
 </file>
 
-<file path=ppt/slides/slide4.xml><?xml version="1.0" encoding="utf-8"?>
-<p:sld xmlns:a="http://schemas.openxmlformats.org/drawingml/2006/main" xmlns:r="http://schemas.openxmlformats.org/officeDocument/2006/relationships" xmlns:mc="http://schemas.openxmlformats.org/markup-compatibility/2006" xmlns:mv="urn:schemas-microsoft-com:mac:vml" xmlns:p="http://schemas.openxmlformats.org/presentationml/2006/main" mc:Ignorable="mv" mc:PreserveAttributes="mv:*">
+<file path=ppt/slides/slide5.xml><?xml version="1.0" encoding="utf-8"?>
+<p:sld xmlns:a="http://schemas.openxmlformats.org/drawingml/2006/main" xmlns:r="http://schemas.openxmlformats.org/officeDocument/2006/relationships" xmlns:p="http://schemas.openxmlformats.org/presentationml/2006/main">
   <p:cSld>
     <p:spTree>
       <p:nvGrpSpPr>
@@ -14413,14 +16316,7 @@
                     <a:latin typeface="Courier"/>
                     <a:cs typeface="Courier"/>
                   </a:rPr>
-                  <a:t>f</a:t>
-                </a:r>
-                <a:r>
-                  <a:rPr lang="en-US" sz="1400" dirty="0" smtClean="0">
-                    <a:latin typeface="Courier"/>
-                    <a:cs typeface="Courier"/>
-                  </a:rPr>
-                  <a:t>igures/fig1</a:t>
+                  <a:t>figures/fig1</a:t>
                 </a:r>
                 <a:endParaRPr lang="en-US" sz="1400" dirty="0">
                   <a:latin typeface="Courier"/>
@@ -14484,14 +16380,7 @@
                     <a:latin typeface="Courier"/>
                     <a:cs typeface="Courier"/>
                   </a:rPr>
-                  <a:t>f</a:t>
-                </a:r>
-                <a:r>
-                  <a:rPr lang="en-US" sz="1400" dirty="0" smtClean="0">
-                    <a:latin typeface="Courier"/>
-                    <a:cs typeface="Courier"/>
-                  </a:rPr>
-                  <a:t>igures/fig1</a:t>
+                  <a:t>figures/fig1</a:t>
                 </a:r>
                 <a:br>
                   <a:rPr lang="en-US" sz="1400" dirty="0" smtClean="0">
@@ -14568,14 +16457,7 @@
                     <a:latin typeface="Courier"/>
                     <a:cs typeface="Courier"/>
                   </a:rPr>
-                  <a:t>f</a:t>
-                </a:r>
-                <a:r>
-                  <a:rPr lang="en-US" sz="1400" dirty="0" smtClean="0">
-                    <a:latin typeface="Courier"/>
-                    <a:cs typeface="Courier"/>
-                  </a:rPr>
-                  <a:t>igures/fig1</a:t>
+                  <a:t>figures/fig1</a:t>
                 </a:r>
                 <a:br>
                   <a:rPr lang="en-US" sz="1400" dirty="0" smtClean="0">
@@ -14669,14 +16551,7 @@
                   <a:latin typeface="Courier"/>
                   <a:cs typeface="Courier"/>
                 </a:rPr>
-                <a:t>c</a:t>
-              </a:r>
-              <a:r>
-                <a:rPr lang="en-US" sz="1400" dirty="0" smtClean="0">
-                  <a:latin typeface="Courier"/>
-                  <a:cs typeface="Courier"/>
-                </a:rPr>
-                <a:t>urrent: </a:t>
+                <a:t>current: </a:t>
               </a:r>
               <a:r>
                 <a:rPr lang="en-US" sz="1400" b="1" dirty="0" smtClean="0">
@@ -14698,19 +16573,19 @@
   <p:clrMapOvr>
     <a:masterClrMapping/>
   </p:clrMapOvr>
-  <p:transition/>
+  <p:transition xmlns:p14="http://schemas.microsoft.com/office/powerpoint/2010/main"/>
   <p:timing>
     <p:tnLst>
       <p:par>
-        <p:cTn id="1" dur="indefinite" restart="never" nodeType="tmRoot"/>
+        <p:cTn xmlns:p14="http://schemas.microsoft.com/office/powerpoint/2010/main" id="1" dur="indefinite" restart="never" nodeType="tmRoot"/>
       </p:par>
     </p:tnLst>
   </p:timing>
 </p:sld>
 </file>
 
-<file path=ppt/slides/slide5.xml><?xml version="1.0" encoding="utf-8"?>
-<p:sld xmlns:a="http://schemas.openxmlformats.org/drawingml/2006/main" xmlns:r="http://schemas.openxmlformats.org/officeDocument/2006/relationships" xmlns:mc="http://schemas.openxmlformats.org/markup-compatibility/2006" xmlns:mv="urn:schemas-microsoft-com:mac:vml" xmlns:p="http://schemas.openxmlformats.org/presentationml/2006/main" mc:Ignorable="mv" mc:PreserveAttributes="mv:*">
+<file path=ppt/slides/slide6.xml><?xml version="1.0" encoding="utf-8"?>
+<p:sld xmlns:a="http://schemas.openxmlformats.org/drawingml/2006/main" xmlns:r="http://schemas.openxmlformats.org/officeDocument/2006/relationships" xmlns:p="http://schemas.openxmlformats.org/presentationml/2006/main">
   <p:cSld>
     <p:spTree>
       <p:nvGrpSpPr>
@@ -14813,27 +16688,7 @@
             </a:pPr>
             <a:r>
               <a:rPr lang="en-US" dirty="0" smtClean="0"/>
-              <a:t>The </a:t>
-            </a:r>
-            <a:r>
-              <a:rPr lang="en-US" dirty="0" smtClean="0"/>
-              <a:t>VCS can</a:t>
-            </a:r>
-            <a:r>
-              <a:rPr lang="en-US" dirty="0" smtClean="0"/>
-              <a:t> </a:t>
-            </a:r>
-            <a:r>
-              <a:rPr lang="en-US" dirty="0" smtClean="0"/>
-              <a:t>also</a:t>
-            </a:r>
-            <a:r>
-              <a:rPr lang="en-US" dirty="0" smtClean="0"/>
-              <a:t> </a:t>
-            </a:r>
-            <a:r>
-              <a:rPr lang="en-US" dirty="0" smtClean="0"/>
-              <a:t>restore the repository to any of the </a:t>
+              <a:t>The VCS can also restore the repository to any of the </a:t>
             </a:r>
             <a:r>
               <a:rPr lang="en-US" dirty="0" err="1" smtClean="0"/>
@@ -14930,19 +16785,19 @@
   <p:clrMapOvr>
     <a:masterClrMapping/>
   </p:clrMapOvr>
-  <p:transition/>
+  <p:transition xmlns:p14="http://schemas.microsoft.com/office/powerpoint/2010/main"/>
   <p:timing>
     <p:tnLst>
       <p:par>
-        <p:cTn id="1" dur="indefinite" restart="never" nodeType="tmRoot"/>
+        <p:cTn xmlns:p14="http://schemas.microsoft.com/office/powerpoint/2010/main" id="1" dur="indefinite" restart="never" nodeType="tmRoot"/>
       </p:par>
     </p:tnLst>
   </p:timing>
 </p:sld>
 </file>
 
-<file path=ppt/slides/slide6.xml><?xml version="1.0" encoding="utf-8"?>
-<p:sld xmlns:a="http://schemas.openxmlformats.org/drawingml/2006/main" xmlns:r="http://schemas.openxmlformats.org/officeDocument/2006/relationships" xmlns:mc="http://schemas.openxmlformats.org/markup-compatibility/2006" xmlns:mv="urn:schemas-microsoft-com:mac:vml" xmlns:p="http://schemas.openxmlformats.org/presentationml/2006/main" mc:Ignorable="mv" mc:PreserveAttributes="mv:*">
+<file path=ppt/slides/slide7.xml><?xml version="1.0" encoding="utf-8"?>
+<p:sld xmlns:a="http://schemas.openxmlformats.org/drawingml/2006/main" xmlns:r="http://schemas.openxmlformats.org/officeDocument/2006/relationships" xmlns:p="http://schemas.openxmlformats.org/presentationml/2006/main">
   <p:cSld>
     <p:spTree>
       <p:nvGrpSpPr>
@@ -15018,11 +16873,7 @@
             </a:pPr>
             <a:r>
               <a:rPr lang="en-US" dirty="0" smtClean="0"/>
-              <a:t>Backup: usually means copying files to a different hard drive or </a:t>
-            </a:r>
-            <a:r>
-              <a:rPr lang="en-US" dirty="0" smtClean="0"/>
-              <a:t>server</a:t>
+              <a:t>Backup: usually means copying files to a different hard drive or server</a:t>
             </a:r>
           </a:p>
           <a:p>
@@ -15047,15 +16898,7 @@
             </a:r>
             <a:r>
               <a:rPr lang="en-US" dirty="0" smtClean="0"/>
-              <a:t> (current files + VCS database) is </a:t>
-            </a:r>
-            <a:r>
-              <a:rPr lang="en-US" dirty="0" smtClean="0"/>
-              <a:t>copied (‘pushed’) </a:t>
-            </a:r>
-            <a:r>
-              <a:rPr lang="en-US" dirty="0" smtClean="0"/>
-              <a:t>to a server</a:t>
+              <a:t> (current files + VCS database) is copied (‘pushed’) to a server</a:t>
             </a:r>
             <a:endParaRPr lang="en-US" dirty="0"/>
           </a:p>
@@ -15085,11 +16928,7 @@
           <a:p>
             <a:r>
               <a:rPr lang="en-US" dirty="0" smtClean="0"/>
-              <a:t> </a:t>
-            </a:r>
-            <a:r>
-              <a:rPr lang="en-US" dirty="0" smtClean="0"/>
-              <a:t>Every time a backup is made:</a:t>
+              <a:t> Every time a backup is made:</a:t>
             </a:r>
           </a:p>
           <a:p>
@@ -15150,25 +16989,13 @@
             </a:pPr>
             <a:r>
               <a:rPr lang="en-US" dirty="0" smtClean="0"/>
-              <a:t>That’s everything for use case 2 (Backing up)….   Pretty </a:t>
-            </a:r>
-            <a:r>
-              <a:rPr lang="en-US" dirty="0" smtClean="0"/>
-              <a:t>simple</a:t>
+              <a:t>That’s everything for use case 2 (Backing up)….   Pretty simple</a:t>
             </a:r>
           </a:p>
           <a:p>
             <a:r>
               <a:rPr lang="en-US" sz="1400" dirty="0" smtClean="0"/>
-              <a:t>Note that often the server copy is called the ‘master’ </a:t>
-            </a:r>
-            <a:r>
-              <a:rPr lang="en-US" sz="1400" dirty="0" smtClean="0"/>
-              <a:t> </a:t>
-            </a:r>
-            <a:r>
-              <a:rPr lang="en-US" sz="1400" dirty="0" smtClean="0"/>
-              <a:t>(because that’s what everybody sees)</a:t>
+              <a:t>Note that often the server copy is called the ‘master’  (because that’s what everybody sees)</a:t>
             </a:r>
             <a:endParaRPr lang="en-US" sz="1400" dirty="0"/>
           </a:p>
@@ -15400,14 +17227,7 @@
                   <a:latin typeface="Courier"/>
                   <a:cs typeface="Courier"/>
                 </a:rPr>
-                <a:t>c</a:t>
-              </a:r>
-              <a:r>
-                <a:rPr lang="en-US" sz="1400" dirty="0" smtClean="0">
-                  <a:latin typeface="Courier"/>
-                  <a:cs typeface="Courier"/>
-                </a:rPr>
-                <a:t>ur:</a:t>
+                <a:t>cur:</a:t>
               </a:r>
               <a:r>
                 <a:rPr lang="en-US" sz="1400" b="1" dirty="0" smtClean="0">
@@ -15680,14 +17500,7 @@
                   <a:latin typeface="Courier"/>
                   <a:cs typeface="Courier"/>
                 </a:rPr>
-                <a:t>c</a:t>
-              </a:r>
-              <a:r>
-                <a:rPr lang="en-US" sz="1400" dirty="0" smtClean="0">
-                  <a:latin typeface="Courier"/>
-                  <a:cs typeface="Courier"/>
-                </a:rPr>
-                <a:t>ur:</a:t>
+                <a:t>cur:</a:t>
               </a:r>
               <a:r>
                 <a:rPr lang="en-US" sz="1400" b="1" dirty="0" smtClean="0">
@@ -15960,14 +17773,7 @@
                   <a:latin typeface="Courier"/>
                   <a:cs typeface="Courier"/>
                 </a:rPr>
-                <a:t>c</a:t>
-              </a:r>
-              <a:r>
-                <a:rPr lang="en-US" sz="1400" dirty="0" smtClean="0">
-                  <a:latin typeface="Courier"/>
-                  <a:cs typeface="Courier"/>
-                </a:rPr>
-                <a:t>ur:</a:t>
+                <a:t>cur:</a:t>
               </a:r>
               <a:r>
                 <a:rPr lang="en-US" sz="1400" b="1" dirty="0" smtClean="0">
@@ -16240,14 +18046,7 @@
                   <a:latin typeface="Courier"/>
                   <a:cs typeface="Courier"/>
                 </a:rPr>
-                <a:t>c</a:t>
-              </a:r>
-              <a:r>
-                <a:rPr lang="en-US" sz="1400" dirty="0" smtClean="0">
-                  <a:latin typeface="Courier"/>
-                  <a:cs typeface="Courier"/>
-                </a:rPr>
-                <a:t>ur:</a:t>
+                <a:t>cur:</a:t>
               </a:r>
               <a:r>
                 <a:rPr lang="en-US" sz="1400" b="1" dirty="0" smtClean="0">
@@ -17600,11 +19399,7 @@
           <a:p>
             <a:r>
               <a:rPr lang="en-US" sz="1400" dirty="0" smtClean="0"/>
-              <a:t>l</a:t>
-            </a:r>
-            <a:r>
-              <a:rPr lang="en-US" sz="1400" dirty="0" smtClean="0"/>
-              <a:t>ocal </a:t>
+              <a:t>local </a:t>
             </a:r>
             <a:r>
               <a:rPr lang="en-US" sz="1400" dirty="0" err="1" smtClean="0"/>
@@ -17619,19 +19414,502 @@
   <p:clrMapOvr>
     <a:masterClrMapping/>
   </p:clrMapOvr>
-  <p:transition/>
+  <p:transition xmlns:p14="http://schemas.microsoft.com/office/powerpoint/2010/main"/>
   <p:timing>
     <p:tnLst>
       <p:par>
-        <p:cTn id="1" dur="indefinite" restart="never" nodeType="tmRoot"/>
+        <p:cTn xmlns:p14="http://schemas.microsoft.com/office/powerpoint/2010/main" id="1" dur="indefinite" restart="never" nodeType="tmRoot">
+          <p:childTnLst>
+            <p:seq concurrent="1" nextAc="seek">
+              <p:cTn id="2" dur="indefinite" nodeType="mainSeq">
+                <p:childTnLst>
+                  <p:par>
+                    <p:cTn id="3" fill="hold">
+                      <p:stCondLst>
+                        <p:cond delay="indefinite"/>
+                      </p:stCondLst>
+                      <p:childTnLst>
+                        <p:par>
+                          <p:cTn id="4" fill="hold">
+                            <p:stCondLst>
+                              <p:cond delay="0"/>
+                            </p:stCondLst>
+                            <p:childTnLst>
+                              <p:par>
+                                <p:cTn id="5" presetID="1" presetClass="entr" presetSubtype="0" fill="hold" nodeType="clickEffect">
+                                  <p:stCondLst>
+                                    <p:cond delay="0"/>
+                                  </p:stCondLst>
+                                  <p:childTnLst>
+                                    <p:set>
+                                      <p:cBhvr>
+                                        <p:cTn id="6" dur="1" fill="hold">
+                                          <p:stCondLst>
+                                            <p:cond delay="0"/>
+                                          </p:stCondLst>
+                                        </p:cTn>
+                                        <p:tgtEl>
+                                          <p:spTgt spid="97"/>
+                                        </p:tgtEl>
+                                        <p:attrNameLst>
+                                          <p:attrName>style.visibility</p:attrName>
+                                        </p:attrNameLst>
+                                      </p:cBhvr>
+                                      <p:to>
+                                        <p:strVal val="visible"/>
+                                      </p:to>
+                                    </p:set>
+                                  </p:childTnLst>
+                                </p:cTn>
+                              </p:par>
+                              <p:par>
+                                <p:cTn id="7" presetID="1" presetClass="entr" presetSubtype="0" fill="hold" grpId="0" nodeType="withEffect">
+                                  <p:stCondLst>
+                                    <p:cond delay="0"/>
+                                  </p:stCondLst>
+                                  <p:childTnLst>
+                                    <p:set>
+                                      <p:cBhvr>
+                                        <p:cTn id="8" dur="1" fill="hold">
+                                          <p:stCondLst>
+                                            <p:cond delay="0"/>
+                                          </p:stCondLst>
+                                        </p:cTn>
+                                        <p:tgtEl>
+                                          <p:spTgt spid="98"/>
+                                        </p:tgtEl>
+                                        <p:attrNameLst>
+                                          <p:attrName>style.visibility</p:attrName>
+                                        </p:attrNameLst>
+                                      </p:cBhvr>
+                                      <p:to>
+                                        <p:strVal val="visible"/>
+                                      </p:to>
+                                    </p:set>
+                                  </p:childTnLst>
+                                </p:cTn>
+                              </p:par>
+                              <p:par>
+                                <p:cTn id="9" presetID="1" presetClass="entr" presetSubtype="0" fill="hold" nodeType="withEffect">
+                                  <p:stCondLst>
+                                    <p:cond delay="0"/>
+                                  </p:stCondLst>
+                                  <p:childTnLst>
+                                    <p:set>
+                                      <p:cBhvr>
+                                        <p:cTn id="10" dur="1" fill="hold">
+                                          <p:stCondLst>
+                                            <p:cond delay="0"/>
+                                          </p:stCondLst>
+                                        </p:cTn>
+                                        <p:tgtEl>
+                                          <p:spTgt spid="69"/>
+                                        </p:tgtEl>
+                                        <p:attrNameLst>
+                                          <p:attrName>style.visibility</p:attrName>
+                                        </p:attrNameLst>
+                                      </p:cBhvr>
+                                      <p:to>
+                                        <p:strVal val="visible"/>
+                                      </p:to>
+                                    </p:set>
+                                  </p:childTnLst>
+                                </p:cTn>
+                              </p:par>
+                              <p:par>
+                                <p:cTn id="11" presetID="1" presetClass="entr" presetSubtype="0" fill="hold" nodeType="withEffect">
+                                  <p:stCondLst>
+                                    <p:cond delay="0"/>
+                                  </p:stCondLst>
+                                  <p:childTnLst>
+                                    <p:set>
+                                      <p:cBhvr>
+                                        <p:cTn id="12" dur="1" fill="hold">
+                                          <p:stCondLst>
+                                            <p:cond delay="0"/>
+                                          </p:stCondLst>
+                                        </p:cTn>
+                                        <p:tgtEl>
+                                          <p:spTgt spid="37"/>
+                                        </p:tgtEl>
+                                        <p:attrNameLst>
+                                          <p:attrName>style.visibility</p:attrName>
+                                        </p:attrNameLst>
+                                      </p:cBhvr>
+                                      <p:to>
+                                        <p:strVal val="visible"/>
+                                      </p:to>
+                                    </p:set>
+                                  </p:childTnLst>
+                                </p:cTn>
+                              </p:par>
+                              <p:par>
+                                <p:cTn id="13" presetID="1" presetClass="entr" presetSubtype="0" fill="hold" grpId="0" nodeType="withEffect">
+                                  <p:stCondLst>
+                                    <p:cond delay="0"/>
+                                  </p:stCondLst>
+                                  <p:childTnLst>
+                                    <p:set>
+                                      <p:cBhvr>
+                                        <p:cTn id="14" dur="1" fill="hold">
+                                          <p:stCondLst>
+                                            <p:cond delay="0"/>
+                                          </p:stCondLst>
+                                        </p:cTn>
+                                        <p:tgtEl>
+                                          <p:spTgt spid="52"/>
+                                        </p:tgtEl>
+                                        <p:attrNameLst>
+                                          <p:attrName>style.visibility</p:attrName>
+                                        </p:attrNameLst>
+                                      </p:cBhvr>
+                                      <p:to>
+                                        <p:strVal val="visible"/>
+                                      </p:to>
+                                    </p:set>
+                                  </p:childTnLst>
+                                </p:cTn>
+                              </p:par>
+                              <p:par>
+                                <p:cTn id="15" presetID="1" presetClass="entr" presetSubtype="0" fill="hold" grpId="0" nodeType="withEffect">
+                                  <p:stCondLst>
+                                    <p:cond delay="0"/>
+                                  </p:stCondLst>
+                                  <p:childTnLst>
+                                    <p:set>
+                                      <p:cBhvr>
+                                        <p:cTn id="16" dur="1" fill="hold">
+                                          <p:stCondLst>
+                                            <p:cond delay="0"/>
+                                          </p:stCondLst>
+                                        </p:cTn>
+                                        <p:tgtEl>
+                                          <p:spTgt spid="44"/>
+                                        </p:tgtEl>
+                                        <p:attrNameLst>
+                                          <p:attrName>style.visibility</p:attrName>
+                                        </p:attrNameLst>
+                                      </p:cBhvr>
+                                      <p:to>
+                                        <p:strVal val="visible"/>
+                                      </p:to>
+                                    </p:set>
+                                  </p:childTnLst>
+                                </p:cTn>
+                              </p:par>
+                            </p:childTnLst>
+                          </p:cTn>
+                        </p:par>
+                      </p:childTnLst>
+                    </p:cTn>
+                  </p:par>
+                  <p:par>
+                    <p:cTn id="17" fill="hold">
+                      <p:stCondLst>
+                        <p:cond delay="indefinite"/>
+                      </p:stCondLst>
+                      <p:childTnLst>
+                        <p:par>
+                          <p:cTn id="18" fill="hold">
+                            <p:stCondLst>
+                              <p:cond delay="0"/>
+                            </p:stCondLst>
+                            <p:childTnLst>
+                              <p:par>
+                                <p:cTn id="19" presetID="1" presetClass="entr" presetSubtype="0" fill="hold" nodeType="clickEffect">
+                                  <p:stCondLst>
+                                    <p:cond delay="0"/>
+                                  </p:stCondLst>
+                                  <p:childTnLst>
+                                    <p:set>
+                                      <p:cBhvr>
+                                        <p:cTn id="20" dur="1" fill="hold">
+                                          <p:stCondLst>
+                                            <p:cond delay="0"/>
+                                          </p:stCondLst>
+                                        </p:cTn>
+                                        <p:tgtEl>
+                                          <p:spTgt spid="95"/>
+                                        </p:tgtEl>
+                                        <p:attrNameLst>
+                                          <p:attrName>style.visibility</p:attrName>
+                                        </p:attrNameLst>
+                                      </p:cBhvr>
+                                      <p:to>
+                                        <p:strVal val="visible"/>
+                                      </p:to>
+                                    </p:set>
+                                  </p:childTnLst>
+                                </p:cTn>
+                              </p:par>
+                              <p:par>
+                                <p:cTn id="21" presetID="1" presetClass="entr" presetSubtype="0" fill="hold" grpId="0" nodeType="withEffect">
+                                  <p:stCondLst>
+                                    <p:cond delay="0"/>
+                                  </p:stCondLst>
+                                  <p:childTnLst>
+                                    <p:set>
+                                      <p:cBhvr>
+                                        <p:cTn id="22" dur="1" fill="hold">
+                                          <p:stCondLst>
+                                            <p:cond delay="0"/>
+                                          </p:stCondLst>
+                                        </p:cTn>
+                                        <p:tgtEl>
+                                          <p:spTgt spid="96"/>
+                                        </p:tgtEl>
+                                        <p:attrNameLst>
+                                          <p:attrName>style.visibility</p:attrName>
+                                        </p:attrNameLst>
+                                      </p:cBhvr>
+                                      <p:to>
+                                        <p:strVal val="visible"/>
+                                      </p:to>
+                                    </p:set>
+                                  </p:childTnLst>
+                                </p:cTn>
+                              </p:par>
+                              <p:par>
+                                <p:cTn id="23" presetID="1" presetClass="entr" presetSubtype="0" fill="hold" nodeType="withEffect">
+                                  <p:stCondLst>
+                                    <p:cond delay="0"/>
+                                  </p:stCondLst>
+                                  <p:childTnLst>
+                                    <p:set>
+                                      <p:cBhvr>
+                                        <p:cTn id="24" dur="1" fill="hold">
+                                          <p:stCondLst>
+                                            <p:cond delay="0"/>
+                                          </p:stCondLst>
+                                        </p:cTn>
+                                        <p:tgtEl>
+                                          <p:spTgt spid="70"/>
+                                        </p:tgtEl>
+                                        <p:attrNameLst>
+                                          <p:attrName>style.visibility</p:attrName>
+                                        </p:attrNameLst>
+                                      </p:cBhvr>
+                                      <p:to>
+                                        <p:strVal val="visible"/>
+                                      </p:to>
+                                    </p:set>
+                                  </p:childTnLst>
+                                </p:cTn>
+                              </p:par>
+                              <p:par>
+                                <p:cTn id="25" presetID="1" presetClass="entr" presetSubtype="0" fill="hold" nodeType="withEffect">
+                                  <p:stCondLst>
+                                    <p:cond delay="0"/>
+                                  </p:stCondLst>
+                                  <p:childTnLst>
+                                    <p:set>
+                                      <p:cBhvr>
+                                        <p:cTn id="26" dur="1" fill="hold">
+                                          <p:stCondLst>
+                                            <p:cond delay="0"/>
+                                          </p:stCondLst>
+                                        </p:cTn>
+                                        <p:tgtEl>
+                                          <p:spTgt spid="80"/>
+                                        </p:tgtEl>
+                                        <p:attrNameLst>
+                                          <p:attrName>style.visibility</p:attrName>
+                                        </p:attrNameLst>
+                                      </p:cBhvr>
+                                      <p:to>
+                                        <p:strVal val="visible"/>
+                                      </p:to>
+                                    </p:set>
+                                  </p:childTnLst>
+                                </p:cTn>
+                              </p:par>
+                              <p:par>
+                                <p:cTn id="27" presetID="1" presetClass="entr" presetSubtype="0" fill="hold" grpId="0" nodeType="withEffect">
+                                  <p:stCondLst>
+                                    <p:cond delay="0"/>
+                                  </p:stCondLst>
+                                  <p:childTnLst>
+                                    <p:set>
+                                      <p:cBhvr>
+                                        <p:cTn id="28" dur="1" fill="hold">
+                                          <p:stCondLst>
+                                            <p:cond delay="0"/>
+                                          </p:stCondLst>
+                                        </p:cTn>
+                                        <p:tgtEl>
+                                          <p:spTgt spid="90"/>
+                                        </p:tgtEl>
+                                        <p:attrNameLst>
+                                          <p:attrName>style.visibility</p:attrName>
+                                        </p:attrNameLst>
+                                      </p:cBhvr>
+                                      <p:to>
+                                        <p:strVal val="visible"/>
+                                      </p:to>
+                                    </p:set>
+                                  </p:childTnLst>
+                                </p:cTn>
+                              </p:par>
+                              <p:par>
+                                <p:cTn id="29" presetID="1" presetClass="entr" presetSubtype="0" fill="hold" grpId="0" nodeType="withEffect">
+                                  <p:stCondLst>
+                                    <p:cond delay="0"/>
+                                  </p:stCondLst>
+                                  <p:childTnLst>
+                                    <p:set>
+                                      <p:cBhvr>
+                                        <p:cTn id="30" dur="1" fill="hold">
+                                          <p:stCondLst>
+                                            <p:cond delay="0"/>
+                                          </p:stCondLst>
+                                        </p:cTn>
+                                        <p:tgtEl>
+                                          <p:spTgt spid="91"/>
+                                        </p:tgtEl>
+                                        <p:attrNameLst>
+                                          <p:attrName>style.visibility</p:attrName>
+                                        </p:attrNameLst>
+                                      </p:cBhvr>
+                                      <p:to>
+                                        <p:strVal val="visible"/>
+                                      </p:to>
+                                    </p:set>
+                                  </p:childTnLst>
+                                </p:cTn>
+                              </p:par>
+                            </p:childTnLst>
+                          </p:cTn>
+                        </p:par>
+                      </p:childTnLst>
+                    </p:cTn>
+                  </p:par>
+                  <p:par>
+                    <p:cTn id="31" fill="hold">
+                      <p:stCondLst>
+                        <p:cond delay="indefinite"/>
+                      </p:stCondLst>
+                      <p:childTnLst>
+                        <p:par>
+                          <p:cTn id="32" fill="hold">
+                            <p:stCondLst>
+                              <p:cond delay="0"/>
+                            </p:stCondLst>
+                            <p:childTnLst>
+                              <p:par>
+                                <p:cTn id="33" presetID="1" presetClass="entr" presetSubtype="0" fill="hold" grpId="0" nodeType="clickEffect">
+                                  <p:stCondLst>
+                                    <p:cond delay="0"/>
+                                  </p:stCondLst>
+                                  <p:childTnLst>
+                                    <p:set>
+                                      <p:cBhvr>
+                                        <p:cTn id="34" dur="1" fill="hold">
+                                          <p:stCondLst>
+                                            <p:cond delay="0"/>
+                                          </p:stCondLst>
+                                        </p:cTn>
+                                        <p:tgtEl>
+                                          <p:spTgt spid="6"/>
+                                        </p:tgtEl>
+                                        <p:attrNameLst>
+                                          <p:attrName>style.visibility</p:attrName>
+                                        </p:attrNameLst>
+                                      </p:cBhvr>
+                                      <p:to>
+                                        <p:strVal val="visible"/>
+                                      </p:to>
+                                    </p:set>
+                                  </p:childTnLst>
+                                </p:cTn>
+                              </p:par>
+                            </p:childTnLst>
+                          </p:cTn>
+                        </p:par>
+                      </p:childTnLst>
+                    </p:cTn>
+                  </p:par>
+                  <p:par>
+                    <p:cTn id="35" fill="hold">
+                      <p:stCondLst>
+                        <p:cond delay="indefinite"/>
+                      </p:stCondLst>
+                      <p:childTnLst>
+                        <p:par>
+                          <p:cTn id="36" fill="hold">
+                            <p:stCondLst>
+                              <p:cond delay="0"/>
+                            </p:stCondLst>
+                            <p:childTnLst>
+                              <p:par>
+                                <p:cTn id="37" presetID="1" presetClass="entr" presetSubtype="0" fill="hold" grpId="0" nodeType="clickEffect">
+                                  <p:stCondLst>
+                                    <p:cond delay="0"/>
+                                  </p:stCondLst>
+                                  <p:childTnLst>
+                                    <p:set>
+                                      <p:cBhvr>
+                                        <p:cTn id="38" dur="1" fill="hold">
+                                          <p:stCondLst>
+                                            <p:cond delay="0"/>
+                                          </p:stCondLst>
+                                        </p:cTn>
+                                        <p:tgtEl>
+                                          <p:spTgt spid="7"/>
+                                        </p:tgtEl>
+                                        <p:attrNameLst>
+                                          <p:attrName>style.visibility</p:attrName>
+                                        </p:attrNameLst>
+                                      </p:cBhvr>
+                                      <p:to>
+                                        <p:strVal val="visible"/>
+                                      </p:to>
+                                    </p:set>
+                                  </p:childTnLst>
+                                </p:cTn>
+                              </p:par>
+                            </p:childTnLst>
+                          </p:cTn>
+                        </p:par>
+                      </p:childTnLst>
+                    </p:cTn>
+                  </p:par>
+                </p:childTnLst>
+              </p:cTn>
+              <p:prevCondLst>
+                <p:cond evt="onPrev" delay="0">
+                  <p:tgtEl>
+                    <p:sldTgt/>
+                  </p:tgtEl>
+                </p:cond>
+              </p:prevCondLst>
+              <p:nextCondLst>
+                <p:cond evt="onNext" delay="0">
+                  <p:tgtEl>
+                    <p:sldTgt/>
+                  </p:tgtEl>
+                </p:cond>
+              </p:nextCondLst>
+            </p:seq>
+          </p:childTnLst>
+        </p:cTn>
       </p:par>
     </p:tnLst>
+    <p:bldLst>
+      <p:bldP spid="6" grpId="0"/>
+      <p:bldP spid="7" grpId="0"/>
+      <p:bldP spid="44" grpId="0"/>
+      <p:bldP spid="52" grpId="0"/>
+      <p:bldP spid="90" grpId="0"/>
+      <p:bldP spid="91" grpId="0"/>
+      <p:bldP spid="96" grpId="0"/>
+      <p:bldP spid="98" grpId="0"/>
+    </p:bldLst>
   </p:timing>
 </p:sld>
 </file>
 
-<file path=ppt/slides/slide7.xml><?xml version="1.0" encoding="utf-8"?>
-<p:sld xmlns:a="http://schemas.openxmlformats.org/drawingml/2006/main" xmlns:r="http://schemas.openxmlformats.org/officeDocument/2006/relationships" xmlns:mc="http://schemas.openxmlformats.org/markup-compatibility/2006" xmlns:mv="urn:schemas-microsoft-com:mac:vml" xmlns:p="http://schemas.openxmlformats.org/presentationml/2006/main" mc:Ignorable="mv" mc:PreserveAttributes="mv:*">
+<file path=ppt/slides/slide8.xml><?xml version="1.0" encoding="utf-8"?>
+<p:sld xmlns:a="http://schemas.openxmlformats.org/drawingml/2006/main" xmlns:r="http://schemas.openxmlformats.org/officeDocument/2006/relationships" xmlns:p="http://schemas.openxmlformats.org/presentationml/2006/main">
   <p:cSld>
     <p:spTree>
       <p:nvGrpSpPr>
@@ -17678,15 +19956,7 @@
             <a:pPr algn="ctr"/>
             <a:r>
               <a:rPr lang="en-US" sz="1400" dirty="0" smtClean="0"/>
-              <a:t>(and things get</a:t>
-            </a:r>
-            <a:r>
-              <a:rPr lang="en-US" sz="1400" dirty="0" smtClean="0"/>
-              <a:t> a bit complicated</a:t>
-            </a:r>
-            <a:r>
-              <a:rPr lang="en-US" sz="1400" dirty="0" smtClean="0"/>
-              <a:t>…)</a:t>
+              <a:t>(and things get a bit complicated…)</a:t>
             </a:r>
             <a:r>
               <a:rPr lang="en-US" dirty="0" smtClean="0"/>
@@ -17821,26 +20091,26 @@
     </p:spTree>
     <p:extLst>
       <p:ext uri="{BB962C8B-B14F-4D97-AF65-F5344CB8AC3E}">
-        <p14:creationId xmlns="" xmlns:a="http://schemas.openxmlformats.org/drawingml/2006/main" xmlns:r="http://schemas.openxmlformats.org/officeDocument/2006/relationships" xmlns:p="http://schemas.openxmlformats.org/presentationml/2006/main" xmlns:p14="http://schemas.microsoft.com/office/powerpoint/2010/main" xmlns:mv="urn:schemas-microsoft-com:mac:vml" xmlns:mc="http://schemas.openxmlformats.org/markup-compatibility/2006" val="653782836"/>
+        <p14:creationId xmlns:p14="http://schemas.microsoft.com/office/powerpoint/2010/main" val="653782836"/>
       </p:ext>
     </p:extLst>
   </p:cSld>
   <p:clrMapOvr>
     <a:masterClrMapping/>
   </p:clrMapOvr>
-  <p:transition/>
+  <p:transition xmlns:p14="http://schemas.microsoft.com/office/powerpoint/2010/main"/>
   <p:timing>
     <p:tnLst>
       <p:par>
-        <p:cTn id="1" dur="indefinite" restart="never" nodeType="tmRoot"/>
+        <p:cTn xmlns:p14="http://schemas.microsoft.com/office/powerpoint/2010/main" id="1" dur="indefinite" restart="never" nodeType="tmRoot"/>
       </p:par>
     </p:tnLst>
   </p:timing>
 </p:sld>
 </file>
 
-<file path=ppt/slides/slide8.xml><?xml version="1.0" encoding="utf-8"?>
-<p:sld xmlns:a="http://schemas.openxmlformats.org/drawingml/2006/main" xmlns:r="http://schemas.openxmlformats.org/officeDocument/2006/relationships" xmlns:mc="http://schemas.openxmlformats.org/markup-compatibility/2006" xmlns:mv="urn:schemas-microsoft-com:mac:vml" xmlns:p="http://schemas.openxmlformats.org/presentationml/2006/main" mc:Ignorable="mv" mc:PreserveAttributes="mv:*">
+<file path=ppt/slides/slide9.xml><?xml version="1.0" encoding="utf-8"?>
+<p:sld xmlns:a="http://schemas.openxmlformats.org/drawingml/2006/main" xmlns:r="http://schemas.openxmlformats.org/officeDocument/2006/relationships" xmlns:p="http://schemas.openxmlformats.org/presentationml/2006/main">
   <p:cSld>
     <p:spTree>
       <p:nvGrpSpPr>
@@ -17887,15 +20157,7 @@
             <a:pPr algn="ctr"/>
             <a:r>
               <a:rPr lang="en-US" sz="1400" dirty="0" smtClean="0"/>
-              <a:t>(and things </a:t>
-            </a:r>
-            <a:r>
-              <a:rPr lang="en-US" sz="1400" dirty="0" smtClean="0"/>
-              <a:t>get a bit </a:t>
-            </a:r>
-            <a:r>
-              <a:rPr lang="en-US" sz="1400" dirty="0" smtClean="0"/>
-              <a:t>complicated…)</a:t>
+              <a:t>(and things get a bit complicated…)</a:t>
             </a:r>
             <a:r>
               <a:rPr lang="en-US" dirty="0" smtClean="0"/>
@@ -17932,11 +20194,7 @@
             </a:pPr>
             <a:r>
               <a:rPr lang="en-US" dirty="0" smtClean="0"/>
-              <a:t>Let’s </a:t>
-            </a:r>
-            <a:r>
-              <a:rPr lang="en-US" dirty="0" smtClean="0"/>
-              <a:t>assume: 2 developers (Alice and Bob) work on a project backed up on the same server</a:t>
+              <a:t>Let’s assume: 2 developers (Alice and Bob) work on a project backed up on the same server</a:t>
             </a:r>
           </a:p>
           <a:p>
@@ -17953,11 +20211,7 @@
             </a:pPr>
             <a:r>
               <a:rPr lang="en-US" dirty="0" smtClean="0"/>
-              <a:t>Both A+B make commits to the </a:t>
-            </a:r>
-            <a:r>
-              <a:rPr lang="en-US" dirty="0" smtClean="0"/>
-              <a:t>project</a:t>
+              <a:t>Both A+B make commits to the project</a:t>
             </a:r>
           </a:p>
           <a:p>
@@ -18013,11 +20267,7 @@
             </a:pPr>
             <a:r>
               <a:rPr lang="en-US" dirty="0" smtClean="0"/>
-              <a:t>The commit history is ‘diverged’ or ‘branched</a:t>
-            </a:r>
-            <a:r>
-              <a:rPr lang="en-US" dirty="0" smtClean="0"/>
-              <a:t>’</a:t>
+              <a:t>The commit history is ‘diverged’ or ‘branched’</a:t>
             </a:r>
           </a:p>
           <a:p>
@@ -18034,21 +20284,8 @@
             </a:pPr>
             <a:r>
               <a:rPr lang="en-US" dirty="0" smtClean="0"/>
-              <a:t>P</a:t>
-            </a:r>
-            <a:r>
-              <a:rPr lang="en-US" dirty="0" smtClean="0"/>
-              <a:t>roblem</a:t>
-            </a:r>
-            <a:r>
-              <a:rPr lang="en-US" dirty="0" smtClean="0"/>
-              <a:t>: no more linear project </a:t>
-            </a:r>
-            <a:r>
-              <a:rPr lang="en-US" dirty="0" smtClean="0"/>
-              <a:t>history!!!</a:t>
-            </a:r>
-            <a:endParaRPr lang="en-US" dirty="0" smtClean="0"/>
+              <a:t>Problem: no more linear project history!!!</a:t>
+            </a:r>
           </a:p>
         </p:txBody>
       </p:sp>
@@ -18871,1042 +21108,18 @@
     </p:spTree>
     <p:extLst>
       <p:ext uri="{BB962C8B-B14F-4D97-AF65-F5344CB8AC3E}">
-        <p14:creationId xmlns="" xmlns:a="http://schemas.openxmlformats.org/drawingml/2006/main" xmlns:r="http://schemas.openxmlformats.org/officeDocument/2006/relationships" xmlns:p="http://schemas.openxmlformats.org/presentationml/2006/main" xmlns:p14="http://schemas.microsoft.com/office/powerpoint/2010/main" xmlns:mv="urn:schemas-microsoft-com:mac:vml" xmlns:mc="http://schemas.openxmlformats.org/markup-compatibility/2006" val="653782836"/>
+        <p14:creationId xmlns:p14="http://schemas.microsoft.com/office/powerpoint/2010/main" val="653782836"/>
       </p:ext>
     </p:extLst>
   </p:cSld>
   <p:clrMapOvr>
     <a:masterClrMapping/>
   </p:clrMapOvr>
-  <p:transition/>
+  <p:transition xmlns:p14="http://schemas.microsoft.com/office/powerpoint/2010/main"/>
   <p:timing>
     <p:tnLst>
       <p:par>
-        <p:cTn id="1" dur="indefinite" restart="never" nodeType="tmRoot"/>
-      </p:par>
-    </p:tnLst>
-  </p:timing>
-</p:sld>
-</file>
-
-<file path=ppt/slides/slide9.xml><?xml version="1.0" encoding="utf-8"?>
-<p:sld xmlns:a="http://schemas.openxmlformats.org/drawingml/2006/main" xmlns:r="http://schemas.openxmlformats.org/officeDocument/2006/relationships" xmlns:mc="http://schemas.openxmlformats.org/markup-compatibility/2006" xmlns:mv="urn:schemas-microsoft-com:mac:vml" xmlns:p="http://schemas.openxmlformats.org/presentationml/2006/main" mc:Ignorable="mv" mc:PreserveAttributes="mv:*">
-  <p:cSld>
-    <p:spTree>
-      <p:nvGrpSpPr>
-        <p:cNvPr id="1" name=""/>
-        <p:cNvGrpSpPr/>
-        <p:nvPr/>
-      </p:nvGrpSpPr>
-      <p:grpSpPr>
-        <a:xfrm>
-          <a:off x="0" y="0"/>
-          <a:ext cx="0" cy="0"/>
-          <a:chOff x="0" y="0"/>
-          <a:chExt cx="0" cy="0"/>
-        </a:xfrm>
-      </p:grpSpPr>
-      <p:sp>
-        <p:nvSpPr>
-          <p:cNvPr id="3" name="TextBox 2"/>
-          <p:cNvSpPr txBox="1"/>
-          <p:nvPr/>
-        </p:nvSpPr>
-        <p:spPr>
-          <a:xfrm>
-            <a:off x="715315" y="0"/>
-            <a:ext cx="8087449" cy="369332"/>
-          </a:xfrm>
-          <a:prstGeom prst="rect">
-            <a:avLst/>
-          </a:prstGeom>
-          <a:noFill/>
-        </p:spPr>
-        <p:txBody>
-          <a:bodyPr wrap="square" rtlCol="0">
-            <a:spAutoFit/>
-          </a:bodyPr>
-          <a:lstStyle/>
-          <a:p>
-            <a:r>
-              <a:rPr lang="en-US" dirty="0" smtClean="0"/>
-              <a:t>How do VCS work?  -  3. Collaboration of 2-∞ people on the same project</a:t>
-            </a:r>
-          </a:p>
-        </p:txBody>
-      </p:sp>
-      <p:sp>
-        <p:nvSpPr>
-          <p:cNvPr id="5" name="Rectangle 4"/>
-          <p:cNvSpPr/>
-          <p:nvPr/>
-        </p:nvSpPr>
-        <p:spPr>
-          <a:xfrm>
-            <a:off x="1" y="650875"/>
-            <a:ext cx="9144000" cy="2031325"/>
-          </a:xfrm>
-          <a:prstGeom prst="rect">
-            <a:avLst/>
-          </a:prstGeom>
-        </p:spPr>
-        <p:txBody>
-          <a:bodyPr wrap="square">
-            <a:spAutoFit/>
-          </a:bodyPr>
-          <a:lstStyle/>
-          <a:p>
-            <a:pPr>
-              <a:buFont typeface="Arial"/>
-              <a:buChar char="•"/>
-            </a:pPr>
-            <a:r>
-              <a:rPr lang="en-US" dirty="0" smtClean="0"/>
-              <a:t>A ‘branch’ is essentially a complete copy of the whole repository</a:t>
-            </a:r>
-            <a:br>
-              <a:rPr lang="en-US" dirty="0" smtClean="0"/>
-            </a:br>
-            <a:r>
-              <a:rPr lang="en-US" dirty="0" smtClean="0"/>
-              <a:t>	(when creating a branch, a repository copy is created in the VCS database*</a:t>
-            </a:r>
-            <a:r>
-              <a:rPr lang="en-US" dirty="0" smtClean="0"/>
-              <a:t>)</a:t>
-            </a:r>
-            <a:endParaRPr lang="en-US" dirty="0" smtClean="0"/>
-          </a:p>
-          <a:p>
-            <a:pPr>
-              <a:buFont typeface="Arial"/>
-              <a:buChar char="•"/>
-            </a:pPr>
-            <a:endParaRPr lang="en-US" dirty="0" smtClean="0"/>
-          </a:p>
-          <a:p>
-            <a:pPr>
-              <a:buFont typeface="Arial"/>
-              <a:buChar char="•"/>
-            </a:pPr>
-            <a:r>
-              <a:rPr lang="en-US" dirty="0" smtClean="0"/>
-              <a:t>In </a:t>
-            </a:r>
-            <a:r>
-              <a:rPr lang="en-US" dirty="0" smtClean="0"/>
-              <a:t>a branched repository, there is no more linear commit repository</a:t>
-            </a:r>
-          </a:p>
-          <a:p>
-            <a:pPr>
-              <a:buFont typeface="Arial"/>
-              <a:buChar char="•"/>
-            </a:pPr>
-            <a:endParaRPr lang="en-US" dirty="0" smtClean="0"/>
-          </a:p>
-          <a:p>
-            <a:r>
-              <a:rPr lang="en-US" dirty="0" smtClean="0"/>
-              <a:t>-&gt; Problem 1: Commits can’t be saved in the VCS database under ‘V1’, ‘V2’, ‘V3’, etc.</a:t>
-            </a:r>
-            <a:r>
-              <a:rPr lang="en-US" dirty="0" smtClean="0"/>
-              <a:t>.</a:t>
-            </a:r>
-          </a:p>
-          <a:p>
-            <a:r>
-              <a:rPr lang="en-US" dirty="0" smtClean="0"/>
-              <a:t>-&gt; Problem 2: it’s still necessary to know how commits are related (for reasons explained later)</a:t>
-            </a:r>
-          </a:p>
-        </p:txBody>
-      </p:sp>
-      <p:sp>
-        <p:nvSpPr>
-          <p:cNvPr id="6" name="TextBox 5"/>
-          <p:cNvSpPr txBox="1"/>
-          <p:nvPr/>
-        </p:nvSpPr>
-        <p:spPr>
-          <a:xfrm>
-            <a:off x="56514" y="4794250"/>
-            <a:ext cx="9144000" cy="1477328"/>
-          </a:xfrm>
-          <a:prstGeom prst="rect">
-            <a:avLst/>
-          </a:prstGeom>
-          <a:noFill/>
-        </p:spPr>
-        <p:txBody>
-          <a:bodyPr wrap="square" rtlCol="0">
-            <a:spAutoFit/>
-          </a:bodyPr>
-          <a:lstStyle/>
-          <a:p>
-            <a:r>
-              <a:rPr lang="en-US" dirty="0" smtClean="0"/>
-              <a:t>Modern VCS like </a:t>
-            </a:r>
-            <a:r>
-              <a:rPr lang="en-US" dirty="0" err="1" smtClean="0"/>
-              <a:t>Git</a:t>
-            </a:r>
-            <a:r>
-              <a:rPr lang="en-US" dirty="0" smtClean="0"/>
-              <a:t> solve these two problems by</a:t>
-            </a:r>
-            <a:r>
-              <a:rPr lang="en-US" dirty="0" smtClean="0"/>
-              <a:t>:</a:t>
-            </a:r>
-            <a:br>
-              <a:rPr lang="en-US" dirty="0" smtClean="0"/>
-            </a:br>
-            <a:endParaRPr lang="en-US" dirty="0" smtClean="0"/>
-          </a:p>
-          <a:p>
-            <a:pPr marL="342900" indent="-342900">
-              <a:buAutoNum type="arabicParenR"/>
-            </a:pPr>
-            <a:r>
-              <a:rPr lang="en-US" dirty="0" smtClean="0"/>
-              <a:t>Assigning a unique identifier</a:t>
-            </a:r>
-            <a:r>
-              <a:rPr lang="en-US" dirty="0" smtClean="0"/>
-              <a:t> each </a:t>
-            </a:r>
-            <a:r>
-              <a:rPr lang="en-US" dirty="0" smtClean="0"/>
-              <a:t>commit (instead of </a:t>
-            </a:r>
-            <a:r>
-              <a:rPr lang="en-US" dirty="0" smtClean="0"/>
-              <a:t>a linear </a:t>
-            </a:r>
-            <a:r>
-              <a:rPr lang="en-US" dirty="0" smtClean="0"/>
-              <a:t>number</a:t>
-            </a:r>
-            <a:r>
-              <a:rPr lang="en-US" dirty="0" smtClean="0"/>
-              <a:t>)</a:t>
-            </a:r>
-            <a:endParaRPr lang="en-US" sz="1400" dirty="0" smtClean="0"/>
-          </a:p>
-          <a:p>
-            <a:pPr marL="342900" indent="-342900">
-              <a:buAutoNum type="arabicParenR"/>
-            </a:pPr>
-            <a:r>
-              <a:rPr lang="en-US" dirty="0" smtClean="0"/>
-              <a:t>Every commit contains a pointer to its parent commit</a:t>
-            </a:r>
-            <a:r>
-              <a:rPr lang="en-US" dirty="0" smtClean="0"/>
-              <a:t> </a:t>
-            </a:r>
-          </a:p>
-          <a:p>
-            <a:pPr marL="342900" indent="-342900"/>
-            <a:endParaRPr lang="en-US" dirty="0" smtClean="0"/>
-          </a:p>
-        </p:txBody>
-      </p:sp>
-      <p:grpSp>
-        <p:nvGrpSpPr>
-          <p:cNvPr id="22" name="Group 21"/>
-          <p:cNvGrpSpPr/>
-          <p:nvPr/>
-        </p:nvGrpSpPr>
-        <p:grpSpPr>
-          <a:xfrm>
-            <a:off x="291745" y="3078063"/>
-            <a:ext cx="5978879" cy="1501235"/>
-            <a:chOff x="291745" y="2324268"/>
-            <a:chExt cx="7518755" cy="2889392"/>
-          </a:xfrm>
-        </p:grpSpPr>
-        <p:sp>
-          <p:nvSpPr>
-            <p:cNvPr id="7" name="TextBox 6"/>
-            <p:cNvSpPr txBox="1"/>
-            <p:nvPr/>
-          </p:nvSpPr>
-          <p:spPr>
-            <a:xfrm>
-              <a:off x="291745" y="3141365"/>
-              <a:ext cx="709314" cy="1243978"/>
-            </a:xfrm>
-            <a:prstGeom prst="rect">
-              <a:avLst/>
-            </a:prstGeom>
-            <a:solidFill>
-              <a:schemeClr val="accent6">
-                <a:lumMod val="40000"/>
-                <a:lumOff val="60000"/>
-              </a:schemeClr>
-            </a:solidFill>
-            <a:ln>
-              <a:solidFill>
-                <a:schemeClr val="tx1"/>
-              </a:solidFill>
-            </a:ln>
-          </p:spPr>
-          <p:txBody>
-            <a:bodyPr wrap="square" rtlCol="0">
-              <a:spAutoFit/>
-            </a:bodyPr>
-            <a:lstStyle/>
-            <a:p>
-              <a:pPr algn="ctr"/>
-              <a:r>
-                <a:rPr lang="en-US" sz="1400" b="1" dirty="0" smtClean="0">
-                  <a:latin typeface="Courier"/>
-                  <a:cs typeface="Courier"/>
-                </a:rPr>
-                <a:t>V1</a:t>
-              </a:r>
-              <a:r>
-                <a:rPr lang="en-US" b="1" dirty="0" smtClean="0">
-                  <a:latin typeface="Courier"/>
-                  <a:cs typeface="Courier"/>
-                </a:rPr>
-                <a:t/>
-              </a:r>
-              <a:br>
-                <a:rPr lang="en-US" b="1" dirty="0" smtClean="0">
-                  <a:latin typeface="Courier"/>
-                  <a:cs typeface="Courier"/>
-                </a:rPr>
-              </a:br>
-              <a:endParaRPr lang="en-US" b="1" dirty="0" smtClean="0">
-                <a:latin typeface="Courier"/>
-                <a:cs typeface="Courier"/>
-              </a:endParaRPr>
-            </a:p>
-          </p:txBody>
-        </p:sp>
-        <p:sp>
-          <p:nvSpPr>
-            <p:cNvPr id="8" name="TextBox 7"/>
-            <p:cNvSpPr txBox="1"/>
-            <p:nvPr/>
-          </p:nvSpPr>
-          <p:spPr>
-            <a:xfrm>
-              <a:off x="1228716" y="3141365"/>
-              <a:ext cx="709314" cy="1243978"/>
-            </a:xfrm>
-            <a:prstGeom prst="rect">
-              <a:avLst/>
-            </a:prstGeom>
-            <a:solidFill>
-              <a:schemeClr val="accent6">
-                <a:lumMod val="40000"/>
-                <a:lumOff val="60000"/>
-              </a:schemeClr>
-            </a:solidFill>
-            <a:ln>
-              <a:solidFill>
-                <a:schemeClr val="tx1"/>
-              </a:solidFill>
-            </a:ln>
-          </p:spPr>
-          <p:txBody>
-            <a:bodyPr wrap="square" rtlCol="0">
-              <a:spAutoFit/>
-            </a:bodyPr>
-            <a:lstStyle/>
-            <a:p>
-              <a:pPr algn="ctr"/>
-              <a:r>
-                <a:rPr lang="en-US" sz="1400" b="1" dirty="0" smtClean="0">
-                  <a:latin typeface="Courier"/>
-                  <a:cs typeface="Courier"/>
-                </a:rPr>
-                <a:t>V2</a:t>
-              </a:r>
-              <a:r>
-                <a:rPr lang="en-US" b="1" dirty="0" smtClean="0">
-                  <a:latin typeface="Courier"/>
-                  <a:cs typeface="Courier"/>
-                </a:rPr>
-                <a:t/>
-              </a:r>
-              <a:br>
-                <a:rPr lang="en-US" b="1" dirty="0" smtClean="0">
-                  <a:latin typeface="Courier"/>
-                  <a:cs typeface="Courier"/>
-                </a:rPr>
-              </a:br>
-              <a:endParaRPr lang="en-US" b="1" dirty="0" smtClean="0">
-                <a:latin typeface="Courier"/>
-                <a:cs typeface="Courier"/>
-              </a:endParaRPr>
-            </a:p>
-          </p:txBody>
-        </p:sp>
-        <p:sp>
-          <p:nvSpPr>
-            <p:cNvPr id="9" name="TextBox 8"/>
-            <p:cNvSpPr txBox="1"/>
-            <p:nvPr/>
-          </p:nvSpPr>
-          <p:spPr>
-            <a:xfrm>
-              <a:off x="2131503" y="3141365"/>
-              <a:ext cx="709314" cy="1243978"/>
-            </a:xfrm>
-            <a:prstGeom prst="rect">
-              <a:avLst/>
-            </a:prstGeom>
-            <a:solidFill>
-              <a:schemeClr val="accent6">
-                <a:lumMod val="40000"/>
-                <a:lumOff val="60000"/>
-              </a:schemeClr>
-            </a:solidFill>
-            <a:ln>
-              <a:solidFill>
-                <a:schemeClr val="tx1"/>
-              </a:solidFill>
-            </a:ln>
-          </p:spPr>
-          <p:txBody>
-            <a:bodyPr wrap="square" rtlCol="0">
-              <a:spAutoFit/>
-            </a:bodyPr>
-            <a:lstStyle/>
-            <a:p>
-              <a:pPr algn="ctr"/>
-              <a:r>
-                <a:rPr lang="en-US" sz="1400" b="1" dirty="0" smtClean="0">
-                  <a:latin typeface="Courier"/>
-                  <a:cs typeface="Courier"/>
-                </a:rPr>
-                <a:t>V3</a:t>
-              </a:r>
-              <a:r>
-                <a:rPr lang="en-US" b="1" dirty="0" smtClean="0">
-                  <a:latin typeface="Courier"/>
-                  <a:cs typeface="Courier"/>
-                </a:rPr>
-                <a:t/>
-              </a:r>
-              <a:br>
-                <a:rPr lang="en-US" b="1" dirty="0" smtClean="0">
-                  <a:latin typeface="Courier"/>
-                  <a:cs typeface="Courier"/>
-                </a:rPr>
-              </a:br>
-              <a:endParaRPr lang="en-US" b="1" dirty="0" smtClean="0">
-                <a:latin typeface="Courier"/>
-                <a:cs typeface="Courier"/>
-              </a:endParaRPr>
-            </a:p>
-          </p:txBody>
-        </p:sp>
-        <p:sp>
-          <p:nvSpPr>
-            <p:cNvPr id="10" name="TextBox 9"/>
-            <p:cNvSpPr txBox="1"/>
-            <p:nvPr/>
-          </p:nvSpPr>
-          <p:spPr>
-            <a:xfrm>
-              <a:off x="3905704" y="2324268"/>
-              <a:ext cx="709314" cy="1243978"/>
-            </a:xfrm>
-            <a:prstGeom prst="rect">
-              <a:avLst/>
-            </a:prstGeom>
-            <a:solidFill>
-              <a:schemeClr val="accent6">
-                <a:lumMod val="40000"/>
-                <a:lumOff val="60000"/>
-              </a:schemeClr>
-            </a:solidFill>
-            <a:ln>
-              <a:solidFill>
-                <a:schemeClr val="tx1"/>
-              </a:solidFill>
-            </a:ln>
-          </p:spPr>
-          <p:txBody>
-            <a:bodyPr wrap="square" rtlCol="0">
-              <a:spAutoFit/>
-            </a:bodyPr>
-            <a:lstStyle/>
-            <a:p>
-              <a:pPr algn="ctr"/>
-              <a:r>
-                <a:rPr lang="en-US" sz="1400" b="1" dirty="0" smtClean="0">
-                  <a:latin typeface="Courier"/>
-                  <a:cs typeface="Courier"/>
-                </a:rPr>
-                <a:t>V4?</a:t>
-              </a:r>
-              <a:r>
-                <a:rPr lang="en-US" b="1" dirty="0" smtClean="0">
-                  <a:latin typeface="Courier"/>
-                  <a:cs typeface="Courier"/>
-                </a:rPr>
-                <a:t/>
-              </a:r>
-              <a:br>
-                <a:rPr lang="en-US" b="1" dirty="0" smtClean="0">
-                  <a:latin typeface="Courier"/>
-                  <a:cs typeface="Courier"/>
-                </a:rPr>
-              </a:br>
-              <a:endParaRPr lang="en-US" b="1" dirty="0" smtClean="0">
-                <a:latin typeface="Courier"/>
-                <a:cs typeface="Courier"/>
-              </a:endParaRPr>
-            </a:p>
-          </p:txBody>
-        </p:sp>
-        <p:sp>
-          <p:nvSpPr>
-            <p:cNvPr id="11" name="TextBox 10"/>
-            <p:cNvSpPr txBox="1"/>
-            <p:nvPr/>
-          </p:nvSpPr>
-          <p:spPr>
-            <a:xfrm>
-              <a:off x="5036146" y="2324268"/>
-              <a:ext cx="709314" cy="1243978"/>
-            </a:xfrm>
-            <a:prstGeom prst="rect">
-              <a:avLst/>
-            </a:prstGeom>
-            <a:solidFill>
-              <a:schemeClr val="accent6">
-                <a:lumMod val="40000"/>
-                <a:lumOff val="60000"/>
-              </a:schemeClr>
-            </a:solidFill>
-            <a:ln>
-              <a:solidFill>
-                <a:schemeClr val="tx1"/>
-              </a:solidFill>
-            </a:ln>
-          </p:spPr>
-          <p:txBody>
-            <a:bodyPr wrap="square" rtlCol="0">
-              <a:spAutoFit/>
-            </a:bodyPr>
-            <a:lstStyle/>
-            <a:p>
-              <a:pPr algn="ctr"/>
-              <a:r>
-                <a:rPr lang="en-US" sz="1400" b="1" dirty="0" smtClean="0">
-                  <a:latin typeface="Courier"/>
-                  <a:cs typeface="Courier"/>
-                </a:rPr>
-                <a:t>V5?</a:t>
-              </a:r>
-              <a:r>
-                <a:rPr lang="en-US" b="1" dirty="0" smtClean="0">
-                  <a:latin typeface="Courier"/>
-                  <a:cs typeface="Courier"/>
-                </a:rPr>
-                <a:t/>
-              </a:r>
-              <a:br>
-                <a:rPr lang="en-US" b="1" dirty="0" smtClean="0">
-                  <a:latin typeface="Courier"/>
-                  <a:cs typeface="Courier"/>
-                </a:rPr>
-              </a:br>
-              <a:endParaRPr lang="en-US" b="1" dirty="0" smtClean="0">
-                <a:latin typeface="Courier"/>
-                <a:cs typeface="Courier"/>
-              </a:endParaRPr>
-            </a:p>
-          </p:txBody>
-        </p:sp>
-        <p:sp>
-          <p:nvSpPr>
-            <p:cNvPr id="12" name="TextBox 11"/>
-            <p:cNvSpPr txBox="1"/>
-            <p:nvPr/>
-          </p:nvSpPr>
-          <p:spPr>
-            <a:xfrm>
-              <a:off x="7101186" y="2324268"/>
-              <a:ext cx="709314" cy="1243978"/>
-            </a:xfrm>
-            <a:prstGeom prst="rect">
-              <a:avLst/>
-            </a:prstGeom>
-            <a:solidFill>
-              <a:schemeClr val="accent6">
-                <a:lumMod val="40000"/>
-                <a:lumOff val="60000"/>
-              </a:schemeClr>
-            </a:solidFill>
-            <a:ln>
-              <a:solidFill>
-                <a:schemeClr val="tx1"/>
-              </a:solidFill>
-            </a:ln>
-          </p:spPr>
-          <p:txBody>
-            <a:bodyPr wrap="square" rtlCol="0">
-              <a:spAutoFit/>
-            </a:bodyPr>
-            <a:lstStyle/>
-            <a:p>
-              <a:pPr algn="ctr"/>
-              <a:r>
-                <a:rPr lang="en-US" sz="1400" b="1" dirty="0" smtClean="0">
-                  <a:latin typeface="Courier"/>
-                  <a:cs typeface="Courier"/>
-                </a:rPr>
-                <a:t>V6?</a:t>
-              </a:r>
-              <a:r>
-                <a:rPr lang="en-US" b="1" dirty="0" smtClean="0">
-                  <a:latin typeface="Courier"/>
-                  <a:cs typeface="Courier"/>
-                </a:rPr>
-                <a:t/>
-              </a:r>
-              <a:br>
-                <a:rPr lang="en-US" b="1" dirty="0" smtClean="0">
-                  <a:latin typeface="Courier"/>
-                  <a:cs typeface="Courier"/>
-                </a:rPr>
-              </a:br>
-              <a:endParaRPr lang="en-US" b="1" dirty="0" smtClean="0">
-                <a:latin typeface="Courier"/>
-                <a:cs typeface="Courier"/>
-              </a:endParaRPr>
-            </a:p>
-          </p:txBody>
-        </p:sp>
-        <p:sp>
-          <p:nvSpPr>
-            <p:cNvPr id="13" name="TextBox 12"/>
-            <p:cNvSpPr txBox="1"/>
-            <p:nvPr/>
-          </p:nvSpPr>
-          <p:spPr>
-            <a:xfrm>
-              <a:off x="3196390" y="3969682"/>
-              <a:ext cx="709314" cy="1243978"/>
-            </a:xfrm>
-            <a:prstGeom prst="rect">
-              <a:avLst/>
-            </a:prstGeom>
-            <a:solidFill>
-              <a:schemeClr val="accent6">
-                <a:lumMod val="40000"/>
-                <a:lumOff val="60000"/>
-              </a:schemeClr>
-            </a:solidFill>
-            <a:ln>
-              <a:solidFill>
-                <a:schemeClr val="tx1"/>
-              </a:solidFill>
-            </a:ln>
-          </p:spPr>
-          <p:txBody>
-            <a:bodyPr wrap="square" rtlCol="0">
-              <a:spAutoFit/>
-            </a:bodyPr>
-            <a:lstStyle/>
-            <a:p>
-              <a:pPr algn="ctr"/>
-              <a:r>
-                <a:rPr lang="en-US" sz="1400" b="1" dirty="0" smtClean="0">
-                  <a:latin typeface="Courier"/>
-                  <a:cs typeface="Courier"/>
-                </a:rPr>
-                <a:t>V4?</a:t>
-              </a:r>
-              <a:r>
-                <a:rPr lang="en-US" b="1" dirty="0" smtClean="0">
-                  <a:latin typeface="Courier"/>
-                  <a:cs typeface="Courier"/>
-                </a:rPr>
-                <a:t/>
-              </a:r>
-              <a:br>
-                <a:rPr lang="en-US" b="1" dirty="0" smtClean="0">
-                  <a:latin typeface="Courier"/>
-                  <a:cs typeface="Courier"/>
-                </a:rPr>
-              </a:br>
-              <a:endParaRPr lang="en-US" b="1" dirty="0" smtClean="0">
-                <a:latin typeface="Courier"/>
-                <a:cs typeface="Courier"/>
-              </a:endParaRPr>
-            </a:p>
-          </p:txBody>
-        </p:sp>
-        <p:sp>
-          <p:nvSpPr>
-            <p:cNvPr id="14" name="TextBox 13"/>
-            <p:cNvSpPr txBox="1"/>
-            <p:nvPr/>
-          </p:nvSpPr>
-          <p:spPr>
-            <a:xfrm>
-              <a:off x="5745462" y="3969682"/>
-              <a:ext cx="709314" cy="1243978"/>
-            </a:xfrm>
-            <a:prstGeom prst="rect">
-              <a:avLst/>
-            </a:prstGeom>
-            <a:solidFill>
-              <a:schemeClr val="accent6">
-                <a:lumMod val="40000"/>
-                <a:lumOff val="60000"/>
-              </a:schemeClr>
-            </a:solidFill>
-            <a:ln>
-              <a:solidFill>
-                <a:schemeClr val="tx1"/>
-              </a:solidFill>
-            </a:ln>
-          </p:spPr>
-          <p:txBody>
-            <a:bodyPr wrap="square" rtlCol="0">
-              <a:spAutoFit/>
-            </a:bodyPr>
-            <a:lstStyle/>
-            <a:p>
-              <a:pPr algn="ctr"/>
-              <a:r>
-                <a:rPr lang="en-US" sz="1400" b="1" dirty="0" smtClean="0">
-                  <a:latin typeface="Courier"/>
-                  <a:cs typeface="Courier"/>
-                </a:rPr>
-                <a:t>V5?</a:t>
-              </a:r>
-              <a:r>
-                <a:rPr lang="en-US" b="1" dirty="0" smtClean="0">
-                  <a:latin typeface="Courier"/>
-                  <a:cs typeface="Courier"/>
-                </a:rPr>
-                <a:t/>
-              </a:r>
-              <a:br>
-                <a:rPr lang="en-US" b="1" dirty="0" smtClean="0">
-                  <a:latin typeface="Courier"/>
-                  <a:cs typeface="Courier"/>
-                </a:rPr>
-              </a:br>
-              <a:endParaRPr lang="en-US" b="1" dirty="0" smtClean="0">
-                <a:latin typeface="Courier"/>
-                <a:cs typeface="Courier"/>
-              </a:endParaRPr>
-            </a:p>
-          </p:txBody>
-        </p:sp>
-        <p:cxnSp>
-          <p:nvCxnSpPr>
-            <p:cNvPr id="15" name="Straight Arrow Connector 14"/>
-            <p:cNvCxnSpPr>
-              <a:stCxn id="9" idx="3"/>
-              <a:endCxn id="10" idx="1"/>
-            </p:cNvCxnSpPr>
-            <p:nvPr/>
-          </p:nvCxnSpPr>
-          <p:spPr>
-            <a:xfrm flipV="1">
-              <a:off x="2840817" y="2946258"/>
-              <a:ext cx="1064887" cy="817097"/>
-            </a:xfrm>
-            <a:prstGeom prst="straightConnector1">
-              <a:avLst/>
-            </a:prstGeom>
-            <a:ln>
-              <a:tailEnd type="arrow"/>
-            </a:ln>
-          </p:spPr>
-          <p:style>
-            <a:lnRef idx="2">
-              <a:schemeClr val="accent1"/>
-            </a:lnRef>
-            <a:fillRef idx="0">
-              <a:schemeClr val="accent1"/>
-            </a:fillRef>
-            <a:effectRef idx="1">
-              <a:schemeClr val="accent1"/>
-            </a:effectRef>
-            <a:fontRef idx="minor">
-              <a:schemeClr val="tx1"/>
-            </a:fontRef>
-          </p:style>
-        </p:cxnSp>
-        <p:cxnSp>
-          <p:nvCxnSpPr>
-            <p:cNvPr id="16" name="Straight Arrow Connector 15"/>
-            <p:cNvCxnSpPr>
-              <a:stCxn id="7" idx="3"/>
-              <a:endCxn id="8" idx="1"/>
-            </p:cNvCxnSpPr>
-            <p:nvPr/>
-          </p:nvCxnSpPr>
-          <p:spPr>
-            <a:xfrm>
-              <a:off x="1001059" y="3763355"/>
-              <a:ext cx="227656" cy="3056"/>
-            </a:xfrm>
-            <a:prstGeom prst="straightConnector1">
-              <a:avLst/>
-            </a:prstGeom>
-            <a:ln>
-              <a:tailEnd type="arrow"/>
-            </a:ln>
-          </p:spPr>
-          <p:style>
-            <a:lnRef idx="2">
-              <a:schemeClr val="accent1"/>
-            </a:lnRef>
-            <a:fillRef idx="0">
-              <a:schemeClr val="accent1"/>
-            </a:fillRef>
-            <a:effectRef idx="1">
-              <a:schemeClr val="accent1"/>
-            </a:effectRef>
-            <a:fontRef idx="minor">
-              <a:schemeClr val="tx1"/>
-            </a:fontRef>
-          </p:style>
-        </p:cxnSp>
-        <p:cxnSp>
-          <p:nvCxnSpPr>
-            <p:cNvPr id="17" name="Straight Arrow Connector 16"/>
-            <p:cNvCxnSpPr>
-              <a:stCxn id="8" idx="3"/>
-              <a:endCxn id="9" idx="1"/>
-            </p:cNvCxnSpPr>
-            <p:nvPr/>
-          </p:nvCxnSpPr>
-          <p:spPr>
-            <a:xfrm>
-              <a:off x="1938030" y="3763355"/>
-              <a:ext cx="193473" cy="3056"/>
-            </a:xfrm>
-            <a:prstGeom prst="straightConnector1">
-              <a:avLst/>
-            </a:prstGeom>
-            <a:ln>
-              <a:tailEnd type="arrow"/>
-            </a:ln>
-          </p:spPr>
-          <p:style>
-            <a:lnRef idx="2">
-              <a:schemeClr val="accent1"/>
-            </a:lnRef>
-            <a:fillRef idx="0">
-              <a:schemeClr val="accent1"/>
-            </a:fillRef>
-            <a:effectRef idx="1">
-              <a:schemeClr val="accent1"/>
-            </a:effectRef>
-            <a:fontRef idx="minor">
-              <a:schemeClr val="tx1"/>
-            </a:fontRef>
-          </p:style>
-        </p:cxnSp>
-        <p:cxnSp>
-          <p:nvCxnSpPr>
-            <p:cNvPr id="18" name="Straight Arrow Connector 17"/>
-            <p:cNvCxnSpPr>
-              <a:stCxn id="9" idx="3"/>
-              <a:endCxn id="13" idx="1"/>
-            </p:cNvCxnSpPr>
-            <p:nvPr/>
-          </p:nvCxnSpPr>
-          <p:spPr>
-            <a:xfrm>
-              <a:off x="2840817" y="3763355"/>
-              <a:ext cx="355573" cy="828317"/>
-            </a:xfrm>
-            <a:prstGeom prst="straightConnector1">
-              <a:avLst/>
-            </a:prstGeom>
-            <a:ln>
-              <a:tailEnd type="arrow"/>
-            </a:ln>
-          </p:spPr>
-          <p:style>
-            <a:lnRef idx="2">
-              <a:schemeClr val="accent1"/>
-            </a:lnRef>
-            <a:fillRef idx="0">
-              <a:schemeClr val="accent1"/>
-            </a:fillRef>
-            <a:effectRef idx="1">
-              <a:schemeClr val="accent1"/>
-            </a:effectRef>
-            <a:fontRef idx="minor">
-              <a:schemeClr val="tx1"/>
-            </a:fontRef>
-          </p:style>
-        </p:cxnSp>
-        <p:cxnSp>
-          <p:nvCxnSpPr>
-            <p:cNvPr id="19" name="Straight Arrow Connector 18"/>
-            <p:cNvCxnSpPr>
-              <a:stCxn id="11" idx="3"/>
-              <a:endCxn id="12" idx="1"/>
-            </p:cNvCxnSpPr>
-            <p:nvPr/>
-          </p:nvCxnSpPr>
-          <p:spPr>
-            <a:xfrm>
-              <a:off x="5745460" y="2946258"/>
-              <a:ext cx="1355726" cy="3056"/>
-            </a:xfrm>
-            <a:prstGeom prst="straightConnector1">
-              <a:avLst/>
-            </a:prstGeom>
-            <a:ln>
-              <a:tailEnd type="arrow"/>
-            </a:ln>
-          </p:spPr>
-          <p:style>
-            <a:lnRef idx="2">
-              <a:schemeClr val="accent1"/>
-            </a:lnRef>
-            <a:fillRef idx="0">
-              <a:schemeClr val="accent1"/>
-            </a:fillRef>
-            <a:effectRef idx="1">
-              <a:schemeClr val="accent1"/>
-            </a:effectRef>
-            <a:fontRef idx="minor">
-              <a:schemeClr val="tx1"/>
-            </a:fontRef>
-          </p:style>
-        </p:cxnSp>
-        <p:cxnSp>
-          <p:nvCxnSpPr>
-            <p:cNvPr id="20" name="Straight Arrow Connector 19"/>
-            <p:cNvCxnSpPr>
-              <a:stCxn id="10" idx="3"/>
-              <a:endCxn id="11" idx="1"/>
-            </p:cNvCxnSpPr>
-            <p:nvPr/>
-          </p:nvCxnSpPr>
-          <p:spPr>
-            <a:xfrm>
-              <a:off x="4615017" y="2946258"/>
-              <a:ext cx="421129" cy="3056"/>
-            </a:xfrm>
-            <a:prstGeom prst="straightConnector1">
-              <a:avLst/>
-            </a:prstGeom>
-            <a:ln>
-              <a:tailEnd type="arrow"/>
-            </a:ln>
-          </p:spPr>
-          <p:style>
-            <a:lnRef idx="2">
-              <a:schemeClr val="accent1"/>
-            </a:lnRef>
-            <a:fillRef idx="0">
-              <a:schemeClr val="accent1"/>
-            </a:fillRef>
-            <a:effectRef idx="1">
-              <a:schemeClr val="accent1"/>
-            </a:effectRef>
-            <a:fontRef idx="minor">
-              <a:schemeClr val="tx1"/>
-            </a:fontRef>
-          </p:style>
-        </p:cxnSp>
-        <p:cxnSp>
-          <p:nvCxnSpPr>
-            <p:cNvPr id="21" name="Straight Arrow Connector 20"/>
-            <p:cNvCxnSpPr>
-              <a:stCxn id="13" idx="3"/>
-              <a:endCxn id="14" idx="1"/>
-            </p:cNvCxnSpPr>
-            <p:nvPr/>
-          </p:nvCxnSpPr>
-          <p:spPr>
-            <a:xfrm>
-              <a:off x="3905704" y="4591672"/>
-              <a:ext cx="1839758" cy="3056"/>
-            </a:xfrm>
-            <a:prstGeom prst="straightConnector1">
-              <a:avLst/>
-            </a:prstGeom>
-            <a:ln>
-              <a:tailEnd type="arrow"/>
-            </a:ln>
-          </p:spPr>
-          <p:style>
-            <a:lnRef idx="2">
-              <a:schemeClr val="accent1"/>
-            </a:lnRef>
-            <a:fillRef idx="0">
-              <a:schemeClr val="accent1"/>
-            </a:fillRef>
-            <a:effectRef idx="1">
-              <a:schemeClr val="accent1"/>
-            </a:effectRef>
-            <a:fontRef idx="minor">
-              <a:schemeClr val="tx1"/>
-            </a:fontRef>
-          </p:style>
-        </p:cxnSp>
-      </p:grpSp>
-      <p:sp>
-        <p:nvSpPr>
-          <p:cNvPr id="23" name="TextBox 22"/>
-          <p:cNvSpPr txBox="1"/>
-          <p:nvPr/>
-        </p:nvSpPr>
-        <p:spPr>
-          <a:xfrm>
-            <a:off x="218974" y="6519446"/>
-            <a:ext cx="8160441" cy="338554"/>
-          </a:xfrm>
-          <a:prstGeom prst="rect">
-            <a:avLst/>
-          </a:prstGeom>
-          <a:noFill/>
-        </p:spPr>
-        <p:txBody>
-          <a:bodyPr wrap="square" rtlCol="0">
-            <a:spAutoFit/>
-          </a:bodyPr>
-          <a:lstStyle/>
-          <a:p>
-            <a:r>
-              <a:rPr lang="en-US" sz="1600" i="1" dirty="0" smtClean="0"/>
-              <a:t>*a lot of optimization/compression is done to save disk space</a:t>
-            </a:r>
-            <a:endParaRPr lang="en-US" sz="1600" i="1" dirty="0"/>
-          </a:p>
-        </p:txBody>
-      </p:sp>
-    </p:spTree>
-    <p:extLst>
-      <p:ext uri="{BB962C8B-B14F-4D97-AF65-F5344CB8AC3E}">
-        <p14:creationId xmlns="" xmlns:a="http://schemas.openxmlformats.org/drawingml/2006/main" xmlns:r="http://schemas.openxmlformats.org/officeDocument/2006/relationships" xmlns:p="http://schemas.openxmlformats.org/presentationml/2006/main" xmlns:p14="http://schemas.microsoft.com/office/powerpoint/2010/main" xmlns:mv="urn:schemas-microsoft-com:mac:vml" xmlns:mc="http://schemas.openxmlformats.org/markup-compatibility/2006" val="2278185650"/>
-      </p:ext>
-    </p:extLst>
-  </p:cSld>
-  <p:clrMapOvr>
-    <a:masterClrMapping/>
-  </p:clrMapOvr>
-  <p:transition/>
-  <p:timing>
-    <p:tnLst>
-      <p:par>
-        <p:cTn id="1" dur="indefinite" restart="never" nodeType="tmRoot"/>
+        <p:cTn xmlns:p14="http://schemas.microsoft.com/office/powerpoint/2010/main" id="1" dur="indefinite" restart="never" nodeType="tmRoot"/>
       </p:par>
     </p:tnLst>
   </p:timing>

--- a/git_python_kurs.pptx
+++ b/git_python_kurs.pptx
@@ -22,7 +22,6 @@
     <p:sldId id="267" r:id="rId16"/>
     <p:sldId id="268" r:id="rId17"/>
     <p:sldId id="274" r:id="rId18"/>
-    <p:sldId id="269" r:id="rId19"/>
   </p:sldIdLst>
   <p:sldSz cx="9144000" cy="6858000" type="screen4x3"/>
   <p:notesSz cx="6858000" cy="9144000"/>
@@ -14066,73 +14065,6 @@
 </p:sld>
 </file>
 
-<file path=ppt/slides/slide18.xml><?xml version="1.0" encoding="utf-8"?>
-<p:sld xmlns:a="http://schemas.openxmlformats.org/drawingml/2006/main" xmlns:r="http://schemas.openxmlformats.org/officeDocument/2006/relationships" xmlns:p="http://schemas.openxmlformats.org/presentationml/2006/main">
-  <p:cSld>
-    <p:spTree>
-      <p:nvGrpSpPr>
-        <p:cNvPr id="1" name=""/>
-        <p:cNvGrpSpPr/>
-        <p:nvPr/>
-      </p:nvGrpSpPr>
-      <p:grpSpPr>
-        <a:xfrm>
-          <a:off x="0" y="0"/>
-          <a:ext cx="0" cy="0"/>
-          <a:chOff x="0" y="0"/>
-          <a:chExt cx="0" cy="0"/>
-        </a:xfrm>
-      </p:grpSpPr>
-      <p:sp>
-        <p:nvSpPr>
-          <p:cNvPr id="4" name="TextBox 3"/>
-          <p:cNvSpPr txBox="1"/>
-          <p:nvPr/>
-        </p:nvSpPr>
-        <p:spPr>
-          <a:xfrm>
-            <a:off x="581000" y="932188"/>
-            <a:ext cx="5593818" cy="369332"/>
-          </a:xfrm>
-          <a:prstGeom prst="rect">
-            <a:avLst/>
-          </a:prstGeom>
-          <a:noFill/>
-        </p:spPr>
-        <p:txBody>
-          <a:bodyPr wrap="square" rtlCol="0">
-            <a:spAutoFit/>
-          </a:bodyPr>
-          <a:lstStyle/>
-          <a:p>
-            <a:r>
-              <a:rPr lang="en-US" dirty="0" smtClean="0"/>
-              <a:t>Recommended workflow 1</a:t>
-            </a:r>
-          </a:p>
-        </p:txBody>
-      </p:sp>
-    </p:spTree>
-    <p:extLst>
-      <p:ext uri="{BB962C8B-B14F-4D97-AF65-F5344CB8AC3E}">
-        <p14:creationId xmlns:p14="http://schemas.microsoft.com/office/powerpoint/2010/main" val="1703534084"/>
-      </p:ext>
-    </p:extLst>
-  </p:cSld>
-  <p:clrMapOvr>
-    <a:masterClrMapping/>
-  </p:clrMapOvr>
-  <p:transition xmlns:p14="http://schemas.microsoft.com/office/powerpoint/2010/main"/>
-  <p:timing>
-    <p:tnLst>
-      <p:par>
-        <p:cTn xmlns:p14="http://schemas.microsoft.com/office/powerpoint/2010/main" id="1" dur="indefinite" restart="never" nodeType="tmRoot"/>
-      </p:par>
-    </p:tnLst>
-  </p:timing>
-</p:sld>
-</file>
-
 <file path=ppt/slides/slide2.xml><?xml version="1.0" encoding="utf-8"?>
 <p:sld xmlns:a="http://schemas.openxmlformats.org/drawingml/2006/main" xmlns:r="http://schemas.openxmlformats.org/officeDocument/2006/relationships" xmlns:p="http://schemas.openxmlformats.org/presentationml/2006/main">
   <p:cSld>
@@ -14437,7 +14369,7 @@
                             </p:stCondLst>
                             <p:childTnLst>
                               <p:par>
-                                <p:cTn id="5" presetID="1" presetClass="entr" presetSubtype="0" fill="hold" grpId="0" nodeType="clickEffect">
+                                <p:cTn id="5" presetID="1" presetClass="entr" presetSubtype="0" fill="hold" nodeType="clickEffect">
                                   <p:stCondLst>
                                     <p:cond delay="0"/>
                                   </p:stCondLst>
@@ -14445,6 +14377,150 @@
                                     <p:set>
                                       <p:cBhvr>
                                         <p:cTn id="6" dur="1" fill="hold">
+                                          <p:stCondLst>
+                                            <p:cond delay="0"/>
+                                          </p:stCondLst>
+                                        </p:cTn>
+                                        <p:tgtEl>
+                                          <p:spTgt spid="7"/>
+                                        </p:tgtEl>
+                                        <p:attrNameLst>
+                                          <p:attrName>style.visibility</p:attrName>
+                                        </p:attrNameLst>
+                                      </p:cBhvr>
+                                      <p:to>
+                                        <p:strVal val="visible"/>
+                                      </p:to>
+                                    </p:set>
+                                  </p:childTnLst>
+                                </p:cTn>
+                              </p:par>
+                              <p:par>
+                                <p:cTn id="7" presetID="1" presetClass="entr" presetSubtype="0" fill="hold" grpId="0" nodeType="withEffect">
+                                  <p:stCondLst>
+                                    <p:cond delay="0"/>
+                                  </p:stCondLst>
+                                  <p:childTnLst>
+                                    <p:set>
+                                      <p:cBhvr>
+                                        <p:cTn id="8" dur="1" fill="hold">
+                                          <p:stCondLst>
+                                            <p:cond delay="0"/>
+                                          </p:stCondLst>
+                                        </p:cTn>
+                                        <p:tgtEl>
+                                          <p:spTgt spid="9"/>
+                                        </p:tgtEl>
+                                        <p:attrNameLst>
+                                          <p:attrName>style.visibility</p:attrName>
+                                        </p:attrNameLst>
+                                      </p:cBhvr>
+                                      <p:to>
+                                        <p:strVal val="visible"/>
+                                      </p:to>
+                                    </p:set>
+                                  </p:childTnLst>
+                                </p:cTn>
+                              </p:par>
+                            </p:childTnLst>
+                          </p:cTn>
+                        </p:par>
+                      </p:childTnLst>
+                    </p:cTn>
+                  </p:par>
+                  <p:par>
+                    <p:cTn id="9" fill="hold">
+                      <p:stCondLst>
+                        <p:cond delay="indefinite"/>
+                      </p:stCondLst>
+                      <p:childTnLst>
+                        <p:par>
+                          <p:cTn id="10" fill="hold">
+                            <p:stCondLst>
+                              <p:cond delay="0"/>
+                            </p:stCondLst>
+                            <p:childTnLst>
+                              <p:par>
+                                <p:cTn id="11" presetID="1" presetClass="entr" presetSubtype="0" fill="hold" nodeType="clickEffect">
+                                  <p:stCondLst>
+                                    <p:cond delay="0"/>
+                                  </p:stCondLst>
+                                  <p:childTnLst>
+                                    <p:set>
+                                      <p:cBhvr>
+                                        <p:cTn id="12" dur="1" fill="hold">
+                                          <p:stCondLst>
+                                            <p:cond delay="0"/>
+                                          </p:stCondLst>
+                                        </p:cTn>
+                                        <p:tgtEl>
+                                          <p:spTgt spid="8"/>
+                                        </p:tgtEl>
+                                        <p:attrNameLst>
+                                          <p:attrName>style.visibility</p:attrName>
+                                        </p:attrNameLst>
+                                      </p:cBhvr>
+                                      <p:to>
+                                        <p:strVal val="visible"/>
+                                      </p:to>
+                                    </p:set>
+                                  </p:childTnLst>
+                                </p:cTn>
+                              </p:par>
+                              <p:par>
+                                <p:cTn id="13" presetID="1" presetClass="entr" presetSubtype="0" fill="hold" grpId="0" nodeType="withEffect">
+                                  <p:stCondLst>
+                                    <p:cond delay="0"/>
+                                  </p:stCondLst>
+                                  <p:childTnLst>
+                                    <p:set>
+                                      <p:cBhvr>
+                                        <p:cTn id="14" dur="1" fill="hold">
+                                          <p:stCondLst>
+                                            <p:cond delay="0"/>
+                                          </p:stCondLst>
+                                        </p:cTn>
+                                        <p:tgtEl>
+                                          <p:spTgt spid="10"/>
+                                        </p:tgtEl>
+                                        <p:attrNameLst>
+                                          <p:attrName>style.visibility</p:attrName>
+                                        </p:attrNameLst>
+                                      </p:cBhvr>
+                                      <p:to>
+                                        <p:strVal val="visible"/>
+                                      </p:to>
+                                    </p:set>
+                                  </p:childTnLst>
+                                </p:cTn>
+                              </p:par>
+                            </p:childTnLst>
+                          </p:cTn>
+                        </p:par>
+                      </p:childTnLst>
+                    </p:cTn>
+                  </p:par>
+                  <p:par>
+                    <p:cTn id="15" fill="hold">
+                      <p:stCondLst>
+                        <p:cond delay="indefinite"/>
+                      </p:stCondLst>
+                      <p:childTnLst>
+                        <p:par>
+                          <p:cTn id="16" fill="hold">
+                            <p:stCondLst>
+                              <p:cond delay="0"/>
+                            </p:stCondLst>
+                            <p:childTnLst>
+                              <p:par>
+                                <p:cTn id="17" presetID="1" presetClass="entr" presetSubtype="0" fill="hold" grpId="0" nodeType="clickEffect">
+                                  <p:stCondLst>
+                                    <p:cond delay="0"/>
+                                  </p:stCondLst>
+                                  <p:childTnLst>
+                                    <p:set>
+                                      <p:cBhvr>
+                                        <p:cTn id="18" dur="1" fill="hold">
                                           <p:stCondLst>
                                             <p:cond delay="0"/>
                                           </p:stCondLst>
@@ -14492,6 +14568,8 @@
     </p:tnLst>
     <p:bldLst>
       <p:bldP spid="4" grpId="0"/>
+      <p:bldP spid="9" grpId="0"/>
+      <p:bldP spid="10" grpId="0"/>
     </p:bldLst>
   </p:timing>
 </p:sld>
@@ -16638,8 +16716,8 @@
         </p:nvSpPr>
         <p:spPr>
           <a:xfrm>
-            <a:off x="350358" y="1767006"/>
-            <a:ext cx="8072851" cy="3139321"/>
+            <a:off x="128109" y="1243131"/>
+            <a:ext cx="6602891" cy="4247317"/>
           </a:xfrm>
           <a:prstGeom prst="rect">
             <a:avLst/>
@@ -16703,7 +16781,19 @@
             </a:br>
             <a:r>
               <a:rPr lang="en-US" dirty="0" smtClean="0"/>
-              <a:t>	(by copying the database entry belonging to the version number to the </a:t>
+              <a:t>	(</a:t>
+            </a:r>
+            <a:r>
+              <a:rPr lang="en-US" dirty="0" smtClean="0"/>
+              <a:t>by copying the database entry belonging to the version </a:t>
+            </a:r>
+            <a:r>
+              <a:rPr lang="en-US" dirty="0" smtClean="0"/>
+              <a:t>	number </a:t>
+            </a:r>
+            <a:r>
+              <a:rPr lang="en-US" dirty="0" smtClean="0"/>
+              <a:t>to the </a:t>
             </a:r>
             <a:r>
               <a:rPr lang="en-US" dirty="0" err="1" smtClean="0"/>
@@ -16744,8 +16834,24 @@
               <a:rPr lang="en-US" dirty="0" smtClean="0"/>
             </a:br>
             <a:r>
+              <a:rPr lang="en-US" dirty="0"/>
+              <a:t>	</a:t>
+            </a:r>
+            <a:r>
               <a:rPr lang="en-US" dirty="0" smtClean="0"/>
-              <a:t>	(by running a ‘diff’ between the two corresponding database entries)</a:t>
+              <a:t>(</a:t>
+            </a:r>
+            <a:r>
+              <a:rPr lang="en-US" dirty="0" smtClean="0"/>
+              <a:t>by running a ‘diff’ between the two corresponding database </a:t>
+            </a:r>
+            <a:r>
+              <a:rPr lang="en-US" dirty="0" smtClean="0"/>
+              <a:t>	entries</a:t>
+            </a:r>
+            <a:r>
+              <a:rPr lang="en-US" dirty="0" smtClean="0"/>
+              <a:t>)</a:t>
             </a:r>
           </a:p>
         </p:txBody>
@@ -16780,6 +16886,341 @@
           </a:p>
         </p:txBody>
       </p:sp>
+      <p:grpSp>
+        <p:nvGrpSpPr>
+          <p:cNvPr id="5" name="Group 38"/>
+          <p:cNvGrpSpPr/>
+          <p:nvPr/>
+        </p:nvGrpSpPr>
+        <p:grpSpPr>
+          <a:xfrm>
+            <a:off x="6826832" y="1055808"/>
+            <a:ext cx="2248136" cy="3938280"/>
+            <a:chOff x="6656817" y="1246308"/>
+            <a:chExt cx="2248136" cy="3938280"/>
+          </a:xfrm>
+        </p:grpSpPr>
+        <p:grpSp>
+          <p:nvGrpSpPr>
+            <p:cNvPr id="8" name="Group 31"/>
+            <p:cNvGrpSpPr/>
+            <p:nvPr/>
+          </p:nvGrpSpPr>
+          <p:grpSpPr>
+            <a:xfrm>
+              <a:off x="6656817" y="1246308"/>
+              <a:ext cx="2248136" cy="3938280"/>
+              <a:chOff x="6656817" y="2396103"/>
+              <a:chExt cx="2248136" cy="3938280"/>
+            </a:xfrm>
+          </p:grpSpPr>
+          <p:sp>
+            <p:nvSpPr>
+              <p:cNvPr id="10" name="TextBox 7"/>
+              <p:cNvSpPr txBox="1"/>
+              <p:nvPr/>
+            </p:nvSpPr>
+            <p:spPr>
+              <a:xfrm>
+                <a:off x="6833248" y="2546169"/>
+                <a:ext cx="1795590" cy="738664"/>
+              </a:xfrm>
+              <a:prstGeom prst="rect">
+                <a:avLst/>
+              </a:prstGeom>
+              <a:solidFill>
+                <a:schemeClr val="accent6">
+                  <a:lumMod val="40000"/>
+                  <a:lumOff val="60000"/>
+                </a:schemeClr>
+              </a:solidFill>
+              <a:ln>
+                <a:solidFill>
+                  <a:schemeClr val="tx1"/>
+                </a:solidFill>
+              </a:ln>
+            </p:spPr>
+            <p:txBody>
+              <a:bodyPr wrap="square" rtlCol="0">
+                <a:spAutoFit/>
+              </a:bodyPr>
+              <a:lstStyle/>
+              <a:p>
+                <a:r>
+                  <a:rPr lang="en-US" sz="1400" b="1" dirty="0" smtClean="0">
+                    <a:latin typeface="Courier"/>
+                    <a:cs typeface="Courier"/>
+                  </a:rPr>
+                  <a:t>V1</a:t>
+                </a:r>
+              </a:p>
+              <a:p>
+                <a:r>
+                  <a:rPr lang="en-US" sz="1400" dirty="0" smtClean="0">
+                    <a:latin typeface="Courier"/>
+                    <a:cs typeface="Courier"/>
+                  </a:rPr>
+                  <a:t>Manuscript (v1)</a:t>
+                </a:r>
+              </a:p>
+              <a:p>
+                <a:r>
+                  <a:rPr lang="en-US" sz="1400" dirty="0" smtClean="0">
+                    <a:latin typeface="Courier"/>
+                    <a:cs typeface="Courier"/>
+                  </a:rPr>
+                  <a:t>figures/fig1</a:t>
+                </a:r>
+                <a:endParaRPr lang="en-US" sz="1400" dirty="0">
+                  <a:latin typeface="Courier"/>
+                  <a:cs typeface="Courier"/>
+                </a:endParaRPr>
+              </a:p>
+            </p:txBody>
+          </p:sp>
+          <p:sp>
+            <p:nvSpPr>
+              <p:cNvPr id="11" name="TextBox 8"/>
+              <p:cNvSpPr txBox="1"/>
+              <p:nvPr/>
+            </p:nvSpPr>
+            <p:spPr>
+              <a:xfrm>
+                <a:off x="6833248" y="3538919"/>
+                <a:ext cx="1795590" cy="954107"/>
+              </a:xfrm>
+              <a:prstGeom prst="rect">
+                <a:avLst/>
+              </a:prstGeom>
+              <a:solidFill>
+                <a:schemeClr val="accent6">
+                  <a:lumMod val="40000"/>
+                  <a:lumOff val="60000"/>
+                </a:schemeClr>
+              </a:solidFill>
+              <a:ln>
+                <a:solidFill>
+                  <a:schemeClr val="tx1"/>
+                </a:solidFill>
+              </a:ln>
+            </p:spPr>
+            <p:txBody>
+              <a:bodyPr wrap="square" rtlCol="0">
+                <a:spAutoFit/>
+              </a:bodyPr>
+              <a:lstStyle/>
+              <a:p>
+                <a:r>
+                  <a:rPr lang="en-US" sz="1400" b="1" dirty="0" smtClean="0">
+                    <a:latin typeface="Courier"/>
+                    <a:cs typeface="Courier"/>
+                  </a:rPr>
+                  <a:t>V2</a:t>
+                </a:r>
+              </a:p>
+              <a:p>
+                <a:r>
+                  <a:rPr lang="en-US" sz="1400" dirty="0" smtClean="0">
+                    <a:latin typeface="Courier"/>
+                    <a:cs typeface="Courier"/>
+                  </a:rPr>
+                  <a:t>Manuscript (v1)</a:t>
+                </a:r>
+              </a:p>
+              <a:p>
+                <a:r>
+                  <a:rPr lang="en-US" sz="1400" dirty="0" smtClean="0">
+                    <a:latin typeface="Courier"/>
+                    <a:cs typeface="Courier"/>
+                  </a:rPr>
+                  <a:t>figures/fig1</a:t>
+                </a:r>
+                <a:br>
+                  <a:rPr lang="en-US" sz="1400" dirty="0" smtClean="0">
+                    <a:latin typeface="Courier"/>
+                    <a:cs typeface="Courier"/>
+                  </a:rPr>
+                </a:br>
+                <a:r>
+                  <a:rPr lang="en-US" sz="1400" dirty="0" smtClean="0">
+                    <a:latin typeface="Courier"/>
+                    <a:cs typeface="Courier"/>
+                  </a:rPr>
+                  <a:t>figures/fig2</a:t>
+                </a:r>
+                <a:endParaRPr lang="en-US" sz="1400" dirty="0">
+                  <a:latin typeface="Courier"/>
+                  <a:cs typeface="Courier"/>
+                </a:endParaRPr>
+              </a:p>
+            </p:txBody>
+          </p:sp>
+          <p:sp>
+            <p:nvSpPr>
+              <p:cNvPr id="12" name="TextBox 9"/>
+              <p:cNvSpPr txBox="1"/>
+              <p:nvPr/>
+            </p:nvSpPr>
+            <p:spPr>
+              <a:xfrm>
+                <a:off x="6833248" y="4826676"/>
+                <a:ext cx="1795590" cy="954107"/>
+              </a:xfrm>
+              <a:prstGeom prst="rect">
+                <a:avLst/>
+              </a:prstGeom>
+              <a:solidFill>
+                <a:schemeClr val="accent6">
+                  <a:lumMod val="40000"/>
+                  <a:lumOff val="60000"/>
+                </a:schemeClr>
+              </a:solidFill>
+              <a:ln>
+                <a:solidFill>
+                  <a:schemeClr val="tx1"/>
+                </a:solidFill>
+              </a:ln>
+            </p:spPr>
+            <p:txBody>
+              <a:bodyPr wrap="square" rtlCol="0">
+                <a:spAutoFit/>
+              </a:bodyPr>
+              <a:lstStyle/>
+              <a:p>
+                <a:r>
+                  <a:rPr lang="en-US" sz="1400" b="1" dirty="0" smtClean="0">
+                    <a:latin typeface="Courier"/>
+                    <a:cs typeface="Courier"/>
+                  </a:rPr>
+                  <a:t>V3</a:t>
+                </a:r>
+              </a:p>
+              <a:p>
+                <a:r>
+                  <a:rPr lang="en-US" sz="1400" dirty="0" smtClean="0">
+                    <a:latin typeface="Courier"/>
+                    <a:cs typeface="Courier"/>
+                  </a:rPr>
+                  <a:t>Manuscript (v2)</a:t>
+                </a:r>
+              </a:p>
+              <a:p>
+                <a:r>
+                  <a:rPr lang="en-US" sz="1400" dirty="0" smtClean="0">
+                    <a:latin typeface="Courier"/>
+                    <a:cs typeface="Courier"/>
+                  </a:rPr>
+                  <a:t>figures/fig1</a:t>
+                </a:r>
+                <a:br>
+                  <a:rPr lang="en-US" sz="1400" dirty="0" smtClean="0">
+                    <a:latin typeface="Courier"/>
+                    <a:cs typeface="Courier"/>
+                  </a:rPr>
+                </a:br>
+                <a:r>
+                  <a:rPr lang="en-US" sz="1400" dirty="0" smtClean="0">
+                    <a:latin typeface="Courier"/>
+                    <a:cs typeface="Courier"/>
+                  </a:rPr>
+                  <a:t>figures/fig2</a:t>
+                </a:r>
+                <a:endParaRPr lang="en-US" sz="1400" dirty="0">
+                  <a:latin typeface="Courier"/>
+                  <a:cs typeface="Courier"/>
+                </a:endParaRPr>
+              </a:p>
+            </p:txBody>
+          </p:sp>
+          <p:sp>
+            <p:nvSpPr>
+              <p:cNvPr id="13" name="Rectangle 21"/>
+              <p:cNvSpPr/>
+              <p:nvPr/>
+            </p:nvSpPr>
+            <p:spPr>
+              <a:xfrm>
+                <a:off x="6656817" y="2396103"/>
+                <a:ext cx="2248136" cy="3938280"/>
+              </a:xfrm>
+              <a:prstGeom prst="rect">
+                <a:avLst/>
+              </a:prstGeom>
+              <a:noFill/>
+              <a:ln>
+                <a:solidFill>
+                  <a:schemeClr val="tx1"/>
+                </a:solidFill>
+              </a:ln>
+            </p:spPr>
+            <p:style>
+              <a:lnRef idx="1">
+                <a:schemeClr val="accent1"/>
+              </a:lnRef>
+              <a:fillRef idx="3">
+                <a:schemeClr val="accent1"/>
+              </a:fillRef>
+              <a:effectRef idx="2">
+                <a:schemeClr val="accent1"/>
+              </a:effectRef>
+              <a:fontRef idx="minor">
+                <a:schemeClr val="lt1"/>
+              </a:fontRef>
+            </p:style>
+            <p:txBody>
+              <a:bodyPr rtlCol="0" anchor="ctr"/>
+              <a:lstStyle/>
+              <a:p>
+                <a:pPr algn="ctr"/>
+                <a:endParaRPr lang="en-US"/>
+              </a:p>
+            </p:txBody>
+          </p:sp>
+        </p:grpSp>
+        <p:sp>
+          <p:nvSpPr>
+            <p:cNvPr id="9" name="TextBox 36"/>
+            <p:cNvSpPr txBox="1"/>
+            <p:nvPr/>
+          </p:nvSpPr>
+          <p:spPr>
+            <a:xfrm>
+              <a:off x="6833248" y="4826676"/>
+              <a:ext cx="1546167" cy="307777"/>
+            </a:xfrm>
+            <a:prstGeom prst="rect">
+              <a:avLst/>
+            </a:prstGeom>
+            <a:noFill/>
+          </p:spPr>
+          <p:txBody>
+            <a:bodyPr wrap="square" rtlCol="0">
+              <a:spAutoFit/>
+            </a:bodyPr>
+            <a:lstStyle/>
+            <a:p>
+              <a:r>
+                <a:rPr lang="en-US" sz="1400" dirty="0" smtClean="0">
+                  <a:latin typeface="Courier"/>
+                  <a:cs typeface="Courier"/>
+                </a:rPr>
+                <a:t>current: </a:t>
+              </a:r>
+              <a:r>
+                <a:rPr lang="en-US" sz="1400" b="1" dirty="0" smtClean="0">
+                  <a:latin typeface="Courier"/>
+                  <a:cs typeface="Courier"/>
+                </a:rPr>
+                <a:t>V3</a:t>
+              </a:r>
+              <a:endParaRPr lang="en-US" sz="1400" b="1" dirty="0">
+                <a:latin typeface="Courier"/>
+                <a:cs typeface="Courier"/>
+              </a:endParaRPr>
+            </a:p>
+          </p:txBody>
+        </p:sp>
+      </p:grpSp>
     </p:spTree>
   </p:cSld>
   <p:clrMapOvr>
@@ -17541,7 +17982,7 @@
           <a:p>
             <a:r>
               <a:rPr lang="en-US" sz="1600" i="1" dirty="0" smtClean="0"/>
-              <a:t>master</a:t>
+              <a:t>remote</a:t>
             </a:r>
             <a:endParaRPr lang="en-US" sz="1600" i="1" dirty="0"/>
           </a:p>
@@ -18087,7 +18528,7 @@
           <a:p>
             <a:r>
               <a:rPr lang="en-US" sz="1600" i="1" dirty="0" smtClean="0"/>
-              <a:t>master</a:t>
+              <a:t>remote</a:t>
             </a:r>
             <a:endParaRPr lang="en-US" sz="1600" i="1" dirty="0"/>
           </a:p>
@@ -19157,8 +19598,8 @@
         </p:nvSpPr>
         <p:spPr>
           <a:xfrm>
-            <a:off x="8294756" y="4305961"/>
-            <a:ext cx="763694" cy="338554"/>
+            <a:off x="8294754" y="4305961"/>
+            <a:ext cx="849245" cy="338554"/>
           </a:xfrm>
           <a:prstGeom prst="rect">
             <a:avLst/>
@@ -19173,7 +19614,7 @@
           <a:p>
             <a:r>
               <a:rPr lang="en-US" sz="1600" i="1" dirty="0" smtClean="0"/>
-              <a:t>master</a:t>
+              <a:t>remote</a:t>
             </a:r>
             <a:endParaRPr lang="en-US" sz="1600" i="1" dirty="0"/>
           </a:p>
@@ -19251,7 +19692,7 @@
         <p:spPr>
           <a:xfrm>
             <a:off x="1082212" y="2787966"/>
-            <a:ext cx="983877" cy="738664"/>
+            <a:ext cx="1125134" cy="738664"/>
           </a:xfrm>
           <a:prstGeom prst="rect">
             <a:avLst/>
@@ -19273,7 +19714,23 @@
             </a:br>
             <a:r>
               <a:rPr lang="en-US" sz="1400" dirty="0" smtClean="0"/>
-              <a:t>(=‘master’)</a:t>
+              <a:t>(=</a:t>
+            </a:r>
+            <a:r>
+              <a:rPr lang="en-US" sz="1400" dirty="0" smtClean="0"/>
+              <a:t>‘</a:t>
+            </a:r>
+            <a:r>
+              <a:rPr lang="en-US" sz="1400" dirty="0" smtClean="0"/>
+              <a:t>remote</a:t>
+            </a:r>
+            <a:r>
+              <a:rPr lang="en-US" sz="1400" dirty="0" smtClean="0"/>
+              <a:t>’</a:t>
+            </a:r>
+            <a:r>
+              <a:rPr lang="en-US" sz="1400" dirty="0" smtClean="0"/>
+              <a:t>)</a:t>
             </a:r>
             <a:endParaRPr lang="en-US" sz="1400" dirty="0"/>
           </a:p>
@@ -19336,7 +19793,11 @@
           <a:p>
             <a:r>
               <a:rPr lang="en-US" sz="1400" dirty="0" smtClean="0"/>
-              <a:t>Push to master</a:t>
+              <a:t>Push to </a:t>
+            </a:r>
+            <a:r>
+              <a:rPr lang="en-US" sz="1400" dirty="0" smtClean="0"/>
+              <a:t>remote</a:t>
             </a:r>
             <a:endParaRPr lang="en-US" sz="1400" dirty="0"/>
           </a:p>
@@ -20035,7 +20496,11 @@
             </a:pPr>
             <a:r>
               <a:rPr lang="en-US" dirty="0" smtClean="0"/>
-              <a:t>Users can work on an isolated version of the repository without interfering with others (or changing the master repository)</a:t>
+              <a:t>Users can work on an isolated version of the repository without interfering with </a:t>
+            </a:r>
+            <a:r>
+              <a:rPr lang="en-US" dirty="0" smtClean="0"/>
+              <a:t>others</a:t>
             </a:r>
           </a:p>
           <a:p>
@@ -20052,7 +20517,11 @@
             </a:pPr>
             <a:r>
               <a:rPr lang="en-US" dirty="0" smtClean="0"/>
-              <a:t>When the time has come, users can easily combine the different changes they made into the master repository</a:t>
+              <a:t>When the time has come, users can easily combine the different changes they </a:t>
+            </a:r>
+            <a:r>
+              <a:rPr lang="en-US" dirty="0" smtClean="0"/>
+              <a:t>made</a:t>
             </a:r>
             <a:endParaRPr lang="en-US" dirty="0"/>
           </a:p>

--- a/git_python_kurs.pptx
+++ b/git_python_kurs.pptx
@@ -1,6 +1,6 @@
 
 <file path=ppt/presentation.xml><?xml version="1.0" encoding="utf-8"?>
-<p:presentation xmlns:a="http://schemas.openxmlformats.org/drawingml/2006/main" xmlns:r="http://schemas.openxmlformats.org/officeDocument/2006/relationships" xmlns:p="http://schemas.openxmlformats.org/presentationml/2006/main" saveSubsetFonts="1" autoCompressPictures="0">
+<p:presentation xmlns:a="http://schemas.openxmlformats.org/drawingml/2006/main" xmlns:r="http://schemas.openxmlformats.org/officeDocument/2006/relationships" xmlns:mc="http://schemas.openxmlformats.org/markup-compatibility/2006" xmlns:mv="urn:schemas-microsoft-com:mac:vml" xmlns:p="http://schemas.openxmlformats.org/presentationml/2006/main" mc:Ignorable="mv" mc:PreserveAttributes="mv:*" saveSubsetFonts="1" autoCompressPictures="0">
   <p:sldMasterIdLst>
     <p:sldMasterId id="2147483648" r:id="rId1"/>
   </p:sldMasterIdLst>
@@ -22,6 +22,7 @@
     <p:sldId id="267" r:id="rId16"/>
     <p:sldId id="268" r:id="rId17"/>
     <p:sldId id="274" r:id="rId18"/>
+    <p:sldId id="276" r:id="rId19"/>
   </p:sldIdLst>
   <p:sldSz cx="9144000" cy="6858000" type="screen4x3"/>
   <p:notesSz cx="6858000" cy="9144000"/>
@@ -124,7 +125,7 @@
 </file>
 
 <file path=ppt/slideLayouts/slideLayout1.xml><?xml version="1.0" encoding="utf-8"?>
-<p:sldLayout xmlns:a="http://schemas.openxmlformats.org/drawingml/2006/main" xmlns:r="http://schemas.openxmlformats.org/officeDocument/2006/relationships" xmlns:p="http://schemas.openxmlformats.org/presentationml/2006/main" type="title" preserve="1">
+<p:sldLayout xmlns:a="http://schemas.openxmlformats.org/drawingml/2006/main" xmlns:r="http://schemas.openxmlformats.org/officeDocument/2006/relationships" xmlns:mc="http://schemas.openxmlformats.org/markup-compatibility/2006" xmlns:mv="urn:schemas-microsoft-com:mac:vml" xmlns:p="http://schemas.openxmlformats.org/presentationml/2006/main" mc:Ignorable="mv" mc:PreserveAttributes="mv:*" type="title" preserve="1">
   <p:cSld name="Title Slide">
     <p:spTree>
       <p:nvGrpSpPr>
@@ -305,7 +306,7 @@
             <a:fld id="{7AB4D525-FEA6-4C46-A836-18AB099A0B80}" type="datetimeFigureOut">
               <a:rPr lang="en-US" smtClean="0"/>
               <a:pPr/>
-              <a:t>2/16/15</a:t>
+              <a:t>2/19/15</a:t>
             </a:fld>
             <a:endParaRPr lang="en-US"/>
           </a:p>
@@ -348,7 +349,7 @@
             <a:fld id="{4F754926-63EB-4746-BA1D-DEED820DE9EA}" type="slidenum">
               <a:rPr lang="en-US" smtClean="0"/>
               <a:pPr/>
-              <a:t>‹Nr.›</a:t>
+              <a:t>‹#›</a:t>
             </a:fld>
             <a:endParaRPr lang="en-US"/>
           </a:p>
@@ -363,7 +364,7 @@
 </file>
 
 <file path=ppt/slideLayouts/slideLayout10.xml><?xml version="1.0" encoding="utf-8"?>
-<p:sldLayout xmlns:a="http://schemas.openxmlformats.org/drawingml/2006/main" xmlns:r="http://schemas.openxmlformats.org/officeDocument/2006/relationships" xmlns:p="http://schemas.openxmlformats.org/presentationml/2006/main" type="vertTx" preserve="1">
+<p:sldLayout xmlns:a="http://schemas.openxmlformats.org/drawingml/2006/main" xmlns:r="http://schemas.openxmlformats.org/officeDocument/2006/relationships" xmlns:mc="http://schemas.openxmlformats.org/markup-compatibility/2006" xmlns:mv="urn:schemas-microsoft-com:mac:vml" xmlns:p="http://schemas.openxmlformats.org/presentationml/2006/main" mc:Ignorable="mv" mc:PreserveAttributes="mv:*" type="vertTx" preserve="1">
   <p:cSld name="Title and Vertical Text">
     <p:spTree>
       <p:nvGrpSpPr>
@@ -472,7 +473,7 @@
             <a:fld id="{7AB4D525-FEA6-4C46-A836-18AB099A0B80}" type="datetimeFigureOut">
               <a:rPr lang="en-US" smtClean="0"/>
               <a:pPr/>
-              <a:t>2/16/15</a:t>
+              <a:t>2/19/15</a:t>
             </a:fld>
             <a:endParaRPr lang="en-US"/>
           </a:p>
@@ -515,7 +516,7 @@
             <a:fld id="{4F754926-63EB-4746-BA1D-DEED820DE9EA}" type="slidenum">
               <a:rPr lang="en-US" smtClean="0"/>
               <a:pPr/>
-              <a:t>‹Nr.›</a:t>
+              <a:t>‹#›</a:t>
             </a:fld>
             <a:endParaRPr lang="en-US"/>
           </a:p>
@@ -530,7 +531,7 @@
 </file>
 
 <file path=ppt/slideLayouts/slideLayout11.xml><?xml version="1.0" encoding="utf-8"?>
-<p:sldLayout xmlns:a="http://schemas.openxmlformats.org/drawingml/2006/main" xmlns:r="http://schemas.openxmlformats.org/officeDocument/2006/relationships" xmlns:p="http://schemas.openxmlformats.org/presentationml/2006/main" type="vertTitleAndTx" preserve="1">
+<p:sldLayout xmlns:a="http://schemas.openxmlformats.org/drawingml/2006/main" xmlns:r="http://schemas.openxmlformats.org/officeDocument/2006/relationships" xmlns:mc="http://schemas.openxmlformats.org/markup-compatibility/2006" xmlns:mv="urn:schemas-microsoft-com:mac:vml" xmlns:p="http://schemas.openxmlformats.org/presentationml/2006/main" mc:Ignorable="mv" mc:PreserveAttributes="mv:*" type="vertTitleAndTx" preserve="1">
   <p:cSld name="Vertical Title and Text">
     <p:spTree>
       <p:nvGrpSpPr>
@@ -649,7 +650,7 @@
             <a:fld id="{7AB4D525-FEA6-4C46-A836-18AB099A0B80}" type="datetimeFigureOut">
               <a:rPr lang="en-US" smtClean="0"/>
               <a:pPr/>
-              <a:t>2/16/15</a:t>
+              <a:t>2/19/15</a:t>
             </a:fld>
             <a:endParaRPr lang="en-US"/>
           </a:p>
@@ -692,7 +693,7 @@
             <a:fld id="{4F754926-63EB-4746-BA1D-DEED820DE9EA}" type="slidenum">
               <a:rPr lang="en-US" smtClean="0"/>
               <a:pPr/>
-              <a:t>‹Nr.›</a:t>
+              <a:t>‹#›</a:t>
             </a:fld>
             <a:endParaRPr lang="en-US"/>
           </a:p>
@@ -707,7 +708,7 @@
 </file>
 
 <file path=ppt/slideLayouts/slideLayout2.xml><?xml version="1.0" encoding="utf-8"?>
-<p:sldLayout xmlns:a="http://schemas.openxmlformats.org/drawingml/2006/main" xmlns:r="http://schemas.openxmlformats.org/officeDocument/2006/relationships" xmlns:p="http://schemas.openxmlformats.org/presentationml/2006/main" type="obj" preserve="1">
+<p:sldLayout xmlns:a="http://schemas.openxmlformats.org/drawingml/2006/main" xmlns:r="http://schemas.openxmlformats.org/officeDocument/2006/relationships" xmlns:mc="http://schemas.openxmlformats.org/markup-compatibility/2006" xmlns:mv="urn:schemas-microsoft-com:mac:vml" xmlns:p="http://schemas.openxmlformats.org/presentationml/2006/main" mc:Ignorable="mv" mc:PreserveAttributes="mv:*" type="obj" preserve="1">
   <p:cSld name="Title and Content">
     <p:spTree>
       <p:nvGrpSpPr>
@@ -816,7 +817,7 @@
             <a:fld id="{7AB4D525-FEA6-4C46-A836-18AB099A0B80}" type="datetimeFigureOut">
               <a:rPr lang="en-US" smtClean="0"/>
               <a:pPr/>
-              <a:t>2/16/15</a:t>
+              <a:t>2/19/15</a:t>
             </a:fld>
             <a:endParaRPr lang="en-US"/>
           </a:p>
@@ -859,7 +860,7 @@
             <a:fld id="{4F754926-63EB-4746-BA1D-DEED820DE9EA}" type="slidenum">
               <a:rPr lang="en-US" smtClean="0"/>
               <a:pPr/>
-              <a:t>‹Nr.›</a:t>
+              <a:t>‹#›</a:t>
             </a:fld>
             <a:endParaRPr lang="en-US"/>
           </a:p>
@@ -874,7 +875,7 @@
 </file>
 
 <file path=ppt/slideLayouts/slideLayout3.xml><?xml version="1.0" encoding="utf-8"?>
-<p:sldLayout xmlns:a="http://schemas.openxmlformats.org/drawingml/2006/main" xmlns:r="http://schemas.openxmlformats.org/officeDocument/2006/relationships" xmlns:p="http://schemas.openxmlformats.org/presentationml/2006/main" type="secHead" preserve="1">
+<p:sldLayout xmlns:a="http://schemas.openxmlformats.org/drawingml/2006/main" xmlns:r="http://schemas.openxmlformats.org/officeDocument/2006/relationships" xmlns:mc="http://schemas.openxmlformats.org/markup-compatibility/2006" xmlns:mv="urn:schemas-microsoft-com:mac:vml" xmlns:p="http://schemas.openxmlformats.org/presentationml/2006/main" mc:Ignorable="mv" mc:PreserveAttributes="mv:*" type="secHead" preserve="1">
   <p:cSld name="Section Header">
     <p:spTree>
       <p:nvGrpSpPr>
@@ -1059,7 +1060,7 @@
             <a:fld id="{7AB4D525-FEA6-4C46-A836-18AB099A0B80}" type="datetimeFigureOut">
               <a:rPr lang="en-US" smtClean="0"/>
               <a:pPr/>
-              <a:t>2/16/15</a:t>
+              <a:t>2/19/15</a:t>
             </a:fld>
             <a:endParaRPr lang="en-US"/>
           </a:p>
@@ -1102,7 +1103,7 @@
             <a:fld id="{4F754926-63EB-4746-BA1D-DEED820DE9EA}" type="slidenum">
               <a:rPr lang="en-US" smtClean="0"/>
               <a:pPr/>
-              <a:t>‹Nr.›</a:t>
+              <a:t>‹#›</a:t>
             </a:fld>
             <a:endParaRPr lang="en-US"/>
           </a:p>
@@ -1117,7 +1118,7 @@
 </file>
 
 <file path=ppt/slideLayouts/slideLayout4.xml><?xml version="1.0" encoding="utf-8"?>
-<p:sldLayout xmlns:a="http://schemas.openxmlformats.org/drawingml/2006/main" xmlns:r="http://schemas.openxmlformats.org/officeDocument/2006/relationships" xmlns:p="http://schemas.openxmlformats.org/presentationml/2006/main" type="twoObj" preserve="1">
+<p:sldLayout xmlns:a="http://schemas.openxmlformats.org/drawingml/2006/main" xmlns:r="http://schemas.openxmlformats.org/officeDocument/2006/relationships" xmlns:mc="http://schemas.openxmlformats.org/markup-compatibility/2006" xmlns:mv="urn:schemas-microsoft-com:mac:vml" xmlns:p="http://schemas.openxmlformats.org/presentationml/2006/main" mc:Ignorable="mv" mc:PreserveAttributes="mv:*" type="twoObj" preserve="1">
   <p:cSld name="Two Content">
     <p:spTree>
       <p:nvGrpSpPr>
@@ -1344,7 +1345,7 @@
             <a:fld id="{7AB4D525-FEA6-4C46-A836-18AB099A0B80}" type="datetimeFigureOut">
               <a:rPr lang="en-US" smtClean="0"/>
               <a:pPr/>
-              <a:t>2/16/15</a:t>
+              <a:t>2/19/15</a:t>
             </a:fld>
             <a:endParaRPr lang="en-US"/>
           </a:p>
@@ -1387,7 +1388,7 @@
             <a:fld id="{4F754926-63EB-4746-BA1D-DEED820DE9EA}" type="slidenum">
               <a:rPr lang="en-US" smtClean="0"/>
               <a:pPr/>
-              <a:t>‹Nr.›</a:t>
+              <a:t>‹#›</a:t>
             </a:fld>
             <a:endParaRPr lang="en-US"/>
           </a:p>
@@ -1402,7 +1403,7 @@
 </file>
 
 <file path=ppt/slideLayouts/slideLayout5.xml><?xml version="1.0" encoding="utf-8"?>
-<p:sldLayout xmlns:a="http://schemas.openxmlformats.org/drawingml/2006/main" xmlns:r="http://schemas.openxmlformats.org/officeDocument/2006/relationships" xmlns:p="http://schemas.openxmlformats.org/presentationml/2006/main" type="twoTxTwoObj" preserve="1">
+<p:sldLayout xmlns:a="http://schemas.openxmlformats.org/drawingml/2006/main" xmlns:r="http://schemas.openxmlformats.org/officeDocument/2006/relationships" xmlns:mc="http://schemas.openxmlformats.org/markup-compatibility/2006" xmlns:mv="urn:schemas-microsoft-com:mac:vml" xmlns:p="http://schemas.openxmlformats.org/presentationml/2006/main" mc:Ignorable="mv" mc:PreserveAttributes="mv:*" type="twoTxTwoObj" preserve="1">
   <p:cSld name="Comparison">
     <p:spTree>
       <p:nvGrpSpPr>
@@ -1763,7 +1764,7 @@
             <a:fld id="{7AB4D525-FEA6-4C46-A836-18AB099A0B80}" type="datetimeFigureOut">
               <a:rPr lang="en-US" smtClean="0"/>
               <a:pPr/>
-              <a:t>2/16/15</a:t>
+              <a:t>2/19/15</a:t>
             </a:fld>
             <a:endParaRPr lang="en-US"/>
           </a:p>
@@ -1806,7 +1807,7 @@
             <a:fld id="{4F754926-63EB-4746-BA1D-DEED820DE9EA}" type="slidenum">
               <a:rPr lang="en-US" smtClean="0"/>
               <a:pPr/>
-              <a:t>‹Nr.›</a:t>
+              <a:t>‹#›</a:t>
             </a:fld>
             <a:endParaRPr lang="en-US"/>
           </a:p>
@@ -1821,7 +1822,7 @@
 </file>
 
 <file path=ppt/slideLayouts/slideLayout6.xml><?xml version="1.0" encoding="utf-8"?>
-<p:sldLayout xmlns:a="http://schemas.openxmlformats.org/drawingml/2006/main" xmlns:r="http://schemas.openxmlformats.org/officeDocument/2006/relationships" xmlns:p="http://schemas.openxmlformats.org/presentationml/2006/main" type="titleOnly" preserve="1">
+<p:sldLayout xmlns:a="http://schemas.openxmlformats.org/drawingml/2006/main" xmlns:r="http://schemas.openxmlformats.org/officeDocument/2006/relationships" xmlns:mc="http://schemas.openxmlformats.org/markup-compatibility/2006" xmlns:mv="urn:schemas-microsoft-com:mac:vml" xmlns:p="http://schemas.openxmlformats.org/presentationml/2006/main" mc:Ignorable="mv" mc:PreserveAttributes="mv:*" type="titleOnly" preserve="1">
   <p:cSld name="Title Only">
     <p:spTree>
       <p:nvGrpSpPr>
@@ -1878,7 +1879,7 @@
             <a:fld id="{7AB4D525-FEA6-4C46-A836-18AB099A0B80}" type="datetimeFigureOut">
               <a:rPr lang="en-US" smtClean="0"/>
               <a:pPr/>
-              <a:t>2/16/15</a:t>
+              <a:t>2/19/15</a:t>
             </a:fld>
             <a:endParaRPr lang="en-US"/>
           </a:p>
@@ -1921,7 +1922,7 @@
             <a:fld id="{4F754926-63EB-4746-BA1D-DEED820DE9EA}" type="slidenum">
               <a:rPr lang="en-US" smtClean="0"/>
               <a:pPr/>
-              <a:t>‹Nr.›</a:t>
+              <a:t>‹#›</a:t>
             </a:fld>
             <a:endParaRPr lang="en-US"/>
           </a:p>
@@ -1936,7 +1937,7 @@
 </file>
 
 <file path=ppt/slideLayouts/slideLayout7.xml><?xml version="1.0" encoding="utf-8"?>
-<p:sldLayout xmlns:a="http://schemas.openxmlformats.org/drawingml/2006/main" xmlns:r="http://schemas.openxmlformats.org/officeDocument/2006/relationships" xmlns:p="http://schemas.openxmlformats.org/presentationml/2006/main" type="blank" preserve="1">
+<p:sldLayout xmlns:a="http://schemas.openxmlformats.org/drawingml/2006/main" xmlns:r="http://schemas.openxmlformats.org/officeDocument/2006/relationships" xmlns:mc="http://schemas.openxmlformats.org/markup-compatibility/2006" xmlns:mv="urn:schemas-microsoft-com:mac:vml" xmlns:p="http://schemas.openxmlformats.org/presentationml/2006/main" mc:Ignorable="mv" mc:PreserveAttributes="mv:*" type="blank" preserve="1">
   <p:cSld name="Blank">
     <p:spTree>
       <p:nvGrpSpPr>
@@ -1970,7 +1971,7 @@
             <a:fld id="{7AB4D525-FEA6-4C46-A836-18AB099A0B80}" type="datetimeFigureOut">
               <a:rPr lang="en-US" smtClean="0"/>
               <a:pPr/>
-              <a:t>2/16/15</a:t>
+              <a:t>2/19/15</a:t>
             </a:fld>
             <a:endParaRPr lang="en-US"/>
           </a:p>
@@ -2013,7 +2014,7 @@
             <a:fld id="{4F754926-63EB-4746-BA1D-DEED820DE9EA}" type="slidenum">
               <a:rPr lang="en-US" smtClean="0"/>
               <a:pPr/>
-              <a:t>‹Nr.›</a:t>
+              <a:t>‹#›</a:t>
             </a:fld>
             <a:endParaRPr lang="en-US"/>
           </a:p>
@@ -2028,7 +2029,7 @@
 </file>
 
 <file path=ppt/slideLayouts/slideLayout8.xml><?xml version="1.0" encoding="utf-8"?>
-<p:sldLayout xmlns:a="http://schemas.openxmlformats.org/drawingml/2006/main" xmlns:r="http://schemas.openxmlformats.org/officeDocument/2006/relationships" xmlns:p="http://schemas.openxmlformats.org/presentationml/2006/main" type="objTx" preserve="1">
+<p:sldLayout xmlns:a="http://schemas.openxmlformats.org/drawingml/2006/main" xmlns:r="http://schemas.openxmlformats.org/officeDocument/2006/relationships" xmlns:mc="http://schemas.openxmlformats.org/markup-compatibility/2006" xmlns:mv="urn:schemas-microsoft-com:mac:vml" xmlns:p="http://schemas.openxmlformats.org/presentationml/2006/main" mc:Ignorable="mv" mc:PreserveAttributes="mv:*" type="objTx" preserve="1">
   <p:cSld name="Content with Caption">
     <p:spTree>
       <p:nvGrpSpPr>
@@ -2244,7 +2245,7 @@
             <a:fld id="{7AB4D525-FEA6-4C46-A836-18AB099A0B80}" type="datetimeFigureOut">
               <a:rPr lang="en-US" smtClean="0"/>
               <a:pPr/>
-              <a:t>2/16/15</a:t>
+              <a:t>2/19/15</a:t>
             </a:fld>
             <a:endParaRPr lang="en-US"/>
           </a:p>
@@ -2287,7 +2288,7 @@
             <a:fld id="{4F754926-63EB-4746-BA1D-DEED820DE9EA}" type="slidenum">
               <a:rPr lang="en-US" smtClean="0"/>
               <a:pPr/>
-              <a:t>‹Nr.›</a:t>
+              <a:t>‹#›</a:t>
             </a:fld>
             <a:endParaRPr lang="en-US"/>
           </a:p>
@@ -2302,7 +2303,7 @@
 </file>
 
 <file path=ppt/slideLayouts/slideLayout9.xml><?xml version="1.0" encoding="utf-8"?>
-<p:sldLayout xmlns:a="http://schemas.openxmlformats.org/drawingml/2006/main" xmlns:r="http://schemas.openxmlformats.org/officeDocument/2006/relationships" xmlns:p="http://schemas.openxmlformats.org/presentationml/2006/main" type="picTx" preserve="1">
+<p:sldLayout xmlns:a="http://schemas.openxmlformats.org/drawingml/2006/main" xmlns:r="http://schemas.openxmlformats.org/officeDocument/2006/relationships" xmlns:mc="http://schemas.openxmlformats.org/markup-compatibility/2006" xmlns:mv="urn:schemas-microsoft-com:mac:vml" xmlns:p="http://schemas.openxmlformats.org/presentationml/2006/main" mc:Ignorable="mv" mc:PreserveAttributes="mv:*" type="picTx" preserve="1">
   <p:cSld name="Picture with Caption">
     <p:spTree>
       <p:nvGrpSpPr>
@@ -2494,7 +2495,7 @@
             <a:fld id="{7AB4D525-FEA6-4C46-A836-18AB099A0B80}" type="datetimeFigureOut">
               <a:rPr lang="en-US" smtClean="0"/>
               <a:pPr/>
-              <a:t>2/16/15</a:t>
+              <a:t>2/19/15</a:t>
             </a:fld>
             <a:endParaRPr lang="en-US"/>
           </a:p>
@@ -2537,7 +2538,7 @@
             <a:fld id="{4F754926-63EB-4746-BA1D-DEED820DE9EA}" type="slidenum">
               <a:rPr lang="en-US" smtClean="0"/>
               <a:pPr/>
-              <a:t>‹Nr.›</a:t>
+              <a:t>‹#›</a:t>
             </a:fld>
             <a:endParaRPr lang="en-US"/>
           </a:p>
@@ -2552,7 +2553,7 @@
 </file>
 
 <file path=ppt/slideMasters/slideMaster1.xml><?xml version="1.0" encoding="utf-8"?>
-<p:sldMaster xmlns:a="http://schemas.openxmlformats.org/drawingml/2006/main" xmlns:r="http://schemas.openxmlformats.org/officeDocument/2006/relationships" xmlns:p="http://schemas.openxmlformats.org/presentationml/2006/main">
+<p:sldMaster xmlns:a="http://schemas.openxmlformats.org/drawingml/2006/main" xmlns:r="http://schemas.openxmlformats.org/officeDocument/2006/relationships" xmlns:mc="http://schemas.openxmlformats.org/markup-compatibility/2006" xmlns:mv="urn:schemas-microsoft-com:mac:vml" xmlns:p="http://schemas.openxmlformats.org/presentationml/2006/main" mc:Ignorable="mv" mc:PreserveAttributes="mv:*">
   <p:cSld>
     <p:bg>
       <p:bgRef idx="1001">
@@ -2704,7 +2705,7 @@
             <a:fld id="{7AB4D525-FEA6-4C46-A836-18AB099A0B80}" type="datetimeFigureOut">
               <a:rPr lang="en-US" smtClean="0"/>
               <a:pPr/>
-              <a:t>2/16/15</a:t>
+              <a:t>2/19/15</a:t>
             </a:fld>
             <a:endParaRPr lang="en-US"/>
           </a:p>
@@ -2783,7 +2784,7 @@
             <a:fld id="{4F754926-63EB-4746-BA1D-DEED820DE9EA}" type="slidenum">
               <a:rPr lang="en-US" smtClean="0"/>
               <a:pPr/>
-              <a:t>‹Nr.›</a:t>
+              <a:t>‹#›</a:t>
             </a:fld>
             <a:endParaRPr lang="en-US"/>
           </a:p>
@@ -3059,7 +3060,7 @@
 </file>
 
 <file path=ppt/slides/slide1.xml><?xml version="1.0" encoding="utf-8"?>
-<p:sld xmlns:a="http://schemas.openxmlformats.org/drawingml/2006/main" xmlns:r="http://schemas.openxmlformats.org/officeDocument/2006/relationships" xmlns:p="http://schemas.openxmlformats.org/presentationml/2006/main">
+<p:sld xmlns:a="http://schemas.openxmlformats.org/drawingml/2006/main" xmlns:r="http://schemas.openxmlformats.org/officeDocument/2006/relationships" xmlns:mc="http://schemas.openxmlformats.org/markup-compatibility/2006" xmlns:mv="urn:schemas-microsoft-com:mac:vml" xmlns:p="http://schemas.openxmlformats.org/presentationml/2006/main" mc:Ignorable="mv" mc:PreserveAttributes="mv:*">
   <p:cSld>
     <p:spTree>
       <p:nvGrpSpPr>
@@ -3313,7 +3314,7 @@
   <p:timing>
     <p:tnLst>
       <p:par>
-        <p:cTn xmlns:p14="http://schemas.microsoft.com/office/powerpoint/2010/main" id="1" dur="indefinite" restart="never" nodeType="tmRoot"/>
+        <p:cTn id="1" dur="indefinite" restart="never" nodeType="tmRoot"/>
       </p:par>
     </p:tnLst>
   </p:timing>
@@ -3321,7 +3322,7 @@
 </file>
 
 <file path=ppt/slides/slide10.xml><?xml version="1.0" encoding="utf-8"?>
-<p:sld xmlns:a="http://schemas.openxmlformats.org/drawingml/2006/main" xmlns:r="http://schemas.openxmlformats.org/officeDocument/2006/relationships" xmlns:p="http://schemas.openxmlformats.org/presentationml/2006/main">
+<p:sld xmlns:a="http://schemas.openxmlformats.org/drawingml/2006/main" xmlns:r="http://schemas.openxmlformats.org/officeDocument/2006/relationships" xmlns:mc="http://schemas.openxmlformats.org/markup-compatibility/2006" xmlns:mv="urn:schemas-microsoft-com:mac:vml" xmlns:p="http://schemas.openxmlformats.org/presentationml/2006/main" mc:Ignorable="mv" mc:PreserveAttributes="mv:*">
   <p:cSld>
     <p:spTree>
       <p:nvGrpSpPr>
@@ -3430,27 +3431,7 @@
           <a:p>
             <a:r>
               <a:rPr lang="en-US" dirty="0" smtClean="0"/>
-              <a:t>-&gt; Problem 1: </a:t>
-            </a:r>
-            <a:r>
-              <a:rPr lang="en-US" dirty="0" smtClean="0"/>
-              <a:t>commits </a:t>
-            </a:r>
-            <a:r>
-              <a:rPr lang="en-US" dirty="0" smtClean="0"/>
-              <a:t>can’t be saved </a:t>
-            </a:r>
-            <a:r>
-              <a:rPr lang="en-US" dirty="0" smtClean="0"/>
-              <a:t>as</a:t>
-            </a:r>
-            <a:r>
-              <a:rPr lang="en-US" dirty="0" smtClean="0"/>
-              <a:t> </a:t>
-            </a:r>
-            <a:r>
-              <a:rPr lang="en-US" dirty="0" smtClean="0"/>
-              <a:t>‘V1’, ‘V2’, ‘V3’, etc..</a:t>
+              <a:t>-&gt; Problem 1: commits can’t be saved as ‘V1’, ‘V2’, ‘V3’, etc..</a:t>
             </a:r>
           </a:p>
           <a:p>
@@ -4305,26 +4286,97 @@
     </p:spTree>
     <p:extLst>
       <p:ext uri="{BB962C8B-B14F-4D97-AF65-F5344CB8AC3E}">
-        <p14:creationId xmlns:p14="http://schemas.microsoft.com/office/powerpoint/2010/main" val="2278185650"/>
+        <p14:creationId xmlns:p14="http://schemas.microsoft.com/office/powerpoint/2010/main" xmlns:p="http://schemas.openxmlformats.org/presentationml/2006/main" xmlns:r="http://schemas.openxmlformats.org/officeDocument/2006/relationships" xmlns:a="http://schemas.openxmlformats.org/drawingml/2006/main" xmlns="" val="2278185650"/>
       </p:ext>
     </p:extLst>
   </p:cSld>
   <p:clrMapOvr>
     <a:masterClrMapping/>
   </p:clrMapOvr>
-  <p:transition xmlns:p14="http://schemas.microsoft.com/office/powerpoint/2010/main"/>
+  <p:transition/>
   <p:timing>
     <p:tnLst>
       <p:par>
-        <p:cTn xmlns:p14="http://schemas.microsoft.com/office/powerpoint/2010/main" id="1" dur="indefinite" restart="never" nodeType="tmRoot"/>
+        <p:cTn id="1" dur="indefinite" restart="never" nodeType="tmRoot">
+          <p:childTnLst>
+            <p:seq concurrent="1" nextAc="seek">
+              <p:cTn id="2" dur="indefinite" nodeType="mainSeq">
+                <p:childTnLst>
+                  <p:par>
+                    <p:cTn id="3" fill="hold">
+                      <p:stCondLst>
+                        <p:cond delay="indefinite"/>
+                      </p:stCondLst>
+                      <p:childTnLst>
+                        <p:par>
+                          <p:cTn id="4" fill="hold">
+                            <p:stCondLst>
+                              <p:cond delay="0"/>
+                            </p:stCondLst>
+                            <p:childTnLst>
+                              <p:par>
+                                <p:cTn id="5" presetID="1" presetClass="entr" presetSubtype="0" fill="hold" grpId="0" nodeType="clickEffect">
+                                  <p:stCondLst>
+                                    <p:cond delay="0"/>
+                                  </p:stCondLst>
+                                  <p:childTnLst>
+                                    <p:set>
+                                      <p:cBhvr>
+                                        <p:cTn id="6" dur="1" fill="hold">
+                                          <p:stCondLst>
+                                            <p:cond delay="0"/>
+                                          </p:stCondLst>
+                                        </p:cTn>
+                                        <p:tgtEl>
+                                          <p:spTgt spid="6"/>
+                                        </p:tgtEl>
+                                        <p:attrNameLst>
+                                          <p:attrName>style.visibility</p:attrName>
+                                        </p:attrNameLst>
+                                      </p:cBhvr>
+                                      <p:to>
+                                        <p:strVal val="visible"/>
+                                      </p:to>
+                                    </p:set>
+                                  </p:childTnLst>
+                                </p:cTn>
+                              </p:par>
+                            </p:childTnLst>
+                          </p:cTn>
+                        </p:par>
+                      </p:childTnLst>
+                    </p:cTn>
+                  </p:par>
+                </p:childTnLst>
+              </p:cTn>
+              <p:prevCondLst>
+                <p:cond evt="onPrev" delay="0">
+                  <p:tgtEl>
+                    <p:sldTgt/>
+                  </p:tgtEl>
+                </p:cond>
+              </p:prevCondLst>
+              <p:nextCondLst>
+                <p:cond evt="onNext" delay="0">
+                  <p:tgtEl>
+                    <p:sldTgt/>
+                  </p:tgtEl>
+                </p:cond>
+              </p:nextCondLst>
+            </p:seq>
+          </p:childTnLst>
+        </p:cTn>
       </p:par>
     </p:tnLst>
+    <p:bldLst>
+      <p:bldP spid="6" grpId="0"/>
+    </p:bldLst>
   </p:timing>
 </p:sld>
 </file>
 
 <file path=ppt/slides/slide11.xml><?xml version="1.0" encoding="utf-8"?>
-<p:sld xmlns:a="http://schemas.openxmlformats.org/drawingml/2006/main" xmlns:r="http://schemas.openxmlformats.org/officeDocument/2006/relationships" xmlns:p="http://schemas.openxmlformats.org/presentationml/2006/main">
+<p:sld xmlns:a="http://schemas.openxmlformats.org/drawingml/2006/main" xmlns:r="http://schemas.openxmlformats.org/officeDocument/2006/relationships" xmlns:mc="http://schemas.openxmlformats.org/markup-compatibility/2006" xmlns:mv="urn:schemas-microsoft-com:mac:vml" xmlns:p="http://schemas.openxmlformats.org/presentationml/2006/main" mc:Ignorable="mv" mc:PreserveAttributes="mv:*">
   <p:cSld>
     <p:spTree>
       <p:nvGrpSpPr>
@@ -4699,18 +4751,18 @@
     </p:spTree>
     <p:extLst>
       <p:ext uri="{BB962C8B-B14F-4D97-AF65-F5344CB8AC3E}">
-        <p14:creationId xmlns:p14="http://schemas.microsoft.com/office/powerpoint/2010/main" val="2864348573"/>
+        <p14:creationId xmlns:p14="http://schemas.microsoft.com/office/powerpoint/2010/main" xmlns:p="http://schemas.openxmlformats.org/presentationml/2006/main" xmlns:r="http://schemas.openxmlformats.org/officeDocument/2006/relationships" xmlns:a="http://schemas.openxmlformats.org/drawingml/2006/main" xmlns="" val="2864348573"/>
       </p:ext>
     </p:extLst>
   </p:cSld>
   <p:clrMapOvr>
     <a:masterClrMapping/>
   </p:clrMapOvr>
-  <p:transition xmlns:p14="http://schemas.microsoft.com/office/powerpoint/2010/main"/>
+  <p:transition/>
   <p:timing>
     <p:tnLst>
       <p:par>
-        <p:cTn xmlns:p14="http://schemas.microsoft.com/office/powerpoint/2010/main" id="1" dur="indefinite" restart="never" nodeType="tmRoot">
+        <p:cTn id="1" dur="indefinite" restart="never" nodeType="tmRoot">
           <p:childTnLst>
             <p:seq concurrent="1" nextAc="seek">
               <p:cTn id="2" dur="indefinite" nodeType="mainSeq">
@@ -4962,7 +5014,7 @@
 </file>
 
 <file path=ppt/slides/slide12.xml><?xml version="1.0" encoding="utf-8"?>
-<p:sld xmlns:a="http://schemas.openxmlformats.org/drawingml/2006/main" xmlns:r="http://schemas.openxmlformats.org/officeDocument/2006/relationships" xmlns:p="http://schemas.openxmlformats.org/presentationml/2006/main">
+<p:sld xmlns:a="http://schemas.openxmlformats.org/drawingml/2006/main" xmlns:r="http://schemas.openxmlformats.org/officeDocument/2006/relationships" xmlns:mc="http://schemas.openxmlformats.org/markup-compatibility/2006" xmlns:mv="urn:schemas-microsoft-com:mac:vml" xmlns:p="http://schemas.openxmlformats.org/presentationml/2006/main" mc:Ignorable="mv" mc:PreserveAttributes="mv:*">
   <p:cSld>
     <p:spTree>
       <p:nvGrpSpPr>
@@ -5862,11 +5914,7 @@
             </a:r>
             <a:r>
               <a:rPr lang="en-US" dirty="0" smtClean="0"/>
-              <a:t>’s case, after B has pushed his changes ) </a:t>
-            </a:r>
-            <a:r>
-              <a:rPr lang="en-US" dirty="0" smtClean="0"/>
-              <a:t>would look like:</a:t>
+              <a:t>’s case, after B has pushed his changes ) would look like:</a:t>
             </a:r>
           </a:p>
           <a:p>
@@ -6425,18 +6473,18 @@
     </p:spTree>
     <p:extLst>
       <p:ext uri="{BB962C8B-B14F-4D97-AF65-F5344CB8AC3E}">
-        <p14:creationId xmlns:p14="http://schemas.microsoft.com/office/powerpoint/2010/main" val="2278185650"/>
+        <p14:creationId xmlns:p14="http://schemas.microsoft.com/office/powerpoint/2010/main" xmlns:p="http://schemas.openxmlformats.org/presentationml/2006/main" xmlns:r="http://schemas.openxmlformats.org/officeDocument/2006/relationships" xmlns:a="http://schemas.openxmlformats.org/drawingml/2006/main" xmlns="" val="2278185650"/>
       </p:ext>
     </p:extLst>
   </p:cSld>
   <p:clrMapOvr>
     <a:masterClrMapping/>
   </p:clrMapOvr>
-  <p:transition xmlns:p14="http://schemas.microsoft.com/office/powerpoint/2010/main"/>
+  <p:transition/>
   <p:timing>
     <p:tnLst>
       <p:par>
-        <p:cTn xmlns:p14="http://schemas.microsoft.com/office/powerpoint/2010/main" id="1" dur="indefinite" restart="never" nodeType="tmRoot">
+        <p:cTn id="1" dur="indefinite" restart="never" nodeType="tmRoot">
           <p:childTnLst>
             <p:seq concurrent="1" nextAc="seek">
               <p:cTn id="2" dur="indefinite" nodeType="mainSeq">
@@ -6570,7 +6618,7 @@
 </file>
 
 <file path=ppt/slides/slide13.xml><?xml version="1.0" encoding="utf-8"?>
-<p:sld xmlns:a="http://schemas.openxmlformats.org/drawingml/2006/main" xmlns:r="http://schemas.openxmlformats.org/officeDocument/2006/relationships" xmlns:p="http://schemas.openxmlformats.org/presentationml/2006/main">
+<p:sld xmlns:a="http://schemas.openxmlformats.org/drawingml/2006/main" xmlns:r="http://schemas.openxmlformats.org/officeDocument/2006/relationships" xmlns:mc="http://schemas.openxmlformats.org/markup-compatibility/2006" xmlns:mv="urn:schemas-microsoft-com:mac:vml" xmlns:p="http://schemas.openxmlformats.org/presentationml/2006/main" mc:Ignorable="mv" mc:PreserveAttributes="mv:*">
   <p:cSld>
     <p:spTree>
       <p:nvGrpSpPr>
@@ -6617,11 +6665,7 @@
             </a:pPr>
             <a:r>
               <a:rPr lang="en-US" dirty="0" smtClean="0"/>
-              <a:t>An arbitrary number of branches can exist (and also pushed to server), e.g. Alice’s and Bob’s </a:t>
-            </a:r>
-            <a:r>
-              <a:rPr lang="en-US" dirty="0" smtClean="0"/>
-              <a:t>changes</a:t>
+              <a:t>An arbitrary number of branches can exist (and also pushed to server), e.g. Alice’s and Bob’s changes</a:t>
             </a:r>
           </a:p>
           <a:p>
@@ -6642,13 +6686,8 @@
             </a:r>
             <a:r>
               <a:rPr lang="en-US" dirty="0" smtClean="0"/>
-              <a:t>database</a:t>
-            </a:r>
-            <a:r>
-              <a:rPr lang="en-US" dirty="0" smtClean="0"/>
-              <a:t> </a:t>
-            </a:r>
-            <a:endParaRPr lang="en-US" dirty="0" smtClean="0"/>
+              <a:t>database </a:t>
+            </a:r>
           </a:p>
         </p:txBody>
       </p:sp>
@@ -7259,18 +7298,18 @@
     </p:spTree>
     <p:extLst>
       <p:ext uri="{BB962C8B-B14F-4D97-AF65-F5344CB8AC3E}">
-        <p14:creationId xmlns:p14="http://schemas.microsoft.com/office/powerpoint/2010/main" val="502525717"/>
+        <p14:creationId xmlns:p14="http://schemas.microsoft.com/office/powerpoint/2010/main" xmlns:p="http://schemas.openxmlformats.org/presentationml/2006/main" xmlns:r="http://schemas.openxmlformats.org/officeDocument/2006/relationships" xmlns:a="http://schemas.openxmlformats.org/drawingml/2006/main" xmlns="" val="502525717"/>
       </p:ext>
     </p:extLst>
   </p:cSld>
   <p:clrMapOvr>
     <a:masterClrMapping/>
   </p:clrMapOvr>
-  <p:transition xmlns:p14="http://schemas.microsoft.com/office/powerpoint/2010/main"/>
+  <p:transition/>
   <p:timing>
     <p:tnLst>
       <p:par>
-        <p:cTn xmlns:p14="http://schemas.microsoft.com/office/powerpoint/2010/main" id="1" dur="indefinite" restart="never" nodeType="tmRoot"/>
+        <p:cTn id="1" dur="indefinite" restart="never" nodeType="tmRoot"/>
       </p:par>
     </p:tnLst>
   </p:timing>
@@ -7278,7 +7317,7 @@
 </file>
 
 <file path=ppt/slides/slide14.xml><?xml version="1.0" encoding="utf-8"?>
-<p:sld xmlns:a="http://schemas.openxmlformats.org/drawingml/2006/main" xmlns:r="http://schemas.openxmlformats.org/officeDocument/2006/relationships" xmlns:p="http://schemas.openxmlformats.org/presentationml/2006/main">
+<p:sld xmlns:a="http://schemas.openxmlformats.org/drawingml/2006/main" xmlns:r="http://schemas.openxmlformats.org/officeDocument/2006/relationships" xmlns:mc="http://schemas.openxmlformats.org/markup-compatibility/2006" xmlns:mv="urn:schemas-microsoft-com:mac:vml" xmlns:p="http://schemas.openxmlformats.org/presentationml/2006/main" mc:Ignorable="mv" mc:PreserveAttributes="mv:*">
   <p:cSld>
     <p:spTree>
       <p:nvGrpSpPr>
@@ -7421,11 +7460,7 @@
             </a:pPr>
             <a:r>
               <a:rPr lang="en-US" dirty="0" smtClean="0"/>
-              <a:t>The combined repository should </a:t>
-            </a:r>
-            <a:r>
-              <a:rPr lang="en-US" dirty="0" smtClean="0"/>
-              <a:t>contain (compared to </a:t>
+              <a:t>The combined repository should contain (compared to </a:t>
             </a:r>
             <a:r>
               <a:rPr lang="en-US" b="1" dirty="0" smtClean="0">
@@ -7438,7 +7473,6 @@
               <a:rPr lang="en-US" dirty="0" smtClean="0"/>
               <a:t> branch point)</a:t>
             </a:r>
-            <a:endParaRPr lang="en-US" dirty="0" smtClean="0"/>
           </a:p>
           <a:p>
             <a:pPr lvl="1">
@@ -8205,18 +8239,18 @@
     </p:spTree>
     <p:extLst>
       <p:ext uri="{BB962C8B-B14F-4D97-AF65-F5344CB8AC3E}">
-        <p14:creationId xmlns:p14="http://schemas.microsoft.com/office/powerpoint/2010/main" val="2864348573"/>
+        <p14:creationId xmlns:p14="http://schemas.microsoft.com/office/powerpoint/2010/main" xmlns:p="http://schemas.openxmlformats.org/presentationml/2006/main" xmlns:r="http://schemas.openxmlformats.org/officeDocument/2006/relationships" xmlns:a="http://schemas.openxmlformats.org/drawingml/2006/main" xmlns="" val="2864348573"/>
       </p:ext>
     </p:extLst>
   </p:cSld>
   <p:clrMapOvr>
     <a:masterClrMapping/>
   </p:clrMapOvr>
-  <p:transition xmlns:p14="http://schemas.microsoft.com/office/powerpoint/2010/main"/>
+  <p:transition/>
   <p:timing>
     <p:tnLst>
       <p:par>
-        <p:cTn xmlns:p14="http://schemas.microsoft.com/office/powerpoint/2010/main" id="1" dur="indefinite" restart="never" nodeType="tmRoot">
+        <p:cTn id="1" dur="indefinite" restart="never" nodeType="tmRoot">
           <p:childTnLst>
             <p:seq concurrent="1" nextAc="seek">
               <p:cTn id="2" dur="indefinite" nodeType="mainSeq">
@@ -8295,7 +8329,7 @@
 </file>
 
 <file path=ppt/slides/slide15.xml><?xml version="1.0" encoding="utf-8"?>
-<p:sld xmlns:a="http://schemas.openxmlformats.org/drawingml/2006/main" xmlns:r="http://schemas.openxmlformats.org/officeDocument/2006/relationships" xmlns:p="http://schemas.openxmlformats.org/presentationml/2006/main">
+<p:sld xmlns:a="http://schemas.openxmlformats.org/drawingml/2006/main" xmlns:r="http://schemas.openxmlformats.org/officeDocument/2006/relationships" xmlns:mc="http://schemas.openxmlformats.org/markup-compatibility/2006" xmlns:mv="urn:schemas-microsoft-com:mac:vml" xmlns:p="http://schemas.openxmlformats.org/presentationml/2006/main" mc:Ignorable="mv" mc:PreserveAttributes="mv:*">
   <p:cSld>
     <p:spTree>
       <p:nvGrpSpPr>
@@ -9326,18 +9360,18 @@
     </p:spTree>
     <p:extLst>
       <p:ext uri="{BB962C8B-B14F-4D97-AF65-F5344CB8AC3E}">
-        <p14:creationId xmlns:p14="http://schemas.microsoft.com/office/powerpoint/2010/main" val="3388594987"/>
+        <p14:creationId xmlns:p14="http://schemas.microsoft.com/office/powerpoint/2010/main" xmlns:p="http://schemas.openxmlformats.org/presentationml/2006/main" xmlns:r="http://schemas.openxmlformats.org/officeDocument/2006/relationships" xmlns:a="http://schemas.openxmlformats.org/drawingml/2006/main" xmlns="" val="3388594987"/>
       </p:ext>
     </p:extLst>
   </p:cSld>
   <p:clrMapOvr>
     <a:masterClrMapping/>
   </p:clrMapOvr>
-  <p:transition xmlns:p14="http://schemas.microsoft.com/office/powerpoint/2010/main"/>
+  <p:transition/>
   <p:timing>
     <p:tnLst>
       <p:par>
-        <p:cTn xmlns:p14="http://schemas.microsoft.com/office/powerpoint/2010/main" id="1" dur="indefinite" restart="never" nodeType="tmRoot">
+        <p:cTn id="1" dur="indefinite" restart="never" nodeType="tmRoot">
           <p:childTnLst>
             <p:seq concurrent="1" nextAc="seek">
               <p:cTn id="2" dur="indefinite" nodeType="mainSeq">
@@ -9498,7 +9532,7 @@
 </file>
 
 <file path=ppt/slides/slide16.xml><?xml version="1.0" encoding="utf-8"?>
-<p:sld xmlns:a="http://schemas.openxmlformats.org/drawingml/2006/main" xmlns:r="http://schemas.openxmlformats.org/officeDocument/2006/relationships" xmlns:p="http://schemas.openxmlformats.org/presentationml/2006/main">
+<p:sld xmlns:a="http://schemas.openxmlformats.org/drawingml/2006/main" xmlns:r="http://schemas.openxmlformats.org/officeDocument/2006/relationships" xmlns:mc="http://schemas.openxmlformats.org/markup-compatibility/2006" xmlns:mv="urn:schemas-microsoft-com:mac:vml" xmlns:p="http://schemas.openxmlformats.org/presentationml/2006/main" mc:Ignorable="mv" mc:PreserveAttributes="mv:*">
   <p:cSld>
     <p:spTree>
       <p:nvGrpSpPr>
@@ -9608,11 +9642,7 @@
             </a:pPr>
             <a:r>
               <a:rPr lang="en-US" dirty="0" smtClean="0"/>
-              <a:t> Alice merges her changes into </a:t>
-            </a:r>
-            <a:r>
-              <a:rPr lang="en-US" dirty="0" smtClean="0"/>
-              <a:t>master (</a:t>
+              <a:t> Alice merges her changes into master (</a:t>
             </a:r>
             <a:r>
               <a:rPr lang="en-US" sz="1600" b="1" dirty="0" smtClean="0">
@@ -9634,26 +9664,14 @@
             </a:r>
             <a:r>
               <a:rPr lang="en-US" dirty="0" smtClean="0"/>
-              <a:t>) on </a:t>
-            </a:r>
-            <a:r>
-              <a:rPr lang="en-US" dirty="0" smtClean="0"/>
-              <a:t>her machine and pushes to server</a:t>
+              <a:t>) on her machine and pushes to server</a:t>
             </a:r>
             <a:br>
               <a:rPr lang="en-US" dirty="0" smtClean="0"/>
             </a:br>
             <a:r>
               <a:rPr lang="en-US" dirty="0" smtClean="0"/>
-              <a:t>  </a:t>
-            </a:r>
-            <a:r>
-              <a:rPr lang="en-US" dirty="0" smtClean="0"/>
-              <a:t>-&gt; easy</a:t>
-            </a:r>
-            <a:r>
-              <a:rPr lang="en-US" dirty="0" smtClean="0"/>
-              <a:t>, because master hasn’t changed since Alice branched </a:t>
+              <a:t>  -&gt; easy, because master hasn’t changed since Alice branched </a:t>
             </a:r>
             <a:br>
               <a:rPr lang="en-US" dirty="0" smtClean="0"/>
@@ -11458,18 +11476,18 @@
     </p:spTree>
     <p:extLst>
       <p:ext uri="{BB962C8B-B14F-4D97-AF65-F5344CB8AC3E}">
-        <p14:creationId xmlns:p14="http://schemas.microsoft.com/office/powerpoint/2010/main" val="1708097681"/>
+        <p14:creationId xmlns:p14="http://schemas.microsoft.com/office/powerpoint/2010/main" xmlns:p="http://schemas.openxmlformats.org/presentationml/2006/main" xmlns:r="http://schemas.openxmlformats.org/officeDocument/2006/relationships" xmlns:a="http://schemas.openxmlformats.org/drawingml/2006/main" xmlns="" val="1708097681"/>
       </p:ext>
     </p:extLst>
   </p:cSld>
   <p:clrMapOvr>
     <a:masterClrMapping/>
   </p:clrMapOvr>
-  <p:transition xmlns:p14="http://schemas.microsoft.com/office/powerpoint/2010/main"/>
+  <p:transition/>
   <p:timing>
     <p:tnLst>
       <p:par>
-        <p:cTn xmlns:p14="http://schemas.microsoft.com/office/powerpoint/2010/main" id="1" dur="indefinite" restart="never" nodeType="tmRoot">
+        <p:cTn id="1" dur="indefinite" restart="never" nodeType="tmRoot">
           <p:childTnLst>
             <p:seq concurrent="1" nextAc="seek">
               <p:cTn id="2" dur="indefinite" nodeType="mainSeq">
@@ -11630,7 +11648,7 @@
 </file>
 
 <file path=ppt/slides/slide17.xml><?xml version="1.0" encoding="utf-8"?>
-<p:sld xmlns:a="http://schemas.openxmlformats.org/drawingml/2006/main" xmlns:r="http://schemas.openxmlformats.org/officeDocument/2006/relationships" xmlns:p="http://schemas.openxmlformats.org/presentationml/2006/main">
+<p:sld xmlns:a="http://schemas.openxmlformats.org/drawingml/2006/main" xmlns:r="http://schemas.openxmlformats.org/officeDocument/2006/relationships" xmlns:mc="http://schemas.openxmlformats.org/markup-compatibility/2006" xmlns:mv="urn:schemas-microsoft-com:mac:vml" xmlns:p="http://schemas.openxmlformats.org/presentationml/2006/main" mc:Ignorable="mv" mc:PreserveAttributes="mv:*">
   <p:cSld>
     <p:spTree>
       <p:nvGrpSpPr>
@@ -11796,11 +11814,7 @@
             </a:r>
             <a:r>
               <a:rPr lang="en-US" dirty="0" smtClean="0"/>
-              <a:t>, </a:t>
-            </a:r>
-            <a:r>
-              <a:rPr lang="en-US" dirty="0" smtClean="0"/>
-              <a:t>and pushes the combined master to server</a:t>
+              <a:t>, and pushes the combined master to server</a:t>
             </a:r>
           </a:p>
         </p:txBody>
@@ -13105,14 +13119,7 @@
                   <a:latin typeface="Courier"/>
                   <a:cs typeface="Courier"/>
                 </a:rPr>
-                <a:t>fa8</a:t>
-              </a:r>
-              <a:r>
-                <a:rPr lang="en-US" sz="1400" b="1" dirty="0" smtClean="0">
-                  <a:latin typeface="Courier"/>
-                  <a:cs typeface="Courier"/>
-                </a:rPr>
-                <a:t>…</a:t>
+                <a:t>fa8…</a:t>
               </a:r>
               <a:endParaRPr lang="en-US" sz="1400" b="1" dirty="0">
                 <a:latin typeface="Courier"/>
@@ -13840,18 +13847,18 @@
     </p:spTree>
     <p:extLst>
       <p:ext uri="{BB962C8B-B14F-4D97-AF65-F5344CB8AC3E}">
-        <p14:creationId xmlns:p14="http://schemas.microsoft.com/office/powerpoint/2010/main" val="1708097681"/>
+        <p14:creationId xmlns:p14="http://schemas.microsoft.com/office/powerpoint/2010/main" xmlns:p="http://schemas.openxmlformats.org/presentationml/2006/main" xmlns:r="http://schemas.openxmlformats.org/officeDocument/2006/relationships" xmlns:a="http://schemas.openxmlformats.org/drawingml/2006/main" xmlns="" val="1708097681"/>
       </p:ext>
     </p:extLst>
   </p:cSld>
   <p:clrMapOvr>
     <a:masterClrMapping/>
   </p:clrMapOvr>
-  <p:transition xmlns:p14="http://schemas.microsoft.com/office/powerpoint/2010/main"/>
+  <p:transition/>
   <p:timing>
     <p:tnLst>
       <p:par>
-        <p:cTn xmlns:p14="http://schemas.microsoft.com/office/powerpoint/2010/main" id="1" dur="indefinite" restart="never" nodeType="tmRoot">
+        <p:cTn id="1" dur="indefinite" restart="never" nodeType="tmRoot">
           <p:childTnLst>
             <p:seq concurrent="1" nextAc="seek">
               <p:cTn id="2" dur="indefinite" nodeType="mainSeq">
@@ -14065,8 +14072,288 @@
 </p:sld>
 </file>
 
+<file path=ppt/slides/slide18.xml><?xml version="1.0" encoding="utf-8"?>
+<p:sld xmlns:a="http://schemas.openxmlformats.org/drawingml/2006/main" xmlns:r="http://schemas.openxmlformats.org/officeDocument/2006/relationships" xmlns:mc="http://schemas.openxmlformats.org/markup-compatibility/2006" xmlns:mv="urn:schemas-microsoft-com:mac:vml" xmlns:p="http://schemas.openxmlformats.org/presentationml/2006/main" mc:Ignorable="mv" mc:PreserveAttributes="mv:*">
+  <p:cSld>
+    <p:spTree>
+      <p:nvGrpSpPr>
+        <p:cNvPr id="1" name=""/>
+        <p:cNvGrpSpPr/>
+        <p:nvPr/>
+      </p:nvGrpSpPr>
+      <p:grpSpPr>
+        <a:xfrm>
+          <a:off x="0" y="0"/>
+          <a:ext cx="0" cy="0"/>
+          <a:chOff x="0" y="0"/>
+          <a:chExt cx="0" cy="0"/>
+        </a:xfrm>
+      </p:grpSpPr>
+      <p:sp>
+        <p:nvSpPr>
+          <p:cNvPr id="4" name="TextBox 3"/>
+          <p:cNvSpPr txBox="1"/>
+          <p:nvPr/>
+        </p:nvSpPr>
+        <p:spPr>
+          <a:xfrm>
+            <a:off x="857250" y="329168"/>
+            <a:ext cx="8016875" cy="738664"/>
+          </a:xfrm>
+          <a:prstGeom prst="rect">
+            <a:avLst/>
+          </a:prstGeom>
+          <a:noFill/>
+        </p:spPr>
+        <p:txBody>
+          <a:bodyPr wrap="square" rtlCol="0">
+            <a:spAutoFit/>
+          </a:bodyPr>
+          <a:lstStyle/>
+          <a:p>
+            <a:r>
+              <a:rPr lang="en-US" sz="2400" dirty="0" smtClean="0"/>
+              <a:t>(incomplete) </a:t>
+            </a:r>
+            <a:r>
+              <a:rPr lang="en-US" sz="2400" dirty="0" err="1" smtClean="0"/>
+              <a:t>git</a:t>
+            </a:r>
+            <a:r>
+              <a:rPr lang="en-US" sz="2400" dirty="0" smtClean="0"/>
+              <a:t> command overview</a:t>
+            </a:r>
+            <a:br>
+              <a:rPr lang="en-US" sz="2400" dirty="0" smtClean="0"/>
+            </a:br>
+            <a:r>
+              <a:rPr lang="en-US" dirty="0" smtClean="0"/>
+              <a:t>(for exact syntax check out Katharina’s part) </a:t>
+            </a:r>
+            <a:endParaRPr lang="en-US" sz="2400" dirty="0"/>
+          </a:p>
+        </p:txBody>
+      </p:sp>
+      <p:sp>
+        <p:nvSpPr>
+          <p:cNvPr id="5" name="TextBox 4"/>
+          <p:cNvSpPr txBox="1"/>
+          <p:nvPr/>
+        </p:nvSpPr>
+        <p:spPr>
+          <a:xfrm>
+            <a:off x="365125" y="1952625"/>
+            <a:ext cx="8508999" cy="1200329"/>
+          </a:xfrm>
+          <a:prstGeom prst="rect">
+            <a:avLst/>
+          </a:prstGeom>
+          <a:noFill/>
+        </p:spPr>
+        <p:txBody>
+          <a:bodyPr wrap="square" rtlCol="0">
+            <a:spAutoFit/>
+          </a:bodyPr>
+          <a:lstStyle/>
+          <a:p>
+            <a:r>
+              <a:rPr lang="en-US" u="sng" dirty="0" smtClean="0"/>
+              <a:t>Use case 1: tracking and logging modifications</a:t>
+            </a:r>
+            <a:endParaRPr lang="en-US" dirty="0" smtClean="0"/>
+          </a:p>
+          <a:p>
+            <a:r>
+              <a:rPr lang="en-US" dirty="0" err="1" smtClean="0"/>
+              <a:t>git</a:t>
+            </a:r>
+            <a:r>
+              <a:rPr lang="en-US" dirty="0" smtClean="0"/>
+              <a:t> init, </a:t>
+            </a:r>
+            <a:r>
+              <a:rPr lang="en-US" dirty="0" err="1" smtClean="0"/>
+              <a:t>git</a:t>
+            </a:r>
+            <a:r>
+              <a:rPr lang="en-US" dirty="0" smtClean="0"/>
+              <a:t> clone		start a new repository or download an existing one</a:t>
+            </a:r>
+          </a:p>
+          <a:p>
+            <a:r>
+              <a:rPr lang="en-US" dirty="0" err="1" smtClean="0"/>
+              <a:t>git</a:t>
+            </a:r>
+            <a:r>
+              <a:rPr lang="en-US" dirty="0" smtClean="0"/>
+              <a:t> add, </a:t>
+            </a:r>
+            <a:r>
+              <a:rPr lang="en-US" dirty="0" err="1" smtClean="0"/>
+              <a:t>git</a:t>
+            </a:r>
+            <a:r>
+              <a:rPr lang="en-US" dirty="0" smtClean="0"/>
+              <a:t> commit          add commits to a repository</a:t>
+            </a:r>
+          </a:p>
+          <a:p>
+            <a:r>
+              <a:rPr lang="en-US" dirty="0" err="1" smtClean="0"/>
+              <a:t>git</a:t>
+            </a:r>
+            <a:r>
+              <a:rPr lang="en-US" dirty="0" smtClean="0"/>
+              <a:t> diff, </a:t>
+            </a:r>
+            <a:r>
+              <a:rPr lang="en-US" dirty="0" err="1" smtClean="0"/>
+              <a:t>git</a:t>
+            </a:r>
+            <a:r>
+              <a:rPr lang="en-US" dirty="0" smtClean="0"/>
+              <a:t> checkout         compare versions, set the repository to a previous version</a:t>
+            </a:r>
+            <a:endParaRPr lang="en-US" dirty="0"/>
+          </a:p>
+        </p:txBody>
+      </p:sp>
+      <p:sp>
+        <p:nvSpPr>
+          <p:cNvPr id="6" name="TextBox 5"/>
+          <p:cNvSpPr txBox="1"/>
+          <p:nvPr/>
+        </p:nvSpPr>
+        <p:spPr>
+          <a:xfrm>
+            <a:off x="365125" y="3593921"/>
+            <a:ext cx="8508999" cy="923330"/>
+          </a:xfrm>
+          <a:prstGeom prst="rect">
+            <a:avLst/>
+          </a:prstGeom>
+          <a:noFill/>
+        </p:spPr>
+        <p:txBody>
+          <a:bodyPr wrap="square" rtlCol="0">
+            <a:spAutoFit/>
+          </a:bodyPr>
+          <a:lstStyle/>
+          <a:p>
+            <a:r>
+              <a:rPr lang="en-US" u="sng" dirty="0" smtClean="0"/>
+              <a:t>Use case 2: backing up</a:t>
+            </a:r>
+            <a:endParaRPr lang="en-US" dirty="0" smtClean="0"/>
+          </a:p>
+          <a:p>
+            <a:r>
+              <a:rPr lang="en-US" dirty="0" err="1" smtClean="0"/>
+              <a:t>git</a:t>
+            </a:r>
+            <a:r>
+              <a:rPr lang="en-US" dirty="0" smtClean="0"/>
+              <a:t> fetch, </a:t>
+            </a:r>
+            <a:r>
+              <a:rPr lang="en-US" dirty="0" err="1" smtClean="0"/>
+              <a:t>git</a:t>
+            </a:r>
+            <a:r>
+              <a:rPr lang="en-US" dirty="0" smtClean="0"/>
+              <a:t> pull		download from remote</a:t>
+            </a:r>
+          </a:p>
+          <a:p>
+            <a:r>
+              <a:rPr lang="en-US" dirty="0" err="1" smtClean="0"/>
+              <a:t>g</a:t>
+            </a:r>
+            <a:r>
+              <a:rPr lang="en-US" dirty="0" err="1" smtClean="0"/>
+              <a:t>it</a:t>
+            </a:r>
+            <a:r>
+              <a:rPr lang="en-US" dirty="0" smtClean="0"/>
+              <a:t> push				upload to remote</a:t>
+            </a:r>
+            <a:endParaRPr lang="en-US" dirty="0"/>
+          </a:p>
+        </p:txBody>
+      </p:sp>
+      <p:sp>
+        <p:nvSpPr>
+          <p:cNvPr id="7" name="TextBox 6"/>
+          <p:cNvSpPr txBox="1"/>
+          <p:nvPr/>
+        </p:nvSpPr>
+        <p:spPr>
+          <a:xfrm>
+            <a:off x="365125" y="5016500"/>
+            <a:ext cx="8508999" cy="923330"/>
+          </a:xfrm>
+          <a:prstGeom prst="rect">
+            <a:avLst/>
+          </a:prstGeom>
+          <a:noFill/>
+        </p:spPr>
+        <p:txBody>
+          <a:bodyPr wrap="square" rtlCol="0">
+            <a:spAutoFit/>
+          </a:bodyPr>
+          <a:lstStyle/>
+          <a:p>
+            <a:r>
+              <a:rPr lang="en-US" u="sng" dirty="0" smtClean="0"/>
+              <a:t>Use case 3:collaboration</a:t>
+            </a:r>
+            <a:endParaRPr lang="en-US" dirty="0" smtClean="0"/>
+          </a:p>
+          <a:p>
+            <a:r>
+              <a:rPr lang="en-US" dirty="0" err="1" smtClean="0"/>
+              <a:t>git</a:t>
+            </a:r>
+            <a:r>
+              <a:rPr lang="en-US" dirty="0" smtClean="0"/>
+              <a:t> branch			start a new branch</a:t>
+            </a:r>
+          </a:p>
+          <a:p>
+            <a:r>
+              <a:rPr lang="en-US" dirty="0" err="1" smtClean="0"/>
+              <a:t>g</a:t>
+            </a:r>
+            <a:r>
+              <a:rPr lang="en-US" dirty="0" err="1" smtClean="0"/>
+              <a:t>it</a:t>
+            </a:r>
+            <a:r>
+              <a:rPr lang="en-US" dirty="0" smtClean="0"/>
+              <a:t> merge				merge two branches</a:t>
+            </a:r>
+            <a:endParaRPr lang="en-US" dirty="0"/>
+          </a:p>
+        </p:txBody>
+      </p:sp>
+    </p:spTree>
+  </p:cSld>
+  <p:clrMapOvr>
+    <a:masterClrMapping/>
+  </p:clrMapOvr>
+  <p:timing>
+    <p:tnLst>
+      <p:par>
+        <p:cTn id="1" dur="indefinite" restart="never" nodeType="tmRoot"/>
+      </p:par>
+    </p:tnLst>
+  </p:timing>
+</p:sld>
+</file>
+
 <file path=ppt/slides/slide2.xml><?xml version="1.0" encoding="utf-8"?>
-<p:sld xmlns:a="http://schemas.openxmlformats.org/drawingml/2006/main" xmlns:r="http://schemas.openxmlformats.org/officeDocument/2006/relationships" xmlns:p="http://schemas.openxmlformats.org/presentationml/2006/main">
+<p:sld xmlns:a="http://schemas.openxmlformats.org/drawingml/2006/main" xmlns:r="http://schemas.openxmlformats.org/officeDocument/2006/relationships" xmlns:mc="http://schemas.openxmlformats.org/markup-compatibility/2006" xmlns:mv="urn:schemas-microsoft-com:mac:vml" xmlns:p="http://schemas.openxmlformats.org/presentationml/2006/main" mc:Ignorable="mv" mc:PreserveAttributes="mv:*">
   <p:cSld>
     <p:spTree>
       <p:nvGrpSpPr>
@@ -14341,7 +14628,7 @@
     </p:spTree>
     <p:extLst>
       <p:ext uri="{BB962C8B-B14F-4D97-AF65-F5344CB8AC3E}">
-        <p14:creationId xmlns:p14="http://schemas.microsoft.com/office/powerpoint/2010/main" val="133045856"/>
+        <p14:creationId xmlns:p14="http://schemas.microsoft.com/office/powerpoint/2010/main" xmlns:p="http://schemas.openxmlformats.org/presentationml/2006/main" xmlns:r="http://schemas.openxmlformats.org/officeDocument/2006/relationships" xmlns:a="http://schemas.openxmlformats.org/drawingml/2006/main" xmlns="" val="133045856"/>
       </p:ext>
     </p:extLst>
   </p:cSld>
@@ -14351,7 +14638,7 @@
   <p:timing>
     <p:tnLst>
       <p:par>
-        <p:cTn xmlns:p14="http://schemas.microsoft.com/office/powerpoint/2010/main" id="1" dur="indefinite" restart="never" nodeType="tmRoot">
+        <p:cTn id="1" dur="indefinite" restart="never" nodeType="tmRoot">
           <p:childTnLst>
             <p:seq concurrent="1" nextAc="seek">
               <p:cTn id="2" dur="indefinite" nodeType="mainSeq">
@@ -14576,7 +14863,7 @@
 </file>
 
 <file path=ppt/slides/slide3.xml><?xml version="1.0" encoding="utf-8"?>
-<p:sld xmlns:a="http://schemas.openxmlformats.org/drawingml/2006/main" xmlns:r="http://schemas.openxmlformats.org/officeDocument/2006/relationships" xmlns:p="http://schemas.openxmlformats.org/presentationml/2006/main">
+<p:sld xmlns:a="http://schemas.openxmlformats.org/drawingml/2006/main" xmlns:r="http://schemas.openxmlformats.org/officeDocument/2006/relationships" xmlns:mc="http://schemas.openxmlformats.org/markup-compatibility/2006" xmlns:mv="urn:schemas-microsoft-com:mac:vml" xmlns:p="http://schemas.openxmlformats.org/presentationml/2006/main" mc:Ignorable="mv" mc:PreserveAttributes="mv:*">
   <p:cSld>
     <p:spTree>
       <p:nvGrpSpPr>
@@ -14728,11 +15015,7 @@
             </a:r>
             <a:r>
               <a:rPr lang="en-US" i="1" dirty="0" smtClean="0"/>
-              <a:t>i.e. my paper on March 12, 2012, 8:26 </a:t>
-            </a:r>
-            <a:r>
-              <a:rPr lang="en-US" i="1" dirty="0" smtClean="0"/>
-              <a:t>PM</a:t>
+              <a:t>i.e. my paper on March 12, 2012, 8:26 PM</a:t>
             </a:r>
             <a:endParaRPr lang="en-US" dirty="0" smtClean="0"/>
           </a:p>
@@ -14837,7 +15120,7 @@
   <p:timing>
     <p:tnLst>
       <p:par>
-        <p:cTn xmlns:p14="http://schemas.microsoft.com/office/powerpoint/2010/main" id="1" dur="indefinite" restart="never" nodeType="tmRoot"/>
+        <p:cTn id="1" dur="indefinite" restart="never" nodeType="tmRoot"/>
       </p:par>
     </p:tnLst>
   </p:timing>
@@ -14845,7 +15128,7 @@
 </file>
 
 <file path=ppt/slides/slide4.xml><?xml version="1.0" encoding="utf-8"?>
-<p:sld xmlns:a="http://schemas.openxmlformats.org/drawingml/2006/main" xmlns:r="http://schemas.openxmlformats.org/officeDocument/2006/relationships" xmlns:p="http://schemas.openxmlformats.org/presentationml/2006/main">
+<p:sld xmlns:a="http://schemas.openxmlformats.org/drawingml/2006/main" xmlns:r="http://schemas.openxmlformats.org/officeDocument/2006/relationships" xmlns:mc="http://schemas.openxmlformats.org/markup-compatibility/2006" xmlns:mv="urn:schemas-microsoft-com:mac:vml" xmlns:p="http://schemas.openxmlformats.org/presentationml/2006/main" mc:Ignorable="mv" mc:PreserveAttributes="mv:*">
   <p:cSld>
     <p:spTree>
       <p:nvGrpSpPr>
@@ -15631,11 +15914,11 @@
   <p:clrMapOvr>
     <a:masterClrMapping/>
   </p:clrMapOvr>
-  <p:transition xmlns:p14="http://schemas.microsoft.com/office/powerpoint/2010/main"/>
+  <p:transition/>
   <p:timing>
     <p:tnLst>
       <p:par>
-        <p:cTn xmlns:p14="http://schemas.microsoft.com/office/powerpoint/2010/main" id="1" dur="indefinite" restart="never" nodeType="tmRoot">
+        <p:cTn id="1" dur="indefinite" restart="never" nodeType="tmRoot">
           <p:childTnLst>
             <p:seq concurrent="1" nextAc="seek">
               <p:cTn id="2" dur="indefinite" nodeType="mainSeq">
@@ -15942,7 +16225,7 @@
 </file>
 
 <file path=ppt/slides/slide5.xml><?xml version="1.0" encoding="utf-8"?>
-<p:sld xmlns:a="http://schemas.openxmlformats.org/drawingml/2006/main" xmlns:r="http://schemas.openxmlformats.org/officeDocument/2006/relationships" xmlns:p="http://schemas.openxmlformats.org/presentationml/2006/main">
+<p:sld xmlns:a="http://schemas.openxmlformats.org/drawingml/2006/main" xmlns:r="http://schemas.openxmlformats.org/officeDocument/2006/relationships" xmlns:mc="http://schemas.openxmlformats.org/markup-compatibility/2006" xmlns:mv="urn:schemas-microsoft-com:mac:vml" xmlns:p="http://schemas.openxmlformats.org/presentationml/2006/main" mc:Ignorable="mv" mc:PreserveAttributes="mv:*">
   <p:cSld>
     <p:spTree>
       <p:nvGrpSpPr>
@@ -16651,11 +16934,11 @@
   <p:clrMapOvr>
     <a:masterClrMapping/>
   </p:clrMapOvr>
-  <p:transition xmlns:p14="http://schemas.microsoft.com/office/powerpoint/2010/main"/>
+  <p:transition/>
   <p:timing>
     <p:tnLst>
       <p:par>
-        <p:cTn xmlns:p14="http://schemas.microsoft.com/office/powerpoint/2010/main" id="1" dur="indefinite" restart="never" nodeType="tmRoot"/>
+        <p:cTn id="1" dur="indefinite" restart="never" nodeType="tmRoot"/>
       </p:par>
     </p:tnLst>
   </p:timing>
@@ -16663,7 +16946,7 @@
 </file>
 
 <file path=ppt/slides/slide6.xml><?xml version="1.0" encoding="utf-8"?>
-<p:sld xmlns:a="http://schemas.openxmlformats.org/drawingml/2006/main" xmlns:r="http://schemas.openxmlformats.org/officeDocument/2006/relationships" xmlns:p="http://schemas.openxmlformats.org/presentationml/2006/main">
+<p:sld xmlns:a="http://schemas.openxmlformats.org/drawingml/2006/main" xmlns:r="http://schemas.openxmlformats.org/officeDocument/2006/relationships" xmlns:mc="http://schemas.openxmlformats.org/markup-compatibility/2006" xmlns:mv="urn:schemas-microsoft-com:mac:vml" xmlns:p="http://schemas.openxmlformats.org/presentationml/2006/main" mc:Ignorable="mv" mc:PreserveAttributes="mv:*">
   <p:cSld>
     <p:spTree>
       <p:nvGrpSpPr>
@@ -16781,19 +17064,7 @@
             </a:br>
             <a:r>
               <a:rPr lang="en-US" dirty="0" smtClean="0"/>
-              <a:t>	(</a:t>
-            </a:r>
-            <a:r>
-              <a:rPr lang="en-US" dirty="0" smtClean="0"/>
-              <a:t>by copying the database entry belonging to the version </a:t>
-            </a:r>
-            <a:r>
-              <a:rPr lang="en-US" dirty="0" smtClean="0"/>
-              <a:t>	number </a:t>
-            </a:r>
-            <a:r>
-              <a:rPr lang="en-US" dirty="0" smtClean="0"/>
-              <a:t>to the </a:t>
+              <a:t>	(by copying the database entry belonging to the version 	number to the </a:t>
             </a:r>
             <a:r>
               <a:rPr lang="en-US" dirty="0" err="1" smtClean="0"/>
@@ -16839,19 +17110,7 @@
             </a:r>
             <a:r>
               <a:rPr lang="en-US" dirty="0" smtClean="0"/>
-              <a:t>(</a:t>
-            </a:r>
-            <a:r>
-              <a:rPr lang="en-US" dirty="0" smtClean="0"/>
-              <a:t>by running a ‘diff’ between the two corresponding database </a:t>
-            </a:r>
-            <a:r>
-              <a:rPr lang="en-US" dirty="0" smtClean="0"/>
-              <a:t>	entries</a:t>
-            </a:r>
-            <a:r>
-              <a:rPr lang="en-US" dirty="0" smtClean="0"/>
-              <a:t>)</a:t>
+              <a:t>(by running a ‘diff’ between the two corresponding database 	entries)</a:t>
             </a:r>
           </a:p>
         </p:txBody>
@@ -17226,11 +17485,11 @@
   <p:clrMapOvr>
     <a:masterClrMapping/>
   </p:clrMapOvr>
-  <p:transition xmlns:p14="http://schemas.microsoft.com/office/powerpoint/2010/main"/>
+  <p:transition/>
   <p:timing>
     <p:tnLst>
       <p:par>
-        <p:cTn xmlns:p14="http://schemas.microsoft.com/office/powerpoint/2010/main" id="1" dur="indefinite" restart="never" nodeType="tmRoot"/>
+        <p:cTn id="1" dur="indefinite" restart="never" nodeType="tmRoot"/>
       </p:par>
     </p:tnLst>
   </p:timing>
@@ -17238,7 +17497,7 @@
 </file>
 
 <file path=ppt/slides/slide7.xml><?xml version="1.0" encoding="utf-8"?>
-<p:sld xmlns:a="http://schemas.openxmlformats.org/drawingml/2006/main" xmlns:r="http://schemas.openxmlformats.org/officeDocument/2006/relationships" xmlns:p="http://schemas.openxmlformats.org/presentationml/2006/main">
+<p:sld xmlns:a="http://schemas.openxmlformats.org/drawingml/2006/main" xmlns:r="http://schemas.openxmlformats.org/officeDocument/2006/relationships" xmlns:mc="http://schemas.openxmlformats.org/markup-compatibility/2006" xmlns:mv="urn:schemas-microsoft-com:mac:vml" xmlns:p="http://schemas.openxmlformats.org/presentationml/2006/main" mc:Ignorable="mv" mc:PreserveAttributes="mv:*">
   <p:cSld>
     <p:spTree>
       <p:nvGrpSpPr>
@@ -17387,8 +17646,13 @@
             </a:r>
             <a:r>
               <a:rPr lang="en-US" dirty="0" smtClean="0"/>
-              <a:t> but not on the server</a:t>
-            </a:r>
+              <a:t> but not on the</a:t>
+            </a:r>
+            <a:r>
+              <a:rPr lang="en-US" dirty="0" smtClean="0"/>
+              <a:t> remote server</a:t>
+            </a:r>
+            <a:endParaRPr lang="en-US" dirty="0" smtClean="0"/>
           </a:p>
           <a:p>
             <a:pPr marL="342900" indent="342900">
@@ -17397,7 +17661,15 @@
             </a:pPr>
             <a:r>
               <a:rPr lang="en-US" dirty="0" smtClean="0"/>
-              <a:t>Only the database entries belonging to these are copied to the server		</a:t>
+              <a:t>Only the database entries belonging to these are copied to </a:t>
+            </a:r>
+            <a:r>
+              <a:rPr lang="en-US" dirty="0" smtClean="0"/>
+              <a:t>the remote	</a:t>
+            </a:r>
+            <a:r>
+              <a:rPr lang="en-US" dirty="0" smtClean="0"/>
+              <a:t>	</a:t>
             </a:r>
             <a:endParaRPr lang="en-US" dirty="0"/>
           </a:p>
@@ -17412,7 +17684,7 @@
         <p:spPr>
           <a:xfrm>
             <a:off x="303799" y="6121843"/>
-            <a:ext cx="8810280" cy="584776"/>
+            <a:ext cx="8810280" cy="369332"/>
           </a:xfrm>
           <a:prstGeom prst="rect">
             <a:avLst/>
@@ -17430,15 +17702,13 @@
             </a:pPr>
             <a:r>
               <a:rPr lang="en-US" dirty="0" smtClean="0"/>
-              <a:t>That’s everything for use case 2 (Backing up)….   Pretty simple</a:t>
-            </a:r>
-          </a:p>
-          <a:p>
-            <a:r>
-              <a:rPr lang="en-US" sz="1400" dirty="0" smtClean="0"/>
-              <a:t>Note that often the server copy is called the ‘master’  (because that’s what everybody sees)</a:t>
-            </a:r>
-            <a:endParaRPr lang="en-US" sz="1400" dirty="0"/>
+              <a:t>That’s everything for use case 2 (Backing up)….   Pretty </a:t>
+            </a:r>
+            <a:r>
+              <a:rPr lang="en-US" dirty="0" smtClean="0"/>
+              <a:t>simple</a:t>
+            </a:r>
+            <a:endParaRPr lang="en-US" dirty="0" smtClean="0"/>
           </a:p>
         </p:txBody>
       </p:sp>
@@ -19714,23 +19984,7 @@
             </a:br>
             <a:r>
               <a:rPr lang="en-US" sz="1400" dirty="0" smtClean="0"/>
-              <a:t>(=</a:t>
-            </a:r>
-            <a:r>
-              <a:rPr lang="en-US" sz="1400" dirty="0" smtClean="0"/>
-              <a:t>‘</a:t>
-            </a:r>
-            <a:r>
-              <a:rPr lang="en-US" sz="1400" dirty="0" smtClean="0"/>
-              <a:t>remote</a:t>
-            </a:r>
-            <a:r>
-              <a:rPr lang="en-US" sz="1400" dirty="0" smtClean="0"/>
-              <a:t>’</a:t>
-            </a:r>
-            <a:r>
-              <a:rPr lang="en-US" sz="1400" dirty="0" smtClean="0"/>
-              <a:t>)</a:t>
+              <a:t>(=‘remote’)</a:t>
             </a:r>
             <a:endParaRPr lang="en-US" sz="1400" dirty="0"/>
           </a:p>
@@ -19793,11 +20047,7 @@
           <a:p>
             <a:r>
               <a:rPr lang="en-US" sz="1400" dirty="0" smtClean="0"/>
-              <a:t>Push to </a:t>
-            </a:r>
-            <a:r>
-              <a:rPr lang="en-US" sz="1400" dirty="0" smtClean="0"/>
-              <a:t>remote</a:t>
+              <a:t>Push to remote</a:t>
             </a:r>
             <a:endParaRPr lang="en-US" sz="1400" dirty="0"/>
           </a:p>
@@ -19875,11 +20125,11 @@
   <p:clrMapOvr>
     <a:masterClrMapping/>
   </p:clrMapOvr>
-  <p:transition xmlns:p14="http://schemas.microsoft.com/office/powerpoint/2010/main"/>
+  <p:transition/>
   <p:timing>
     <p:tnLst>
       <p:par>
-        <p:cTn xmlns:p14="http://schemas.microsoft.com/office/powerpoint/2010/main" id="1" dur="indefinite" restart="never" nodeType="tmRoot">
+        <p:cTn id="1" dur="indefinite" restart="never" nodeType="tmRoot">
           <p:childTnLst>
             <p:seq concurrent="1" nextAc="seek">
               <p:cTn id="2" dur="indefinite" nodeType="mainSeq">
@@ -20370,7 +20620,7 @@
 </file>
 
 <file path=ppt/slides/slide8.xml><?xml version="1.0" encoding="utf-8"?>
-<p:sld xmlns:a="http://schemas.openxmlformats.org/drawingml/2006/main" xmlns:r="http://schemas.openxmlformats.org/officeDocument/2006/relationships" xmlns:p="http://schemas.openxmlformats.org/presentationml/2006/main">
+<p:sld xmlns:a="http://schemas.openxmlformats.org/drawingml/2006/main" xmlns:r="http://schemas.openxmlformats.org/officeDocument/2006/relationships" xmlns:mc="http://schemas.openxmlformats.org/markup-compatibility/2006" xmlns:mv="urn:schemas-microsoft-com:mac:vml" xmlns:p="http://schemas.openxmlformats.org/presentationml/2006/main" mc:Ignorable="mv" mc:PreserveAttributes="mv:*">
   <p:cSld>
     <p:spTree>
       <p:nvGrpSpPr>
@@ -20471,7 +20721,7 @@
         <p:spPr>
           <a:xfrm>
             <a:off x="423350" y="2700862"/>
-            <a:ext cx="8175039" cy="1754327"/>
+            <a:ext cx="8175039" cy="2862323"/>
           </a:xfrm>
           <a:prstGeom prst="rect">
             <a:avLst/>
@@ -20486,7 +20736,15 @@
           <a:p>
             <a:r>
               <a:rPr lang="en-US" dirty="0" smtClean="0"/>
-              <a:t>This necessitates two things:</a:t>
+              <a:t>This necessitates </a:t>
+            </a:r>
+            <a:r>
+              <a:rPr lang="en-US" dirty="0" smtClean="0"/>
+              <a:t>three </a:t>
+            </a:r>
+            <a:r>
+              <a:rPr lang="en-US" dirty="0" smtClean="0"/>
+              <a:t>things:</a:t>
             </a:r>
           </a:p>
           <a:p>
@@ -20496,11 +20754,7 @@
             </a:pPr>
             <a:r>
               <a:rPr lang="en-US" dirty="0" smtClean="0"/>
-              <a:t>Users can work on an isolated version of the repository without interfering with </a:t>
-            </a:r>
-            <a:r>
-              <a:rPr lang="en-US" dirty="0" smtClean="0"/>
-              <a:t>others</a:t>
+              <a:t>Users can work on an isolated version of the repository without interfering with others</a:t>
             </a:r>
           </a:p>
           <a:p>
@@ -20523,7 +20777,37 @@
               <a:rPr lang="en-US" dirty="0" smtClean="0"/>
               <a:t>made</a:t>
             </a:r>
-            <a:endParaRPr lang="en-US" dirty="0"/>
+          </a:p>
+          <a:p>
+            <a:pPr marL="342900" indent="-342900">
+              <a:buFont typeface="+mj-lt"/>
+              <a:buAutoNum type="arabicPeriod"/>
+            </a:pPr>
+            <a:endParaRPr lang="en-US" dirty="0" smtClean="0"/>
+          </a:p>
+          <a:p>
+            <a:pPr marL="342900" indent="-342900">
+              <a:buFont typeface="+mj-lt"/>
+              <a:buAutoNum type="arabicPeriod"/>
+            </a:pPr>
+            <a:r>
+              <a:rPr lang="en-US" dirty="0" smtClean="0"/>
+              <a:t>There exists a version of the repository considered to be the most relevant one</a:t>
+            </a:r>
+            <a:br>
+              <a:rPr lang="en-US" dirty="0" smtClean="0"/>
+            </a:br>
+            <a:r>
+              <a:rPr lang="en-US" dirty="0" smtClean="0"/>
+              <a:t>(usually called ‘master’)</a:t>
+            </a:r>
+          </a:p>
+          <a:p>
+            <a:pPr marL="342900" indent="-342900">
+              <a:buFont typeface="+mj-lt"/>
+              <a:buAutoNum type="arabicPeriod"/>
+            </a:pPr>
+            <a:endParaRPr lang="en-US" dirty="0" smtClean="0"/>
           </a:p>
         </p:txBody>
       </p:sp>
@@ -20535,7 +20819,7 @@
         </p:nvSpPr>
         <p:spPr>
           <a:xfrm>
-            <a:off x="218974" y="5357927"/>
+            <a:off x="423349" y="5727259"/>
             <a:ext cx="8379415" cy="369332"/>
           </a:xfrm>
           <a:prstGeom prst="rect">
@@ -20560,26 +20844,143 @@
     </p:spTree>
     <p:extLst>
       <p:ext uri="{BB962C8B-B14F-4D97-AF65-F5344CB8AC3E}">
-        <p14:creationId xmlns:p14="http://schemas.microsoft.com/office/powerpoint/2010/main" val="653782836"/>
+        <p14:creationId xmlns:p14="http://schemas.microsoft.com/office/powerpoint/2010/main" xmlns:p="http://schemas.openxmlformats.org/presentationml/2006/main" xmlns:r="http://schemas.openxmlformats.org/officeDocument/2006/relationships" xmlns:a="http://schemas.openxmlformats.org/drawingml/2006/main" xmlns="" val="653782836"/>
       </p:ext>
     </p:extLst>
   </p:cSld>
   <p:clrMapOvr>
     <a:masterClrMapping/>
   </p:clrMapOvr>
-  <p:transition xmlns:p14="http://schemas.microsoft.com/office/powerpoint/2010/main"/>
+  <p:transition/>
   <p:timing>
     <p:tnLst>
       <p:par>
-        <p:cTn xmlns:p14="http://schemas.microsoft.com/office/powerpoint/2010/main" id="1" dur="indefinite" restart="never" nodeType="tmRoot"/>
+        <p:cTn id="1" dur="indefinite" restart="never" nodeType="tmRoot">
+          <p:childTnLst>
+            <p:seq concurrent="1" nextAc="seek">
+              <p:cTn id="2" dur="indefinite" nodeType="mainSeq">
+                <p:childTnLst>
+                  <p:par>
+                    <p:cTn id="3" fill="hold">
+                      <p:stCondLst>
+                        <p:cond delay="indefinite"/>
+                      </p:stCondLst>
+                      <p:childTnLst>
+                        <p:par>
+                          <p:cTn id="4" fill="hold">
+                            <p:stCondLst>
+                              <p:cond delay="0"/>
+                            </p:stCondLst>
+                            <p:childTnLst>
+                              <p:par>
+                                <p:cTn id="5" presetID="1" presetClass="entr" presetSubtype="0" fill="hold" grpId="1" nodeType="clickEffect">
+                                  <p:stCondLst>
+                                    <p:cond delay="0"/>
+                                  </p:stCondLst>
+                                  <p:childTnLst>
+                                    <p:set>
+                                      <p:cBhvr>
+                                        <p:cTn id="6" dur="1" fill="hold">
+                                          <p:stCondLst>
+                                            <p:cond delay="0"/>
+                                          </p:stCondLst>
+                                        </p:cTn>
+                                        <p:tgtEl>
+                                          <p:spTgt spid="7"/>
+                                        </p:tgtEl>
+                                        <p:attrNameLst>
+                                          <p:attrName>style.visibility</p:attrName>
+                                        </p:attrNameLst>
+                                      </p:cBhvr>
+                                      <p:to>
+                                        <p:strVal val="visible"/>
+                                      </p:to>
+                                    </p:set>
+                                  </p:childTnLst>
+                                </p:cTn>
+                              </p:par>
+                            </p:childTnLst>
+                          </p:cTn>
+                        </p:par>
+                      </p:childTnLst>
+                    </p:cTn>
+                  </p:par>
+                  <p:par>
+                    <p:cTn id="7" fill="hold">
+                      <p:stCondLst>
+                        <p:cond delay="indefinite"/>
+                      </p:stCondLst>
+                      <p:childTnLst>
+                        <p:par>
+                          <p:cTn id="8" fill="hold">
+                            <p:stCondLst>
+                              <p:cond delay="0"/>
+                            </p:stCondLst>
+                            <p:childTnLst>
+                              <p:par>
+                                <p:cTn id="9" presetID="1" presetClass="entr" presetSubtype="0" fill="hold" grpId="0" nodeType="clickEffect">
+                                  <p:stCondLst>
+                                    <p:cond delay="0"/>
+                                  </p:stCondLst>
+                                  <p:childTnLst>
+                                    <p:set>
+                                      <p:cBhvr>
+                                        <p:cTn id="10" dur="1" fill="hold">
+                                          <p:stCondLst>
+                                            <p:cond delay="0"/>
+                                          </p:stCondLst>
+                                        </p:cTn>
+                                        <p:tgtEl>
+                                          <p:spTgt spid="8"/>
+                                        </p:tgtEl>
+                                        <p:attrNameLst>
+                                          <p:attrName>style.visibility</p:attrName>
+                                        </p:attrNameLst>
+                                      </p:cBhvr>
+                                      <p:to>
+                                        <p:strVal val="visible"/>
+                                      </p:to>
+                                    </p:set>
+                                  </p:childTnLst>
+                                </p:cTn>
+                              </p:par>
+                            </p:childTnLst>
+                          </p:cTn>
+                        </p:par>
+                      </p:childTnLst>
+                    </p:cTn>
+                  </p:par>
+                </p:childTnLst>
+              </p:cTn>
+              <p:prevCondLst>
+                <p:cond evt="onPrev" delay="0">
+                  <p:tgtEl>
+                    <p:sldTgt/>
+                  </p:tgtEl>
+                </p:cond>
+              </p:prevCondLst>
+              <p:nextCondLst>
+                <p:cond evt="onNext" delay="0">
+                  <p:tgtEl>
+                    <p:sldTgt/>
+                  </p:tgtEl>
+                </p:cond>
+              </p:nextCondLst>
+            </p:seq>
+          </p:childTnLst>
+        </p:cTn>
       </p:par>
     </p:tnLst>
+    <p:bldLst>
+      <p:bldP spid="7" grpId="1"/>
+      <p:bldP spid="8" grpId="0"/>
+    </p:bldLst>
   </p:timing>
 </p:sld>
 </file>
 
 <file path=ppt/slides/slide9.xml><?xml version="1.0" encoding="utf-8"?>
-<p:sld xmlns:a="http://schemas.openxmlformats.org/drawingml/2006/main" xmlns:r="http://schemas.openxmlformats.org/officeDocument/2006/relationships" xmlns:p="http://schemas.openxmlformats.org/presentationml/2006/main">
+<p:sld xmlns:a="http://schemas.openxmlformats.org/drawingml/2006/main" xmlns:r="http://schemas.openxmlformats.org/officeDocument/2006/relationships" xmlns:mc="http://schemas.openxmlformats.org/markup-compatibility/2006" xmlns:mv="urn:schemas-microsoft-com:mac:vml" xmlns:p="http://schemas.openxmlformats.org/presentationml/2006/main" mc:Ignorable="mv" mc:PreserveAttributes="mv:*">
   <p:cSld>
     <p:spTree>
       <p:nvGrpSpPr>
@@ -20716,8 +21117,8 @@
         </p:nvSpPr>
         <p:spPr>
           <a:xfrm>
-            <a:off x="335761" y="5842000"/>
-            <a:ext cx="8014457" cy="923330"/>
+            <a:off x="291745" y="6211332"/>
+            <a:ext cx="8014457" cy="369332"/>
           </a:xfrm>
           <a:prstGeom prst="rect">
             <a:avLst/>
@@ -20736,24 +21137,11 @@
             </a:pPr>
             <a:r>
               <a:rPr lang="en-US" dirty="0" smtClean="0"/>
-              <a:t>The commit history is ‘diverged’ or ‘branched’</a:t>
-            </a:r>
-          </a:p>
-          <a:p>
-            <a:pPr>
-              <a:buFont typeface="Arial"/>
-              <a:buChar char="•"/>
-            </a:pPr>
-            <a:endParaRPr lang="en-US" dirty="0" smtClean="0"/>
-          </a:p>
-          <a:p>
-            <a:pPr>
-              <a:buFont typeface="Arial"/>
-              <a:buChar char="•"/>
-            </a:pPr>
+              <a:t>The commit history is ‘diverged’ or ‘branched</a:t>
+            </a:r>
             <a:r>
               <a:rPr lang="en-US" dirty="0" smtClean="0"/>
-              <a:t>Problem: no more linear project history!!!</a:t>
+              <a:t>’</a:t>
             </a:r>
           </a:p>
         </p:txBody>
@@ -20766,7 +21154,7 @@
         </p:nvSpPr>
         <p:spPr>
           <a:xfrm>
-            <a:off x="291745" y="3141364"/>
+            <a:off x="291745" y="3326030"/>
             <a:ext cx="709314" cy="646331"/>
           </a:xfrm>
           <a:prstGeom prst="rect">
@@ -20819,7 +21207,7 @@
         </p:nvSpPr>
         <p:spPr>
           <a:xfrm>
-            <a:off x="1228716" y="3141364"/>
+            <a:off x="1228716" y="3326030"/>
             <a:ext cx="709314" cy="646331"/>
           </a:xfrm>
           <a:prstGeom prst="rect">
@@ -20872,7 +21260,7 @@
         </p:nvSpPr>
         <p:spPr>
           <a:xfrm>
-            <a:off x="2131502" y="3141364"/>
+            <a:off x="2131502" y="3326030"/>
             <a:ext cx="709314" cy="646331"/>
           </a:xfrm>
           <a:prstGeom prst="rect">
@@ -21084,7 +21472,7 @@
         </p:nvSpPr>
         <p:spPr>
           <a:xfrm>
-            <a:off x="3196390" y="3969682"/>
+            <a:off x="3196390" y="4616012"/>
             <a:ext cx="709314" cy="646331"/>
           </a:xfrm>
           <a:prstGeom prst="rect">
@@ -21137,7 +21525,7 @@
         </p:nvSpPr>
         <p:spPr>
           <a:xfrm>
-            <a:off x="5745461" y="3969682"/>
+            <a:off x="5745461" y="4616012"/>
             <a:ext cx="709314" cy="646331"/>
           </a:xfrm>
           <a:prstGeom prst="rect">
@@ -21190,7 +21578,7 @@
         </p:nvCxnSpPr>
         <p:spPr>
           <a:xfrm>
-            <a:off x="218974" y="5153878"/>
+            <a:off x="218974" y="5472668"/>
             <a:ext cx="7912270" cy="1588"/>
           </a:xfrm>
           <a:prstGeom prst="straightConnector1">
@@ -21226,7 +21614,7 @@
         </p:nvSpPr>
         <p:spPr>
           <a:xfrm>
-            <a:off x="218974" y="5153878"/>
+            <a:off x="218974" y="5472668"/>
             <a:ext cx="828744" cy="369332"/>
           </a:xfrm>
           <a:prstGeom prst="rect">
@@ -21256,7 +21644,7 @@
         </p:nvSpPr>
         <p:spPr>
           <a:xfrm>
-            <a:off x="8131244" y="2324268"/>
+            <a:off x="7865848" y="2324268"/>
             <a:ext cx="968740" cy="646331"/>
           </a:xfrm>
           <a:prstGeom prst="rect">
@@ -21293,7 +21681,7 @@
         </p:nvSpPr>
         <p:spPr>
           <a:xfrm>
-            <a:off x="8131244" y="3969682"/>
+            <a:off x="6454775" y="4617600"/>
             <a:ext cx="968740" cy="646331"/>
           </a:xfrm>
           <a:prstGeom prst="rect">
@@ -21334,7 +21722,7 @@
         <p:spPr>
           <a:xfrm flipV="1">
             <a:off x="2840816" y="2647434"/>
-            <a:ext cx="1064888" cy="817096"/>
+            <a:ext cx="1064888" cy="1001762"/>
           </a:xfrm>
           <a:prstGeom prst="straightConnector1">
             <a:avLst/>
@@ -21369,7 +21757,7 @@
         </p:nvCxnSpPr>
         <p:spPr>
           <a:xfrm>
-            <a:off x="1001059" y="3464530"/>
+            <a:off x="1001059" y="3649196"/>
             <a:ext cx="227657" cy="1588"/>
           </a:xfrm>
           <a:prstGeom prst="straightConnector1">
@@ -21405,7 +21793,7 @@
         </p:nvCxnSpPr>
         <p:spPr>
           <a:xfrm>
-            <a:off x="1938030" y="3464530"/>
+            <a:off x="1938030" y="3649196"/>
             <a:ext cx="193472" cy="1588"/>
           </a:xfrm>
           <a:prstGeom prst="straightConnector1">
@@ -21441,8 +21829,8 @@
         </p:nvCxnSpPr>
         <p:spPr>
           <a:xfrm>
-            <a:off x="2840816" y="3464530"/>
-            <a:ext cx="355574" cy="828318"/>
+            <a:off x="2840816" y="3649196"/>
+            <a:ext cx="355574" cy="1289982"/>
           </a:xfrm>
           <a:prstGeom prst="straightConnector1">
             <a:avLst/>
@@ -21549,7 +21937,7 @@
         </p:nvCxnSpPr>
         <p:spPr>
           <a:xfrm>
-            <a:off x="3905704" y="4292848"/>
+            <a:off x="3905704" y="4939178"/>
             <a:ext cx="1839757" cy="1588"/>
           </a:xfrm>
           <a:prstGeom prst="straightConnector1">
@@ -21574,21 +21962,62 @@
           </a:fontRef>
         </p:style>
       </p:cxnSp>
+      <p:sp>
+        <p:nvSpPr>
+          <p:cNvPr id="25" name="TextBox 24"/>
+          <p:cNvSpPr txBox="1"/>
+          <p:nvPr/>
+        </p:nvSpPr>
+        <p:spPr>
+          <a:xfrm>
+            <a:off x="3196390" y="3327618"/>
+            <a:ext cx="968740" cy="646331"/>
+          </a:xfrm>
+          <a:prstGeom prst="rect">
+            <a:avLst/>
+          </a:prstGeom>
+          <a:noFill/>
+        </p:spPr>
+        <p:txBody>
+          <a:bodyPr wrap="square" rtlCol="0">
+            <a:spAutoFit/>
+          </a:bodyPr>
+          <a:lstStyle/>
+          <a:p>
+            <a:r>
+              <a:rPr lang="en-US" dirty="0" smtClean="0"/>
+              <a:t>m</a:t>
+            </a:r>
+            <a:r>
+              <a:rPr lang="en-US" dirty="0" smtClean="0"/>
+              <a:t>aster</a:t>
+            </a:r>
+            <a:br>
+              <a:rPr lang="en-US" dirty="0" smtClean="0"/>
+            </a:br>
+            <a:r>
+              <a:rPr lang="en-US" dirty="0" smtClean="0"/>
+              <a:t>branch</a:t>
+            </a:r>
+            <a:endParaRPr lang="en-US" dirty="0"/>
+          </a:p>
+        </p:txBody>
+      </p:sp>
     </p:spTree>
     <p:extLst>
       <p:ext uri="{BB962C8B-B14F-4D97-AF65-F5344CB8AC3E}">
-        <p14:creationId xmlns:p14="http://schemas.microsoft.com/office/powerpoint/2010/main" val="653782836"/>
+        <p14:creationId xmlns:p14="http://schemas.microsoft.com/office/powerpoint/2010/main" xmlns:p="http://schemas.openxmlformats.org/presentationml/2006/main" xmlns:r="http://schemas.openxmlformats.org/officeDocument/2006/relationships" xmlns:a="http://schemas.openxmlformats.org/drawingml/2006/main" xmlns="" val="653782836"/>
       </p:ext>
     </p:extLst>
   </p:cSld>
   <p:clrMapOvr>
     <a:masterClrMapping/>
   </p:clrMapOvr>
-  <p:transition xmlns:p14="http://schemas.microsoft.com/office/powerpoint/2010/main"/>
+  <p:transition/>
   <p:timing>
     <p:tnLst>
       <p:par>
-        <p:cTn xmlns:p14="http://schemas.microsoft.com/office/powerpoint/2010/main" id="1" dur="indefinite" restart="never" nodeType="tmRoot"/>
+        <p:cTn id="1" dur="indefinite" restart="never" nodeType="tmRoot"/>
       </p:par>
     </p:tnLst>
   </p:timing>
